--- a/06.Spring Data JDBC.pptx
+++ b/06.Spring Data JDBC.pptx
@@ -7,8 +7,27 @@
   <p:sldIdLst>
     <p:sldId id="256" r:id="rId2"/>
     <p:sldId id="321" r:id="rId3"/>
-    <p:sldId id="323" r:id="rId4"/>
-    <p:sldId id="325" r:id="rId5"/>
+    <p:sldId id="328" r:id="rId4"/>
+    <p:sldId id="327" r:id="rId5"/>
+    <p:sldId id="326" r:id="rId6"/>
+    <p:sldId id="323" r:id="rId7"/>
+    <p:sldId id="325" r:id="rId8"/>
+    <p:sldId id="329" r:id="rId9"/>
+    <p:sldId id="332" r:id="rId10"/>
+    <p:sldId id="330" r:id="rId11"/>
+    <p:sldId id="331" r:id="rId12"/>
+    <p:sldId id="333" r:id="rId13"/>
+    <p:sldId id="334" r:id="rId14"/>
+    <p:sldId id="336" r:id="rId15"/>
+    <p:sldId id="335" r:id="rId16"/>
+    <p:sldId id="337" r:id="rId17"/>
+    <p:sldId id="338" r:id="rId18"/>
+    <p:sldId id="339" r:id="rId19"/>
+    <p:sldId id="340" r:id="rId20"/>
+    <p:sldId id="341" r:id="rId21"/>
+    <p:sldId id="342" r:id="rId22"/>
+    <p:sldId id="343" r:id="rId23"/>
+    <p:sldId id="344" r:id="rId24"/>
   </p:sldIdLst>
   <p:sldSz cx="12192000" cy="6858000"/>
   <p:notesSz cx="6858000" cy="9144000"/>
@@ -839,7 +858,7 @@
           <a:p>
             <a:fld id="{E7E49A89-72C0-40C6-A55C-C6C12D525ACC}" type="datetimeFigureOut">
               <a:rPr lang="en-US" smtClean="0"/>
-              <a:t>7/18/2024</a:t>
+              <a:t>7/23/2024</a:t>
             </a:fld>
             <a:endParaRPr lang="en-US"/>
           </a:p>
@@ -1090,7 +1109,7 @@
           <a:p>
             <a:fld id="{E7E49A89-72C0-40C6-A55C-C6C12D525ACC}" type="datetimeFigureOut">
               <a:rPr lang="en-US" smtClean="0"/>
-              <a:t>7/18/2024</a:t>
+              <a:t>7/23/2024</a:t>
             </a:fld>
             <a:endParaRPr lang="en-US"/>
           </a:p>
@@ -1404,7 +1423,7 @@
           <a:p>
             <a:fld id="{E7E49A89-72C0-40C6-A55C-C6C12D525ACC}" type="datetimeFigureOut">
               <a:rPr lang="en-US" smtClean="0"/>
-              <a:t>7/18/2024</a:t>
+              <a:t>7/23/2024</a:t>
             </a:fld>
             <a:endParaRPr lang="en-US"/>
           </a:p>
@@ -1731,7 +1750,7 @@
           <a:p>
             <a:fld id="{E7E49A89-72C0-40C6-A55C-C6C12D525ACC}" type="datetimeFigureOut">
               <a:rPr lang="en-US" smtClean="0"/>
-              <a:t>7/18/2024</a:t>
+              <a:t>7/23/2024</a:t>
             </a:fld>
             <a:endParaRPr lang="en-US"/>
           </a:p>
@@ -2045,7 +2064,7 @@
           <a:p>
             <a:fld id="{E7E49A89-72C0-40C6-A55C-C6C12D525ACC}" type="datetimeFigureOut">
               <a:rPr lang="en-US" smtClean="0"/>
-              <a:t>7/18/2024</a:t>
+              <a:t>7/23/2024</a:t>
             </a:fld>
             <a:endParaRPr lang="en-US"/>
           </a:p>
@@ -2432,7 +2451,7 @@
           <a:p>
             <a:fld id="{E7E49A89-72C0-40C6-A55C-C6C12D525ACC}" type="datetimeFigureOut">
               <a:rPr lang="en-US" smtClean="0"/>
-              <a:t>7/18/2024</a:t>
+              <a:t>7/23/2024</a:t>
             </a:fld>
             <a:endParaRPr lang="en-US"/>
           </a:p>
@@ -2602,7 +2621,7 @@
           <a:p>
             <a:fld id="{E7E49A89-72C0-40C6-A55C-C6C12D525ACC}" type="datetimeFigureOut">
               <a:rPr lang="en-US" smtClean="0"/>
-              <a:t>7/18/2024</a:t>
+              <a:t>7/23/2024</a:t>
             </a:fld>
             <a:endParaRPr lang="en-US"/>
           </a:p>
@@ -2782,7 +2801,7 @@
           <a:p>
             <a:fld id="{E7E49A89-72C0-40C6-A55C-C6C12D525ACC}" type="datetimeFigureOut">
               <a:rPr lang="en-US" smtClean="0"/>
-              <a:t>7/18/2024</a:t>
+              <a:t>7/23/2024</a:t>
             </a:fld>
             <a:endParaRPr lang="en-US"/>
           </a:p>
@@ -2958,7 +2977,7 @@
           <a:p>
             <a:fld id="{E7E49A89-72C0-40C6-A55C-C6C12D525ACC}" type="datetimeFigureOut">
               <a:rPr lang="en-US" smtClean="0"/>
-              <a:t>7/18/2024</a:t>
+              <a:t>7/23/2024</a:t>
             </a:fld>
             <a:endParaRPr lang="en-US"/>
           </a:p>
@@ -3205,7 +3224,7 @@
           <a:p>
             <a:fld id="{E7E49A89-72C0-40C6-A55C-C6C12D525ACC}" type="datetimeFigureOut">
               <a:rPr lang="en-US" smtClean="0"/>
-              <a:t>7/18/2024</a:t>
+              <a:t>7/23/2024</a:t>
             </a:fld>
             <a:endParaRPr lang="en-US"/>
           </a:p>
@@ -3437,7 +3456,7 @@
           <a:p>
             <a:fld id="{E7E49A89-72C0-40C6-A55C-C6C12D525ACC}" type="datetimeFigureOut">
               <a:rPr lang="en-US" smtClean="0"/>
-              <a:t>7/18/2024</a:t>
+              <a:t>7/23/2024</a:t>
             </a:fld>
             <a:endParaRPr lang="en-US"/>
           </a:p>
@@ -3811,7 +3830,7 @@
           <a:p>
             <a:fld id="{E7E49A89-72C0-40C6-A55C-C6C12D525ACC}" type="datetimeFigureOut">
               <a:rPr lang="en-US" smtClean="0"/>
-              <a:t>7/18/2024</a:t>
+              <a:t>7/23/2024</a:t>
             </a:fld>
             <a:endParaRPr lang="en-US"/>
           </a:p>
@@ -3934,7 +3953,7 @@
           <a:p>
             <a:fld id="{E7E49A89-72C0-40C6-A55C-C6C12D525ACC}" type="datetimeFigureOut">
               <a:rPr lang="en-US" smtClean="0"/>
-              <a:t>7/18/2024</a:t>
+              <a:t>7/23/2024</a:t>
             </a:fld>
             <a:endParaRPr lang="en-US"/>
           </a:p>
@@ -4029,7 +4048,7 @@
           <a:p>
             <a:fld id="{E7E49A89-72C0-40C6-A55C-C6C12D525ACC}" type="datetimeFigureOut">
               <a:rPr lang="en-US" smtClean="0"/>
-              <a:t>7/18/2024</a:t>
+              <a:t>7/23/2024</a:t>
             </a:fld>
             <a:endParaRPr lang="en-US"/>
           </a:p>
@@ -4284,7 +4303,7 @@
           <a:p>
             <a:fld id="{E7E49A89-72C0-40C6-A55C-C6C12D525ACC}" type="datetimeFigureOut">
               <a:rPr lang="en-US" smtClean="0"/>
-              <a:t>7/18/2024</a:t>
+              <a:t>7/23/2024</a:t>
             </a:fld>
             <a:endParaRPr lang="en-US"/>
           </a:p>
@@ -4547,7 +4566,7 @@
           <a:p>
             <a:fld id="{E7E49A89-72C0-40C6-A55C-C6C12D525ACC}" type="datetimeFigureOut">
               <a:rPr lang="en-US" smtClean="0"/>
-              <a:t>7/18/2024</a:t>
+              <a:t>7/23/2024</a:t>
             </a:fld>
             <a:endParaRPr lang="en-US"/>
           </a:p>
@@ -5292,7 +5311,7 @@
           <a:p>
             <a:fld id="{E7E49A89-72C0-40C6-A55C-C6C12D525ACC}" type="datetimeFigureOut">
               <a:rPr lang="en-US" smtClean="0"/>
-              <a:t>7/18/2024</a:t>
+              <a:t>7/23/2024</a:t>
             </a:fld>
             <a:endParaRPr lang="en-US"/>
           </a:p>
@@ -5904,7 +5923,6460 @@
 </p:sld>
 </file>
 
+<file path=ppt/slides/slide10.xml><?xml version="1.0" encoding="utf-8"?>
+<p:sld xmlns:a="http://schemas.openxmlformats.org/drawingml/2006/main" xmlns:r="http://schemas.openxmlformats.org/officeDocument/2006/relationships" xmlns:p="http://schemas.openxmlformats.org/presentationml/2006/main">
+  <p:cSld>
+    <p:spTree>
+      <p:nvGrpSpPr>
+        <p:cNvPr id="1" name=""/>
+        <p:cNvGrpSpPr/>
+        <p:nvPr/>
+      </p:nvGrpSpPr>
+      <p:grpSpPr>
+        <a:xfrm>
+          <a:off x="0" y="0"/>
+          <a:ext cx="0" cy="0"/>
+          <a:chOff x="0" y="0"/>
+          <a:chExt cx="0" cy="0"/>
+        </a:xfrm>
+      </p:grpSpPr>
+      <p:sp>
+        <p:nvSpPr>
+          <p:cNvPr id="2" name="Title 1"/>
+          <p:cNvSpPr>
+            <a:spLocks noGrp="1"/>
+          </p:cNvSpPr>
+          <p:nvPr>
+            <p:ph type="title"/>
+          </p:nvPr>
+        </p:nvSpPr>
+        <p:spPr/>
+        <p:txBody>
+          <a:bodyPr/>
+          <a:lstStyle/>
+          <a:p>
+            <a:r>
+              <a:rPr lang="en-US" dirty="0">
+                <a:latin typeface="Arial" panose="020B0604020202020204" pitchFamily="34" charset="0"/>
+                <a:cs typeface="Arial" panose="020B0604020202020204" pitchFamily="34" charset="0"/>
+              </a:rPr>
+              <a:t>Start project</a:t>
+            </a:r>
+          </a:p>
+        </p:txBody>
+      </p:sp>
+      <p:sp>
+        <p:nvSpPr>
+          <p:cNvPr id="3" name="Content Placeholder 2"/>
+          <p:cNvSpPr>
+            <a:spLocks noGrp="1"/>
+          </p:cNvSpPr>
+          <p:nvPr>
+            <p:ph idx="1"/>
+          </p:nvPr>
+        </p:nvSpPr>
+        <p:spPr/>
+        <p:txBody>
+          <a:bodyPr/>
+          <a:lstStyle/>
+          <a:p>
+            <a:r>
+              <a:rPr lang="en-US" dirty="0" smtClean="0">
+                <a:latin typeface="Arial" panose="020B0604020202020204" pitchFamily="34" charset="0"/>
+                <a:cs typeface="Arial" panose="020B0604020202020204" pitchFamily="34" charset="0"/>
+              </a:rPr>
+              <a:t>Repository là gì?</a:t>
+            </a:r>
+            <a:endParaRPr lang="en-US" dirty="0">
+              <a:latin typeface="Arial" panose="020B0604020202020204" pitchFamily="34" charset="0"/>
+              <a:cs typeface="Arial" panose="020B0604020202020204" pitchFamily="34" charset="0"/>
+            </a:endParaRPr>
+          </a:p>
+          <a:p>
+            <a:endParaRPr lang="en-US" dirty="0" smtClean="0">
+              <a:latin typeface="Arial" panose="020B0604020202020204" pitchFamily="34" charset="0"/>
+              <a:cs typeface="Arial" panose="020B0604020202020204" pitchFamily="34" charset="0"/>
+            </a:endParaRPr>
+          </a:p>
+          <a:p>
+            <a:r>
+              <a:rPr lang="vi-VN" dirty="0">
+                <a:latin typeface="Arial" panose="020B0604020202020204" pitchFamily="34" charset="0"/>
+                <a:cs typeface="Arial" panose="020B0604020202020204" pitchFamily="34" charset="0"/>
+              </a:rPr>
+              <a:t>Repository là một phần của Spring Data, giúp tách biệt logic truy xuất dữ liệu khỏi logic nghiệp </a:t>
+            </a:r>
+            <a:r>
+              <a:rPr lang="vi-VN" dirty="0" smtClean="0">
+                <a:latin typeface="Arial" panose="020B0604020202020204" pitchFamily="34" charset="0"/>
+                <a:cs typeface="Arial" panose="020B0604020202020204" pitchFamily="34" charset="0"/>
+              </a:rPr>
+              <a:t>vụ</a:t>
+            </a:r>
+            <a:r>
+              <a:rPr lang="en-US" dirty="0" smtClean="0">
+                <a:latin typeface="Arial" panose="020B0604020202020204" pitchFamily="34" charset="0"/>
+                <a:cs typeface="Arial" panose="020B0604020202020204" pitchFamily="34" charset="0"/>
+              </a:rPr>
+              <a:t> (Service)</a:t>
+            </a:r>
+            <a:r>
+              <a:rPr lang="vi-VN" dirty="0" smtClean="0">
+                <a:latin typeface="Arial" panose="020B0604020202020204" pitchFamily="34" charset="0"/>
+                <a:cs typeface="Arial" panose="020B0604020202020204" pitchFamily="34" charset="0"/>
+              </a:rPr>
+              <a:t> </a:t>
+            </a:r>
+            <a:r>
+              <a:rPr lang="vi-VN" dirty="0">
+                <a:latin typeface="Arial" panose="020B0604020202020204" pitchFamily="34" charset="0"/>
+                <a:cs typeface="Arial" panose="020B0604020202020204" pitchFamily="34" charset="0"/>
+              </a:rPr>
+              <a:t>và cung cấp các phương thức để thực hiện các thao tác CRUD </a:t>
+            </a:r>
+            <a:r>
+              <a:rPr lang="vi-VN" dirty="0" smtClean="0">
+                <a:latin typeface="Arial" panose="020B0604020202020204" pitchFamily="34" charset="0"/>
+                <a:cs typeface="Arial" panose="020B0604020202020204" pitchFamily="34" charset="0"/>
+              </a:rPr>
+              <a:t>một </a:t>
+            </a:r>
+            <a:r>
+              <a:rPr lang="vi-VN" dirty="0">
+                <a:latin typeface="Arial" panose="020B0604020202020204" pitchFamily="34" charset="0"/>
+                <a:cs typeface="Arial" panose="020B0604020202020204" pitchFamily="34" charset="0"/>
+              </a:rPr>
+              <a:t>cách dễ dàng.</a:t>
+            </a:r>
+            <a:endParaRPr lang="en-US" dirty="0" smtClean="0">
+              <a:latin typeface="Arial" panose="020B0604020202020204" pitchFamily="34" charset="0"/>
+              <a:cs typeface="Arial" panose="020B0604020202020204" pitchFamily="34" charset="0"/>
+            </a:endParaRPr>
+          </a:p>
+          <a:p>
+            <a:r>
+              <a:rPr lang="en-US" dirty="0">
+                <a:solidFill>
+                  <a:srgbClr val="FFC000"/>
+                </a:solidFill>
+                <a:latin typeface="Arial" panose="020B0604020202020204" pitchFamily="34" charset="0"/>
+                <a:cs typeface="Arial" panose="020B0604020202020204" pitchFamily="34" charset="0"/>
+              </a:rPr>
+              <a:t>@</a:t>
+            </a:r>
+            <a:r>
+              <a:rPr lang="en-US" dirty="0" smtClean="0">
+                <a:solidFill>
+                  <a:srgbClr val="FFC000"/>
+                </a:solidFill>
+                <a:latin typeface="Arial" panose="020B0604020202020204" pitchFamily="34" charset="0"/>
+                <a:cs typeface="Arial" panose="020B0604020202020204" pitchFamily="34" charset="0"/>
+              </a:rPr>
+              <a:t>Repository</a:t>
+            </a:r>
+            <a:r>
+              <a:rPr lang="en-US" dirty="0" smtClean="0">
+                <a:latin typeface="Arial" panose="020B0604020202020204" pitchFamily="34" charset="0"/>
+                <a:cs typeface="Arial" panose="020B0604020202020204" pitchFamily="34" charset="0"/>
+              </a:rPr>
+              <a:t> dùng để đánh </a:t>
+            </a:r>
+            <a:r>
+              <a:rPr lang="en-US" dirty="0">
+                <a:latin typeface="Arial" panose="020B0604020202020204" pitchFamily="34" charset="0"/>
+                <a:cs typeface="Arial" panose="020B0604020202020204" pitchFamily="34" charset="0"/>
+              </a:rPr>
+              <a:t>dấu một </a:t>
+            </a:r>
+            <a:r>
+              <a:rPr lang="en-US" dirty="0" smtClean="0">
+                <a:latin typeface="Arial" panose="020B0604020202020204" pitchFamily="34" charset="0"/>
+                <a:cs typeface="Arial" panose="020B0604020202020204" pitchFamily="34" charset="0"/>
+              </a:rPr>
+              <a:t>class là repository.</a:t>
+            </a:r>
+          </a:p>
+          <a:p>
+            <a:endParaRPr lang="en-US" dirty="0">
+              <a:latin typeface="Arial" panose="020B0604020202020204" pitchFamily="34" charset="0"/>
+              <a:cs typeface="Arial" panose="020B0604020202020204" pitchFamily="34" charset="0"/>
+            </a:endParaRPr>
+          </a:p>
+          <a:p>
+            <a:endParaRPr lang="en-US" dirty="0" smtClean="0">
+              <a:latin typeface="Arial" panose="020B0604020202020204" pitchFamily="34" charset="0"/>
+              <a:cs typeface="Arial" panose="020B0604020202020204" pitchFamily="34" charset="0"/>
+            </a:endParaRPr>
+          </a:p>
+          <a:p>
+            <a:endParaRPr lang="en-US" dirty="0">
+              <a:latin typeface="Arial" panose="020B0604020202020204" pitchFamily="34" charset="0"/>
+              <a:cs typeface="Arial" panose="020B0604020202020204" pitchFamily="34" charset="0"/>
+            </a:endParaRPr>
+          </a:p>
+          <a:p>
+            <a:endParaRPr lang="en-US" dirty="0">
+              <a:latin typeface="Arial" panose="020B0604020202020204" pitchFamily="34" charset="0"/>
+              <a:cs typeface="Arial" panose="020B0604020202020204" pitchFamily="34" charset="0"/>
+            </a:endParaRPr>
+          </a:p>
+        </p:txBody>
+      </p:sp>
+    </p:spTree>
+    <p:extLst>
+      <p:ext uri="{BB962C8B-B14F-4D97-AF65-F5344CB8AC3E}">
+        <p14:creationId xmlns:p14="http://schemas.microsoft.com/office/powerpoint/2010/main" val="2452897573"/>
+      </p:ext>
+    </p:extLst>
+  </p:cSld>
+  <p:clrMapOvr>
+    <a:masterClrMapping/>
+  </p:clrMapOvr>
+</p:sld>
+</file>
+
+<file path=ppt/slides/slide11.xml><?xml version="1.0" encoding="utf-8"?>
+<p:sld xmlns:a="http://schemas.openxmlformats.org/drawingml/2006/main" xmlns:r="http://schemas.openxmlformats.org/officeDocument/2006/relationships" xmlns:p="http://schemas.openxmlformats.org/presentationml/2006/main">
+  <p:cSld>
+    <p:spTree>
+      <p:nvGrpSpPr>
+        <p:cNvPr id="1" name=""/>
+        <p:cNvGrpSpPr/>
+        <p:nvPr/>
+      </p:nvGrpSpPr>
+      <p:grpSpPr>
+        <a:xfrm>
+          <a:off x="0" y="0"/>
+          <a:ext cx="0" cy="0"/>
+          <a:chOff x="0" y="0"/>
+          <a:chExt cx="0" cy="0"/>
+        </a:xfrm>
+      </p:grpSpPr>
+      <p:sp>
+        <p:nvSpPr>
+          <p:cNvPr id="2" name="Title 1"/>
+          <p:cNvSpPr>
+            <a:spLocks noGrp="1"/>
+          </p:cNvSpPr>
+          <p:nvPr>
+            <p:ph type="title"/>
+          </p:nvPr>
+        </p:nvSpPr>
+        <p:spPr/>
+        <p:txBody>
+          <a:bodyPr/>
+          <a:lstStyle/>
+          <a:p>
+            <a:r>
+              <a:rPr lang="en-US" dirty="0">
+                <a:latin typeface="Arial" panose="020B0604020202020204" pitchFamily="34" charset="0"/>
+                <a:cs typeface="Arial" panose="020B0604020202020204" pitchFamily="34" charset="0"/>
+              </a:rPr>
+              <a:t>Start project</a:t>
+            </a:r>
+          </a:p>
+        </p:txBody>
+      </p:sp>
+      <p:sp>
+        <p:nvSpPr>
+          <p:cNvPr id="3" name="Content Placeholder 2"/>
+          <p:cNvSpPr>
+            <a:spLocks noGrp="1"/>
+          </p:cNvSpPr>
+          <p:nvPr>
+            <p:ph idx="1"/>
+          </p:nvPr>
+        </p:nvSpPr>
+        <p:spPr/>
+        <p:txBody>
+          <a:bodyPr/>
+          <a:lstStyle/>
+          <a:p>
+            <a:r>
+              <a:rPr lang="en-US" dirty="0" smtClean="0">
+                <a:latin typeface="Arial" panose="020B0604020202020204" pitchFamily="34" charset="0"/>
+                <a:cs typeface="Arial" panose="020B0604020202020204" pitchFamily="34" charset="0"/>
+              </a:rPr>
+              <a:t>Tiếp theo tạo service để xử lý business</a:t>
+            </a:r>
+          </a:p>
+          <a:p>
+            <a:endParaRPr lang="en-US" dirty="0">
+              <a:latin typeface="Arial" panose="020B0604020202020204" pitchFamily="34" charset="0"/>
+              <a:cs typeface="Arial" panose="020B0604020202020204" pitchFamily="34" charset="0"/>
+            </a:endParaRPr>
+          </a:p>
+          <a:p>
+            <a:endParaRPr lang="en-US" dirty="0" smtClean="0">
+              <a:latin typeface="Arial" panose="020B0604020202020204" pitchFamily="34" charset="0"/>
+              <a:cs typeface="Arial" panose="020B0604020202020204" pitchFamily="34" charset="0"/>
+            </a:endParaRPr>
+          </a:p>
+          <a:p>
+            <a:endParaRPr lang="en-US" dirty="0">
+              <a:latin typeface="Arial" panose="020B0604020202020204" pitchFamily="34" charset="0"/>
+              <a:cs typeface="Arial" panose="020B0604020202020204" pitchFamily="34" charset="0"/>
+            </a:endParaRPr>
+          </a:p>
+          <a:p>
+            <a:endParaRPr lang="en-US" dirty="0" smtClean="0">
+              <a:latin typeface="Arial" panose="020B0604020202020204" pitchFamily="34" charset="0"/>
+              <a:cs typeface="Arial" panose="020B0604020202020204" pitchFamily="34" charset="0"/>
+            </a:endParaRPr>
+          </a:p>
+          <a:p>
+            <a:endParaRPr lang="en-US" dirty="0">
+              <a:latin typeface="Arial" panose="020B0604020202020204" pitchFamily="34" charset="0"/>
+              <a:cs typeface="Arial" panose="020B0604020202020204" pitchFamily="34" charset="0"/>
+            </a:endParaRPr>
+          </a:p>
+          <a:p>
+            <a:endParaRPr lang="en-US" dirty="0" smtClean="0">
+              <a:latin typeface="Arial" panose="020B0604020202020204" pitchFamily="34" charset="0"/>
+              <a:cs typeface="Arial" panose="020B0604020202020204" pitchFamily="34" charset="0"/>
+            </a:endParaRPr>
+          </a:p>
+          <a:p>
+            <a:endParaRPr lang="en-US" dirty="0">
+              <a:latin typeface="Arial" panose="020B0604020202020204" pitchFamily="34" charset="0"/>
+              <a:cs typeface="Arial" panose="020B0604020202020204" pitchFamily="34" charset="0"/>
+            </a:endParaRPr>
+          </a:p>
+          <a:p>
+            <a:endParaRPr lang="en-US" dirty="0">
+              <a:latin typeface="Arial" panose="020B0604020202020204" pitchFamily="34" charset="0"/>
+              <a:cs typeface="Arial" panose="020B0604020202020204" pitchFamily="34" charset="0"/>
+            </a:endParaRPr>
+          </a:p>
+        </p:txBody>
+      </p:sp>
+      <p:sp>
+        <p:nvSpPr>
+          <p:cNvPr id="10" name="Rectangle 3"/>
+          <p:cNvSpPr>
+            <a:spLocks noChangeArrowheads="1"/>
+          </p:cNvSpPr>
+          <p:nvPr/>
+        </p:nvSpPr>
+        <p:spPr bwMode="auto">
+          <a:xfrm>
+            <a:off x="677334" y="2629526"/>
+            <a:ext cx="4929716" cy="1446550"/>
+          </a:xfrm>
+          <a:prstGeom prst="rect">
+            <a:avLst/>
+          </a:prstGeom>
+          <a:solidFill>
+            <a:srgbClr val="282A36"/>
+          </a:solidFill>
+          <a:ln>
+            <a:noFill/>
+          </a:ln>
+          <a:effectLst/>
+          <a:extLst>
+            <a:ext uri="{91240B29-F687-4F45-9708-019B960494DF}">
+              <a14:hiddenLine xmlns:a14="http://schemas.microsoft.com/office/drawing/2010/main" w="9525">
+                <a:solidFill>
+                  <a:schemeClr val="tx1"/>
+                </a:solidFill>
+                <a:miter lim="800000"/>
+                <a:headEnd/>
+                <a:tailEnd/>
+              </a14:hiddenLine>
+            </a:ext>
+            <a:ext uri="{AF507438-7753-43E0-B8FC-AC1667EBCBE1}">
+              <a14:hiddenEffects xmlns:a14="http://schemas.microsoft.com/office/drawing/2010/main">
+                <a:effectLst>
+                  <a:outerShdw dist="35921" dir="2700000" algn="ctr" rotWithShape="0">
+                    <a:schemeClr val="bg2"/>
+                  </a:outerShdw>
+                </a:effectLst>
+              </a14:hiddenEffects>
+            </a:ext>
+          </a:extLst>
+        </p:spPr>
+        <p:txBody>
+          <a:bodyPr vert="horz" wrap="square" lIns="91440" tIns="45720" rIns="91440" bIns="45720" numCol="1" anchor="ctr" anchorCtr="0" compatLnSpc="1">
+            <a:prstTxWarp prst="textNoShape">
+              <a:avLst/>
+            </a:prstTxWarp>
+            <a:spAutoFit/>
+          </a:bodyPr>
+          <a:lstStyle/>
+          <a:p>
+            <a:pPr marL="0" marR="0" lvl="0" indent="0" algn="l" defTabSz="914400" rtl="0" eaLnBrk="0" fontAlgn="base" latinLnBrk="0" hangingPunct="0">
+              <a:lnSpc>
+                <a:spcPct val="100000"/>
+              </a:lnSpc>
+              <a:spcBef>
+                <a:spcPct val="0"/>
+              </a:spcBef>
+              <a:spcAft>
+                <a:spcPct val="0"/>
+              </a:spcAft>
+              <a:buClrTx/>
+              <a:buSzTx/>
+              <a:buFontTx/>
+              <a:buNone/>
+              <a:tabLst/>
+            </a:pPr>
+            <a:r>
+              <a:rPr kumimoji="0" lang="en-US" altLang="en-US" sz="1100" b="0" i="0" u="none" strike="noStrike" cap="none" normalizeH="0" baseline="0" dirty="0" smtClean="0">
+                <a:ln>
+                  <a:noFill/>
+                </a:ln>
+                <a:solidFill>
+                  <a:srgbClr val="50FA78"/>
+                </a:solidFill>
+                <a:effectLst/>
+                <a:latin typeface="Arial Unicode MS"/>
+                <a:ea typeface="JetBrains Mono"/>
+              </a:rPr>
+              <a:t>@Service</a:t>
+            </a:r>
+            <a:br>
+              <a:rPr kumimoji="0" lang="en-US" altLang="en-US" sz="1100" b="0" i="0" u="none" strike="noStrike" cap="none" normalizeH="0" baseline="0" dirty="0" smtClean="0">
+                <a:ln>
+                  <a:noFill/>
+                </a:ln>
+                <a:solidFill>
+                  <a:srgbClr val="50FA78"/>
+                </a:solidFill>
+                <a:effectLst/>
+                <a:latin typeface="Arial Unicode MS"/>
+                <a:ea typeface="JetBrains Mono"/>
+              </a:rPr>
+            </a:br>
+            <a:r>
+              <a:rPr kumimoji="0" lang="en-US" altLang="en-US" sz="1100" b="0" i="0" u="none" strike="noStrike" cap="none" normalizeH="0" baseline="0" dirty="0" smtClean="0">
+                <a:ln>
+                  <a:noFill/>
+                </a:ln>
+                <a:solidFill>
+                  <a:srgbClr val="50FA78"/>
+                </a:solidFill>
+                <a:effectLst/>
+                <a:latin typeface="Arial Unicode MS"/>
+                <a:ea typeface="JetBrains Mono"/>
+              </a:rPr>
+              <a:t>@RequiredArgsConstructor</a:t>
+            </a:r>
+            <a:br>
+              <a:rPr kumimoji="0" lang="en-US" altLang="en-US" sz="1100" b="0" i="0" u="none" strike="noStrike" cap="none" normalizeH="0" baseline="0" dirty="0" smtClean="0">
+                <a:ln>
+                  <a:noFill/>
+                </a:ln>
+                <a:solidFill>
+                  <a:srgbClr val="50FA78"/>
+                </a:solidFill>
+                <a:effectLst/>
+                <a:latin typeface="Arial Unicode MS"/>
+                <a:ea typeface="JetBrains Mono"/>
+              </a:rPr>
+            </a:br>
+            <a:r>
+              <a:rPr kumimoji="0" lang="en-US" altLang="en-US" sz="1100" b="0" i="0" u="none" strike="noStrike" cap="none" normalizeH="0" baseline="0" dirty="0" smtClean="0">
+                <a:ln>
+                  <a:noFill/>
+                </a:ln>
+                <a:solidFill>
+                  <a:srgbClr val="F780BF"/>
+                </a:solidFill>
+                <a:effectLst/>
+                <a:latin typeface="Arial Unicode MS"/>
+                <a:ea typeface="JetBrains Mono"/>
+              </a:rPr>
+              <a:t>public class </a:t>
+            </a:r>
+            <a:r>
+              <a:rPr kumimoji="0" lang="en-US" altLang="en-US" sz="1100" b="0" i="0" u="none" strike="noStrike" cap="none" normalizeH="0" baseline="0" dirty="0" smtClean="0">
+                <a:ln>
+                  <a:noFill/>
+                </a:ln>
+                <a:solidFill>
+                  <a:srgbClr val="78DCE8"/>
+                </a:solidFill>
+                <a:effectLst/>
+                <a:latin typeface="Arial Unicode MS"/>
+                <a:ea typeface="JetBrains Mono"/>
+              </a:rPr>
+              <a:t>UserService </a:t>
+            </a:r>
+            <a:r>
+              <a:rPr kumimoji="0" lang="en-US" altLang="en-US" sz="1100" b="0" i="0" u="none" strike="noStrike" cap="none" normalizeH="0" baseline="0" dirty="0" smtClean="0">
+                <a:ln>
+                  <a:noFill/>
+                </a:ln>
+                <a:solidFill>
+                  <a:srgbClr val="F8F8F2"/>
+                </a:solidFill>
+                <a:effectLst/>
+                <a:latin typeface="Arial Unicode MS"/>
+                <a:ea typeface="JetBrains Mono"/>
+              </a:rPr>
+              <a:t>{</a:t>
+            </a:r>
+            <a:br>
+              <a:rPr kumimoji="0" lang="en-US" altLang="en-US" sz="1100" b="0" i="0" u="none" strike="noStrike" cap="none" normalizeH="0" baseline="0" dirty="0" smtClean="0">
+                <a:ln>
+                  <a:noFill/>
+                </a:ln>
+                <a:solidFill>
+                  <a:srgbClr val="F8F8F2"/>
+                </a:solidFill>
+                <a:effectLst/>
+                <a:latin typeface="Arial Unicode MS"/>
+                <a:ea typeface="JetBrains Mono"/>
+              </a:rPr>
+            </a:br>
+            <a:r>
+              <a:rPr kumimoji="0" lang="en-US" altLang="en-US" sz="1100" b="0" i="0" u="none" strike="noStrike" cap="none" normalizeH="0" baseline="0" dirty="0" smtClean="0">
+                <a:ln>
+                  <a:noFill/>
+                </a:ln>
+                <a:solidFill>
+                  <a:srgbClr val="F8F8F2"/>
+                </a:solidFill>
+                <a:effectLst/>
+                <a:latin typeface="Arial Unicode MS"/>
+                <a:ea typeface="JetBrains Mono"/>
+              </a:rPr>
+              <a:t>    </a:t>
+            </a:r>
+            <a:r>
+              <a:rPr kumimoji="0" lang="en-US" altLang="en-US" sz="1100" b="0" i="0" u="none" strike="noStrike" cap="none" normalizeH="0" baseline="0" dirty="0" smtClean="0">
+                <a:ln>
+                  <a:noFill/>
+                </a:ln>
+                <a:solidFill>
+                  <a:srgbClr val="F780BF"/>
+                </a:solidFill>
+                <a:effectLst/>
+                <a:latin typeface="Arial Unicode MS"/>
+                <a:ea typeface="JetBrains Mono"/>
+              </a:rPr>
+              <a:t>private final </a:t>
+            </a:r>
+            <a:r>
+              <a:rPr kumimoji="0" lang="en-US" altLang="en-US" sz="1100" b="0" i="1" u="none" strike="noStrike" cap="none" normalizeH="0" baseline="0" dirty="0" smtClean="0">
+                <a:ln>
+                  <a:noFill/>
+                </a:ln>
+                <a:solidFill>
+                  <a:srgbClr val="80FFEA"/>
+                </a:solidFill>
+                <a:effectLst/>
+                <a:latin typeface="Arial Unicode MS"/>
+                <a:ea typeface="JetBrains Mono"/>
+              </a:rPr>
+              <a:t>UserRepository </a:t>
+            </a:r>
+            <a:r>
+              <a:rPr kumimoji="0" lang="en-US" altLang="en-US" sz="1100" b="0" i="0" u="none" strike="noStrike" cap="none" normalizeH="0" baseline="0" dirty="0" smtClean="0">
+                <a:ln>
+                  <a:noFill/>
+                </a:ln>
+                <a:solidFill>
+                  <a:srgbClr val="F8F8F2"/>
+                </a:solidFill>
+                <a:effectLst/>
+                <a:latin typeface="Arial Unicode MS"/>
+                <a:ea typeface="JetBrains Mono"/>
+              </a:rPr>
+              <a:t>userRepository;</a:t>
+            </a:r>
+            <a:br>
+              <a:rPr kumimoji="0" lang="en-US" altLang="en-US" sz="1100" b="0" i="0" u="none" strike="noStrike" cap="none" normalizeH="0" baseline="0" dirty="0" smtClean="0">
+                <a:ln>
+                  <a:noFill/>
+                </a:ln>
+                <a:solidFill>
+                  <a:srgbClr val="F8F8F2"/>
+                </a:solidFill>
+                <a:effectLst/>
+                <a:latin typeface="Arial Unicode MS"/>
+                <a:ea typeface="JetBrains Mono"/>
+              </a:rPr>
+            </a:br>
+            <a:r>
+              <a:rPr kumimoji="0" lang="en-US" altLang="en-US" sz="1100" b="0" i="0" u="none" strike="noStrike" cap="none" normalizeH="0" baseline="0" dirty="0" smtClean="0">
+                <a:ln>
+                  <a:noFill/>
+                </a:ln>
+                <a:solidFill>
+                  <a:srgbClr val="F8F8F2"/>
+                </a:solidFill>
+                <a:effectLst/>
+                <a:latin typeface="Arial Unicode MS"/>
+                <a:ea typeface="JetBrains Mono"/>
+              </a:rPr>
+              <a:t>    </a:t>
+            </a:r>
+            <a:r>
+              <a:rPr kumimoji="0" lang="en-US" altLang="en-US" sz="1100" b="0" i="0" u="none" strike="noStrike" cap="none" normalizeH="0" baseline="0" dirty="0" smtClean="0">
+                <a:ln>
+                  <a:noFill/>
+                </a:ln>
+                <a:solidFill>
+                  <a:srgbClr val="F780BF"/>
+                </a:solidFill>
+                <a:effectLst/>
+                <a:latin typeface="Arial Unicode MS"/>
+                <a:ea typeface="JetBrains Mono"/>
+              </a:rPr>
+              <a:t>private final </a:t>
+            </a:r>
+            <a:r>
+              <a:rPr kumimoji="0" lang="en-US" altLang="en-US" sz="1100" b="0" i="1" u="none" strike="noStrike" cap="none" normalizeH="0" baseline="0" dirty="0" smtClean="0">
+                <a:ln>
+                  <a:noFill/>
+                </a:ln>
+                <a:solidFill>
+                  <a:srgbClr val="80FFEA"/>
+                </a:solidFill>
+                <a:effectLst/>
+                <a:latin typeface="Arial Unicode MS"/>
+                <a:ea typeface="JetBrains Mono"/>
+              </a:rPr>
+              <a:t>UserPagingRepository </a:t>
+            </a:r>
+            <a:r>
+              <a:rPr kumimoji="0" lang="en-US" altLang="en-US" sz="1100" b="0" i="0" u="none" strike="noStrike" cap="none" normalizeH="0" baseline="0" dirty="0" smtClean="0">
+                <a:ln>
+                  <a:noFill/>
+                </a:ln>
+                <a:solidFill>
+                  <a:srgbClr val="F8F8F2"/>
+                </a:solidFill>
+                <a:effectLst/>
+                <a:latin typeface="Arial Unicode MS"/>
+                <a:ea typeface="JetBrains Mono"/>
+              </a:rPr>
+              <a:t>userPagingRepository;</a:t>
+            </a:r>
+            <a:br>
+              <a:rPr kumimoji="0" lang="en-US" altLang="en-US" sz="1100" b="0" i="0" u="none" strike="noStrike" cap="none" normalizeH="0" baseline="0" dirty="0" smtClean="0">
+                <a:ln>
+                  <a:noFill/>
+                </a:ln>
+                <a:solidFill>
+                  <a:srgbClr val="F8F8F2"/>
+                </a:solidFill>
+                <a:effectLst/>
+                <a:latin typeface="Arial Unicode MS"/>
+                <a:ea typeface="JetBrains Mono"/>
+              </a:rPr>
+            </a:br>
+            <a:r>
+              <a:rPr kumimoji="0" lang="en-US" altLang="en-US" sz="1100" b="0" i="0" u="none" strike="noStrike" cap="none" normalizeH="0" baseline="0" dirty="0" smtClean="0">
+                <a:ln>
+                  <a:noFill/>
+                </a:ln>
+                <a:solidFill>
+                  <a:srgbClr val="F8F8F2"/>
+                </a:solidFill>
+                <a:effectLst/>
+                <a:latin typeface="Arial Unicode MS"/>
+                <a:ea typeface="JetBrains Mono"/>
+              </a:rPr>
+              <a:t/>
+            </a:r>
+            <a:br>
+              <a:rPr kumimoji="0" lang="en-US" altLang="en-US" sz="1100" b="0" i="0" u="none" strike="noStrike" cap="none" normalizeH="0" baseline="0" dirty="0" smtClean="0">
+                <a:ln>
+                  <a:noFill/>
+                </a:ln>
+                <a:solidFill>
+                  <a:srgbClr val="F8F8F2"/>
+                </a:solidFill>
+                <a:effectLst/>
+                <a:latin typeface="Arial Unicode MS"/>
+                <a:ea typeface="JetBrains Mono"/>
+              </a:rPr>
+            </a:br>
+            <a:r>
+              <a:rPr kumimoji="0" lang="en-US" altLang="en-US" sz="1100" b="0" i="0" u="none" strike="noStrike" cap="none" normalizeH="0" baseline="0" dirty="0" smtClean="0">
+                <a:ln>
+                  <a:noFill/>
+                </a:ln>
+                <a:solidFill>
+                  <a:srgbClr val="F8F8F2"/>
+                </a:solidFill>
+                <a:effectLst/>
+                <a:latin typeface="Arial Unicode MS"/>
+                <a:ea typeface="JetBrains Mono"/>
+              </a:rPr>
+              <a:t>    </a:t>
+            </a:r>
+            <a:r>
+              <a:rPr kumimoji="0" lang="en-US" altLang="en-US" sz="1100" b="0" i="1" u="none" strike="noStrike" cap="none" normalizeH="0" baseline="0" dirty="0" smtClean="0">
+                <a:ln>
+                  <a:noFill/>
+                </a:ln>
+                <a:solidFill>
+                  <a:srgbClr val="6272A4"/>
+                </a:solidFill>
+                <a:effectLst/>
+                <a:latin typeface="Arial Unicode MS"/>
+                <a:ea typeface="JetBrains Mono"/>
+              </a:rPr>
+              <a:t>// Code here</a:t>
+            </a:r>
+            <a:br>
+              <a:rPr kumimoji="0" lang="en-US" altLang="en-US" sz="1100" b="0" i="1" u="none" strike="noStrike" cap="none" normalizeH="0" baseline="0" dirty="0" smtClean="0">
+                <a:ln>
+                  <a:noFill/>
+                </a:ln>
+                <a:solidFill>
+                  <a:srgbClr val="6272A4"/>
+                </a:solidFill>
+                <a:effectLst/>
+                <a:latin typeface="Arial Unicode MS"/>
+                <a:ea typeface="JetBrains Mono"/>
+              </a:rPr>
+            </a:br>
+            <a:r>
+              <a:rPr kumimoji="0" lang="en-US" altLang="en-US" sz="1100" b="0" i="0" u="none" strike="noStrike" cap="none" normalizeH="0" baseline="0" dirty="0" smtClean="0">
+                <a:ln>
+                  <a:noFill/>
+                </a:ln>
+                <a:solidFill>
+                  <a:srgbClr val="F8F8F2"/>
+                </a:solidFill>
+                <a:effectLst/>
+                <a:latin typeface="Arial Unicode MS"/>
+                <a:ea typeface="JetBrains Mono"/>
+              </a:rPr>
+              <a:t>}</a:t>
+            </a:r>
+            <a:endParaRPr kumimoji="0" lang="en-US" altLang="en-US" sz="2800" b="0" i="0" u="none" strike="noStrike" cap="none" normalizeH="0" baseline="0" dirty="0" smtClean="0">
+              <a:ln>
+                <a:noFill/>
+              </a:ln>
+              <a:solidFill>
+                <a:schemeClr val="tx1"/>
+              </a:solidFill>
+              <a:effectLst/>
+              <a:latin typeface="Arial" panose="020B0604020202020204" pitchFamily="34" charset="0"/>
+            </a:endParaRPr>
+          </a:p>
+        </p:txBody>
+      </p:sp>
+    </p:spTree>
+    <p:extLst>
+      <p:ext uri="{BB962C8B-B14F-4D97-AF65-F5344CB8AC3E}">
+        <p14:creationId xmlns:p14="http://schemas.microsoft.com/office/powerpoint/2010/main" val="1223350123"/>
+      </p:ext>
+    </p:extLst>
+  </p:cSld>
+  <p:clrMapOvr>
+    <a:masterClrMapping/>
+  </p:clrMapOvr>
+</p:sld>
+</file>
+
+<file path=ppt/slides/slide12.xml><?xml version="1.0" encoding="utf-8"?>
+<p:sld xmlns:a="http://schemas.openxmlformats.org/drawingml/2006/main" xmlns:r="http://schemas.openxmlformats.org/officeDocument/2006/relationships" xmlns:p="http://schemas.openxmlformats.org/presentationml/2006/main">
+  <p:cSld>
+    <p:spTree>
+      <p:nvGrpSpPr>
+        <p:cNvPr id="1" name=""/>
+        <p:cNvGrpSpPr/>
+        <p:nvPr/>
+      </p:nvGrpSpPr>
+      <p:grpSpPr>
+        <a:xfrm>
+          <a:off x="0" y="0"/>
+          <a:ext cx="0" cy="0"/>
+          <a:chOff x="0" y="0"/>
+          <a:chExt cx="0" cy="0"/>
+        </a:xfrm>
+      </p:grpSpPr>
+      <p:sp>
+        <p:nvSpPr>
+          <p:cNvPr id="2" name="Title 1"/>
+          <p:cNvSpPr>
+            <a:spLocks noGrp="1"/>
+          </p:cNvSpPr>
+          <p:nvPr>
+            <p:ph type="title"/>
+          </p:nvPr>
+        </p:nvSpPr>
+        <p:spPr/>
+        <p:txBody>
+          <a:bodyPr/>
+          <a:lstStyle/>
+          <a:p>
+            <a:r>
+              <a:rPr lang="en-US" dirty="0">
+                <a:latin typeface="Arial" panose="020B0604020202020204" pitchFamily="34" charset="0"/>
+                <a:cs typeface="Arial" panose="020B0604020202020204" pitchFamily="34" charset="0"/>
+              </a:rPr>
+              <a:t>Start project</a:t>
+            </a:r>
+          </a:p>
+        </p:txBody>
+      </p:sp>
+      <p:sp>
+        <p:nvSpPr>
+          <p:cNvPr id="3" name="Content Placeholder 2"/>
+          <p:cNvSpPr>
+            <a:spLocks noGrp="1"/>
+          </p:cNvSpPr>
+          <p:nvPr>
+            <p:ph idx="1"/>
+          </p:nvPr>
+        </p:nvSpPr>
+        <p:spPr/>
+        <p:txBody>
+          <a:bodyPr/>
+          <a:lstStyle/>
+          <a:p>
+            <a:r>
+              <a:rPr lang="en-US" dirty="0" smtClean="0">
+                <a:latin typeface="Arial" panose="020B0604020202020204" pitchFamily="34" charset="0"/>
+                <a:cs typeface="Arial" panose="020B0604020202020204" pitchFamily="34" charset="0"/>
+              </a:rPr>
+              <a:t>Cuối cùng là controller</a:t>
+            </a:r>
+          </a:p>
+          <a:p>
+            <a:endParaRPr lang="en-US" dirty="0">
+              <a:latin typeface="Arial" panose="020B0604020202020204" pitchFamily="34" charset="0"/>
+              <a:cs typeface="Arial" panose="020B0604020202020204" pitchFamily="34" charset="0"/>
+            </a:endParaRPr>
+          </a:p>
+          <a:p>
+            <a:endParaRPr lang="en-US" dirty="0" smtClean="0">
+              <a:latin typeface="Arial" panose="020B0604020202020204" pitchFamily="34" charset="0"/>
+              <a:cs typeface="Arial" panose="020B0604020202020204" pitchFamily="34" charset="0"/>
+            </a:endParaRPr>
+          </a:p>
+          <a:p>
+            <a:endParaRPr lang="en-US" dirty="0">
+              <a:latin typeface="Arial" panose="020B0604020202020204" pitchFamily="34" charset="0"/>
+              <a:cs typeface="Arial" panose="020B0604020202020204" pitchFamily="34" charset="0"/>
+            </a:endParaRPr>
+          </a:p>
+          <a:p>
+            <a:endParaRPr lang="en-US" dirty="0" smtClean="0">
+              <a:latin typeface="Arial" panose="020B0604020202020204" pitchFamily="34" charset="0"/>
+              <a:cs typeface="Arial" panose="020B0604020202020204" pitchFamily="34" charset="0"/>
+            </a:endParaRPr>
+          </a:p>
+          <a:p>
+            <a:endParaRPr lang="en-US" dirty="0">
+              <a:latin typeface="Arial" panose="020B0604020202020204" pitchFamily="34" charset="0"/>
+              <a:cs typeface="Arial" panose="020B0604020202020204" pitchFamily="34" charset="0"/>
+            </a:endParaRPr>
+          </a:p>
+          <a:p>
+            <a:endParaRPr lang="en-US" dirty="0" smtClean="0">
+              <a:latin typeface="Arial" panose="020B0604020202020204" pitchFamily="34" charset="0"/>
+              <a:cs typeface="Arial" panose="020B0604020202020204" pitchFamily="34" charset="0"/>
+            </a:endParaRPr>
+          </a:p>
+          <a:p>
+            <a:endParaRPr lang="en-US" dirty="0">
+              <a:latin typeface="Arial" panose="020B0604020202020204" pitchFamily="34" charset="0"/>
+              <a:cs typeface="Arial" panose="020B0604020202020204" pitchFamily="34" charset="0"/>
+            </a:endParaRPr>
+          </a:p>
+          <a:p>
+            <a:endParaRPr lang="en-US" dirty="0">
+              <a:latin typeface="Arial" panose="020B0604020202020204" pitchFamily="34" charset="0"/>
+              <a:cs typeface="Arial" panose="020B0604020202020204" pitchFamily="34" charset="0"/>
+            </a:endParaRPr>
+          </a:p>
+        </p:txBody>
+      </p:sp>
+      <p:sp>
+        <p:nvSpPr>
+          <p:cNvPr id="4" name="Rectangle 1"/>
+          <p:cNvSpPr>
+            <a:spLocks noChangeArrowheads="1"/>
+          </p:cNvSpPr>
+          <p:nvPr/>
+        </p:nvSpPr>
+        <p:spPr bwMode="auto">
+          <a:xfrm>
+            <a:off x="677334" y="2568115"/>
+            <a:ext cx="4167716" cy="1277273"/>
+          </a:xfrm>
+          <a:prstGeom prst="rect">
+            <a:avLst/>
+          </a:prstGeom>
+          <a:solidFill>
+            <a:srgbClr val="282A36"/>
+          </a:solidFill>
+          <a:ln>
+            <a:noFill/>
+          </a:ln>
+          <a:effectLst/>
+          <a:extLst>
+            <a:ext uri="{91240B29-F687-4F45-9708-019B960494DF}">
+              <a14:hiddenLine xmlns:a14="http://schemas.microsoft.com/office/drawing/2010/main" w="9525">
+                <a:solidFill>
+                  <a:schemeClr val="tx1"/>
+                </a:solidFill>
+                <a:miter lim="800000"/>
+                <a:headEnd/>
+                <a:tailEnd/>
+              </a14:hiddenLine>
+            </a:ext>
+            <a:ext uri="{AF507438-7753-43E0-B8FC-AC1667EBCBE1}">
+              <a14:hiddenEffects xmlns:a14="http://schemas.microsoft.com/office/drawing/2010/main">
+                <a:effectLst>
+                  <a:outerShdw dist="35921" dir="2700000" algn="ctr" rotWithShape="0">
+                    <a:schemeClr val="bg2"/>
+                  </a:outerShdw>
+                </a:effectLst>
+              </a14:hiddenEffects>
+            </a:ext>
+          </a:extLst>
+        </p:spPr>
+        <p:txBody>
+          <a:bodyPr vert="horz" wrap="square" lIns="91440" tIns="45720" rIns="91440" bIns="45720" numCol="1" anchor="ctr" anchorCtr="0" compatLnSpc="1">
+            <a:prstTxWarp prst="textNoShape">
+              <a:avLst/>
+            </a:prstTxWarp>
+            <a:spAutoFit/>
+          </a:bodyPr>
+          <a:lstStyle/>
+          <a:p>
+            <a:pPr marL="0" marR="0" lvl="0" indent="0" algn="l" defTabSz="914400" rtl="0" eaLnBrk="0" fontAlgn="base" latinLnBrk="0" hangingPunct="0">
+              <a:lnSpc>
+                <a:spcPct val="100000"/>
+              </a:lnSpc>
+              <a:spcBef>
+                <a:spcPct val="0"/>
+              </a:spcBef>
+              <a:spcAft>
+                <a:spcPct val="0"/>
+              </a:spcAft>
+              <a:buClrTx/>
+              <a:buSzTx/>
+              <a:buFontTx/>
+              <a:buNone/>
+              <a:tabLst/>
+            </a:pPr>
+            <a:r>
+              <a:rPr kumimoji="0" lang="en-US" altLang="en-US" sz="1100" b="0" i="0" u="none" strike="noStrike" cap="none" normalizeH="0" baseline="0" dirty="0" smtClean="0">
+                <a:ln>
+                  <a:noFill/>
+                </a:ln>
+                <a:solidFill>
+                  <a:srgbClr val="50FA78"/>
+                </a:solidFill>
+                <a:effectLst/>
+                <a:latin typeface="Arial Unicode MS"/>
+                <a:ea typeface="JetBrains Mono"/>
+              </a:rPr>
+              <a:t>@RestController</a:t>
+            </a:r>
+            <a:br>
+              <a:rPr kumimoji="0" lang="en-US" altLang="en-US" sz="1100" b="0" i="0" u="none" strike="noStrike" cap="none" normalizeH="0" baseline="0" dirty="0" smtClean="0">
+                <a:ln>
+                  <a:noFill/>
+                </a:ln>
+                <a:solidFill>
+                  <a:srgbClr val="50FA78"/>
+                </a:solidFill>
+                <a:effectLst/>
+                <a:latin typeface="Arial Unicode MS"/>
+                <a:ea typeface="JetBrains Mono"/>
+              </a:rPr>
+            </a:br>
+            <a:r>
+              <a:rPr kumimoji="0" lang="en-US" altLang="en-US" sz="1100" b="0" i="0" u="none" strike="noStrike" cap="none" normalizeH="0" baseline="0" dirty="0" smtClean="0">
+                <a:ln>
+                  <a:noFill/>
+                </a:ln>
+                <a:solidFill>
+                  <a:srgbClr val="50FA78"/>
+                </a:solidFill>
+                <a:effectLst/>
+                <a:latin typeface="Arial Unicode MS"/>
+                <a:ea typeface="JetBrains Mono"/>
+              </a:rPr>
+              <a:t>@RequiredArgsConstructor</a:t>
+            </a:r>
+            <a:br>
+              <a:rPr kumimoji="0" lang="en-US" altLang="en-US" sz="1100" b="0" i="0" u="none" strike="noStrike" cap="none" normalizeH="0" baseline="0" dirty="0" smtClean="0">
+                <a:ln>
+                  <a:noFill/>
+                </a:ln>
+                <a:solidFill>
+                  <a:srgbClr val="50FA78"/>
+                </a:solidFill>
+                <a:effectLst/>
+                <a:latin typeface="Arial Unicode MS"/>
+                <a:ea typeface="JetBrains Mono"/>
+              </a:rPr>
+            </a:br>
+            <a:r>
+              <a:rPr kumimoji="0" lang="en-US" altLang="en-US" sz="1100" b="0" i="0" u="none" strike="noStrike" cap="none" normalizeH="0" baseline="0" dirty="0" smtClean="0">
+                <a:ln>
+                  <a:noFill/>
+                </a:ln>
+                <a:solidFill>
+                  <a:srgbClr val="F780BF"/>
+                </a:solidFill>
+                <a:effectLst/>
+                <a:latin typeface="Arial Unicode MS"/>
+                <a:ea typeface="JetBrains Mono"/>
+              </a:rPr>
+              <a:t>public class </a:t>
+            </a:r>
+            <a:r>
+              <a:rPr kumimoji="0" lang="en-US" altLang="en-US" sz="1100" b="0" i="0" u="none" strike="noStrike" cap="none" normalizeH="0" baseline="0" dirty="0" smtClean="0">
+                <a:ln>
+                  <a:noFill/>
+                </a:ln>
+                <a:solidFill>
+                  <a:srgbClr val="78DCE8"/>
+                </a:solidFill>
+                <a:effectLst/>
+                <a:latin typeface="Arial Unicode MS"/>
+                <a:ea typeface="JetBrains Mono"/>
+              </a:rPr>
+              <a:t>UserController </a:t>
+            </a:r>
+            <a:r>
+              <a:rPr kumimoji="0" lang="en-US" altLang="en-US" sz="1100" b="0" i="0" u="none" strike="noStrike" cap="none" normalizeH="0" baseline="0" dirty="0" smtClean="0">
+                <a:ln>
+                  <a:noFill/>
+                </a:ln>
+                <a:solidFill>
+                  <a:srgbClr val="F8F8F2"/>
+                </a:solidFill>
+                <a:effectLst/>
+                <a:latin typeface="Arial Unicode MS"/>
+                <a:ea typeface="JetBrains Mono"/>
+              </a:rPr>
+              <a:t>{</a:t>
+            </a:r>
+            <a:br>
+              <a:rPr kumimoji="0" lang="en-US" altLang="en-US" sz="1100" b="0" i="0" u="none" strike="noStrike" cap="none" normalizeH="0" baseline="0" dirty="0" smtClean="0">
+                <a:ln>
+                  <a:noFill/>
+                </a:ln>
+                <a:solidFill>
+                  <a:srgbClr val="F8F8F2"/>
+                </a:solidFill>
+                <a:effectLst/>
+                <a:latin typeface="Arial Unicode MS"/>
+                <a:ea typeface="JetBrains Mono"/>
+              </a:rPr>
+            </a:br>
+            <a:r>
+              <a:rPr kumimoji="0" lang="en-US" altLang="en-US" sz="1100" b="0" i="0" u="none" strike="noStrike" cap="none" normalizeH="0" baseline="0" dirty="0" smtClean="0">
+                <a:ln>
+                  <a:noFill/>
+                </a:ln>
+                <a:solidFill>
+                  <a:srgbClr val="F8F8F2"/>
+                </a:solidFill>
+                <a:effectLst/>
+                <a:latin typeface="Arial Unicode MS"/>
+                <a:ea typeface="JetBrains Mono"/>
+              </a:rPr>
+              <a:t>    </a:t>
+            </a:r>
+            <a:r>
+              <a:rPr kumimoji="0" lang="en-US" altLang="en-US" sz="1100" b="0" i="0" u="none" strike="noStrike" cap="none" normalizeH="0" baseline="0" dirty="0" smtClean="0">
+                <a:ln>
+                  <a:noFill/>
+                </a:ln>
+                <a:solidFill>
+                  <a:srgbClr val="F780BF"/>
+                </a:solidFill>
+                <a:effectLst/>
+                <a:latin typeface="Arial Unicode MS"/>
+                <a:ea typeface="JetBrains Mono"/>
+              </a:rPr>
+              <a:t>private final </a:t>
+            </a:r>
+            <a:r>
+              <a:rPr kumimoji="0" lang="en-US" altLang="en-US" sz="1100" b="0" i="0" u="none" strike="noStrike" cap="none" normalizeH="0" baseline="0" dirty="0" smtClean="0">
+                <a:ln>
+                  <a:noFill/>
+                </a:ln>
+                <a:solidFill>
+                  <a:srgbClr val="78DCE8"/>
+                </a:solidFill>
+                <a:effectLst/>
+                <a:latin typeface="Arial Unicode MS"/>
+                <a:ea typeface="JetBrains Mono"/>
+              </a:rPr>
+              <a:t>UserService </a:t>
+            </a:r>
+            <a:r>
+              <a:rPr kumimoji="0" lang="en-US" altLang="en-US" sz="1100" b="0" i="0" u="none" strike="noStrike" cap="none" normalizeH="0" baseline="0" dirty="0" smtClean="0">
+                <a:ln>
+                  <a:noFill/>
+                </a:ln>
+                <a:solidFill>
+                  <a:srgbClr val="F8F8F2"/>
+                </a:solidFill>
+                <a:effectLst/>
+                <a:latin typeface="Arial Unicode MS"/>
+                <a:ea typeface="JetBrains Mono"/>
+              </a:rPr>
+              <a:t>userService;</a:t>
+            </a:r>
+            <a:br>
+              <a:rPr kumimoji="0" lang="en-US" altLang="en-US" sz="1100" b="0" i="0" u="none" strike="noStrike" cap="none" normalizeH="0" baseline="0" dirty="0" smtClean="0">
+                <a:ln>
+                  <a:noFill/>
+                </a:ln>
+                <a:solidFill>
+                  <a:srgbClr val="F8F8F2"/>
+                </a:solidFill>
+                <a:effectLst/>
+                <a:latin typeface="Arial Unicode MS"/>
+                <a:ea typeface="JetBrains Mono"/>
+              </a:rPr>
+            </a:br>
+            <a:r>
+              <a:rPr kumimoji="0" lang="en-US" altLang="en-US" sz="1100" b="0" i="0" u="none" strike="noStrike" cap="none" normalizeH="0" baseline="0" dirty="0" smtClean="0">
+                <a:ln>
+                  <a:noFill/>
+                </a:ln>
+                <a:solidFill>
+                  <a:srgbClr val="F8F8F2"/>
+                </a:solidFill>
+                <a:effectLst/>
+                <a:latin typeface="Arial Unicode MS"/>
+                <a:ea typeface="JetBrains Mono"/>
+              </a:rPr>
+              <a:t/>
+            </a:r>
+            <a:br>
+              <a:rPr kumimoji="0" lang="en-US" altLang="en-US" sz="1100" b="0" i="0" u="none" strike="noStrike" cap="none" normalizeH="0" baseline="0" dirty="0" smtClean="0">
+                <a:ln>
+                  <a:noFill/>
+                </a:ln>
+                <a:solidFill>
+                  <a:srgbClr val="F8F8F2"/>
+                </a:solidFill>
+                <a:effectLst/>
+                <a:latin typeface="Arial Unicode MS"/>
+                <a:ea typeface="JetBrains Mono"/>
+              </a:rPr>
+            </a:br>
+            <a:r>
+              <a:rPr kumimoji="0" lang="en-US" altLang="en-US" sz="1100" b="0" i="0" u="none" strike="noStrike" cap="none" normalizeH="0" baseline="0" dirty="0" smtClean="0">
+                <a:ln>
+                  <a:noFill/>
+                </a:ln>
+                <a:solidFill>
+                  <a:srgbClr val="F8F8F2"/>
+                </a:solidFill>
+                <a:effectLst/>
+                <a:latin typeface="Arial Unicode MS"/>
+                <a:ea typeface="JetBrains Mono"/>
+              </a:rPr>
+              <a:t>   </a:t>
+            </a:r>
+            <a:r>
+              <a:rPr kumimoji="0" lang="en-US" altLang="en-US" sz="1100" b="0" i="1" u="none" strike="noStrike" cap="none" normalizeH="0" baseline="0" dirty="0" smtClean="0">
+                <a:ln>
+                  <a:noFill/>
+                </a:ln>
+                <a:solidFill>
+                  <a:srgbClr val="6272A4"/>
+                </a:solidFill>
+                <a:effectLst/>
+                <a:latin typeface="Arial Unicode MS"/>
+                <a:ea typeface="JetBrains Mono"/>
+              </a:rPr>
+              <a:t>// Code here</a:t>
+            </a:r>
+            <a:br>
+              <a:rPr kumimoji="0" lang="en-US" altLang="en-US" sz="1100" b="0" i="1" u="none" strike="noStrike" cap="none" normalizeH="0" baseline="0" dirty="0" smtClean="0">
+                <a:ln>
+                  <a:noFill/>
+                </a:ln>
+                <a:solidFill>
+                  <a:srgbClr val="6272A4"/>
+                </a:solidFill>
+                <a:effectLst/>
+                <a:latin typeface="Arial Unicode MS"/>
+                <a:ea typeface="JetBrains Mono"/>
+              </a:rPr>
+            </a:br>
+            <a:r>
+              <a:rPr kumimoji="0" lang="en-US" altLang="en-US" sz="1100" b="0" i="0" u="none" strike="noStrike" cap="none" normalizeH="0" baseline="0" dirty="0" smtClean="0">
+                <a:ln>
+                  <a:noFill/>
+                </a:ln>
+                <a:solidFill>
+                  <a:srgbClr val="F8F8F2"/>
+                </a:solidFill>
+                <a:effectLst/>
+                <a:latin typeface="Arial Unicode MS"/>
+                <a:ea typeface="JetBrains Mono"/>
+              </a:rPr>
+              <a:t>}</a:t>
+            </a:r>
+            <a:endParaRPr kumimoji="0" lang="en-US" altLang="en-US" sz="2800" b="0" i="0" u="none" strike="noStrike" cap="none" normalizeH="0" baseline="0" dirty="0" smtClean="0">
+              <a:ln>
+                <a:noFill/>
+              </a:ln>
+              <a:solidFill>
+                <a:schemeClr val="tx1"/>
+              </a:solidFill>
+              <a:effectLst/>
+              <a:latin typeface="Arial" panose="020B0604020202020204" pitchFamily="34" charset="0"/>
+            </a:endParaRPr>
+          </a:p>
+        </p:txBody>
+      </p:sp>
+    </p:spTree>
+    <p:extLst>
+      <p:ext uri="{BB962C8B-B14F-4D97-AF65-F5344CB8AC3E}">
+        <p14:creationId xmlns:p14="http://schemas.microsoft.com/office/powerpoint/2010/main" val="2391654260"/>
+      </p:ext>
+    </p:extLst>
+  </p:cSld>
+  <p:clrMapOvr>
+    <a:masterClrMapping/>
+  </p:clrMapOvr>
+</p:sld>
+</file>
+
+<file path=ppt/slides/slide13.xml><?xml version="1.0" encoding="utf-8"?>
+<p:sld xmlns:a="http://schemas.openxmlformats.org/drawingml/2006/main" xmlns:r="http://schemas.openxmlformats.org/officeDocument/2006/relationships" xmlns:p="http://schemas.openxmlformats.org/presentationml/2006/main">
+  <p:cSld>
+    <p:spTree>
+      <p:nvGrpSpPr>
+        <p:cNvPr id="1" name=""/>
+        <p:cNvGrpSpPr/>
+        <p:nvPr/>
+      </p:nvGrpSpPr>
+      <p:grpSpPr>
+        <a:xfrm>
+          <a:off x="0" y="0"/>
+          <a:ext cx="0" cy="0"/>
+          <a:chOff x="0" y="0"/>
+          <a:chExt cx="0" cy="0"/>
+        </a:xfrm>
+      </p:grpSpPr>
+      <p:sp>
+        <p:nvSpPr>
+          <p:cNvPr id="2" name="Title 1"/>
+          <p:cNvSpPr>
+            <a:spLocks noGrp="1"/>
+          </p:cNvSpPr>
+          <p:nvPr>
+            <p:ph type="title"/>
+          </p:nvPr>
+        </p:nvSpPr>
+        <p:spPr/>
+        <p:txBody>
+          <a:bodyPr/>
+          <a:lstStyle/>
+          <a:p>
+            <a:r>
+              <a:rPr lang="en-US" dirty="0">
+                <a:latin typeface="Arial" panose="020B0604020202020204" pitchFamily="34" charset="0"/>
+                <a:cs typeface="Arial" panose="020B0604020202020204" pitchFamily="34" charset="0"/>
+              </a:rPr>
+              <a:t>CrudRepository</a:t>
+            </a:r>
+            <a:endParaRPr lang="en-US" dirty="0">
+              <a:latin typeface="Arial" panose="020B0604020202020204" pitchFamily="34" charset="0"/>
+              <a:cs typeface="Arial" panose="020B0604020202020204" pitchFamily="34" charset="0"/>
+            </a:endParaRPr>
+          </a:p>
+        </p:txBody>
+      </p:sp>
+      <p:sp>
+        <p:nvSpPr>
+          <p:cNvPr id="3" name="Content Placeholder 2"/>
+          <p:cNvSpPr>
+            <a:spLocks noGrp="1"/>
+          </p:cNvSpPr>
+          <p:nvPr>
+            <p:ph idx="1"/>
+          </p:nvPr>
+        </p:nvSpPr>
+        <p:spPr/>
+        <p:txBody>
+          <a:bodyPr/>
+          <a:lstStyle/>
+          <a:p>
+            <a:r>
+              <a:rPr lang="en-US" dirty="0" smtClean="0">
+                <a:latin typeface="Arial" panose="020B0604020202020204" pitchFamily="34" charset="0"/>
+                <a:cs typeface="Arial" panose="020B0604020202020204" pitchFamily="34" charset="0"/>
+              </a:rPr>
+              <a:t>Ví dụ get count all user</a:t>
+            </a:r>
+            <a:endParaRPr lang="en-US" dirty="0">
+              <a:latin typeface="Arial" panose="020B0604020202020204" pitchFamily="34" charset="0"/>
+              <a:cs typeface="Arial" panose="020B0604020202020204" pitchFamily="34" charset="0"/>
+            </a:endParaRPr>
+          </a:p>
+          <a:p>
+            <a:r>
+              <a:rPr lang="en-US" dirty="0" smtClean="0">
+                <a:latin typeface="Arial" panose="020B0604020202020204" pitchFamily="34" charset="0"/>
+                <a:cs typeface="Arial" panose="020B0604020202020204" pitchFamily="34" charset="0"/>
+              </a:rPr>
+              <a:t>Spring jdbc</a:t>
+            </a:r>
+            <a:endParaRPr lang="en-US" dirty="0">
+              <a:latin typeface="Arial" panose="020B0604020202020204" pitchFamily="34" charset="0"/>
+              <a:cs typeface="Arial" panose="020B0604020202020204" pitchFamily="34" charset="0"/>
+            </a:endParaRPr>
+          </a:p>
+          <a:p>
+            <a:endParaRPr lang="en-US" dirty="0" smtClean="0">
+              <a:latin typeface="Arial" panose="020B0604020202020204" pitchFamily="34" charset="0"/>
+              <a:cs typeface="Arial" panose="020B0604020202020204" pitchFamily="34" charset="0"/>
+            </a:endParaRPr>
+          </a:p>
+          <a:p>
+            <a:endParaRPr lang="en-US" dirty="0">
+              <a:latin typeface="Arial" panose="020B0604020202020204" pitchFamily="34" charset="0"/>
+              <a:cs typeface="Arial" panose="020B0604020202020204" pitchFamily="34" charset="0"/>
+            </a:endParaRPr>
+          </a:p>
+          <a:p>
+            <a:endParaRPr lang="en-US" dirty="0" smtClean="0">
+              <a:latin typeface="Arial" panose="020B0604020202020204" pitchFamily="34" charset="0"/>
+              <a:cs typeface="Arial" panose="020B0604020202020204" pitchFamily="34" charset="0"/>
+            </a:endParaRPr>
+          </a:p>
+          <a:p>
+            <a:endParaRPr lang="en-US" dirty="0" smtClean="0">
+              <a:latin typeface="Arial" panose="020B0604020202020204" pitchFamily="34" charset="0"/>
+              <a:cs typeface="Arial" panose="020B0604020202020204" pitchFamily="34" charset="0"/>
+            </a:endParaRPr>
+          </a:p>
+          <a:p>
+            <a:r>
+              <a:rPr lang="en-US" dirty="0">
+                <a:latin typeface="Arial" panose="020B0604020202020204" pitchFamily="34" charset="0"/>
+                <a:cs typeface="Arial" panose="020B0604020202020204" pitchFamily="34" charset="0"/>
+              </a:rPr>
+              <a:t>Với Spring data jdbc thì chúng ta không cần viết thêm vì CrudRepository đã tạo sẳn cho chúng ta rồi, chúng ta chỉ việc lấy ra và sử </a:t>
+            </a:r>
+            <a:r>
+              <a:rPr lang="en-US" dirty="0" smtClean="0">
+                <a:latin typeface="Arial" panose="020B0604020202020204" pitchFamily="34" charset="0"/>
+                <a:cs typeface="Arial" panose="020B0604020202020204" pitchFamily="34" charset="0"/>
+              </a:rPr>
+              <a:t>dụng ^^</a:t>
+            </a:r>
+            <a:endParaRPr lang="en-US" dirty="0" smtClean="0">
+              <a:latin typeface="Arial" panose="020B0604020202020204" pitchFamily="34" charset="0"/>
+              <a:cs typeface="Arial" panose="020B0604020202020204" pitchFamily="34" charset="0"/>
+            </a:endParaRPr>
+          </a:p>
+          <a:p>
+            <a:endParaRPr lang="en-US" dirty="0">
+              <a:latin typeface="Arial" panose="020B0604020202020204" pitchFamily="34" charset="0"/>
+              <a:cs typeface="Arial" panose="020B0604020202020204" pitchFamily="34" charset="0"/>
+            </a:endParaRPr>
+          </a:p>
+          <a:p>
+            <a:endParaRPr lang="en-US" dirty="0">
+              <a:latin typeface="Arial" panose="020B0604020202020204" pitchFamily="34" charset="0"/>
+              <a:cs typeface="Arial" panose="020B0604020202020204" pitchFamily="34" charset="0"/>
+            </a:endParaRPr>
+          </a:p>
+        </p:txBody>
+      </p:sp>
+      <p:pic>
+        <p:nvPicPr>
+          <p:cNvPr id="10" name="Picture 9"/>
+          <p:cNvPicPr>
+            <a:picLocks noChangeAspect="1"/>
+          </p:cNvPicPr>
+          <p:nvPr/>
+        </p:nvPicPr>
+        <p:blipFill>
+          <a:blip r:embed="rId2"/>
+          <a:stretch>
+            <a:fillRect/>
+          </a:stretch>
+        </p:blipFill>
+        <p:spPr>
+          <a:xfrm>
+            <a:off x="677334" y="3104487"/>
+            <a:ext cx="4648200" cy="1076325"/>
+          </a:xfrm>
+          <a:prstGeom prst="rect">
+            <a:avLst/>
+          </a:prstGeom>
+        </p:spPr>
+      </p:pic>
+    </p:spTree>
+    <p:extLst>
+      <p:ext uri="{BB962C8B-B14F-4D97-AF65-F5344CB8AC3E}">
+        <p14:creationId xmlns:p14="http://schemas.microsoft.com/office/powerpoint/2010/main" val="2899992151"/>
+      </p:ext>
+    </p:extLst>
+  </p:cSld>
+  <p:clrMapOvr>
+    <a:masterClrMapping/>
+  </p:clrMapOvr>
+</p:sld>
+</file>
+
+<file path=ppt/slides/slide14.xml><?xml version="1.0" encoding="utf-8"?>
+<p:sld xmlns:a="http://schemas.openxmlformats.org/drawingml/2006/main" xmlns:r="http://schemas.openxmlformats.org/officeDocument/2006/relationships" xmlns:p="http://schemas.openxmlformats.org/presentationml/2006/main">
+  <p:cSld>
+    <p:spTree>
+      <p:nvGrpSpPr>
+        <p:cNvPr id="1" name=""/>
+        <p:cNvGrpSpPr/>
+        <p:nvPr/>
+      </p:nvGrpSpPr>
+      <p:grpSpPr>
+        <a:xfrm>
+          <a:off x="0" y="0"/>
+          <a:ext cx="0" cy="0"/>
+          <a:chOff x="0" y="0"/>
+          <a:chExt cx="0" cy="0"/>
+        </a:xfrm>
+      </p:grpSpPr>
+      <p:sp>
+        <p:nvSpPr>
+          <p:cNvPr id="2" name="Title 1"/>
+          <p:cNvSpPr>
+            <a:spLocks noGrp="1"/>
+          </p:cNvSpPr>
+          <p:nvPr>
+            <p:ph type="title"/>
+          </p:nvPr>
+        </p:nvSpPr>
+        <p:spPr/>
+        <p:txBody>
+          <a:bodyPr/>
+          <a:lstStyle/>
+          <a:p>
+            <a:r>
+              <a:rPr lang="en-US" dirty="0">
+                <a:latin typeface="Arial" panose="020B0604020202020204" pitchFamily="34" charset="0"/>
+                <a:cs typeface="Arial" panose="020B0604020202020204" pitchFamily="34" charset="0"/>
+              </a:rPr>
+              <a:t>CrudRepository</a:t>
+            </a:r>
+            <a:endParaRPr lang="en-US" dirty="0">
+              <a:latin typeface="Arial" panose="020B0604020202020204" pitchFamily="34" charset="0"/>
+              <a:cs typeface="Arial" panose="020B0604020202020204" pitchFamily="34" charset="0"/>
+            </a:endParaRPr>
+          </a:p>
+        </p:txBody>
+      </p:sp>
+      <p:sp>
+        <p:nvSpPr>
+          <p:cNvPr id="3" name="Content Placeholder 2"/>
+          <p:cNvSpPr>
+            <a:spLocks noGrp="1"/>
+          </p:cNvSpPr>
+          <p:nvPr>
+            <p:ph idx="1"/>
+          </p:nvPr>
+        </p:nvSpPr>
+        <p:spPr/>
+        <p:txBody>
+          <a:bodyPr/>
+          <a:lstStyle/>
+          <a:p>
+            <a:r>
+              <a:rPr lang="en-US" dirty="0" smtClean="0">
+                <a:latin typeface="Arial" panose="020B0604020202020204" pitchFamily="34" charset="0"/>
+                <a:cs typeface="Arial" panose="020B0604020202020204" pitchFamily="34" charset="0"/>
+              </a:rPr>
+              <a:t>Ví dụ get user theo id</a:t>
+            </a:r>
+            <a:endParaRPr lang="en-US" dirty="0">
+              <a:latin typeface="Arial" panose="020B0604020202020204" pitchFamily="34" charset="0"/>
+              <a:cs typeface="Arial" panose="020B0604020202020204" pitchFamily="34" charset="0"/>
+            </a:endParaRPr>
+          </a:p>
+          <a:p>
+            <a:r>
+              <a:rPr lang="en-US" dirty="0" smtClean="0">
+                <a:latin typeface="Arial" panose="020B0604020202020204" pitchFamily="34" charset="0"/>
+                <a:cs typeface="Arial" panose="020B0604020202020204" pitchFamily="34" charset="0"/>
+              </a:rPr>
+              <a:t>Spring jdbc</a:t>
+            </a:r>
+            <a:endParaRPr lang="en-US" dirty="0">
+              <a:latin typeface="Arial" panose="020B0604020202020204" pitchFamily="34" charset="0"/>
+              <a:cs typeface="Arial" panose="020B0604020202020204" pitchFamily="34" charset="0"/>
+            </a:endParaRPr>
+          </a:p>
+          <a:p>
+            <a:endParaRPr lang="en-US" dirty="0" smtClean="0">
+              <a:latin typeface="Arial" panose="020B0604020202020204" pitchFamily="34" charset="0"/>
+              <a:cs typeface="Arial" panose="020B0604020202020204" pitchFamily="34" charset="0"/>
+            </a:endParaRPr>
+          </a:p>
+          <a:p>
+            <a:endParaRPr lang="en-US" dirty="0">
+              <a:latin typeface="Arial" panose="020B0604020202020204" pitchFamily="34" charset="0"/>
+              <a:cs typeface="Arial" panose="020B0604020202020204" pitchFamily="34" charset="0"/>
+            </a:endParaRPr>
+          </a:p>
+          <a:p>
+            <a:endParaRPr lang="en-US" dirty="0" smtClean="0">
+              <a:latin typeface="Arial" panose="020B0604020202020204" pitchFamily="34" charset="0"/>
+              <a:cs typeface="Arial" panose="020B0604020202020204" pitchFamily="34" charset="0"/>
+            </a:endParaRPr>
+          </a:p>
+          <a:p>
+            <a:endParaRPr lang="en-US" dirty="0" smtClean="0">
+              <a:latin typeface="Arial" panose="020B0604020202020204" pitchFamily="34" charset="0"/>
+              <a:cs typeface="Arial" panose="020B0604020202020204" pitchFamily="34" charset="0"/>
+            </a:endParaRPr>
+          </a:p>
+          <a:p>
+            <a:endParaRPr lang="en-US" dirty="0" smtClean="0">
+              <a:latin typeface="Arial" panose="020B0604020202020204" pitchFamily="34" charset="0"/>
+              <a:cs typeface="Arial" panose="020B0604020202020204" pitchFamily="34" charset="0"/>
+            </a:endParaRPr>
+          </a:p>
+          <a:p>
+            <a:endParaRPr lang="en-US" dirty="0">
+              <a:latin typeface="Arial" panose="020B0604020202020204" pitchFamily="34" charset="0"/>
+              <a:cs typeface="Arial" panose="020B0604020202020204" pitchFamily="34" charset="0"/>
+            </a:endParaRPr>
+          </a:p>
+          <a:p>
+            <a:endParaRPr lang="en-US" dirty="0">
+              <a:latin typeface="Arial" panose="020B0604020202020204" pitchFamily="34" charset="0"/>
+              <a:cs typeface="Arial" panose="020B0604020202020204" pitchFamily="34" charset="0"/>
+            </a:endParaRPr>
+          </a:p>
+        </p:txBody>
+      </p:sp>
+      <p:pic>
+        <p:nvPicPr>
+          <p:cNvPr id="8" name="Picture 7"/>
+          <p:cNvPicPr>
+            <a:picLocks noChangeAspect="1"/>
+          </p:cNvPicPr>
+          <p:nvPr/>
+        </p:nvPicPr>
+        <p:blipFill>
+          <a:blip r:embed="rId2"/>
+          <a:stretch>
+            <a:fillRect/>
+          </a:stretch>
+        </p:blipFill>
+        <p:spPr>
+          <a:xfrm>
+            <a:off x="677334" y="3013075"/>
+            <a:ext cx="5438775" cy="1047750"/>
+          </a:xfrm>
+          <a:prstGeom prst="rect">
+            <a:avLst/>
+          </a:prstGeom>
+        </p:spPr>
+      </p:pic>
+      <p:pic>
+        <p:nvPicPr>
+          <p:cNvPr id="9" name="Picture 8"/>
+          <p:cNvPicPr>
+            <a:picLocks noChangeAspect="1"/>
+          </p:cNvPicPr>
+          <p:nvPr/>
+        </p:nvPicPr>
+        <p:blipFill>
+          <a:blip r:embed="rId3"/>
+          <a:stretch>
+            <a:fillRect/>
+          </a:stretch>
+        </p:blipFill>
+        <p:spPr>
+          <a:xfrm>
+            <a:off x="677334" y="4291014"/>
+            <a:ext cx="9220200" cy="1524000"/>
+          </a:xfrm>
+          <a:prstGeom prst="rect">
+            <a:avLst/>
+          </a:prstGeom>
+        </p:spPr>
+      </p:pic>
+    </p:spTree>
+    <p:extLst>
+      <p:ext uri="{BB962C8B-B14F-4D97-AF65-F5344CB8AC3E}">
+        <p14:creationId xmlns:p14="http://schemas.microsoft.com/office/powerpoint/2010/main" val="1544278341"/>
+      </p:ext>
+    </p:extLst>
+  </p:cSld>
+  <p:clrMapOvr>
+    <a:masterClrMapping/>
+  </p:clrMapOvr>
+</p:sld>
+</file>
+
+<file path=ppt/slides/slide15.xml><?xml version="1.0" encoding="utf-8"?>
+<p:sld xmlns:a="http://schemas.openxmlformats.org/drawingml/2006/main" xmlns:r="http://schemas.openxmlformats.org/officeDocument/2006/relationships" xmlns:p="http://schemas.openxmlformats.org/presentationml/2006/main">
+  <p:cSld>
+    <p:spTree>
+      <p:nvGrpSpPr>
+        <p:cNvPr id="1" name=""/>
+        <p:cNvGrpSpPr/>
+        <p:nvPr/>
+      </p:nvGrpSpPr>
+      <p:grpSpPr>
+        <a:xfrm>
+          <a:off x="0" y="0"/>
+          <a:ext cx="0" cy="0"/>
+          <a:chOff x="0" y="0"/>
+          <a:chExt cx="0" cy="0"/>
+        </a:xfrm>
+      </p:grpSpPr>
+      <p:sp>
+        <p:nvSpPr>
+          <p:cNvPr id="2" name="Title 1"/>
+          <p:cNvSpPr>
+            <a:spLocks noGrp="1"/>
+          </p:cNvSpPr>
+          <p:nvPr>
+            <p:ph type="title"/>
+          </p:nvPr>
+        </p:nvSpPr>
+        <p:spPr/>
+        <p:txBody>
+          <a:bodyPr/>
+          <a:lstStyle/>
+          <a:p>
+            <a:r>
+              <a:rPr lang="en-US" dirty="0">
+                <a:latin typeface="Arial" panose="020B0604020202020204" pitchFamily="34" charset="0"/>
+                <a:cs typeface="Arial" panose="020B0604020202020204" pitchFamily="34" charset="0"/>
+              </a:rPr>
+              <a:t>CrudRepository</a:t>
+            </a:r>
+            <a:endParaRPr lang="en-US" dirty="0">
+              <a:latin typeface="Arial" panose="020B0604020202020204" pitchFamily="34" charset="0"/>
+              <a:cs typeface="Arial" panose="020B0604020202020204" pitchFamily="34" charset="0"/>
+            </a:endParaRPr>
+          </a:p>
+        </p:txBody>
+      </p:sp>
+      <p:sp>
+        <p:nvSpPr>
+          <p:cNvPr id="3" name="Content Placeholder 2"/>
+          <p:cNvSpPr>
+            <a:spLocks noGrp="1"/>
+          </p:cNvSpPr>
+          <p:nvPr>
+            <p:ph idx="1"/>
+          </p:nvPr>
+        </p:nvSpPr>
+        <p:spPr/>
+        <p:txBody>
+          <a:bodyPr/>
+          <a:lstStyle/>
+          <a:p>
+            <a:r>
+              <a:rPr lang="en-US" dirty="0" smtClean="0">
+                <a:latin typeface="Arial" panose="020B0604020202020204" pitchFamily="34" charset="0"/>
+                <a:cs typeface="Arial" panose="020B0604020202020204" pitchFamily="34" charset="0"/>
+              </a:rPr>
+              <a:t>Ví dụ get user theo id</a:t>
+            </a:r>
+            <a:endParaRPr lang="en-US" dirty="0">
+              <a:latin typeface="Arial" panose="020B0604020202020204" pitchFamily="34" charset="0"/>
+              <a:cs typeface="Arial" panose="020B0604020202020204" pitchFamily="34" charset="0"/>
+            </a:endParaRPr>
+          </a:p>
+          <a:p>
+            <a:r>
+              <a:rPr lang="en-US" dirty="0">
+                <a:latin typeface="Arial" panose="020B0604020202020204" pitchFamily="34" charset="0"/>
+                <a:cs typeface="Arial" panose="020B0604020202020204" pitchFamily="34" charset="0"/>
+              </a:rPr>
+              <a:t>Với Spring data jdbc thì chúng ta không cần viết thêm vì </a:t>
+            </a:r>
+            <a:r>
+              <a:rPr lang="en-US" dirty="0" smtClean="0">
+                <a:latin typeface="Arial" panose="020B0604020202020204" pitchFamily="34" charset="0"/>
+                <a:cs typeface="Arial" panose="020B0604020202020204" pitchFamily="34" charset="0"/>
+              </a:rPr>
+              <a:t>CrudRepository đã tạo sẳn cho chúng ta rồi, chúng ta chỉ việc lấy ra và sử dụng</a:t>
+            </a:r>
+            <a:endParaRPr lang="en-US" dirty="0">
+              <a:latin typeface="Arial" panose="020B0604020202020204" pitchFamily="34" charset="0"/>
+              <a:cs typeface="Arial" panose="020B0604020202020204" pitchFamily="34" charset="0"/>
+            </a:endParaRPr>
+          </a:p>
+          <a:p>
+            <a:endParaRPr lang="en-US" dirty="0" smtClean="0">
+              <a:latin typeface="Arial" panose="020B0604020202020204" pitchFamily="34" charset="0"/>
+              <a:cs typeface="Arial" panose="020B0604020202020204" pitchFamily="34" charset="0"/>
+            </a:endParaRPr>
+          </a:p>
+          <a:p>
+            <a:endParaRPr lang="en-US" dirty="0">
+              <a:latin typeface="Arial" panose="020B0604020202020204" pitchFamily="34" charset="0"/>
+              <a:cs typeface="Arial" panose="020B0604020202020204" pitchFamily="34" charset="0"/>
+            </a:endParaRPr>
+          </a:p>
+          <a:p>
+            <a:endParaRPr lang="en-US" dirty="0" smtClean="0">
+              <a:latin typeface="Arial" panose="020B0604020202020204" pitchFamily="34" charset="0"/>
+              <a:cs typeface="Arial" panose="020B0604020202020204" pitchFamily="34" charset="0"/>
+            </a:endParaRPr>
+          </a:p>
+          <a:p>
+            <a:endParaRPr lang="en-US" dirty="0" smtClean="0">
+              <a:latin typeface="Arial" panose="020B0604020202020204" pitchFamily="34" charset="0"/>
+              <a:cs typeface="Arial" panose="020B0604020202020204" pitchFamily="34" charset="0"/>
+            </a:endParaRPr>
+          </a:p>
+          <a:p>
+            <a:endParaRPr lang="en-US" dirty="0" smtClean="0">
+              <a:latin typeface="Arial" panose="020B0604020202020204" pitchFamily="34" charset="0"/>
+              <a:cs typeface="Arial" panose="020B0604020202020204" pitchFamily="34" charset="0"/>
+            </a:endParaRPr>
+          </a:p>
+          <a:p>
+            <a:endParaRPr lang="en-US" dirty="0">
+              <a:latin typeface="Arial" panose="020B0604020202020204" pitchFamily="34" charset="0"/>
+              <a:cs typeface="Arial" panose="020B0604020202020204" pitchFamily="34" charset="0"/>
+            </a:endParaRPr>
+          </a:p>
+          <a:p>
+            <a:endParaRPr lang="en-US" dirty="0">
+              <a:latin typeface="Arial" panose="020B0604020202020204" pitchFamily="34" charset="0"/>
+              <a:cs typeface="Arial" panose="020B0604020202020204" pitchFamily="34" charset="0"/>
+            </a:endParaRPr>
+          </a:p>
+        </p:txBody>
+      </p:sp>
+      <p:sp>
+        <p:nvSpPr>
+          <p:cNvPr id="4" name="Rectangle 1"/>
+          <p:cNvSpPr>
+            <a:spLocks noChangeArrowheads="1"/>
+          </p:cNvSpPr>
+          <p:nvPr/>
+        </p:nvSpPr>
+        <p:spPr bwMode="auto">
+          <a:xfrm>
+            <a:off x="677334" y="3301656"/>
+            <a:ext cx="4542366" cy="600164"/>
+          </a:xfrm>
+          <a:prstGeom prst="rect">
+            <a:avLst/>
+          </a:prstGeom>
+          <a:solidFill>
+            <a:srgbClr val="282A36"/>
+          </a:solidFill>
+          <a:ln>
+            <a:noFill/>
+          </a:ln>
+          <a:effectLst/>
+          <a:extLst>
+            <a:ext uri="{91240B29-F687-4F45-9708-019B960494DF}">
+              <a14:hiddenLine xmlns:a14="http://schemas.microsoft.com/office/drawing/2010/main" w="9525">
+                <a:solidFill>
+                  <a:schemeClr val="tx1"/>
+                </a:solidFill>
+                <a:miter lim="800000"/>
+                <a:headEnd/>
+                <a:tailEnd/>
+              </a14:hiddenLine>
+            </a:ext>
+            <a:ext uri="{AF507438-7753-43E0-B8FC-AC1667EBCBE1}">
+              <a14:hiddenEffects xmlns:a14="http://schemas.microsoft.com/office/drawing/2010/main">
+                <a:effectLst>
+                  <a:outerShdw dist="35921" dir="2700000" algn="ctr" rotWithShape="0">
+                    <a:schemeClr val="bg2"/>
+                  </a:outerShdw>
+                </a:effectLst>
+              </a14:hiddenEffects>
+            </a:ext>
+          </a:extLst>
+        </p:spPr>
+        <p:txBody>
+          <a:bodyPr vert="horz" wrap="square" lIns="91440" tIns="45720" rIns="91440" bIns="45720" numCol="1" anchor="ctr" anchorCtr="0" compatLnSpc="1">
+            <a:prstTxWarp prst="textNoShape">
+              <a:avLst/>
+            </a:prstTxWarp>
+            <a:spAutoFit/>
+          </a:bodyPr>
+          <a:lstStyle/>
+          <a:p>
+            <a:pPr marL="0" marR="0" lvl="0" indent="0" algn="l" defTabSz="914400" rtl="0" eaLnBrk="0" fontAlgn="base" latinLnBrk="0" hangingPunct="0">
+              <a:lnSpc>
+                <a:spcPct val="100000"/>
+              </a:lnSpc>
+              <a:spcBef>
+                <a:spcPct val="0"/>
+              </a:spcBef>
+              <a:spcAft>
+                <a:spcPct val="0"/>
+              </a:spcAft>
+              <a:buClrTx/>
+              <a:buSzTx/>
+              <a:buFontTx/>
+              <a:buNone/>
+              <a:tabLst/>
+            </a:pPr>
+            <a:r>
+              <a:rPr kumimoji="0" lang="en-US" altLang="en-US" sz="1100" b="0" i="0" u="none" strike="noStrike" cap="none" normalizeH="0" baseline="0" dirty="0" smtClean="0">
+                <a:ln>
+                  <a:noFill/>
+                </a:ln>
+                <a:solidFill>
+                  <a:srgbClr val="F780BF"/>
+                </a:solidFill>
+                <a:effectLst/>
+                <a:latin typeface="Arial Unicode MS"/>
+                <a:ea typeface="JetBrains Mono"/>
+              </a:rPr>
+              <a:t>public </a:t>
+            </a:r>
+            <a:r>
+              <a:rPr kumimoji="0" lang="en-US" altLang="en-US" sz="1100" b="0" i="0" u="none" strike="noStrike" cap="none" normalizeH="0" baseline="0" dirty="0" smtClean="0">
+                <a:ln>
+                  <a:noFill/>
+                </a:ln>
+                <a:solidFill>
+                  <a:srgbClr val="78DCE8"/>
+                </a:solidFill>
+                <a:effectLst/>
+                <a:latin typeface="Arial Unicode MS"/>
+                <a:ea typeface="JetBrains Mono"/>
+              </a:rPr>
+              <a:t>Optional</a:t>
+            </a:r>
+            <a:r>
+              <a:rPr kumimoji="0" lang="en-US" altLang="en-US" sz="1100" b="0" i="0" u="none" strike="noStrike" cap="none" normalizeH="0" baseline="0" dirty="0" smtClean="0">
+                <a:ln>
+                  <a:noFill/>
+                </a:ln>
+                <a:solidFill>
+                  <a:srgbClr val="F780BF"/>
+                </a:solidFill>
+                <a:effectLst/>
+                <a:latin typeface="Arial Unicode MS"/>
+                <a:ea typeface="JetBrains Mono"/>
+              </a:rPr>
+              <a:t>&lt;</a:t>
+            </a:r>
+            <a:r>
+              <a:rPr kumimoji="0" lang="en-US" altLang="en-US" sz="1100" b="0" i="0" u="none" strike="noStrike" cap="none" normalizeH="0" baseline="0" dirty="0" smtClean="0">
+                <a:ln>
+                  <a:noFill/>
+                </a:ln>
+                <a:solidFill>
+                  <a:srgbClr val="78DCE8"/>
+                </a:solidFill>
+                <a:effectLst/>
+                <a:latin typeface="Arial Unicode MS"/>
+                <a:ea typeface="JetBrains Mono"/>
+              </a:rPr>
+              <a:t>User</a:t>
+            </a:r>
+            <a:r>
+              <a:rPr kumimoji="0" lang="en-US" altLang="en-US" sz="1100" b="0" i="0" u="none" strike="noStrike" cap="none" normalizeH="0" baseline="0" dirty="0" smtClean="0">
+                <a:ln>
+                  <a:noFill/>
+                </a:ln>
+                <a:solidFill>
+                  <a:srgbClr val="F780BF"/>
+                </a:solidFill>
+                <a:effectLst/>
+                <a:latin typeface="Arial Unicode MS"/>
+                <a:ea typeface="JetBrains Mono"/>
+              </a:rPr>
+              <a:t>&gt; </a:t>
+            </a:r>
+            <a:r>
+              <a:rPr kumimoji="0" lang="en-US" altLang="en-US" sz="1100" b="0" i="0" u="none" strike="noStrike" cap="none" normalizeH="0" baseline="0" dirty="0" smtClean="0">
+                <a:ln>
+                  <a:noFill/>
+                </a:ln>
+                <a:solidFill>
+                  <a:srgbClr val="8AFF80"/>
+                </a:solidFill>
+                <a:effectLst/>
+                <a:latin typeface="Arial Unicode MS"/>
+                <a:ea typeface="JetBrains Mono"/>
+              </a:rPr>
+              <a:t>getUserById</a:t>
+            </a:r>
+            <a:r>
+              <a:rPr kumimoji="0" lang="en-US" altLang="en-US" sz="1100" b="0" i="0" u="none" strike="noStrike" cap="none" normalizeH="0" baseline="0" dirty="0" smtClean="0">
+                <a:ln>
+                  <a:noFill/>
+                </a:ln>
+                <a:solidFill>
+                  <a:srgbClr val="F8F8F2"/>
+                </a:solidFill>
+                <a:effectLst/>
+                <a:latin typeface="Arial Unicode MS"/>
+                <a:ea typeface="JetBrains Mono"/>
+              </a:rPr>
+              <a:t>(</a:t>
+            </a:r>
+            <a:r>
+              <a:rPr kumimoji="0" lang="en-US" altLang="en-US" sz="1100" b="0" i="0" u="none" strike="noStrike" cap="none" normalizeH="0" baseline="0" dirty="0" smtClean="0">
+                <a:ln>
+                  <a:noFill/>
+                </a:ln>
+                <a:solidFill>
+                  <a:srgbClr val="78DCE8"/>
+                </a:solidFill>
+                <a:effectLst/>
+                <a:latin typeface="Arial Unicode MS"/>
+                <a:ea typeface="JetBrains Mono"/>
+              </a:rPr>
+              <a:t>Integer </a:t>
+            </a:r>
+            <a:r>
+              <a:rPr kumimoji="0" lang="en-US" altLang="en-US" sz="1100" b="0" i="1" u="none" strike="noStrike" cap="none" normalizeH="0" baseline="0" dirty="0" smtClean="0">
+                <a:ln>
+                  <a:noFill/>
+                </a:ln>
+                <a:solidFill>
+                  <a:srgbClr val="F89580"/>
+                </a:solidFill>
+                <a:effectLst/>
+                <a:latin typeface="Arial Unicode MS"/>
+                <a:ea typeface="JetBrains Mono"/>
+              </a:rPr>
+              <a:t>id</a:t>
+            </a:r>
+            <a:r>
+              <a:rPr kumimoji="0" lang="en-US" altLang="en-US" sz="1100" b="0" i="0" u="none" strike="noStrike" cap="none" normalizeH="0" baseline="0" dirty="0" smtClean="0">
+                <a:ln>
+                  <a:noFill/>
+                </a:ln>
+                <a:solidFill>
+                  <a:srgbClr val="F8F8F2"/>
+                </a:solidFill>
+                <a:effectLst/>
+                <a:latin typeface="Arial Unicode MS"/>
+                <a:ea typeface="JetBrains Mono"/>
+              </a:rPr>
+              <a:t>) {</a:t>
+            </a:r>
+            <a:br>
+              <a:rPr kumimoji="0" lang="en-US" altLang="en-US" sz="1100" b="0" i="0" u="none" strike="noStrike" cap="none" normalizeH="0" baseline="0" dirty="0" smtClean="0">
+                <a:ln>
+                  <a:noFill/>
+                </a:ln>
+                <a:solidFill>
+                  <a:srgbClr val="F8F8F2"/>
+                </a:solidFill>
+                <a:effectLst/>
+                <a:latin typeface="Arial Unicode MS"/>
+                <a:ea typeface="JetBrains Mono"/>
+              </a:rPr>
+            </a:br>
+            <a:r>
+              <a:rPr kumimoji="0" lang="en-US" altLang="en-US" sz="1100" b="0" i="0" u="none" strike="noStrike" cap="none" normalizeH="0" baseline="0" dirty="0" smtClean="0">
+                <a:ln>
+                  <a:noFill/>
+                </a:ln>
+                <a:solidFill>
+                  <a:srgbClr val="F8F8F2"/>
+                </a:solidFill>
+                <a:effectLst/>
+                <a:latin typeface="Arial Unicode MS"/>
+                <a:ea typeface="JetBrains Mono"/>
+              </a:rPr>
+              <a:t>    </a:t>
+            </a:r>
+            <a:r>
+              <a:rPr kumimoji="0" lang="en-US" altLang="en-US" sz="1100" b="0" i="0" u="none" strike="noStrike" cap="none" normalizeH="0" baseline="0" dirty="0" smtClean="0">
+                <a:ln>
+                  <a:noFill/>
+                </a:ln>
+                <a:solidFill>
+                  <a:srgbClr val="F780BF"/>
+                </a:solidFill>
+                <a:effectLst/>
+                <a:latin typeface="Arial Unicode MS"/>
+                <a:ea typeface="JetBrains Mono"/>
+              </a:rPr>
+              <a:t>return </a:t>
+            </a:r>
+            <a:r>
+              <a:rPr kumimoji="0" lang="en-US" altLang="en-US" sz="1100" b="0" i="0" u="none" strike="noStrike" cap="none" normalizeH="0" baseline="0" dirty="0" smtClean="0">
+                <a:ln>
+                  <a:noFill/>
+                </a:ln>
+                <a:solidFill>
+                  <a:srgbClr val="F8F8F2"/>
+                </a:solidFill>
+                <a:effectLst/>
+                <a:latin typeface="Arial Unicode MS"/>
+                <a:ea typeface="JetBrains Mono"/>
+              </a:rPr>
+              <a:t>userRepository.</a:t>
+            </a:r>
+            <a:r>
+              <a:rPr kumimoji="0" lang="en-US" altLang="en-US" sz="1100" b="0" i="0" u="none" strike="noStrike" cap="none" normalizeH="0" baseline="0" dirty="0" smtClean="0">
+                <a:ln>
+                  <a:noFill/>
+                </a:ln>
+                <a:solidFill>
+                  <a:srgbClr val="50FA78"/>
+                </a:solidFill>
+                <a:effectLst/>
+                <a:latin typeface="Arial Unicode MS"/>
+                <a:ea typeface="JetBrains Mono"/>
+              </a:rPr>
+              <a:t>findById</a:t>
+            </a:r>
+            <a:r>
+              <a:rPr kumimoji="0" lang="en-US" altLang="en-US" sz="1100" b="0" i="0" u="none" strike="noStrike" cap="none" normalizeH="0" baseline="0" dirty="0" smtClean="0">
+                <a:ln>
+                  <a:noFill/>
+                </a:ln>
+                <a:solidFill>
+                  <a:srgbClr val="F8F8F2"/>
+                </a:solidFill>
+                <a:effectLst/>
+                <a:latin typeface="Arial Unicode MS"/>
+                <a:ea typeface="JetBrains Mono"/>
+              </a:rPr>
+              <a:t>(</a:t>
+            </a:r>
+            <a:r>
+              <a:rPr kumimoji="0" lang="en-US" altLang="en-US" sz="1100" b="0" i="1" u="none" strike="noStrike" cap="none" normalizeH="0" baseline="0" dirty="0" smtClean="0">
+                <a:ln>
+                  <a:noFill/>
+                </a:ln>
+                <a:solidFill>
+                  <a:srgbClr val="F89580"/>
+                </a:solidFill>
+                <a:effectLst/>
+                <a:latin typeface="Arial Unicode MS"/>
+                <a:ea typeface="JetBrains Mono"/>
+              </a:rPr>
+              <a:t>id</a:t>
+            </a:r>
+            <a:r>
+              <a:rPr kumimoji="0" lang="en-US" altLang="en-US" sz="1100" b="0" i="0" u="none" strike="noStrike" cap="none" normalizeH="0" baseline="0" dirty="0" smtClean="0">
+                <a:ln>
+                  <a:noFill/>
+                </a:ln>
+                <a:solidFill>
+                  <a:srgbClr val="F8F8F2"/>
+                </a:solidFill>
+                <a:effectLst/>
+                <a:latin typeface="Arial Unicode MS"/>
+                <a:ea typeface="JetBrains Mono"/>
+              </a:rPr>
+              <a:t>);</a:t>
+            </a:r>
+            <a:br>
+              <a:rPr kumimoji="0" lang="en-US" altLang="en-US" sz="1100" b="0" i="0" u="none" strike="noStrike" cap="none" normalizeH="0" baseline="0" dirty="0" smtClean="0">
+                <a:ln>
+                  <a:noFill/>
+                </a:ln>
+                <a:solidFill>
+                  <a:srgbClr val="F8F8F2"/>
+                </a:solidFill>
+                <a:effectLst/>
+                <a:latin typeface="Arial Unicode MS"/>
+                <a:ea typeface="JetBrains Mono"/>
+              </a:rPr>
+            </a:br>
+            <a:r>
+              <a:rPr kumimoji="0" lang="en-US" altLang="en-US" sz="1100" b="0" i="0" u="none" strike="noStrike" cap="none" normalizeH="0" baseline="0" dirty="0" smtClean="0">
+                <a:ln>
+                  <a:noFill/>
+                </a:ln>
+                <a:solidFill>
+                  <a:srgbClr val="F8F8F2"/>
+                </a:solidFill>
+                <a:effectLst/>
+                <a:latin typeface="Arial Unicode MS"/>
+                <a:ea typeface="JetBrains Mono"/>
+              </a:rPr>
+              <a:t>}</a:t>
+            </a:r>
+            <a:endParaRPr kumimoji="0" lang="en-US" altLang="en-US" sz="2800" b="0" i="0" u="none" strike="noStrike" cap="none" normalizeH="0" baseline="0" dirty="0" smtClean="0">
+              <a:ln>
+                <a:noFill/>
+              </a:ln>
+              <a:solidFill>
+                <a:schemeClr val="tx1"/>
+              </a:solidFill>
+              <a:effectLst/>
+              <a:latin typeface="Arial" panose="020B0604020202020204" pitchFamily="34" charset="0"/>
+            </a:endParaRPr>
+          </a:p>
+        </p:txBody>
+      </p:sp>
+      <p:sp>
+        <p:nvSpPr>
+          <p:cNvPr id="5" name="Rectangle 2"/>
+          <p:cNvSpPr>
+            <a:spLocks noChangeArrowheads="1"/>
+          </p:cNvSpPr>
+          <p:nvPr/>
+        </p:nvSpPr>
+        <p:spPr bwMode="auto">
+          <a:xfrm>
+            <a:off x="677334" y="4016914"/>
+            <a:ext cx="4542366" cy="938719"/>
+          </a:xfrm>
+          <a:prstGeom prst="rect">
+            <a:avLst/>
+          </a:prstGeom>
+          <a:solidFill>
+            <a:srgbClr val="282A36"/>
+          </a:solidFill>
+          <a:ln>
+            <a:noFill/>
+          </a:ln>
+          <a:effectLst/>
+          <a:extLst>
+            <a:ext uri="{91240B29-F687-4F45-9708-019B960494DF}">
+              <a14:hiddenLine xmlns:a14="http://schemas.microsoft.com/office/drawing/2010/main" w="9525">
+                <a:solidFill>
+                  <a:schemeClr val="tx1"/>
+                </a:solidFill>
+                <a:miter lim="800000"/>
+                <a:headEnd/>
+                <a:tailEnd/>
+              </a14:hiddenLine>
+            </a:ext>
+            <a:ext uri="{AF507438-7753-43E0-B8FC-AC1667EBCBE1}">
+              <a14:hiddenEffects xmlns:a14="http://schemas.microsoft.com/office/drawing/2010/main">
+                <a:effectLst>
+                  <a:outerShdw dist="35921" dir="2700000" algn="ctr" rotWithShape="0">
+                    <a:schemeClr val="bg2"/>
+                  </a:outerShdw>
+                </a:effectLst>
+              </a14:hiddenEffects>
+            </a:ext>
+          </a:extLst>
+        </p:spPr>
+        <p:txBody>
+          <a:bodyPr vert="horz" wrap="square" lIns="91440" tIns="45720" rIns="91440" bIns="45720" numCol="1" anchor="ctr" anchorCtr="0" compatLnSpc="1">
+            <a:prstTxWarp prst="textNoShape">
+              <a:avLst/>
+            </a:prstTxWarp>
+            <a:spAutoFit/>
+          </a:bodyPr>
+          <a:lstStyle/>
+          <a:p>
+            <a:pPr marL="0" marR="0" lvl="0" indent="0" algn="l" defTabSz="914400" rtl="0" eaLnBrk="0" fontAlgn="base" latinLnBrk="0" hangingPunct="0">
+              <a:lnSpc>
+                <a:spcPct val="100000"/>
+              </a:lnSpc>
+              <a:spcBef>
+                <a:spcPct val="0"/>
+              </a:spcBef>
+              <a:spcAft>
+                <a:spcPct val="0"/>
+              </a:spcAft>
+              <a:buClrTx/>
+              <a:buSzTx/>
+              <a:buFontTx/>
+              <a:buNone/>
+              <a:tabLst/>
+            </a:pPr>
+            <a:r>
+              <a:rPr kumimoji="0" lang="en-US" altLang="en-US" sz="1100" b="0" i="0" u="none" strike="noStrike" cap="none" normalizeH="0" baseline="0" dirty="0" smtClean="0">
+                <a:ln>
+                  <a:noFill/>
+                </a:ln>
+                <a:solidFill>
+                  <a:srgbClr val="50FA78"/>
+                </a:solidFill>
+                <a:effectLst/>
+                <a:latin typeface="Arial Unicode MS"/>
+                <a:ea typeface="JetBrains Mono"/>
+              </a:rPr>
+              <a:t>@GetMapping</a:t>
+            </a:r>
+            <a:r>
+              <a:rPr kumimoji="0" lang="en-US" altLang="en-US" sz="1100" b="0" i="0" u="none" strike="noStrike" cap="none" normalizeH="0" baseline="0" dirty="0" smtClean="0">
+                <a:ln>
+                  <a:noFill/>
+                </a:ln>
+                <a:solidFill>
+                  <a:srgbClr val="F8F8F2"/>
+                </a:solidFill>
+                <a:effectLst/>
+                <a:latin typeface="Arial Unicode MS"/>
+                <a:ea typeface="JetBrains Mono"/>
+              </a:rPr>
+              <a:t>(</a:t>
+            </a:r>
+            <a:r>
+              <a:rPr kumimoji="0" lang="en-US" altLang="en-US" sz="1100" b="0" i="0" u="none" strike="noStrike" cap="none" normalizeH="0" baseline="0" dirty="0" smtClean="0">
+                <a:ln>
+                  <a:noFill/>
+                </a:ln>
+                <a:solidFill>
+                  <a:srgbClr val="FEFF80"/>
+                </a:solidFill>
+                <a:effectLst/>
+                <a:latin typeface="Arial Unicode MS"/>
+                <a:ea typeface="JetBrains Mono"/>
+              </a:rPr>
+              <a:t>"/{id}"</a:t>
+            </a:r>
+            <a:r>
+              <a:rPr kumimoji="0" lang="en-US" altLang="en-US" sz="1100" b="0" i="0" u="none" strike="noStrike" cap="none" normalizeH="0" baseline="0" dirty="0" smtClean="0">
+                <a:ln>
+                  <a:noFill/>
+                </a:ln>
+                <a:solidFill>
+                  <a:srgbClr val="F8F8F2"/>
+                </a:solidFill>
+                <a:effectLst/>
+                <a:latin typeface="Arial Unicode MS"/>
+                <a:ea typeface="JetBrains Mono"/>
+              </a:rPr>
+              <a:t>)</a:t>
+            </a:r>
+            <a:br>
+              <a:rPr kumimoji="0" lang="en-US" altLang="en-US" sz="1100" b="0" i="0" u="none" strike="noStrike" cap="none" normalizeH="0" baseline="0" dirty="0" smtClean="0">
+                <a:ln>
+                  <a:noFill/>
+                </a:ln>
+                <a:solidFill>
+                  <a:srgbClr val="F8F8F2"/>
+                </a:solidFill>
+                <a:effectLst/>
+                <a:latin typeface="Arial Unicode MS"/>
+                <a:ea typeface="JetBrains Mono"/>
+              </a:rPr>
+            </a:br>
+            <a:r>
+              <a:rPr kumimoji="0" lang="en-US" altLang="en-US" sz="1100" b="0" i="0" u="none" strike="noStrike" cap="none" normalizeH="0" baseline="0" dirty="0" smtClean="0">
+                <a:ln>
+                  <a:noFill/>
+                </a:ln>
+                <a:solidFill>
+                  <a:srgbClr val="F780BF"/>
+                </a:solidFill>
+                <a:effectLst/>
+                <a:latin typeface="Arial Unicode MS"/>
+                <a:ea typeface="JetBrains Mono"/>
+              </a:rPr>
+              <a:t>public </a:t>
+            </a:r>
+            <a:r>
+              <a:rPr kumimoji="0" lang="en-US" altLang="en-US" sz="1100" b="0" i="0" u="none" strike="noStrike" cap="none" normalizeH="0" baseline="0" dirty="0" smtClean="0">
+                <a:ln>
+                  <a:noFill/>
+                </a:ln>
+                <a:solidFill>
+                  <a:srgbClr val="78DCE8"/>
+                </a:solidFill>
+                <a:effectLst/>
+                <a:latin typeface="Arial Unicode MS"/>
+                <a:ea typeface="JetBrains Mono"/>
+              </a:rPr>
+              <a:t>User </a:t>
+            </a:r>
+            <a:r>
+              <a:rPr kumimoji="0" lang="en-US" altLang="en-US" sz="1100" b="0" i="0" u="none" strike="noStrike" cap="none" normalizeH="0" baseline="0" dirty="0" smtClean="0">
+                <a:ln>
+                  <a:noFill/>
+                </a:ln>
+                <a:solidFill>
+                  <a:srgbClr val="8AFF80"/>
+                </a:solidFill>
+                <a:effectLst/>
+                <a:latin typeface="Arial Unicode MS"/>
+                <a:ea typeface="JetBrains Mono"/>
+              </a:rPr>
+              <a:t>getUserById</a:t>
+            </a:r>
+            <a:r>
+              <a:rPr kumimoji="0" lang="en-US" altLang="en-US" sz="1100" b="0" i="0" u="none" strike="noStrike" cap="none" normalizeH="0" baseline="0" dirty="0" smtClean="0">
+                <a:ln>
+                  <a:noFill/>
+                </a:ln>
+                <a:solidFill>
+                  <a:srgbClr val="F8F8F2"/>
+                </a:solidFill>
+                <a:effectLst/>
+                <a:latin typeface="Arial Unicode MS"/>
+                <a:ea typeface="JetBrains Mono"/>
+              </a:rPr>
+              <a:t>(</a:t>
+            </a:r>
+            <a:r>
+              <a:rPr kumimoji="0" lang="en-US" altLang="en-US" sz="1100" b="0" i="0" u="none" strike="noStrike" cap="none" normalizeH="0" baseline="0" dirty="0" smtClean="0">
+                <a:ln>
+                  <a:noFill/>
+                </a:ln>
+                <a:solidFill>
+                  <a:srgbClr val="50FA78"/>
+                </a:solidFill>
+                <a:effectLst/>
+                <a:latin typeface="Arial Unicode MS"/>
+                <a:ea typeface="JetBrains Mono"/>
+              </a:rPr>
+              <a:t>@PathVariable </a:t>
+            </a:r>
+            <a:r>
+              <a:rPr kumimoji="0" lang="en-US" altLang="en-US" sz="1100" b="0" i="0" u="none" strike="noStrike" cap="none" normalizeH="0" baseline="0" dirty="0" smtClean="0">
+                <a:ln>
+                  <a:noFill/>
+                </a:ln>
+                <a:solidFill>
+                  <a:srgbClr val="78DCE8"/>
+                </a:solidFill>
+                <a:effectLst/>
+                <a:latin typeface="Arial Unicode MS"/>
+                <a:ea typeface="JetBrains Mono"/>
+              </a:rPr>
+              <a:t>Integer </a:t>
+            </a:r>
+            <a:r>
+              <a:rPr kumimoji="0" lang="en-US" altLang="en-US" sz="1100" b="0" i="1" u="none" strike="noStrike" cap="none" normalizeH="0" baseline="0" dirty="0" smtClean="0">
+                <a:ln>
+                  <a:noFill/>
+                </a:ln>
+                <a:solidFill>
+                  <a:srgbClr val="F89580"/>
+                </a:solidFill>
+                <a:effectLst/>
+                <a:latin typeface="Arial Unicode MS"/>
+                <a:ea typeface="JetBrains Mono"/>
+              </a:rPr>
+              <a:t>id</a:t>
+            </a:r>
+            <a:r>
+              <a:rPr kumimoji="0" lang="en-US" altLang="en-US" sz="1100" b="0" i="0" u="none" strike="noStrike" cap="none" normalizeH="0" baseline="0" dirty="0" smtClean="0">
+                <a:ln>
+                  <a:noFill/>
+                </a:ln>
+                <a:solidFill>
+                  <a:srgbClr val="F8F8F2"/>
+                </a:solidFill>
+                <a:effectLst/>
+                <a:latin typeface="Arial Unicode MS"/>
+                <a:ea typeface="JetBrains Mono"/>
+              </a:rPr>
+              <a:t>) {</a:t>
+            </a:r>
+            <a:br>
+              <a:rPr kumimoji="0" lang="en-US" altLang="en-US" sz="1100" b="0" i="0" u="none" strike="noStrike" cap="none" normalizeH="0" baseline="0" dirty="0" smtClean="0">
+                <a:ln>
+                  <a:noFill/>
+                </a:ln>
+                <a:solidFill>
+                  <a:srgbClr val="F8F8F2"/>
+                </a:solidFill>
+                <a:effectLst/>
+                <a:latin typeface="Arial Unicode MS"/>
+                <a:ea typeface="JetBrains Mono"/>
+              </a:rPr>
+            </a:br>
+            <a:r>
+              <a:rPr kumimoji="0" lang="en-US" altLang="en-US" sz="1100" b="0" i="0" u="none" strike="noStrike" cap="none" normalizeH="0" baseline="0" dirty="0" smtClean="0">
+                <a:ln>
+                  <a:noFill/>
+                </a:ln>
+                <a:solidFill>
+                  <a:srgbClr val="F8F8F2"/>
+                </a:solidFill>
+                <a:effectLst/>
+                <a:latin typeface="Arial Unicode MS"/>
+                <a:ea typeface="JetBrains Mono"/>
+              </a:rPr>
+              <a:t>    </a:t>
+            </a:r>
+            <a:r>
+              <a:rPr kumimoji="0" lang="en-US" altLang="en-US" sz="1100" b="0" i="0" u="none" strike="noStrike" cap="none" normalizeH="0" baseline="0" dirty="0" smtClean="0">
+                <a:ln>
+                  <a:noFill/>
+                </a:ln>
+                <a:solidFill>
+                  <a:srgbClr val="78DCE8"/>
+                </a:solidFill>
+                <a:effectLst/>
+                <a:latin typeface="Arial Unicode MS"/>
+                <a:ea typeface="JetBrains Mono"/>
+              </a:rPr>
+              <a:t>Optional</a:t>
+            </a:r>
+            <a:r>
+              <a:rPr kumimoji="0" lang="en-US" altLang="en-US" sz="1100" b="0" i="0" u="none" strike="noStrike" cap="none" normalizeH="0" baseline="0" dirty="0" smtClean="0">
+                <a:ln>
+                  <a:noFill/>
+                </a:ln>
+                <a:solidFill>
+                  <a:srgbClr val="F780BF"/>
+                </a:solidFill>
+                <a:effectLst/>
+                <a:latin typeface="Arial Unicode MS"/>
+                <a:ea typeface="JetBrains Mono"/>
+              </a:rPr>
+              <a:t>&lt;</a:t>
+            </a:r>
+            <a:r>
+              <a:rPr kumimoji="0" lang="en-US" altLang="en-US" sz="1100" b="0" i="0" u="none" strike="noStrike" cap="none" normalizeH="0" baseline="0" dirty="0" smtClean="0">
+                <a:ln>
+                  <a:noFill/>
+                </a:ln>
+                <a:solidFill>
+                  <a:srgbClr val="78DCE8"/>
+                </a:solidFill>
+                <a:effectLst/>
+                <a:latin typeface="Arial Unicode MS"/>
+                <a:ea typeface="JetBrains Mono"/>
+              </a:rPr>
+              <a:t>User</a:t>
+            </a:r>
+            <a:r>
+              <a:rPr kumimoji="0" lang="en-US" altLang="en-US" sz="1100" b="0" i="0" u="none" strike="noStrike" cap="none" normalizeH="0" baseline="0" dirty="0" smtClean="0">
+                <a:ln>
+                  <a:noFill/>
+                </a:ln>
+                <a:solidFill>
+                  <a:srgbClr val="F780BF"/>
+                </a:solidFill>
+                <a:effectLst/>
+                <a:latin typeface="Arial Unicode MS"/>
+                <a:ea typeface="JetBrains Mono"/>
+              </a:rPr>
+              <a:t>&gt; </a:t>
+            </a:r>
+            <a:r>
+              <a:rPr kumimoji="0" lang="en-US" altLang="en-US" sz="1100" b="0" i="0" u="none" strike="noStrike" cap="none" normalizeH="0" baseline="0" dirty="0" smtClean="0">
+                <a:ln>
+                  <a:noFill/>
+                </a:ln>
+                <a:solidFill>
+                  <a:srgbClr val="F8F8F2"/>
+                </a:solidFill>
+                <a:effectLst/>
+                <a:latin typeface="Arial Unicode MS"/>
+                <a:ea typeface="JetBrains Mono"/>
+              </a:rPr>
+              <a:t>user </a:t>
+            </a:r>
+            <a:r>
+              <a:rPr kumimoji="0" lang="en-US" altLang="en-US" sz="1100" b="0" i="0" u="none" strike="noStrike" cap="none" normalizeH="0" baseline="0" dirty="0" smtClean="0">
+                <a:ln>
+                  <a:noFill/>
+                </a:ln>
+                <a:solidFill>
+                  <a:srgbClr val="F780BF"/>
+                </a:solidFill>
+                <a:effectLst/>
+                <a:latin typeface="Arial Unicode MS"/>
+                <a:ea typeface="JetBrains Mono"/>
+              </a:rPr>
+              <a:t>= </a:t>
+            </a:r>
+            <a:r>
+              <a:rPr kumimoji="0" lang="en-US" altLang="en-US" sz="1100" b="0" i="0" u="none" strike="noStrike" cap="none" normalizeH="0" baseline="0" dirty="0" smtClean="0">
+                <a:ln>
+                  <a:noFill/>
+                </a:ln>
+                <a:solidFill>
+                  <a:srgbClr val="F8F8F2"/>
+                </a:solidFill>
+                <a:effectLst/>
+                <a:latin typeface="Arial Unicode MS"/>
+                <a:ea typeface="JetBrains Mono"/>
+              </a:rPr>
+              <a:t>userService.</a:t>
+            </a:r>
+            <a:r>
+              <a:rPr kumimoji="0" lang="en-US" altLang="en-US" sz="1100" b="0" i="0" u="none" strike="noStrike" cap="none" normalizeH="0" baseline="0" dirty="0" smtClean="0">
+                <a:ln>
+                  <a:noFill/>
+                </a:ln>
+                <a:solidFill>
+                  <a:srgbClr val="50FA78"/>
+                </a:solidFill>
+                <a:effectLst/>
+                <a:latin typeface="Arial Unicode MS"/>
+                <a:ea typeface="JetBrains Mono"/>
+              </a:rPr>
+              <a:t>getUserById</a:t>
+            </a:r>
+            <a:r>
+              <a:rPr kumimoji="0" lang="en-US" altLang="en-US" sz="1100" b="0" i="0" u="none" strike="noStrike" cap="none" normalizeH="0" baseline="0" dirty="0" smtClean="0">
+                <a:ln>
+                  <a:noFill/>
+                </a:ln>
+                <a:solidFill>
+                  <a:srgbClr val="F8F8F2"/>
+                </a:solidFill>
+                <a:effectLst/>
+                <a:latin typeface="Arial Unicode MS"/>
+                <a:ea typeface="JetBrains Mono"/>
+              </a:rPr>
+              <a:t>(</a:t>
+            </a:r>
+            <a:r>
+              <a:rPr kumimoji="0" lang="en-US" altLang="en-US" sz="1100" b="0" i="1" u="none" strike="noStrike" cap="none" normalizeH="0" baseline="0" dirty="0" smtClean="0">
+                <a:ln>
+                  <a:noFill/>
+                </a:ln>
+                <a:solidFill>
+                  <a:srgbClr val="F89580"/>
+                </a:solidFill>
+                <a:effectLst/>
+                <a:latin typeface="Arial Unicode MS"/>
+                <a:ea typeface="JetBrains Mono"/>
+              </a:rPr>
+              <a:t>id</a:t>
+            </a:r>
+            <a:r>
+              <a:rPr kumimoji="0" lang="en-US" altLang="en-US" sz="1100" b="0" i="0" u="none" strike="noStrike" cap="none" normalizeH="0" baseline="0" dirty="0" smtClean="0">
+                <a:ln>
+                  <a:noFill/>
+                </a:ln>
+                <a:solidFill>
+                  <a:srgbClr val="F8F8F2"/>
+                </a:solidFill>
+                <a:effectLst/>
+                <a:latin typeface="Arial Unicode MS"/>
+                <a:ea typeface="JetBrains Mono"/>
+              </a:rPr>
+              <a:t>);</a:t>
+            </a:r>
+            <a:br>
+              <a:rPr kumimoji="0" lang="en-US" altLang="en-US" sz="1100" b="0" i="0" u="none" strike="noStrike" cap="none" normalizeH="0" baseline="0" dirty="0" smtClean="0">
+                <a:ln>
+                  <a:noFill/>
+                </a:ln>
+                <a:solidFill>
+                  <a:srgbClr val="F8F8F2"/>
+                </a:solidFill>
+                <a:effectLst/>
+                <a:latin typeface="Arial Unicode MS"/>
+                <a:ea typeface="JetBrains Mono"/>
+              </a:rPr>
+            </a:br>
+            <a:r>
+              <a:rPr kumimoji="0" lang="en-US" altLang="en-US" sz="1100" b="0" i="0" u="none" strike="noStrike" cap="none" normalizeH="0" baseline="0" dirty="0" smtClean="0">
+                <a:ln>
+                  <a:noFill/>
+                </a:ln>
+                <a:solidFill>
+                  <a:srgbClr val="F8F8F2"/>
+                </a:solidFill>
+                <a:effectLst/>
+                <a:latin typeface="Arial Unicode MS"/>
+                <a:ea typeface="JetBrains Mono"/>
+              </a:rPr>
+              <a:t>    </a:t>
+            </a:r>
+            <a:r>
+              <a:rPr kumimoji="0" lang="en-US" altLang="en-US" sz="1100" b="0" i="0" u="none" strike="noStrike" cap="none" normalizeH="0" baseline="0" dirty="0" smtClean="0">
+                <a:ln>
+                  <a:noFill/>
+                </a:ln>
+                <a:solidFill>
+                  <a:srgbClr val="F780BF"/>
+                </a:solidFill>
+                <a:effectLst/>
+                <a:latin typeface="Arial Unicode MS"/>
+                <a:ea typeface="JetBrains Mono"/>
+              </a:rPr>
+              <a:t>return </a:t>
+            </a:r>
+            <a:r>
+              <a:rPr kumimoji="0" lang="en-US" altLang="en-US" sz="1100" b="0" i="0" u="none" strike="noStrike" cap="none" normalizeH="0" baseline="0" dirty="0" smtClean="0">
+                <a:ln>
+                  <a:noFill/>
+                </a:ln>
+                <a:solidFill>
+                  <a:srgbClr val="F8F8F2"/>
+                </a:solidFill>
+                <a:effectLst/>
+                <a:latin typeface="Arial Unicode MS"/>
+                <a:ea typeface="JetBrains Mono"/>
+              </a:rPr>
+              <a:t>user.</a:t>
+            </a:r>
+            <a:r>
+              <a:rPr kumimoji="0" lang="en-US" altLang="en-US" sz="1100" b="0" i="0" u="none" strike="noStrike" cap="none" normalizeH="0" baseline="0" dirty="0" smtClean="0">
+                <a:ln>
+                  <a:noFill/>
+                </a:ln>
+                <a:solidFill>
+                  <a:srgbClr val="50FA78"/>
+                </a:solidFill>
+                <a:effectLst/>
+                <a:latin typeface="Arial Unicode MS"/>
+                <a:ea typeface="JetBrains Mono"/>
+              </a:rPr>
+              <a:t>orElse</a:t>
+            </a:r>
+            <a:r>
+              <a:rPr kumimoji="0" lang="en-US" altLang="en-US" sz="1100" b="0" i="0" u="none" strike="noStrike" cap="none" normalizeH="0" baseline="0" dirty="0" smtClean="0">
+                <a:ln>
+                  <a:noFill/>
+                </a:ln>
+                <a:solidFill>
+                  <a:srgbClr val="F8F8F2"/>
+                </a:solidFill>
+                <a:effectLst/>
+                <a:latin typeface="Arial Unicode MS"/>
+                <a:ea typeface="JetBrains Mono"/>
+              </a:rPr>
+              <a:t>(</a:t>
+            </a:r>
+            <a:r>
+              <a:rPr kumimoji="0" lang="en-US" altLang="en-US" sz="1100" b="0" i="0" u="none" strike="noStrike" cap="none" normalizeH="0" baseline="0" dirty="0" smtClean="0">
+                <a:ln>
+                  <a:noFill/>
+                </a:ln>
+                <a:solidFill>
+                  <a:srgbClr val="F780BF"/>
+                </a:solidFill>
+                <a:effectLst/>
+                <a:latin typeface="Arial Unicode MS"/>
+                <a:ea typeface="JetBrains Mono"/>
+              </a:rPr>
+              <a:t>null</a:t>
+            </a:r>
+            <a:r>
+              <a:rPr kumimoji="0" lang="en-US" altLang="en-US" sz="1100" b="0" i="0" u="none" strike="noStrike" cap="none" normalizeH="0" baseline="0" dirty="0" smtClean="0">
+                <a:ln>
+                  <a:noFill/>
+                </a:ln>
+                <a:solidFill>
+                  <a:srgbClr val="F8F8F2"/>
+                </a:solidFill>
+                <a:effectLst/>
+                <a:latin typeface="Arial Unicode MS"/>
+                <a:ea typeface="JetBrains Mono"/>
+              </a:rPr>
+              <a:t>);</a:t>
+            </a:r>
+            <a:br>
+              <a:rPr kumimoji="0" lang="en-US" altLang="en-US" sz="1100" b="0" i="0" u="none" strike="noStrike" cap="none" normalizeH="0" baseline="0" dirty="0" smtClean="0">
+                <a:ln>
+                  <a:noFill/>
+                </a:ln>
+                <a:solidFill>
+                  <a:srgbClr val="F8F8F2"/>
+                </a:solidFill>
+                <a:effectLst/>
+                <a:latin typeface="Arial Unicode MS"/>
+                <a:ea typeface="JetBrains Mono"/>
+              </a:rPr>
+            </a:br>
+            <a:r>
+              <a:rPr kumimoji="0" lang="en-US" altLang="en-US" sz="1100" b="0" i="0" u="none" strike="noStrike" cap="none" normalizeH="0" baseline="0" dirty="0" smtClean="0">
+                <a:ln>
+                  <a:noFill/>
+                </a:ln>
+                <a:solidFill>
+                  <a:srgbClr val="F8F8F2"/>
+                </a:solidFill>
+                <a:effectLst/>
+                <a:latin typeface="Arial Unicode MS"/>
+                <a:ea typeface="JetBrains Mono"/>
+              </a:rPr>
+              <a:t>}</a:t>
+            </a:r>
+            <a:endParaRPr kumimoji="0" lang="en-US" altLang="en-US" sz="2800" b="0" i="0" u="none" strike="noStrike" cap="none" normalizeH="0" baseline="0" dirty="0" smtClean="0">
+              <a:ln>
+                <a:noFill/>
+              </a:ln>
+              <a:solidFill>
+                <a:schemeClr val="tx1"/>
+              </a:solidFill>
+              <a:effectLst/>
+              <a:latin typeface="Arial" panose="020B0604020202020204" pitchFamily="34" charset="0"/>
+            </a:endParaRPr>
+          </a:p>
+        </p:txBody>
+      </p:sp>
+    </p:spTree>
+    <p:extLst>
+      <p:ext uri="{BB962C8B-B14F-4D97-AF65-F5344CB8AC3E}">
+        <p14:creationId xmlns:p14="http://schemas.microsoft.com/office/powerpoint/2010/main" val="1925548466"/>
+      </p:ext>
+    </p:extLst>
+  </p:cSld>
+  <p:clrMapOvr>
+    <a:masterClrMapping/>
+  </p:clrMapOvr>
+</p:sld>
+</file>
+
+<file path=ppt/slides/slide16.xml><?xml version="1.0" encoding="utf-8"?>
+<p:sld xmlns:a="http://schemas.openxmlformats.org/drawingml/2006/main" xmlns:r="http://schemas.openxmlformats.org/officeDocument/2006/relationships" xmlns:p="http://schemas.openxmlformats.org/presentationml/2006/main">
+  <p:cSld>
+    <p:spTree>
+      <p:nvGrpSpPr>
+        <p:cNvPr id="1" name=""/>
+        <p:cNvGrpSpPr/>
+        <p:nvPr/>
+      </p:nvGrpSpPr>
+      <p:grpSpPr>
+        <a:xfrm>
+          <a:off x="0" y="0"/>
+          <a:ext cx="0" cy="0"/>
+          <a:chOff x="0" y="0"/>
+          <a:chExt cx="0" cy="0"/>
+        </a:xfrm>
+      </p:grpSpPr>
+      <p:sp>
+        <p:nvSpPr>
+          <p:cNvPr id="2" name="Title 1"/>
+          <p:cNvSpPr>
+            <a:spLocks noGrp="1"/>
+          </p:cNvSpPr>
+          <p:nvPr>
+            <p:ph type="title"/>
+          </p:nvPr>
+        </p:nvSpPr>
+        <p:spPr/>
+        <p:txBody>
+          <a:bodyPr/>
+          <a:lstStyle/>
+          <a:p>
+            <a:r>
+              <a:rPr lang="en-US" dirty="0">
+                <a:latin typeface="Arial" panose="020B0604020202020204" pitchFamily="34" charset="0"/>
+                <a:cs typeface="Arial" panose="020B0604020202020204" pitchFamily="34" charset="0"/>
+              </a:rPr>
+              <a:t>CrudRepository</a:t>
+            </a:r>
+            <a:endParaRPr lang="en-US" dirty="0">
+              <a:latin typeface="Arial" panose="020B0604020202020204" pitchFamily="34" charset="0"/>
+              <a:cs typeface="Arial" panose="020B0604020202020204" pitchFamily="34" charset="0"/>
+            </a:endParaRPr>
+          </a:p>
+        </p:txBody>
+      </p:sp>
+      <p:sp>
+        <p:nvSpPr>
+          <p:cNvPr id="3" name="Content Placeholder 2"/>
+          <p:cNvSpPr>
+            <a:spLocks noGrp="1"/>
+          </p:cNvSpPr>
+          <p:nvPr>
+            <p:ph idx="1"/>
+          </p:nvPr>
+        </p:nvSpPr>
+        <p:spPr/>
+        <p:txBody>
+          <a:bodyPr/>
+          <a:lstStyle/>
+          <a:p>
+            <a:r>
+              <a:rPr lang="en-US" dirty="0" smtClean="0">
+                <a:latin typeface="Arial" panose="020B0604020202020204" pitchFamily="34" charset="0"/>
+                <a:cs typeface="Arial" panose="020B0604020202020204" pitchFamily="34" charset="0"/>
+              </a:rPr>
+              <a:t>Ví dụ get user theo name</a:t>
+            </a:r>
+            <a:endParaRPr lang="en-US" dirty="0">
+              <a:latin typeface="Arial" panose="020B0604020202020204" pitchFamily="34" charset="0"/>
+              <a:cs typeface="Arial" panose="020B0604020202020204" pitchFamily="34" charset="0"/>
+            </a:endParaRPr>
+          </a:p>
+          <a:p>
+            <a:r>
+              <a:rPr lang="en-US" dirty="0" smtClean="0">
+                <a:latin typeface="Arial" panose="020B0604020202020204" pitchFamily="34" charset="0"/>
+                <a:cs typeface="Arial" panose="020B0604020202020204" pitchFamily="34" charset="0"/>
+              </a:rPr>
+              <a:t>Spring jdbc</a:t>
+            </a:r>
+            <a:endParaRPr lang="en-US" dirty="0">
+              <a:latin typeface="Arial" panose="020B0604020202020204" pitchFamily="34" charset="0"/>
+              <a:cs typeface="Arial" panose="020B0604020202020204" pitchFamily="34" charset="0"/>
+            </a:endParaRPr>
+          </a:p>
+          <a:p>
+            <a:endParaRPr lang="en-US" dirty="0" smtClean="0">
+              <a:latin typeface="Arial" panose="020B0604020202020204" pitchFamily="34" charset="0"/>
+              <a:cs typeface="Arial" panose="020B0604020202020204" pitchFamily="34" charset="0"/>
+            </a:endParaRPr>
+          </a:p>
+          <a:p>
+            <a:endParaRPr lang="en-US" dirty="0">
+              <a:latin typeface="Arial" panose="020B0604020202020204" pitchFamily="34" charset="0"/>
+              <a:cs typeface="Arial" panose="020B0604020202020204" pitchFamily="34" charset="0"/>
+            </a:endParaRPr>
+          </a:p>
+          <a:p>
+            <a:endParaRPr lang="en-US" dirty="0" smtClean="0">
+              <a:latin typeface="Arial" panose="020B0604020202020204" pitchFamily="34" charset="0"/>
+              <a:cs typeface="Arial" panose="020B0604020202020204" pitchFamily="34" charset="0"/>
+            </a:endParaRPr>
+          </a:p>
+          <a:p>
+            <a:endParaRPr lang="en-US" dirty="0" smtClean="0">
+              <a:latin typeface="Arial" panose="020B0604020202020204" pitchFamily="34" charset="0"/>
+              <a:cs typeface="Arial" panose="020B0604020202020204" pitchFamily="34" charset="0"/>
+            </a:endParaRPr>
+          </a:p>
+          <a:p>
+            <a:r>
+              <a:rPr lang="en-US" dirty="0" smtClean="0">
+                <a:latin typeface="Arial" panose="020B0604020202020204" pitchFamily="34" charset="0"/>
+                <a:cs typeface="Arial" panose="020B0604020202020204" pitchFamily="34" charset="0"/>
+              </a:rPr>
+              <a:t>Spring data jdbc</a:t>
+            </a:r>
+            <a:endParaRPr lang="en-US" dirty="0" smtClean="0">
+              <a:latin typeface="Arial" panose="020B0604020202020204" pitchFamily="34" charset="0"/>
+              <a:cs typeface="Arial" panose="020B0604020202020204" pitchFamily="34" charset="0"/>
+            </a:endParaRPr>
+          </a:p>
+          <a:p>
+            <a:endParaRPr lang="en-US" dirty="0">
+              <a:latin typeface="Arial" panose="020B0604020202020204" pitchFamily="34" charset="0"/>
+              <a:cs typeface="Arial" panose="020B0604020202020204" pitchFamily="34" charset="0"/>
+            </a:endParaRPr>
+          </a:p>
+          <a:p>
+            <a:endParaRPr lang="en-US" dirty="0">
+              <a:latin typeface="Arial" panose="020B0604020202020204" pitchFamily="34" charset="0"/>
+              <a:cs typeface="Arial" panose="020B0604020202020204" pitchFamily="34" charset="0"/>
+            </a:endParaRPr>
+          </a:p>
+        </p:txBody>
+      </p:sp>
+      <p:pic>
+        <p:nvPicPr>
+          <p:cNvPr id="6" name="Picture 5"/>
+          <p:cNvPicPr>
+            <a:picLocks noChangeAspect="1"/>
+          </p:cNvPicPr>
+          <p:nvPr/>
+        </p:nvPicPr>
+        <p:blipFill>
+          <a:blip r:embed="rId2"/>
+          <a:stretch>
+            <a:fillRect/>
+          </a:stretch>
+        </p:blipFill>
+        <p:spPr>
+          <a:xfrm>
+            <a:off x="677334" y="2951162"/>
+            <a:ext cx="6943725" cy="1095375"/>
+          </a:xfrm>
+          <a:prstGeom prst="rect">
+            <a:avLst/>
+          </a:prstGeom>
+        </p:spPr>
+      </p:pic>
+      <p:sp>
+        <p:nvSpPr>
+          <p:cNvPr id="5" name="Rectangle 2"/>
+          <p:cNvSpPr>
+            <a:spLocks noChangeArrowheads="1"/>
+          </p:cNvSpPr>
+          <p:nvPr/>
+        </p:nvSpPr>
+        <p:spPr bwMode="auto">
+          <a:xfrm>
+            <a:off x="677334" y="5042357"/>
+            <a:ext cx="6943725" cy="430887"/>
+          </a:xfrm>
+          <a:prstGeom prst="rect">
+            <a:avLst/>
+          </a:prstGeom>
+          <a:solidFill>
+            <a:srgbClr val="282A36"/>
+          </a:solidFill>
+          <a:ln>
+            <a:noFill/>
+          </a:ln>
+          <a:effectLst/>
+          <a:extLst>
+            <a:ext uri="{91240B29-F687-4F45-9708-019B960494DF}">
+              <a14:hiddenLine xmlns:a14="http://schemas.microsoft.com/office/drawing/2010/main" w="9525">
+                <a:solidFill>
+                  <a:schemeClr val="tx1"/>
+                </a:solidFill>
+                <a:miter lim="800000"/>
+                <a:headEnd/>
+                <a:tailEnd/>
+              </a14:hiddenLine>
+            </a:ext>
+            <a:ext uri="{AF507438-7753-43E0-B8FC-AC1667EBCBE1}">
+              <a14:hiddenEffects xmlns:a14="http://schemas.microsoft.com/office/drawing/2010/main">
+                <a:effectLst>
+                  <a:outerShdw dist="35921" dir="2700000" algn="ctr" rotWithShape="0">
+                    <a:schemeClr val="bg2"/>
+                  </a:outerShdw>
+                </a:effectLst>
+              </a14:hiddenEffects>
+            </a:ext>
+          </a:extLst>
+        </p:spPr>
+        <p:txBody>
+          <a:bodyPr vert="horz" wrap="square" lIns="91440" tIns="45720" rIns="91440" bIns="45720" numCol="1" anchor="ctr" anchorCtr="0" compatLnSpc="1">
+            <a:prstTxWarp prst="textNoShape">
+              <a:avLst/>
+            </a:prstTxWarp>
+            <a:spAutoFit/>
+          </a:bodyPr>
+          <a:lstStyle/>
+          <a:p>
+            <a:pPr marL="0" marR="0" lvl="0" indent="0" algn="l" defTabSz="914400" rtl="0" eaLnBrk="0" fontAlgn="base" latinLnBrk="0" hangingPunct="0">
+              <a:lnSpc>
+                <a:spcPct val="100000"/>
+              </a:lnSpc>
+              <a:spcBef>
+                <a:spcPct val="0"/>
+              </a:spcBef>
+              <a:spcAft>
+                <a:spcPct val="0"/>
+              </a:spcAft>
+              <a:buClrTx/>
+              <a:buSzTx/>
+              <a:buFontTx/>
+              <a:buNone/>
+              <a:tabLst/>
+            </a:pPr>
+            <a:r>
+              <a:rPr kumimoji="0" lang="en-US" altLang="en-US" sz="1100" b="0" i="0" u="none" strike="noStrike" cap="none" normalizeH="0" baseline="0" dirty="0" smtClean="0">
+                <a:ln>
+                  <a:noFill/>
+                </a:ln>
+                <a:solidFill>
+                  <a:srgbClr val="50FA78"/>
+                </a:solidFill>
+                <a:effectLst/>
+                <a:latin typeface="Arial Unicode MS"/>
+                <a:ea typeface="JetBrains Mono"/>
+              </a:rPr>
+              <a:t>@Query</a:t>
+            </a:r>
+            <a:r>
+              <a:rPr kumimoji="0" lang="en-US" altLang="en-US" sz="1100" b="0" i="0" u="none" strike="noStrike" cap="none" normalizeH="0" baseline="0" dirty="0" smtClean="0">
+                <a:ln>
+                  <a:noFill/>
+                </a:ln>
+                <a:solidFill>
+                  <a:srgbClr val="F8F8F2"/>
+                </a:solidFill>
+                <a:effectLst/>
+                <a:latin typeface="Arial Unicode MS"/>
+                <a:ea typeface="JetBrains Mono"/>
+              </a:rPr>
+              <a:t>(</a:t>
+            </a:r>
+            <a:r>
+              <a:rPr kumimoji="0" lang="en-US" altLang="en-US" sz="1100" b="0" i="0" u="none" strike="noStrike" cap="none" normalizeH="0" baseline="0" dirty="0" smtClean="0">
+                <a:ln>
+                  <a:noFill/>
+                </a:ln>
+                <a:solidFill>
+                  <a:srgbClr val="FEFF80"/>
+                </a:solidFill>
+                <a:effectLst/>
+                <a:latin typeface="Arial Unicode MS"/>
+                <a:ea typeface="JetBrains Mono"/>
+              </a:rPr>
+              <a:t>"SELECT * FROM user WHERE name LIKE CONCAT('%',:name,'%')"</a:t>
+            </a:r>
+            <a:r>
+              <a:rPr kumimoji="0" lang="en-US" altLang="en-US" sz="1100" b="0" i="0" u="none" strike="noStrike" cap="none" normalizeH="0" baseline="0" dirty="0" smtClean="0">
+                <a:ln>
+                  <a:noFill/>
+                </a:ln>
+                <a:solidFill>
+                  <a:srgbClr val="F8F8F2"/>
+                </a:solidFill>
+                <a:effectLst/>
+                <a:latin typeface="Arial Unicode MS"/>
+                <a:ea typeface="JetBrains Mono"/>
+              </a:rPr>
+              <a:t>)</a:t>
+            </a:r>
+            <a:br>
+              <a:rPr kumimoji="0" lang="en-US" altLang="en-US" sz="1100" b="0" i="0" u="none" strike="noStrike" cap="none" normalizeH="0" baseline="0" dirty="0" smtClean="0">
+                <a:ln>
+                  <a:noFill/>
+                </a:ln>
+                <a:solidFill>
+                  <a:srgbClr val="F8F8F2"/>
+                </a:solidFill>
+                <a:effectLst/>
+                <a:latin typeface="Arial Unicode MS"/>
+                <a:ea typeface="JetBrains Mono"/>
+              </a:rPr>
+            </a:br>
+            <a:r>
+              <a:rPr kumimoji="0" lang="en-US" altLang="en-US" sz="1100" b="0" i="1" u="none" strike="noStrike" cap="none" normalizeH="0" baseline="0" dirty="0" smtClean="0">
+                <a:ln>
+                  <a:noFill/>
+                </a:ln>
+                <a:solidFill>
+                  <a:srgbClr val="80FFEA"/>
+                </a:solidFill>
+                <a:effectLst/>
+                <a:latin typeface="Arial Unicode MS"/>
+                <a:ea typeface="JetBrains Mono"/>
+              </a:rPr>
+              <a:t>List</a:t>
+            </a:r>
+            <a:r>
+              <a:rPr kumimoji="0" lang="en-US" altLang="en-US" sz="1100" b="0" i="0" u="none" strike="noStrike" cap="none" normalizeH="0" baseline="0" dirty="0" smtClean="0">
+                <a:ln>
+                  <a:noFill/>
+                </a:ln>
+                <a:solidFill>
+                  <a:srgbClr val="F780BF"/>
+                </a:solidFill>
+                <a:effectLst/>
+                <a:latin typeface="Arial Unicode MS"/>
+                <a:ea typeface="JetBrains Mono"/>
+              </a:rPr>
+              <a:t>&lt;</a:t>
+            </a:r>
+            <a:r>
+              <a:rPr kumimoji="0" lang="en-US" altLang="en-US" sz="1100" b="0" i="0" u="none" strike="noStrike" cap="none" normalizeH="0" baseline="0" dirty="0" smtClean="0">
+                <a:ln>
+                  <a:noFill/>
+                </a:ln>
+                <a:solidFill>
+                  <a:srgbClr val="78DCE8"/>
+                </a:solidFill>
+                <a:effectLst/>
+                <a:latin typeface="Arial Unicode MS"/>
+                <a:ea typeface="JetBrains Mono"/>
+              </a:rPr>
+              <a:t>User</a:t>
+            </a:r>
+            <a:r>
+              <a:rPr kumimoji="0" lang="en-US" altLang="en-US" sz="1100" b="0" i="0" u="none" strike="noStrike" cap="none" normalizeH="0" baseline="0" dirty="0" smtClean="0">
+                <a:ln>
+                  <a:noFill/>
+                </a:ln>
+                <a:solidFill>
+                  <a:srgbClr val="F780BF"/>
+                </a:solidFill>
+                <a:effectLst/>
+                <a:latin typeface="Arial Unicode MS"/>
+                <a:ea typeface="JetBrains Mono"/>
+              </a:rPr>
+              <a:t>&gt; </a:t>
+            </a:r>
+            <a:r>
+              <a:rPr kumimoji="0" lang="en-US" altLang="en-US" sz="1100" b="0" i="0" u="none" strike="noStrike" cap="none" normalizeH="0" baseline="0" dirty="0" smtClean="0">
+                <a:ln>
+                  <a:noFill/>
+                </a:ln>
+                <a:solidFill>
+                  <a:srgbClr val="8AFF80"/>
+                </a:solidFill>
+                <a:effectLst/>
+                <a:latin typeface="Arial Unicode MS"/>
+                <a:ea typeface="JetBrains Mono"/>
+              </a:rPr>
+              <a:t>findAllByName</a:t>
+            </a:r>
+            <a:r>
+              <a:rPr kumimoji="0" lang="en-US" altLang="en-US" sz="1100" b="0" i="0" u="none" strike="noStrike" cap="none" normalizeH="0" baseline="0" dirty="0" smtClean="0">
+                <a:ln>
+                  <a:noFill/>
+                </a:ln>
+                <a:solidFill>
+                  <a:srgbClr val="F8F8F2"/>
+                </a:solidFill>
+                <a:effectLst/>
+                <a:latin typeface="Arial Unicode MS"/>
+                <a:ea typeface="JetBrains Mono"/>
+              </a:rPr>
+              <a:t>(</a:t>
+            </a:r>
+            <a:r>
+              <a:rPr kumimoji="0" lang="en-US" altLang="en-US" sz="1100" b="0" i="0" u="none" strike="noStrike" cap="none" normalizeH="0" baseline="0" dirty="0" smtClean="0">
+                <a:ln>
+                  <a:noFill/>
+                </a:ln>
+                <a:solidFill>
+                  <a:srgbClr val="78DCE8"/>
+                </a:solidFill>
+                <a:effectLst/>
+                <a:latin typeface="Arial Unicode MS"/>
+                <a:ea typeface="JetBrains Mono"/>
+              </a:rPr>
+              <a:t>String </a:t>
+            </a:r>
+            <a:r>
+              <a:rPr kumimoji="0" lang="en-US" altLang="en-US" sz="1100" b="0" i="1" u="none" strike="noStrike" cap="none" normalizeH="0" baseline="0" dirty="0" smtClean="0">
+                <a:ln>
+                  <a:noFill/>
+                </a:ln>
+                <a:solidFill>
+                  <a:srgbClr val="F89580"/>
+                </a:solidFill>
+                <a:effectLst/>
+                <a:latin typeface="Arial Unicode MS"/>
+                <a:ea typeface="JetBrains Mono"/>
+              </a:rPr>
+              <a:t>name</a:t>
+            </a:r>
+            <a:r>
+              <a:rPr kumimoji="0" lang="en-US" altLang="en-US" sz="1100" b="0" i="0" u="none" strike="noStrike" cap="none" normalizeH="0" baseline="0" dirty="0" smtClean="0">
+                <a:ln>
+                  <a:noFill/>
+                </a:ln>
+                <a:solidFill>
+                  <a:srgbClr val="F8F8F2"/>
+                </a:solidFill>
+                <a:effectLst/>
+                <a:latin typeface="Arial Unicode MS"/>
+                <a:ea typeface="JetBrains Mono"/>
+              </a:rPr>
+              <a:t>);</a:t>
+            </a:r>
+            <a:endParaRPr kumimoji="0" lang="en-US" altLang="en-US" sz="2800" b="0" i="0" u="none" strike="noStrike" cap="none" normalizeH="0" baseline="0" dirty="0" smtClean="0">
+              <a:ln>
+                <a:noFill/>
+              </a:ln>
+              <a:solidFill>
+                <a:schemeClr val="tx1"/>
+              </a:solidFill>
+              <a:effectLst/>
+              <a:latin typeface="Arial" panose="020B0604020202020204" pitchFamily="34" charset="0"/>
+            </a:endParaRPr>
+          </a:p>
+        </p:txBody>
+      </p:sp>
+    </p:spTree>
+    <p:extLst>
+      <p:ext uri="{BB962C8B-B14F-4D97-AF65-F5344CB8AC3E}">
+        <p14:creationId xmlns:p14="http://schemas.microsoft.com/office/powerpoint/2010/main" val="2650335891"/>
+      </p:ext>
+    </p:extLst>
+  </p:cSld>
+  <p:clrMapOvr>
+    <a:masterClrMapping/>
+  </p:clrMapOvr>
+</p:sld>
+</file>
+
+<file path=ppt/slides/slide17.xml><?xml version="1.0" encoding="utf-8"?>
+<p:sld xmlns:a="http://schemas.openxmlformats.org/drawingml/2006/main" xmlns:r="http://schemas.openxmlformats.org/officeDocument/2006/relationships" xmlns:p="http://schemas.openxmlformats.org/presentationml/2006/main">
+  <p:cSld>
+    <p:spTree>
+      <p:nvGrpSpPr>
+        <p:cNvPr id="1" name=""/>
+        <p:cNvGrpSpPr/>
+        <p:nvPr/>
+      </p:nvGrpSpPr>
+      <p:grpSpPr>
+        <a:xfrm>
+          <a:off x="0" y="0"/>
+          <a:ext cx="0" cy="0"/>
+          <a:chOff x="0" y="0"/>
+          <a:chExt cx="0" cy="0"/>
+        </a:xfrm>
+      </p:grpSpPr>
+      <p:sp>
+        <p:nvSpPr>
+          <p:cNvPr id="2" name="Title 1"/>
+          <p:cNvSpPr>
+            <a:spLocks noGrp="1"/>
+          </p:cNvSpPr>
+          <p:nvPr>
+            <p:ph type="title"/>
+          </p:nvPr>
+        </p:nvSpPr>
+        <p:spPr/>
+        <p:txBody>
+          <a:bodyPr/>
+          <a:lstStyle/>
+          <a:p>
+            <a:r>
+              <a:rPr lang="en-US" dirty="0">
+                <a:latin typeface="Arial" panose="020B0604020202020204" pitchFamily="34" charset="0"/>
+                <a:cs typeface="Arial" panose="020B0604020202020204" pitchFamily="34" charset="0"/>
+              </a:rPr>
+              <a:t>CrudRepository</a:t>
+            </a:r>
+            <a:endParaRPr lang="en-US" dirty="0">
+              <a:latin typeface="Arial" panose="020B0604020202020204" pitchFamily="34" charset="0"/>
+              <a:cs typeface="Arial" panose="020B0604020202020204" pitchFamily="34" charset="0"/>
+            </a:endParaRPr>
+          </a:p>
+        </p:txBody>
+      </p:sp>
+      <p:sp>
+        <p:nvSpPr>
+          <p:cNvPr id="3" name="Content Placeholder 2"/>
+          <p:cNvSpPr>
+            <a:spLocks noGrp="1"/>
+          </p:cNvSpPr>
+          <p:nvPr>
+            <p:ph idx="1"/>
+          </p:nvPr>
+        </p:nvSpPr>
+        <p:spPr/>
+        <p:txBody>
+          <a:bodyPr/>
+          <a:lstStyle/>
+          <a:p>
+            <a:r>
+              <a:rPr lang="en-US" dirty="0" smtClean="0">
+                <a:latin typeface="Arial" panose="020B0604020202020204" pitchFamily="34" charset="0"/>
+                <a:cs typeface="Arial" panose="020B0604020202020204" pitchFamily="34" charset="0"/>
+              </a:rPr>
+              <a:t>Ví dụ get all email</a:t>
+            </a:r>
+            <a:endParaRPr lang="en-US" dirty="0">
+              <a:latin typeface="Arial" panose="020B0604020202020204" pitchFamily="34" charset="0"/>
+              <a:cs typeface="Arial" panose="020B0604020202020204" pitchFamily="34" charset="0"/>
+            </a:endParaRPr>
+          </a:p>
+          <a:p>
+            <a:r>
+              <a:rPr lang="en-US" dirty="0" smtClean="0">
+                <a:latin typeface="Arial" panose="020B0604020202020204" pitchFamily="34" charset="0"/>
+                <a:cs typeface="Arial" panose="020B0604020202020204" pitchFamily="34" charset="0"/>
+              </a:rPr>
+              <a:t>Spring jdbc</a:t>
+            </a:r>
+            <a:endParaRPr lang="en-US" dirty="0">
+              <a:latin typeface="Arial" panose="020B0604020202020204" pitchFamily="34" charset="0"/>
+              <a:cs typeface="Arial" panose="020B0604020202020204" pitchFamily="34" charset="0"/>
+            </a:endParaRPr>
+          </a:p>
+          <a:p>
+            <a:endParaRPr lang="en-US" dirty="0" smtClean="0">
+              <a:latin typeface="Arial" panose="020B0604020202020204" pitchFamily="34" charset="0"/>
+              <a:cs typeface="Arial" panose="020B0604020202020204" pitchFamily="34" charset="0"/>
+            </a:endParaRPr>
+          </a:p>
+          <a:p>
+            <a:endParaRPr lang="en-US" dirty="0">
+              <a:latin typeface="Arial" panose="020B0604020202020204" pitchFamily="34" charset="0"/>
+              <a:cs typeface="Arial" panose="020B0604020202020204" pitchFamily="34" charset="0"/>
+            </a:endParaRPr>
+          </a:p>
+          <a:p>
+            <a:endParaRPr lang="en-US" dirty="0" smtClean="0">
+              <a:latin typeface="Arial" panose="020B0604020202020204" pitchFamily="34" charset="0"/>
+              <a:cs typeface="Arial" panose="020B0604020202020204" pitchFamily="34" charset="0"/>
+            </a:endParaRPr>
+          </a:p>
+          <a:p>
+            <a:endParaRPr lang="en-US" dirty="0" smtClean="0">
+              <a:latin typeface="Arial" panose="020B0604020202020204" pitchFamily="34" charset="0"/>
+              <a:cs typeface="Arial" panose="020B0604020202020204" pitchFamily="34" charset="0"/>
+            </a:endParaRPr>
+          </a:p>
+          <a:p>
+            <a:r>
+              <a:rPr lang="en-US" dirty="0" smtClean="0">
+                <a:latin typeface="Arial" panose="020B0604020202020204" pitchFamily="34" charset="0"/>
+                <a:cs typeface="Arial" panose="020B0604020202020204" pitchFamily="34" charset="0"/>
+              </a:rPr>
+              <a:t>Spring data jdbc</a:t>
+            </a:r>
+            <a:endParaRPr lang="en-US" dirty="0" smtClean="0">
+              <a:latin typeface="Arial" panose="020B0604020202020204" pitchFamily="34" charset="0"/>
+              <a:cs typeface="Arial" panose="020B0604020202020204" pitchFamily="34" charset="0"/>
+            </a:endParaRPr>
+          </a:p>
+          <a:p>
+            <a:endParaRPr lang="en-US" dirty="0">
+              <a:latin typeface="Arial" panose="020B0604020202020204" pitchFamily="34" charset="0"/>
+              <a:cs typeface="Arial" panose="020B0604020202020204" pitchFamily="34" charset="0"/>
+            </a:endParaRPr>
+          </a:p>
+          <a:p>
+            <a:endParaRPr lang="en-US" dirty="0">
+              <a:latin typeface="Arial" panose="020B0604020202020204" pitchFamily="34" charset="0"/>
+              <a:cs typeface="Arial" panose="020B0604020202020204" pitchFamily="34" charset="0"/>
+            </a:endParaRPr>
+          </a:p>
+        </p:txBody>
+      </p:sp>
+      <p:pic>
+        <p:nvPicPr>
+          <p:cNvPr id="7" name="Picture 6"/>
+          <p:cNvPicPr>
+            <a:picLocks noChangeAspect="1"/>
+          </p:cNvPicPr>
+          <p:nvPr/>
+        </p:nvPicPr>
+        <p:blipFill>
+          <a:blip r:embed="rId2"/>
+          <a:stretch>
+            <a:fillRect/>
+          </a:stretch>
+        </p:blipFill>
+        <p:spPr>
+          <a:xfrm>
+            <a:off x="677334" y="3043700"/>
+            <a:ext cx="4448175" cy="1057275"/>
+          </a:xfrm>
+          <a:prstGeom prst="rect">
+            <a:avLst/>
+          </a:prstGeom>
+        </p:spPr>
+      </p:pic>
+      <p:sp>
+        <p:nvSpPr>
+          <p:cNvPr id="5" name="Rectangle 1"/>
+          <p:cNvSpPr>
+            <a:spLocks noChangeArrowheads="1"/>
+          </p:cNvSpPr>
+          <p:nvPr/>
+        </p:nvSpPr>
+        <p:spPr bwMode="auto">
+          <a:xfrm>
+            <a:off x="677334" y="5035343"/>
+            <a:ext cx="4448175" cy="430887"/>
+          </a:xfrm>
+          <a:prstGeom prst="rect">
+            <a:avLst/>
+          </a:prstGeom>
+          <a:solidFill>
+            <a:srgbClr val="282A36"/>
+          </a:solidFill>
+          <a:ln>
+            <a:noFill/>
+          </a:ln>
+          <a:effectLst/>
+          <a:extLst>
+            <a:ext uri="{91240B29-F687-4F45-9708-019B960494DF}">
+              <a14:hiddenLine xmlns:a14="http://schemas.microsoft.com/office/drawing/2010/main" w="9525">
+                <a:solidFill>
+                  <a:schemeClr val="tx1"/>
+                </a:solidFill>
+                <a:miter lim="800000"/>
+                <a:headEnd/>
+                <a:tailEnd/>
+              </a14:hiddenLine>
+            </a:ext>
+            <a:ext uri="{AF507438-7753-43E0-B8FC-AC1667EBCBE1}">
+              <a14:hiddenEffects xmlns:a14="http://schemas.microsoft.com/office/drawing/2010/main">
+                <a:effectLst>
+                  <a:outerShdw dist="35921" dir="2700000" algn="ctr" rotWithShape="0">
+                    <a:schemeClr val="bg2"/>
+                  </a:outerShdw>
+                </a:effectLst>
+              </a14:hiddenEffects>
+            </a:ext>
+          </a:extLst>
+        </p:spPr>
+        <p:txBody>
+          <a:bodyPr vert="horz" wrap="square" lIns="91440" tIns="45720" rIns="91440" bIns="45720" numCol="1" anchor="ctr" anchorCtr="0" compatLnSpc="1">
+            <a:prstTxWarp prst="textNoShape">
+              <a:avLst/>
+            </a:prstTxWarp>
+            <a:spAutoFit/>
+          </a:bodyPr>
+          <a:lstStyle/>
+          <a:p>
+            <a:pPr marL="0" marR="0" lvl="0" indent="0" algn="l" defTabSz="914400" rtl="0" eaLnBrk="0" fontAlgn="base" latinLnBrk="0" hangingPunct="0">
+              <a:lnSpc>
+                <a:spcPct val="100000"/>
+              </a:lnSpc>
+              <a:spcBef>
+                <a:spcPct val="0"/>
+              </a:spcBef>
+              <a:spcAft>
+                <a:spcPct val="0"/>
+              </a:spcAft>
+              <a:buClrTx/>
+              <a:buSzTx/>
+              <a:buFontTx/>
+              <a:buNone/>
+              <a:tabLst/>
+            </a:pPr>
+            <a:r>
+              <a:rPr kumimoji="0" lang="en-US" altLang="en-US" sz="1100" b="0" i="0" u="none" strike="noStrike" cap="none" normalizeH="0" baseline="0" smtClean="0">
+                <a:ln>
+                  <a:noFill/>
+                </a:ln>
+                <a:solidFill>
+                  <a:srgbClr val="50FA78"/>
+                </a:solidFill>
+                <a:effectLst/>
+                <a:latin typeface="Arial Unicode MS"/>
+                <a:ea typeface="JetBrains Mono"/>
+              </a:rPr>
+              <a:t>@Query</a:t>
+            </a:r>
+            <a:r>
+              <a:rPr kumimoji="0" lang="en-US" altLang="en-US" sz="1100" b="0" i="0" u="none" strike="noStrike" cap="none" normalizeH="0" baseline="0" smtClean="0">
+                <a:ln>
+                  <a:noFill/>
+                </a:ln>
+                <a:solidFill>
+                  <a:srgbClr val="F8F8F2"/>
+                </a:solidFill>
+                <a:effectLst/>
+                <a:latin typeface="Arial Unicode MS"/>
+                <a:ea typeface="JetBrains Mono"/>
+              </a:rPr>
+              <a:t>(</a:t>
+            </a:r>
+            <a:r>
+              <a:rPr kumimoji="0" lang="en-US" altLang="en-US" sz="1100" b="0" i="0" u="none" strike="noStrike" cap="none" normalizeH="0" baseline="0" smtClean="0">
+                <a:ln>
+                  <a:noFill/>
+                </a:ln>
+                <a:solidFill>
+                  <a:srgbClr val="FEFF80"/>
+                </a:solidFill>
+                <a:effectLst/>
+                <a:latin typeface="Arial Unicode MS"/>
+                <a:ea typeface="JetBrains Mono"/>
+              </a:rPr>
+              <a:t>"SELECT email FROM user"</a:t>
+            </a:r>
+            <a:r>
+              <a:rPr kumimoji="0" lang="en-US" altLang="en-US" sz="1100" b="0" i="0" u="none" strike="noStrike" cap="none" normalizeH="0" baseline="0" smtClean="0">
+                <a:ln>
+                  <a:noFill/>
+                </a:ln>
+                <a:solidFill>
+                  <a:srgbClr val="F8F8F2"/>
+                </a:solidFill>
+                <a:effectLst/>
+                <a:latin typeface="Arial Unicode MS"/>
+                <a:ea typeface="JetBrains Mono"/>
+              </a:rPr>
+              <a:t>)</a:t>
+            </a:r>
+            <a:br>
+              <a:rPr kumimoji="0" lang="en-US" altLang="en-US" sz="1100" b="0" i="0" u="none" strike="noStrike" cap="none" normalizeH="0" baseline="0" smtClean="0">
+                <a:ln>
+                  <a:noFill/>
+                </a:ln>
+                <a:solidFill>
+                  <a:srgbClr val="F8F8F2"/>
+                </a:solidFill>
+                <a:effectLst/>
+                <a:latin typeface="Arial Unicode MS"/>
+                <a:ea typeface="JetBrains Mono"/>
+              </a:rPr>
+            </a:br>
+            <a:r>
+              <a:rPr kumimoji="0" lang="en-US" altLang="en-US" sz="1100" b="0" i="1" u="none" strike="noStrike" cap="none" normalizeH="0" baseline="0" smtClean="0">
+                <a:ln>
+                  <a:noFill/>
+                </a:ln>
+                <a:solidFill>
+                  <a:srgbClr val="80FFEA"/>
+                </a:solidFill>
+                <a:effectLst/>
+                <a:latin typeface="Arial Unicode MS"/>
+                <a:ea typeface="JetBrains Mono"/>
+              </a:rPr>
+              <a:t>List</a:t>
+            </a:r>
+            <a:r>
+              <a:rPr kumimoji="0" lang="en-US" altLang="en-US" sz="1100" b="0" i="0" u="none" strike="noStrike" cap="none" normalizeH="0" baseline="0" smtClean="0">
+                <a:ln>
+                  <a:noFill/>
+                </a:ln>
+                <a:solidFill>
+                  <a:srgbClr val="F780BF"/>
+                </a:solidFill>
+                <a:effectLst/>
+                <a:latin typeface="Arial Unicode MS"/>
+                <a:ea typeface="JetBrains Mono"/>
+              </a:rPr>
+              <a:t>&lt;</a:t>
+            </a:r>
+            <a:r>
+              <a:rPr kumimoji="0" lang="en-US" altLang="en-US" sz="1100" b="0" i="0" u="none" strike="noStrike" cap="none" normalizeH="0" baseline="0" smtClean="0">
+                <a:ln>
+                  <a:noFill/>
+                </a:ln>
+                <a:solidFill>
+                  <a:srgbClr val="78DCE8"/>
+                </a:solidFill>
+                <a:effectLst/>
+                <a:latin typeface="Arial Unicode MS"/>
+                <a:ea typeface="JetBrains Mono"/>
+              </a:rPr>
+              <a:t>String</a:t>
+            </a:r>
+            <a:r>
+              <a:rPr kumimoji="0" lang="en-US" altLang="en-US" sz="1100" b="0" i="0" u="none" strike="noStrike" cap="none" normalizeH="0" baseline="0" smtClean="0">
+                <a:ln>
+                  <a:noFill/>
+                </a:ln>
+                <a:solidFill>
+                  <a:srgbClr val="F780BF"/>
+                </a:solidFill>
+                <a:effectLst/>
+                <a:latin typeface="Arial Unicode MS"/>
+                <a:ea typeface="JetBrains Mono"/>
+              </a:rPr>
+              <a:t>&gt; </a:t>
+            </a:r>
+            <a:r>
+              <a:rPr kumimoji="0" lang="en-US" altLang="en-US" sz="1100" b="0" i="0" u="none" strike="noStrike" cap="none" normalizeH="0" baseline="0" smtClean="0">
+                <a:ln>
+                  <a:noFill/>
+                </a:ln>
+                <a:solidFill>
+                  <a:srgbClr val="8AFF80"/>
+                </a:solidFill>
+                <a:effectLst/>
+                <a:latin typeface="Arial Unicode MS"/>
+                <a:ea typeface="JetBrains Mono"/>
+              </a:rPr>
+              <a:t>findAllMail</a:t>
+            </a:r>
+            <a:r>
+              <a:rPr kumimoji="0" lang="en-US" altLang="en-US" sz="1100" b="0" i="0" u="none" strike="noStrike" cap="none" normalizeH="0" baseline="0" smtClean="0">
+                <a:ln>
+                  <a:noFill/>
+                </a:ln>
+                <a:solidFill>
+                  <a:srgbClr val="F8F8F2"/>
+                </a:solidFill>
+                <a:effectLst/>
+                <a:latin typeface="Arial Unicode MS"/>
+                <a:ea typeface="JetBrains Mono"/>
+              </a:rPr>
+              <a:t>();</a:t>
+            </a:r>
+            <a:endParaRPr kumimoji="0" lang="en-US" altLang="en-US" sz="2800" b="0" i="0" u="none" strike="noStrike" cap="none" normalizeH="0" baseline="0" smtClean="0">
+              <a:ln>
+                <a:noFill/>
+              </a:ln>
+              <a:solidFill>
+                <a:schemeClr val="tx1"/>
+              </a:solidFill>
+              <a:effectLst/>
+              <a:latin typeface="Arial" panose="020B0604020202020204" pitchFamily="34" charset="0"/>
+            </a:endParaRPr>
+          </a:p>
+        </p:txBody>
+      </p:sp>
+    </p:spTree>
+    <p:extLst>
+      <p:ext uri="{BB962C8B-B14F-4D97-AF65-F5344CB8AC3E}">
+        <p14:creationId xmlns:p14="http://schemas.microsoft.com/office/powerpoint/2010/main" val="3590736416"/>
+      </p:ext>
+    </p:extLst>
+  </p:cSld>
+  <p:clrMapOvr>
+    <a:masterClrMapping/>
+  </p:clrMapOvr>
+</p:sld>
+</file>
+
+<file path=ppt/slides/slide18.xml><?xml version="1.0" encoding="utf-8"?>
+<p:sld xmlns:a="http://schemas.openxmlformats.org/drawingml/2006/main" xmlns:r="http://schemas.openxmlformats.org/officeDocument/2006/relationships" xmlns:p="http://schemas.openxmlformats.org/presentationml/2006/main">
+  <p:cSld>
+    <p:spTree>
+      <p:nvGrpSpPr>
+        <p:cNvPr id="1" name=""/>
+        <p:cNvGrpSpPr/>
+        <p:nvPr/>
+      </p:nvGrpSpPr>
+      <p:grpSpPr>
+        <a:xfrm>
+          <a:off x="0" y="0"/>
+          <a:ext cx="0" cy="0"/>
+          <a:chOff x="0" y="0"/>
+          <a:chExt cx="0" cy="0"/>
+        </a:xfrm>
+      </p:grpSpPr>
+      <p:sp>
+        <p:nvSpPr>
+          <p:cNvPr id="2" name="Title 1"/>
+          <p:cNvSpPr>
+            <a:spLocks noGrp="1"/>
+          </p:cNvSpPr>
+          <p:nvPr>
+            <p:ph type="title"/>
+          </p:nvPr>
+        </p:nvSpPr>
+        <p:spPr/>
+        <p:txBody>
+          <a:bodyPr/>
+          <a:lstStyle/>
+          <a:p>
+            <a:r>
+              <a:rPr lang="en-US" dirty="0">
+                <a:latin typeface="Arial" panose="020B0604020202020204" pitchFamily="34" charset="0"/>
+                <a:cs typeface="Arial" panose="020B0604020202020204" pitchFamily="34" charset="0"/>
+              </a:rPr>
+              <a:t>CrudRepository</a:t>
+            </a:r>
+            <a:endParaRPr lang="en-US" dirty="0">
+              <a:latin typeface="Arial" panose="020B0604020202020204" pitchFamily="34" charset="0"/>
+              <a:cs typeface="Arial" panose="020B0604020202020204" pitchFamily="34" charset="0"/>
+            </a:endParaRPr>
+          </a:p>
+        </p:txBody>
+      </p:sp>
+      <p:sp>
+        <p:nvSpPr>
+          <p:cNvPr id="3" name="Content Placeholder 2"/>
+          <p:cNvSpPr>
+            <a:spLocks noGrp="1"/>
+          </p:cNvSpPr>
+          <p:nvPr>
+            <p:ph idx="1"/>
+          </p:nvPr>
+        </p:nvSpPr>
+        <p:spPr/>
+        <p:txBody>
+          <a:bodyPr/>
+          <a:lstStyle/>
+          <a:p>
+            <a:r>
+              <a:rPr lang="en-US" dirty="0" smtClean="0">
+                <a:latin typeface="Arial" panose="020B0604020202020204" pitchFamily="34" charset="0"/>
+                <a:cs typeface="Arial" panose="020B0604020202020204" pitchFamily="34" charset="0"/>
+              </a:rPr>
+              <a:t>Ví dụ muốn count số lượng name thì làm thế nào?</a:t>
+            </a:r>
+            <a:endParaRPr lang="en-US" dirty="0">
+              <a:latin typeface="Arial" panose="020B0604020202020204" pitchFamily="34" charset="0"/>
+              <a:cs typeface="Arial" panose="020B0604020202020204" pitchFamily="34" charset="0"/>
+            </a:endParaRPr>
+          </a:p>
+          <a:p>
+            <a:endParaRPr lang="en-US" dirty="0">
+              <a:latin typeface="Arial" panose="020B0604020202020204" pitchFamily="34" charset="0"/>
+              <a:cs typeface="Arial" panose="020B0604020202020204" pitchFamily="34" charset="0"/>
+            </a:endParaRPr>
+          </a:p>
+          <a:p>
+            <a:endParaRPr lang="en-US" dirty="0">
+              <a:latin typeface="Arial" panose="020B0604020202020204" pitchFamily="34" charset="0"/>
+              <a:cs typeface="Arial" panose="020B0604020202020204" pitchFamily="34" charset="0"/>
+            </a:endParaRPr>
+          </a:p>
+        </p:txBody>
+      </p:sp>
+    </p:spTree>
+    <p:extLst>
+      <p:ext uri="{BB962C8B-B14F-4D97-AF65-F5344CB8AC3E}">
+        <p14:creationId xmlns:p14="http://schemas.microsoft.com/office/powerpoint/2010/main" val="1622194773"/>
+      </p:ext>
+    </p:extLst>
+  </p:cSld>
+  <p:clrMapOvr>
+    <a:masterClrMapping/>
+  </p:clrMapOvr>
+</p:sld>
+</file>
+
+<file path=ppt/slides/slide19.xml><?xml version="1.0" encoding="utf-8"?>
+<p:sld xmlns:a="http://schemas.openxmlformats.org/drawingml/2006/main" xmlns:r="http://schemas.openxmlformats.org/officeDocument/2006/relationships" xmlns:p="http://schemas.openxmlformats.org/presentationml/2006/main">
+  <p:cSld>
+    <p:spTree>
+      <p:nvGrpSpPr>
+        <p:cNvPr id="1" name=""/>
+        <p:cNvGrpSpPr/>
+        <p:nvPr/>
+      </p:nvGrpSpPr>
+      <p:grpSpPr>
+        <a:xfrm>
+          <a:off x="0" y="0"/>
+          <a:ext cx="0" cy="0"/>
+          <a:chOff x="0" y="0"/>
+          <a:chExt cx="0" cy="0"/>
+        </a:xfrm>
+      </p:grpSpPr>
+      <p:sp>
+        <p:nvSpPr>
+          <p:cNvPr id="2" name="Title 1"/>
+          <p:cNvSpPr>
+            <a:spLocks noGrp="1"/>
+          </p:cNvSpPr>
+          <p:nvPr>
+            <p:ph type="title"/>
+          </p:nvPr>
+        </p:nvSpPr>
+        <p:spPr/>
+        <p:txBody>
+          <a:bodyPr/>
+          <a:lstStyle/>
+          <a:p>
+            <a:r>
+              <a:rPr lang="en-US" dirty="0">
+                <a:latin typeface="Arial" panose="020B0604020202020204" pitchFamily="34" charset="0"/>
+                <a:cs typeface="Arial" panose="020B0604020202020204" pitchFamily="34" charset="0"/>
+              </a:rPr>
+              <a:t>CrudRepository</a:t>
+            </a:r>
+            <a:endParaRPr lang="en-US" dirty="0">
+              <a:latin typeface="Arial" panose="020B0604020202020204" pitchFamily="34" charset="0"/>
+              <a:cs typeface="Arial" panose="020B0604020202020204" pitchFamily="34" charset="0"/>
+            </a:endParaRPr>
+          </a:p>
+        </p:txBody>
+      </p:sp>
+      <p:sp>
+        <p:nvSpPr>
+          <p:cNvPr id="3" name="Content Placeholder 2"/>
+          <p:cNvSpPr>
+            <a:spLocks noGrp="1"/>
+          </p:cNvSpPr>
+          <p:nvPr>
+            <p:ph idx="1"/>
+          </p:nvPr>
+        </p:nvSpPr>
+        <p:spPr/>
+        <p:txBody>
+          <a:bodyPr/>
+          <a:lstStyle/>
+          <a:p>
+            <a:r>
+              <a:rPr lang="en-US" dirty="0" smtClean="0">
+                <a:latin typeface="Arial" panose="020B0604020202020204" pitchFamily="34" charset="0"/>
+                <a:cs typeface="Arial" panose="020B0604020202020204" pitchFamily="34" charset="0"/>
+              </a:rPr>
+              <a:t>Ví dụ muốn count số lượng name thì làm thế nào?</a:t>
+            </a:r>
+            <a:endParaRPr lang="en-US" dirty="0">
+              <a:latin typeface="Arial" panose="020B0604020202020204" pitchFamily="34" charset="0"/>
+              <a:cs typeface="Arial" panose="020B0604020202020204" pitchFamily="34" charset="0"/>
+            </a:endParaRPr>
+          </a:p>
+          <a:p>
+            <a:endParaRPr lang="en-US" dirty="0">
+              <a:latin typeface="Arial" panose="020B0604020202020204" pitchFamily="34" charset="0"/>
+              <a:cs typeface="Arial" panose="020B0604020202020204" pitchFamily="34" charset="0"/>
+            </a:endParaRPr>
+          </a:p>
+          <a:p>
+            <a:endParaRPr lang="en-US" dirty="0">
+              <a:latin typeface="Arial" panose="020B0604020202020204" pitchFamily="34" charset="0"/>
+              <a:cs typeface="Arial" panose="020B0604020202020204" pitchFamily="34" charset="0"/>
+            </a:endParaRPr>
+          </a:p>
+        </p:txBody>
+      </p:sp>
+      <p:sp>
+        <p:nvSpPr>
+          <p:cNvPr id="4" name="Rectangle 1"/>
+          <p:cNvSpPr>
+            <a:spLocks noChangeArrowheads="1"/>
+          </p:cNvSpPr>
+          <p:nvPr/>
+        </p:nvSpPr>
+        <p:spPr bwMode="auto">
+          <a:xfrm>
+            <a:off x="677334" y="2730957"/>
+            <a:ext cx="5647266" cy="430887"/>
+          </a:xfrm>
+          <a:prstGeom prst="rect">
+            <a:avLst/>
+          </a:prstGeom>
+          <a:solidFill>
+            <a:srgbClr val="282A36"/>
+          </a:solidFill>
+          <a:ln>
+            <a:noFill/>
+          </a:ln>
+          <a:effectLst/>
+          <a:extLst>
+            <a:ext uri="{91240B29-F687-4F45-9708-019B960494DF}">
+              <a14:hiddenLine xmlns:a14="http://schemas.microsoft.com/office/drawing/2010/main" w="9525">
+                <a:solidFill>
+                  <a:schemeClr val="tx1"/>
+                </a:solidFill>
+                <a:miter lim="800000"/>
+                <a:headEnd/>
+                <a:tailEnd/>
+              </a14:hiddenLine>
+            </a:ext>
+            <a:ext uri="{AF507438-7753-43E0-B8FC-AC1667EBCBE1}">
+              <a14:hiddenEffects xmlns:a14="http://schemas.microsoft.com/office/drawing/2010/main">
+                <a:effectLst>
+                  <a:outerShdw dist="35921" dir="2700000" algn="ctr" rotWithShape="0">
+                    <a:schemeClr val="bg2"/>
+                  </a:outerShdw>
+                </a:effectLst>
+              </a14:hiddenEffects>
+            </a:ext>
+          </a:extLst>
+        </p:spPr>
+        <p:txBody>
+          <a:bodyPr vert="horz" wrap="square" lIns="91440" tIns="45720" rIns="91440" bIns="45720" numCol="1" anchor="ctr" anchorCtr="0" compatLnSpc="1">
+            <a:prstTxWarp prst="textNoShape">
+              <a:avLst/>
+            </a:prstTxWarp>
+            <a:spAutoFit/>
+          </a:bodyPr>
+          <a:lstStyle/>
+          <a:p>
+            <a:pPr marL="0" marR="0" lvl="0" indent="0" algn="l" defTabSz="914400" rtl="0" eaLnBrk="0" fontAlgn="base" latinLnBrk="0" hangingPunct="0">
+              <a:lnSpc>
+                <a:spcPct val="100000"/>
+              </a:lnSpc>
+              <a:spcBef>
+                <a:spcPct val="0"/>
+              </a:spcBef>
+              <a:spcAft>
+                <a:spcPct val="0"/>
+              </a:spcAft>
+              <a:buClrTx/>
+              <a:buSzTx/>
+              <a:buFontTx/>
+              <a:buNone/>
+              <a:tabLst/>
+            </a:pPr>
+            <a:r>
+              <a:rPr kumimoji="0" lang="en-US" altLang="en-US" sz="1100" b="0" i="0" u="none" strike="noStrike" cap="none" normalizeH="0" baseline="0" smtClean="0">
+                <a:ln>
+                  <a:noFill/>
+                </a:ln>
+                <a:solidFill>
+                  <a:srgbClr val="50FA78"/>
+                </a:solidFill>
+                <a:effectLst/>
+                <a:latin typeface="Arial Unicode MS"/>
+                <a:ea typeface="JetBrains Mono"/>
+              </a:rPr>
+              <a:t>@Query</a:t>
+            </a:r>
+            <a:r>
+              <a:rPr kumimoji="0" lang="en-US" altLang="en-US" sz="1100" b="0" i="0" u="none" strike="noStrike" cap="none" normalizeH="0" baseline="0" smtClean="0">
+                <a:ln>
+                  <a:noFill/>
+                </a:ln>
+                <a:solidFill>
+                  <a:srgbClr val="F8F8F2"/>
+                </a:solidFill>
+                <a:effectLst/>
+                <a:latin typeface="Arial Unicode MS"/>
+                <a:ea typeface="JetBrains Mono"/>
+              </a:rPr>
+              <a:t>(</a:t>
+            </a:r>
+            <a:r>
+              <a:rPr kumimoji="0" lang="en-US" altLang="en-US" sz="1100" b="0" i="0" u="none" strike="noStrike" cap="none" normalizeH="0" baseline="0" smtClean="0">
+                <a:ln>
+                  <a:noFill/>
+                </a:ln>
+                <a:solidFill>
+                  <a:srgbClr val="F89580"/>
+                </a:solidFill>
+                <a:effectLst/>
+                <a:latin typeface="Arial Unicode MS"/>
+                <a:ea typeface="JetBrains Mono"/>
+              </a:rPr>
+              <a:t>value </a:t>
+            </a:r>
+            <a:r>
+              <a:rPr kumimoji="0" lang="en-US" altLang="en-US" sz="1100" b="0" i="0" u="none" strike="noStrike" cap="none" normalizeH="0" baseline="0" smtClean="0">
+                <a:ln>
+                  <a:noFill/>
+                </a:ln>
+                <a:solidFill>
+                  <a:srgbClr val="F780BF"/>
+                </a:solidFill>
+                <a:effectLst/>
+                <a:latin typeface="Arial Unicode MS"/>
+                <a:ea typeface="JetBrains Mono"/>
+              </a:rPr>
+              <a:t>= </a:t>
+            </a:r>
+            <a:r>
+              <a:rPr kumimoji="0" lang="en-US" altLang="en-US" sz="1100" b="0" i="0" u="none" strike="noStrike" cap="none" normalizeH="0" baseline="0" smtClean="0">
+                <a:ln>
+                  <a:noFill/>
+                </a:ln>
+                <a:solidFill>
+                  <a:srgbClr val="FEFF80"/>
+                </a:solidFill>
+                <a:effectLst/>
+                <a:latin typeface="Arial Unicode MS"/>
+                <a:ea typeface="JetBrains Mono"/>
+              </a:rPr>
+              <a:t>"SELECT name, COUNT(*) as count FROM user GROUP BY name"</a:t>
+            </a:r>
+            <a:r>
+              <a:rPr kumimoji="0" lang="en-US" altLang="en-US" sz="1100" b="0" i="0" u="none" strike="noStrike" cap="none" normalizeH="0" baseline="0" smtClean="0">
+                <a:ln>
+                  <a:noFill/>
+                </a:ln>
+                <a:solidFill>
+                  <a:srgbClr val="F8F8F2"/>
+                </a:solidFill>
+                <a:effectLst/>
+                <a:latin typeface="Arial Unicode MS"/>
+                <a:ea typeface="JetBrains Mono"/>
+              </a:rPr>
+              <a:t>)</a:t>
+            </a:r>
+            <a:br>
+              <a:rPr kumimoji="0" lang="en-US" altLang="en-US" sz="1100" b="0" i="0" u="none" strike="noStrike" cap="none" normalizeH="0" baseline="0" smtClean="0">
+                <a:ln>
+                  <a:noFill/>
+                </a:ln>
+                <a:solidFill>
+                  <a:srgbClr val="F8F8F2"/>
+                </a:solidFill>
+                <a:effectLst/>
+                <a:latin typeface="Arial Unicode MS"/>
+                <a:ea typeface="JetBrains Mono"/>
+              </a:rPr>
+            </a:br>
+            <a:r>
+              <a:rPr kumimoji="0" lang="en-US" altLang="en-US" sz="1100" b="0" i="0" u="none" strike="noStrike" cap="none" normalizeH="0" baseline="0" smtClean="0">
+                <a:ln>
+                  <a:noFill/>
+                </a:ln>
+                <a:solidFill>
+                  <a:srgbClr val="F8F8F2"/>
+                </a:solidFill>
+                <a:effectLst/>
+                <a:latin typeface="Arial Unicode MS"/>
+                <a:ea typeface="JetBrains Mono"/>
+              </a:rPr>
+              <a:t>... </a:t>
+            </a:r>
+            <a:r>
+              <a:rPr kumimoji="0" lang="en-US" altLang="en-US" sz="1100" b="0" i="0" u="none" strike="noStrike" cap="none" normalizeH="0" baseline="0" smtClean="0">
+                <a:ln>
+                  <a:noFill/>
+                </a:ln>
+                <a:solidFill>
+                  <a:srgbClr val="8AFF80"/>
+                </a:solidFill>
+                <a:effectLst/>
+                <a:latin typeface="Arial Unicode MS"/>
+                <a:ea typeface="JetBrains Mono"/>
+              </a:rPr>
+              <a:t>countName</a:t>
+            </a:r>
+            <a:r>
+              <a:rPr kumimoji="0" lang="en-US" altLang="en-US" sz="1100" b="0" i="0" u="none" strike="noStrike" cap="none" normalizeH="0" baseline="0" smtClean="0">
+                <a:ln>
+                  <a:noFill/>
+                </a:ln>
+                <a:solidFill>
+                  <a:srgbClr val="F8F8F2"/>
+                </a:solidFill>
+                <a:effectLst/>
+                <a:latin typeface="Arial Unicode MS"/>
+                <a:ea typeface="JetBrains Mono"/>
+              </a:rPr>
+              <a:t>();</a:t>
+            </a:r>
+            <a:endParaRPr kumimoji="0" lang="en-US" altLang="en-US" sz="2800" b="0" i="0" u="none" strike="noStrike" cap="none" normalizeH="0" baseline="0" smtClean="0">
+              <a:ln>
+                <a:noFill/>
+              </a:ln>
+              <a:solidFill>
+                <a:schemeClr val="tx1"/>
+              </a:solidFill>
+              <a:effectLst/>
+              <a:latin typeface="Arial" panose="020B0604020202020204" pitchFamily="34" charset="0"/>
+            </a:endParaRPr>
+          </a:p>
+        </p:txBody>
+      </p:sp>
+    </p:spTree>
+    <p:extLst>
+      <p:ext uri="{BB962C8B-B14F-4D97-AF65-F5344CB8AC3E}">
+        <p14:creationId xmlns:p14="http://schemas.microsoft.com/office/powerpoint/2010/main" val="3107189163"/>
+      </p:ext>
+    </p:extLst>
+  </p:cSld>
+  <p:clrMapOvr>
+    <a:masterClrMapping/>
+  </p:clrMapOvr>
+</p:sld>
+</file>
+
 <file path=ppt/slides/slide2.xml><?xml version="1.0" encoding="utf-8"?>
+<p:sld xmlns:a="http://schemas.openxmlformats.org/drawingml/2006/main" xmlns:r="http://schemas.openxmlformats.org/officeDocument/2006/relationships" xmlns:p="http://schemas.openxmlformats.org/presentationml/2006/main">
+  <p:cSld>
+    <p:spTree>
+      <p:nvGrpSpPr>
+        <p:cNvPr id="1" name=""/>
+        <p:cNvGrpSpPr/>
+        <p:nvPr/>
+      </p:nvGrpSpPr>
+      <p:grpSpPr>
+        <a:xfrm>
+          <a:off x="0" y="0"/>
+          <a:ext cx="0" cy="0"/>
+          <a:chOff x="0" y="0"/>
+          <a:chExt cx="0" cy="0"/>
+        </a:xfrm>
+      </p:grpSpPr>
+      <p:sp>
+        <p:nvSpPr>
+          <p:cNvPr id="2" name="Title 1"/>
+          <p:cNvSpPr>
+            <a:spLocks noGrp="1"/>
+          </p:cNvSpPr>
+          <p:nvPr>
+            <p:ph type="title"/>
+          </p:nvPr>
+        </p:nvSpPr>
+        <p:spPr/>
+        <p:txBody>
+          <a:bodyPr/>
+          <a:lstStyle/>
+          <a:p>
+            <a:r>
+              <a:rPr lang="en-US" dirty="0" smtClean="0">
+                <a:latin typeface="Arial" panose="020B0604020202020204" pitchFamily="34" charset="0"/>
+                <a:cs typeface="Arial" panose="020B0604020202020204" pitchFamily="34" charset="0"/>
+              </a:rPr>
+              <a:t>Introduction</a:t>
+            </a:r>
+            <a:endParaRPr lang="en-US" dirty="0">
+              <a:latin typeface="Arial" panose="020B0604020202020204" pitchFamily="34" charset="0"/>
+              <a:cs typeface="Arial" panose="020B0604020202020204" pitchFamily="34" charset="0"/>
+            </a:endParaRPr>
+          </a:p>
+        </p:txBody>
+      </p:sp>
+      <p:sp>
+        <p:nvSpPr>
+          <p:cNvPr id="3" name="Content Placeholder 2"/>
+          <p:cNvSpPr>
+            <a:spLocks noGrp="1"/>
+          </p:cNvSpPr>
+          <p:nvPr>
+            <p:ph idx="1"/>
+          </p:nvPr>
+        </p:nvSpPr>
+        <p:spPr/>
+        <p:txBody>
+          <a:bodyPr/>
+          <a:lstStyle/>
+          <a:p>
+            <a:r>
+              <a:rPr lang="vi-VN" dirty="0">
+                <a:cs typeface="Arial" panose="020B0604020202020204" pitchFamily="34" charset="0"/>
+              </a:rPr>
+              <a:t>Spring Data JDBC là một phần của </a:t>
+            </a:r>
+            <a:r>
+              <a:rPr lang="vi-VN" dirty="0" smtClean="0">
+                <a:cs typeface="Arial" panose="020B0604020202020204" pitchFamily="34" charset="0"/>
+              </a:rPr>
+              <a:t>Spring </a:t>
+            </a:r>
+            <a:r>
+              <a:rPr lang="vi-VN" dirty="0">
+                <a:cs typeface="Arial" panose="020B0604020202020204" pitchFamily="34" charset="0"/>
+              </a:rPr>
+              <a:t>Data, cung cấp các giải pháp đơn giản và dễ sử dụng cho việc tương tác với cơ sở dữ liệu quan hệ thông qua JDBC (Java Database Connectivity</a:t>
+            </a:r>
+            <a:r>
+              <a:rPr lang="vi-VN" dirty="0" smtClean="0">
+                <a:cs typeface="Arial" panose="020B0604020202020204" pitchFamily="34" charset="0"/>
+              </a:rPr>
+              <a:t>).</a:t>
+            </a:r>
+            <a:endParaRPr lang="en-US" dirty="0" smtClean="0">
+              <a:cs typeface="Arial" panose="020B0604020202020204" pitchFamily="34" charset="0"/>
+            </a:endParaRPr>
+          </a:p>
+          <a:p>
+            <a:r>
+              <a:rPr lang="vi-VN" dirty="0" smtClean="0">
+                <a:cs typeface="Arial" panose="020B0604020202020204" pitchFamily="34" charset="0"/>
+              </a:rPr>
+              <a:t>Spring </a:t>
+            </a:r>
+            <a:r>
+              <a:rPr lang="vi-VN" dirty="0">
+                <a:cs typeface="Arial" panose="020B0604020202020204" pitchFamily="34" charset="0"/>
+              </a:rPr>
+              <a:t>Data JDBC không phức tạp như JPA (Java Persistence API) và không cung cấp các tính năng phong phú như ORM (Object-Relational Mapping) nhưng lại mang đến sự đơn giản và hiệu quả cho các ứng dụng cần truy cập dữ liệu trực tiếp.</a:t>
+            </a:r>
+            <a:endParaRPr lang="en-US" dirty="0" smtClean="0">
+              <a:latin typeface="Arial" panose="020B0604020202020204" pitchFamily="34" charset="0"/>
+              <a:cs typeface="Arial" panose="020B0604020202020204" pitchFamily="34" charset="0"/>
+            </a:endParaRPr>
+          </a:p>
+          <a:p>
+            <a:endParaRPr lang="en-US" dirty="0">
+              <a:latin typeface="Arial" panose="020B0604020202020204" pitchFamily="34" charset="0"/>
+              <a:cs typeface="Arial" panose="020B0604020202020204" pitchFamily="34" charset="0"/>
+            </a:endParaRPr>
+          </a:p>
+        </p:txBody>
+      </p:sp>
+    </p:spTree>
+    <p:extLst>
+      <p:ext uri="{BB962C8B-B14F-4D97-AF65-F5344CB8AC3E}">
+        <p14:creationId xmlns:p14="http://schemas.microsoft.com/office/powerpoint/2010/main" val="1148070846"/>
+      </p:ext>
+    </p:extLst>
+  </p:cSld>
+  <p:clrMapOvr>
+    <a:masterClrMapping/>
+  </p:clrMapOvr>
+</p:sld>
+</file>
+
+<file path=ppt/slides/slide20.xml><?xml version="1.0" encoding="utf-8"?>
+<p:sld xmlns:a="http://schemas.openxmlformats.org/drawingml/2006/main" xmlns:r="http://schemas.openxmlformats.org/officeDocument/2006/relationships" xmlns:p="http://schemas.openxmlformats.org/presentationml/2006/main">
+  <p:cSld>
+    <p:spTree>
+      <p:nvGrpSpPr>
+        <p:cNvPr id="1" name=""/>
+        <p:cNvGrpSpPr/>
+        <p:nvPr/>
+      </p:nvGrpSpPr>
+      <p:grpSpPr>
+        <a:xfrm>
+          <a:off x="0" y="0"/>
+          <a:ext cx="0" cy="0"/>
+          <a:chOff x="0" y="0"/>
+          <a:chExt cx="0" cy="0"/>
+        </a:xfrm>
+      </p:grpSpPr>
+      <p:sp>
+        <p:nvSpPr>
+          <p:cNvPr id="2" name="Title 1"/>
+          <p:cNvSpPr>
+            <a:spLocks noGrp="1"/>
+          </p:cNvSpPr>
+          <p:nvPr>
+            <p:ph type="title"/>
+          </p:nvPr>
+        </p:nvSpPr>
+        <p:spPr/>
+        <p:txBody>
+          <a:bodyPr/>
+          <a:lstStyle/>
+          <a:p>
+            <a:r>
+              <a:rPr lang="en-US" dirty="0">
+                <a:latin typeface="Arial" panose="020B0604020202020204" pitchFamily="34" charset="0"/>
+                <a:cs typeface="Arial" panose="020B0604020202020204" pitchFamily="34" charset="0"/>
+              </a:rPr>
+              <a:t>CrudRepository</a:t>
+            </a:r>
+            <a:endParaRPr lang="en-US" dirty="0">
+              <a:latin typeface="Arial" panose="020B0604020202020204" pitchFamily="34" charset="0"/>
+              <a:cs typeface="Arial" panose="020B0604020202020204" pitchFamily="34" charset="0"/>
+            </a:endParaRPr>
+          </a:p>
+        </p:txBody>
+      </p:sp>
+      <p:sp>
+        <p:nvSpPr>
+          <p:cNvPr id="3" name="Content Placeholder 2"/>
+          <p:cNvSpPr>
+            <a:spLocks noGrp="1"/>
+          </p:cNvSpPr>
+          <p:nvPr>
+            <p:ph idx="1"/>
+          </p:nvPr>
+        </p:nvSpPr>
+        <p:spPr/>
+        <p:txBody>
+          <a:bodyPr/>
+          <a:lstStyle/>
+          <a:p>
+            <a:r>
+              <a:rPr lang="en-US" dirty="0" smtClean="0">
+                <a:latin typeface="Arial" panose="020B0604020202020204" pitchFamily="34" charset="0"/>
+                <a:cs typeface="Arial" panose="020B0604020202020204" pitchFamily="34" charset="0"/>
+              </a:rPr>
+              <a:t>Ví dụ muốn count số lượng name thì làm thế nào?</a:t>
+            </a:r>
+            <a:endParaRPr lang="en-US" dirty="0">
+              <a:latin typeface="Arial" panose="020B0604020202020204" pitchFamily="34" charset="0"/>
+              <a:cs typeface="Arial" panose="020B0604020202020204" pitchFamily="34" charset="0"/>
+            </a:endParaRPr>
+          </a:p>
+          <a:p>
+            <a:endParaRPr lang="en-US" dirty="0">
+              <a:latin typeface="Arial" panose="020B0604020202020204" pitchFamily="34" charset="0"/>
+              <a:cs typeface="Arial" panose="020B0604020202020204" pitchFamily="34" charset="0"/>
+            </a:endParaRPr>
+          </a:p>
+          <a:p>
+            <a:endParaRPr lang="en-US" dirty="0">
+              <a:latin typeface="Arial" panose="020B0604020202020204" pitchFamily="34" charset="0"/>
+              <a:cs typeface="Arial" panose="020B0604020202020204" pitchFamily="34" charset="0"/>
+            </a:endParaRPr>
+          </a:p>
+        </p:txBody>
+      </p:sp>
+      <p:sp>
+        <p:nvSpPr>
+          <p:cNvPr id="5" name="Rectangle 1"/>
+          <p:cNvSpPr>
+            <a:spLocks noChangeArrowheads="1"/>
+          </p:cNvSpPr>
+          <p:nvPr/>
+        </p:nvSpPr>
+        <p:spPr bwMode="auto">
+          <a:xfrm>
+            <a:off x="677334" y="2737306"/>
+            <a:ext cx="6383866" cy="430887"/>
+          </a:xfrm>
+          <a:prstGeom prst="rect">
+            <a:avLst/>
+          </a:prstGeom>
+          <a:solidFill>
+            <a:srgbClr val="282A36"/>
+          </a:solidFill>
+          <a:ln>
+            <a:noFill/>
+          </a:ln>
+          <a:effectLst/>
+          <a:extLst>
+            <a:ext uri="{91240B29-F687-4F45-9708-019B960494DF}">
+              <a14:hiddenLine xmlns:a14="http://schemas.microsoft.com/office/drawing/2010/main" w="9525">
+                <a:solidFill>
+                  <a:schemeClr val="tx1"/>
+                </a:solidFill>
+                <a:miter lim="800000"/>
+                <a:headEnd/>
+                <a:tailEnd/>
+              </a14:hiddenLine>
+            </a:ext>
+            <a:ext uri="{AF507438-7753-43E0-B8FC-AC1667EBCBE1}">
+              <a14:hiddenEffects xmlns:a14="http://schemas.microsoft.com/office/drawing/2010/main">
+                <a:effectLst>
+                  <a:outerShdw dist="35921" dir="2700000" algn="ctr" rotWithShape="0">
+                    <a:schemeClr val="bg2"/>
+                  </a:outerShdw>
+                </a:effectLst>
+              </a14:hiddenEffects>
+            </a:ext>
+          </a:extLst>
+        </p:spPr>
+        <p:txBody>
+          <a:bodyPr vert="horz" wrap="square" lIns="91440" tIns="45720" rIns="91440" bIns="45720" numCol="1" anchor="ctr" anchorCtr="0" compatLnSpc="1">
+            <a:prstTxWarp prst="textNoShape">
+              <a:avLst/>
+            </a:prstTxWarp>
+            <a:spAutoFit/>
+          </a:bodyPr>
+          <a:lstStyle/>
+          <a:p>
+            <a:pPr marL="0" marR="0" lvl="0" indent="0" algn="l" defTabSz="914400" rtl="0" eaLnBrk="0" fontAlgn="base" latinLnBrk="0" hangingPunct="0">
+              <a:lnSpc>
+                <a:spcPct val="100000"/>
+              </a:lnSpc>
+              <a:spcBef>
+                <a:spcPct val="0"/>
+              </a:spcBef>
+              <a:spcAft>
+                <a:spcPct val="0"/>
+              </a:spcAft>
+              <a:buClrTx/>
+              <a:buSzTx/>
+              <a:buFontTx/>
+              <a:buNone/>
+              <a:tabLst/>
+            </a:pPr>
+            <a:r>
+              <a:rPr kumimoji="0" lang="en-US" altLang="en-US" sz="1100" b="0" i="0" u="none" strike="noStrike" cap="none" normalizeH="0" baseline="0" dirty="0" smtClean="0">
+                <a:ln>
+                  <a:noFill/>
+                </a:ln>
+                <a:solidFill>
+                  <a:srgbClr val="50FA78"/>
+                </a:solidFill>
+                <a:effectLst/>
+                <a:latin typeface="Arial Unicode MS"/>
+                <a:ea typeface="JetBrains Mono"/>
+              </a:rPr>
+              <a:t>@Query</a:t>
+            </a:r>
+            <a:r>
+              <a:rPr kumimoji="0" lang="en-US" altLang="en-US" sz="1100" b="0" i="0" u="none" strike="noStrike" cap="none" normalizeH="0" baseline="0" dirty="0" smtClean="0">
+                <a:ln>
+                  <a:noFill/>
+                </a:ln>
+                <a:solidFill>
+                  <a:srgbClr val="F8F8F2"/>
+                </a:solidFill>
+                <a:effectLst/>
+                <a:latin typeface="Arial Unicode MS"/>
+                <a:ea typeface="JetBrains Mono"/>
+              </a:rPr>
+              <a:t>(</a:t>
+            </a:r>
+            <a:r>
+              <a:rPr kumimoji="0" lang="en-US" altLang="en-US" sz="1100" b="0" i="0" u="none" strike="noStrike" cap="none" normalizeH="0" baseline="0" dirty="0" smtClean="0">
+                <a:ln>
+                  <a:noFill/>
+                </a:ln>
+                <a:solidFill>
+                  <a:srgbClr val="F89580"/>
+                </a:solidFill>
+                <a:effectLst/>
+                <a:latin typeface="Arial Unicode MS"/>
+                <a:ea typeface="JetBrains Mono"/>
+              </a:rPr>
+              <a:t>value </a:t>
+            </a:r>
+            <a:r>
+              <a:rPr kumimoji="0" lang="en-US" altLang="en-US" sz="1100" b="0" i="0" u="none" strike="noStrike" cap="none" normalizeH="0" baseline="0" dirty="0" smtClean="0">
+                <a:ln>
+                  <a:noFill/>
+                </a:ln>
+                <a:solidFill>
+                  <a:srgbClr val="F780BF"/>
+                </a:solidFill>
+                <a:effectLst/>
+                <a:latin typeface="Arial Unicode MS"/>
+                <a:ea typeface="JetBrains Mono"/>
+              </a:rPr>
+              <a:t>= </a:t>
+            </a:r>
+            <a:r>
+              <a:rPr kumimoji="0" lang="en-US" altLang="en-US" sz="1100" b="0" i="0" u="none" strike="noStrike" cap="none" normalizeH="0" baseline="0" dirty="0" smtClean="0">
+                <a:ln>
+                  <a:noFill/>
+                </a:ln>
+                <a:solidFill>
+                  <a:srgbClr val="FEFF80"/>
+                </a:solidFill>
+                <a:effectLst/>
+                <a:latin typeface="Arial Unicode MS"/>
+                <a:ea typeface="JetBrains Mono"/>
+              </a:rPr>
+              <a:t>"SELECT name, COUNT(*) as count FROM user GROUP BY name"</a:t>
+            </a:r>
+            <a:r>
+              <a:rPr kumimoji="0" lang="en-US" altLang="en-US" sz="1100" b="0" i="0" u="none" strike="noStrike" cap="none" normalizeH="0" baseline="0" dirty="0" smtClean="0">
+                <a:ln>
+                  <a:noFill/>
+                </a:ln>
+                <a:solidFill>
+                  <a:srgbClr val="F8F8F2"/>
+                </a:solidFill>
+                <a:effectLst/>
+                <a:latin typeface="Arial Unicode MS"/>
+                <a:ea typeface="JetBrains Mono"/>
+              </a:rPr>
+              <a:t>)</a:t>
+            </a:r>
+            <a:br>
+              <a:rPr kumimoji="0" lang="en-US" altLang="en-US" sz="1100" b="0" i="0" u="none" strike="noStrike" cap="none" normalizeH="0" baseline="0" dirty="0" smtClean="0">
+                <a:ln>
+                  <a:noFill/>
+                </a:ln>
+                <a:solidFill>
+                  <a:srgbClr val="F8F8F2"/>
+                </a:solidFill>
+                <a:effectLst/>
+                <a:latin typeface="Arial Unicode MS"/>
+                <a:ea typeface="JetBrains Mono"/>
+              </a:rPr>
+            </a:br>
+            <a:r>
+              <a:rPr kumimoji="0" lang="en-US" altLang="en-US" sz="1100" b="0" i="1" u="none" strike="noStrike" cap="none" normalizeH="0" baseline="0" dirty="0" smtClean="0">
+                <a:ln>
+                  <a:noFill/>
+                </a:ln>
+                <a:solidFill>
+                  <a:srgbClr val="80FFEA"/>
+                </a:solidFill>
+                <a:effectLst/>
+                <a:latin typeface="Arial Unicode MS"/>
+                <a:ea typeface="JetBrains Mono"/>
+              </a:rPr>
+              <a:t>List</a:t>
+            </a:r>
+            <a:r>
+              <a:rPr kumimoji="0" lang="en-US" altLang="en-US" sz="1100" b="0" i="0" u="none" strike="noStrike" cap="none" normalizeH="0" baseline="0" dirty="0" smtClean="0">
+                <a:ln>
+                  <a:noFill/>
+                </a:ln>
+                <a:solidFill>
+                  <a:srgbClr val="F780BF"/>
+                </a:solidFill>
+                <a:effectLst/>
+                <a:latin typeface="Arial Unicode MS"/>
+                <a:ea typeface="JetBrains Mono"/>
+              </a:rPr>
+              <a:t>&lt;</a:t>
+            </a:r>
+            <a:r>
+              <a:rPr kumimoji="0" lang="en-US" altLang="en-US" sz="1100" b="0" i="0" u="none" strike="noStrike" cap="none" normalizeH="0" baseline="0" dirty="0" smtClean="0">
+                <a:ln>
+                  <a:noFill/>
+                </a:ln>
+                <a:solidFill>
+                  <a:srgbClr val="78DCE8"/>
+                </a:solidFill>
+                <a:effectLst/>
+                <a:latin typeface="Arial Unicode MS"/>
+                <a:ea typeface="JetBrains Mono"/>
+              </a:rPr>
+              <a:t>Group</a:t>
+            </a:r>
+            <a:r>
+              <a:rPr kumimoji="0" lang="en-US" altLang="en-US" sz="1100" b="0" i="0" u="none" strike="noStrike" cap="none" normalizeH="0" baseline="0" dirty="0" smtClean="0">
+                <a:ln>
+                  <a:noFill/>
+                </a:ln>
+                <a:solidFill>
+                  <a:srgbClr val="F780BF"/>
+                </a:solidFill>
+                <a:effectLst/>
+                <a:latin typeface="Arial Unicode MS"/>
+                <a:ea typeface="JetBrains Mono"/>
+              </a:rPr>
+              <a:t>&gt; </a:t>
+            </a:r>
+            <a:r>
+              <a:rPr kumimoji="0" lang="en-US" altLang="en-US" sz="1100" b="0" i="0" u="none" strike="noStrike" cap="none" normalizeH="0" baseline="0" dirty="0" smtClean="0">
+                <a:ln>
+                  <a:noFill/>
+                </a:ln>
+                <a:solidFill>
+                  <a:srgbClr val="8AFF80"/>
+                </a:solidFill>
+                <a:effectLst/>
+                <a:latin typeface="Arial Unicode MS"/>
+                <a:ea typeface="JetBrains Mono"/>
+              </a:rPr>
+              <a:t>countName</a:t>
+            </a:r>
+            <a:r>
+              <a:rPr kumimoji="0" lang="en-US" altLang="en-US" sz="1100" b="0" i="0" u="none" strike="noStrike" cap="none" normalizeH="0" baseline="0" dirty="0" smtClean="0">
+                <a:ln>
+                  <a:noFill/>
+                </a:ln>
+                <a:solidFill>
+                  <a:srgbClr val="F8F8F2"/>
+                </a:solidFill>
+                <a:effectLst/>
+                <a:latin typeface="Arial Unicode MS"/>
+                <a:ea typeface="JetBrains Mono"/>
+              </a:rPr>
+              <a:t>();</a:t>
+            </a:r>
+            <a:endParaRPr kumimoji="0" lang="en-US" altLang="en-US" sz="2800" b="0" i="0" u="none" strike="noStrike" cap="none" normalizeH="0" baseline="0" dirty="0" smtClean="0">
+              <a:ln>
+                <a:noFill/>
+              </a:ln>
+              <a:solidFill>
+                <a:schemeClr val="tx1"/>
+              </a:solidFill>
+              <a:effectLst/>
+              <a:latin typeface="Arial" panose="020B0604020202020204" pitchFamily="34" charset="0"/>
+            </a:endParaRPr>
+          </a:p>
+        </p:txBody>
+      </p:sp>
+    </p:spTree>
+    <p:extLst>
+      <p:ext uri="{BB962C8B-B14F-4D97-AF65-F5344CB8AC3E}">
+        <p14:creationId xmlns:p14="http://schemas.microsoft.com/office/powerpoint/2010/main" val="802495501"/>
+      </p:ext>
+    </p:extLst>
+  </p:cSld>
+  <p:clrMapOvr>
+    <a:masterClrMapping/>
+  </p:clrMapOvr>
+</p:sld>
+</file>
+
+<file path=ppt/slides/slide21.xml><?xml version="1.0" encoding="utf-8"?>
+<p:sld xmlns:a="http://schemas.openxmlformats.org/drawingml/2006/main" xmlns:r="http://schemas.openxmlformats.org/officeDocument/2006/relationships" xmlns:p="http://schemas.openxmlformats.org/presentationml/2006/main">
+  <p:cSld>
+    <p:spTree>
+      <p:nvGrpSpPr>
+        <p:cNvPr id="1" name=""/>
+        <p:cNvGrpSpPr/>
+        <p:nvPr/>
+      </p:nvGrpSpPr>
+      <p:grpSpPr>
+        <a:xfrm>
+          <a:off x="0" y="0"/>
+          <a:ext cx="0" cy="0"/>
+          <a:chOff x="0" y="0"/>
+          <a:chExt cx="0" cy="0"/>
+        </a:xfrm>
+      </p:grpSpPr>
+      <p:sp>
+        <p:nvSpPr>
+          <p:cNvPr id="2" name="Title 1"/>
+          <p:cNvSpPr>
+            <a:spLocks noGrp="1"/>
+          </p:cNvSpPr>
+          <p:nvPr>
+            <p:ph type="title"/>
+          </p:nvPr>
+        </p:nvSpPr>
+        <p:spPr/>
+        <p:txBody>
+          <a:bodyPr/>
+          <a:lstStyle/>
+          <a:p>
+            <a:r>
+              <a:rPr lang="en-US" dirty="0">
+                <a:latin typeface="Arial" panose="020B0604020202020204" pitchFamily="34" charset="0"/>
+                <a:cs typeface="Arial" panose="020B0604020202020204" pitchFamily="34" charset="0"/>
+              </a:rPr>
+              <a:t>Exercise</a:t>
+            </a:r>
+            <a:endParaRPr lang="en-US" dirty="0">
+              <a:latin typeface="Arial" panose="020B0604020202020204" pitchFamily="34" charset="0"/>
+              <a:cs typeface="Arial" panose="020B0604020202020204" pitchFamily="34" charset="0"/>
+            </a:endParaRPr>
+          </a:p>
+        </p:txBody>
+      </p:sp>
+      <p:sp>
+        <p:nvSpPr>
+          <p:cNvPr id="3" name="Content Placeholder 2"/>
+          <p:cNvSpPr>
+            <a:spLocks noGrp="1"/>
+          </p:cNvSpPr>
+          <p:nvPr>
+            <p:ph idx="1"/>
+          </p:nvPr>
+        </p:nvSpPr>
+        <p:spPr/>
+        <p:txBody>
+          <a:bodyPr/>
+          <a:lstStyle/>
+          <a:p>
+            <a:r>
+              <a:rPr lang="en-US" dirty="0" smtClean="0">
+                <a:latin typeface="Arial" panose="020B0604020202020204" pitchFamily="34" charset="0"/>
+                <a:cs typeface="Arial" panose="020B0604020202020204" pitchFamily="34" charset="0"/>
+              </a:rPr>
+              <a:t>Thử làm chức năng add và update User</a:t>
+            </a:r>
+            <a:endParaRPr lang="en-US" dirty="0">
+              <a:latin typeface="Arial" panose="020B0604020202020204" pitchFamily="34" charset="0"/>
+              <a:cs typeface="Arial" panose="020B0604020202020204" pitchFamily="34" charset="0"/>
+            </a:endParaRPr>
+          </a:p>
+          <a:p>
+            <a:endParaRPr lang="en-US" dirty="0">
+              <a:latin typeface="Arial" panose="020B0604020202020204" pitchFamily="34" charset="0"/>
+              <a:cs typeface="Arial" panose="020B0604020202020204" pitchFamily="34" charset="0"/>
+            </a:endParaRPr>
+          </a:p>
+          <a:p>
+            <a:endParaRPr lang="en-US" dirty="0">
+              <a:latin typeface="Arial" panose="020B0604020202020204" pitchFamily="34" charset="0"/>
+              <a:cs typeface="Arial" panose="020B0604020202020204" pitchFamily="34" charset="0"/>
+            </a:endParaRPr>
+          </a:p>
+        </p:txBody>
+      </p:sp>
+    </p:spTree>
+    <p:extLst>
+      <p:ext uri="{BB962C8B-B14F-4D97-AF65-F5344CB8AC3E}">
+        <p14:creationId xmlns:p14="http://schemas.microsoft.com/office/powerpoint/2010/main" val="4056575092"/>
+      </p:ext>
+    </p:extLst>
+  </p:cSld>
+  <p:clrMapOvr>
+    <a:masterClrMapping/>
+  </p:clrMapOvr>
+</p:sld>
+</file>
+
+<file path=ppt/slides/slide22.xml><?xml version="1.0" encoding="utf-8"?>
+<p:sld xmlns:a="http://schemas.openxmlformats.org/drawingml/2006/main" xmlns:r="http://schemas.openxmlformats.org/officeDocument/2006/relationships" xmlns:p="http://schemas.openxmlformats.org/presentationml/2006/main">
+  <p:cSld>
+    <p:spTree>
+      <p:nvGrpSpPr>
+        <p:cNvPr id="1" name=""/>
+        <p:cNvGrpSpPr/>
+        <p:nvPr/>
+      </p:nvGrpSpPr>
+      <p:grpSpPr>
+        <a:xfrm>
+          <a:off x="0" y="0"/>
+          <a:ext cx="0" cy="0"/>
+          <a:chOff x="0" y="0"/>
+          <a:chExt cx="0" cy="0"/>
+        </a:xfrm>
+      </p:grpSpPr>
+      <p:sp>
+        <p:nvSpPr>
+          <p:cNvPr id="2" name="Title 1"/>
+          <p:cNvSpPr>
+            <a:spLocks noGrp="1"/>
+          </p:cNvSpPr>
+          <p:nvPr>
+            <p:ph type="title"/>
+          </p:nvPr>
+        </p:nvSpPr>
+        <p:spPr/>
+        <p:txBody>
+          <a:bodyPr/>
+          <a:lstStyle/>
+          <a:p>
+            <a:r>
+              <a:rPr lang="en-US" dirty="0">
+                <a:latin typeface="Arial" panose="020B0604020202020204" pitchFamily="34" charset="0"/>
+                <a:cs typeface="Arial" panose="020B0604020202020204" pitchFamily="34" charset="0"/>
+              </a:rPr>
+              <a:t>PagingAndSortingRepository</a:t>
+            </a:r>
+            <a:endParaRPr lang="en-US" dirty="0">
+              <a:latin typeface="Arial" panose="020B0604020202020204" pitchFamily="34" charset="0"/>
+              <a:cs typeface="Arial" panose="020B0604020202020204" pitchFamily="34" charset="0"/>
+            </a:endParaRPr>
+          </a:p>
+        </p:txBody>
+      </p:sp>
+      <p:sp>
+        <p:nvSpPr>
+          <p:cNvPr id="3" name="Content Placeholder 2"/>
+          <p:cNvSpPr>
+            <a:spLocks noGrp="1"/>
+          </p:cNvSpPr>
+          <p:nvPr>
+            <p:ph idx="1"/>
+          </p:nvPr>
+        </p:nvSpPr>
+        <p:spPr/>
+        <p:txBody>
+          <a:bodyPr/>
+          <a:lstStyle/>
+          <a:p>
+            <a:r>
+              <a:rPr lang="en-US" dirty="0" smtClean="0">
+                <a:latin typeface="Arial" panose="020B0604020202020204" pitchFamily="34" charset="0"/>
+                <a:cs typeface="Arial" panose="020B0604020202020204" pitchFamily="34" charset="0"/>
+              </a:rPr>
+              <a:t>Ví dụ về paging và sort</a:t>
+            </a:r>
+            <a:endParaRPr lang="en-US" dirty="0">
+              <a:latin typeface="Arial" panose="020B0604020202020204" pitchFamily="34" charset="0"/>
+              <a:cs typeface="Arial" panose="020B0604020202020204" pitchFamily="34" charset="0"/>
+            </a:endParaRPr>
+          </a:p>
+          <a:p>
+            <a:endParaRPr lang="en-US" dirty="0">
+              <a:latin typeface="Arial" panose="020B0604020202020204" pitchFamily="34" charset="0"/>
+              <a:cs typeface="Arial" panose="020B0604020202020204" pitchFamily="34" charset="0"/>
+            </a:endParaRPr>
+          </a:p>
+          <a:p>
+            <a:endParaRPr lang="en-US" dirty="0">
+              <a:latin typeface="Arial" panose="020B0604020202020204" pitchFamily="34" charset="0"/>
+              <a:cs typeface="Arial" panose="020B0604020202020204" pitchFamily="34" charset="0"/>
+            </a:endParaRPr>
+          </a:p>
+        </p:txBody>
+      </p:sp>
+      <p:sp>
+        <p:nvSpPr>
+          <p:cNvPr id="4" name="Rectangle 1"/>
+          <p:cNvSpPr>
+            <a:spLocks noChangeArrowheads="1"/>
+          </p:cNvSpPr>
+          <p:nvPr/>
+        </p:nvSpPr>
+        <p:spPr bwMode="auto">
+          <a:xfrm>
+            <a:off x="677334" y="2748086"/>
+            <a:ext cx="8834966" cy="1615827"/>
+          </a:xfrm>
+          <a:prstGeom prst="rect">
+            <a:avLst/>
+          </a:prstGeom>
+          <a:solidFill>
+            <a:srgbClr val="282A36"/>
+          </a:solidFill>
+          <a:ln>
+            <a:noFill/>
+          </a:ln>
+          <a:effectLst/>
+          <a:extLst>
+            <a:ext uri="{91240B29-F687-4F45-9708-019B960494DF}">
+              <a14:hiddenLine xmlns:a14="http://schemas.microsoft.com/office/drawing/2010/main" w="9525">
+                <a:solidFill>
+                  <a:schemeClr val="tx1"/>
+                </a:solidFill>
+                <a:miter lim="800000"/>
+                <a:headEnd/>
+                <a:tailEnd/>
+              </a14:hiddenLine>
+            </a:ext>
+            <a:ext uri="{AF507438-7753-43E0-B8FC-AC1667EBCBE1}">
+              <a14:hiddenEffects xmlns:a14="http://schemas.microsoft.com/office/drawing/2010/main">
+                <a:effectLst>
+                  <a:outerShdw dist="35921" dir="2700000" algn="ctr" rotWithShape="0">
+                    <a:schemeClr val="bg2"/>
+                  </a:outerShdw>
+                </a:effectLst>
+              </a14:hiddenEffects>
+            </a:ext>
+          </a:extLst>
+        </p:spPr>
+        <p:txBody>
+          <a:bodyPr vert="horz" wrap="square" lIns="91440" tIns="45720" rIns="91440" bIns="45720" numCol="1" anchor="ctr" anchorCtr="0" compatLnSpc="1">
+            <a:prstTxWarp prst="textNoShape">
+              <a:avLst/>
+            </a:prstTxWarp>
+            <a:spAutoFit/>
+          </a:bodyPr>
+          <a:lstStyle/>
+          <a:p>
+            <a:pPr lvl="0" eaLnBrk="0" fontAlgn="base" hangingPunct="0">
+              <a:spcBef>
+                <a:spcPct val="0"/>
+              </a:spcBef>
+              <a:spcAft>
+                <a:spcPct val="0"/>
+              </a:spcAft>
+            </a:pPr>
+            <a:r>
+              <a:rPr kumimoji="0" lang="en-US" altLang="en-US" sz="1100" b="0" i="0" u="none" strike="noStrike" cap="none" normalizeH="0" baseline="0" dirty="0" smtClean="0">
+                <a:ln>
+                  <a:noFill/>
+                </a:ln>
+                <a:solidFill>
+                  <a:srgbClr val="50FA78"/>
+                </a:solidFill>
+                <a:effectLst/>
+                <a:latin typeface="Arial Unicode MS"/>
+                <a:ea typeface="JetBrains Mono"/>
+              </a:rPr>
+              <a:t>@GetMapping</a:t>
+            </a:r>
+            <a:r>
+              <a:rPr kumimoji="0" lang="en-US" altLang="en-US" sz="1100" b="0" i="0" u="none" strike="noStrike" cap="none" normalizeH="0" baseline="0" dirty="0" smtClean="0">
+                <a:ln>
+                  <a:noFill/>
+                </a:ln>
+                <a:solidFill>
+                  <a:srgbClr val="F8F8F2"/>
+                </a:solidFill>
+                <a:effectLst/>
+                <a:latin typeface="Arial Unicode MS"/>
+                <a:ea typeface="JetBrains Mono"/>
+              </a:rPr>
+              <a:t>(</a:t>
+            </a:r>
+            <a:r>
+              <a:rPr kumimoji="0" lang="en-US" altLang="en-US" sz="1100" b="0" i="0" u="none" strike="noStrike" cap="none" normalizeH="0" baseline="0" dirty="0" smtClean="0">
+                <a:ln>
+                  <a:noFill/>
+                </a:ln>
+                <a:solidFill>
+                  <a:srgbClr val="FEFF80"/>
+                </a:solidFill>
+                <a:effectLst/>
+                <a:latin typeface="Arial Unicode MS"/>
+                <a:ea typeface="JetBrains Mono"/>
+              </a:rPr>
+              <a:t>"/list"</a:t>
+            </a:r>
+            <a:r>
+              <a:rPr kumimoji="0" lang="en-US" altLang="en-US" sz="1100" b="0" i="0" u="none" strike="noStrike" cap="none" normalizeH="0" baseline="0" dirty="0" smtClean="0">
+                <a:ln>
+                  <a:noFill/>
+                </a:ln>
+                <a:solidFill>
+                  <a:srgbClr val="F8F8F2"/>
+                </a:solidFill>
+                <a:effectLst/>
+                <a:latin typeface="Arial Unicode MS"/>
+                <a:ea typeface="JetBrains Mono"/>
+              </a:rPr>
+              <a:t>)</a:t>
+            </a:r>
+            <a:br>
+              <a:rPr kumimoji="0" lang="en-US" altLang="en-US" sz="1100" b="0" i="0" u="none" strike="noStrike" cap="none" normalizeH="0" baseline="0" dirty="0" smtClean="0">
+                <a:ln>
+                  <a:noFill/>
+                </a:ln>
+                <a:solidFill>
+                  <a:srgbClr val="F8F8F2"/>
+                </a:solidFill>
+                <a:effectLst/>
+                <a:latin typeface="Arial Unicode MS"/>
+                <a:ea typeface="JetBrains Mono"/>
+              </a:rPr>
+            </a:br>
+            <a:r>
+              <a:rPr kumimoji="0" lang="en-US" altLang="en-US" sz="1100" b="0" i="0" u="none" strike="noStrike" cap="none" normalizeH="0" baseline="0" dirty="0" smtClean="0">
+                <a:ln>
+                  <a:noFill/>
+                </a:ln>
+                <a:solidFill>
+                  <a:srgbClr val="F780BF"/>
+                </a:solidFill>
+                <a:effectLst/>
+                <a:latin typeface="Arial Unicode MS"/>
+                <a:ea typeface="JetBrains Mono"/>
+              </a:rPr>
+              <a:t>public </a:t>
+            </a:r>
+            <a:r>
+              <a:rPr kumimoji="0" lang="en-US" altLang="en-US" sz="1100" b="0" i="1" u="none" strike="noStrike" cap="none" normalizeH="0" baseline="0" dirty="0" smtClean="0">
+                <a:ln>
+                  <a:noFill/>
+                </a:ln>
+                <a:solidFill>
+                  <a:srgbClr val="80FFEA"/>
+                </a:solidFill>
+                <a:effectLst/>
+                <a:latin typeface="Arial Unicode MS"/>
+                <a:ea typeface="JetBrains Mono"/>
+              </a:rPr>
+              <a:t>Page</a:t>
+            </a:r>
+            <a:r>
+              <a:rPr kumimoji="0" lang="en-US" altLang="en-US" sz="1100" b="0" i="0" u="none" strike="noStrike" cap="none" normalizeH="0" baseline="0" dirty="0" smtClean="0">
+                <a:ln>
+                  <a:noFill/>
+                </a:ln>
+                <a:solidFill>
+                  <a:srgbClr val="F780BF"/>
+                </a:solidFill>
+                <a:effectLst/>
+                <a:latin typeface="Arial Unicode MS"/>
+                <a:ea typeface="JetBrains Mono"/>
+              </a:rPr>
+              <a:t>&lt;</a:t>
+            </a:r>
+            <a:r>
+              <a:rPr kumimoji="0" lang="en-US" altLang="en-US" sz="1100" b="0" i="0" u="none" strike="noStrike" cap="none" normalizeH="0" baseline="0" dirty="0" smtClean="0">
+                <a:ln>
+                  <a:noFill/>
+                </a:ln>
+                <a:solidFill>
+                  <a:srgbClr val="78DCE8"/>
+                </a:solidFill>
+                <a:effectLst/>
+                <a:latin typeface="Arial Unicode MS"/>
+                <a:ea typeface="JetBrains Mono"/>
+              </a:rPr>
+              <a:t>User</a:t>
+            </a:r>
+            <a:r>
+              <a:rPr kumimoji="0" lang="en-US" altLang="en-US" sz="1100" b="0" i="0" u="none" strike="noStrike" cap="none" normalizeH="0" baseline="0" dirty="0" smtClean="0">
+                <a:ln>
+                  <a:noFill/>
+                </a:ln>
+                <a:solidFill>
+                  <a:srgbClr val="F780BF"/>
+                </a:solidFill>
+                <a:effectLst/>
+                <a:latin typeface="Arial Unicode MS"/>
+                <a:ea typeface="JetBrains Mono"/>
+              </a:rPr>
+              <a:t>&gt; </a:t>
+            </a:r>
+            <a:r>
+              <a:rPr kumimoji="0" lang="en-US" altLang="en-US" sz="1100" b="0" i="0" u="none" strike="noStrike" cap="none" normalizeH="0" baseline="0" dirty="0" smtClean="0">
+                <a:ln>
+                  <a:noFill/>
+                </a:ln>
+                <a:solidFill>
+                  <a:srgbClr val="8AFF80"/>
+                </a:solidFill>
+                <a:effectLst/>
+                <a:latin typeface="Arial Unicode MS"/>
+                <a:ea typeface="JetBrains Mono"/>
+              </a:rPr>
+              <a:t>list</a:t>
+            </a:r>
+            <a:r>
+              <a:rPr kumimoji="0" lang="en-US" altLang="en-US" sz="1100" b="0" i="0" u="none" strike="noStrike" cap="none" normalizeH="0" baseline="0" dirty="0" smtClean="0">
+                <a:ln>
+                  <a:noFill/>
+                </a:ln>
+                <a:solidFill>
+                  <a:srgbClr val="F8F8F2"/>
+                </a:solidFill>
+                <a:effectLst/>
+                <a:latin typeface="Arial Unicode MS"/>
+                <a:ea typeface="JetBrains Mono"/>
+              </a:rPr>
+              <a:t>(</a:t>
+            </a:r>
+            <a:r>
+              <a:rPr kumimoji="0" lang="en-US" altLang="en-US" sz="1100" b="0" i="0" u="none" strike="noStrike" cap="none" normalizeH="0" baseline="0" dirty="0" smtClean="0">
+                <a:ln>
+                  <a:noFill/>
+                </a:ln>
+                <a:solidFill>
+                  <a:srgbClr val="50FA78"/>
+                </a:solidFill>
+                <a:effectLst/>
+                <a:latin typeface="Arial Unicode MS"/>
+                <a:ea typeface="JetBrains Mono"/>
+              </a:rPr>
+              <a:t>@RequestParam</a:t>
+            </a:r>
+            <a:r>
+              <a:rPr kumimoji="0" lang="en-US" altLang="en-US" sz="1100" b="0" i="0" u="none" strike="noStrike" cap="none" normalizeH="0" baseline="0" dirty="0" smtClean="0">
+                <a:ln>
+                  <a:noFill/>
+                </a:ln>
+                <a:solidFill>
+                  <a:srgbClr val="F8F8F2"/>
+                </a:solidFill>
+                <a:effectLst/>
+                <a:latin typeface="Arial Unicode MS"/>
+                <a:ea typeface="JetBrains Mono"/>
+              </a:rPr>
+              <a:t>(</a:t>
+            </a:r>
+            <a:r>
+              <a:rPr kumimoji="0" lang="en-US" altLang="en-US" sz="1100" b="0" i="0" u="none" strike="noStrike" cap="none" normalizeH="0" baseline="0" dirty="0" smtClean="0">
+                <a:ln>
+                  <a:noFill/>
+                </a:ln>
+                <a:solidFill>
+                  <a:srgbClr val="F89580"/>
+                </a:solidFill>
+                <a:effectLst/>
+                <a:latin typeface="Arial Unicode MS"/>
+                <a:ea typeface="JetBrains Mono"/>
+              </a:rPr>
+              <a:t>defaultValue </a:t>
+            </a:r>
+            <a:r>
+              <a:rPr kumimoji="0" lang="en-US" altLang="en-US" sz="1100" b="0" i="0" u="none" strike="noStrike" cap="none" normalizeH="0" baseline="0" dirty="0" smtClean="0">
+                <a:ln>
+                  <a:noFill/>
+                </a:ln>
+                <a:solidFill>
+                  <a:srgbClr val="F780BF"/>
+                </a:solidFill>
+                <a:effectLst/>
+                <a:latin typeface="Arial Unicode MS"/>
+                <a:ea typeface="JetBrains Mono"/>
+              </a:rPr>
+              <a:t>= </a:t>
+            </a:r>
+            <a:r>
+              <a:rPr kumimoji="0" lang="en-US" altLang="en-US" sz="1100" b="0" i="0" u="none" strike="noStrike" cap="none" normalizeH="0" baseline="0" dirty="0" smtClean="0">
+                <a:ln>
+                  <a:noFill/>
+                </a:ln>
+                <a:solidFill>
+                  <a:srgbClr val="FEFF80"/>
+                </a:solidFill>
+                <a:effectLst/>
+                <a:latin typeface="Arial Unicode MS"/>
+                <a:ea typeface="JetBrains Mono"/>
+              </a:rPr>
+              <a:t>"0"</a:t>
+            </a:r>
+            <a:r>
+              <a:rPr kumimoji="0" lang="en-US" altLang="en-US" sz="1100" b="0" i="0" u="none" strike="noStrike" cap="none" normalizeH="0" baseline="0" dirty="0" smtClean="0">
+                <a:ln>
+                  <a:noFill/>
+                </a:ln>
+                <a:solidFill>
+                  <a:srgbClr val="F8F8F2"/>
+                </a:solidFill>
+                <a:effectLst/>
+                <a:latin typeface="Arial Unicode MS"/>
+                <a:ea typeface="JetBrains Mono"/>
+              </a:rPr>
+              <a:t>) </a:t>
+            </a:r>
+            <a:r>
+              <a:rPr kumimoji="0" lang="en-US" altLang="en-US" sz="1100" b="0" i="0" u="none" strike="noStrike" cap="none" normalizeH="0" baseline="0" dirty="0" smtClean="0">
+                <a:ln>
+                  <a:noFill/>
+                </a:ln>
+                <a:solidFill>
+                  <a:srgbClr val="F780BF"/>
+                </a:solidFill>
+                <a:effectLst/>
+                <a:latin typeface="Arial Unicode MS"/>
+                <a:ea typeface="JetBrains Mono"/>
+              </a:rPr>
+              <a:t>int </a:t>
+            </a:r>
+            <a:r>
+              <a:rPr kumimoji="0" lang="en-US" altLang="en-US" sz="1100" b="0" i="1" u="none" strike="noStrike" cap="none" normalizeH="0" baseline="0" dirty="0" smtClean="0">
+                <a:ln>
+                  <a:noFill/>
+                </a:ln>
+                <a:solidFill>
+                  <a:srgbClr val="F89580"/>
+                </a:solidFill>
+                <a:effectLst/>
+                <a:latin typeface="Arial Unicode MS"/>
+                <a:ea typeface="JetBrains Mono"/>
+              </a:rPr>
+              <a:t>page</a:t>
+            </a:r>
+            <a:r>
+              <a:rPr kumimoji="0" lang="en-US" altLang="en-US" sz="1100" b="0" i="0" u="none" strike="noStrike" cap="none" normalizeH="0" baseline="0" dirty="0" smtClean="0">
+                <a:ln>
+                  <a:noFill/>
+                </a:ln>
+                <a:solidFill>
+                  <a:srgbClr val="F8F8F2"/>
+                </a:solidFill>
+                <a:effectLst/>
+                <a:latin typeface="Arial Unicode MS"/>
+                <a:ea typeface="JetBrains Mono"/>
+              </a:rPr>
+              <a:t>,</a:t>
+            </a:r>
+            <a:br>
+              <a:rPr kumimoji="0" lang="en-US" altLang="en-US" sz="1100" b="0" i="0" u="none" strike="noStrike" cap="none" normalizeH="0" baseline="0" dirty="0" smtClean="0">
+                <a:ln>
+                  <a:noFill/>
+                </a:ln>
+                <a:solidFill>
+                  <a:srgbClr val="F8F8F2"/>
+                </a:solidFill>
+                <a:effectLst/>
+                <a:latin typeface="Arial Unicode MS"/>
+                <a:ea typeface="JetBrains Mono"/>
+              </a:rPr>
+            </a:br>
+            <a:r>
+              <a:rPr kumimoji="0" lang="en-US" altLang="en-US" sz="1100" b="0" i="0" u="none" strike="noStrike" cap="none" normalizeH="0" baseline="0" dirty="0" smtClean="0">
+                <a:ln>
+                  <a:noFill/>
+                </a:ln>
+                <a:solidFill>
+                  <a:srgbClr val="F8F8F2"/>
+                </a:solidFill>
+                <a:effectLst/>
+                <a:latin typeface="Arial Unicode MS"/>
+                <a:ea typeface="JetBrains Mono"/>
+              </a:rPr>
+              <a:t>                      		</a:t>
+            </a:r>
+            <a:r>
+              <a:rPr kumimoji="0" lang="en-US" altLang="en-US" sz="1100" b="0" i="0" u="none" strike="noStrike" cap="none" normalizeH="0" baseline="0" dirty="0" smtClean="0">
+                <a:ln>
+                  <a:noFill/>
+                </a:ln>
+                <a:solidFill>
+                  <a:srgbClr val="50FA78"/>
+                </a:solidFill>
+                <a:effectLst/>
+                <a:latin typeface="Arial Unicode MS"/>
+                <a:ea typeface="JetBrains Mono"/>
+              </a:rPr>
+              <a:t>@RequestParam</a:t>
+            </a:r>
+            <a:r>
+              <a:rPr kumimoji="0" lang="en-US" altLang="en-US" sz="1100" b="0" i="0" u="none" strike="noStrike" cap="none" normalizeH="0" baseline="0" dirty="0" smtClean="0">
+                <a:ln>
+                  <a:noFill/>
+                </a:ln>
+                <a:solidFill>
+                  <a:srgbClr val="F8F8F2"/>
+                </a:solidFill>
+                <a:effectLst/>
+                <a:latin typeface="Arial Unicode MS"/>
+                <a:ea typeface="JetBrains Mono"/>
+              </a:rPr>
+              <a:t>(</a:t>
+            </a:r>
+            <a:r>
+              <a:rPr kumimoji="0" lang="en-US" altLang="en-US" sz="1100" b="0" i="0" u="none" strike="noStrike" cap="none" normalizeH="0" baseline="0" dirty="0" smtClean="0">
+                <a:ln>
+                  <a:noFill/>
+                </a:ln>
+                <a:solidFill>
+                  <a:srgbClr val="F89580"/>
+                </a:solidFill>
+                <a:effectLst/>
+                <a:latin typeface="Arial Unicode MS"/>
+                <a:ea typeface="JetBrains Mono"/>
+              </a:rPr>
+              <a:t>defaultValue </a:t>
+            </a:r>
+            <a:r>
+              <a:rPr kumimoji="0" lang="en-US" altLang="en-US" sz="1100" b="0" i="0" u="none" strike="noStrike" cap="none" normalizeH="0" baseline="0" dirty="0" smtClean="0">
+                <a:ln>
+                  <a:noFill/>
+                </a:ln>
+                <a:solidFill>
+                  <a:srgbClr val="F780BF"/>
+                </a:solidFill>
+                <a:effectLst/>
+                <a:latin typeface="Arial Unicode MS"/>
+                <a:ea typeface="JetBrains Mono"/>
+              </a:rPr>
+              <a:t>= </a:t>
+            </a:r>
+            <a:r>
+              <a:rPr kumimoji="0" lang="en-US" altLang="en-US" sz="1100" b="0" i="0" u="none" strike="noStrike" cap="none" normalizeH="0" baseline="0" dirty="0" smtClean="0">
+                <a:ln>
+                  <a:noFill/>
+                </a:ln>
+                <a:solidFill>
+                  <a:srgbClr val="FEFF80"/>
+                </a:solidFill>
+                <a:effectLst/>
+                <a:latin typeface="Arial Unicode MS"/>
+                <a:ea typeface="JetBrains Mono"/>
+              </a:rPr>
+              <a:t>"2"</a:t>
+            </a:r>
+            <a:r>
+              <a:rPr kumimoji="0" lang="en-US" altLang="en-US" sz="1100" b="0" i="0" u="none" strike="noStrike" cap="none" normalizeH="0" baseline="0" dirty="0" smtClean="0">
+                <a:ln>
+                  <a:noFill/>
+                </a:ln>
+                <a:solidFill>
+                  <a:srgbClr val="F8F8F2"/>
+                </a:solidFill>
+                <a:effectLst/>
+                <a:latin typeface="Arial Unicode MS"/>
+                <a:ea typeface="JetBrains Mono"/>
+              </a:rPr>
+              <a:t>) </a:t>
+            </a:r>
+            <a:r>
+              <a:rPr kumimoji="0" lang="en-US" altLang="en-US" sz="1100" b="0" i="0" u="none" strike="noStrike" cap="none" normalizeH="0" baseline="0" dirty="0" smtClean="0">
+                <a:ln>
+                  <a:noFill/>
+                </a:ln>
+                <a:solidFill>
+                  <a:srgbClr val="F780BF"/>
+                </a:solidFill>
+                <a:effectLst/>
+                <a:latin typeface="Arial Unicode MS"/>
+                <a:ea typeface="JetBrains Mono"/>
+              </a:rPr>
+              <a:t>int </a:t>
+            </a:r>
+            <a:r>
+              <a:rPr kumimoji="0" lang="en-US" altLang="en-US" sz="1100" b="0" i="1" u="none" strike="noStrike" cap="none" normalizeH="0" baseline="0" dirty="0" smtClean="0">
+                <a:ln>
+                  <a:noFill/>
+                </a:ln>
+                <a:solidFill>
+                  <a:srgbClr val="F89580"/>
+                </a:solidFill>
+                <a:effectLst/>
+                <a:latin typeface="Arial Unicode MS"/>
+                <a:ea typeface="JetBrains Mono"/>
+              </a:rPr>
+              <a:t>size</a:t>
+            </a:r>
+            <a:r>
+              <a:rPr kumimoji="0" lang="en-US" altLang="en-US" sz="1100" b="0" i="0" u="none" strike="noStrike" cap="none" normalizeH="0" baseline="0" dirty="0" smtClean="0">
+                <a:ln>
+                  <a:noFill/>
+                </a:ln>
+                <a:solidFill>
+                  <a:srgbClr val="F8F8F2"/>
+                </a:solidFill>
+                <a:effectLst/>
+                <a:latin typeface="Arial Unicode MS"/>
+                <a:ea typeface="JetBrains Mono"/>
+              </a:rPr>
+              <a:t>,</a:t>
+            </a:r>
+            <a:br>
+              <a:rPr kumimoji="0" lang="en-US" altLang="en-US" sz="1100" b="0" i="0" u="none" strike="noStrike" cap="none" normalizeH="0" baseline="0" dirty="0" smtClean="0">
+                <a:ln>
+                  <a:noFill/>
+                </a:ln>
+                <a:solidFill>
+                  <a:srgbClr val="F8F8F2"/>
+                </a:solidFill>
+                <a:effectLst/>
+                <a:latin typeface="Arial Unicode MS"/>
+                <a:ea typeface="JetBrains Mono"/>
+              </a:rPr>
+            </a:br>
+            <a:r>
+              <a:rPr kumimoji="0" lang="en-US" altLang="en-US" sz="1100" b="0" i="0" u="none" strike="noStrike" cap="none" normalizeH="0" baseline="0" dirty="0" smtClean="0">
+                <a:ln>
+                  <a:noFill/>
+                </a:ln>
+                <a:solidFill>
+                  <a:srgbClr val="F8F8F2"/>
+                </a:solidFill>
+                <a:effectLst/>
+                <a:latin typeface="Arial Unicode MS"/>
+                <a:ea typeface="JetBrains Mono"/>
+              </a:rPr>
+              <a:t>                       		</a:t>
+            </a:r>
+            <a:r>
+              <a:rPr kumimoji="0" lang="en-US" altLang="en-US" sz="1100" b="0" i="0" u="none" strike="noStrike" cap="none" normalizeH="0" baseline="0" dirty="0" smtClean="0">
+                <a:ln>
+                  <a:noFill/>
+                </a:ln>
+                <a:solidFill>
+                  <a:srgbClr val="50FA78"/>
+                </a:solidFill>
+                <a:effectLst/>
+                <a:latin typeface="Arial Unicode MS"/>
+                <a:ea typeface="JetBrains Mono"/>
+              </a:rPr>
+              <a:t>@RequestParam</a:t>
+            </a:r>
+            <a:r>
+              <a:rPr kumimoji="0" lang="en-US" altLang="en-US" sz="1100" b="0" i="0" u="none" strike="noStrike" cap="none" normalizeH="0" baseline="0" dirty="0" smtClean="0">
+                <a:ln>
+                  <a:noFill/>
+                </a:ln>
+                <a:solidFill>
+                  <a:srgbClr val="F8F8F2"/>
+                </a:solidFill>
+                <a:effectLst/>
+                <a:latin typeface="Arial Unicode MS"/>
+                <a:ea typeface="JetBrains Mono"/>
+              </a:rPr>
+              <a:t>(</a:t>
+            </a:r>
+            <a:r>
+              <a:rPr kumimoji="0" lang="en-US" altLang="en-US" sz="1100" b="0" i="0" u="none" strike="noStrike" cap="none" normalizeH="0" baseline="0" dirty="0" smtClean="0">
+                <a:ln>
+                  <a:noFill/>
+                </a:ln>
+                <a:solidFill>
+                  <a:srgbClr val="F89580"/>
+                </a:solidFill>
+                <a:effectLst/>
+                <a:latin typeface="Arial Unicode MS"/>
+                <a:ea typeface="JetBrains Mono"/>
+              </a:rPr>
+              <a:t>defaultValue </a:t>
+            </a:r>
+            <a:r>
+              <a:rPr kumimoji="0" lang="en-US" altLang="en-US" sz="1100" b="0" i="0" u="none" strike="noStrike" cap="none" normalizeH="0" baseline="0" dirty="0" smtClean="0">
+                <a:ln>
+                  <a:noFill/>
+                </a:ln>
+                <a:solidFill>
+                  <a:srgbClr val="F780BF"/>
+                </a:solidFill>
+                <a:effectLst/>
+                <a:latin typeface="Arial Unicode MS"/>
+                <a:ea typeface="JetBrains Mono"/>
+              </a:rPr>
+              <a:t>= </a:t>
+            </a:r>
+            <a:r>
+              <a:rPr kumimoji="0" lang="en-US" altLang="en-US" sz="1100" b="0" i="0" u="none" strike="noStrike" cap="none" normalizeH="0" baseline="0" dirty="0" smtClean="0">
+                <a:ln>
+                  <a:noFill/>
+                </a:ln>
+                <a:solidFill>
+                  <a:srgbClr val="FEFF80"/>
+                </a:solidFill>
+                <a:effectLst/>
+                <a:latin typeface="Arial Unicode MS"/>
+                <a:ea typeface="JetBrains Mono"/>
+              </a:rPr>
+              <a:t>"id"</a:t>
+            </a:r>
+            <a:r>
+              <a:rPr kumimoji="0" lang="en-US" altLang="en-US" sz="1100" b="0" i="0" u="none" strike="noStrike" cap="none" normalizeH="0" baseline="0" dirty="0" smtClean="0">
+                <a:ln>
+                  <a:noFill/>
+                </a:ln>
+                <a:solidFill>
+                  <a:srgbClr val="F8F8F2"/>
+                </a:solidFill>
+                <a:effectLst/>
+                <a:latin typeface="Arial Unicode MS"/>
+                <a:ea typeface="JetBrains Mono"/>
+              </a:rPr>
+              <a:t>) </a:t>
+            </a:r>
+            <a:r>
+              <a:rPr kumimoji="0" lang="en-US" altLang="en-US" sz="1100" b="0" i="0" u="none" strike="noStrike" cap="none" normalizeH="0" baseline="0" dirty="0" smtClean="0">
+                <a:ln>
+                  <a:noFill/>
+                </a:ln>
+                <a:solidFill>
+                  <a:srgbClr val="78DCE8"/>
+                </a:solidFill>
+                <a:effectLst/>
+                <a:latin typeface="Arial Unicode MS"/>
+                <a:ea typeface="JetBrains Mono"/>
+              </a:rPr>
+              <a:t>String </a:t>
+            </a:r>
+            <a:r>
+              <a:rPr kumimoji="0" lang="en-US" altLang="en-US" sz="1100" b="0" i="1" u="none" strike="noStrike" cap="none" normalizeH="0" baseline="0" dirty="0" smtClean="0">
+                <a:ln>
+                  <a:noFill/>
+                </a:ln>
+                <a:solidFill>
+                  <a:srgbClr val="F89580"/>
+                </a:solidFill>
+                <a:effectLst/>
+                <a:latin typeface="Arial Unicode MS"/>
+                <a:ea typeface="JetBrains Mono"/>
+              </a:rPr>
+              <a:t>sortBy</a:t>
+            </a:r>
+            <a:r>
+              <a:rPr kumimoji="0" lang="en-US" altLang="en-US" sz="1100" b="0" i="0" u="none" strike="noStrike" cap="none" normalizeH="0" baseline="0" dirty="0" smtClean="0">
+                <a:ln>
+                  <a:noFill/>
+                </a:ln>
+                <a:solidFill>
+                  <a:srgbClr val="F8F8F2"/>
+                </a:solidFill>
+                <a:effectLst/>
+                <a:latin typeface="Arial Unicode MS"/>
+                <a:ea typeface="JetBrains Mono"/>
+              </a:rPr>
+              <a:t>,</a:t>
+            </a:r>
+            <a:br>
+              <a:rPr kumimoji="0" lang="en-US" altLang="en-US" sz="1100" b="0" i="0" u="none" strike="noStrike" cap="none" normalizeH="0" baseline="0" dirty="0" smtClean="0">
+                <a:ln>
+                  <a:noFill/>
+                </a:ln>
+                <a:solidFill>
+                  <a:srgbClr val="F8F8F2"/>
+                </a:solidFill>
+                <a:effectLst/>
+                <a:latin typeface="Arial Unicode MS"/>
+                <a:ea typeface="JetBrains Mono"/>
+              </a:rPr>
+            </a:br>
+            <a:r>
+              <a:rPr kumimoji="0" lang="en-US" altLang="en-US" sz="1100" b="0" i="0" u="none" strike="noStrike" cap="none" normalizeH="0" baseline="0" dirty="0" smtClean="0">
+                <a:ln>
+                  <a:noFill/>
+                </a:ln>
+                <a:solidFill>
+                  <a:srgbClr val="F8F8F2"/>
+                </a:solidFill>
+                <a:effectLst/>
+                <a:latin typeface="Arial Unicode MS"/>
+                <a:ea typeface="JetBrains Mono"/>
+              </a:rPr>
+              <a:t>                       		</a:t>
+            </a:r>
+            <a:r>
+              <a:rPr kumimoji="0" lang="en-US" altLang="en-US" sz="1100" b="0" i="0" u="none" strike="noStrike" cap="none" normalizeH="0" baseline="0" dirty="0" smtClean="0">
+                <a:ln>
+                  <a:noFill/>
+                </a:ln>
+                <a:solidFill>
+                  <a:srgbClr val="50FA78"/>
+                </a:solidFill>
+                <a:effectLst/>
+                <a:latin typeface="Arial Unicode MS"/>
+                <a:ea typeface="JetBrains Mono"/>
+              </a:rPr>
+              <a:t>@RequestParam</a:t>
+            </a:r>
+            <a:r>
+              <a:rPr kumimoji="0" lang="en-US" altLang="en-US" sz="1100" b="0" i="0" u="none" strike="noStrike" cap="none" normalizeH="0" baseline="0" dirty="0" smtClean="0">
+                <a:ln>
+                  <a:noFill/>
+                </a:ln>
+                <a:solidFill>
+                  <a:srgbClr val="F8F8F2"/>
+                </a:solidFill>
+                <a:effectLst/>
+                <a:latin typeface="Arial Unicode MS"/>
+                <a:ea typeface="JetBrains Mono"/>
+              </a:rPr>
+              <a:t>(</a:t>
+            </a:r>
+            <a:r>
+              <a:rPr kumimoji="0" lang="en-US" altLang="en-US" sz="1100" b="0" i="0" u="none" strike="noStrike" cap="none" normalizeH="0" baseline="0" dirty="0" smtClean="0">
+                <a:ln>
+                  <a:noFill/>
+                </a:ln>
+                <a:solidFill>
+                  <a:srgbClr val="F89580"/>
+                </a:solidFill>
+                <a:effectLst/>
+                <a:latin typeface="Arial Unicode MS"/>
+                <a:ea typeface="JetBrains Mono"/>
+              </a:rPr>
+              <a:t>defaultValue </a:t>
+            </a:r>
+            <a:r>
+              <a:rPr kumimoji="0" lang="en-US" altLang="en-US" sz="1100" b="0" i="0" u="none" strike="noStrike" cap="none" normalizeH="0" baseline="0" dirty="0" smtClean="0">
+                <a:ln>
+                  <a:noFill/>
+                </a:ln>
+                <a:solidFill>
+                  <a:srgbClr val="F780BF"/>
+                </a:solidFill>
+                <a:effectLst/>
+                <a:latin typeface="Arial Unicode MS"/>
+                <a:ea typeface="JetBrains Mono"/>
+              </a:rPr>
+              <a:t>= </a:t>
+            </a:r>
+            <a:r>
+              <a:rPr kumimoji="0" lang="en-US" altLang="en-US" sz="1100" b="0" i="0" u="none" strike="noStrike" cap="none" normalizeH="0" baseline="0" dirty="0" smtClean="0">
+                <a:ln>
+                  <a:noFill/>
+                </a:ln>
+                <a:solidFill>
+                  <a:srgbClr val="FEFF80"/>
+                </a:solidFill>
+                <a:effectLst/>
+                <a:latin typeface="Arial Unicode MS"/>
+                <a:ea typeface="JetBrains Mono"/>
+              </a:rPr>
+              <a:t>"asc"</a:t>
+            </a:r>
+            <a:r>
+              <a:rPr kumimoji="0" lang="en-US" altLang="en-US" sz="1100" b="0" i="0" u="none" strike="noStrike" cap="none" normalizeH="0" baseline="0" dirty="0" smtClean="0">
+                <a:ln>
+                  <a:noFill/>
+                </a:ln>
+                <a:solidFill>
+                  <a:srgbClr val="F8F8F2"/>
+                </a:solidFill>
+                <a:effectLst/>
+                <a:latin typeface="Arial Unicode MS"/>
+                <a:ea typeface="JetBrains Mono"/>
+              </a:rPr>
+              <a:t>) </a:t>
+            </a:r>
+            <a:r>
+              <a:rPr kumimoji="0" lang="en-US" altLang="en-US" sz="1100" b="0" i="0" u="none" strike="noStrike" cap="none" normalizeH="0" baseline="0" dirty="0" smtClean="0">
+                <a:ln>
+                  <a:noFill/>
+                </a:ln>
+                <a:solidFill>
+                  <a:srgbClr val="78DCE8"/>
+                </a:solidFill>
+                <a:effectLst/>
+                <a:latin typeface="Arial Unicode MS"/>
+                <a:ea typeface="JetBrains Mono"/>
+              </a:rPr>
+              <a:t>String </a:t>
+            </a:r>
+            <a:r>
+              <a:rPr kumimoji="0" lang="en-US" altLang="en-US" sz="1100" b="0" i="1" u="none" strike="noStrike" cap="none" normalizeH="0" baseline="0" dirty="0" smtClean="0">
+                <a:ln>
+                  <a:noFill/>
+                </a:ln>
+                <a:solidFill>
+                  <a:srgbClr val="F89580"/>
+                </a:solidFill>
+                <a:effectLst/>
+                <a:latin typeface="Arial Unicode MS"/>
+                <a:ea typeface="JetBrains Mono"/>
+              </a:rPr>
+              <a:t>sortDir</a:t>
+            </a:r>
+            <a:r>
+              <a:rPr kumimoji="0" lang="en-US" altLang="en-US" sz="1100" b="0" i="0" u="none" strike="noStrike" cap="none" normalizeH="0" baseline="0" dirty="0" smtClean="0">
+                <a:ln>
+                  <a:noFill/>
+                </a:ln>
+                <a:solidFill>
+                  <a:srgbClr val="F8F8F2"/>
+                </a:solidFill>
+                <a:effectLst/>
+                <a:latin typeface="Arial Unicode MS"/>
+                <a:ea typeface="JetBrains Mono"/>
+              </a:rPr>
+              <a:t>) {</a:t>
+            </a:r>
+          </a:p>
+          <a:p>
+            <a:pPr lvl="0" eaLnBrk="0" fontAlgn="base" hangingPunct="0">
+              <a:spcBef>
+                <a:spcPct val="0"/>
+              </a:spcBef>
+              <a:spcAft>
+                <a:spcPct val="0"/>
+              </a:spcAft>
+            </a:pPr>
+            <a:r>
+              <a:rPr kumimoji="0" lang="en-US" altLang="en-US" sz="1100" b="0" i="0" u="none" strike="noStrike" cap="none" normalizeH="0" baseline="0" dirty="0" smtClean="0">
+                <a:ln>
+                  <a:noFill/>
+                </a:ln>
+                <a:solidFill>
+                  <a:srgbClr val="F8F8F2"/>
+                </a:solidFill>
+                <a:effectLst/>
+                <a:latin typeface="Arial Unicode MS"/>
+                <a:ea typeface="JetBrains Mono"/>
+              </a:rPr>
+              <a:t/>
+            </a:r>
+            <a:br>
+              <a:rPr kumimoji="0" lang="en-US" altLang="en-US" sz="1100" b="0" i="0" u="none" strike="noStrike" cap="none" normalizeH="0" baseline="0" dirty="0" smtClean="0">
+                <a:ln>
+                  <a:noFill/>
+                </a:ln>
+                <a:solidFill>
+                  <a:srgbClr val="F8F8F2"/>
+                </a:solidFill>
+                <a:effectLst/>
+                <a:latin typeface="Arial Unicode MS"/>
+                <a:ea typeface="JetBrains Mono"/>
+              </a:rPr>
+            </a:br>
+            <a:r>
+              <a:rPr kumimoji="0" lang="en-US" altLang="en-US" sz="1100" b="0" i="0" u="none" strike="noStrike" cap="none" normalizeH="0" baseline="0" dirty="0" smtClean="0">
+                <a:ln>
+                  <a:noFill/>
+                </a:ln>
+                <a:solidFill>
+                  <a:srgbClr val="F8F8F2"/>
+                </a:solidFill>
+                <a:effectLst/>
+                <a:latin typeface="Arial Unicode MS"/>
+                <a:ea typeface="JetBrains Mono"/>
+              </a:rPr>
+              <a:t>    </a:t>
+            </a:r>
+            <a:r>
+              <a:rPr kumimoji="0" lang="en-US" altLang="en-US" sz="1100" b="0" i="0" u="none" strike="noStrike" cap="none" normalizeH="0" baseline="0" dirty="0" smtClean="0">
+                <a:ln>
+                  <a:noFill/>
+                </a:ln>
+                <a:solidFill>
+                  <a:srgbClr val="78DCE8"/>
+                </a:solidFill>
+                <a:effectLst/>
+                <a:latin typeface="Arial Unicode MS"/>
+                <a:ea typeface="JetBrains Mono"/>
+              </a:rPr>
+              <a:t>Sort </a:t>
+            </a:r>
+            <a:r>
+              <a:rPr kumimoji="0" lang="en-US" altLang="en-US" sz="1100" b="0" i="0" u="none" strike="noStrike" cap="none" normalizeH="0" baseline="0" dirty="0" smtClean="0">
+                <a:ln>
+                  <a:noFill/>
+                </a:ln>
+                <a:solidFill>
+                  <a:srgbClr val="F8F8F2"/>
+                </a:solidFill>
+                <a:effectLst/>
+                <a:latin typeface="Arial Unicode MS"/>
+                <a:ea typeface="JetBrains Mono"/>
+              </a:rPr>
+              <a:t>sort </a:t>
+            </a:r>
+            <a:r>
+              <a:rPr kumimoji="0" lang="en-US" altLang="en-US" sz="1100" b="0" i="0" u="none" strike="noStrike" cap="none" normalizeH="0" baseline="0" dirty="0" smtClean="0">
+                <a:ln>
+                  <a:noFill/>
+                </a:ln>
+                <a:solidFill>
+                  <a:srgbClr val="F780BF"/>
+                </a:solidFill>
+                <a:effectLst/>
+                <a:latin typeface="Arial Unicode MS"/>
+                <a:ea typeface="JetBrains Mono"/>
+              </a:rPr>
+              <a:t>= </a:t>
+            </a:r>
+            <a:r>
+              <a:rPr kumimoji="0" lang="en-US" altLang="en-US" sz="1100" b="0" i="1" u="none" strike="noStrike" cap="none" normalizeH="0" baseline="0" dirty="0" smtClean="0">
+                <a:ln>
+                  <a:noFill/>
+                </a:ln>
+                <a:solidFill>
+                  <a:srgbClr val="F89580"/>
+                </a:solidFill>
+                <a:effectLst/>
+                <a:latin typeface="Arial Unicode MS"/>
+                <a:ea typeface="JetBrains Mono"/>
+              </a:rPr>
+              <a:t>sortDir</a:t>
+            </a:r>
+            <a:r>
+              <a:rPr kumimoji="0" lang="en-US" altLang="en-US" sz="1100" b="0" i="0" u="none" strike="noStrike" cap="none" normalizeH="0" baseline="0" dirty="0" smtClean="0">
+                <a:ln>
+                  <a:noFill/>
+                </a:ln>
+                <a:solidFill>
+                  <a:srgbClr val="F8F8F2"/>
+                </a:solidFill>
+                <a:effectLst/>
+                <a:latin typeface="Arial Unicode MS"/>
+                <a:ea typeface="JetBrains Mono"/>
+              </a:rPr>
+              <a:t>.</a:t>
+            </a:r>
+            <a:r>
+              <a:rPr kumimoji="0" lang="en-US" altLang="en-US" sz="1100" b="0" i="0" u="none" strike="noStrike" cap="none" normalizeH="0" baseline="0" dirty="0" smtClean="0">
+                <a:ln>
+                  <a:noFill/>
+                </a:ln>
+                <a:solidFill>
+                  <a:srgbClr val="50FA78"/>
+                </a:solidFill>
+                <a:effectLst/>
+                <a:latin typeface="Arial Unicode MS"/>
+                <a:ea typeface="JetBrains Mono"/>
+              </a:rPr>
+              <a:t>equalsIgnoreCase</a:t>
+            </a:r>
+            <a:r>
+              <a:rPr kumimoji="0" lang="en-US" altLang="en-US" sz="1100" b="0" i="0" u="none" strike="noStrike" cap="none" normalizeH="0" baseline="0" dirty="0" smtClean="0">
+                <a:ln>
+                  <a:noFill/>
+                </a:ln>
+                <a:solidFill>
+                  <a:srgbClr val="F8F8F2"/>
+                </a:solidFill>
+                <a:effectLst/>
+                <a:latin typeface="Arial Unicode MS"/>
+                <a:ea typeface="JetBrains Mono"/>
+              </a:rPr>
+              <a:t>(</a:t>
+            </a:r>
+            <a:r>
+              <a:rPr kumimoji="0" lang="en-US" altLang="en-US" sz="1100" b="0" i="0" u="none" strike="noStrike" cap="none" normalizeH="0" baseline="0" dirty="0" smtClean="0">
+                <a:ln>
+                  <a:noFill/>
+                </a:ln>
+                <a:solidFill>
+                  <a:srgbClr val="78DCE8"/>
+                </a:solidFill>
+                <a:effectLst/>
+                <a:latin typeface="Arial Unicode MS"/>
+                <a:ea typeface="JetBrains Mono"/>
+              </a:rPr>
+              <a:t>Sort</a:t>
+            </a:r>
+            <a:r>
+              <a:rPr kumimoji="0" lang="en-US" altLang="en-US" sz="1100" b="0" i="0" u="none" strike="noStrike" cap="none" normalizeH="0" baseline="0" dirty="0" smtClean="0">
+                <a:ln>
+                  <a:noFill/>
+                </a:ln>
+                <a:solidFill>
+                  <a:srgbClr val="F8F8F2"/>
+                </a:solidFill>
+                <a:effectLst/>
+                <a:latin typeface="Arial Unicode MS"/>
+                <a:ea typeface="JetBrains Mono"/>
+              </a:rPr>
+              <a:t>.</a:t>
+            </a:r>
+            <a:r>
+              <a:rPr kumimoji="0" lang="en-US" altLang="en-US" sz="1100" b="0" i="1" u="none" strike="noStrike" cap="none" normalizeH="0" baseline="0" dirty="0" smtClean="0">
+                <a:ln>
+                  <a:noFill/>
+                </a:ln>
+                <a:solidFill>
+                  <a:srgbClr val="80FFEA"/>
+                </a:solidFill>
+                <a:effectLst/>
+                <a:latin typeface="Arial Unicode MS"/>
+                <a:ea typeface="JetBrains Mono"/>
+              </a:rPr>
+              <a:t>Direction</a:t>
+            </a:r>
+            <a:r>
+              <a:rPr kumimoji="0" lang="en-US" altLang="en-US" sz="1100" b="0" i="0" u="none" strike="noStrike" cap="none" normalizeH="0" baseline="0" dirty="0" smtClean="0">
+                <a:ln>
+                  <a:noFill/>
+                </a:ln>
+                <a:solidFill>
+                  <a:srgbClr val="F8F8F2"/>
+                </a:solidFill>
+                <a:effectLst/>
+                <a:latin typeface="Arial Unicode MS"/>
+                <a:ea typeface="JetBrains Mono"/>
+              </a:rPr>
+              <a:t>.</a:t>
+            </a:r>
+            <a:r>
+              <a:rPr kumimoji="0" lang="en-US" altLang="en-US" sz="1100" b="0" i="1" u="none" strike="noStrike" cap="none" normalizeH="0" baseline="0" dirty="0" smtClean="0">
+                <a:ln>
+                  <a:noFill/>
+                </a:ln>
+                <a:solidFill>
+                  <a:srgbClr val="9580FF"/>
+                </a:solidFill>
+                <a:effectLst/>
+                <a:latin typeface="Arial Unicode MS"/>
+                <a:ea typeface="JetBrains Mono"/>
+              </a:rPr>
+              <a:t>ASC</a:t>
+            </a:r>
+            <a:r>
+              <a:rPr kumimoji="0" lang="en-US" altLang="en-US" sz="1100" b="0" i="0" u="none" strike="noStrike" cap="none" normalizeH="0" baseline="0" dirty="0" smtClean="0">
+                <a:ln>
+                  <a:noFill/>
+                </a:ln>
+                <a:solidFill>
+                  <a:srgbClr val="F8F8F2"/>
+                </a:solidFill>
+                <a:effectLst/>
+                <a:latin typeface="Arial Unicode MS"/>
+                <a:ea typeface="JetBrains Mono"/>
+              </a:rPr>
+              <a:t>.</a:t>
+            </a:r>
+            <a:r>
+              <a:rPr kumimoji="0" lang="en-US" altLang="en-US" sz="1100" b="0" i="0" u="none" strike="noStrike" cap="none" normalizeH="0" baseline="0" dirty="0" smtClean="0">
+                <a:ln>
+                  <a:noFill/>
+                </a:ln>
+                <a:solidFill>
+                  <a:srgbClr val="50FA78"/>
+                </a:solidFill>
+                <a:effectLst/>
+                <a:latin typeface="Arial Unicode MS"/>
+                <a:ea typeface="JetBrains Mono"/>
+              </a:rPr>
+              <a:t>name</a:t>
+            </a:r>
+            <a:r>
+              <a:rPr kumimoji="0" lang="en-US" altLang="en-US" sz="1100" b="0" i="0" u="none" strike="noStrike" cap="none" normalizeH="0" baseline="0" dirty="0" smtClean="0">
+                <a:ln>
+                  <a:noFill/>
+                </a:ln>
+                <a:solidFill>
+                  <a:srgbClr val="F8F8F2"/>
+                </a:solidFill>
+                <a:effectLst/>
+                <a:latin typeface="Arial Unicode MS"/>
+                <a:ea typeface="JetBrains Mono"/>
+              </a:rPr>
+              <a:t>()) </a:t>
+            </a:r>
+            <a:r>
+              <a:rPr kumimoji="0" lang="en-US" altLang="en-US" sz="1100" b="0" i="0" u="none" strike="noStrike" cap="none" normalizeH="0" baseline="0" dirty="0" smtClean="0">
+                <a:ln>
+                  <a:noFill/>
+                </a:ln>
+                <a:solidFill>
+                  <a:srgbClr val="F780BF"/>
+                </a:solidFill>
+                <a:effectLst/>
+                <a:latin typeface="Arial Unicode MS"/>
+                <a:ea typeface="JetBrains Mono"/>
+              </a:rPr>
+              <a:t>? </a:t>
+            </a:r>
+            <a:r>
+              <a:rPr kumimoji="0" lang="en-US" altLang="en-US" sz="1100" b="0" i="0" u="none" strike="noStrike" cap="none" normalizeH="0" baseline="0" dirty="0" smtClean="0">
+                <a:ln>
+                  <a:noFill/>
+                </a:ln>
+                <a:solidFill>
+                  <a:srgbClr val="78DCE8"/>
+                </a:solidFill>
+                <a:effectLst/>
+                <a:latin typeface="Arial Unicode MS"/>
+                <a:ea typeface="JetBrains Mono"/>
+              </a:rPr>
+              <a:t>Sort</a:t>
+            </a:r>
+            <a:r>
+              <a:rPr kumimoji="0" lang="en-US" altLang="en-US" sz="1100" b="0" i="0" u="none" strike="noStrike" cap="none" normalizeH="0" baseline="0" dirty="0" smtClean="0">
+                <a:ln>
+                  <a:noFill/>
+                </a:ln>
+                <a:solidFill>
+                  <a:srgbClr val="F8F8F2"/>
+                </a:solidFill>
+                <a:effectLst/>
+                <a:latin typeface="Arial Unicode MS"/>
+                <a:ea typeface="JetBrains Mono"/>
+              </a:rPr>
+              <a:t>.</a:t>
+            </a:r>
+            <a:r>
+              <a:rPr kumimoji="0" lang="en-US" altLang="en-US" sz="1100" b="0" i="1" u="none" strike="noStrike" cap="none" normalizeH="0" baseline="0" dirty="0" smtClean="0">
+                <a:ln>
+                  <a:noFill/>
+                </a:ln>
+                <a:solidFill>
+                  <a:srgbClr val="50FA78"/>
+                </a:solidFill>
+                <a:effectLst/>
+                <a:latin typeface="Arial Unicode MS"/>
+                <a:ea typeface="JetBrains Mono"/>
+              </a:rPr>
+              <a:t>by</a:t>
+            </a:r>
+            <a:r>
+              <a:rPr kumimoji="0" lang="en-US" altLang="en-US" sz="1100" b="0" i="0" u="none" strike="noStrike" cap="none" normalizeH="0" baseline="0" dirty="0" smtClean="0">
+                <a:ln>
+                  <a:noFill/>
+                </a:ln>
+                <a:solidFill>
+                  <a:srgbClr val="F8F8F2"/>
+                </a:solidFill>
+                <a:effectLst/>
+                <a:latin typeface="Arial Unicode MS"/>
+                <a:ea typeface="JetBrains Mono"/>
+              </a:rPr>
+              <a:t>(</a:t>
+            </a:r>
+            <a:r>
+              <a:rPr kumimoji="0" lang="en-US" altLang="en-US" sz="1100" b="0" i="1" u="none" strike="noStrike" cap="none" normalizeH="0" baseline="0" dirty="0" smtClean="0">
+                <a:ln>
+                  <a:noFill/>
+                </a:ln>
+                <a:solidFill>
+                  <a:srgbClr val="F89580"/>
+                </a:solidFill>
+                <a:effectLst/>
+                <a:latin typeface="Arial Unicode MS"/>
+                <a:ea typeface="JetBrains Mono"/>
+              </a:rPr>
+              <a:t>sortBy</a:t>
+            </a:r>
+            <a:r>
+              <a:rPr kumimoji="0" lang="en-US" altLang="en-US" sz="1100" b="0" i="0" u="none" strike="noStrike" cap="none" normalizeH="0" baseline="0" dirty="0" smtClean="0">
+                <a:ln>
+                  <a:noFill/>
+                </a:ln>
+                <a:solidFill>
+                  <a:srgbClr val="F8F8F2"/>
+                </a:solidFill>
+                <a:effectLst/>
+                <a:latin typeface="Arial Unicode MS"/>
+                <a:ea typeface="JetBrains Mono"/>
+              </a:rPr>
+              <a:t>).</a:t>
+            </a:r>
+            <a:r>
+              <a:rPr kumimoji="0" lang="en-US" altLang="en-US" sz="1100" b="0" i="0" u="none" strike="noStrike" cap="none" normalizeH="0" baseline="0" dirty="0" smtClean="0">
+                <a:ln>
+                  <a:noFill/>
+                </a:ln>
+                <a:solidFill>
+                  <a:srgbClr val="50FA78"/>
+                </a:solidFill>
+                <a:effectLst/>
+                <a:latin typeface="Arial Unicode MS"/>
+                <a:ea typeface="JetBrains Mono"/>
+              </a:rPr>
+              <a:t>ascending</a:t>
+            </a:r>
+            <a:r>
+              <a:rPr kumimoji="0" lang="en-US" altLang="en-US" sz="1100" b="0" i="0" u="none" strike="noStrike" cap="none" normalizeH="0" baseline="0" dirty="0" smtClean="0">
+                <a:ln>
+                  <a:noFill/>
+                </a:ln>
+                <a:solidFill>
+                  <a:srgbClr val="F8F8F2"/>
+                </a:solidFill>
+                <a:effectLst/>
+                <a:latin typeface="Arial Unicode MS"/>
+                <a:ea typeface="JetBrains Mono"/>
+              </a:rPr>
+              <a:t>() </a:t>
+            </a:r>
+            <a:r>
+              <a:rPr kumimoji="0" lang="en-US" altLang="en-US" sz="1100" b="0" i="0" u="none" strike="noStrike" cap="none" normalizeH="0" baseline="0" dirty="0" smtClean="0">
+                <a:ln>
+                  <a:noFill/>
+                </a:ln>
+                <a:solidFill>
+                  <a:srgbClr val="F780BF"/>
+                </a:solidFill>
+                <a:effectLst/>
+                <a:latin typeface="Arial Unicode MS"/>
+                <a:ea typeface="JetBrains Mono"/>
+              </a:rPr>
+              <a:t>: </a:t>
+            </a:r>
+            <a:r>
+              <a:rPr kumimoji="0" lang="en-US" altLang="en-US" sz="1100" b="0" i="0" u="none" strike="noStrike" cap="none" normalizeH="0" baseline="0" dirty="0" smtClean="0">
+                <a:ln>
+                  <a:noFill/>
+                </a:ln>
+                <a:solidFill>
+                  <a:srgbClr val="78DCE8"/>
+                </a:solidFill>
+                <a:effectLst/>
+                <a:latin typeface="Arial Unicode MS"/>
+                <a:ea typeface="JetBrains Mono"/>
+              </a:rPr>
+              <a:t>Sort</a:t>
+            </a:r>
+            <a:r>
+              <a:rPr kumimoji="0" lang="en-US" altLang="en-US" sz="1100" b="0" i="0" u="none" strike="noStrike" cap="none" normalizeH="0" baseline="0" dirty="0" smtClean="0">
+                <a:ln>
+                  <a:noFill/>
+                </a:ln>
+                <a:solidFill>
+                  <a:srgbClr val="F8F8F2"/>
+                </a:solidFill>
+                <a:effectLst/>
+                <a:latin typeface="Arial Unicode MS"/>
+                <a:ea typeface="JetBrains Mono"/>
+              </a:rPr>
+              <a:t>.</a:t>
+            </a:r>
+            <a:r>
+              <a:rPr kumimoji="0" lang="en-US" altLang="en-US" sz="1100" b="0" i="1" u="none" strike="noStrike" cap="none" normalizeH="0" baseline="0" dirty="0" smtClean="0">
+                <a:ln>
+                  <a:noFill/>
+                </a:ln>
+                <a:solidFill>
+                  <a:srgbClr val="50FA78"/>
+                </a:solidFill>
+                <a:effectLst/>
+                <a:latin typeface="Arial Unicode MS"/>
+                <a:ea typeface="JetBrains Mono"/>
+              </a:rPr>
+              <a:t>by</a:t>
+            </a:r>
+            <a:r>
+              <a:rPr kumimoji="0" lang="en-US" altLang="en-US" sz="1100" b="0" i="0" u="none" strike="noStrike" cap="none" normalizeH="0" baseline="0" dirty="0" smtClean="0">
+                <a:ln>
+                  <a:noFill/>
+                </a:ln>
+                <a:solidFill>
+                  <a:srgbClr val="F8F8F2"/>
+                </a:solidFill>
+                <a:effectLst/>
+                <a:latin typeface="Arial Unicode MS"/>
+                <a:ea typeface="JetBrains Mono"/>
+              </a:rPr>
+              <a:t>(</a:t>
+            </a:r>
+            <a:r>
+              <a:rPr kumimoji="0" lang="en-US" altLang="en-US" sz="1100" b="0" i="1" u="none" strike="noStrike" cap="none" normalizeH="0" baseline="0" dirty="0" smtClean="0">
+                <a:ln>
+                  <a:noFill/>
+                </a:ln>
+                <a:solidFill>
+                  <a:srgbClr val="F89580"/>
+                </a:solidFill>
+                <a:effectLst/>
+                <a:latin typeface="Arial Unicode MS"/>
+                <a:ea typeface="JetBrains Mono"/>
+              </a:rPr>
+              <a:t>sortBy</a:t>
+            </a:r>
+            <a:r>
+              <a:rPr kumimoji="0" lang="en-US" altLang="en-US" sz="1100" b="0" i="0" u="none" strike="noStrike" cap="none" normalizeH="0" baseline="0" dirty="0" smtClean="0">
+                <a:ln>
+                  <a:noFill/>
+                </a:ln>
+                <a:solidFill>
+                  <a:srgbClr val="F8F8F2"/>
+                </a:solidFill>
+                <a:effectLst/>
+                <a:latin typeface="Arial Unicode MS"/>
+                <a:ea typeface="JetBrains Mono"/>
+              </a:rPr>
+              <a:t>).</a:t>
+            </a:r>
+            <a:r>
+              <a:rPr kumimoji="0" lang="en-US" altLang="en-US" sz="1100" b="0" i="0" u="none" strike="noStrike" cap="none" normalizeH="0" baseline="0" dirty="0" smtClean="0">
+                <a:ln>
+                  <a:noFill/>
+                </a:ln>
+                <a:solidFill>
+                  <a:srgbClr val="50FA78"/>
+                </a:solidFill>
+                <a:effectLst/>
+                <a:latin typeface="Arial Unicode MS"/>
+                <a:ea typeface="JetBrains Mono"/>
+              </a:rPr>
+              <a:t>descending</a:t>
+            </a:r>
+            <a:r>
+              <a:rPr kumimoji="0" lang="en-US" altLang="en-US" sz="1100" b="0" i="0" u="none" strike="noStrike" cap="none" normalizeH="0" baseline="0" dirty="0" smtClean="0">
+                <a:ln>
+                  <a:noFill/>
+                </a:ln>
+                <a:solidFill>
+                  <a:srgbClr val="F8F8F2"/>
+                </a:solidFill>
+                <a:effectLst/>
+                <a:latin typeface="Arial Unicode MS"/>
+                <a:ea typeface="JetBrains Mono"/>
+              </a:rPr>
+              <a:t>();</a:t>
+            </a:r>
+            <a:br>
+              <a:rPr kumimoji="0" lang="en-US" altLang="en-US" sz="1100" b="0" i="0" u="none" strike="noStrike" cap="none" normalizeH="0" baseline="0" dirty="0" smtClean="0">
+                <a:ln>
+                  <a:noFill/>
+                </a:ln>
+                <a:solidFill>
+                  <a:srgbClr val="F8F8F2"/>
+                </a:solidFill>
+                <a:effectLst/>
+                <a:latin typeface="Arial Unicode MS"/>
+                <a:ea typeface="JetBrains Mono"/>
+              </a:rPr>
+            </a:br>
+            <a:r>
+              <a:rPr kumimoji="0" lang="en-US" altLang="en-US" sz="1100" b="0" i="0" u="none" strike="noStrike" cap="none" normalizeH="0" baseline="0" dirty="0" smtClean="0">
+                <a:ln>
+                  <a:noFill/>
+                </a:ln>
+                <a:solidFill>
+                  <a:srgbClr val="F8F8F2"/>
+                </a:solidFill>
+                <a:effectLst/>
+                <a:latin typeface="Arial Unicode MS"/>
+                <a:ea typeface="JetBrains Mono"/>
+              </a:rPr>
+              <a:t>    </a:t>
+            </a:r>
+            <a:r>
+              <a:rPr kumimoji="0" lang="en-US" altLang="en-US" sz="1100" b="0" i="0" u="none" strike="noStrike" cap="none" normalizeH="0" baseline="0" dirty="0" smtClean="0">
+                <a:ln>
+                  <a:noFill/>
+                </a:ln>
+                <a:solidFill>
+                  <a:srgbClr val="F780BF"/>
+                </a:solidFill>
+                <a:effectLst/>
+                <a:latin typeface="Arial Unicode MS"/>
+                <a:ea typeface="JetBrains Mono"/>
+              </a:rPr>
+              <a:t>return </a:t>
+            </a:r>
+            <a:r>
+              <a:rPr kumimoji="0" lang="en-US" altLang="en-US" sz="1100" b="0" i="0" u="none" strike="noStrike" cap="none" normalizeH="0" baseline="0" dirty="0" smtClean="0">
+                <a:ln>
+                  <a:noFill/>
+                </a:ln>
+                <a:solidFill>
+                  <a:srgbClr val="F8F8F2"/>
+                </a:solidFill>
+                <a:effectLst/>
+                <a:latin typeface="Arial Unicode MS"/>
+                <a:ea typeface="JetBrains Mono"/>
+              </a:rPr>
+              <a:t>userService.</a:t>
+            </a:r>
+            <a:r>
+              <a:rPr kumimoji="0" lang="en-US" altLang="en-US" sz="1100" b="0" i="0" u="none" strike="noStrike" cap="none" normalizeH="0" baseline="0" dirty="0" smtClean="0">
+                <a:ln>
+                  <a:noFill/>
+                </a:ln>
+                <a:solidFill>
+                  <a:srgbClr val="50FA78"/>
+                </a:solidFill>
+                <a:effectLst/>
+                <a:latin typeface="Arial Unicode MS"/>
+                <a:ea typeface="JetBrains Mono"/>
+              </a:rPr>
+              <a:t>findAll</a:t>
+            </a:r>
+            <a:r>
+              <a:rPr kumimoji="0" lang="en-US" altLang="en-US" sz="1100" b="0" i="0" u="none" strike="noStrike" cap="none" normalizeH="0" baseline="0" dirty="0" smtClean="0">
+                <a:ln>
+                  <a:noFill/>
+                </a:ln>
+                <a:solidFill>
+                  <a:srgbClr val="F8F8F2"/>
+                </a:solidFill>
+                <a:effectLst/>
+                <a:latin typeface="Arial Unicode MS"/>
+                <a:ea typeface="JetBrains Mono"/>
+              </a:rPr>
+              <a:t>(</a:t>
+            </a:r>
+            <a:r>
+              <a:rPr lang="en-US" altLang="en-US" sz="1100" dirty="0">
+                <a:solidFill>
+                  <a:srgbClr val="78DCE8"/>
+                </a:solidFill>
+                <a:latin typeface="Arial Unicode MS"/>
+                <a:ea typeface="JetBrains Mono"/>
+              </a:rPr>
+              <a:t>PageRequest</a:t>
+            </a:r>
+            <a:r>
+              <a:rPr lang="en-US" altLang="en-US" sz="1100" dirty="0">
+                <a:solidFill>
+                  <a:srgbClr val="F8F8F2"/>
+                </a:solidFill>
+                <a:latin typeface="Arial Unicode MS"/>
+                <a:ea typeface="JetBrains Mono"/>
+              </a:rPr>
+              <a:t>.</a:t>
+            </a:r>
+            <a:r>
+              <a:rPr lang="en-US" altLang="en-US" sz="1100" i="1" dirty="0">
+                <a:solidFill>
+                  <a:srgbClr val="50FA78"/>
+                </a:solidFill>
+                <a:latin typeface="Arial Unicode MS"/>
+                <a:ea typeface="JetBrains Mono"/>
+              </a:rPr>
+              <a:t>of</a:t>
+            </a:r>
+            <a:r>
+              <a:rPr lang="en-US" altLang="en-US" sz="1100" dirty="0">
+                <a:solidFill>
+                  <a:srgbClr val="F8F8F2"/>
+                </a:solidFill>
+                <a:latin typeface="Arial Unicode MS"/>
+                <a:ea typeface="JetBrains Mono"/>
+              </a:rPr>
+              <a:t>(</a:t>
+            </a:r>
+            <a:r>
+              <a:rPr lang="en-US" altLang="en-US" sz="1100" i="1" dirty="0">
+                <a:solidFill>
+                  <a:srgbClr val="F89580"/>
+                </a:solidFill>
+                <a:latin typeface="Arial Unicode MS"/>
+                <a:ea typeface="JetBrains Mono"/>
+              </a:rPr>
+              <a:t>page</a:t>
+            </a:r>
+            <a:r>
+              <a:rPr lang="en-US" altLang="en-US" sz="1100" dirty="0">
+                <a:solidFill>
+                  <a:srgbClr val="F8F8F2"/>
+                </a:solidFill>
+                <a:latin typeface="Arial Unicode MS"/>
+                <a:ea typeface="JetBrains Mono"/>
+              </a:rPr>
+              <a:t>, </a:t>
+            </a:r>
+            <a:r>
+              <a:rPr lang="en-US" altLang="en-US" sz="1100" i="1" dirty="0">
+                <a:solidFill>
+                  <a:srgbClr val="F89580"/>
+                </a:solidFill>
+                <a:latin typeface="Arial Unicode MS"/>
+                <a:ea typeface="JetBrains Mono"/>
+              </a:rPr>
+              <a:t>size</a:t>
+            </a:r>
+            <a:r>
+              <a:rPr lang="en-US" altLang="en-US" sz="1100" dirty="0">
+                <a:solidFill>
+                  <a:srgbClr val="F8F8F2"/>
+                </a:solidFill>
+                <a:latin typeface="Arial Unicode MS"/>
+                <a:ea typeface="JetBrains Mono"/>
+              </a:rPr>
+              <a:t>, sort)</a:t>
+            </a:r>
+            <a:r>
+              <a:rPr kumimoji="0" lang="en-US" altLang="en-US" sz="1100" b="0" i="0" u="none" strike="noStrike" cap="none" normalizeH="0" baseline="0" dirty="0" smtClean="0">
+                <a:ln>
+                  <a:noFill/>
+                </a:ln>
+                <a:solidFill>
+                  <a:srgbClr val="F8F8F2"/>
+                </a:solidFill>
+                <a:effectLst/>
+                <a:latin typeface="Arial Unicode MS"/>
+                <a:ea typeface="JetBrains Mono"/>
+              </a:rPr>
+              <a:t>);</a:t>
+            </a:r>
+            <a:br>
+              <a:rPr kumimoji="0" lang="en-US" altLang="en-US" sz="1100" b="0" i="0" u="none" strike="noStrike" cap="none" normalizeH="0" baseline="0" dirty="0" smtClean="0">
+                <a:ln>
+                  <a:noFill/>
+                </a:ln>
+                <a:solidFill>
+                  <a:srgbClr val="F8F8F2"/>
+                </a:solidFill>
+                <a:effectLst/>
+                <a:latin typeface="Arial Unicode MS"/>
+                <a:ea typeface="JetBrains Mono"/>
+              </a:rPr>
+            </a:br>
+            <a:r>
+              <a:rPr kumimoji="0" lang="en-US" altLang="en-US" sz="1100" b="0" i="0" u="none" strike="noStrike" cap="none" normalizeH="0" baseline="0" dirty="0" smtClean="0">
+                <a:ln>
+                  <a:noFill/>
+                </a:ln>
+                <a:solidFill>
+                  <a:srgbClr val="F8F8F2"/>
+                </a:solidFill>
+                <a:effectLst/>
+                <a:latin typeface="Arial Unicode MS"/>
+                <a:ea typeface="JetBrains Mono"/>
+              </a:rPr>
+              <a:t>}</a:t>
+            </a:r>
+            <a:endParaRPr kumimoji="0" lang="en-US" altLang="en-US" sz="2800" b="0" i="0" u="none" strike="noStrike" cap="none" normalizeH="0" baseline="0" dirty="0" smtClean="0">
+              <a:ln>
+                <a:noFill/>
+              </a:ln>
+              <a:solidFill>
+                <a:schemeClr val="tx1"/>
+              </a:solidFill>
+              <a:effectLst/>
+              <a:latin typeface="Arial" panose="020B0604020202020204" pitchFamily="34" charset="0"/>
+            </a:endParaRPr>
+          </a:p>
+        </p:txBody>
+      </p:sp>
+    </p:spTree>
+    <p:extLst>
+      <p:ext uri="{BB962C8B-B14F-4D97-AF65-F5344CB8AC3E}">
+        <p14:creationId xmlns:p14="http://schemas.microsoft.com/office/powerpoint/2010/main" val="1147623171"/>
+      </p:ext>
+    </p:extLst>
+  </p:cSld>
+  <p:clrMapOvr>
+    <a:masterClrMapping/>
+  </p:clrMapOvr>
+</p:sld>
+</file>
+
+<file path=ppt/slides/slide23.xml><?xml version="1.0" encoding="utf-8"?>
+<p:sld xmlns:a="http://schemas.openxmlformats.org/drawingml/2006/main" xmlns:r="http://schemas.openxmlformats.org/officeDocument/2006/relationships" xmlns:p="http://schemas.openxmlformats.org/presentationml/2006/main">
+  <p:cSld>
+    <p:spTree>
+      <p:nvGrpSpPr>
+        <p:cNvPr id="1" name=""/>
+        <p:cNvGrpSpPr/>
+        <p:nvPr/>
+      </p:nvGrpSpPr>
+      <p:grpSpPr>
+        <a:xfrm>
+          <a:off x="0" y="0"/>
+          <a:ext cx="0" cy="0"/>
+          <a:chOff x="0" y="0"/>
+          <a:chExt cx="0" cy="0"/>
+        </a:xfrm>
+      </p:grpSpPr>
+      <p:sp>
+        <p:nvSpPr>
+          <p:cNvPr id="2" name="Title 1"/>
+          <p:cNvSpPr>
+            <a:spLocks noGrp="1"/>
+          </p:cNvSpPr>
+          <p:nvPr>
+            <p:ph type="title"/>
+          </p:nvPr>
+        </p:nvSpPr>
+        <p:spPr/>
+        <p:txBody>
+          <a:bodyPr/>
+          <a:lstStyle/>
+          <a:p>
+            <a:r>
+              <a:rPr lang="en-US" dirty="0">
+                <a:latin typeface="Arial" panose="020B0604020202020204" pitchFamily="34" charset="0"/>
+                <a:cs typeface="Arial" panose="020B0604020202020204" pitchFamily="34" charset="0"/>
+              </a:rPr>
+              <a:t>Relationships</a:t>
+            </a:r>
+            <a:endParaRPr lang="en-US" dirty="0">
+              <a:latin typeface="Arial" panose="020B0604020202020204" pitchFamily="34" charset="0"/>
+              <a:cs typeface="Arial" panose="020B0604020202020204" pitchFamily="34" charset="0"/>
+            </a:endParaRPr>
+          </a:p>
+        </p:txBody>
+      </p:sp>
+      <p:sp>
+        <p:nvSpPr>
+          <p:cNvPr id="3" name="Content Placeholder 2"/>
+          <p:cNvSpPr>
+            <a:spLocks noGrp="1"/>
+          </p:cNvSpPr>
+          <p:nvPr>
+            <p:ph idx="1"/>
+          </p:nvPr>
+        </p:nvSpPr>
+        <p:spPr/>
+        <p:txBody>
+          <a:bodyPr/>
+          <a:lstStyle/>
+          <a:p>
+            <a:endParaRPr lang="en-US" dirty="0">
+              <a:latin typeface="Arial" panose="020B0604020202020204" pitchFamily="34" charset="0"/>
+              <a:cs typeface="Arial" panose="020B0604020202020204" pitchFamily="34" charset="0"/>
+            </a:endParaRPr>
+          </a:p>
+          <a:p>
+            <a:endParaRPr lang="en-US" dirty="0">
+              <a:latin typeface="Arial" panose="020B0604020202020204" pitchFamily="34" charset="0"/>
+              <a:cs typeface="Arial" panose="020B0604020202020204" pitchFamily="34" charset="0"/>
+            </a:endParaRPr>
+          </a:p>
+        </p:txBody>
+      </p:sp>
+    </p:spTree>
+    <p:extLst>
+      <p:ext uri="{BB962C8B-B14F-4D97-AF65-F5344CB8AC3E}">
+        <p14:creationId xmlns:p14="http://schemas.microsoft.com/office/powerpoint/2010/main" val="2947365246"/>
+      </p:ext>
+    </p:extLst>
+  </p:cSld>
+  <p:clrMapOvr>
+    <a:masterClrMapping/>
+  </p:clrMapOvr>
+</p:sld>
+</file>
+
+<file path=ppt/slides/slide3.xml><?xml version="1.0" encoding="utf-8"?>
+<p:sld xmlns:a="http://schemas.openxmlformats.org/drawingml/2006/main" xmlns:r="http://schemas.openxmlformats.org/officeDocument/2006/relationships" xmlns:p="http://schemas.openxmlformats.org/presentationml/2006/main">
+  <p:cSld>
+    <p:spTree>
+      <p:nvGrpSpPr>
+        <p:cNvPr id="1" name=""/>
+        <p:cNvGrpSpPr/>
+        <p:nvPr/>
+      </p:nvGrpSpPr>
+      <p:grpSpPr>
+        <a:xfrm>
+          <a:off x="0" y="0"/>
+          <a:ext cx="0" cy="0"/>
+          <a:chOff x="0" y="0"/>
+          <a:chExt cx="0" cy="0"/>
+        </a:xfrm>
+      </p:grpSpPr>
+      <p:sp>
+        <p:nvSpPr>
+          <p:cNvPr id="2" name="Title 1"/>
+          <p:cNvSpPr>
+            <a:spLocks noGrp="1"/>
+          </p:cNvSpPr>
+          <p:nvPr>
+            <p:ph type="title"/>
+          </p:nvPr>
+        </p:nvSpPr>
+        <p:spPr/>
+        <p:txBody>
+          <a:bodyPr/>
+          <a:lstStyle/>
+          <a:p>
+            <a:r>
+              <a:rPr lang="en-US" dirty="0" smtClean="0">
+                <a:latin typeface="Arial" panose="020B0604020202020204" pitchFamily="34" charset="0"/>
+                <a:cs typeface="Arial" panose="020B0604020202020204" pitchFamily="34" charset="0"/>
+              </a:rPr>
+              <a:t>Introduction</a:t>
+            </a:r>
+            <a:endParaRPr lang="en-US" dirty="0">
+              <a:latin typeface="Arial" panose="020B0604020202020204" pitchFamily="34" charset="0"/>
+              <a:cs typeface="Arial" panose="020B0604020202020204" pitchFamily="34" charset="0"/>
+            </a:endParaRPr>
+          </a:p>
+        </p:txBody>
+      </p:sp>
+      <p:sp>
+        <p:nvSpPr>
+          <p:cNvPr id="3" name="Content Placeholder 2"/>
+          <p:cNvSpPr>
+            <a:spLocks noGrp="1"/>
+          </p:cNvSpPr>
+          <p:nvPr>
+            <p:ph idx="1"/>
+          </p:nvPr>
+        </p:nvSpPr>
+        <p:spPr/>
+        <p:txBody>
+          <a:bodyPr/>
+          <a:lstStyle/>
+          <a:p>
+            <a:r>
+              <a:rPr lang="vi-VN" dirty="0">
+                <a:solidFill>
+                  <a:srgbClr val="FFC000"/>
+                </a:solidFill>
+                <a:cs typeface="Arial" panose="020B0604020202020204" pitchFamily="34" charset="0"/>
+              </a:rPr>
+              <a:t>Đơn giản và nhẹ:</a:t>
+            </a:r>
+            <a:r>
+              <a:rPr lang="vi-VN" dirty="0">
+                <a:cs typeface="Arial" panose="020B0604020202020204" pitchFamily="34" charset="0"/>
+              </a:rPr>
+              <a:t> Spring Data JDBC không phức tạp như JPA, nó cung cấp một cách tiếp cận đơn giản và trực tiếp để làm việc với cơ sở dữ </a:t>
+            </a:r>
+            <a:r>
+              <a:rPr lang="vi-VN" dirty="0" smtClean="0">
+                <a:cs typeface="Arial" panose="020B0604020202020204" pitchFamily="34" charset="0"/>
+              </a:rPr>
+              <a:t>liệu</a:t>
+            </a:r>
+            <a:r>
+              <a:rPr lang="en-US" dirty="0" smtClean="0">
+                <a:cs typeface="Arial" panose="020B0604020202020204" pitchFamily="34" charset="0"/>
+              </a:rPr>
+              <a:t>.</a:t>
+            </a:r>
+          </a:p>
+          <a:p>
+            <a:r>
+              <a:rPr lang="vi-VN" dirty="0">
+                <a:solidFill>
+                  <a:srgbClr val="FFC000"/>
+                </a:solidFill>
+                <a:cs typeface="Arial" panose="020B0604020202020204" pitchFamily="34" charset="0"/>
+              </a:rPr>
+              <a:t>Tự động hóa các tác vụ CRUD:</a:t>
+            </a:r>
+            <a:r>
+              <a:rPr lang="vi-VN" dirty="0">
+                <a:cs typeface="Arial" panose="020B0604020202020204" pitchFamily="34" charset="0"/>
+              </a:rPr>
+              <a:t> Spring Data JDBC giúp tự động hóa các tác vụ CRUD (Create, Read, Update, Delete) thông qua các repository interface. Điều này giúp giảm bớt lượng mã nguồn cần viết để thực hiện các tác vụ cơ bản này</a:t>
+            </a:r>
+            <a:r>
+              <a:rPr lang="vi-VN" dirty="0" smtClean="0">
+                <a:cs typeface="Arial" panose="020B0604020202020204" pitchFamily="34" charset="0"/>
+              </a:rPr>
+              <a:t>.</a:t>
+            </a:r>
+            <a:endParaRPr lang="en-US" dirty="0" smtClean="0">
+              <a:cs typeface="Arial" panose="020B0604020202020204" pitchFamily="34" charset="0"/>
+            </a:endParaRPr>
+          </a:p>
+          <a:p>
+            <a:r>
+              <a:rPr lang="vi-VN" dirty="0">
+                <a:solidFill>
+                  <a:srgbClr val="FFC000"/>
+                </a:solidFill>
+                <a:cs typeface="Arial" panose="020B0604020202020204" pitchFamily="34" charset="0"/>
+              </a:rPr>
+              <a:t>Mapping đơn giản: </a:t>
+            </a:r>
+            <a:r>
+              <a:rPr lang="vi-VN" dirty="0">
+                <a:cs typeface="Arial" panose="020B0604020202020204" pitchFamily="34" charset="0"/>
+              </a:rPr>
+              <a:t>Các entity trong Spring Data JDBC được ánh xạ trực tiếp đến các bảng trong cơ sở dữ </a:t>
+            </a:r>
+            <a:r>
+              <a:rPr lang="vi-VN" dirty="0" smtClean="0">
+                <a:cs typeface="Arial" panose="020B0604020202020204" pitchFamily="34" charset="0"/>
+              </a:rPr>
+              <a:t>liệu.</a:t>
+            </a:r>
+            <a:endParaRPr lang="en-US" dirty="0">
+              <a:latin typeface="Arial" panose="020B0604020202020204" pitchFamily="34" charset="0"/>
+              <a:cs typeface="Arial" panose="020B0604020202020204" pitchFamily="34" charset="0"/>
+            </a:endParaRPr>
+          </a:p>
+        </p:txBody>
+      </p:sp>
+    </p:spTree>
+    <p:extLst>
+      <p:ext uri="{BB962C8B-B14F-4D97-AF65-F5344CB8AC3E}">
+        <p14:creationId xmlns:p14="http://schemas.microsoft.com/office/powerpoint/2010/main" val="2563605378"/>
+      </p:ext>
+    </p:extLst>
+  </p:cSld>
+  <p:clrMapOvr>
+    <a:masterClrMapping/>
+  </p:clrMapOvr>
+</p:sld>
+</file>
+
+<file path=ppt/slides/slide4.xml><?xml version="1.0" encoding="utf-8"?>
 <p:sld xmlns:a="http://schemas.openxmlformats.org/drawingml/2006/main" xmlns:r="http://schemas.openxmlformats.org/officeDocument/2006/relationships" xmlns:p="http://schemas.openxmlformats.org/presentationml/2006/main">
   <p:cSld>
     <p:spTree>
@@ -6032,7 +12504,7 @@
     </p:spTree>
     <p:extLst>
       <p:ext uri="{BB962C8B-B14F-4D97-AF65-F5344CB8AC3E}">
-        <p14:creationId xmlns:p14="http://schemas.microsoft.com/office/powerpoint/2010/main" val="1148070846"/>
+        <p14:creationId xmlns:p14="http://schemas.microsoft.com/office/powerpoint/2010/main" val="622539829"/>
       </p:ext>
     </p:extLst>
   </p:cSld>
@@ -6042,7 +12514,7 @@
 </p:sld>
 </file>
 
-<file path=ppt/slides/slide3.xml><?xml version="1.0" encoding="utf-8"?>
+<file path=ppt/slides/slide5.xml><?xml version="1.0" encoding="utf-8"?>
 <p:sld xmlns:a="http://schemas.openxmlformats.org/drawingml/2006/main" xmlns:r="http://schemas.openxmlformats.org/officeDocument/2006/relationships" xmlns:p="http://schemas.openxmlformats.org/presentationml/2006/main">
   <p:cSld>
     <p:spTree>
@@ -6079,6 +12551,178 @@
                 <a:latin typeface="Arial" panose="020B0604020202020204" pitchFamily="34" charset="0"/>
                 <a:cs typeface="Arial" panose="020B0604020202020204" pitchFamily="34" charset="0"/>
               </a:rPr>
+              <a:t>Data</a:t>
+            </a:r>
+            <a:endParaRPr lang="en-US" dirty="0">
+              <a:latin typeface="Arial" panose="020B0604020202020204" pitchFamily="34" charset="0"/>
+              <a:cs typeface="Arial" panose="020B0604020202020204" pitchFamily="34" charset="0"/>
+            </a:endParaRPr>
+          </a:p>
+        </p:txBody>
+      </p:sp>
+      <p:sp>
+        <p:nvSpPr>
+          <p:cNvPr id="3" name="Content Placeholder 2"/>
+          <p:cNvSpPr>
+            <a:spLocks noGrp="1"/>
+          </p:cNvSpPr>
+          <p:nvPr>
+            <p:ph idx="1"/>
+          </p:nvPr>
+        </p:nvSpPr>
+        <p:spPr/>
+        <p:txBody>
+          <a:bodyPr/>
+          <a:lstStyle/>
+          <a:p>
+            <a:r>
+              <a:rPr lang="en-US" dirty="0" smtClean="0">
+                <a:latin typeface="Arial" panose="020B0604020202020204" pitchFamily="34" charset="0"/>
+                <a:cs typeface="Arial" panose="020B0604020202020204" pitchFamily="34" charset="0"/>
+              </a:rPr>
+              <a:t>Sample data với table User</a:t>
+            </a:r>
+          </a:p>
+          <a:p>
+            <a:endParaRPr lang="en-US" dirty="0">
+              <a:latin typeface="Arial" panose="020B0604020202020204" pitchFamily="34" charset="0"/>
+              <a:cs typeface="Arial" panose="020B0604020202020204" pitchFamily="34" charset="0"/>
+            </a:endParaRPr>
+          </a:p>
+        </p:txBody>
+      </p:sp>
+      <p:pic>
+        <p:nvPicPr>
+          <p:cNvPr id="4" name="Picture 3"/>
+          <p:cNvPicPr>
+            <a:picLocks noChangeAspect="1"/>
+          </p:cNvPicPr>
+          <p:nvPr/>
+        </p:nvPicPr>
+        <p:blipFill>
+          <a:blip r:embed="rId2"/>
+          <a:stretch>
+            <a:fillRect/>
+          </a:stretch>
+        </p:blipFill>
+        <p:spPr>
+          <a:xfrm>
+            <a:off x="677334" y="2630487"/>
+            <a:ext cx="3552825" cy="1914525"/>
+          </a:xfrm>
+          <a:prstGeom prst="rect">
+            <a:avLst/>
+          </a:prstGeom>
+        </p:spPr>
+      </p:pic>
+      <p:sp>
+        <p:nvSpPr>
+          <p:cNvPr id="5" name="Rectangle 4"/>
+          <p:cNvSpPr/>
+          <p:nvPr/>
+        </p:nvSpPr>
+        <p:spPr>
+          <a:xfrm>
+            <a:off x="677334" y="4602887"/>
+            <a:ext cx="4548716" cy="1384995"/>
+          </a:xfrm>
+          <a:prstGeom prst="rect">
+            <a:avLst/>
+          </a:prstGeom>
+        </p:spPr>
+        <p:txBody>
+          <a:bodyPr wrap="square">
+            <a:spAutoFit/>
+          </a:bodyPr>
+          <a:lstStyle/>
+          <a:p>
+            <a:r>
+              <a:rPr lang="en-US" sz="1400" dirty="0"/>
+              <a:t>INSERT INTO `user` (`id`, `name`, `email`) VALUES</a:t>
+            </a:r>
+          </a:p>
+          <a:p>
+            <a:r>
+              <a:rPr lang="en-US" sz="1400" dirty="0"/>
+              <a:t>	(1, 'Hào', 'hao@abc.com'),</a:t>
+            </a:r>
+          </a:p>
+          <a:p>
+            <a:r>
+              <a:rPr lang="en-US" sz="1400" dirty="0"/>
+              <a:t>	(2, 'Lan', 'lan@abc.com'),</a:t>
+            </a:r>
+          </a:p>
+          <a:p>
+            <a:r>
+              <a:rPr lang="en-US" sz="1400" dirty="0"/>
+              <a:t>	(3, 'Điệp', 'diep@abc.com'),</a:t>
+            </a:r>
+          </a:p>
+          <a:p>
+            <a:r>
+              <a:rPr lang="en-US" sz="1400" dirty="0"/>
+              <a:t>	(4, 'Hào', 'hao@abc.com'),</a:t>
+            </a:r>
+          </a:p>
+          <a:p>
+            <a:r>
+              <a:rPr lang="en-US" sz="1400" dirty="0"/>
+              <a:t>	(5, 'Linh', 'linh@abc.com');</a:t>
+            </a:r>
+          </a:p>
+        </p:txBody>
+      </p:sp>
+    </p:spTree>
+    <p:extLst>
+      <p:ext uri="{BB962C8B-B14F-4D97-AF65-F5344CB8AC3E}">
+        <p14:creationId xmlns:p14="http://schemas.microsoft.com/office/powerpoint/2010/main" val="1543493511"/>
+      </p:ext>
+    </p:extLst>
+  </p:cSld>
+  <p:clrMapOvr>
+    <a:masterClrMapping/>
+  </p:clrMapOvr>
+</p:sld>
+</file>
+
+<file path=ppt/slides/slide6.xml><?xml version="1.0" encoding="utf-8"?>
+<p:sld xmlns:a="http://schemas.openxmlformats.org/drawingml/2006/main" xmlns:r="http://schemas.openxmlformats.org/officeDocument/2006/relationships" xmlns:p="http://schemas.openxmlformats.org/presentationml/2006/main">
+  <p:cSld>
+    <p:spTree>
+      <p:nvGrpSpPr>
+        <p:cNvPr id="1" name=""/>
+        <p:cNvGrpSpPr/>
+        <p:nvPr/>
+      </p:nvGrpSpPr>
+      <p:grpSpPr>
+        <a:xfrm>
+          <a:off x="0" y="0"/>
+          <a:ext cx="0" cy="0"/>
+          <a:chOff x="0" y="0"/>
+          <a:chExt cx="0" cy="0"/>
+        </a:xfrm>
+      </p:grpSpPr>
+      <p:sp>
+        <p:nvSpPr>
+          <p:cNvPr id="2" name="Title 1"/>
+          <p:cNvSpPr>
+            <a:spLocks noGrp="1"/>
+          </p:cNvSpPr>
+          <p:nvPr>
+            <p:ph type="title"/>
+          </p:nvPr>
+        </p:nvSpPr>
+        <p:spPr/>
+        <p:txBody>
+          <a:bodyPr/>
+          <a:lstStyle/>
+          <a:p>
+            <a:r>
+              <a:rPr lang="en-US" dirty="0" smtClean="0">
+                <a:latin typeface="Arial" panose="020B0604020202020204" pitchFamily="34" charset="0"/>
+                <a:cs typeface="Arial" panose="020B0604020202020204" pitchFamily="34" charset="0"/>
+              </a:rPr>
               <a:t>Start project</a:t>
             </a:r>
             <a:endParaRPr lang="en-US" dirty="0">
@@ -6177,7 +12821,7 @@
 </p:sld>
 </file>
 
-<file path=ppt/slides/slide4.xml><?xml version="1.0" encoding="utf-8"?>
+<file path=ppt/slides/slide7.xml><?xml version="1.0" encoding="utf-8"?>
 <p:sld xmlns:a="http://schemas.openxmlformats.org/drawingml/2006/main" xmlns:r="http://schemas.openxmlformats.org/officeDocument/2006/relationships" xmlns:p="http://schemas.openxmlformats.org/presentationml/2006/main">
   <p:cSld>
     <p:spTree>
@@ -6282,6 +12926,1408 @@
     <p:extLst>
       <p:ext uri="{BB962C8B-B14F-4D97-AF65-F5344CB8AC3E}">
         <p14:creationId xmlns:p14="http://schemas.microsoft.com/office/powerpoint/2010/main" val="1865240252"/>
+      </p:ext>
+    </p:extLst>
+  </p:cSld>
+  <p:clrMapOvr>
+    <a:masterClrMapping/>
+  </p:clrMapOvr>
+</p:sld>
+</file>
+
+<file path=ppt/slides/slide8.xml><?xml version="1.0" encoding="utf-8"?>
+<p:sld xmlns:a="http://schemas.openxmlformats.org/drawingml/2006/main" xmlns:r="http://schemas.openxmlformats.org/officeDocument/2006/relationships" xmlns:p="http://schemas.openxmlformats.org/presentationml/2006/main">
+  <p:cSld>
+    <p:spTree>
+      <p:nvGrpSpPr>
+        <p:cNvPr id="1" name=""/>
+        <p:cNvGrpSpPr/>
+        <p:nvPr/>
+      </p:nvGrpSpPr>
+      <p:grpSpPr>
+        <a:xfrm>
+          <a:off x="0" y="0"/>
+          <a:ext cx="0" cy="0"/>
+          <a:chOff x="0" y="0"/>
+          <a:chExt cx="0" cy="0"/>
+        </a:xfrm>
+      </p:grpSpPr>
+      <p:sp>
+        <p:nvSpPr>
+          <p:cNvPr id="2" name="Title 1"/>
+          <p:cNvSpPr>
+            <a:spLocks noGrp="1"/>
+          </p:cNvSpPr>
+          <p:nvPr>
+            <p:ph type="title"/>
+          </p:nvPr>
+        </p:nvSpPr>
+        <p:spPr/>
+        <p:txBody>
+          <a:bodyPr/>
+          <a:lstStyle/>
+          <a:p>
+            <a:r>
+              <a:rPr lang="en-US" dirty="0">
+                <a:latin typeface="Arial" panose="020B0604020202020204" pitchFamily="34" charset="0"/>
+                <a:cs typeface="Arial" panose="020B0604020202020204" pitchFamily="34" charset="0"/>
+              </a:rPr>
+              <a:t>Start project</a:t>
+            </a:r>
+          </a:p>
+        </p:txBody>
+      </p:sp>
+      <p:sp>
+        <p:nvSpPr>
+          <p:cNvPr id="3" name="Content Placeholder 2"/>
+          <p:cNvSpPr>
+            <a:spLocks noGrp="1"/>
+          </p:cNvSpPr>
+          <p:nvPr>
+            <p:ph idx="1"/>
+          </p:nvPr>
+        </p:nvSpPr>
+        <p:spPr/>
+        <p:txBody>
+          <a:bodyPr/>
+          <a:lstStyle/>
+          <a:p>
+            <a:r>
+              <a:rPr lang="en-US" dirty="0" smtClean="0">
+                <a:latin typeface="Arial" panose="020B0604020202020204" pitchFamily="34" charset="0"/>
+                <a:cs typeface="Arial" panose="020B0604020202020204" pitchFamily="34" charset="0"/>
+              </a:rPr>
+              <a:t>Để mapping với table trong DB ta cần tạo entity</a:t>
+            </a:r>
+          </a:p>
+          <a:p>
+            <a:endParaRPr lang="en-US" dirty="0">
+              <a:latin typeface="Arial" panose="020B0604020202020204" pitchFamily="34" charset="0"/>
+              <a:cs typeface="Arial" panose="020B0604020202020204" pitchFamily="34" charset="0"/>
+            </a:endParaRPr>
+          </a:p>
+          <a:p>
+            <a:endParaRPr lang="en-US" dirty="0" smtClean="0">
+              <a:latin typeface="Arial" panose="020B0604020202020204" pitchFamily="34" charset="0"/>
+              <a:cs typeface="Arial" panose="020B0604020202020204" pitchFamily="34" charset="0"/>
+            </a:endParaRPr>
+          </a:p>
+          <a:p>
+            <a:endParaRPr lang="en-US" dirty="0">
+              <a:latin typeface="Arial" panose="020B0604020202020204" pitchFamily="34" charset="0"/>
+              <a:cs typeface="Arial" panose="020B0604020202020204" pitchFamily="34" charset="0"/>
+            </a:endParaRPr>
+          </a:p>
+          <a:p>
+            <a:endParaRPr lang="en-US" dirty="0" smtClean="0">
+              <a:latin typeface="Arial" panose="020B0604020202020204" pitchFamily="34" charset="0"/>
+              <a:cs typeface="Arial" panose="020B0604020202020204" pitchFamily="34" charset="0"/>
+            </a:endParaRPr>
+          </a:p>
+          <a:p>
+            <a:endParaRPr lang="en-US" dirty="0">
+              <a:latin typeface="Arial" panose="020B0604020202020204" pitchFamily="34" charset="0"/>
+              <a:cs typeface="Arial" panose="020B0604020202020204" pitchFamily="34" charset="0"/>
+            </a:endParaRPr>
+          </a:p>
+          <a:p>
+            <a:endParaRPr lang="en-US" dirty="0" smtClean="0">
+              <a:latin typeface="Arial" panose="020B0604020202020204" pitchFamily="34" charset="0"/>
+              <a:cs typeface="Arial" panose="020B0604020202020204" pitchFamily="34" charset="0"/>
+            </a:endParaRPr>
+          </a:p>
+          <a:p>
+            <a:endParaRPr lang="en-US" dirty="0">
+              <a:latin typeface="Arial" panose="020B0604020202020204" pitchFamily="34" charset="0"/>
+              <a:cs typeface="Arial" panose="020B0604020202020204" pitchFamily="34" charset="0"/>
+            </a:endParaRPr>
+          </a:p>
+          <a:p>
+            <a:r>
+              <a:rPr lang="en-US" dirty="0" smtClean="0">
+                <a:latin typeface="Arial" panose="020B0604020202020204" pitchFamily="34" charset="0"/>
+                <a:cs typeface="Arial" panose="020B0604020202020204" pitchFamily="34" charset="0"/>
+              </a:rPr>
+              <a:t>Chú ý: Trong spring data jdbc cần phải có </a:t>
+            </a:r>
+            <a:r>
+              <a:rPr lang="en-US" dirty="0" smtClean="0">
+                <a:solidFill>
+                  <a:srgbClr val="FFC000"/>
+                </a:solidFill>
+                <a:latin typeface="Arial" panose="020B0604020202020204" pitchFamily="34" charset="0"/>
+                <a:cs typeface="Arial" panose="020B0604020202020204" pitchFamily="34" charset="0"/>
+              </a:rPr>
+              <a:t>@Id </a:t>
+            </a:r>
+            <a:r>
+              <a:rPr lang="en-US" dirty="0" smtClean="0">
+                <a:latin typeface="Arial" panose="020B0604020202020204" pitchFamily="34" charset="0"/>
+                <a:cs typeface="Arial" panose="020B0604020202020204" pitchFamily="34" charset="0"/>
+              </a:rPr>
+              <a:t>cho </a:t>
+            </a:r>
+            <a:r>
+              <a:rPr lang="en-US" dirty="0">
+                <a:latin typeface="Arial" panose="020B0604020202020204" pitchFamily="34" charset="0"/>
+                <a:cs typeface="Arial" panose="020B0604020202020204" pitchFamily="34" charset="0"/>
+              </a:rPr>
+              <a:t>các entity vì Spring Data JDBC sử dụng </a:t>
+            </a:r>
+            <a:r>
+              <a:rPr lang="en-US" dirty="0" smtClean="0">
+                <a:latin typeface="Arial" panose="020B0604020202020204" pitchFamily="34" charset="0"/>
+                <a:cs typeface="Arial" panose="020B0604020202020204" pitchFamily="34" charset="0"/>
+              </a:rPr>
+              <a:t>annotation </a:t>
+            </a:r>
+            <a:r>
+              <a:rPr lang="en-US" dirty="0" smtClean="0">
+                <a:solidFill>
+                  <a:srgbClr val="FFC000"/>
+                </a:solidFill>
+                <a:latin typeface="Arial" panose="020B0604020202020204" pitchFamily="34" charset="0"/>
+                <a:cs typeface="Arial" panose="020B0604020202020204" pitchFamily="34" charset="0"/>
+              </a:rPr>
+              <a:t>@Id </a:t>
+            </a:r>
+            <a:r>
+              <a:rPr lang="en-US" dirty="0">
+                <a:latin typeface="Arial" panose="020B0604020202020204" pitchFamily="34" charset="0"/>
+                <a:cs typeface="Arial" panose="020B0604020202020204" pitchFamily="34" charset="0"/>
+              </a:rPr>
+              <a:t>để xác định </a:t>
+            </a:r>
+            <a:r>
+              <a:rPr lang="en-US" dirty="0" smtClean="0">
+                <a:latin typeface="Arial" panose="020B0604020202020204" pitchFamily="34" charset="0"/>
+                <a:cs typeface="Arial" panose="020B0604020202020204" pitchFamily="34" charset="0"/>
+              </a:rPr>
+              <a:t>entity.</a:t>
+            </a:r>
+          </a:p>
+          <a:p>
+            <a:endParaRPr lang="en-US" dirty="0">
+              <a:latin typeface="Arial" panose="020B0604020202020204" pitchFamily="34" charset="0"/>
+              <a:cs typeface="Arial" panose="020B0604020202020204" pitchFamily="34" charset="0"/>
+            </a:endParaRPr>
+          </a:p>
+        </p:txBody>
+      </p:sp>
+      <p:sp>
+        <p:nvSpPr>
+          <p:cNvPr id="4" name="Rectangle 1"/>
+          <p:cNvSpPr>
+            <a:spLocks noChangeArrowheads="1"/>
+          </p:cNvSpPr>
+          <p:nvPr/>
+        </p:nvSpPr>
+        <p:spPr bwMode="auto">
+          <a:xfrm>
+            <a:off x="677334" y="2469759"/>
+            <a:ext cx="5304366" cy="1785104"/>
+          </a:xfrm>
+          <a:prstGeom prst="rect">
+            <a:avLst/>
+          </a:prstGeom>
+          <a:solidFill>
+            <a:srgbClr val="282A36"/>
+          </a:solidFill>
+          <a:ln>
+            <a:noFill/>
+          </a:ln>
+          <a:effectLst/>
+          <a:extLst>
+            <a:ext uri="{91240B29-F687-4F45-9708-019B960494DF}">
+              <a14:hiddenLine xmlns:a14="http://schemas.microsoft.com/office/drawing/2010/main" w="9525">
+                <a:solidFill>
+                  <a:schemeClr val="tx1"/>
+                </a:solidFill>
+                <a:miter lim="800000"/>
+                <a:headEnd/>
+                <a:tailEnd/>
+              </a14:hiddenLine>
+            </a:ext>
+            <a:ext uri="{AF507438-7753-43E0-B8FC-AC1667EBCBE1}">
+              <a14:hiddenEffects xmlns:a14="http://schemas.microsoft.com/office/drawing/2010/main">
+                <a:effectLst>
+                  <a:outerShdw dist="35921" dir="2700000" algn="ctr" rotWithShape="0">
+                    <a:schemeClr val="bg2"/>
+                  </a:outerShdw>
+                </a:effectLst>
+              </a14:hiddenEffects>
+            </a:ext>
+          </a:extLst>
+        </p:spPr>
+        <p:txBody>
+          <a:bodyPr vert="horz" wrap="square" lIns="91440" tIns="45720" rIns="91440" bIns="45720" numCol="1" anchor="ctr" anchorCtr="0" compatLnSpc="1">
+            <a:prstTxWarp prst="textNoShape">
+              <a:avLst/>
+            </a:prstTxWarp>
+            <a:spAutoFit/>
+          </a:bodyPr>
+          <a:lstStyle/>
+          <a:p>
+            <a:pPr marL="0" marR="0" lvl="0" indent="0" algn="l" defTabSz="914400" rtl="0" eaLnBrk="0" fontAlgn="base" latinLnBrk="0" hangingPunct="0">
+              <a:lnSpc>
+                <a:spcPct val="100000"/>
+              </a:lnSpc>
+              <a:spcBef>
+                <a:spcPct val="0"/>
+              </a:spcBef>
+              <a:spcAft>
+                <a:spcPct val="0"/>
+              </a:spcAft>
+              <a:buClrTx/>
+              <a:buSzTx/>
+              <a:buFontTx/>
+              <a:buNone/>
+              <a:tabLst/>
+            </a:pPr>
+            <a:r>
+              <a:rPr kumimoji="0" lang="en-US" altLang="en-US" sz="1100" b="0" i="0" u="none" strike="noStrike" cap="none" normalizeH="0" baseline="0" smtClean="0">
+                <a:ln>
+                  <a:noFill/>
+                </a:ln>
+                <a:solidFill>
+                  <a:srgbClr val="50FA78"/>
+                </a:solidFill>
+                <a:effectLst/>
+                <a:latin typeface="Arial Unicode MS"/>
+                <a:ea typeface="JetBrains Mono"/>
+              </a:rPr>
+              <a:t>@Getter</a:t>
+            </a:r>
+            <a:br>
+              <a:rPr kumimoji="0" lang="en-US" altLang="en-US" sz="1100" b="0" i="0" u="none" strike="noStrike" cap="none" normalizeH="0" baseline="0" smtClean="0">
+                <a:ln>
+                  <a:noFill/>
+                </a:ln>
+                <a:solidFill>
+                  <a:srgbClr val="50FA78"/>
+                </a:solidFill>
+                <a:effectLst/>
+                <a:latin typeface="Arial Unicode MS"/>
+                <a:ea typeface="JetBrains Mono"/>
+              </a:rPr>
+            </a:br>
+            <a:r>
+              <a:rPr kumimoji="0" lang="en-US" altLang="en-US" sz="1100" b="0" i="0" u="none" strike="noStrike" cap="none" normalizeH="0" baseline="0" smtClean="0">
+                <a:ln>
+                  <a:noFill/>
+                </a:ln>
+                <a:solidFill>
+                  <a:srgbClr val="50FA78"/>
+                </a:solidFill>
+                <a:effectLst/>
+                <a:latin typeface="Arial Unicode MS"/>
+                <a:ea typeface="JetBrains Mono"/>
+              </a:rPr>
+              <a:t>@Setter</a:t>
+            </a:r>
+            <a:br>
+              <a:rPr kumimoji="0" lang="en-US" altLang="en-US" sz="1100" b="0" i="0" u="none" strike="noStrike" cap="none" normalizeH="0" baseline="0" smtClean="0">
+                <a:ln>
+                  <a:noFill/>
+                </a:ln>
+                <a:solidFill>
+                  <a:srgbClr val="50FA78"/>
+                </a:solidFill>
+                <a:effectLst/>
+                <a:latin typeface="Arial Unicode MS"/>
+                <a:ea typeface="JetBrains Mono"/>
+              </a:rPr>
+            </a:br>
+            <a:r>
+              <a:rPr kumimoji="0" lang="en-US" altLang="en-US" sz="1100" b="0" i="0" u="none" strike="noStrike" cap="none" normalizeH="0" baseline="0" smtClean="0">
+                <a:ln>
+                  <a:noFill/>
+                </a:ln>
+                <a:solidFill>
+                  <a:srgbClr val="50FA78"/>
+                </a:solidFill>
+                <a:effectLst/>
+                <a:latin typeface="Arial Unicode MS"/>
+                <a:ea typeface="JetBrains Mono"/>
+              </a:rPr>
+              <a:t>@NoArgsConstructor</a:t>
+            </a:r>
+            <a:br>
+              <a:rPr kumimoji="0" lang="en-US" altLang="en-US" sz="1100" b="0" i="0" u="none" strike="noStrike" cap="none" normalizeH="0" baseline="0" smtClean="0">
+                <a:ln>
+                  <a:noFill/>
+                </a:ln>
+                <a:solidFill>
+                  <a:srgbClr val="50FA78"/>
+                </a:solidFill>
+                <a:effectLst/>
+                <a:latin typeface="Arial Unicode MS"/>
+                <a:ea typeface="JetBrains Mono"/>
+              </a:rPr>
+            </a:br>
+            <a:r>
+              <a:rPr kumimoji="0" lang="en-US" altLang="en-US" sz="1100" b="0" i="0" u="none" strike="noStrike" cap="none" normalizeH="0" baseline="0" smtClean="0">
+                <a:ln>
+                  <a:noFill/>
+                </a:ln>
+                <a:solidFill>
+                  <a:srgbClr val="50FA78"/>
+                </a:solidFill>
+                <a:effectLst/>
+                <a:latin typeface="Arial Unicode MS"/>
+                <a:ea typeface="JetBrains Mono"/>
+              </a:rPr>
+              <a:t>@AllArgsConstructor</a:t>
+            </a:r>
+            <a:br>
+              <a:rPr kumimoji="0" lang="en-US" altLang="en-US" sz="1100" b="0" i="0" u="none" strike="noStrike" cap="none" normalizeH="0" baseline="0" smtClean="0">
+                <a:ln>
+                  <a:noFill/>
+                </a:ln>
+                <a:solidFill>
+                  <a:srgbClr val="50FA78"/>
+                </a:solidFill>
+                <a:effectLst/>
+                <a:latin typeface="Arial Unicode MS"/>
+                <a:ea typeface="JetBrains Mono"/>
+              </a:rPr>
+            </a:br>
+            <a:r>
+              <a:rPr kumimoji="0" lang="en-US" altLang="en-US" sz="1100" b="0" i="0" u="none" strike="noStrike" cap="none" normalizeH="0" baseline="0" smtClean="0">
+                <a:ln>
+                  <a:noFill/>
+                </a:ln>
+                <a:solidFill>
+                  <a:srgbClr val="F780BF"/>
+                </a:solidFill>
+                <a:effectLst/>
+                <a:latin typeface="Arial Unicode MS"/>
+                <a:ea typeface="JetBrains Mono"/>
+              </a:rPr>
+              <a:t>public class </a:t>
+            </a:r>
+            <a:r>
+              <a:rPr kumimoji="0" lang="en-US" altLang="en-US" sz="1100" b="0" i="0" u="none" strike="noStrike" cap="none" normalizeH="0" baseline="0" smtClean="0">
+                <a:ln>
+                  <a:noFill/>
+                </a:ln>
+                <a:solidFill>
+                  <a:srgbClr val="78DCE8"/>
+                </a:solidFill>
+                <a:effectLst/>
+                <a:latin typeface="Arial Unicode MS"/>
+                <a:ea typeface="JetBrains Mono"/>
+              </a:rPr>
+              <a:t>User </a:t>
+            </a:r>
+            <a:r>
+              <a:rPr kumimoji="0" lang="en-US" altLang="en-US" sz="1100" b="0" i="0" u="none" strike="noStrike" cap="none" normalizeH="0" baseline="0" smtClean="0">
+                <a:ln>
+                  <a:noFill/>
+                </a:ln>
+                <a:solidFill>
+                  <a:srgbClr val="F8F8F2"/>
+                </a:solidFill>
+                <a:effectLst/>
+                <a:latin typeface="Arial Unicode MS"/>
+                <a:ea typeface="JetBrains Mono"/>
+              </a:rPr>
+              <a:t>{</a:t>
+            </a:r>
+            <a:br>
+              <a:rPr kumimoji="0" lang="en-US" altLang="en-US" sz="1100" b="0" i="0" u="none" strike="noStrike" cap="none" normalizeH="0" baseline="0" smtClean="0">
+                <a:ln>
+                  <a:noFill/>
+                </a:ln>
+                <a:solidFill>
+                  <a:srgbClr val="F8F8F2"/>
+                </a:solidFill>
+                <a:effectLst/>
+                <a:latin typeface="Arial Unicode MS"/>
+                <a:ea typeface="JetBrains Mono"/>
+              </a:rPr>
+            </a:br>
+            <a:r>
+              <a:rPr kumimoji="0" lang="en-US" altLang="en-US" sz="1100" b="0" i="0" u="none" strike="noStrike" cap="none" normalizeH="0" baseline="0" smtClean="0">
+                <a:ln>
+                  <a:noFill/>
+                </a:ln>
+                <a:solidFill>
+                  <a:srgbClr val="F8F8F2"/>
+                </a:solidFill>
+                <a:effectLst/>
+                <a:latin typeface="Arial Unicode MS"/>
+                <a:ea typeface="JetBrains Mono"/>
+              </a:rPr>
+              <a:t>    </a:t>
+            </a:r>
+            <a:r>
+              <a:rPr kumimoji="0" lang="en-US" altLang="en-US" sz="1100" b="0" i="0" u="none" strike="noStrike" cap="none" normalizeH="0" baseline="0" smtClean="0">
+                <a:ln>
+                  <a:noFill/>
+                </a:ln>
+                <a:solidFill>
+                  <a:srgbClr val="50FA78"/>
+                </a:solidFill>
+                <a:effectLst/>
+                <a:latin typeface="Arial Unicode MS"/>
+                <a:ea typeface="JetBrains Mono"/>
+              </a:rPr>
+              <a:t>@Id</a:t>
+            </a:r>
+            <a:br>
+              <a:rPr kumimoji="0" lang="en-US" altLang="en-US" sz="1100" b="0" i="0" u="none" strike="noStrike" cap="none" normalizeH="0" baseline="0" smtClean="0">
+                <a:ln>
+                  <a:noFill/>
+                </a:ln>
+                <a:solidFill>
+                  <a:srgbClr val="50FA78"/>
+                </a:solidFill>
+                <a:effectLst/>
+                <a:latin typeface="Arial Unicode MS"/>
+                <a:ea typeface="JetBrains Mono"/>
+              </a:rPr>
+            </a:br>
+            <a:r>
+              <a:rPr kumimoji="0" lang="en-US" altLang="en-US" sz="1100" b="0" i="0" u="none" strike="noStrike" cap="none" normalizeH="0" baseline="0" smtClean="0">
+                <a:ln>
+                  <a:noFill/>
+                </a:ln>
+                <a:solidFill>
+                  <a:srgbClr val="50FA78"/>
+                </a:solidFill>
+                <a:effectLst/>
+                <a:latin typeface="Arial Unicode MS"/>
+                <a:ea typeface="JetBrains Mono"/>
+              </a:rPr>
+              <a:t>    </a:t>
+            </a:r>
+            <a:r>
+              <a:rPr kumimoji="0" lang="en-US" altLang="en-US" sz="1100" b="0" i="0" u="none" strike="noStrike" cap="none" normalizeH="0" baseline="0" smtClean="0">
+                <a:ln>
+                  <a:noFill/>
+                </a:ln>
+                <a:solidFill>
+                  <a:srgbClr val="F780BF"/>
+                </a:solidFill>
+                <a:effectLst/>
+                <a:latin typeface="Arial Unicode MS"/>
+                <a:ea typeface="JetBrains Mono"/>
+              </a:rPr>
+              <a:t>private </a:t>
+            </a:r>
+            <a:r>
+              <a:rPr kumimoji="0" lang="en-US" altLang="en-US" sz="1100" b="0" i="0" u="none" strike="noStrike" cap="none" normalizeH="0" baseline="0" smtClean="0">
+                <a:ln>
+                  <a:noFill/>
+                </a:ln>
+                <a:solidFill>
+                  <a:srgbClr val="78DCE8"/>
+                </a:solidFill>
+                <a:effectLst/>
+                <a:latin typeface="Arial Unicode MS"/>
+                <a:ea typeface="JetBrains Mono"/>
+              </a:rPr>
+              <a:t>Integer </a:t>
+            </a:r>
+            <a:r>
+              <a:rPr kumimoji="0" lang="en-US" altLang="en-US" sz="1100" b="0" i="0" u="none" strike="noStrike" cap="none" normalizeH="0" baseline="0" smtClean="0">
+                <a:ln>
+                  <a:noFill/>
+                </a:ln>
+                <a:solidFill>
+                  <a:srgbClr val="F8F8F2"/>
+                </a:solidFill>
+                <a:effectLst/>
+                <a:latin typeface="Arial Unicode MS"/>
+                <a:ea typeface="JetBrains Mono"/>
+              </a:rPr>
+              <a:t>id;</a:t>
+            </a:r>
+            <a:br>
+              <a:rPr kumimoji="0" lang="en-US" altLang="en-US" sz="1100" b="0" i="0" u="none" strike="noStrike" cap="none" normalizeH="0" baseline="0" smtClean="0">
+                <a:ln>
+                  <a:noFill/>
+                </a:ln>
+                <a:solidFill>
+                  <a:srgbClr val="F8F8F2"/>
+                </a:solidFill>
+                <a:effectLst/>
+                <a:latin typeface="Arial Unicode MS"/>
+                <a:ea typeface="JetBrains Mono"/>
+              </a:rPr>
+            </a:br>
+            <a:r>
+              <a:rPr kumimoji="0" lang="en-US" altLang="en-US" sz="1100" b="0" i="0" u="none" strike="noStrike" cap="none" normalizeH="0" baseline="0" smtClean="0">
+                <a:ln>
+                  <a:noFill/>
+                </a:ln>
+                <a:solidFill>
+                  <a:srgbClr val="F8F8F2"/>
+                </a:solidFill>
+                <a:effectLst/>
+                <a:latin typeface="Arial Unicode MS"/>
+                <a:ea typeface="JetBrains Mono"/>
+              </a:rPr>
+              <a:t>    </a:t>
+            </a:r>
+            <a:r>
+              <a:rPr kumimoji="0" lang="en-US" altLang="en-US" sz="1100" b="0" i="0" u="none" strike="noStrike" cap="none" normalizeH="0" baseline="0" smtClean="0">
+                <a:ln>
+                  <a:noFill/>
+                </a:ln>
+                <a:solidFill>
+                  <a:srgbClr val="F780BF"/>
+                </a:solidFill>
+                <a:effectLst/>
+                <a:latin typeface="Arial Unicode MS"/>
+                <a:ea typeface="JetBrains Mono"/>
+              </a:rPr>
+              <a:t>private </a:t>
+            </a:r>
+            <a:r>
+              <a:rPr kumimoji="0" lang="en-US" altLang="en-US" sz="1100" b="0" i="0" u="none" strike="noStrike" cap="none" normalizeH="0" baseline="0" smtClean="0">
+                <a:ln>
+                  <a:noFill/>
+                </a:ln>
+                <a:solidFill>
+                  <a:srgbClr val="78DCE8"/>
+                </a:solidFill>
+                <a:effectLst/>
+                <a:latin typeface="Arial Unicode MS"/>
+                <a:ea typeface="JetBrains Mono"/>
+              </a:rPr>
+              <a:t>String </a:t>
+            </a:r>
+            <a:r>
+              <a:rPr kumimoji="0" lang="en-US" altLang="en-US" sz="1100" b="0" i="0" u="none" strike="noStrike" cap="none" normalizeH="0" baseline="0" smtClean="0">
+                <a:ln>
+                  <a:noFill/>
+                </a:ln>
+                <a:solidFill>
+                  <a:srgbClr val="F8F8F2"/>
+                </a:solidFill>
+                <a:effectLst/>
+                <a:latin typeface="Arial Unicode MS"/>
+                <a:ea typeface="JetBrains Mono"/>
+              </a:rPr>
+              <a:t>name;</a:t>
+            </a:r>
+            <a:br>
+              <a:rPr kumimoji="0" lang="en-US" altLang="en-US" sz="1100" b="0" i="0" u="none" strike="noStrike" cap="none" normalizeH="0" baseline="0" smtClean="0">
+                <a:ln>
+                  <a:noFill/>
+                </a:ln>
+                <a:solidFill>
+                  <a:srgbClr val="F8F8F2"/>
+                </a:solidFill>
+                <a:effectLst/>
+                <a:latin typeface="Arial Unicode MS"/>
+                <a:ea typeface="JetBrains Mono"/>
+              </a:rPr>
+            </a:br>
+            <a:r>
+              <a:rPr kumimoji="0" lang="en-US" altLang="en-US" sz="1100" b="0" i="0" u="none" strike="noStrike" cap="none" normalizeH="0" baseline="0" smtClean="0">
+                <a:ln>
+                  <a:noFill/>
+                </a:ln>
+                <a:solidFill>
+                  <a:srgbClr val="F8F8F2"/>
+                </a:solidFill>
+                <a:effectLst/>
+                <a:latin typeface="Arial Unicode MS"/>
+                <a:ea typeface="JetBrains Mono"/>
+              </a:rPr>
+              <a:t>    </a:t>
+            </a:r>
+            <a:r>
+              <a:rPr kumimoji="0" lang="en-US" altLang="en-US" sz="1100" b="0" i="0" u="none" strike="noStrike" cap="none" normalizeH="0" baseline="0" smtClean="0">
+                <a:ln>
+                  <a:noFill/>
+                </a:ln>
+                <a:solidFill>
+                  <a:srgbClr val="F780BF"/>
+                </a:solidFill>
+                <a:effectLst/>
+                <a:latin typeface="Arial Unicode MS"/>
+                <a:ea typeface="JetBrains Mono"/>
+              </a:rPr>
+              <a:t>private </a:t>
+            </a:r>
+            <a:r>
+              <a:rPr kumimoji="0" lang="en-US" altLang="en-US" sz="1100" b="0" i="0" u="none" strike="noStrike" cap="none" normalizeH="0" baseline="0" smtClean="0">
+                <a:ln>
+                  <a:noFill/>
+                </a:ln>
+                <a:solidFill>
+                  <a:srgbClr val="78DCE8"/>
+                </a:solidFill>
+                <a:effectLst/>
+                <a:latin typeface="Arial Unicode MS"/>
+                <a:ea typeface="JetBrains Mono"/>
+              </a:rPr>
+              <a:t>String </a:t>
+            </a:r>
+            <a:r>
+              <a:rPr kumimoji="0" lang="en-US" altLang="en-US" sz="1100" b="0" i="0" u="none" strike="noStrike" cap="none" normalizeH="0" baseline="0" smtClean="0">
+                <a:ln>
+                  <a:noFill/>
+                </a:ln>
+                <a:solidFill>
+                  <a:srgbClr val="F8F8F2"/>
+                </a:solidFill>
+                <a:effectLst/>
+                <a:latin typeface="Arial Unicode MS"/>
+                <a:ea typeface="JetBrains Mono"/>
+              </a:rPr>
+              <a:t>email;</a:t>
+            </a:r>
+            <a:br>
+              <a:rPr kumimoji="0" lang="en-US" altLang="en-US" sz="1100" b="0" i="0" u="none" strike="noStrike" cap="none" normalizeH="0" baseline="0" smtClean="0">
+                <a:ln>
+                  <a:noFill/>
+                </a:ln>
+                <a:solidFill>
+                  <a:srgbClr val="F8F8F2"/>
+                </a:solidFill>
+                <a:effectLst/>
+                <a:latin typeface="Arial Unicode MS"/>
+                <a:ea typeface="JetBrains Mono"/>
+              </a:rPr>
+            </a:br>
+            <a:r>
+              <a:rPr kumimoji="0" lang="en-US" altLang="en-US" sz="1100" b="0" i="0" u="none" strike="noStrike" cap="none" normalizeH="0" baseline="0" smtClean="0">
+                <a:ln>
+                  <a:noFill/>
+                </a:ln>
+                <a:solidFill>
+                  <a:srgbClr val="F8F8F2"/>
+                </a:solidFill>
+                <a:effectLst/>
+                <a:latin typeface="Arial Unicode MS"/>
+                <a:ea typeface="JetBrains Mono"/>
+              </a:rPr>
+              <a:t>}</a:t>
+            </a:r>
+            <a:endParaRPr kumimoji="0" lang="en-US" altLang="en-US" sz="2800" b="0" i="0" u="none" strike="noStrike" cap="none" normalizeH="0" baseline="0" smtClean="0">
+              <a:ln>
+                <a:noFill/>
+              </a:ln>
+              <a:solidFill>
+                <a:schemeClr val="tx1"/>
+              </a:solidFill>
+              <a:effectLst/>
+              <a:latin typeface="Arial" panose="020B0604020202020204" pitchFamily="34" charset="0"/>
+            </a:endParaRPr>
+          </a:p>
+        </p:txBody>
+      </p:sp>
+    </p:spTree>
+    <p:extLst>
+      <p:ext uri="{BB962C8B-B14F-4D97-AF65-F5344CB8AC3E}">
+        <p14:creationId xmlns:p14="http://schemas.microsoft.com/office/powerpoint/2010/main" val="1439603314"/>
+      </p:ext>
+    </p:extLst>
+  </p:cSld>
+  <p:clrMapOvr>
+    <a:masterClrMapping/>
+  </p:clrMapOvr>
+</p:sld>
+</file>
+
+<file path=ppt/slides/slide9.xml><?xml version="1.0" encoding="utf-8"?>
+<p:sld xmlns:a="http://schemas.openxmlformats.org/drawingml/2006/main" xmlns:r="http://schemas.openxmlformats.org/officeDocument/2006/relationships" xmlns:p="http://schemas.openxmlformats.org/presentationml/2006/main">
+  <p:cSld>
+    <p:spTree>
+      <p:nvGrpSpPr>
+        <p:cNvPr id="1" name=""/>
+        <p:cNvGrpSpPr/>
+        <p:nvPr/>
+      </p:nvGrpSpPr>
+      <p:grpSpPr>
+        <a:xfrm>
+          <a:off x="0" y="0"/>
+          <a:ext cx="0" cy="0"/>
+          <a:chOff x="0" y="0"/>
+          <a:chExt cx="0" cy="0"/>
+        </a:xfrm>
+      </p:grpSpPr>
+      <p:sp>
+        <p:nvSpPr>
+          <p:cNvPr id="2" name="Title 1"/>
+          <p:cNvSpPr>
+            <a:spLocks noGrp="1"/>
+          </p:cNvSpPr>
+          <p:nvPr>
+            <p:ph type="title"/>
+          </p:nvPr>
+        </p:nvSpPr>
+        <p:spPr/>
+        <p:txBody>
+          <a:bodyPr/>
+          <a:lstStyle/>
+          <a:p>
+            <a:r>
+              <a:rPr lang="en-US" dirty="0">
+                <a:latin typeface="Arial" panose="020B0604020202020204" pitchFamily="34" charset="0"/>
+                <a:cs typeface="Arial" panose="020B0604020202020204" pitchFamily="34" charset="0"/>
+              </a:rPr>
+              <a:t>Start project</a:t>
+            </a:r>
+          </a:p>
+        </p:txBody>
+      </p:sp>
+      <p:sp>
+        <p:nvSpPr>
+          <p:cNvPr id="3" name="Content Placeholder 2"/>
+          <p:cNvSpPr>
+            <a:spLocks noGrp="1"/>
+          </p:cNvSpPr>
+          <p:nvPr>
+            <p:ph idx="1"/>
+          </p:nvPr>
+        </p:nvSpPr>
+        <p:spPr/>
+        <p:txBody>
+          <a:bodyPr/>
+          <a:lstStyle/>
+          <a:p>
+            <a:r>
+              <a:rPr lang="en-US" dirty="0" smtClean="0">
+                <a:latin typeface="Arial" panose="020B0604020202020204" pitchFamily="34" charset="0"/>
+                <a:cs typeface="Arial" panose="020B0604020202020204" pitchFamily="34" charset="0"/>
+              </a:rPr>
+              <a:t>Tiếp theo là tạo repository để thao tác với cơ sở dữ liệu:</a:t>
+            </a:r>
+          </a:p>
+          <a:p>
+            <a:endParaRPr lang="en-US" dirty="0">
+              <a:latin typeface="Arial" panose="020B0604020202020204" pitchFamily="34" charset="0"/>
+              <a:cs typeface="Arial" panose="020B0604020202020204" pitchFamily="34" charset="0"/>
+            </a:endParaRPr>
+          </a:p>
+          <a:p>
+            <a:endParaRPr lang="en-US" dirty="0" smtClean="0">
+              <a:latin typeface="Arial" panose="020B0604020202020204" pitchFamily="34" charset="0"/>
+              <a:cs typeface="Arial" panose="020B0604020202020204" pitchFamily="34" charset="0"/>
+            </a:endParaRPr>
+          </a:p>
+          <a:p>
+            <a:endParaRPr lang="en-US" dirty="0">
+              <a:latin typeface="Arial" panose="020B0604020202020204" pitchFamily="34" charset="0"/>
+              <a:cs typeface="Arial" panose="020B0604020202020204" pitchFamily="34" charset="0"/>
+            </a:endParaRPr>
+          </a:p>
+          <a:p>
+            <a:endParaRPr lang="en-US" dirty="0" smtClean="0">
+              <a:latin typeface="Arial" panose="020B0604020202020204" pitchFamily="34" charset="0"/>
+              <a:cs typeface="Arial" panose="020B0604020202020204" pitchFamily="34" charset="0"/>
+            </a:endParaRPr>
+          </a:p>
+          <a:p>
+            <a:r>
+              <a:rPr lang="en-US" dirty="0" smtClean="0">
+                <a:latin typeface="Arial" panose="020B0604020202020204" pitchFamily="34" charset="0"/>
+                <a:cs typeface="Arial" panose="020B0604020202020204" pitchFamily="34" charset="0"/>
+              </a:rPr>
+              <a:t>Trong </a:t>
+            </a:r>
+            <a:r>
+              <a:rPr lang="en-US" dirty="0">
+                <a:latin typeface="Arial" panose="020B0604020202020204" pitchFamily="34" charset="0"/>
+                <a:cs typeface="Arial" panose="020B0604020202020204" pitchFamily="34" charset="0"/>
+              </a:rPr>
+              <a:t>Spring data JDBC sẽ có 2 interface chúng ta cần quan tâm đó là CrudRepository và PagingAndSortingRepository</a:t>
+            </a:r>
+            <a:endParaRPr lang="en-US" dirty="0" smtClean="0">
+              <a:latin typeface="Arial" panose="020B0604020202020204" pitchFamily="34" charset="0"/>
+              <a:cs typeface="Arial" panose="020B0604020202020204" pitchFamily="34" charset="0"/>
+            </a:endParaRPr>
+          </a:p>
+          <a:p>
+            <a:endParaRPr lang="en-US" dirty="0">
+              <a:latin typeface="Arial" panose="020B0604020202020204" pitchFamily="34" charset="0"/>
+              <a:cs typeface="Arial" panose="020B0604020202020204" pitchFamily="34" charset="0"/>
+            </a:endParaRPr>
+          </a:p>
+          <a:p>
+            <a:endParaRPr lang="en-US" dirty="0" smtClean="0">
+              <a:latin typeface="Arial" panose="020B0604020202020204" pitchFamily="34" charset="0"/>
+              <a:cs typeface="Arial" panose="020B0604020202020204" pitchFamily="34" charset="0"/>
+            </a:endParaRPr>
+          </a:p>
+          <a:p>
+            <a:endParaRPr lang="en-US" dirty="0">
+              <a:latin typeface="Arial" panose="020B0604020202020204" pitchFamily="34" charset="0"/>
+              <a:cs typeface="Arial" panose="020B0604020202020204" pitchFamily="34" charset="0"/>
+            </a:endParaRPr>
+          </a:p>
+          <a:p>
+            <a:endParaRPr lang="en-US" dirty="0">
+              <a:latin typeface="Arial" panose="020B0604020202020204" pitchFamily="34" charset="0"/>
+              <a:cs typeface="Arial" panose="020B0604020202020204" pitchFamily="34" charset="0"/>
+            </a:endParaRPr>
+          </a:p>
+        </p:txBody>
+      </p:sp>
+      <p:sp>
+        <p:nvSpPr>
+          <p:cNvPr id="8" name="Rectangle 1"/>
+          <p:cNvSpPr>
+            <a:spLocks noChangeArrowheads="1"/>
+          </p:cNvSpPr>
+          <p:nvPr/>
+        </p:nvSpPr>
+        <p:spPr bwMode="auto">
+          <a:xfrm>
+            <a:off x="677334" y="3416089"/>
+            <a:ext cx="6320366" cy="600164"/>
+          </a:xfrm>
+          <a:prstGeom prst="rect">
+            <a:avLst/>
+          </a:prstGeom>
+          <a:solidFill>
+            <a:srgbClr val="282A36"/>
+          </a:solidFill>
+          <a:ln>
+            <a:noFill/>
+          </a:ln>
+          <a:effectLst/>
+          <a:extLst>
+            <a:ext uri="{91240B29-F687-4F45-9708-019B960494DF}">
+              <a14:hiddenLine xmlns:a14="http://schemas.microsoft.com/office/drawing/2010/main" w="9525">
+                <a:solidFill>
+                  <a:schemeClr val="tx1"/>
+                </a:solidFill>
+                <a:miter lim="800000"/>
+                <a:headEnd/>
+                <a:tailEnd/>
+              </a14:hiddenLine>
+            </a:ext>
+            <a:ext uri="{AF507438-7753-43E0-B8FC-AC1667EBCBE1}">
+              <a14:hiddenEffects xmlns:a14="http://schemas.microsoft.com/office/drawing/2010/main">
+                <a:effectLst>
+                  <a:outerShdw dist="35921" dir="2700000" algn="ctr" rotWithShape="0">
+                    <a:schemeClr val="bg2"/>
+                  </a:outerShdw>
+                </a:effectLst>
+              </a14:hiddenEffects>
+            </a:ext>
+          </a:extLst>
+        </p:spPr>
+        <p:txBody>
+          <a:bodyPr vert="horz" wrap="square" lIns="91440" tIns="45720" rIns="91440" bIns="45720" numCol="1" anchor="ctr" anchorCtr="0" compatLnSpc="1">
+            <a:prstTxWarp prst="textNoShape">
+              <a:avLst/>
+            </a:prstTxWarp>
+            <a:spAutoFit/>
+          </a:bodyPr>
+          <a:lstStyle/>
+          <a:p>
+            <a:pPr marL="0" marR="0" lvl="0" indent="0" algn="l" defTabSz="914400" rtl="0" eaLnBrk="0" fontAlgn="base" latinLnBrk="0" hangingPunct="0">
+              <a:lnSpc>
+                <a:spcPct val="100000"/>
+              </a:lnSpc>
+              <a:spcBef>
+                <a:spcPct val="0"/>
+              </a:spcBef>
+              <a:spcAft>
+                <a:spcPct val="0"/>
+              </a:spcAft>
+              <a:buClrTx/>
+              <a:buSzTx/>
+              <a:buFontTx/>
+              <a:buNone/>
+              <a:tabLst/>
+            </a:pPr>
+            <a:r>
+              <a:rPr kumimoji="0" lang="en-US" altLang="en-US" sz="1100" b="0" i="0" u="none" strike="noStrike" cap="none" normalizeH="0" baseline="0" dirty="0" smtClean="0">
+                <a:ln>
+                  <a:noFill/>
+                </a:ln>
+                <a:solidFill>
+                  <a:srgbClr val="50FA78"/>
+                </a:solidFill>
+                <a:effectLst/>
+                <a:latin typeface="Arial Unicode MS"/>
+                <a:ea typeface="JetBrains Mono"/>
+              </a:rPr>
+              <a:t>@Repository</a:t>
+            </a:r>
+            <a:br>
+              <a:rPr kumimoji="0" lang="en-US" altLang="en-US" sz="1100" b="0" i="0" u="none" strike="noStrike" cap="none" normalizeH="0" baseline="0" dirty="0" smtClean="0">
+                <a:ln>
+                  <a:noFill/>
+                </a:ln>
+                <a:solidFill>
+                  <a:srgbClr val="50FA78"/>
+                </a:solidFill>
+                <a:effectLst/>
+                <a:latin typeface="Arial Unicode MS"/>
+                <a:ea typeface="JetBrains Mono"/>
+              </a:rPr>
+            </a:br>
+            <a:r>
+              <a:rPr kumimoji="0" lang="en-US" altLang="en-US" sz="1100" b="0" i="0" u="none" strike="noStrike" cap="none" normalizeH="0" baseline="0" dirty="0" smtClean="0">
+                <a:ln>
+                  <a:noFill/>
+                </a:ln>
+                <a:solidFill>
+                  <a:srgbClr val="F780BF"/>
+                </a:solidFill>
+                <a:effectLst/>
+                <a:latin typeface="Arial Unicode MS"/>
+                <a:ea typeface="JetBrains Mono"/>
+              </a:rPr>
+              <a:t>public interface </a:t>
+            </a:r>
+            <a:r>
+              <a:rPr kumimoji="0" lang="en-US" altLang="en-US" sz="1100" b="0" i="1" u="none" strike="noStrike" cap="none" normalizeH="0" baseline="0" dirty="0" smtClean="0">
+                <a:ln>
+                  <a:noFill/>
+                </a:ln>
+                <a:solidFill>
+                  <a:srgbClr val="80FFEA"/>
+                </a:solidFill>
+                <a:effectLst/>
+                <a:latin typeface="Arial Unicode MS"/>
+                <a:ea typeface="JetBrains Mono"/>
+              </a:rPr>
+              <a:t>UserPagingRepository </a:t>
+            </a:r>
+            <a:r>
+              <a:rPr kumimoji="0" lang="en-US" altLang="en-US" sz="1100" b="0" i="0" u="none" strike="noStrike" cap="none" normalizeH="0" baseline="0" dirty="0" smtClean="0">
+                <a:ln>
+                  <a:noFill/>
+                </a:ln>
+                <a:solidFill>
+                  <a:srgbClr val="F780BF"/>
+                </a:solidFill>
+                <a:effectLst/>
+                <a:latin typeface="Arial Unicode MS"/>
+                <a:ea typeface="JetBrains Mono"/>
+              </a:rPr>
+              <a:t>extends </a:t>
+            </a:r>
+            <a:r>
+              <a:rPr kumimoji="0" lang="en-US" altLang="en-US" sz="1100" b="0" i="1" u="none" strike="noStrike" cap="none" normalizeH="0" baseline="0" dirty="0" smtClean="0">
+                <a:ln>
+                  <a:noFill/>
+                </a:ln>
+                <a:solidFill>
+                  <a:srgbClr val="80FFEA"/>
+                </a:solidFill>
+                <a:effectLst/>
+                <a:latin typeface="Arial Unicode MS"/>
+                <a:ea typeface="JetBrains Mono"/>
+              </a:rPr>
+              <a:t>PagingAndSortingRepository</a:t>
+            </a:r>
+            <a:r>
+              <a:rPr kumimoji="0" lang="en-US" altLang="en-US" sz="1100" b="0" i="0" u="none" strike="noStrike" cap="none" normalizeH="0" baseline="0" dirty="0" smtClean="0">
+                <a:ln>
+                  <a:noFill/>
+                </a:ln>
+                <a:solidFill>
+                  <a:srgbClr val="F780BF"/>
+                </a:solidFill>
+                <a:effectLst/>
+                <a:latin typeface="Arial Unicode MS"/>
+                <a:ea typeface="JetBrains Mono"/>
+              </a:rPr>
+              <a:t>&lt;</a:t>
+            </a:r>
+            <a:r>
+              <a:rPr kumimoji="0" lang="en-US" altLang="en-US" sz="1100" b="0" i="0" u="none" strike="noStrike" cap="none" normalizeH="0" baseline="0" dirty="0" smtClean="0">
+                <a:ln>
+                  <a:noFill/>
+                </a:ln>
+                <a:solidFill>
+                  <a:srgbClr val="78DCE8"/>
+                </a:solidFill>
+                <a:effectLst/>
+                <a:latin typeface="Arial Unicode MS"/>
+                <a:ea typeface="JetBrains Mono"/>
+              </a:rPr>
+              <a:t>User</a:t>
+            </a:r>
+            <a:r>
+              <a:rPr kumimoji="0" lang="en-US" altLang="en-US" sz="1100" b="0" i="0" u="none" strike="noStrike" cap="none" normalizeH="0" baseline="0" dirty="0" smtClean="0">
+                <a:ln>
+                  <a:noFill/>
+                </a:ln>
+                <a:solidFill>
+                  <a:srgbClr val="F8F8F2"/>
+                </a:solidFill>
+                <a:effectLst/>
+                <a:latin typeface="Arial Unicode MS"/>
+                <a:ea typeface="JetBrains Mono"/>
+              </a:rPr>
+              <a:t>, </a:t>
+            </a:r>
+            <a:r>
+              <a:rPr kumimoji="0" lang="en-US" altLang="en-US" sz="1100" b="0" i="0" u="none" strike="noStrike" cap="none" normalizeH="0" baseline="0" dirty="0" smtClean="0">
+                <a:ln>
+                  <a:noFill/>
+                </a:ln>
+                <a:solidFill>
+                  <a:srgbClr val="78DCE8"/>
+                </a:solidFill>
+                <a:effectLst/>
+                <a:latin typeface="Arial Unicode MS"/>
+                <a:ea typeface="JetBrains Mono"/>
+              </a:rPr>
+              <a:t>Integer</a:t>
+            </a:r>
+            <a:r>
+              <a:rPr kumimoji="0" lang="en-US" altLang="en-US" sz="1100" b="0" i="0" u="none" strike="noStrike" cap="none" normalizeH="0" baseline="0" dirty="0" smtClean="0">
+                <a:ln>
+                  <a:noFill/>
+                </a:ln>
+                <a:solidFill>
+                  <a:srgbClr val="F780BF"/>
+                </a:solidFill>
+                <a:effectLst/>
+                <a:latin typeface="Arial Unicode MS"/>
+                <a:ea typeface="JetBrains Mono"/>
+              </a:rPr>
+              <a:t>&gt; </a:t>
+            </a:r>
+            <a:r>
+              <a:rPr kumimoji="0" lang="en-US" altLang="en-US" sz="1100" b="0" i="0" u="none" strike="noStrike" cap="none" normalizeH="0" baseline="0" dirty="0" smtClean="0">
+                <a:ln>
+                  <a:noFill/>
+                </a:ln>
+                <a:solidFill>
+                  <a:srgbClr val="F8F8F2"/>
+                </a:solidFill>
+                <a:effectLst/>
+                <a:latin typeface="Arial Unicode MS"/>
+                <a:ea typeface="JetBrains Mono"/>
+              </a:rPr>
+              <a:t>{</a:t>
+            </a:r>
+            <a:br>
+              <a:rPr kumimoji="0" lang="en-US" altLang="en-US" sz="1100" b="0" i="0" u="none" strike="noStrike" cap="none" normalizeH="0" baseline="0" dirty="0" smtClean="0">
+                <a:ln>
+                  <a:noFill/>
+                </a:ln>
+                <a:solidFill>
+                  <a:srgbClr val="F8F8F2"/>
+                </a:solidFill>
+                <a:effectLst/>
+                <a:latin typeface="Arial Unicode MS"/>
+                <a:ea typeface="JetBrains Mono"/>
+              </a:rPr>
+            </a:br>
+            <a:r>
+              <a:rPr kumimoji="0" lang="en-US" altLang="en-US" sz="1100" b="0" i="0" u="none" strike="noStrike" cap="none" normalizeH="0" baseline="0" dirty="0" smtClean="0">
+                <a:ln>
+                  <a:noFill/>
+                </a:ln>
+                <a:solidFill>
+                  <a:srgbClr val="F8F8F2"/>
+                </a:solidFill>
+                <a:effectLst/>
+                <a:latin typeface="Arial Unicode MS"/>
+                <a:ea typeface="JetBrains Mono"/>
+              </a:rPr>
+              <a:t>}</a:t>
+            </a:r>
+            <a:endParaRPr kumimoji="0" lang="en-US" altLang="en-US" sz="2800" b="0" i="0" u="none" strike="noStrike" cap="none" normalizeH="0" baseline="0" dirty="0" smtClean="0">
+              <a:ln>
+                <a:noFill/>
+              </a:ln>
+              <a:solidFill>
+                <a:schemeClr val="tx1"/>
+              </a:solidFill>
+              <a:effectLst/>
+              <a:latin typeface="Arial" panose="020B0604020202020204" pitchFamily="34" charset="0"/>
+            </a:endParaRPr>
+          </a:p>
+        </p:txBody>
+      </p:sp>
+      <p:sp>
+        <p:nvSpPr>
+          <p:cNvPr id="9" name="Rectangle 2"/>
+          <p:cNvSpPr>
+            <a:spLocks noChangeArrowheads="1"/>
+          </p:cNvSpPr>
+          <p:nvPr/>
+        </p:nvSpPr>
+        <p:spPr bwMode="auto">
+          <a:xfrm>
+            <a:off x="677334" y="2678070"/>
+            <a:ext cx="6320366" cy="600164"/>
+          </a:xfrm>
+          <a:prstGeom prst="rect">
+            <a:avLst/>
+          </a:prstGeom>
+          <a:solidFill>
+            <a:srgbClr val="282A36"/>
+          </a:solidFill>
+          <a:ln>
+            <a:noFill/>
+          </a:ln>
+          <a:effectLst/>
+          <a:extLst>
+            <a:ext uri="{91240B29-F687-4F45-9708-019B960494DF}">
+              <a14:hiddenLine xmlns:a14="http://schemas.microsoft.com/office/drawing/2010/main" w="9525">
+                <a:solidFill>
+                  <a:schemeClr val="tx1"/>
+                </a:solidFill>
+                <a:miter lim="800000"/>
+                <a:headEnd/>
+                <a:tailEnd/>
+              </a14:hiddenLine>
+            </a:ext>
+            <a:ext uri="{AF507438-7753-43E0-B8FC-AC1667EBCBE1}">
+              <a14:hiddenEffects xmlns:a14="http://schemas.microsoft.com/office/drawing/2010/main">
+                <a:effectLst>
+                  <a:outerShdw dist="35921" dir="2700000" algn="ctr" rotWithShape="0">
+                    <a:schemeClr val="bg2"/>
+                  </a:outerShdw>
+                </a:effectLst>
+              </a14:hiddenEffects>
+            </a:ext>
+          </a:extLst>
+        </p:spPr>
+        <p:txBody>
+          <a:bodyPr vert="horz" wrap="square" lIns="91440" tIns="45720" rIns="91440" bIns="45720" numCol="1" anchor="ctr" anchorCtr="0" compatLnSpc="1">
+            <a:prstTxWarp prst="textNoShape">
+              <a:avLst/>
+            </a:prstTxWarp>
+            <a:spAutoFit/>
+          </a:bodyPr>
+          <a:lstStyle/>
+          <a:p>
+            <a:pPr marL="0" marR="0" lvl="0" indent="0" algn="l" defTabSz="914400" rtl="0" eaLnBrk="0" fontAlgn="base" latinLnBrk="0" hangingPunct="0">
+              <a:lnSpc>
+                <a:spcPct val="100000"/>
+              </a:lnSpc>
+              <a:spcBef>
+                <a:spcPct val="0"/>
+              </a:spcBef>
+              <a:spcAft>
+                <a:spcPct val="0"/>
+              </a:spcAft>
+              <a:buClrTx/>
+              <a:buSzTx/>
+              <a:buFontTx/>
+              <a:buNone/>
+              <a:tabLst/>
+            </a:pPr>
+            <a:r>
+              <a:rPr kumimoji="0" lang="en-US" altLang="en-US" sz="1100" b="0" i="0" u="none" strike="noStrike" cap="none" normalizeH="0" baseline="0" dirty="0" smtClean="0">
+                <a:ln>
+                  <a:noFill/>
+                </a:ln>
+                <a:solidFill>
+                  <a:srgbClr val="50FA78"/>
+                </a:solidFill>
+                <a:effectLst/>
+                <a:latin typeface="Arial Unicode MS"/>
+                <a:ea typeface="JetBrains Mono"/>
+              </a:rPr>
+              <a:t>@Repository</a:t>
+            </a:r>
+            <a:br>
+              <a:rPr kumimoji="0" lang="en-US" altLang="en-US" sz="1100" b="0" i="0" u="none" strike="noStrike" cap="none" normalizeH="0" baseline="0" dirty="0" smtClean="0">
+                <a:ln>
+                  <a:noFill/>
+                </a:ln>
+                <a:solidFill>
+                  <a:srgbClr val="50FA78"/>
+                </a:solidFill>
+                <a:effectLst/>
+                <a:latin typeface="Arial Unicode MS"/>
+                <a:ea typeface="JetBrains Mono"/>
+              </a:rPr>
+            </a:br>
+            <a:r>
+              <a:rPr kumimoji="0" lang="en-US" altLang="en-US" sz="1100" b="0" i="0" u="none" strike="noStrike" cap="none" normalizeH="0" baseline="0" dirty="0" smtClean="0">
+                <a:ln>
+                  <a:noFill/>
+                </a:ln>
+                <a:solidFill>
+                  <a:srgbClr val="F780BF"/>
+                </a:solidFill>
+                <a:effectLst/>
+                <a:latin typeface="Arial Unicode MS"/>
+                <a:ea typeface="JetBrains Mono"/>
+              </a:rPr>
+              <a:t>public interface </a:t>
+            </a:r>
+            <a:r>
+              <a:rPr kumimoji="0" lang="en-US" altLang="en-US" sz="1100" b="0" i="1" u="none" strike="noStrike" cap="none" normalizeH="0" baseline="0" dirty="0" smtClean="0">
+                <a:ln>
+                  <a:noFill/>
+                </a:ln>
+                <a:solidFill>
+                  <a:srgbClr val="80FFEA"/>
+                </a:solidFill>
+                <a:effectLst/>
+                <a:latin typeface="Arial Unicode MS"/>
+                <a:ea typeface="JetBrains Mono"/>
+              </a:rPr>
+              <a:t>UserRepository </a:t>
+            </a:r>
+            <a:r>
+              <a:rPr kumimoji="0" lang="en-US" altLang="en-US" sz="1100" b="0" i="0" u="none" strike="noStrike" cap="none" normalizeH="0" baseline="0" dirty="0" smtClean="0">
+                <a:ln>
+                  <a:noFill/>
+                </a:ln>
+                <a:solidFill>
+                  <a:srgbClr val="F780BF"/>
+                </a:solidFill>
+                <a:effectLst/>
+                <a:latin typeface="Arial Unicode MS"/>
+                <a:ea typeface="JetBrains Mono"/>
+              </a:rPr>
+              <a:t>extends </a:t>
+            </a:r>
+            <a:r>
+              <a:rPr kumimoji="0" lang="en-US" altLang="en-US" sz="1100" b="0" i="1" u="none" strike="noStrike" cap="none" normalizeH="0" baseline="0" dirty="0" smtClean="0">
+                <a:ln>
+                  <a:noFill/>
+                </a:ln>
+                <a:solidFill>
+                  <a:srgbClr val="80FFEA"/>
+                </a:solidFill>
+                <a:effectLst/>
+                <a:latin typeface="Arial Unicode MS"/>
+                <a:ea typeface="JetBrains Mono"/>
+              </a:rPr>
+              <a:t>CrudRepository</a:t>
+            </a:r>
+            <a:r>
+              <a:rPr kumimoji="0" lang="en-US" altLang="en-US" sz="1100" b="0" i="0" u="none" strike="noStrike" cap="none" normalizeH="0" baseline="0" dirty="0" smtClean="0">
+                <a:ln>
+                  <a:noFill/>
+                </a:ln>
+                <a:solidFill>
+                  <a:srgbClr val="F780BF"/>
+                </a:solidFill>
+                <a:effectLst/>
+                <a:latin typeface="Arial Unicode MS"/>
+                <a:ea typeface="JetBrains Mono"/>
+              </a:rPr>
+              <a:t>&lt;</a:t>
+            </a:r>
+            <a:r>
+              <a:rPr kumimoji="0" lang="en-US" altLang="en-US" sz="1100" b="0" i="0" u="none" strike="noStrike" cap="none" normalizeH="0" baseline="0" dirty="0" smtClean="0">
+                <a:ln>
+                  <a:noFill/>
+                </a:ln>
+                <a:solidFill>
+                  <a:srgbClr val="78DCE8"/>
+                </a:solidFill>
+                <a:effectLst/>
+                <a:latin typeface="Arial Unicode MS"/>
+                <a:ea typeface="JetBrains Mono"/>
+              </a:rPr>
+              <a:t>User</a:t>
+            </a:r>
+            <a:r>
+              <a:rPr kumimoji="0" lang="en-US" altLang="en-US" sz="1100" b="0" i="0" u="none" strike="noStrike" cap="none" normalizeH="0" baseline="0" dirty="0" smtClean="0">
+                <a:ln>
+                  <a:noFill/>
+                </a:ln>
+                <a:solidFill>
+                  <a:srgbClr val="F8F8F2"/>
+                </a:solidFill>
+                <a:effectLst/>
+                <a:latin typeface="Arial Unicode MS"/>
+                <a:ea typeface="JetBrains Mono"/>
+              </a:rPr>
+              <a:t>, </a:t>
+            </a:r>
+            <a:r>
+              <a:rPr kumimoji="0" lang="en-US" altLang="en-US" sz="1100" b="0" i="0" u="none" strike="noStrike" cap="none" normalizeH="0" baseline="0" dirty="0" smtClean="0">
+                <a:ln>
+                  <a:noFill/>
+                </a:ln>
+                <a:solidFill>
+                  <a:srgbClr val="78DCE8"/>
+                </a:solidFill>
+                <a:effectLst/>
+                <a:latin typeface="Arial Unicode MS"/>
+                <a:ea typeface="JetBrains Mono"/>
+              </a:rPr>
+              <a:t>Integer</a:t>
+            </a:r>
+            <a:r>
+              <a:rPr kumimoji="0" lang="en-US" altLang="en-US" sz="1100" b="0" i="0" u="none" strike="noStrike" cap="none" normalizeH="0" baseline="0" dirty="0" smtClean="0">
+                <a:ln>
+                  <a:noFill/>
+                </a:ln>
+                <a:solidFill>
+                  <a:srgbClr val="F780BF"/>
+                </a:solidFill>
+                <a:effectLst/>
+                <a:latin typeface="Arial Unicode MS"/>
+                <a:ea typeface="JetBrains Mono"/>
+              </a:rPr>
+              <a:t>&gt; </a:t>
+            </a:r>
+            <a:r>
+              <a:rPr kumimoji="0" lang="en-US" altLang="en-US" sz="1100" b="0" i="0" u="none" strike="noStrike" cap="none" normalizeH="0" baseline="0" dirty="0" smtClean="0">
+                <a:ln>
+                  <a:noFill/>
+                </a:ln>
+                <a:solidFill>
+                  <a:srgbClr val="F8F8F2"/>
+                </a:solidFill>
+                <a:effectLst/>
+                <a:latin typeface="Arial Unicode MS"/>
+                <a:ea typeface="JetBrains Mono"/>
+              </a:rPr>
+              <a:t>{</a:t>
+            </a:r>
+            <a:br>
+              <a:rPr kumimoji="0" lang="en-US" altLang="en-US" sz="1100" b="0" i="0" u="none" strike="noStrike" cap="none" normalizeH="0" baseline="0" dirty="0" smtClean="0">
+                <a:ln>
+                  <a:noFill/>
+                </a:ln>
+                <a:solidFill>
+                  <a:srgbClr val="F8F8F2"/>
+                </a:solidFill>
+                <a:effectLst/>
+                <a:latin typeface="Arial Unicode MS"/>
+                <a:ea typeface="JetBrains Mono"/>
+              </a:rPr>
+            </a:br>
+            <a:r>
+              <a:rPr kumimoji="0" lang="en-US" altLang="en-US" sz="1100" b="0" i="0" u="none" strike="noStrike" cap="none" normalizeH="0" baseline="0" dirty="0" smtClean="0">
+                <a:ln>
+                  <a:noFill/>
+                </a:ln>
+                <a:solidFill>
+                  <a:srgbClr val="F8F8F2"/>
+                </a:solidFill>
+                <a:effectLst/>
+                <a:latin typeface="Arial Unicode MS"/>
+                <a:ea typeface="JetBrains Mono"/>
+              </a:rPr>
+              <a:t>}</a:t>
+            </a:r>
+            <a:endParaRPr kumimoji="0" lang="en-US" altLang="en-US" sz="2800" b="0" i="0" u="none" strike="noStrike" cap="none" normalizeH="0" baseline="0" dirty="0" smtClean="0">
+              <a:ln>
+                <a:noFill/>
+              </a:ln>
+              <a:solidFill>
+                <a:schemeClr val="tx1"/>
+              </a:solidFill>
+              <a:effectLst/>
+              <a:latin typeface="Arial" panose="020B0604020202020204" pitchFamily="34" charset="0"/>
+            </a:endParaRPr>
+          </a:p>
+        </p:txBody>
+      </p:sp>
+    </p:spTree>
+    <p:extLst>
+      <p:ext uri="{BB962C8B-B14F-4D97-AF65-F5344CB8AC3E}">
+        <p14:creationId xmlns:p14="http://schemas.microsoft.com/office/powerpoint/2010/main" val="4164987459"/>
       </p:ext>
     </p:extLst>
   </p:cSld>

--- a/06.Spring Data JDBC.pptx
+++ b/06.Spring Data JDBC.pptx
@@ -28,6 +28,13 @@
     <p:sldId id="342" r:id="rId22"/>
     <p:sldId id="343" r:id="rId23"/>
     <p:sldId id="344" r:id="rId24"/>
+    <p:sldId id="345" r:id="rId25"/>
+    <p:sldId id="346" r:id="rId26"/>
+    <p:sldId id="347" r:id="rId27"/>
+    <p:sldId id="348" r:id="rId28"/>
+    <p:sldId id="349" r:id="rId29"/>
+    <p:sldId id="350" r:id="rId30"/>
+    <p:sldId id="351" r:id="rId31"/>
   </p:sldIdLst>
   <p:sldSz cx="12192000" cy="6858000"/>
   <p:notesSz cx="6858000" cy="9144000"/>
@@ -714,7 +721,7 @@
           </a:lstStyle>
           <a:p>
             <a:r>
-              <a:rPr lang="en-US" smtClean="0"/>
+              <a:rPr lang="en-US"/>
               <a:t>Click to edit Master title style</a:t>
             </a:r>
             <a:endParaRPr lang="en-US" dirty="0"/>
@@ -834,7 +841,7 @@
           </a:lstStyle>
           <a:p>
             <a:r>
-              <a:rPr lang="en-US" smtClean="0"/>
+              <a:rPr lang="en-US"/>
               <a:t>Click to edit Master subtitle style</a:t>
             </a:r>
             <a:endParaRPr lang="en-US" dirty="0"/>
@@ -858,7 +865,7 @@
           <a:p>
             <a:fld id="{E7E49A89-72C0-40C6-A55C-C6C12D525ACC}" type="datetimeFigureOut">
               <a:rPr lang="en-US" smtClean="0"/>
-              <a:t>7/23/2024</a:t>
+              <a:t>8/13/2024</a:t>
             </a:fld>
             <a:endParaRPr lang="en-US"/>
           </a:p>
@@ -963,7 +970,7 @@
           </a:lstStyle>
           <a:p>
             <a:r>
-              <a:rPr lang="en-US" smtClean="0"/>
+              <a:rPr lang="en-US"/>
               <a:t>Click to edit Master title style</a:t>
             </a:r>
             <a:endParaRPr lang="en-US" dirty="0"/>
@@ -1086,7 +1093,7 @@
           <a:p>
             <a:pPr lvl="0"/>
             <a:r>
-              <a:rPr lang="en-US" smtClean="0"/>
+              <a:rPr lang="en-US"/>
               <a:t>Edit Master text styles</a:t>
             </a:r>
           </a:p>
@@ -1109,7 +1116,7 @@
           <a:p>
             <a:fld id="{E7E49A89-72C0-40C6-A55C-C6C12D525ACC}" type="datetimeFigureOut">
               <a:rPr lang="en-US" smtClean="0"/>
-              <a:t>7/23/2024</a:t>
+              <a:t>8/13/2024</a:t>
             </a:fld>
             <a:endParaRPr lang="en-US"/>
           </a:p>
@@ -1214,7 +1221,7 @@
           </a:lstStyle>
           <a:p>
             <a:r>
-              <a:rPr lang="en-US" smtClean="0"/>
+              <a:rPr lang="en-US"/>
               <a:t>Click to edit Master title style</a:t>
             </a:r>
             <a:endParaRPr lang="en-US" dirty="0"/>
@@ -1278,7 +1285,7 @@
           <a:p>
             <a:pPr lvl="0"/>
             <a:r>
-              <a:rPr lang="en-US" smtClean="0"/>
+              <a:rPr lang="en-US"/>
               <a:t>Edit Master text styles</a:t>
             </a:r>
           </a:p>
@@ -1400,7 +1407,7 @@
           <a:p>
             <a:pPr lvl="0"/>
             <a:r>
-              <a:rPr lang="en-US" smtClean="0"/>
+              <a:rPr lang="en-US"/>
               <a:t>Edit Master text styles</a:t>
             </a:r>
           </a:p>
@@ -1423,7 +1430,7 @@
           <a:p>
             <a:fld id="{E7E49A89-72C0-40C6-A55C-C6C12D525ACC}" type="datetimeFigureOut">
               <a:rPr lang="en-US" smtClean="0"/>
-              <a:t>7/23/2024</a:t>
+              <a:t>8/13/2024</a:t>
             </a:fld>
             <a:endParaRPr lang="en-US"/>
           </a:p>
@@ -1494,7 +1501,7 @@
           <a:p>
             <a:pPr lvl="0"/>
             <a:r>
-              <a:rPr lang="en-US" sz="8000" baseline="0" dirty="0">
+              <a:rPr lang="en-US" sz="8000" baseline="0">
                 <a:ln w="3175" cmpd="sng">
                   <a:noFill/>
                 </a:ln>
@@ -1532,7 +1539,7 @@
           <a:p>
             <a:pPr lvl="0"/>
             <a:r>
-              <a:rPr lang="en-US" sz="8000" baseline="0" dirty="0">
+              <a:rPr lang="en-US" sz="8000" baseline="0">
                 <a:ln w="3175" cmpd="sng">
                   <a:noFill/>
                 </a:ln>
@@ -1604,7 +1611,7 @@
           </a:lstStyle>
           <a:p>
             <a:r>
-              <a:rPr lang="en-US" smtClean="0"/>
+              <a:rPr lang="en-US"/>
               <a:t>Click to edit Master title style</a:t>
             </a:r>
             <a:endParaRPr lang="en-US" dirty="0"/>
@@ -1727,7 +1734,7 @@
           <a:p>
             <a:pPr lvl="0"/>
             <a:r>
-              <a:rPr lang="en-US" smtClean="0"/>
+              <a:rPr lang="en-US"/>
               <a:t>Edit Master text styles</a:t>
             </a:r>
           </a:p>
@@ -1750,7 +1757,7 @@
           <a:p>
             <a:fld id="{E7E49A89-72C0-40C6-A55C-C6C12D525ACC}" type="datetimeFigureOut">
               <a:rPr lang="en-US" smtClean="0"/>
-              <a:t>7/23/2024</a:t>
+              <a:t>8/13/2024</a:t>
             </a:fld>
             <a:endParaRPr lang="en-US"/>
           </a:p>
@@ -1855,7 +1862,7 @@
           </a:lstStyle>
           <a:p>
             <a:r>
-              <a:rPr lang="en-US" smtClean="0"/>
+              <a:rPr lang="en-US"/>
               <a:t>Click to edit Master title style</a:t>
             </a:r>
             <a:endParaRPr lang="en-US" dirty="0"/>
@@ -1919,7 +1926,7 @@
           <a:p>
             <a:pPr lvl="0"/>
             <a:r>
-              <a:rPr lang="en-US" smtClean="0"/>
+              <a:rPr lang="en-US"/>
               <a:t>Edit Master text styles</a:t>
             </a:r>
           </a:p>
@@ -2041,7 +2048,7 @@
           <a:p>
             <a:pPr lvl="0"/>
             <a:r>
-              <a:rPr lang="en-US" smtClean="0"/>
+              <a:rPr lang="en-US"/>
               <a:t>Edit Master text styles</a:t>
             </a:r>
           </a:p>
@@ -2064,7 +2071,7 @@
           <a:p>
             <a:fld id="{E7E49A89-72C0-40C6-A55C-C6C12D525ACC}" type="datetimeFigureOut">
               <a:rPr lang="en-US" smtClean="0"/>
-              <a:t>7/23/2024</a:t>
+              <a:t>8/13/2024</a:t>
             </a:fld>
             <a:endParaRPr lang="en-US"/>
           </a:p>
@@ -2135,7 +2142,7 @@
           <a:p>
             <a:pPr lvl="0"/>
             <a:r>
-              <a:rPr lang="en-US" sz="8000" baseline="0" dirty="0">
+              <a:rPr lang="en-US" sz="8000" baseline="0">
                 <a:ln w="3175" cmpd="sng">
                   <a:noFill/>
                 </a:ln>
@@ -2173,7 +2180,7 @@
           <a:p>
             <a:pPr lvl="0"/>
             <a:r>
-              <a:rPr lang="en-US" sz="8000" baseline="0" dirty="0">
+              <a:rPr lang="en-US" sz="8000" baseline="0">
                 <a:ln w="3175" cmpd="sng">
                   <a:noFill/>
                 </a:ln>
@@ -2245,7 +2252,7 @@
           </a:lstStyle>
           <a:p>
             <a:r>
-              <a:rPr lang="en-US" smtClean="0"/>
+              <a:rPr lang="en-US"/>
               <a:t>Click to edit Master title style</a:t>
             </a:r>
             <a:endParaRPr lang="en-US" dirty="0"/>
@@ -2306,7 +2313,7 @@
           <a:p>
             <a:pPr lvl="0"/>
             <a:r>
-              <a:rPr lang="en-US" smtClean="0"/>
+              <a:rPr lang="en-US"/>
               <a:t>Edit Master text styles</a:t>
             </a:r>
           </a:p>
@@ -2428,7 +2435,7 @@
           <a:p>
             <a:pPr lvl="0"/>
             <a:r>
-              <a:rPr lang="en-US" smtClean="0"/>
+              <a:rPr lang="en-US"/>
               <a:t>Edit Master text styles</a:t>
             </a:r>
           </a:p>
@@ -2451,7 +2458,7 @@
           <a:p>
             <a:fld id="{E7E49A89-72C0-40C6-A55C-C6C12D525ACC}" type="datetimeFigureOut">
               <a:rPr lang="en-US" smtClean="0"/>
-              <a:t>7/23/2024</a:t>
+              <a:t>8/13/2024</a:t>
             </a:fld>
             <a:endParaRPr lang="en-US"/>
           </a:p>
@@ -2545,7 +2552,7 @@
           <a:lstStyle/>
           <a:p>
             <a:r>
-              <a:rPr lang="en-US" smtClean="0"/>
+              <a:rPr lang="en-US"/>
               <a:t>Click to edit Master title style</a:t>
             </a:r>
             <a:endParaRPr lang="en-US" dirty="0"/>
@@ -2569,35 +2576,35 @@
           <a:p>
             <a:pPr lvl="0"/>
             <a:r>
-              <a:rPr lang="en-US" smtClean="0"/>
+              <a:rPr lang="en-US"/>
               <a:t>Edit Master text styles</a:t>
             </a:r>
           </a:p>
           <a:p>
             <a:pPr lvl="1"/>
             <a:r>
-              <a:rPr lang="en-US" smtClean="0"/>
+              <a:rPr lang="en-US"/>
               <a:t>Second level</a:t>
             </a:r>
           </a:p>
           <a:p>
             <a:pPr lvl="2"/>
             <a:r>
-              <a:rPr lang="en-US" smtClean="0"/>
+              <a:rPr lang="en-US"/>
               <a:t>Third level</a:t>
             </a:r>
           </a:p>
           <a:p>
             <a:pPr lvl="3"/>
             <a:r>
-              <a:rPr lang="en-US" smtClean="0"/>
+              <a:rPr lang="en-US"/>
               <a:t>Fourth level</a:t>
             </a:r>
           </a:p>
           <a:p>
             <a:pPr lvl="4"/>
             <a:r>
-              <a:rPr lang="en-US" smtClean="0"/>
+              <a:rPr lang="en-US"/>
               <a:t>Fifth level</a:t>
             </a:r>
             <a:endParaRPr lang="en-US" dirty="0"/>
@@ -2621,7 +2628,7 @@
           <a:p>
             <a:fld id="{E7E49A89-72C0-40C6-A55C-C6C12D525ACC}" type="datetimeFigureOut">
               <a:rPr lang="en-US" smtClean="0"/>
-              <a:t>7/23/2024</a:t>
+              <a:t>8/13/2024</a:t>
             </a:fld>
             <a:endParaRPr lang="en-US"/>
           </a:p>
@@ -2720,7 +2727,7 @@
           <a:lstStyle/>
           <a:p>
             <a:r>
-              <a:rPr lang="en-US" smtClean="0"/>
+              <a:rPr lang="en-US"/>
               <a:t>Click to edit Master title style</a:t>
             </a:r>
             <a:endParaRPr lang="en-US" dirty="0"/>
@@ -2749,35 +2756,35 @@
           <a:p>
             <a:pPr lvl="0"/>
             <a:r>
-              <a:rPr lang="en-US" smtClean="0"/>
+              <a:rPr lang="en-US"/>
               <a:t>Edit Master text styles</a:t>
             </a:r>
           </a:p>
           <a:p>
             <a:pPr lvl="1"/>
             <a:r>
-              <a:rPr lang="en-US" smtClean="0"/>
+              <a:rPr lang="en-US"/>
               <a:t>Second level</a:t>
             </a:r>
           </a:p>
           <a:p>
             <a:pPr lvl="2"/>
             <a:r>
-              <a:rPr lang="en-US" smtClean="0"/>
+              <a:rPr lang="en-US"/>
               <a:t>Third level</a:t>
             </a:r>
           </a:p>
           <a:p>
             <a:pPr lvl="3"/>
             <a:r>
-              <a:rPr lang="en-US" smtClean="0"/>
+              <a:rPr lang="en-US"/>
               <a:t>Fourth level</a:t>
             </a:r>
           </a:p>
           <a:p>
             <a:pPr lvl="4"/>
             <a:r>
-              <a:rPr lang="en-US" smtClean="0"/>
+              <a:rPr lang="en-US"/>
               <a:t>Fifth level</a:t>
             </a:r>
             <a:endParaRPr lang="en-US" dirty="0"/>
@@ -2801,7 +2808,7 @@
           <a:p>
             <a:fld id="{E7E49A89-72C0-40C6-A55C-C6C12D525ACC}" type="datetimeFigureOut">
               <a:rPr lang="en-US" smtClean="0"/>
-              <a:t>7/23/2024</a:t>
+              <a:t>8/13/2024</a:t>
             </a:fld>
             <a:endParaRPr lang="en-US"/>
           </a:p>
@@ -2901,7 +2908,7 @@
           </a:lstStyle>
           <a:p>
             <a:r>
-              <a:rPr lang="en-US" smtClean="0"/>
+              <a:rPr lang="en-US"/>
               <a:t>Click to edit Master title style</a:t>
             </a:r>
             <a:endParaRPr lang="en-US" dirty="0"/>
@@ -2925,35 +2932,35 @@
           <a:p>
             <a:pPr lvl="0"/>
             <a:r>
-              <a:rPr lang="en-US" smtClean="0"/>
+              <a:rPr lang="en-US"/>
               <a:t>Edit Master text styles</a:t>
             </a:r>
           </a:p>
           <a:p>
             <a:pPr lvl="1"/>
             <a:r>
-              <a:rPr lang="en-US" smtClean="0"/>
+              <a:rPr lang="en-US"/>
               <a:t>Second level</a:t>
             </a:r>
           </a:p>
           <a:p>
             <a:pPr lvl="2"/>
             <a:r>
-              <a:rPr lang="en-US" smtClean="0"/>
+              <a:rPr lang="en-US"/>
               <a:t>Third level</a:t>
             </a:r>
           </a:p>
           <a:p>
             <a:pPr lvl="3"/>
             <a:r>
-              <a:rPr lang="en-US" smtClean="0"/>
+              <a:rPr lang="en-US"/>
               <a:t>Fourth level</a:t>
             </a:r>
           </a:p>
           <a:p>
             <a:pPr lvl="4"/>
             <a:r>
-              <a:rPr lang="en-US" smtClean="0"/>
+              <a:rPr lang="en-US"/>
               <a:t>Fifth level</a:t>
             </a:r>
             <a:endParaRPr lang="en-US" dirty="0"/>
@@ -2977,7 +2984,7 @@
           <a:p>
             <a:fld id="{E7E49A89-72C0-40C6-A55C-C6C12D525ACC}" type="datetimeFigureOut">
               <a:rPr lang="en-US" smtClean="0"/>
-              <a:t>7/23/2024</a:t>
+              <a:t>8/13/2024</a:t>
             </a:fld>
             <a:endParaRPr lang="en-US"/>
           </a:p>
@@ -3080,7 +3087,7 @@
           </a:lstStyle>
           <a:p>
             <a:r>
-              <a:rPr lang="en-US" smtClean="0"/>
+              <a:rPr lang="en-US"/>
               <a:t>Click to edit Master title style</a:t>
             </a:r>
             <a:endParaRPr lang="en-US" dirty="0"/>
@@ -3201,7 +3208,7 @@
           <a:p>
             <a:pPr lvl="0"/>
             <a:r>
-              <a:rPr lang="en-US" smtClean="0"/>
+              <a:rPr lang="en-US"/>
               <a:t>Edit Master text styles</a:t>
             </a:r>
           </a:p>
@@ -3224,7 +3231,7 @@
           <a:p>
             <a:fld id="{E7E49A89-72C0-40C6-A55C-C6C12D525ACC}" type="datetimeFigureOut">
               <a:rPr lang="en-US" smtClean="0"/>
-              <a:t>7/23/2024</a:t>
+              <a:t>8/13/2024</a:t>
             </a:fld>
             <a:endParaRPr lang="en-US"/>
           </a:p>
@@ -3318,7 +3325,7 @@
           <a:lstStyle/>
           <a:p>
             <a:r>
-              <a:rPr lang="en-US" smtClean="0"/>
+              <a:rPr lang="en-US"/>
               <a:t>Click to edit Master title style</a:t>
             </a:r>
             <a:endParaRPr lang="en-US" dirty="0"/>
@@ -3347,35 +3354,35 @@
           <a:p>
             <a:pPr lvl="0"/>
             <a:r>
-              <a:rPr lang="en-US" smtClean="0"/>
+              <a:rPr lang="en-US"/>
               <a:t>Edit Master text styles</a:t>
             </a:r>
           </a:p>
           <a:p>
             <a:pPr lvl="1"/>
             <a:r>
-              <a:rPr lang="en-US" smtClean="0"/>
+              <a:rPr lang="en-US"/>
               <a:t>Second level</a:t>
             </a:r>
           </a:p>
           <a:p>
             <a:pPr lvl="2"/>
             <a:r>
-              <a:rPr lang="en-US" smtClean="0"/>
+              <a:rPr lang="en-US"/>
               <a:t>Third level</a:t>
             </a:r>
           </a:p>
           <a:p>
             <a:pPr lvl="3"/>
             <a:r>
-              <a:rPr lang="en-US" smtClean="0"/>
+              <a:rPr lang="en-US"/>
               <a:t>Fourth level</a:t>
             </a:r>
           </a:p>
           <a:p>
             <a:pPr lvl="4"/>
             <a:r>
-              <a:rPr lang="en-US" smtClean="0"/>
+              <a:rPr lang="en-US"/>
               <a:t>Fifth level</a:t>
             </a:r>
             <a:endParaRPr lang="en-US" dirty="0"/>
@@ -3404,35 +3411,35 @@
           <a:p>
             <a:pPr lvl="0"/>
             <a:r>
-              <a:rPr lang="en-US" smtClean="0"/>
+              <a:rPr lang="en-US"/>
               <a:t>Edit Master text styles</a:t>
             </a:r>
           </a:p>
           <a:p>
             <a:pPr lvl="1"/>
             <a:r>
-              <a:rPr lang="en-US" smtClean="0"/>
+              <a:rPr lang="en-US"/>
               <a:t>Second level</a:t>
             </a:r>
           </a:p>
           <a:p>
             <a:pPr lvl="2"/>
             <a:r>
-              <a:rPr lang="en-US" smtClean="0"/>
+              <a:rPr lang="en-US"/>
               <a:t>Third level</a:t>
             </a:r>
           </a:p>
           <a:p>
             <a:pPr lvl="3"/>
             <a:r>
-              <a:rPr lang="en-US" smtClean="0"/>
+              <a:rPr lang="en-US"/>
               <a:t>Fourth level</a:t>
             </a:r>
           </a:p>
           <a:p>
             <a:pPr lvl="4"/>
             <a:r>
-              <a:rPr lang="en-US" smtClean="0"/>
+              <a:rPr lang="en-US"/>
               <a:t>Fifth level</a:t>
             </a:r>
             <a:endParaRPr lang="en-US" dirty="0"/>
@@ -3456,7 +3463,7 @@
           <a:p>
             <a:fld id="{E7E49A89-72C0-40C6-A55C-C6C12D525ACC}" type="datetimeFigureOut">
               <a:rPr lang="en-US" smtClean="0"/>
-              <a:t>7/23/2024</a:t>
+              <a:t>8/13/2024</a:t>
             </a:fld>
             <a:endParaRPr lang="en-US"/>
           </a:p>
@@ -3554,7 +3561,7 @@
           </a:lstStyle>
           <a:p>
             <a:r>
-              <a:rPr lang="en-US" smtClean="0"/>
+              <a:rPr lang="en-US"/>
               <a:t>Click to edit Master title style</a:t>
             </a:r>
             <a:endParaRPr lang="en-US" dirty="0"/>
@@ -3622,7 +3629,7 @@
           <a:p>
             <a:pPr lvl="0"/>
             <a:r>
-              <a:rPr lang="en-US" smtClean="0"/>
+              <a:rPr lang="en-US"/>
               <a:t>Edit Master text styles</a:t>
             </a:r>
           </a:p>
@@ -3652,35 +3659,35 @@
           <a:p>
             <a:pPr lvl="0"/>
             <a:r>
-              <a:rPr lang="en-US" smtClean="0"/>
+              <a:rPr lang="en-US"/>
               <a:t>Edit Master text styles</a:t>
             </a:r>
           </a:p>
           <a:p>
             <a:pPr lvl="1"/>
             <a:r>
-              <a:rPr lang="en-US" smtClean="0"/>
+              <a:rPr lang="en-US"/>
               <a:t>Second level</a:t>
             </a:r>
           </a:p>
           <a:p>
             <a:pPr lvl="2"/>
             <a:r>
-              <a:rPr lang="en-US" smtClean="0"/>
+              <a:rPr lang="en-US"/>
               <a:t>Third level</a:t>
             </a:r>
           </a:p>
           <a:p>
             <a:pPr lvl="3"/>
             <a:r>
-              <a:rPr lang="en-US" smtClean="0"/>
+              <a:rPr lang="en-US"/>
               <a:t>Fourth level</a:t>
             </a:r>
           </a:p>
           <a:p>
             <a:pPr lvl="4"/>
             <a:r>
-              <a:rPr lang="en-US" smtClean="0"/>
+              <a:rPr lang="en-US"/>
               <a:t>Fifth level</a:t>
             </a:r>
             <a:endParaRPr lang="en-US" dirty="0"/>
@@ -3748,7 +3755,7 @@
           <a:p>
             <a:pPr lvl="0"/>
             <a:r>
-              <a:rPr lang="en-US" smtClean="0"/>
+              <a:rPr lang="en-US"/>
               <a:t>Edit Master text styles</a:t>
             </a:r>
           </a:p>
@@ -3778,35 +3785,35 @@
           <a:p>
             <a:pPr lvl="0"/>
             <a:r>
-              <a:rPr lang="en-US" smtClean="0"/>
+              <a:rPr lang="en-US"/>
               <a:t>Edit Master text styles</a:t>
             </a:r>
           </a:p>
           <a:p>
             <a:pPr lvl="1"/>
             <a:r>
-              <a:rPr lang="en-US" smtClean="0"/>
+              <a:rPr lang="en-US"/>
               <a:t>Second level</a:t>
             </a:r>
           </a:p>
           <a:p>
             <a:pPr lvl="2"/>
             <a:r>
-              <a:rPr lang="en-US" smtClean="0"/>
+              <a:rPr lang="en-US"/>
               <a:t>Third level</a:t>
             </a:r>
           </a:p>
           <a:p>
             <a:pPr lvl="3"/>
             <a:r>
-              <a:rPr lang="en-US" smtClean="0"/>
+              <a:rPr lang="en-US"/>
               <a:t>Fourth level</a:t>
             </a:r>
           </a:p>
           <a:p>
             <a:pPr lvl="4"/>
             <a:r>
-              <a:rPr lang="en-US" smtClean="0"/>
+              <a:rPr lang="en-US"/>
               <a:t>Fifth level</a:t>
             </a:r>
             <a:endParaRPr lang="en-US" dirty="0"/>
@@ -3830,7 +3837,7 @@
           <a:p>
             <a:fld id="{E7E49A89-72C0-40C6-A55C-C6C12D525ACC}" type="datetimeFigureOut">
               <a:rPr lang="en-US" smtClean="0"/>
-              <a:t>7/23/2024</a:t>
+              <a:t>8/13/2024</a:t>
             </a:fld>
             <a:endParaRPr lang="en-US"/>
           </a:p>
@@ -3929,7 +3936,7 @@
           <a:lstStyle/>
           <a:p>
             <a:r>
-              <a:rPr lang="en-US" smtClean="0"/>
+              <a:rPr lang="en-US"/>
               <a:t>Click to edit Master title style</a:t>
             </a:r>
             <a:endParaRPr lang="en-US" dirty="0"/>
@@ -3953,7 +3960,7 @@
           <a:p>
             <a:fld id="{E7E49A89-72C0-40C6-A55C-C6C12D525ACC}" type="datetimeFigureOut">
               <a:rPr lang="en-US" smtClean="0"/>
-              <a:t>7/23/2024</a:t>
+              <a:t>8/13/2024</a:t>
             </a:fld>
             <a:endParaRPr lang="en-US"/>
           </a:p>
@@ -4048,7 +4055,7 @@
           <a:p>
             <a:fld id="{E7E49A89-72C0-40C6-A55C-C6C12D525ACC}" type="datetimeFigureOut">
               <a:rPr lang="en-US" smtClean="0"/>
-              <a:t>7/23/2024</a:t>
+              <a:t>8/13/2024</a:t>
             </a:fld>
             <a:endParaRPr lang="en-US"/>
           </a:p>
@@ -4153,7 +4160,7 @@
           </a:lstStyle>
           <a:p>
             <a:r>
-              <a:rPr lang="en-US" smtClean="0"/>
+              <a:rPr lang="en-US"/>
               <a:t>Click to edit Master title style</a:t>
             </a:r>
             <a:endParaRPr lang="en-US" dirty="0"/>
@@ -4184,35 +4191,35 @@
           <a:p>
             <a:pPr lvl="0"/>
             <a:r>
-              <a:rPr lang="en-US" smtClean="0"/>
+              <a:rPr lang="en-US"/>
               <a:t>Edit Master text styles</a:t>
             </a:r>
           </a:p>
           <a:p>
             <a:pPr lvl="1"/>
             <a:r>
-              <a:rPr lang="en-US" smtClean="0"/>
+              <a:rPr lang="en-US"/>
               <a:t>Second level</a:t>
             </a:r>
           </a:p>
           <a:p>
             <a:pPr lvl="2"/>
             <a:r>
-              <a:rPr lang="en-US" smtClean="0"/>
+              <a:rPr lang="en-US"/>
               <a:t>Third level</a:t>
             </a:r>
           </a:p>
           <a:p>
             <a:pPr lvl="3"/>
             <a:r>
-              <a:rPr lang="en-US" smtClean="0"/>
+              <a:rPr lang="en-US"/>
               <a:t>Fourth level</a:t>
             </a:r>
           </a:p>
           <a:p>
             <a:pPr lvl="4"/>
             <a:r>
-              <a:rPr lang="en-US" smtClean="0"/>
+              <a:rPr lang="en-US"/>
               <a:t>Fifth level</a:t>
             </a:r>
             <a:endParaRPr lang="en-US" dirty="0"/>
@@ -4280,7 +4287,7 @@
           <a:p>
             <a:pPr lvl="0"/>
             <a:r>
-              <a:rPr lang="en-US" smtClean="0"/>
+              <a:rPr lang="en-US"/>
               <a:t>Edit Master text styles</a:t>
             </a:r>
           </a:p>
@@ -4303,7 +4310,7 @@
           <a:p>
             <a:fld id="{E7E49A89-72C0-40C6-A55C-C6C12D525ACC}" type="datetimeFigureOut">
               <a:rPr lang="en-US" smtClean="0"/>
-              <a:t>7/23/2024</a:t>
+              <a:t>8/13/2024</a:t>
             </a:fld>
             <a:endParaRPr lang="en-US"/>
           </a:p>
@@ -4408,7 +4415,7 @@
           </a:lstStyle>
           <a:p>
             <a:r>
-              <a:rPr lang="en-US" smtClean="0"/>
+              <a:rPr lang="en-US"/>
               <a:t>Click to edit Master title style</a:t>
             </a:r>
             <a:endParaRPr lang="en-US" dirty="0"/>
@@ -4475,10 +4482,9 @@
           </a:lstStyle>
           <a:p>
             <a:r>
-              <a:rPr lang="en-US" smtClean="0"/>
+              <a:rPr lang="en-US"/>
               <a:t>Click icon to add picture</a:t>
             </a:r>
-            <a:endParaRPr lang="en-US" dirty="0"/>
           </a:p>
         </p:txBody>
       </p:sp>
@@ -4543,7 +4549,7 @@
           <a:p>
             <a:pPr lvl="0"/>
             <a:r>
-              <a:rPr lang="en-US" smtClean="0"/>
+              <a:rPr lang="en-US"/>
               <a:t>Edit Master text styles</a:t>
             </a:r>
           </a:p>
@@ -4566,7 +4572,7 @@
           <a:p>
             <a:fld id="{E7E49A89-72C0-40C6-A55C-C6C12D525ACC}" type="datetimeFigureOut">
               <a:rPr lang="en-US" smtClean="0"/>
-              <a:t>7/23/2024</a:t>
+              <a:t>8/13/2024</a:t>
             </a:fld>
             <a:endParaRPr lang="en-US"/>
           </a:p>
@@ -5207,7 +5213,7 @@
           <a:lstStyle/>
           <a:p>
             <a:r>
-              <a:rPr lang="en-US" smtClean="0"/>
+              <a:rPr lang="en-US"/>
               <a:t>Click to edit Master title style</a:t>
             </a:r>
             <a:endParaRPr lang="en-US" dirty="0"/>
@@ -5241,35 +5247,35 @@
           <a:p>
             <a:pPr lvl="0"/>
             <a:r>
-              <a:rPr lang="en-US" smtClean="0"/>
+              <a:rPr lang="en-US"/>
               <a:t>Edit Master text styles</a:t>
             </a:r>
           </a:p>
           <a:p>
             <a:pPr lvl="1"/>
             <a:r>
-              <a:rPr lang="en-US" smtClean="0"/>
+              <a:rPr lang="en-US"/>
               <a:t>Second level</a:t>
             </a:r>
           </a:p>
           <a:p>
             <a:pPr lvl="2"/>
             <a:r>
-              <a:rPr lang="en-US" smtClean="0"/>
+              <a:rPr lang="en-US"/>
               <a:t>Third level</a:t>
             </a:r>
           </a:p>
           <a:p>
             <a:pPr lvl="3"/>
             <a:r>
-              <a:rPr lang="en-US" smtClean="0"/>
+              <a:rPr lang="en-US"/>
               <a:t>Fourth level</a:t>
             </a:r>
           </a:p>
           <a:p>
             <a:pPr lvl="4"/>
             <a:r>
-              <a:rPr lang="en-US" smtClean="0"/>
+              <a:rPr lang="en-US"/>
               <a:t>Fifth level</a:t>
             </a:r>
             <a:endParaRPr lang="en-US" dirty="0"/>
@@ -5311,7 +5317,7 @@
           <a:p>
             <a:fld id="{E7E49A89-72C0-40C6-A55C-C6C12D525ACC}" type="datetimeFigureOut">
               <a:rPr lang="en-US" smtClean="0"/>
-              <a:t>7/23/2024</a:t>
+              <a:t>8/13/2024</a:t>
             </a:fld>
             <a:endParaRPr lang="en-US"/>
           </a:p>
@@ -5851,23 +5857,12 @@
           <a:lstStyle/>
           <a:p>
             <a:r>
-              <a:rPr lang="en-US" dirty="0">
+              <a:rPr lang="en-US">
                 <a:latin typeface="Arial" panose="020B0604020202020204" pitchFamily="34" charset="0"/>
                 <a:cs typeface="Arial" panose="020B0604020202020204" pitchFamily="34" charset="0"/>
               </a:rPr>
-              <a:t>Spring </a:t>
-            </a:r>
-            <a:r>
-              <a:rPr lang="en-US" dirty="0" smtClean="0">
-                <a:latin typeface="Arial" panose="020B0604020202020204" pitchFamily="34" charset="0"/>
-                <a:cs typeface="Arial" panose="020B0604020202020204" pitchFamily="34" charset="0"/>
-              </a:rPr>
-              <a:t>Boot</a:t>
-            </a:r>
-            <a:endParaRPr lang="en-US" dirty="0">
-              <a:latin typeface="Arial" panose="020B0604020202020204" pitchFamily="34" charset="0"/>
-              <a:cs typeface="Arial" panose="020B0604020202020204" pitchFamily="34" charset="0"/>
-            </a:endParaRPr>
+              <a:t>Spring Boot</a:t>
+            </a:r>
           </a:p>
         </p:txBody>
       </p:sp>
@@ -5887,25 +5882,11 @@
           <a:lstStyle/>
           <a:p>
             <a:r>
-              <a:rPr lang="en-US" dirty="0">
+              <a:rPr lang="en-US">
                 <a:latin typeface="Arial" panose="020B0604020202020204" pitchFamily="34" charset="0"/>
                 <a:cs typeface="Arial" panose="020B0604020202020204" pitchFamily="34" charset="0"/>
               </a:rPr>
-              <a:t>06</a:t>
-            </a:r>
-            <a:r>
-              <a:rPr lang="en-US" dirty="0" smtClean="0">
-                <a:latin typeface="Arial" panose="020B0604020202020204" pitchFamily="34" charset="0"/>
-                <a:cs typeface="Arial" panose="020B0604020202020204" pitchFamily="34" charset="0"/>
-              </a:rPr>
-              <a:t>. Spring </a:t>
-            </a:r>
-            <a:r>
-              <a:rPr lang="en-US" dirty="0">
-                <a:latin typeface="Arial" panose="020B0604020202020204" pitchFamily="34" charset="0"/>
-                <a:cs typeface="Arial" panose="020B0604020202020204" pitchFamily="34" charset="0"/>
-              </a:rPr>
-              <a:t>Data JDBC</a:t>
+              <a:t>06. Spring Data JDBC</a:t>
             </a:r>
           </a:p>
         </p:txBody>
@@ -5956,7 +5937,7 @@
           <a:lstStyle/>
           <a:p>
             <a:r>
-              <a:rPr lang="en-US" dirty="0">
+              <a:rPr lang="en-US">
                 <a:latin typeface="Arial" panose="020B0604020202020204" pitchFamily="34" charset="0"/>
                 <a:cs typeface="Arial" panose="020B0604020202020204" pitchFamily="34" charset="0"/>
               </a:rPr>
@@ -5981,141 +5962,85 @@
           <a:lstStyle/>
           <a:p>
             <a:r>
-              <a:rPr lang="en-US" dirty="0" smtClean="0">
+              <a:rPr lang="en-US">
                 <a:latin typeface="Arial" panose="020B0604020202020204" pitchFamily="34" charset="0"/>
                 <a:cs typeface="Arial" panose="020B0604020202020204" pitchFamily="34" charset="0"/>
               </a:rPr>
               <a:t>Repository là gì?</a:t>
             </a:r>
-            <a:endParaRPr lang="en-US" dirty="0">
+          </a:p>
+          <a:p>
+            <a:endParaRPr lang="en-US">
               <a:latin typeface="Arial" panose="020B0604020202020204" pitchFamily="34" charset="0"/>
               <a:cs typeface="Arial" panose="020B0604020202020204" pitchFamily="34" charset="0"/>
             </a:endParaRPr>
           </a:p>
           <a:p>
-            <a:endParaRPr lang="en-US" dirty="0" smtClean="0">
+            <a:r>
+              <a:rPr lang="vi-VN">
+                <a:latin typeface="Arial" panose="020B0604020202020204" pitchFamily="34" charset="0"/>
+                <a:cs typeface="Arial" panose="020B0604020202020204" pitchFamily="34" charset="0"/>
+              </a:rPr>
+              <a:t>Repository là một phần của Spring Data, giúp tách biệt logic truy xuất dữ liệu khỏi logic nghiệp vụ</a:t>
+            </a:r>
+            <a:r>
+              <a:rPr lang="en-US">
+                <a:latin typeface="Arial" panose="020B0604020202020204" pitchFamily="34" charset="0"/>
+                <a:cs typeface="Arial" panose="020B0604020202020204" pitchFamily="34" charset="0"/>
+              </a:rPr>
+              <a:t> (Service)</a:t>
+            </a:r>
+            <a:r>
+              <a:rPr lang="vi-VN">
+                <a:latin typeface="Arial" panose="020B0604020202020204" pitchFamily="34" charset="0"/>
+                <a:cs typeface="Arial" panose="020B0604020202020204" pitchFamily="34" charset="0"/>
+              </a:rPr>
+              <a:t> và cung cấp các phương thức để thực hiện các thao tác CRUD một cách dễ dàng.</a:t>
+            </a:r>
+            <a:endParaRPr lang="en-US">
               <a:latin typeface="Arial" panose="020B0604020202020204" pitchFamily="34" charset="0"/>
               <a:cs typeface="Arial" panose="020B0604020202020204" pitchFamily="34" charset="0"/>
             </a:endParaRPr>
           </a:p>
           <a:p>
             <a:r>
-              <a:rPr lang="vi-VN" dirty="0">
+              <a:rPr lang="en-US">
+                <a:solidFill>
+                  <a:srgbClr val="FFC000"/>
+                </a:solidFill>
                 <a:latin typeface="Arial" panose="020B0604020202020204" pitchFamily="34" charset="0"/>
                 <a:cs typeface="Arial" panose="020B0604020202020204" pitchFamily="34" charset="0"/>
               </a:rPr>
-              <a:t>Repository là một phần của Spring Data, giúp tách biệt logic truy xuất dữ liệu khỏi logic nghiệp </a:t>
-            </a:r>
-            <a:r>
-              <a:rPr lang="vi-VN" dirty="0" smtClean="0">
+              <a:t>@Repository</a:t>
+            </a:r>
+            <a:r>
+              <a:rPr lang="en-US">
                 <a:latin typeface="Arial" panose="020B0604020202020204" pitchFamily="34" charset="0"/>
                 <a:cs typeface="Arial" panose="020B0604020202020204" pitchFamily="34" charset="0"/>
               </a:rPr>
-              <a:t>vụ</a:t>
-            </a:r>
-            <a:r>
-              <a:rPr lang="en-US" dirty="0" smtClean="0">
-                <a:latin typeface="Arial" panose="020B0604020202020204" pitchFamily="34" charset="0"/>
-                <a:cs typeface="Arial" panose="020B0604020202020204" pitchFamily="34" charset="0"/>
-              </a:rPr>
-              <a:t> (Service)</a:t>
-            </a:r>
-            <a:r>
-              <a:rPr lang="vi-VN" dirty="0" smtClean="0">
-                <a:latin typeface="Arial" panose="020B0604020202020204" pitchFamily="34" charset="0"/>
-                <a:cs typeface="Arial" panose="020B0604020202020204" pitchFamily="34" charset="0"/>
-              </a:rPr>
-              <a:t> </a:t>
-            </a:r>
-            <a:r>
-              <a:rPr lang="vi-VN" dirty="0">
-                <a:latin typeface="Arial" panose="020B0604020202020204" pitchFamily="34" charset="0"/>
-                <a:cs typeface="Arial" panose="020B0604020202020204" pitchFamily="34" charset="0"/>
-              </a:rPr>
-              <a:t>và cung cấp các phương thức để thực hiện các thao tác CRUD </a:t>
-            </a:r>
-            <a:r>
-              <a:rPr lang="vi-VN" dirty="0" smtClean="0">
-                <a:latin typeface="Arial" panose="020B0604020202020204" pitchFamily="34" charset="0"/>
-                <a:cs typeface="Arial" panose="020B0604020202020204" pitchFamily="34" charset="0"/>
-              </a:rPr>
-              <a:t>một </a:t>
-            </a:r>
-            <a:r>
-              <a:rPr lang="vi-VN" dirty="0">
-                <a:latin typeface="Arial" panose="020B0604020202020204" pitchFamily="34" charset="0"/>
-                <a:cs typeface="Arial" panose="020B0604020202020204" pitchFamily="34" charset="0"/>
-              </a:rPr>
-              <a:t>cách dễ dàng.</a:t>
-            </a:r>
-            <a:endParaRPr lang="en-US" dirty="0" smtClean="0">
+              <a:t> dùng để đánh dấu một class là repository.</a:t>
+            </a:r>
+          </a:p>
+          <a:p>
+            <a:endParaRPr lang="en-US">
               <a:latin typeface="Arial" panose="020B0604020202020204" pitchFamily="34" charset="0"/>
               <a:cs typeface="Arial" panose="020B0604020202020204" pitchFamily="34" charset="0"/>
             </a:endParaRPr>
           </a:p>
           <a:p>
-            <a:r>
-              <a:rPr lang="en-US" dirty="0">
-                <a:solidFill>
-                  <a:srgbClr val="FFC000"/>
-                </a:solidFill>
-                <a:latin typeface="Arial" panose="020B0604020202020204" pitchFamily="34" charset="0"/>
-                <a:cs typeface="Arial" panose="020B0604020202020204" pitchFamily="34" charset="0"/>
-              </a:rPr>
-              <a:t>@</a:t>
-            </a:r>
-            <a:r>
-              <a:rPr lang="en-US" dirty="0" smtClean="0">
-                <a:solidFill>
-                  <a:srgbClr val="FFC000"/>
-                </a:solidFill>
-                <a:latin typeface="Arial" panose="020B0604020202020204" pitchFamily="34" charset="0"/>
-                <a:cs typeface="Arial" panose="020B0604020202020204" pitchFamily="34" charset="0"/>
-              </a:rPr>
-              <a:t>Repository</a:t>
-            </a:r>
-            <a:r>
-              <a:rPr lang="en-US" dirty="0" smtClean="0">
-                <a:latin typeface="Arial" panose="020B0604020202020204" pitchFamily="34" charset="0"/>
-                <a:cs typeface="Arial" panose="020B0604020202020204" pitchFamily="34" charset="0"/>
-              </a:rPr>
-              <a:t> dùng để đánh </a:t>
-            </a:r>
-            <a:r>
-              <a:rPr lang="en-US" dirty="0">
-                <a:latin typeface="Arial" panose="020B0604020202020204" pitchFamily="34" charset="0"/>
-                <a:cs typeface="Arial" panose="020B0604020202020204" pitchFamily="34" charset="0"/>
-              </a:rPr>
-              <a:t>dấu một </a:t>
-            </a:r>
-            <a:r>
-              <a:rPr lang="en-US" dirty="0" smtClean="0">
-                <a:latin typeface="Arial" panose="020B0604020202020204" pitchFamily="34" charset="0"/>
-                <a:cs typeface="Arial" panose="020B0604020202020204" pitchFamily="34" charset="0"/>
-              </a:rPr>
-              <a:t>class là repository.</a:t>
-            </a:r>
-          </a:p>
-          <a:p>
-            <a:endParaRPr lang="en-US" dirty="0">
+            <a:endParaRPr lang="en-US">
               <a:latin typeface="Arial" panose="020B0604020202020204" pitchFamily="34" charset="0"/>
               <a:cs typeface="Arial" panose="020B0604020202020204" pitchFamily="34" charset="0"/>
             </a:endParaRPr>
           </a:p>
           <a:p>
-            <a:endParaRPr lang="en-US" dirty="0" smtClean="0">
+            <a:endParaRPr lang="en-US">
               <a:latin typeface="Arial" panose="020B0604020202020204" pitchFamily="34" charset="0"/>
               <a:cs typeface="Arial" panose="020B0604020202020204" pitchFamily="34" charset="0"/>
             </a:endParaRPr>
           </a:p>
           <a:p>
-            <a:endParaRPr lang="en-US" dirty="0">
-              <a:latin typeface="Arial" panose="020B0604020202020204" pitchFamily="34" charset="0"/>
-              <a:cs typeface="Arial" panose="020B0604020202020204" pitchFamily="34" charset="0"/>
-            </a:endParaRPr>
-          </a:p>
-          <a:p>
-            <a:endParaRPr lang="en-US" dirty="0">
+            <a:endParaRPr lang="en-US">
               <a:latin typeface="Arial" panose="020B0604020202020204" pitchFamily="34" charset="0"/>
               <a:cs typeface="Arial" panose="020B0604020202020204" pitchFamily="34" charset="0"/>
             </a:endParaRPr>
@@ -6168,7 +6093,7 @@
           <a:lstStyle/>
           <a:p>
             <a:r>
-              <a:rPr lang="en-US" dirty="0">
+              <a:rPr lang="en-US">
                 <a:latin typeface="Arial" panose="020B0604020202020204" pitchFamily="34" charset="0"/>
                 <a:cs typeface="Arial" panose="020B0604020202020204" pitchFamily="34" charset="0"/>
               </a:rPr>
@@ -6193,7 +6118,7 @@
           <a:lstStyle/>
           <a:p>
             <a:r>
-              <a:rPr lang="en-US" dirty="0" smtClean="0">
+              <a:rPr lang="en-US">
                 <a:latin typeface="Arial" panose="020B0604020202020204" pitchFamily="34" charset="0"/>
                 <a:cs typeface="Arial" panose="020B0604020202020204" pitchFamily="34" charset="0"/>
               </a:rPr>
@@ -6201,49 +6126,49 @@
             </a:r>
           </a:p>
           <a:p>
-            <a:endParaRPr lang="en-US" dirty="0">
+            <a:endParaRPr lang="en-US">
               <a:latin typeface="Arial" panose="020B0604020202020204" pitchFamily="34" charset="0"/>
               <a:cs typeface="Arial" panose="020B0604020202020204" pitchFamily="34" charset="0"/>
             </a:endParaRPr>
           </a:p>
           <a:p>
-            <a:endParaRPr lang="en-US" dirty="0" smtClean="0">
+            <a:endParaRPr lang="en-US">
               <a:latin typeface="Arial" panose="020B0604020202020204" pitchFamily="34" charset="0"/>
               <a:cs typeface="Arial" panose="020B0604020202020204" pitchFamily="34" charset="0"/>
             </a:endParaRPr>
           </a:p>
           <a:p>
-            <a:endParaRPr lang="en-US" dirty="0">
+            <a:endParaRPr lang="en-US">
               <a:latin typeface="Arial" panose="020B0604020202020204" pitchFamily="34" charset="0"/>
               <a:cs typeface="Arial" panose="020B0604020202020204" pitchFamily="34" charset="0"/>
             </a:endParaRPr>
           </a:p>
           <a:p>
-            <a:endParaRPr lang="en-US" dirty="0" smtClean="0">
+            <a:endParaRPr lang="en-US">
               <a:latin typeface="Arial" panose="020B0604020202020204" pitchFamily="34" charset="0"/>
               <a:cs typeface="Arial" panose="020B0604020202020204" pitchFamily="34" charset="0"/>
             </a:endParaRPr>
           </a:p>
           <a:p>
-            <a:endParaRPr lang="en-US" dirty="0">
+            <a:endParaRPr lang="en-US">
               <a:latin typeface="Arial" panose="020B0604020202020204" pitchFamily="34" charset="0"/>
               <a:cs typeface="Arial" panose="020B0604020202020204" pitchFamily="34" charset="0"/>
             </a:endParaRPr>
           </a:p>
           <a:p>
-            <a:endParaRPr lang="en-US" dirty="0" smtClean="0">
+            <a:endParaRPr lang="en-US">
               <a:latin typeface="Arial" panose="020B0604020202020204" pitchFamily="34" charset="0"/>
               <a:cs typeface="Arial" panose="020B0604020202020204" pitchFamily="34" charset="0"/>
             </a:endParaRPr>
           </a:p>
           <a:p>
-            <a:endParaRPr lang="en-US" dirty="0">
+            <a:endParaRPr lang="en-US">
               <a:latin typeface="Arial" panose="020B0604020202020204" pitchFamily="34" charset="0"/>
               <a:cs typeface="Arial" panose="020B0604020202020204" pitchFamily="34" charset="0"/>
             </a:endParaRPr>
           </a:p>
           <a:p>
-            <a:endParaRPr lang="en-US" dirty="0">
+            <a:endParaRPr lang="en-US">
               <a:latin typeface="Arial" panose="020B0604020202020204" pitchFamily="34" charset="0"/>
               <a:cs typeface="Arial" panose="020B0604020202020204" pitchFamily="34" charset="0"/>
             </a:endParaRPr>
@@ -6321,7 +6246,7 @@
               <a:tabLst/>
             </a:pPr>
             <a:r>
-              <a:rPr kumimoji="0" lang="en-US" altLang="en-US" sz="1100" b="0" i="0" u="none" strike="noStrike" cap="none" normalizeH="0" baseline="0" dirty="0" smtClean="0">
+              <a:rPr kumimoji="0" lang="en-US" altLang="en-US" sz="1100" b="0" i="0" u="none" strike="noStrike" cap="none" normalizeH="0" baseline="0">
                 <a:ln>
                   <a:noFill/>
                 </a:ln>
@@ -6335,7 +6260,7 @@
               <a:t>@Service</a:t>
             </a:r>
             <a:br>
-              <a:rPr kumimoji="0" lang="en-US" altLang="en-US" sz="1100" b="0" i="0" u="none" strike="noStrike" cap="none" normalizeH="0" baseline="0" dirty="0" smtClean="0">
+              <a:rPr kumimoji="0" lang="en-US" altLang="en-US" sz="1100" b="0" i="0" u="none" strike="noStrike" cap="none" normalizeH="0" baseline="0">
                 <a:ln>
                   <a:noFill/>
                 </a:ln>
@@ -6348,7 +6273,7 @@
               </a:rPr>
             </a:br>
             <a:r>
-              <a:rPr kumimoji="0" lang="en-US" altLang="en-US" sz="1100" b="0" i="0" u="none" strike="noStrike" cap="none" normalizeH="0" baseline="0" dirty="0" smtClean="0">
+              <a:rPr kumimoji="0" lang="en-US" altLang="en-US" sz="1100" b="0" i="0" u="none" strike="noStrike" cap="none" normalizeH="0" baseline="0">
                 <a:ln>
                   <a:noFill/>
                 </a:ln>
@@ -6362,7 +6287,7 @@
               <a:t>@RequiredArgsConstructor</a:t>
             </a:r>
             <a:br>
-              <a:rPr kumimoji="0" lang="en-US" altLang="en-US" sz="1100" b="0" i="0" u="none" strike="noStrike" cap="none" normalizeH="0" baseline="0" dirty="0" smtClean="0">
+              <a:rPr kumimoji="0" lang="en-US" altLang="en-US" sz="1100" b="0" i="0" u="none" strike="noStrike" cap="none" normalizeH="0" baseline="0">
                 <a:ln>
                   <a:noFill/>
                 </a:ln>
@@ -6375,7 +6300,7 @@
               </a:rPr>
             </a:br>
             <a:r>
-              <a:rPr kumimoji="0" lang="en-US" altLang="en-US" sz="1100" b="0" i="0" u="none" strike="noStrike" cap="none" normalizeH="0" baseline="0" dirty="0" smtClean="0">
+              <a:rPr kumimoji="0" lang="en-US" altLang="en-US" sz="1100" b="0" i="0" u="none" strike="noStrike" cap="none" normalizeH="0" baseline="0">
                 <a:ln>
                   <a:noFill/>
                 </a:ln>
@@ -6389,7 +6314,7 @@
               <a:t>public class </a:t>
             </a:r>
             <a:r>
-              <a:rPr kumimoji="0" lang="en-US" altLang="en-US" sz="1100" b="0" i="0" u="none" strike="noStrike" cap="none" normalizeH="0" baseline="0" dirty="0" smtClean="0">
+              <a:rPr kumimoji="0" lang="en-US" altLang="en-US" sz="1100" b="0" i="0" u="none" strike="noStrike" cap="none" normalizeH="0" baseline="0">
                 <a:ln>
                   <a:noFill/>
                 </a:ln>
@@ -6403,7 +6328,7 @@
               <a:t>UserService </a:t>
             </a:r>
             <a:r>
-              <a:rPr kumimoji="0" lang="en-US" altLang="en-US" sz="1100" b="0" i="0" u="none" strike="noStrike" cap="none" normalizeH="0" baseline="0" dirty="0" smtClean="0">
+              <a:rPr kumimoji="0" lang="en-US" altLang="en-US" sz="1100" b="0" i="0" u="none" strike="noStrike" cap="none" normalizeH="0" baseline="0">
                 <a:ln>
                   <a:noFill/>
                 </a:ln>
@@ -6417,7 +6342,7 @@
               <a:t>{</a:t>
             </a:r>
             <a:br>
-              <a:rPr kumimoji="0" lang="en-US" altLang="en-US" sz="1100" b="0" i="0" u="none" strike="noStrike" cap="none" normalizeH="0" baseline="0" dirty="0" smtClean="0">
+              <a:rPr kumimoji="0" lang="en-US" altLang="en-US" sz="1100" b="0" i="0" u="none" strike="noStrike" cap="none" normalizeH="0" baseline="0">
                 <a:ln>
                   <a:noFill/>
                 </a:ln>
@@ -6430,7 +6355,7 @@
               </a:rPr>
             </a:br>
             <a:r>
-              <a:rPr kumimoji="0" lang="en-US" altLang="en-US" sz="1100" b="0" i="0" u="none" strike="noStrike" cap="none" normalizeH="0" baseline="0" dirty="0" smtClean="0">
+              <a:rPr kumimoji="0" lang="en-US" altLang="en-US" sz="1100" b="0" i="0" u="none" strike="noStrike" cap="none" normalizeH="0" baseline="0">
                 <a:ln>
                   <a:noFill/>
                 </a:ln>
@@ -6444,7 +6369,7 @@
               <a:t>    </a:t>
             </a:r>
             <a:r>
-              <a:rPr kumimoji="0" lang="en-US" altLang="en-US" sz="1100" b="0" i="0" u="none" strike="noStrike" cap="none" normalizeH="0" baseline="0" dirty="0" smtClean="0">
+              <a:rPr kumimoji="0" lang="en-US" altLang="en-US" sz="1100" b="0" i="0" u="none" strike="noStrike" cap="none" normalizeH="0" baseline="0">
                 <a:ln>
                   <a:noFill/>
                 </a:ln>
@@ -6458,7 +6383,7 @@
               <a:t>private final </a:t>
             </a:r>
             <a:r>
-              <a:rPr kumimoji="0" lang="en-US" altLang="en-US" sz="1100" b="0" i="1" u="none" strike="noStrike" cap="none" normalizeH="0" baseline="0" dirty="0" smtClean="0">
+              <a:rPr kumimoji="0" lang="en-US" altLang="en-US" sz="1100" b="0" i="1" u="none" strike="noStrike" cap="none" normalizeH="0" baseline="0">
                 <a:ln>
                   <a:noFill/>
                 </a:ln>
@@ -6472,7 +6397,7 @@
               <a:t>UserRepository </a:t>
             </a:r>
             <a:r>
-              <a:rPr kumimoji="0" lang="en-US" altLang="en-US" sz="1100" b="0" i="0" u="none" strike="noStrike" cap="none" normalizeH="0" baseline="0" dirty="0" smtClean="0">
+              <a:rPr kumimoji="0" lang="en-US" altLang="en-US" sz="1100" b="0" i="0" u="none" strike="noStrike" cap="none" normalizeH="0" baseline="0">
                 <a:ln>
                   <a:noFill/>
                 </a:ln>
@@ -6486,7 +6411,7 @@
               <a:t>userRepository;</a:t>
             </a:r>
             <a:br>
-              <a:rPr kumimoji="0" lang="en-US" altLang="en-US" sz="1100" b="0" i="0" u="none" strike="noStrike" cap="none" normalizeH="0" baseline="0" dirty="0" smtClean="0">
+              <a:rPr kumimoji="0" lang="en-US" altLang="en-US" sz="1100" b="0" i="0" u="none" strike="noStrike" cap="none" normalizeH="0" baseline="0">
                 <a:ln>
                   <a:noFill/>
                 </a:ln>
@@ -6499,7 +6424,7 @@
               </a:rPr>
             </a:br>
             <a:r>
-              <a:rPr kumimoji="0" lang="en-US" altLang="en-US" sz="1100" b="0" i="0" u="none" strike="noStrike" cap="none" normalizeH="0" baseline="0" dirty="0" smtClean="0">
+              <a:rPr kumimoji="0" lang="en-US" altLang="en-US" sz="1100" b="0" i="0" u="none" strike="noStrike" cap="none" normalizeH="0" baseline="0">
                 <a:ln>
                   <a:noFill/>
                 </a:ln>
@@ -6513,7 +6438,7 @@
               <a:t>    </a:t>
             </a:r>
             <a:r>
-              <a:rPr kumimoji="0" lang="en-US" altLang="en-US" sz="1100" b="0" i="0" u="none" strike="noStrike" cap="none" normalizeH="0" baseline="0" dirty="0" smtClean="0">
+              <a:rPr kumimoji="0" lang="en-US" altLang="en-US" sz="1100" b="0" i="0" u="none" strike="noStrike" cap="none" normalizeH="0" baseline="0">
                 <a:ln>
                   <a:noFill/>
                 </a:ln>
@@ -6527,7 +6452,7 @@
               <a:t>private final </a:t>
             </a:r>
             <a:r>
-              <a:rPr kumimoji="0" lang="en-US" altLang="en-US" sz="1100" b="0" i="1" u="none" strike="noStrike" cap="none" normalizeH="0" baseline="0" dirty="0" smtClean="0">
+              <a:rPr kumimoji="0" lang="en-US" altLang="en-US" sz="1100" b="0" i="1" u="none" strike="noStrike" cap="none" normalizeH="0" baseline="0">
                 <a:ln>
                   <a:noFill/>
                 </a:ln>
@@ -6541,7 +6466,7 @@
               <a:t>UserPagingRepository </a:t>
             </a:r>
             <a:r>
-              <a:rPr kumimoji="0" lang="en-US" altLang="en-US" sz="1100" b="0" i="0" u="none" strike="noStrike" cap="none" normalizeH="0" baseline="0" dirty="0" smtClean="0">
+              <a:rPr kumimoji="0" lang="en-US" altLang="en-US" sz="1100" b="0" i="0" u="none" strike="noStrike" cap="none" normalizeH="0" baseline="0">
                 <a:ln>
                   <a:noFill/>
                 </a:ln>
@@ -6555,7 +6480,7 @@
               <a:t>userPagingRepository;</a:t>
             </a:r>
             <a:br>
-              <a:rPr kumimoji="0" lang="en-US" altLang="en-US" sz="1100" b="0" i="0" u="none" strike="noStrike" cap="none" normalizeH="0" baseline="0" dirty="0" smtClean="0">
+              <a:rPr kumimoji="0" lang="en-US" altLang="en-US" sz="1100" b="0" i="0" u="none" strike="noStrike" cap="none" normalizeH="0" baseline="0">
                 <a:ln>
                   <a:noFill/>
                 </a:ln>
@@ -6567,8 +6492,8 @@
                 <a:ea typeface="JetBrains Mono"/>
               </a:rPr>
             </a:br>
-            <a:r>
-              <a:rPr kumimoji="0" lang="en-US" altLang="en-US" sz="1100" b="0" i="0" u="none" strike="noStrike" cap="none" normalizeH="0" baseline="0" dirty="0" smtClean="0">
+            <a:br>
+              <a:rPr kumimoji="0" lang="en-US" altLang="en-US" sz="1100" b="0" i="0" u="none" strike="noStrike" cap="none" normalizeH="0" baseline="0">
                 <a:ln>
                   <a:noFill/>
                 </a:ln>
@@ -6579,10 +6504,50 @@
                 <a:latin typeface="Arial Unicode MS"/>
                 <a:ea typeface="JetBrains Mono"/>
               </a:rPr>
-              <a:t/>
+            </a:br>
+            <a:r>
+              <a:rPr kumimoji="0" lang="en-US" altLang="en-US" sz="1100" b="0" i="0" u="none" strike="noStrike" cap="none" normalizeH="0" baseline="0">
+                <a:ln>
+                  <a:noFill/>
+                </a:ln>
+                <a:solidFill>
+                  <a:srgbClr val="F8F8F2"/>
+                </a:solidFill>
+                <a:effectLst/>
+                <a:latin typeface="Arial Unicode MS"/>
+                <a:ea typeface="JetBrains Mono"/>
+              </a:rPr>
+              <a:t>    </a:t>
+            </a:r>
+            <a:r>
+              <a:rPr kumimoji="0" lang="en-US" altLang="en-US" sz="1100" b="0" i="1" u="none" strike="noStrike" cap="none" normalizeH="0" baseline="0">
+                <a:ln>
+                  <a:noFill/>
+                </a:ln>
+                <a:solidFill>
+                  <a:srgbClr val="6272A4"/>
+                </a:solidFill>
+                <a:effectLst/>
+                <a:latin typeface="Arial Unicode MS"/>
+                <a:ea typeface="JetBrains Mono"/>
+              </a:rPr>
+              <a:t>// Code here</a:t>
             </a:r>
             <a:br>
-              <a:rPr kumimoji="0" lang="en-US" altLang="en-US" sz="1100" b="0" i="0" u="none" strike="noStrike" cap="none" normalizeH="0" baseline="0" dirty="0" smtClean="0">
+              <a:rPr kumimoji="0" lang="en-US" altLang="en-US" sz="1100" b="0" i="1" u="none" strike="noStrike" cap="none" normalizeH="0" baseline="0">
+                <a:ln>
+                  <a:noFill/>
+                </a:ln>
+                <a:solidFill>
+                  <a:srgbClr val="6272A4"/>
+                </a:solidFill>
+                <a:effectLst/>
+                <a:latin typeface="Arial Unicode MS"/>
+                <a:ea typeface="JetBrains Mono"/>
+              </a:rPr>
+            </a:br>
+            <a:r>
+              <a:rPr kumimoji="0" lang="en-US" altLang="en-US" sz="1100" b="0" i="0" u="none" strike="noStrike" cap="none" normalizeH="0" baseline="0">
                 <a:ln>
                   <a:noFill/>
                 </a:ln>
@@ -6593,63 +6558,9 @@
                 <a:latin typeface="Arial Unicode MS"/>
                 <a:ea typeface="JetBrains Mono"/>
               </a:rPr>
-            </a:br>
-            <a:r>
-              <a:rPr kumimoji="0" lang="en-US" altLang="en-US" sz="1100" b="0" i="0" u="none" strike="noStrike" cap="none" normalizeH="0" baseline="0" dirty="0" smtClean="0">
-                <a:ln>
-                  <a:noFill/>
-                </a:ln>
-                <a:solidFill>
-                  <a:srgbClr val="F8F8F2"/>
-                </a:solidFill>
-                <a:effectLst/>
-                <a:latin typeface="Arial Unicode MS"/>
-                <a:ea typeface="JetBrains Mono"/>
-              </a:rPr>
-              <a:t>    </a:t>
-            </a:r>
-            <a:r>
-              <a:rPr kumimoji="0" lang="en-US" altLang="en-US" sz="1100" b="0" i="1" u="none" strike="noStrike" cap="none" normalizeH="0" baseline="0" dirty="0" smtClean="0">
-                <a:ln>
-                  <a:noFill/>
-                </a:ln>
-                <a:solidFill>
-                  <a:srgbClr val="6272A4"/>
-                </a:solidFill>
-                <a:effectLst/>
-                <a:latin typeface="Arial Unicode MS"/>
-                <a:ea typeface="JetBrains Mono"/>
-              </a:rPr>
-              <a:t>// Code here</a:t>
-            </a:r>
-            <a:br>
-              <a:rPr kumimoji="0" lang="en-US" altLang="en-US" sz="1100" b="0" i="1" u="none" strike="noStrike" cap="none" normalizeH="0" baseline="0" dirty="0" smtClean="0">
-                <a:ln>
-                  <a:noFill/>
-                </a:ln>
-                <a:solidFill>
-                  <a:srgbClr val="6272A4"/>
-                </a:solidFill>
-                <a:effectLst/>
-                <a:latin typeface="Arial Unicode MS"/>
-                <a:ea typeface="JetBrains Mono"/>
-              </a:rPr>
-            </a:br>
-            <a:r>
-              <a:rPr kumimoji="0" lang="en-US" altLang="en-US" sz="1100" b="0" i="0" u="none" strike="noStrike" cap="none" normalizeH="0" baseline="0" dirty="0" smtClean="0">
-                <a:ln>
-                  <a:noFill/>
-                </a:ln>
-                <a:solidFill>
-                  <a:srgbClr val="F8F8F2"/>
-                </a:solidFill>
-                <a:effectLst/>
-                <a:latin typeface="Arial Unicode MS"/>
-                <a:ea typeface="JetBrains Mono"/>
-              </a:rPr>
               <a:t>}</a:t>
             </a:r>
-            <a:endParaRPr kumimoji="0" lang="en-US" altLang="en-US" sz="2800" b="0" i="0" u="none" strike="noStrike" cap="none" normalizeH="0" baseline="0" dirty="0" smtClean="0">
+            <a:endParaRPr kumimoji="0" lang="en-US" altLang="en-US" sz="2800" b="0" i="0" u="none" strike="noStrike" cap="none" normalizeH="0" baseline="0">
               <a:ln>
                 <a:noFill/>
               </a:ln>
@@ -6708,7 +6619,7 @@
           <a:lstStyle/>
           <a:p>
             <a:r>
-              <a:rPr lang="en-US" dirty="0">
+              <a:rPr lang="en-US">
                 <a:latin typeface="Arial" panose="020B0604020202020204" pitchFamily="34" charset="0"/>
                 <a:cs typeface="Arial" panose="020B0604020202020204" pitchFamily="34" charset="0"/>
               </a:rPr>
@@ -6733,7 +6644,7 @@
           <a:lstStyle/>
           <a:p>
             <a:r>
-              <a:rPr lang="en-US" dirty="0" smtClean="0">
+              <a:rPr lang="en-US">
                 <a:latin typeface="Arial" panose="020B0604020202020204" pitchFamily="34" charset="0"/>
                 <a:cs typeface="Arial" panose="020B0604020202020204" pitchFamily="34" charset="0"/>
               </a:rPr>
@@ -6741,49 +6652,49 @@
             </a:r>
           </a:p>
           <a:p>
-            <a:endParaRPr lang="en-US" dirty="0">
+            <a:endParaRPr lang="en-US">
               <a:latin typeface="Arial" panose="020B0604020202020204" pitchFamily="34" charset="0"/>
               <a:cs typeface="Arial" panose="020B0604020202020204" pitchFamily="34" charset="0"/>
             </a:endParaRPr>
           </a:p>
           <a:p>
-            <a:endParaRPr lang="en-US" dirty="0" smtClean="0">
+            <a:endParaRPr lang="en-US">
               <a:latin typeface="Arial" panose="020B0604020202020204" pitchFamily="34" charset="0"/>
               <a:cs typeface="Arial" panose="020B0604020202020204" pitchFamily="34" charset="0"/>
             </a:endParaRPr>
           </a:p>
           <a:p>
-            <a:endParaRPr lang="en-US" dirty="0">
+            <a:endParaRPr lang="en-US">
               <a:latin typeface="Arial" panose="020B0604020202020204" pitchFamily="34" charset="0"/>
               <a:cs typeface="Arial" panose="020B0604020202020204" pitchFamily="34" charset="0"/>
             </a:endParaRPr>
           </a:p>
           <a:p>
-            <a:endParaRPr lang="en-US" dirty="0" smtClean="0">
+            <a:endParaRPr lang="en-US">
               <a:latin typeface="Arial" panose="020B0604020202020204" pitchFamily="34" charset="0"/>
               <a:cs typeface="Arial" panose="020B0604020202020204" pitchFamily="34" charset="0"/>
             </a:endParaRPr>
           </a:p>
           <a:p>
-            <a:endParaRPr lang="en-US" dirty="0">
+            <a:endParaRPr lang="en-US">
               <a:latin typeface="Arial" panose="020B0604020202020204" pitchFamily="34" charset="0"/>
               <a:cs typeface="Arial" panose="020B0604020202020204" pitchFamily="34" charset="0"/>
             </a:endParaRPr>
           </a:p>
           <a:p>
-            <a:endParaRPr lang="en-US" dirty="0" smtClean="0">
+            <a:endParaRPr lang="en-US">
               <a:latin typeface="Arial" panose="020B0604020202020204" pitchFamily="34" charset="0"/>
               <a:cs typeface="Arial" panose="020B0604020202020204" pitchFamily="34" charset="0"/>
             </a:endParaRPr>
           </a:p>
           <a:p>
-            <a:endParaRPr lang="en-US" dirty="0">
+            <a:endParaRPr lang="en-US">
               <a:latin typeface="Arial" panose="020B0604020202020204" pitchFamily="34" charset="0"/>
               <a:cs typeface="Arial" panose="020B0604020202020204" pitchFamily="34" charset="0"/>
             </a:endParaRPr>
           </a:p>
           <a:p>
-            <a:endParaRPr lang="en-US" dirty="0">
+            <a:endParaRPr lang="en-US">
               <a:latin typeface="Arial" panose="020B0604020202020204" pitchFamily="34" charset="0"/>
               <a:cs typeface="Arial" panose="020B0604020202020204" pitchFamily="34" charset="0"/>
             </a:endParaRPr>
@@ -6861,7 +6772,7 @@
               <a:tabLst/>
             </a:pPr>
             <a:r>
-              <a:rPr kumimoji="0" lang="en-US" altLang="en-US" sz="1100" b="0" i="0" u="none" strike="noStrike" cap="none" normalizeH="0" baseline="0" dirty="0" smtClean="0">
+              <a:rPr kumimoji="0" lang="en-US" altLang="en-US" sz="1100" b="0" i="0" u="none" strike="noStrike" cap="none" normalizeH="0" baseline="0">
                 <a:ln>
                   <a:noFill/>
                 </a:ln>
@@ -6875,7 +6786,7 @@
               <a:t>@RestController</a:t>
             </a:r>
             <a:br>
-              <a:rPr kumimoji="0" lang="en-US" altLang="en-US" sz="1100" b="0" i="0" u="none" strike="noStrike" cap="none" normalizeH="0" baseline="0" dirty="0" smtClean="0">
+              <a:rPr kumimoji="0" lang="en-US" altLang="en-US" sz="1100" b="0" i="0" u="none" strike="noStrike" cap="none" normalizeH="0" baseline="0">
                 <a:ln>
                   <a:noFill/>
                 </a:ln>
@@ -6888,7 +6799,7 @@
               </a:rPr>
             </a:br>
             <a:r>
-              <a:rPr kumimoji="0" lang="en-US" altLang="en-US" sz="1100" b="0" i="0" u="none" strike="noStrike" cap="none" normalizeH="0" baseline="0" dirty="0" smtClean="0">
+              <a:rPr kumimoji="0" lang="en-US" altLang="en-US" sz="1100" b="0" i="0" u="none" strike="noStrike" cap="none" normalizeH="0" baseline="0">
                 <a:ln>
                   <a:noFill/>
                 </a:ln>
@@ -6902,7 +6813,7 @@
               <a:t>@RequiredArgsConstructor</a:t>
             </a:r>
             <a:br>
-              <a:rPr kumimoji="0" lang="en-US" altLang="en-US" sz="1100" b="0" i="0" u="none" strike="noStrike" cap="none" normalizeH="0" baseline="0" dirty="0" smtClean="0">
+              <a:rPr kumimoji="0" lang="en-US" altLang="en-US" sz="1100" b="0" i="0" u="none" strike="noStrike" cap="none" normalizeH="0" baseline="0">
                 <a:ln>
                   <a:noFill/>
                 </a:ln>
@@ -6915,7 +6826,7 @@
               </a:rPr>
             </a:br>
             <a:r>
-              <a:rPr kumimoji="0" lang="en-US" altLang="en-US" sz="1100" b="0" i="0" u="none" strike="noStrike" cap="none" normalizeH="0" baseline="0" dirty="0" smtClean="0">
+              <a:rPr kumimoji="0" lang="en-US" altLang="en-US" sz="1100" b="0" i="0" u="none" strike="noStrike" cap="none" normalizeH="0" baseline="0">
                 <a:ln>
                   <a:noFill/>
                 </a:ln>
@@ -6929,7 +6840,7 @@
               <a:t>public class </a:t>
             </a:r>
             <a:r>
-              <a:rPr kumimoji="0" lang="en-US" altLang="en-US" sz="1100" b="0" i="0" u="none" strike="noStrike" cap="none" normalizeH="0" baseline="0" dirty="0" smtClean="0">
+              <a:rPr kumimoji="0" lang="en-US" altLang="en-US" sz="1100" b="0" i="0" u="none" strike="noStrike" cap="none" normalizeH="0" baseline="0">
                 <a:ln>
                   <a:noFill/>
                 </a:ln>
@@ -6943,7 +6854,7 @@
               <a:t>UserController </a:t>
             </a:r>
             <a:r>
-              <a:rPr kumimoji="0" lang="en-US" altLang="en-US" sz="1100" b="0" i="0" u="none" strike="noStrike" cap="none" normalizeH="0" baseline="0" dirty="0" smtClean="0">
+              <a:rPr kumimoji="0" lang="en-US" altLang="en-US" sz="1100" b="0" i="0" u="none" strike="noStrike" cap="none" normalizeH="0" baseline="0">
                 <a:ln>
                   <a:noFill/>
                 </a:ln>
@@ -6957,7 +6868,7 @@
               <a:t>{</a:t>
             </a:r>
             <a:br>
-              <a:rPr kumimoji="0" lang="en-US" altLang="en-US" sz="1100" b="0" i="0" u="none" strike="noStrike" cap="none" normalizeH="0" baseline="0" dirty="0" smtClean="0">
+              <a:rPr kumimoji="0" lang="en-US" altLang="en-US" sz="1100" b="0" i="0" u="none" strike="noStrike" cap="none" normalizeH="0" baseline="0">
                 <a:ln>
                   <a:noFill/>
                 </a:ln>
@@ -6970,7 +6881,7 @@
               </a:rPr>
             </a:br>
             <a:r>
-              <a:rPr kumimoji="0" lang="en-US" altLang="en-US" sz="1100" b="0" i="0" u="none" strike="noStrike" cap="none" normalizeH="0" baseline="0" dirty="0" smtClean="0">
+              <a:rPr kumimoji="0" lang="en-US" altLang="en-US" sz="1100" b="0" i="0" u="none" strike="noStrike" cap="none" normalizeH="0" baseline="0">
                 <a:ln>
                   <a:noFill/>
                 </a:ln>
@@ -6984,7 +6895,7 @@
               <a:t>    </a:t>
             </a:r>
             <a:r>
-              <a:rPr kumimoji="0" lang="en-US" altLang="en-US" sz="1100" b="0" i="0" u="none" strike="noStrike" cap="none" normalizeH="0" baseline="0" dirty="0" smtClean="0">
+              <a:rPr kumimoji="0" lang="en-US" altLang="en-US" sz="1100" b="0" i="0" u="none" strike="noStrike" cap="none" normalizeH="0" baseline="0">
                 <a:ln>
                   <a:noFill/>
                 </a:ln>
@@ -6998,7 +6909,7 @@
               <a:t>private final </a:t>
             </a:r>
             <a:r>
-              <a:rPr kumimoji="0" lang="en-US" altLang="en-US" sz="1100" b="0" i="0" u="none" strike="noStrike" cap="none" normalizeH="0" baseline="0" dirty="0" smtClean="0">
+              <a:rPr kumimoji="0" lang="en-US" altLang="en-US" sz="1100" b="0" i="0" u="none" strike="noStrike" cap="none" normalizeH="0" baseline="0">
                 <a:ln>
                   <a:noFill/>
                 </a:ln>
@@ -7012,7 +6923,7 @@
               <a:t>UserService </a:t>
             </a:r>
             <a:r>
-              <a:rPr kumimoji="0" lang="en-US" altLang="en-US" sz="1100" b="0" i="0" u="none" strike="noStrike" cap="none" normalizeH="0" baseline="0" dirty="0" smtClean="0">
+              <a:rPr kumimoji="0" lang="en-US" altLang="en-US" sz="1100" b="0" i="0" u="none" strike="noStrike" cap="none" normalizeH="0" baseline="0">
                 <a:ln>
                   <a:noFill/>
                 </a:ln>
@@ -7026,7 +6937,7 @@
               <a:t>userService;</a:t>
             </a:r>
             <a:br>
-              <a:rPr kumimoji="0" lang="en-US" altLang="en-US" sz="1100" b="0" i="0" u="none" strike="noStrike" cap="none" normalizeH="0" baseline="0" dirty="0" smtClean="0">
+              <a:rPr kumimoji="0" lang="en-US" altLang="en-US" sz="1100" b="0" i="0" u="none" strike="noStrike" cap="none" normalizeH="0" baseline="0">
                 <a:ln>
                   <a:noFill/>
                 </a:ln>
@@ -7038,8 +6949,8 @@
                 <a:ea typeface="JetBrains Mono"/>
               </a:rPr>
             </a:br>
-            <a:r>
-              <a:rPr kumimoji="0" lang="en-US" altLang="en-US" sz="1100" b="0" i="0" u="none" strike="noStrike" cap="none" normalizeH="0" baseline="0" dirty="0" smtClean="0">
+            <a:br>
+              <a:rPr kumimoji="0" lang="en-US" altLang="en-US" sz="1100" b="0" i="0" u="none" strike="noStrike" cap="none" normalizeH="0" baseline="0">
                 <a:ln>
                   <a:noFill/>
                 </a:ln>
@@ -7050,10 +6961,50 @@
                 <a:latin typeface="Arial Unicode MS"/>
                 <a:ea typeface="JetBrains Mono"/>
               </a:rPr>
-              <a:t/>
+            </a:br>
+            <a:r>
+              <a:rPr kumimoji="0" lang="en-US" altLang="en-US" sz="1100" b="0" i="0" u="none" strike="noStrike" cap="none" normalizeH="0" baseline="0">
+                <a:ln>
+                  <a:noFill/>
+                </a:ln>
+                <a:solidFill>
+                  <a:srgbClr val="F8F8F2"/>
+                </a:solidFill>
+                <a:effectLst/>
+                <a:latin typeface="Arial Unicode MS"/>
+                <a:ea typeface="JetBrains Mono"/>
+              </a:rPr>
+              <a:t>   </a:t>
+            </a:r>
+            <a:r>
+              <a:rPr kumimoji="0" lang="en-US" altLang="en-US" sz="1100" b="0" i="1" u="none" strike="noStrike" cap="none" normalizeH="0" baseline="0">
+                <a:ln>
+                  <a:noFill/>
+                </a:ln>
+                <a:solidFill>
+                  <a:srgbClr val="6272A4"/>
+                </a:solidFill>
+                <a:effectLst/>
+                <a:latin typeface="Arial Unicode MS"/>
+                <a:ea typeface="JetBrains Mono"/>
+              </a:rPr>
+              <a:t>// Code here</a:t>
             </a:r>
             <a:br>
-              <a:rPr kumimoji="0" lang="en-US" altLang="en-US" sz="1100" b="0" i="0" u="none" strike="noStrike" cap="none" normalizeH="0" baseline="0" dirty="0" smtClean="0">
+              <a:rPr kumimoji="0" lang="en-US" altLang="en-US" sz="1100" b="0" i="1" u="none" strike="noStrike" cap="none" normalizeH="0" baseline="0">
+                <a:ln>
+                  <a:noFill/>
+                </a:ln>
+                <a:solidFill>
+                  <a:srgbClr val="6272A4"/>
+                </a:solidFill>
+                <a:effectLst/>
+                <a:latin typeface="Arial Unicode MS"/>
+                <a:ea typeface="JetBrains Mono"/>
+              </a:rPr>
+            </a:br>
+            <a:r>
+              <a:rPr kumimoji="0" lang="en-US" altLang="en-US" sz="1100" b="0" i="0" u="none" strike="noStrike" cap="none" normalizeH="0" baseline="0">
                 <a:ln>
                   <a:noFill/>
                 </a:ln>
@@ -7064,63 +7015,9 @@
                 <a:latin typeface="Arial Unicode MS"/>
                 <a:ea typeface="JetBrains Mono"/>
               </a:rPr>
-            </a:br>
-            <a:r>
-              <a:rPr kumimoji="0" lang="en-US" altLang="en-US" sz="1100" b="0" i="0" u="none" strike="noStrike" cap="none" normalizeH="0" baseline="0" dirty="0" smtClean="0">
-                <a:ln>
-                  <a:noFill/>
-                </a:ln>
-                <a:solidFill>
-                  <a:srgbClr val="F8F8F2"/>
-                </a:solidFill>
-                <a:effectLst/>
-                <a:latin typeface="Arial Unicode MS"/>
-                <a:ea typeface="JetBrains Mono"/>
-              </a:rPr>
-              <a:t>   </a:t>
-            </a:r>
-            <a:r>
-              <a:rPr kumimoji="0" lang="en-US" altLang="en-US" sz="1100" b="0" i="1" u="none" strike="noStrike" cap="none" normalizeH="0" baseline="0" dirty="0" smtClean="0">
-                <a:ln>
-                  <a:noFill/>
-                </a:ln>
-                <a:solidFill>
-                  <a:srgbClr val="6272A4"/>
-                </a:solidFill>
-                <a:effectLst/>
-                <a:latin typeface="Arial Unicode MS"/>
-                <a:ea typeface="JetBrains Mono"/>
-              </a:rPr>
-              <a:t>// Code here</a:t>
-            </a:r>
-            <a:br>
-              <a:rPr kumimoji="0" lang="en-US" altLang="en-US" sz="1100" b="0" i="1" u="none" strike="noStrike" cap="none" normalizeH="0" baseline="0" dirty="0" smtClean="0">
-                <a:ln>
-                  <a:noFill/>
-                </a:ln>
-                <a:solidFill>
-                  <a:srgbClr val="6272A4"/>
-                </a:solidFill>
-                <a:effectLst/>
-                <a:latin typeface="Arial Unicode MS"/>
-                <a:ea typeface="JetBrains Mono"/>
-              </a:rPr>
-            </a:br>
-            <a:r>
-              <a:rPr kumimoji="0" lang="en-US" altLang="en-US" sz="1100" b="0" i="0" u="none" strike="noStrike" cap="none" normalizeH="0" baseline="0" dirty="0" smtClean="0">
-                <a:ln>
-                  <a:noFill/>
-                </a:ln>
-                <a:solidFill>
-                  <a:srgbClr val="F8F8F2"/>
-                </a:solidFill>
-                <a:effectLst/>
-                <a:latin typeface="Arial Unicode MS"/>
-                <a:ea typeface="JetBrains Mono"/>
-              </a:rPr>
               <a:t>}</a:t>
             </a:r>
-            <a:endParaRPr kumimoji="0" lang="en-US" altLang="en-US" sz="2800" b="0" i="0" u="none" strike="noStrike" cap="none" normalizeH="0" baseline="0" dirty="0" smtClean="0">
+            <a:endParaRPr kumimoji="0" lang="en-US" altLang="en-US" sz="2800" b="0" i="0" u="none" strike="noStrike" cap="none" normalizeH="0" baseline="0">
               <a:ln>
                 <a:noFill/>
               </a:ln>
@@ -7179,111 +7076,88 @@
           <a:lstStyle/>
           <a:p>
             <a:r>
-              <a:rPr lang="en-US" dirty="0">
+              <a:rPr lang="en-US">
                 <a:latin typeface="Arial" panose="020B0604020202020204" pitchFamily="34" charset="0"/>
                 <a:cs typeface="Arial" panose="020B0604020202020204" pitchFamily="34" charset="0"/>
               </a:rPr>
               <a:t>CrudRepository</a:t>
             </a:r>
-            <a:endParaRPr lang="en-US" dirty="0">
+          </a:p>
+        </p:txBody>
+      </p:sp>
+      <p:sp>
+        <p:nvSpPr>
+          <p:cNvPr id="3" name="Content Placeholder 2"/>
+          <p:cNvSpPr>
+            <a:spLocks noGrp="1"/>
+          </p:cNvSpPr>
+          <p:nvPr>
+            <p:ph idx="1"/>
+          </p:nvPr>
+        </p:nvSpPr>
+        <p:spPr/>
+        <p:txBody>
+          <a:bodyPr/>
+          <a:lstStyle/>
+          <a:p>
+            <a:r>
+              <a:rPr lang="en-US">
+                <a:latin typeface="Arial" panose="020B0604020202020204" pitchFamily="34" charset="0"/>
+                <a:cs typeface="Arial" panose="020B0604020202020204" pitchFamily="34" charset="0"/>
+              </a:rPr>
+              <a:t>Ví dụ get count all user</a:t>
+            </a:r>
+          </a:p>
+          <a:p>
+            <a:r>
+              <a:rPr lang="en-US">
+                <a:latin typeface="Arial" panose="020B0604020202020204" pitchFamily="34" charset="0"/>
+                <a:cs typeface="Arial" panose="020B0604020202020204" pitchFamily="34" charset="0"/>
+              </a:rPr>
+              <a:t>Spring jdbc</a:t>
+            </a:r>
+          </a:p>
+          <a:p>
+            <a:endParaRPr lang="en-US">
               <a:latin typeface="Arial" panose="020B0604020202020204" pitchFamily="34" charset="0"/>
               <a:cs typeface="Arial" panose="020B0604020202020204" pitchFamily="34" charset="0"/>
             </a:endParaRPr>
           </a:p>
-        </p:txBody>
-      </p:sp>
-      <p:sp>
-        <p:nvSpPr>
-          <p:cNvPr id="3" name="Content Placeholder 2"/>
-          <p:cNvSpPr>
-            <a:spLocks noGrp="1"/>
-          </p:cNvSpPr>
-          <p:nvPr>
-            <p:ph idx="1"/>
-          </p:nvPr>
-        </p:nvSpPr>
-        <p:spPr/>
-        <p:txBody>
-          <a:bodyPr/>
-          <a:lstStyle/>
-          <a:p>
-            <a:r>
-              <a:rPr lang="en-US" dirty="0" smtClean="0">
-                <a:latin typeface="Arial" panose="020B0604020202020204" pitchFamily="34" charset="0"/>
-                <a:cs typeface="Arial" panose="020B0604020202020204" pitchFamily="34" charset="0"/>
-              </a:rPr>
-              <a:t>Ví dụ get count all user</a:t>
-            </a:r>
-            <a:endParaRPr lang="en-US" dirty="0">
+          <a:p>
+            <a:endParaRPr lang="en-US">
               <a:latin typeface="Arial" panose="020B0604020202020204" pitchFamily="34" charset="0"/>
               <a:cs typeface="Arial" panose="020B0604020202020204" pitchFamily="34" charset="0"/>
             </a:endParaRPr>
           </a:p>
           <a:p>
-            <a:r>
-              <a:rPr lang="en-US" dirty="0" smtClean="0">
-                <a:latin typeface="Arial" panose="020B0604020202020204" pitchFamily="34" charset="0"/>
-                <a:cs typeface="Arial" panose="020B0604020202020204" pitchFamily="34" charset="0"/>
-              </a:rPr>
-              <a:t>Spring jdbc</a:t>
-            </a:r>
-            <a:endParaRPr lang="en-US" dirty="0">
+            <a:endParaRPr lang="en-US">
               <a:latin typeface="Arial" panose="020B0604020202020204" pitchFamily="34" charset="0"/>
               <a:cs typeface="Arial" panose="020B0604020202020204" pitchFamily="34" charset="0"/>
             </a:endParaRPr>
           </a:p>
           <a:p>
-            <a:endParaRPr lang="en-US" dirty="0" smtClean="0">
+            <a:endParaRPr lang="en-US">
               <a:latin typeface="Arial" panose="020B0604020202020204" pitchFamily="34" charset="0"/>
               <a:cs typeface="Arial" panose="020B0604020202020204" pitchFamily="34" charset="0"/>
             </a:endParaRPr>
           </a:p>
           <a:p>
-            <a:endParaRPr lang="en-US" dirty="0">
+            <a:r>
+              <a:rPr lang="en-US">
+                <a:latin typeface="Arial" panose="020B0604020202020204" pitchFamily="34" charset="0"/>
+                <a:cs typeface="Arial" panose="020B0604020202020204" pitchFamily="34" charset="0"/>
+              </a:rPr>
+              <a:t>Với Spring data jdbc thì chúng ta không cần viết thêm vì CrudRepository đã tạo sẳn cho chúng ta rồi, chúng ta chỉ việc lấy ra và sử dụng ^^</a:t>
+            </a:r>
+          </a:p>
+          <a:p>
+            <a:endParaRPr lang="en-US">
               <a:latin typeface="Arial" panose="020B0604020202020204" pitchFamily="34" charset="0"/>
               <a:cs typeface="Arial" panose="020B0604020202020204" pitchFamily="34" charset="0"/>
             </a:endParaRPr>
           </a:p>
           <a:p>
-            <a:endParaRPr lang="en-US" dirty="0" smtClean="0">
-              <a:latin typeface="Arial" panose="020B0604020202020204" pitchFamily="34" charset="0"/>
-              <a:cs typeface="Arial" panose="020B0604020202020204" pitchFamily="34" charset="0"/>
-            </a:endParaRPr>
-          </a:p>
-          <a:p>
-            <a:endParaRPr lang="en-US" dirty="0" smtClean="0">
-              <a:latin typeface="Arial" panose="020B0604020202020204" pitchFamily="34" charset="0"/>
-              <a:cs typeface="Arial" panose="020B0604020202020204" pitchFamily="34" charset="0"/>
-            </a:endParaRPr>
-          </a:p>
-          <a:p>
-            <a:r>
-              <a:rPr lang="en-US" dirty="0">
-                <a:latin typeface="Arial" panose="020B0604020202020204" pitchFamily="34" charset="0"/>
-                <a:cs typeface="Arial" panose="020B0604020202020204" pitchFamily="34" charset="0"/>
-              </a:rPr>
-              <a:t>Với Spring data jdbc thì chúng ta không cần viết thêm vì CrudRepository đã tạo sẳn cho chúng ta rồi, chúng ta chỉ việc lấy ra và sử </a:t>
-            </a:r>
-            <a:r>
-              <a:rPr lang="en-US" dirty="0" smtClean="0">
-                <a:latin typeface="Arial" panose="020B0604020202020204" pitchFamily="34" charset="0"/>
-                <a:cs typeface="Arial" panose="020B0604020202020204" pitchFamily="34" charset="0"/>
-              </a:rPr>
-              <a:t>dụng ^^</a:t>
-            </a:r>
-            <a:endParaRPr lang="en-US" dirty="0" smtClean="0">
-              <a:latin typeface="Arial" panose="020B0604020202020204" pitchFamily="34" charset="0"/>
-              <a:cs typeface="Arial" panose="020B0604020202020204" pitchFamily="34" charset="0"/>
-            </a:endParaRPr>
-          </a:p>
-          <a:p>
-            <a:endParaRPr lang="en-US" dirty="0">
-              <a:latin typeface="Arial" panose="020B0604020202020204" pitchFamily="34" charset="0"/>
-              <a:cs typeface="Arial" panose="020B0604020202020204" pitchFamily="34" charset="0"/>
-            </a:endParaRPr>
-          </a:p>
-          <a:p>
-            <a:endParaRPr lang="en-US" dirty="0">
+            <a:endParaRPr lang="en-US">
               <a:latin typeface="Arial" panose="020B0604020202020204" pitchFamily="34" charset="0"/>
               <a:cs typeface="Arial" panose="020B0604020202020204" pitchFamily="34" charset="0"/>
             </a:endParaRPr>
@@ -7360,97 +7234,85 @@
           <a:lstStyle/>
           <a:p>
             <a:r>
-              <a:rPr lang="en-US" dirty="0">
+              <a:rPr lang="en-US">
                 <a:latin typeface="Arial" panose="020B0604020202020204" pitchFamily="34" charset="0"/>
                 <a:cs typeface="Arial" panose="020B0604020202020204" pitchFamily="34" charset="0"/>
               </a:rPr>
               <a:t>CrudRepository</a:t>
             </a:r>
-            <a:endParaRPr lang="en-US" dirty="0">
+          </a:p>
+        </p:txBody>
+      </p:sp>
+      <p:sp>
+        <p:nvSpPr>
+          <p:cNvPr id="3" name="Content Placeholder 2"/>
+          <p:cNvSpPr>
+            <a:spLocks noGrp="1"/>
+          </p:cNvSpPr>
+          <p:nvPr>
+            <p:ph idx="1"/>
+          </p:nvPr>
+        </p:nvSpPr>
+        <p:spPr/>
+        <p:txBody>
+          <a:bodyPr/>
+          <a:lstStyle/>
+          <a:p>
+            <a:r>
+              <a:rPr lang="en-US">
+                <a:latin typeface="Arial" panose="020B0604020202020204" pitchFamily="34" charset="0"/>
+                <a:cs typeface="Arial" panose="020B0604020202020204" pitchFamily="34" charset="0"/>
+              </a:rPr>
+              <a:t>Ví dụ get user theo id</a:t>
+            </a:r>
+          </a:p>
+          <a:p>
+            <a:r>
+              <a:rPr lang="en-US">
+                <a:latin typeface="Arial" panose="020B0604020202020204" pitchFamily="34" charset="0"/>
+                <a:cs typeface="Arial" panose="020B0604020202020204" pitchFamily="34" charset="0"/>
+              </a:rPr>
+              <a:t>Spring jdbc</a:t>
+            </a:r>
+          </a:p>
+          <a:p>
+            <a:endParaRPr lang="en-US">
               <a:latin typeface="Arial" panose="020B0604020202020204" pitchFamily="34" charset="0"/>
               <a:cs typeface="Arial" panose="020B0604020202020204" pitchFamily="34" charset="0"/>
             </a:endParaRPr>
           </a:p>
-        </p:txBody>
-      </p:sp>
-      <p:sp>
-        <p:nvSpPr>
-          <p:cNvPr id="3" name="Content Placeholder 2"/>
-          <p:cNvSpPr>
-            <a:spLocks noGrp="1"/>
-          </p:cNvSpPr>
-          <p:nvPr>
-            <p:ph idx="1"/>
-          </p:nvPr>
-        </p:nvSpPr>
-        <p:spPr/>
-        <p:txBody>
-          <a:bodyPr/>
-          <a:lstStyle/>
-          <a:p>
-            <a:r>
-              <a:rPr lang="en-US" dirty="0" smtClean="0">
-                <a:latin typeface="Arial" panose="020B0604020202020204" pitchFamily="34" charset="0"/>
-                <a:cs typeface="Arial" panose="020B0604020202020204" pitchFamily="34" charset="0"/>
-              </a:rPr>
-              <a:t>Ví dụ get user theo id</a:t>
-            </a:r>
-            <a:endParaRPr lang="en-US" dirty="0">
+          <a:p>
+            <a:endParaRPr lang="en-US">
               <a:latin typeface="Arial" panose="020B0604020202020204" pitchFamily="34" charset="0"/>
               <a:cs typeface="Arial" panose="020B0604020202020204" pitchFamily="34" charset="0"/>
             </a:endParaRPr>
           </a:p>
           <a:p>
-            <a:r>
-              <a:rPr lang="en-US" dirty="0" smtClean="0">
-                <a:latin typeface="Arial" panose="020B0604020202020204" pitchFamily="34" charset="0"/>
-                <a:cs typeface="Arial" panose="020B0604020202020204" pitchFamily="34" charset="0"/>
-              </a:rPr>
-              <a:t>Spring jdbc</a:t>
-            </a:r>
-            <a:endParaRPr lang="en-US" dirty="0">
+            <a:endParaRPr lang="en-US">
               <a:latin typeface="Arial" panose="020B0604020202020204" pitchFamily="34" charset="0"/>
               <a:cs typeface="Arial" panose="020B0604020202020204" pitchFamily="34" charset="0"/>
             </a:endParaRPr>
           </a:p>
           <a:p>
-            <a:endParaRPr lang="en-US" dirty="0" smtClean="0">
+            <a:endParaRPr lang="en-US">
               <a:latin typeface="Arial" panose="020B0604020202020204" pitchFamily="34" charset="0"/>
               <a:cs typeface="Arial" panose="020B0604020202020204" pitchFamily="34" charset="0"/>
             </a:endParaRPr>
           </a:p>
           <a:p>
-            <a:endParaRPr lang="en-US" dirty="0">
+            <a:endParaRPr lang="en-US">
               <a:latin typeface="Arial" panose="020B0604020202020204" pitchFamily="34" charset="0"/>
               <a:cs typeface="Arial" panose="020B0604020202020204" pitchFamily="34" charset="0"/>
             </a:endParaRPr>
           </a:p>
           <a:p>
-            <a:endParaRPr lang="en-US" dirty="0" smtClean="0">
+            <a:endParaRPr lang="en-US">
               <a:latin typeface="Arial" panose="020B0604020202020204" pitchFamily="34" charset="0"/>
               <a:cs typeface="Arial" panose="020B0604020202020204" pitchFamily="34" charset="0"/>
             </a:endParaRPr>
           </a:p>
           <a:p>
-            <a:endParaRPr lang="en-US" dirty="0" smtClean="0">
-              <a:latin typeface="Arial" panose="020B0604020202020204" pitchFamily="34" charset="0"/>
-              <a:cs typeface="Arial" panose="020B0604020202020204" pitchFamily="34" charset="0"/>
-            </a:endParaRPr>
-          </a:p>
-          <a:p>
-            <a:endParaRPr lang="en-US" dirty="0" smtClean="0">
-              <a:latin typeface="Arial" panose="020B0604020202020204" pitchFamily="34" charset="0"/>
-              <a:cs typeface="Arial" panose="020B0604020202020204" pitchFamily="34" charset="0"/>
-            </a:endParaRPr>
-          </a:p>
-          <a:p>
-            <a:endParaRPr lang="en-US" dirty="0">
-              <a:latin typeface="Arial" panose="020B0604020202020204" pitchFamily="34" charset="0"/>
-              <a:cs typeface="Arial" panose="020B0604020202020204" pitchFamily="34" charset="0"/>
-            </a:endParaRPr>
-          </a:p>
-          <a:p>
-            <a:endParaRPr lang="en-US" dirty="0">
+            <a:endParaRPr lang="en-US">
               <a:latin typeface="Arial" panose="020B0604020202020204" pitchFamily="34" charset="0"/>
               <a:cs typeface="Arial" panose="020B0604020202020204" pitchFamily="34" charset="0"/>
             </a:endParaRPr>
@@ -7551,104 +7413,85 @@
           <a:lstStyle/>
           <a:p>
             <a:r>
-              <a:rPr lang="en-US" dirty="0">
+              <a:rPr lang="en-US">
                 <a:latin typeface="Arial" panose="020B0604020202020204" pitchFamily="34" charset="0"/>
                 <a:cs typeface="Arial" panose="020B0604020202020204" pitchFamily="34" charset="0"/>
               </a:rPr>
               <a:t>CrudRepository</a:t>
             </a:r>
-            <a:endParaRPr lang="en-US" dirty="0">
+          </a:p>
+        </p:txBody>
+      </p:sp>
+      <p:sp>
+        <p:nvSpPr>
+          <p:cNvPr id="3" name="Content Placeholder 2"/>
+          <p:cNvSpPr>
+            <a:spLocks noGrp="1"/>
+          </p:cNvSpPr>
+          <p:nvPr>
+            <p:ph idx="1"/>
+          </p:nvPr>
+        </p:nvSpPr>
+        <p:spPr/>
+        <p:txBody>
+          <a:bodyPr/>
+          <a:lstStyle/>
+          <a:p>
+            <a:r>
+              <a:rPr lang="en-US">
+                <a:latin typeface="Arial" panose="020B0604020202020204" pitchFamily="34" charset="0"/>
+                <a:cs typeface="Arial" panose="020B0604020202020204" pitchFamily="34" charset="0"/>
+              </a:rPr>
+              <a:t>Ví dụ get user theo id</a:t>
+            </a:r>
+          </a:p>
+          <a:p>
+            <a:r>
+              <a:rPr lang="en-US">
+                <a:latin typeface="Arial" panose="020B0604020202020204" pitchFamily="34" charset="0"/>
+                <a:cs typeface="Arial" panose="020B0604020202020204" pitchFamily="34" charset="0"/>
+              </a:rPr>
+              <a:t>Với Spring data jdbc thì chúng ta không cần viết thêm vì CrudRepository đã tạo sẳn cho chúng ta rồi, chúng ta chỉ việc lấy ra và sử dụng</a:t>
+            </a:r>
+          </a:p>
+          <a:p>
+            <a:endParaRPr lang="en-US">
               <a:latin typeface="Arial" panose="020B0604020202020204" pitchFamily="34" charset="0"/>
               <a:cs typeface="Arial" panose="020B0604020202020204" pitchFamily="34" charset="0"/>
             </a:endParaRPr>
           </a:p>
-        </p:txBody>
-      </p:sp>
-      <p:sp>
-        <p:nvSpPr>
-          <p:cNvPr id="3" name="Content Placeholder 2"/>
-          <p:cNvSpPr>
-            <a:spLocks noGrp="1"/>
-          </p:cNvSpPr>
-          <p:nvPr>
-            <p:ph idx="1"/>
-          </p:nvPr>
-        </p:nvSpPr>
-        <p:spPr/>
-        <p:txBody>
-          <a:bodyPr/>
-          <a:lstStyle/>
-          <a:p>
-            <a:r>
-              <a:rPr lang="en-US" dirty="0" smtClean="0">
-                <a:latin typeface="Arial" panose="020B0604020202020204" pitchFamily="34" charset="0"/>
-                <a:cs typeface="Arial" panose="020B0604020202020204" pitchFamily="34" charset="0"/>
-              </a:rPr>
-              <a:t>Ví dụ get user theo id</a:t>
-            </a:r>
-            <a:endParaRPr lang="en-US" dirty="0">
+          <a:p>
+            <a:endParaRPr lang="en-US">
               <a:latin typeface="Arial" panose="020B0604020202020204" pitchFamily="34" charset="0"/>
               <a:cs typeface="Arial" panose="020B0604020202020204" pitchFamily="34" charset="0"/>
             </a:endParaRPr>
           </a:p>
           <a:p>
-            <a:r>
-              <a:rPr lang="en-US" dirty="0">
-                <a:latin typeface="Arial" panose="020B0604020202020204" pitchFamily="34" charset="0"/>
-                <a:cs typeface="Arial" panose="020B0604020202020204" pitchFamily="34" charset="0"/>
-              </a:rPr>
-              <a:t>Với Spring data jdbc thì chúng ta không cần viết thêm vì </a:t>
-            </a:r>
-            <a:r>
-              <a:rPr lang="en-US" dirty="0" smtClean="0">
-                <a:latin typeface="Arial" panose="020B0604020202020204" pitchFamily="34" charset="0"/>
-                <a:cs typeface="Arial" panose="020B0604020202020204" pitchFamily="34" charset="0"/>
-              </a:rPr>
-              <a:t>CrudRepository đã tạo sẳn cho chúng ta rồi, chúng ta chỉ việc lấy ra và sử dụng</a:t>
-            </a:r>
-            <a:endParaRPr lang="en-US" dirty="0">
+            <a:endParaRPr lang="en-US">
               <a:latin typeface="Arial" panose="020B0604020202020204" pitchFamily="34" charset="0"/>
               <a:cs typeface="Arial" panose="020B0604020202020204" pitchFamily="34" charset="0"/>
             </a:endParaRPr>
           </a:p>
           <a:p>
-            <a:endParaRPr lang="en-US" dirty="0" smtClean="0">
+            <a:endParaRPr lang="en-US">
               <a:latin typeface="Arial" panose="020B0604020202020204" pitchFamily="34" charset="0"/>
               <a:cs typeface="Arial" panose="020B0604020202020204" pitchFamily="34" charset="0"/>
             </a:endParaRPr>
           </a:p>
           <a:p>
-            <a:endParaRPr lang="en-US" dirty="0">
+            <a:endParaRPr lang="en-US">
               <a:latin typeface="Arial" panose="020B0604020202020204" pitchFamily="34" charset="0"/>
               <a:cs typeface="Arial" panose="020B0604020202020204" pitchFamily="34" charset="0"/>
             </a:endParaRPr>
           </a:p>
           <a:p>
-            <a:endParaRPr lang="en-US" dirty="0" smtClean="0">
+            <a:endParaRPr lang="en-US">
               <a:latin typeface="Arial" panose="020B0604020202020204" pitchFamily="34" charset="0"/>
               <a:cs typeface="Arial" panose="020B0604020202020204" pitchFamily="34" charset="0"/>
             </a:endParaRPr>
           </a:p>
           <a:p>
-            <a:endParaRPr lang="en-US" dirty="0" smtClean="0">
-              <a:latin typeface="Arial" panose="020B0604020202020204" pitchFamily="34" charset="0"/>
-              <a:cs typeface="Arial" panose="020B0604020202020204" pitchFamily="34" charset="0"/>
-            </a:endParaRPr>
-          </a:p>
-          <a:p>
-            <a:endParaRPr lang="en-US" dirty="0" smtClean="0">
-              <a:latin typeface="Arial" panose="020B0604020202020204" pitchFamily="34" charset="0"/>
-              <a:cs typeface="Arial" panose="020B0604020202020204" pitchFamily="34" charset="0"/>
-            </a:endParaRPr>
-          </a:p>
-          <a:p>
-            <a:endParaRPr lang="en-US" dirty="0">
-              <a:latin typeface="Arial" panose="020B0604020202020204" pitchFamily="34" charset="0"/>
-              <a:cs typeface="Arial" panose="020B0604020202020204" pitchFamily="34" charset="0"/>
-            </a:endParaRPr>
-          </a:p>
-          <a:p>
-            <a:endParaRPr lang="en-US" dirty="0">
+            <a:endParaRPr lang="en-US">
               <a:latin typeface="Arial" panose="020B0604020202020204" pitchFamily="34" charset="0"/>
               <a:cs typeface="Arial" panose="020B0604020202020204" pitchFamily="34" charset="0"/>
             </a:endParaRPr>
@@ -7726,7 +7569,7 @@
               <a:tabLst/>
             </a:pPr>
             <a:r>
-              <a:rPr kumimoji="0" lang="en-US" altLang="en-US" sz="1100" b="0" i="0" u="none" strike="noStrike" cap="none" normalizeH="0" baseline="0" dirty="0" smtClean="0">
+              <a:rPr kumimoji="0" lang="en-US" altLang="en-US" sz="1100" b="0" i="0" u="none" strike="noStrike" cap="none" normalizeH="0" baseline="0">
                 <a:ln>
                   <a:noFill/>
                 </a:ln>
@@ -7740,7 +7583,7 @@
               <a:t>public </a:t>
             </a:r>
             <a:r>
-              <a:rPr kumimoji="0" lang="en-US" altLang="en-US" sz="1100" b="0" i="0" u="none" strike="noStrike" cap="none" normalizeH="0" baseline="0" dirty="0" smtClean="0">
+              <a:rPr kumimoji="0" lang="en-US" altLang="en-US" sz="1100" b="0" i="0" u="none" strike="noStrike" cap="none" normalizeH="0" baseline="0">
                 <a:ln>
                   <a:noFill/>
                 </a:ln>
@@ -7754,7 +7597,7 @@
               <a:t>Optional</a:t>
             </a:r>
             <a:r>
-              <a:rPr kumimoji="0" lang="en-US" altLang="en-US" sz="1100" b="0" i="0" u="none" strike="noStrike" cap="none" normalizeH="0" baseline="0" dirty="0" smtClean="0">
+              <a:rPr kumimoji="0" lang="en-US" altLang="en-US" sz="1100" b="0" i="0" u="none" strike="noStrike" cap="none" normalizeH="0" baseline="0">
                 <a:ln>
                   <a:noFill/>
                 </a:ln>
@@ -7768,7 +7611,7 @@
               <a:t>&lt;</a:t>
             </a:r>
             <a:r>
-              <a:rPr kumimoji="0" lang="en-US" altLang="en-US" sz="1100" b="0" i="0" u="none" strike="noStrike" cap="none" normalizeH="0" baseline="0" dirty="0" smtClean="0">
+              <a:rPr kumimoji="0" lang="en-US" altLang="en-US" sz="1100" b="0" i="0" u="none" strike="noStrike" cap="none" normalizeH="0" baseline="0">
                 <a:ln>
                   <a:noFill/>
                 </a:ln>
@@ -7782,7 +7625,7 @@
               <a:t>User</a:t>
             </a:r>
             <a:r>
-              <a:rPr kumimoji="0" lang="en-US" altLang="en-US" sz="1100" b="0" i="0" u="none" strike="noStrike" cap="none" normalizeH="0" baseline="0" dirty="0" smtClean="0">
+              <a:rPr kumimoji="0" lang="en-US" altLang="en-US" sz="1100" b="0" i="0" u="none" strike="noStrike" cap="none" normalizeH="0" baseline="0">
                 <a:ln>
                   <a:noFill/>
                 </a:ln>
@@ -7796,7 +7639,7 @@
               <a:t>&gt; </a:t>
             </a:r>
             <a:r>
-              <a:rPr kumimoji="0" lang="en-US" altLang="en-US" sz="1100" b="0" i="0" u="none" strike="noStrike" cap="none" normalizeH="0" baseline="0" dirty="0" smtClean="0">
+              <a:rPr kumimoji="0" lang="en-US" altLang="en-US" sz="1100" b="0" i="0" u="none" strike="noStrike" cap="none" normalizeH="0" baseline="0">
                 <a:ln>
                   <a:noFill/>
                 </a:ln>
@@ -7810,7 +7653,7 @@
               <a:t>getUserById</a:t>
             </a:r>
             <a:r>
-              <a:rPr kumimoji="0" lang="en-US" altLang="en-US" sz="1100" b="0" i="0" u="none" strike="noStrike" cap="none" normalizeH="0" baseline="0" dirty="0" smtClean="0">
+              <a:rPr kumimoji="0" lang="en-US" altLang="en-US" sz="1100" b="0" i="0" u="none" strike="noStrike" cap="none" normalizeH="0" baseline="0">
                 <a:ln>
                   <a:noFill/>
                 </a:ln>
@@ -7824,7 +7667,7 @@
               <a:t>(</a:t>
             </a:r>
             <a:r>
-              <a:rPr kumimoji="0" lang="en-US" altLang="en-US" sz="1100" b="0" i="0" u="none" strike="noStrike" cap="none" normalizeH="0" baseline="0" dirty="0" smtClean="0">
+              <a:rPr kumimoji="0" lang="en-US" altLang="en-US" sz="1100" b="0" i="0" u="none" strike="noStrike" cap="none" normalizeH="0" baseline="0">
                 <a:ln>
                   <a:noFill/>
                 </a:ln>
@@ -7838,7 +7681,7 @@
               <a:t>Integer </a:t>
             </a:r>
             <a:r>
-              <a:rPr kumimoji="0" lang="en-US" altLang="en-US" sz="1100" b="0" i="1" u="none" strike="noStrike" cap="none" normalizeH="0" baseline="0" dirty="0" smtClean="0">
+              <a:rPr kumimoji="0" lang="en-US" altLang="en-US" sz="1100" b="0" i="1" u="none" strike="noStrike" cap="none" normalizeH="0" baseline="0">
                 <a:ln>
                   <a:noFill/>
                 </a:ln>
@@ -7852,7 +7695,7 @@
               <a:t>id</a:t>
             </a:r>
             <a:r>
-              <a:rPr kumimoji="0" lang="en-US" altLang="en-US" sz="1100" b="0" i="0" u="none" strike="noStrike" cap="none" normalizeH="0" baseline="0" dirty="0" smtClean="0">
+              <a:rPr kumimoji="0" lang="en-US" altLang="en-US" sz="1100" b="0" i="0" u="none" strike="noStrike" cap="none" normalizeH="0" baseline="0">
                 <a:ln>
                   <a:noFill/>
                 </a:ln>
@@ -7866,7 +7709,7 @@
               <a:t>) {</a:t>
             </a:r>
             <a:br>
-              <a:rPr kumimoji="0" lang="en-US" altLang="en-US" sz="1100" b="0" i="0" u="none" strike="noStrike" cap="none" normalizeH="0" baseline="0" dirty="0" smtClean="0">
+              <a:rPr kumimoji="0" lang="en-US" altLang="en-US" sz="1100" b="0" i="0" u="none" strike="noStrike" cap="none" normalizeH="0" baseline="0">
                 <a:ln>
                   <a:noFill/>
                 </a:ln>
@@ -7879,7 +7722,7 @@
               </a:rPr>
             </a:br>
             <a:r>
-              <a:rPr kumimoji="0" lang="en-US" altLang="en-US" sz="1100" b="0" i="0" u="none" strike="noStrike" cap="none" normalizeH="0" baseline="0" dirty="0" smtClean="0">
+              <a:rPr kumimoji="0" lang="en-US" altLang="en-US" sz="1100" b="0" i="0" u="none" strike="noStrike" cap="none" normalizeH="0" baseline="0">
                 <a:ln>
                   <a:noFill/>
                 </a:ln>
@@ -7893,7 +7736,7 @@
               <a:t>    </a:t>
             </a:r>
             <a:r>
-              <a:rPr kumimoji="0" lang="en-US" altLang="en-US" sz="1100" b="0" i="0" u="none" strike="noStrike" cap="none" normalizeH="0" baseline="0" dirty="0" smtClean="0">
+              <a:rPr kumimoji="0" lang="en-US" altLang="en-US" sz="1100" b="0" i="0" u="none" strike="noStrike" cap="none" normalizeH="0" baseline="0">
                 <a:ln>
                   <a:noFill/>
                 </a:ln>
@@ -7907,7 +7750,7 @@
               <a:t>return </a:t>
             </a:r>
             <a:r>
-              <a:rPr kumimoji="0" lang="en-US" altLang="en-US" sz="1100" b="0" i="0" u="none" strike="noStrike" cap="none" normalizeH="0" baseline="0" dirty="0" smtClean="0">
+              <a:rPr kumimoji="0" lang="en-US" altLang="en-US" sz="1100" b="0" i="0" u="none" strike="noStrike" cap="none" normalizeH="0" baseline="0">
                 <a:ln>
                   <a:noFill/>
                 </a:ln>
@@ -7921,7 +7764,7 @@
               <a:t>userRepository.</a:t>
             </a:r>
             <a:r>
-              <a:rPr kumimoji="0" lang="en-US" altLang="en-US" sz="1100" b="0" i="0" u="none" strike="noStrike" cap="none" normalizeH="0" baseline="0" dirty="0" smtClean="0">
+              <a:rPr kumimoji="0" lang="en-US" altLang="en-US" sz="1100" b="0" i="0" u="none" strike="noStrike" cap="none" normalizeH="0" baseline="0">
                 <a:ln>
                   <a:noFill/>
                 </a:ln>
@@ -7935,7 +7778,7 @@
               <a:t>findById</a:t>
             </a:r>
             <a:r>
-              <a:rPr kumimoji="0" lang="en-US" altLang="en-US" sz="1100" b="0" i="0" u="none" strike="noStrike" cap="none" normalizeH="0" baseline="0" dirty="0" smtClean="0">
+              <a:rPr kumimoji="0" lang="en-US" altLang="en-US" sz="1100" b="0" i="0" u="none" strike="noStrike" cap="none" normalizeH="0" baseline="0">
                 <a:ln>
                   <a:noFill/>
                 </a:ln>
@@ -7949,7 +7792,7 @@
               <a:t>(</a:t>
             </a:r>
             <a:r>
-              <a:rPr kumimoji="0" lang="en-US" altLang="en-US" sz="1100" b="0" i="1" u="none" strike="noStrike" cap="none" normalizeH="0" baseline="0" dirty="0" smtClean="0">
+              <a:rPr kumimoji="0" lang="en-US" altLang="en-US" sz="1100" b="0" i="1" u="none" strike="noStrike" cap="none" normalizeH="0" baseline="0">
                 <a:ln>
                   <a:noFill/>
                 </a:ln>
@@ -7963,7 +7806,7 @@
               <a:t>id</a:t>
             </a:r>
             <a:r>
-              <a:rPr kumimoji="0" lang="en-US" altLang="en-US" sz="1100" b="0" i="0" u="none" strike="noStrike" cap="none" normalizeH="0" baseline="0" dirty="0" smtClean="0">
+              <a:rPr kumimoji="0" lang="en-US" altLang="en-US" sz="1100" b="0" i="0" u="none" strike="noStrike" cap="none" normalizeH="0" baseline="0">
                 <a:ln>
                   <a:noFill/>
                 </a:ln>
@@ -7977,7 +7820,7 @@
               <a:t>);</a:t>
             </a:r>
             <a:br>
-              <a:rPr kumimoji="0" lang="en-US" altLang="en-US" sz="1100" b="0" i="0" u="none" strike="noStrike" cap="none" normalizeH="0" baseline="0" dirty="0" smtClean="0">
+              <a:rPr kumimoji="0" lang="en-US" altLang="en-US" sz="1100" b="0" i="0" u="none" strike="noStrike" cap="none" normalizeH="0" baseline="0">
                 <a:ln>
                   <a:noFill/>
                 </a:ln>
@@ -7990,7 +7833,7 @@
               </a:rPr>
             </a:br>
             <a:r>
-              <a:rPr kumimoji="0" lang="en-US" altLang="en-US" sz="1100" b="0" i="0" u="none" strike="noStrike" cap="none" normalizeH="0" baseline="0" dirty="0" smtClean="0">
+              <a:rPr kumimoji="0" lang="en-US" altLang="en-US" sz="1100" b="0" i="0" u="none" strike="noStrike" cap="none" normalizeH="0" baseline="0">
                 <a:ln>
                   <a:noFill/>
                 </a:ln>
@@ -8003,7 +7846,7 @@
               </a:rPr>
               <a:t>}</a:t>
             </a:r>
-            <a:endParaRPr kumimoji="0" lang="en-US" altLang="en-US" sz="2800" b="0" i="0" u="none" strike="noStrike" cap="none" normalizeH="0" baseline="0" dirty="0" smtClean="0">
+            <a:endParaRPr kumimoji="0" lang="en-US" altLang="en-US" sz="2800" b="0" i="0" u="none" strike="noStrike" cap="none" normalizeH="0" baseline="0">
               <a:ln>
                 <a:noFill/>
               </a:ln>
@@ -8087,7 +7930,7 @@
               <a:tabLst/>
             </a:pPr>
             <a:r>
-              <a:rPr kumimoji="0" lang="en-US" altLang="en-US" sz="1100" b="0" i="0" u="none" strike="noStrike" cap="none" normalizeH="0" baseline="0" dirty="0" smtClean="0">
+              <a:rPr kumimoji="0" lang="en-US" altLang="en-US" sz="1100" b="0" i="0" u="none" strike="noStrike" cap="none" normalizeH="0" baseline="0">
                 <a:ln>
                   <a:noFill/>
                 </a:ln>
@@ -8101,7 +7944,7 @@
               <a:t>@GetMapping</a:t>
             </a:r>
             <a:r>
-              <a:rPr kumimoji="0" lang="en-US" altLang="en-US" sz="1100" b="0" i="0" u="none" strike="noStrike" cap="none" normalizeH="0" baseline="0" dirty="0" smtClean="0">
+              <a:rPr kumimoji="0" lang="en-US" altLang="en-US" sz="1100" b="0" i="0" u="none" strike="noStrike" cap="none" normalizeH="0" baseline="0">
                 <a:ln>
                   <a:noFill/>
                 </a:ln>
@@ -8115,7 +7958,7 @@
               <a:t>(</a:t>
             </a:r>
             <a:r>
-              <a:rPr kumimoji="0" lang="en-US" altLang="en-US" sz="1100" b="0" i="0" u="none" strike="noStrike" cap="none" normalizeH="0" baseline="0" dirty="0" smtClean="0">
+              <a:rPr kumimoji="0" lang="en-US" altLang="en-US" sz="1100" b="0" i="0" u="none" strike="noStrike" cap="none" normalizeH="0" baseline="0">
                 <a:ln>
                   <a:noFill/>
                 </a:ln>
@@ -8129,7 +7972,7 @@
               <a:t>"/{id}"</a:t>
             </a:r>
             <a:r>
-              <a:rPr kumimoji="0" lang="en-US" altLang="en-US" sz="1100" b="0" i="0" u="none" strike="noStrike" cap="none" normalizeH="0" baseline="0" dirty="0" smtClean="0">
+              <a:rPr kumimoji="0" lang="en-US" altLang="en-US" sz="1100" b="0" i="0" u="none" strike="noStrike" cap="none" normalizeH="0" baseline="0">
                 <a:ln>
                   <a:noFill/>
                 </a:ln>
@@ -8143,7 +7986,7 @@
               <a:t>)</a:t>
             </a:r>
             <a:br>
-              <a:rPr kumimoji="0" lang="en-US" altLang="en-US" sz="1100" b="0" i="0" u="none" strike="noStrike" cap="none" normalizeH="0" baseline="0" dirty="0" smtClean="0">
+              <a:rPr kumimoji="0" lang="en-US" altLang="en-US" sz="1100" b="0" i="0" u="none" strike="noStrike" cap="none" normalizeH="0" baseline="0">
                 <a:ln>
                   <a:noFill/>
                 </a:ln>
@@ -8156,7 +7999,7 @@
               </a:rPr>
             </a:br>
             <a:r>
-              <a:rPr kumimoji="0" lang="en-US" altLang="en-US" sz="1100" b="0" i="0" u="none" strike="noStrike" cap="none" normalizeH="0" baseline="0" dirty="0" smtClean="0">
+              <a:rPr kumimoji="0" lang="en-US" altLang="en-US" sz="1100" b="0" i="0" u="none" strike="noStrike" cap="none" normalizeH="0" baseline="0">
                 <a:ln>
                   <a:noFill/>
                 </a:ln>
@@ -8170,7 +8013,7 @@
               <a:t>public </a:t>
             </a:r>
             <a:r>
-              <a:rPr kumimoji="0" lang="en-US" altLang="en-US" sz="1100" b="0" i="0" u="none" strike="noStrike" cap="none" normalizeH="0" baseline="0" dirty="0" smtClean="0">
+              <a:rPr kumimoji="0" lang="en-US" altLang="en-US" sz="1100" b="0" i="0" u="none" strike="noStrike" cap="none" normalizeH="0" baseline="0">
                 <a:ln>
                   <a:noFill/>
                 </a:ln>
@@ -8184,7 +8027,7 @@
               <a:t>User </a:t>
             </a:r>
             <a:r>
-              <a:rPr kumimoji="0" lang="en-US" altLang="en-US" sz="1100" b="0" i="0" u="none" strike="noStrike" cap="none" normalizeH="0" baseline="0" dirty="0" smtClean="0">
+              <a:rPr kumimoji="0" lang="en-US" altLang="en-US" sz="1100" b="0" i="0" u="none" strike="noStrike" cap="none" normalizeH="0" baseline="0">
                 <a:ln>
                   <a:noFill/>
                 </a:ln>
@@ -8198,7 +8041,7 @@
               <a:t>getUserById</a:t>
             </a:r>
             <a:r>
-              <a:rPr kumimoji="0" lang="en-US" altLang="en-US" sz="1100" b="0" i="0" u="none" strike="noStrike" cap="none" normalizeH="0" baseline="0" dirty="0" smtClean="0">
+              <a:rPr kumimoji="0" lang="en-US" altLang="en-US" sz="1100" b="0" i="0" u="none" strike="noStrike" cap="none" normalizeH="0" baseline="0">
                 <a:ln>
                   <a:noFill/>
                 </a:ln>
@@ -8212,7 +8055,7 @@
               <a:t>(</a:t>
             </a:r>
             <a:r>
-              <a:rPr kumimoji="0" lang="en-US" altLang="en-US" sz="1100" b="0" i="0" u="none" strike="noStrike" cap="none" normalizeH="0" baseline="0" dirty="0" smtClean="0">
+              <a:rPr kumimoji="0" lang="en-US" altLang="en-US" sz="1100" b="0" i="0" u="none" strike="noStrike" cap="none" normalizeH="0" baseline="0">
                 <a:ln>
                   <a:noFill/>
                 </a:ln>
@@ -8226,7 +8069,7 @@
               <a:t>@PathVariable </a:t>
             </a:r>
             <a:r>
-              <a:rPr kumimoji="0" lang="en-US" altLang="en-US" sz="1100" b="0" i="0" u="none" strike="noStrike" cap="none" normalizeH="0" baseline="0" dirty="0" smtClean="0">
+              <a:rPr kumimoji="0" lang="en-US" altLang="en-US" sz="1100" b="0" i="0" u="none" strike="noStrike" cap="none" normalizeH="0" baseline="0">
                 <a:ln>
                   <a:noFill/>
                 </a:ln>
@@ -8240,7 +8083,7 @@
               <a:t>Integer </a:t>
             </a:r>
             <a:r>
-              <a:rPr kumimoji="0" lang="en-US" altLang="en-US" sz="1100" b="0" i="1" u="none" strike="noStrike" cap="none" normalizeH="0" baseline="0" dirty="0" smtClean="0">
+              <a:rPr kumimoji="0" lang="en-US" altLang="en-US" sz="1100" b="0" i="1" u="none" strike="noStrike" cap="none" normalizeH="0" baseline="0">
                 <a:ln>
                   <a:noFill/>
                 </a:ln>
@@ -8254,7 +8097,7 @@
               <a:t>id</a:t>
             </a:r>
             <a:r>
-              <a:rPr kumimoji="0" lang="en-US" altLang="en-US" sz="1100" b="0" i="0" u="none" strike="noStrike" cap="none" normalizeH="0" baseline="0" dirty="0" smtClean="0">
+              <a:rPr kumimoji="0" lang="en-US" altLang="en-US" sz="1100" b="0" i="0" u="none" strike="noStrike" cap="none" normalizeH="0" baseline="0">
                 <a:ln>
                   <a:noFill/>
                 </a:ln>
@@ -8268,7 +8111,7 @@
               <a:t>) {</a:t>
             </a:r>
             <a:br>
-              <a:rPr kumimoji="0" lang="en-US" altLang="en-US" sz="1100" b="0" i="0" u="none" strike="noStrike" cap="none" normalizeH="0" baseline="0" dirty="0" smtClean="0">
+              <a:rPr kumimoji="0" lang="en-US" altLang="en-US" sz="1100" b="0" i="0" u="none" strike="noStrike" cap="none" normalizeH="0" baseline="0">
                 <a:ln>
                   <a:noFill/>
                 </a:ln>
@@ -8281,7 +8124,7 @@
               </a:rPr>
             </a:br>
             <a:r>
-              <a:rPr kumimoji="0" lang="en-US" altLang="en-US" sz="1100" b="0" i="0" u="none" strike="noStrike" cap="none" normalizeH="0" baseline="0" dirty="0" smtClean="0">
+              <a:rPr kumimoji="0" lang="en-US" altLang="en-US" sz="1100" b="0" i="0" u="none" strike="noStrike" cap="none" normalizeH="0" baseline="0">
                 <a:ln>
                   <a:noFill/>
                 </a:ln>
@@ -8295,7 +8138,7 @@
               <a:t>    </a:t>
             </a:r>
             <a:r>
-              <a:rPr kumimoji="0" lang="en-US" altLang="en-US" sz="1100" b="0" i="0" u="none" strike="noStrike" cap="none" normalizeH="0" baseline="0" dirty="0" smtClean="0">
+              <a:rPr kumimoji="0" lang="en-US" altLang="en-US" sz="1100" b="0" i="0" u="none" strike="noStrike" cap="none" normalizeH="0" baseline="0">
                 <a:ln>
                   <a:noFill/>
                 </a:ln>
@@ -8309,7 +8152,7 @@
               <a:t>Optional</a:t>
             </a:r>
             <a:r>
-              <a:rPr kumimoji="0" lang="en-US" altLang="en-US" sz="1100" b="0" i="0" u="none" strike="noStrike" cap="none" normalizeH="0" baseline="0" dirty="0" smtClean="0">
+              <a:rPr kumimoji="0" lang="en-US" altLang="en-US" sz="1100" b="0" i="0" u="none" strike="noStrike" cap="none" normalizeH="0" baseline="0">
                 <a:ln>
                   <a:noFill/>
                 </a:ln>
@@ -8323,7 +8166,7 @@
               <a:t>&lt;</a:t>
             </a:r>
             <a:r>
-              <a:rPr kumimoji="0" lang="en-US" altLang="en-US" sz="1100" b="0" i="0" u="none" strike="noStrike" cap="none" normalizeH="0" baseline="0" dirty="0" smtClean="0">
+              <a:rPr kumimoji="0" lang="en-US" altLang="en-US" sz="1100" b="0" i="0" u="none" strike="noStrike" cap="none" normalizeH="0" baseline="0">
                 <a:ln>
                   <a:noFill/>
                 </a:ln>
@@ -8337,7 +8180,7 @@
               <a:t>User</a:t>
             </a:r>
             <a:r>
-              <a:rPr kumimoji="0" lang="en-US" altLang="en-US" sz="1100" b="0" i="0" u="none" strike="noStrike" cap="none" normalizeH="0" baseline="0" dirty="0" smtClean="0">
+              <a:rPr kumimoji="0" lang="en-US" altLang="en-US" sz="1100" b="0" i="0" u="none" strike="noStrike" cap="none" normalizeH="0" baseline="0">
                 <a:ln>
                   <a:noFill/>
                 </a:ln>
@@ -8351,7 +8194,7 @@
               <a:t>&gt; </a:t>
             </a:r>
             <a:r>
-              <a:rPr kumimoji="0" lang="en-US" altLang="en-US" sz="1100" b="0" i="0" u="none" strike="noStrike" cap="none" normalizeH="0" baseline="0" dirty="0" smtClean="0">
+              <a:rPr kumimoji="0" lang="en-US" altLang="en-US" sz="1100" b="0" i="0" u="none" strike="noStrike" cap="none" normalizeH="0" baseline="0">
                 <a:ln>
                   <a:noFill/>
                 </a:ln>
@@ -8365,7 +8208,7 @@
               <a:t>user </a:t>
             </a:r>
             <a:r>
-              <a:rPr kumimoji="0" lang="en-US" altLang="en-US" sz="1100" b="0" i="0" u="none" strike="noStrike" cap="none" normalizeH="0" baseline="0" dirty="0" smtClean="0">
+              <a:rPr kumimoji="0" lang="en-US" altLang="en-US" sz="1100" b="0" i="0" u="none" strike="noStrike" cap="none" normalizeH="0" baseline="0">
                 <a:ln>
                   <a:noFill/>
                 </a:ln>
@@ -8379,7 +8222,7 @@
               <a:t>= </a:t>
             </a:r>
             <a:r>
-              <a:rPr kumimoji="0" lang="en-US" altLang="en-US" sz="1100" b="0" i="0" u="none" strike="noStrike" cap="none" normalizeH="0" baseline="0" dirty="0" smtClean="0">
+              <a:rPr kumimoji="0" lang="en-US" altLang="en-US" sz="1100" b="0" i="0" u="none" strike="noStrike" cap="none" normalizeH="0" baseline="0">
                 <a:ln>
                   <a:noFill/>
                 </a:ln>
@@ -8393,7 +8236,7 @@
               <a:t>userService.</a:t>
             </a:r>
             <a:r>
-              <a:rPr kumimoji="0" lang="en-US" altLang="en-US" sz="1100" b="0" i="0" u="none" strike="noStrike" cap="none" normalizeH="0" baseline="0" dirty="0" smtClean="0">
+              <a:rPr kumimoji="0" lang="en-US" altLang="en-US" sz="1100" b="0" i="0" u="none" strike="noStrike" cap="none" normalizeH="0" baseline="0">
                 <a:ln>
                   <a:noFill/>
                 </a:ln>
@@ -8407,7 +8250,7 @@
               <a:t>getUserById</a:t>
             </a:r>
             <a:r>
-              <a:rPr kumimoji="0" lang="en-US" altLang="en-US" sz="1100" b="0" i="0" u="none" strike="noStrike" cap="none" normalizeH="0" baseline="0" dirty="0" smtClean="0">
+              <a:rPr kumimoji="0" lang="en-US" altLang="en-US" sz="1100" b="0" i="0" u="none" strike="noStrike" cap="none" normalizeH="0" baseline="0">
                 <a:ln>
                   <a:noFill/>
                 </a:ln>
@@ -8421,7 +8264,7 @@
               <a:t>(</a:t>
             </a:r>
             <a:r>
-              <a:rPr kumimoji="0" lang="en-US" altLang="en-US" sz="1100" b="0" i="1" u="none" strike="noStrike" cap="none" normalizeH="0" baseline="0" dirty="0" smtClean="0">
+              <a:rPr kumimoji="0" lang="en-US" altLang="en-US" sz="1100" b="0" i="1" u="none" strike="noStrike" cap="none" normalizeH="0" baseline="0">
                 <a:ln>
                   <a:noFill/>
                 </a:ln>
@@ -8435,7 +8278,7 @@
               <a:t>id</a:t>
             </a:r>
             <a:r>
-              <a:rPr kumimoji="0" lang="en-US" altLang="en-US" sz="1100" b="0" i="0" u="none" strike="noStrike" cap="none" normalizeH="0" baseline="0" dirty="0" smtClean="0">
+              <a:rPr kumimoji="0" lang="en-US" altLang="en-US" sz="1100" b="0" i="0" u="none" strike="noStrike" cap="none" normalizeH="0" baseline="0">
                 <a:ln>
                   <a:noFill/>
                 </a:ln>
@@ -8449,7 +8292,7 @@
               <a:t>);</a:t>
             </a:r>
             <a:br>
-              <a:rPr kumimoji="0" lang="en-US" altLang="en-US" sz="1100" b="0" i="0" u="none" strike="noStrike" cap="none" normalizeH="0" baseline="0" dirty="0" smtClean="0">
+              <a:rPr kumimoji="0" lang="en-US" altLang="en-US" sz="1100" b="0" i="0" u="none" strike="noStrike" cap="none" normalizeH="0" baseline="0">
                 <a:ln>
                   <a:noFill/>
                 </a:ln>
@@ -8462,7 +8305,7 @@
               </a:rPr>
             </a:br>
             <a:r>
-              <a:rPr kumimoji="0" lang="en-US" altLang="en-US" sz="1100" b="0" i="0" u="none" strike="noStrike" cap="none" normalizeH="0" baseline="0" dirty="0" smtClean="0">
+              <a:rPr kumimoji="0" lang="en-US" altLang="en-US" sz="1100" b="0" i="0" u="none" strike="noStrike" cap="none" normalizeH="0" baseline="0">
                 <a:ln>
                   <a:noFill/>
                 </a:ln>
@@ -8476,7 +8319,7 @@
               <a:t>    </a:t>
             </a:r>
             <a:r>
-              <a:rPr kumimoji="0" lang="en-US" altLang="en-US" sz="1100" b="0" i="0" u="none" strike="noStrike" cap="none" normalizeH="0" baseline="0" dirty="0" smtClean="0">
+              <a:rPr kumimoji="0" lang="en-US" altLang="en-US" sz="1100" b="0" i="0" u="none" strike="noStrike" cap="none" normalizeH="0" baseline="0">
                 <a:ln>
                   <a:noFill/>
                 </a:ln>
@@ -8490,7 +8333,7 @@
               <a:t>return </a:t>
             </a:r>
             <a:r>
-              <a:rPr kumimoji="0" lang="en-US" altLang="en-US" sz="1100" b="0" i="0" u="none" strike="noStrike" cap="none" normalizeH="0" baseline="0" dirty="0" smtClean="0">
+              <a:rPr kumimoji="0" lang="en-US" altLang="en-US" sz="1100" b="0" i="0" u="none" strike="noStrike" cap="none" normalizeH="0" baseline="0">
                 <a:ln>
                   <a:noFill/>
                 </a:ln>
@@ -8504,7 +8347,7 @@
               <a:t>user.</a:t>
             </a:r>
             <a:r>
-              <a:rPr kumimoji="0" lang="en-US" altLang="en-US" sz="1100" b="0" i="0" u="none" strike="noStrike" cap="none" normalizeH="0" baseline="0" dirty="0" smtClean="0">
+              <a:rPr kumimoji="0" lang="en-US" altLang="en-US" sz="1100" b="0" i="0" u="none" strike="noStrike" cap="none" normalizeH="0" baseline="0">
                 <a:ln>
                   <a:noFill/>
                 </a:ln>
@@ -8518,7 +8361,7 @@
               <a:t>orElse</a:t>
             </a:r>
             <a:r>
-              <a:rPr kumimoji="0" lang="en-US" altLang="en-US" sz="1100" b="0" i="0" u="none" strike="noStrike" cap="none" normalizeH="0" baseline="0" dirty="0" smtClean="0">
+              <a:rPr kumimoji="0" lang="en-US" altLang="en-US" sz="1100" b="0" i="0" u="none" strike="noStrike" cap="none" normalizeH="0" baseline="0">
                 <a:ln>
                   <a:noFill/>
                 </a:ln>
@@ -8532,7 +8375,7 @@
               <a:t>(</a:t>
             </a:r>
             <a:r>
-              <a:rPr kumimoji="0" lang="en-US" altLang="en-US" sz="1100" b="0" i="0" u="none" strike="noStrike" cap="none" normalizeH="0" baseline="0" dirty="0" smtClean="0">
+              <a:rPr kumimoji="0" lang="en-US" altLang="en-US" sz="1100" b="0" i="0" u="none" strike="noStrike" cap="none" normalizeH="0" baseline="0">
                 <a:ln>
                   <a:noFill/>
                 </a:ln>
@@ -8546,7 +8389,7 @@
               <a:t>null</a:t>
             </a:r>
             <a:r>
-              <a:rPr kumimoji="0" lang="en-US" altLang="en-US" sz="1100" b="0" i="0" u="none" strike="noStrike" cap="none" normalizeH="0" baseline="0" dirty="0" smtClean="0">
+              <a:rPr kumimoji="0" lang="en-US" altLang="en-US" sz="1100" b="0" i="0" u="none" strike="noStrike" cap="none" normalizeH="0" baseline="0">
                 <a:ln>
                   <a:noFill/>
                 </a:ln>
@@ -8560,7 +8403,7 @@
               <a:t>);</a:t>
             </a:r>
             <a:br>
-              <a:rPr kumimoji="0" lang="en-US" altLang="en-US" sz="1100" b="0" i="0" u="none" strike="noStrike" cap="none" normalizeH="0" baseline="0" dirty="0" smtClean="0">
+              <a:rPr kumimoji="0" lang="en-US" altLang="en-US" sz="1100" b="0" i="0" u="none" strike="noStrike" cap="none" normalizeH="0" baseline="0">
                 <a:ln>
                   <a:noFill/>
                 </a:ln>
@@ -8573,7 +8416,7 @@
               </a:rPr>
             </a:br>
             <a:r>
-              <a:rPr kumimoji="0" lang="en-US" altLang="en-US" sz="1100" b="0" i="0" u="none" strike="noStrike" cap="none" normalizeH="0" baseline="0" dirty="0" smtClean="0">
+              <a:rPr kumimoji="0" lang="en-US" altLang="en-US" sz="1100" b="0" i="0" u="none" strike="noStrike" cap="none" normalizeH="0" baseline="0">
                 <a:ln>
                   <a:noFill/>
                 </a:ln>
@@ -8586,7 +8429,7 @@
               </a:rPr>
               <a:t>}</a:t>
             </a:r>
-            <a:endParaRPr kumimoji="0" lang="en-US" altLang="en-US" sz="2800" b="0" i="0" u="none" strike="noStrike" cap="none" normalizeH="0" baseline="0" dirty="0" smtClean="0">
+            <a:endParaRPr kumimoji="0" lang="en-US" altLang="en-US" sz="2800" b="0" i="0" u="none" strike="noStrike" cap="none" normalizeH="0" baseline="0">
               <a:ln>
                 <a:noFill/>
               </a:ln>
@@ -8645,104 +8488,88 @@
           <a:lstStyle/>
           <a:p>
             <a:r>
-              <a:rPr lang="en-US" dirty="0">
+              <a:rPr lang="en-US">
                 <a:latin typeface="Arial" panose="020B0604020202020204" pitchFamily="34" charset="0"/>
                 <a:cs typeface="Arial" panose="020B0604020202020204" pitchFamily="34" charset="0"/>
               </a:rPr>
               <a:t>CrudRepository</a:t>
             </a:r>
-            <a:endParaRPr lang="en-US" dirty="0">
+          </a:p>
+        </p:txBody>
+      </p:sp>
+      <p:sp>
+        <p:nvSpPr>
+          <p:cNvPr id="3" name="Content Placeholder 2"/>
+          <p:cNvSpPr>
+            <a:spLocks noGrp="1"/>
+          </p:cNvSpPr>
+          <p:nvPr>
+            <p:ph idx="1"/>
+          </p:nvPr>
+        </p:nvSpPr>
+        <p:spPr/>
+        <p:txBody>
+          <a:bodyPr/>
+          <a:lstStyle/>
+          <a:p>
+            <a:r>
+              <a:rPr lang="en-US">
+                <a:latin typeface="Arial" panose="020B0604020202020204" pitchFamily="34" charset="0"/>
+                <a:cs typeface="Arial" panose="020B0604020202020204" pitchFamily="34" charset="0"/>
+              </a:rPr>
+              <a:t>Ví dụ get user theo name</a:t>
+            </a:r>
+          </a:p>
+          <a:p>
+            <a:r>
+              <a:rPr lang="en-US">
+                <a:latin typeface="Arial" panose="020B0604020202020204" pitchFamily="34" charset="0"/>
+                <a:cs typeface="Arial" panose="020B0604020202020204" pitchFamily="34" charset="0"/>
+              </a:rPr>
+              <a:t>Spring jdbc</a:t>
+            </a:r>
+          </a:p>
+          <a:p>
+            <a:endParaRPr lang="en-US">
               <a:latin typeface="Arial" panose="020B0604020202020204" pitchFamily="34" charset="0"/>
               <a:cs typeface="Arial" panose="020B0604020202020204" pitchFamily="34" charset="0"/>
             </a:endParaRPr>
           </a:p>
-        </p:txBody>
-      </p:sp>
-      <p:sp>
-        <p:nvSpPr>
-          <p:cNvPr id="3" name="Content Placeholder 2"/>
-          <p:cNvSpPr>
-            <a:spLocks noGrp="1"/>
-          </p:cNvSpPr>
-          <p:nvPr>
-            <p:ph idx="1"/>
-          </p:nvPr>
-        </p:nvSpPr>
-        <p:spPr/>
-        <p:txBody>
-          <a:bodyPr/>
-          <a:lstStyle/>
-          <a:p>
-            <a:r>
-              <a:rPr lang="en-US" dirty="0" smtClean="0">
-                <a:latin typeface="Arial" panose="020B0604020202020204" pitchFamily="34" charset="0"/>
-                <a:cs typeface="Arial" panose="020B0604020202020204" pitchFamily="34" charset="0"/>
-              </a:rPr>
-              <a:t>Ví dụ get user theo name</a:t>
-            </a:r>
-            <a:endParaRPr lang="en-US" dirty="0">
+          <a:p>
+            <a:endParaRPr lang="en-US">
               <a:latin typeface="Arial" panose="020B0604020202020204" pitchFamily="34" charset="0"/>
               <a:cs typeface="Arial" panose="020B0604020202020204" pitchFamily="34" charset="0"/>
             </a:endParaRPr>
           </a:p>
           <a:p>
-            <a:r>
-              <a:rPr lang="en-US" dirty="0" smtClean="0">
-                <a:latin typeface="Arial" panose="020B0604020202020204" pitchFamily="34" charset="0"/>
-                <a:cs typeface="Arial" panose="020B0604020202020204" pitchFamily="34" charset="0"/>
-              </a:rPr>
-              <a:t>Spring jdbc</a:t>
-            </a:r>
-            <a:endParaRPr lang="en-US" dirty="0">
+            <a:endParaRPr lang="en-US">
               <a:latin typeface="Arial" panose="020B0604020202020204" pitchFamily="34" charset="0"/>
               <a:cs typeface="Arial" panose="020B0604020202020204" pitchFamily="34" charset="0"/>
             </a:endParaRPr>
           </a:p>
           <a:p>
-            <a:endParaRPr lang="en-US" dirty="0" smtClean="0">
+            <a:endParaRPr lang="en-US">
               <a:latin typeface="Arial" panose="020B0604020202020204" pitchFamily="34" charset="0"/>
               <a:cs typeface="Arial" panose="020B0604020202020204" pitchFamily="34" charset="0"/>
             </a:endParaRPr>
           </a:p>
           <a:p>
-            <a:endParaRPr lang="en-US" dirty="0">
+            <a:r>
+              <a:rPr lang="en-US">
+                <a:latin typeface="Arial" panose="020B0604020202020204" pitchFamily="34" charset="0"/>
+                <a:cs typeface="Arial" panose="020B0604020202020204" pitchFamily="34" charset="0"/>
+              </a:rPr>
+              <a:t>Spring data jdbc</a:t>
+            </a:r>
+          </a:p>
+          <a:p>
+            <a:endParaRPr lang="en-US">
               <a:latin typeface="Arial" panose="020B0604020202020204" pitchFamily="34" charset="0"/>
               <a:cs typeface="Arial" panose="020B0604020202020204" pitchFamily="34" charset="0"/>
             </a:endParaRPr>
           </a:p>
           <a:p>
-            <a:endParaRPr lang="en-US" dirty="0" smtClean="0">
-              <a:latin typeface="Arial" panose="020B0604020202020204" pitchFamily="34" charset="0"/>
-              <a:cs typeface="Arial" panose="020B0604020202020204" pitchFamily="34" charset="0"/>
-            </a:endParaRPr>
-          </a:p>
-          <a:p>
-            <a:endParaRPr lang="en-US" dirty="0" smtClean="0">
-              <a:latin typeface="Arial" panose="020B0604020202020204" pitchFamily="34" charset="0"/>
-              <a:cs typeface="Arial" panose="020B0604020202020204" pitchFamily="34" charset="0"/>
-            </a:endParaRPr>
-          </a:p>
-          <a:p>
-            <a:r>
-              <a:rPr lang="en-US" dirty="0" smtClean="0">
-                <a:latin typeface="Arial" panose="020B0604020202020204" pitchFamily="34" charset="0"/>
-                <a:cs typeface="Arial" panose="020B0604020202020204" pitchFamily="34" charset="0"/>
-              </a:rPr>
-              <a:t>Spring data jdbc</a:t>
-            </a:r>
-            <a:endParaRPr lang="en-US" dirty="0" smtClean="0">
-              <a:latin typeface="Arial" panose="020B0604020202020204" pitchFamily="34" charset="0"/>
-              <a:cs typeface="Arial" panose="020B0604020202020204" pitchFamily="34" charset="0"/>
-            </a:endParaRPr>
-          </a:p>
-          <a:p>
-            <a:endParaRPr lang="en-US" dirty="0">
-              <a:latin typeface="Arial" panose="020B0604020202020204" pitchFamily="34" charset="0"/>
-              <a:cs typeface="Arial" panose="020B0604020202020204" pitchFamily="34" charset="0"/>
-            </a:endParaRPr>
-          </a:p>
-          <a:p>
-            <a:endParaRPr lang="en-US" dirty="0">
+            <a:endParaRPr lang="en-US">
               <a:latin typeface="Arial" panose="020B0604020202020204" pitchFamily="34" charset="0"/>
               <a:cs typeface="Arial" panose="020B0604020202020204" pitchFamily="34" charset="0"/>
             </a:endParaRPr>
@@ -8844,7 +8671,7 @@
               <a:tabLst/>
             </a:pPr>
             <a:r>
-              <a:rPr kumimoji="0" lang="en-US" altLang="en-US" sz="1100" b="0" i="0" u="none" strike="noStrike" cap="none" normalizeH="0" baseline="0" dirty="0" smtClean="0">
+              <a:rPr kumimoji="0" lang="en-US" altLang="en-US" sz="1100" b="0" i="0" u="none" strike="noStrike" cap="none" normalizeH="0" baseline="0">
                 <a:ln>
                   <a:noFill/>
                 </a:ln>
@@ -8858,7 +8685,7 @@
               <a:t>@Query</a:t>
             </a:r>
             <a:r>
-              <a:rPr kumimoji="0" lang="en-US" altLang="en-US" sz="1100" b="0" i="0" u="none" strike="noStrike" cap="none" normalizeH="0" baseline="0" dirty="0" smtClean="0">
+              <a:rPr kumimoji="0" lang="en-US" altLang="en-US" sz="1100" b="0" i="0" u="none" strike="noStrike" cap="none" normalizeH="0" baseline="0">
                 <a:ln>
                   <a:noFill/>
                 </a:ln>
@@ -8872,7 +8699,7 @@
               <a:t>(</a:t>
             </a:r>
             <a:r>
-              <a:rPr kumimoji="0" lang="en-US" altLang="en-US" sz="1100" b="0" i="0" u="none" strike="noStrike" cap="none" normalizeH="0" baseline="0" dirty="0" smtClean="0">
+              <a:rPr kumimoji="0" lang="en-US" altLang="en-US" sz="1100" b="0" i="0" u="none" strike="noStrike" cap="none" normalizeH="0" baseline="0">
                 <a:ln>
                   <a:noFill/>
                 </a:ln>
@@ -8886,7 +8713,7 @@
               <a:t>"SELECT * FROM user WHERE name LIKE CONCAT('%',:name,'%')"</a:t>
             </a:r>
             <a:r>
-              <a:rPr kumimoji="0" lang="en-US" altLang="en-US" sz="1100" b="0" i="0" u="none" strike="noStrike" cap="none" normalizeH="0" baseline="0" dirty="0" smtClean="0">
+              <a:rPr kumimoji="0" lang="en-US" altLang="en-US" sz="1100" b="0" i="0" u="none" strike="noStrike" cap="none" normalizeH="0" baseline="0">
                 <a:ln>
                   <a:noFill/>
                 </a:ln>
@@ -8900,7 +8727,7 @@
               <a:t>)</a:t>
             </a:r>
             <a:br>
-              <a:rPr kumimoji="0" lang="en-US" altLang="en-US" sz="1100" b="0" i="0" u="none" strike="noStrike" cap="none" normalizeH="0" baseline="0" dirty="0" smtClean="0">
+              <a:rPr kumimoji="0" lang="en-US" altLang="en-US" sz="1100" b="0" i="0" u="none" strike="noStrike" cap="none" normalizeH="0" baseline="0">
                 <a:ln>
                   <a:noFill/>
                 </a:ln>
@@ -8913,7 +8740,7 @@
               </a:rPr>
             </a:br>
             <a:r>
-              <a:rPr kumimoji="0" lang="en-US" altLang="en-US" sz="1100" b="0" i="1" u="none" strike="noStrike" cap="none" normalizeH="0" baseline="0" dirty="0" smtClean="0">
+              <a:rPr kumimoji="0" lang="en-US" altLang="en-US" sz="1100" b="0" i="1" u="none" strike="noStrike" cap="none" normalizeH="0" baseline="0">
                 <a:ln>
                   <a:noFill/>
                 </a:ln>
@@ -8927,7 +8754,7 @@
               <a:t>List</a:t>
             </a:r>
             <a:r>
-              <a:rPr kumimoji="0" lang="en-US" altLang="en-US" sz="1100" b="0" i="0" u="none" strike="noStrike" cap="none" normalizeH="0" baseline="0" dirty="0" smtClean="0">
+              <a:rPr kumimoji="0" lang="en-US" altLang="en-US" sz="1100" b="0" i="0" u="none" strike="noStrike" cap="none" normalizeH="0" baseline="0">
                 <a:ln>
                   <a:noFill/>
                 </a:ln>
@@ -8941,7 +8768,7 @@
               <a:t>&lt;</a:t>
             </a:r>
             <a:r>
-              <a:rPr kumimoji="0" lang="en-US" altLang="en-US" sz="1100" b="0" i="0" u="none" strike="noStrike" cap="none" normalizeH="0" baseline="0" dirty="0" smtClean="0">
+              <a:rPr kumimoji="0" lang="en-US" altLang="en-US" sz="1100" b="0" i="0" u="none" strike="noStrike" cap="none" normalizeH="0" baseline="0">
                 <a:ln>
                   <a:noFill/>
                 </a:ln>
@@ -8955,7 +8782,7 @@
               <a:t>User</a:t>
             </a:r>
             <a:r>
-              <a:rPr kumimoji="0" lang="en-US" altLang="en-US" sz="1100" b="0" i="0" u="none" strike="noStrike" cap="none" normalizeH="0" baseline="0" dirty="0" smtClean="0">
+              <a:rPr kumimoji="0" lang="en-US" altLang="en-US" sz="1100" b="0" i="0" u="none" strike="noStrike" cap="none" normalizeH="0" baseline="0">
                 <a:ln>
                   <a:noFill/>
                 </a:ln>
@@ -8969,7 +8796,7 @@
               <a:t>&gt; </a:t>
             </a:r>
             <a:r>
-              <a:rPr kumimoji="0" lang="en-US" altLang="en-US" sz="1100" b="0" i="0" u="none" strike="noStrike" cap="none" normalizeH="0" baseline="0" dirty="0" smtClean="0">
+              <a:rPr kumimoji="0" lang="en-US" altLang="en-US" sz="1100" b="0" i="0" u="none" strike="noStrike" cap="none" normalizeH="0" baseline="0">
                 <a:ln>
                   <a:noFill/>
                 </a:ln>
@@ -8983,7 +8810,7 @@
               <a:t>findAllByName</a:t>
             </a:r>
             <a:r>
-              <a:rPr kumimoji="0" lang="en-US" altLang="en-US" sz="1100" b="0" i="0" u="none" strike="noStrike" cap="none" normalizeH="0" baseline="0" dirty="0" smtClean="0">
+              <a:rPr kumimoji="0" lang="en-US" altLang="en-US" sz="1100" b="0" i="0" u="none" strike="noStrike" cap="none" normalizeH="0" baseline="0">
                 <a:ln>
                   <a:noFill/>
                 </a:ln>
@@ -8997,7 +8824,7 @@
               <a:t>(</a:t>
             </a:r>
             <a:r>
-              <a:rPr kumimoji="0" lang="en-US" altLang="en-US" sz="1100" b="0" i="0" u="none" strike="noStrike" cap="none" normalizeH="0" baseline="0" dirty="0" smtClean="0">
+              <a:rPr kumimoji="0" lang="en-US" altLang="en-US" sz="1100" b="0" i="0" u="none" strike="noStrike" cap="none" normalizeH="0" baseline="0">
                 <a:ln>
                   <a:noFill/>
                 </a:ln>
@@ -9011,7 +8838,7 @@
               <a:t>String </a:t>
             </a:r>
             <a:r>
-              <a:rPr kumimoji="0" lang="en-US" altLang="en-US" sz="1100" b="0" i="1" u="none" strike="noStrike" cap="none" normalizeH="0" baseline="0" dirty="0" smtClean="0">
+              <a:rPr kumimoji="0" lang="en-US" altLang="en-US" sz="1100" b="0" i="1" u="none" strike="noStrike" cap="none" normalizeH="0" baseline="0">
                 <a:ln>
                   <a:noFill/>
                 </a:ln>
@@ -9025,7 +8852,7 @@
               <a:t>name</a:t>
             </a:r>
             <a:r>
-              <a:rPr kumimoji="0" lang="en-US" altLang="en-US" sz="1100" b="0" i="0" u="none" strike="noStrike" cap="none" normalizeH="0" baseline="0" dirty="0" smtClean="0">
+              <a:rPr kumimoji="0" lang="en-US" altLang="en-US" sz="1100" b="0" i="0" u="none" strike="noStrike" cap="none" normalizeH="0" baseline="0">
                 <a:ln>
                   <a:noFill/>
                 </a:ln>
@@ -9038,7 +8865,7 @@
               </a:rPr>
               <a:t>);</a:t>
             </a:r>
-            <a:endParaRPr kumimoji="0" lang="en-US" altLang="en-US" sz="2800" b="0" i="0" u="none" strike="noStrike" cap="none" normalizeH="0" baseline="0" dirty="0" smtClean="0">
+            <a:endParaRPr kumimoji="0" lang="en-US" altLang="en-US" sz="2800" b="0" i="0" u="none" strike="noStrike" cap="none" normalizeH="0" baseline="0">
               <a:ln>
                 <a:noFill/>
               </a:ln>
@@ -9097,104 +8924,88 @@
           <a:lstStyle/>
           <a:p>
             <a:r>
-              <a:rPr lang="en-US" dirty="0">
+              <a:rPr lang="en-US">
                 <a:latin typeface="Arial" panose="020B0604020202020204" pitchFamily="34" charset="0"/>
                 <a:cs typeface="Arial" panose="020B0604020202020204" pitchFamily="34" charset="0"/>
               </a:rPr>
               <a:t>CrudRepository</a:t>
             </a:r>
-            <a:endParaRPr lang="en-US" dirty="0">
+          </a:p>
+        </p:txBody>
+      </p:sp>
+      <p:sp>
+        <p:nvSpPr>
+          <p:cNvPr id="3" name="Content Placeholder 2"/>
+          <p:cNvSpPr>
+            <a:spLocks noGrp="1"/>
+          </p:cNvSpPr>
+          <p:nvPr>
+            <p:ph idx="1"/>
+          </p:nvPr>
+        </p:nvSpPr>
+        <p:spPr/>
+        <p:txBody>
+          <a:bodyPr/>
+          <a:lstStyle/>
+          <a:p>
+            <a:r>
+              <a:rPr lang="en-US">
+                <a:latin typeface="Arial" panose="020B0604020202020204" pitchFamily="34" charset="0"/>
+                <a:cs typeface="Arial" panose="020B0604020202020204" pitchFamily="34" charset="0"/>
+              </a:rPr>
+              <a:t>Ví dụ get all email</a:t>
+            </a:r>
+          </a:p>
+          <a:p>
+            <a:r>
+              <a:rPr lang="en-US">
+                <a:latin typeface="Arial" panose="020B0604020202020204" pitchFamily="34" charset="0"/>
+                <a:cs typeface="Arial" panose="020B0604020202020204" pitchFamily="34" charset="0"/>
+              </a:rPr>
+              <a:t>Spring jdbc</a:t>
+            </a:r>
+          </a:p>
+          <a:p>
+            <a:endParaRPr lang="en-US">
               <a:latin typeface="Arial" panose="020B0604020202020204" pitchFamily="34" charset="0"/>
               <a:cs typeface="Arial" panose="020B0604020202020204" pitchFamily="34" charset="0"/>
             </a:endParaRPr>
           </a:p>
-        </p:txBody>
-      </p:sp>
-      <p:sp>
-        <p:nvSpPr>
-          <p:cNvPr id="3" name="Content Placeholder 2"/>
-          <p:cNvSpPr>
-            <a:spLocks noGrp="1"/>
-          </p:cNvSpPr>
-          <p:nvPr>
-            <p:ph idx="1"/>
-          </p:nvPr>
-        </p:nvSpPr>
-        <p:spPr/>
-        <p:txBody>
-          <a:bodyPr/>
-          <a:lstStyle/>
-          <a:p>
-            <a:r>
-              <a:rPr lang="en-US" dirty="0" smtClean="0">
-                <a:latin typeface="Arial" panose="020B0604020202020204" pitchFamily="34" charset="0"/>
-                <a:cs typeface="Arial" panose="020B0604020202020204" pitchFamily="34" charset="0"/>
-              </a:rPr>
-              <a:t>Ví dụ get all email</a:t>
-            </a:r>
-            <a:endParaRPr lang="en-US" dirty="0">
+          <a:p>
+            <a:endParaRPr lang="en-US">
               <a:latin typeface="Arial" panose="020B0604020202020204" pitchFamily="34" charset="0"/>
               <a:cs typeface="Arial" panose="020B0604020202020204" pitchFamily="34" charset="0"/>
             </a:endParaRPr>
           </a:p>
           <a:p>
-            <a:r>
-              <a:rPr lang="en-US" dirty="0" smtClean="0">
-                <a:latin typeface="Arial" panose="020B0604020202020204" pitchFamily="34" charset="0"/>
-                <a:cs typeface="Arial" panose="020B0604020202020204" pitchFamily="34" charset="0"/>
-              </a:rPr>
-              <a:t>Spring jdbc</a:t>
-            </a:r>
-            <a:endParaRPr lang="en-US" dirty="0">
+            <a:endParaRPr lang="en-US">
               <a:latin typeface="Arial" panose="020B0604020202020204" pitchFamily="34" charset="0"/>
               <a:cs typeface="Arial" panose="020B0604020202020204" pitchFamily="34" charset="0"/>
             </a:endParaRPr>
           </a:p>
           <a:p>
-            <a:endParaRPr lang="en-US" dirty="0" smtClean="0">
+            <a:endParaRPr lang="en-US">
               <a:latin typeface="Arial" panose="020B0604020202020204" pitchFamily="34" charset="0"/>
               <a:cs typeface="Arial" panose="020B0604020202020204" pitchFamily="34" charset="0"/>
             </a:endParaRPr>
           </a:p>
           <a:p>
-            <a:endParaRPr lang="en-US" dirty="0">
+            <a:r>
+              <a:rPr lang="en-US">
+                <a:latin typeface="Arial" panose="020B0604020202020204" pitchFamily="34" charset="0"/>
+                <a:cs typeface="Arial" panose="020B0604020202020204" pitchFamily="34" charset="0"/>
+              </a:rPr>
+              <a:t>Spring data jdbc</a:t>
+            </a:r>
+          </a:p>
+          <a:p>
+            <a:endParaRPr lang="en-US">
               <a:latin typeface="Arial" panose="020B0604020202020204" pitchFamily="34" charset="0"/>
               <a:cs typeface="Arial" panose="020B0604020202020204" pitchFamily="34" charset="0"/>
             </a:endParaRPr>
           </a:p>
           <a:p>
-            <a:endParaRPr lang="en-US" dirty="0" smtClean="0">
-              <a:latin typeface="Arial" panose="020B0604020202020204" pitchFamily="34" charset="0"/>
-              <a:cs typeface="Arial" panose="020B0604020202020204" pitchFamily="34" charset="0"/>
-            </a:endParaRPr>
-          </a:p>
-          <a:p>
-            <a:endParaRPr lang="en-US" dirty="0" smtClean="0">
-              <a:latin typeface="Arial" panose="020B0604020202020204" pitchFamily="34" charset="0"/>
-              <a:cs typeface="Arial" panose="020B0604020202020204" pitchFamily="34" charset="0"/>
-            </a:endParaRPr>
-          </a:p>
-          <a:p>
-            <a:r>
-              <a:rPr lang="en-US" dirty="0" smtClean="0">
-                <a:latin typeface="Arial" panose="020B0604020202020204" pitchFamily="34" charset="0"/>
-                <a:cs typeface="Arial" panose="020B0604020202020204" pitchFamily="34" charset="0"/>
-              </a:rPr>
-              <a:t>Spring data jdbc</a:t>
-            </a:r>
-            <a:endParaRPr lang="en-US" dirty="0" smtClean="0">
-              <a:latin typeface="Arial" panose="020B0604020202020204" pitchFamily="34" charset="0"/>
-              <a:cs typeface="Arial" panose="020B0604020202020204" pitchFamily="34" charset="0"/>
-            </a:endParaRPr>
-          </a:p>
-          <a:p>
-            <a:endParaRPr lang="en-US" dirty="0">
-              <a:latin typeface="Arial" panose="020B0604020202020204" pitchFamily="34" charset="0"/>
-              <a:cs typeface="Arial" panose="020B0604020202020204" pitchFamily="34" charset="0"/>
-            </a:endParaRPr>
-          </a:p>
-          <a:p>
-            <a:endParaRPr lang="en-US" dirty="0">
+            <a:endParaRPr lang="en-US">
               <a:latin typeface="Arial" panose="020B0604020202020204" pitchFamily="34" charset="0"/>
               <a:cs typeface="Arial" panose="020B0604020202020204" pitchFamily="34" charset="0"/>
             </a:endParaRPr>
@@ -9296,7 +9107,7 @@
               <a:tabLst/>
             </a:pPr>
             <a:r>
-              <a:rPr kumimoji="0" lang="en-US" altLang="en-US" sz="1100" b="0" i="0" u="none" strike="noStrike" cap="none" normalizeH="0" baseline="0" smtClean="0">
+              <a:rPr kumimoji="0" lang="en-US" altLang="en-US" sz="1100" b="0" i="0" u="none" strike="noStrike" cap="none" normalizeH="0" baseline="0">
                 <a:ln>
                   <a:noFill/>
                 </a:ln>
@@ -9310,7 +9121,7 @@
               <a:t>@Query</a:t>
             </a:r>
             <a:r>
-              <a:rPr kumimoji="0" lang="en-US" altLang="en-US" sz="1100" b="0" i="0" u="none" strike="noStrike" cap="none" normalizeH="0" baseline="0" smtClean="0">
+              <a:rPr kumimoji="0" lang="en-US" altLang="en-US" sz="1100" b="0" i="0" u="none" strike="noStrike" cap="none" normalizeH="0" baseline="0">
                 <a:ln>
                   <a:noFill/>
                 </a:ln>
@@ -9324,7 +9135,7 @@
               <a:t>(</a:t>
             </a:r>
             <a:r>
-              <a:rPr kumimoji="0" lang="en-US" altLang="en-US" sz="1100" b="0" i="0" u="none" strike="noStrike" cap="none" normalizeH="0" baseline="0" smtClean="0">
+              <a:rPr kumimoji="0" lang="en-US" altLang="en-US" sz="1100" b="0" i="0" u="none" strike="noStrike" cap="none" normalizeH="0" baseline="0">
                 <a:ln>
                   <a:noFill/>
                 </a:ln>
@@ -9338,7 +9149,7 @@
               <a:t>"SELECT email FROM user"</a:t>
             </a:r>
             <a:r>
-              <a:rPr kumimoji="0" lang="en-US" altLang="en-US" sz="1100" b="0" i="0" u="none" strike="noStrike" cap="none" normalizeH="0" baseline="0" smtClean="0">
+              <a:rPr kumimoji="0" lang="en-US" altLang="en-US" sz="1100" b="0" i="0" u="none" strike="noStrike" cap="none" normalizeH="0" baseline="0">
                 <a:ln>
                   <a:noFill/>
                 </a:ln>
@@ -9352,7 +9163,7 @@
               <a:t>)</a:t>
             </a:r>
             <a:br>
-              <a:rPr kumimoji="0" lang="en-US" altLang="en-US" sz="1100" b="0" i="0" u="none" strike="noStrike" cap="none" normalizeH="0" baseline="0" smtClean="0">
+              <a:rPr kumimoji="0" lang="en-US" altLang="en-US" sz="1100" b="0" i="0" u="none" strike="noStrike" cap="none" normalizeH="0" baseline="0">
                 <a:ln>
                   <a:noFill/>
                 </a:ln>
@@ -9365,7 +9176,7 @@
               </a:rPr>
             </a:br>
             <a:r>
-              <a:rPr kumimoji="0" lang="en-US" altLang="en-US" sz="1100" b="0" i="1" u="none" strike="noStrike" cap="none" normalizeH="0" baseline="0" smtClean="0">
+              <a:rPr kumimoji="0" lang="en-US" altLang="en-US" sz="1100" b="0" i="1" u="none" strike="noStrike" cap="none" normalizeH="0" baseline="0">
                 <a:ln>
                   <a:noFill/>
                 </a:ln>
@@ -9379,7 +9190,7 @@
               <a:t>List</a:t>
             </a:r>
             <a:r>
-              <a:rPr kumimoji="0" lang="en-US" altLang="en-US" sz="1100" b="0" i="0" u="none" strike="noStrike" cap="none" normalizeH="0" baseline="0" smtClean="0">
+              <a:rPr kumimoji="0" lang="en-US" altLang="en-US" sz="1100" b="0" i="0" u="none" strike="noStrike" cap="none" normalizeH="0" baseline="0">
                 <a:ln>
                   <a:noFill/>
                 </a:ln>
@@ -9393,7 +9204,7 @@
               <a:t>&lt;</a:t>
             </a:r>
             <a:r>
-              <a:rPr kumimoji="0" lang="en-US" altLang="en-US" sz="1100" b="0" i="0" u="none" strike="noStrike" cap="none" normalizeH="0" baseline="0" smtClean="0">
+              <a:rPr kumimoji="0" lang="en-US" altLang="en-US" sz="1100" b="0" i="0" u="none" strike="noStrike" cap="none" normalizeH="0" baseline="0">
                 <a:ln>
                   <a:noFill/>
                 </a:ln>
@@ -9407,7 +9218,7 @@
               <a:t>String</a:t>
             </a:r>
             <a:r>
-              <a:rPr kumimoji="0" lang="en-US" altLang="en-US" sz="1100" b="0" i="0" u="none" strike="noStrike" cap="none" normalizeH="0" baseline="0" smtClean="0">
+              <a:rPr kumimoji="0" lang="en-US" altLang="en-US" sz="1100" b="0" i="0" u="none" strike="noStrike" cap="none" normalizeH="0" baseline="0">
                 <a:ln>
                   <a:noFill/>
                 </a:ln>
@@ -9421,7 +9232,7 @@
               <a:t>&gt; </a:t>
             </a:r>
             <a:r>
-              <a:rPr kumimoji="0" lang="en-US" altLang="en-US" sz="1100" b="0" i="0" u="none" strike="noStrike" cap="none" normalizeH="0" baseline="0" smtClean="0">
+              <a:rPr kumimoji="0" lang="en-US" altLang="en-US" sz="1100" b="0" i="0" u="none" strike="noStrike" cap="none" normalizeH="0" baseline="0">
                 <a:ln>
                   <a:noFill/>
                 </a:ln>
@@ -9435,7 +9246,7 @@
               <a:t>findAllMail</a:t>
             </a:r>
             <a:r>
-              <a:rPr kumimoji="0" lang="en-US" altLang="en-US" sz="1100" b="0" i="0" u="none" strike="noStrike" cap="none" normalizeH="0" baseline="0" smtClean="0">
+              <a:rPr kumimoji="0" lang="en-US" altLang="en-US" sz="1100" b="0" i="0" u="none" strike="noStrike" cap="none" normalizeH="0" baseline="0">
                 <a:ln>
                   <a:noFill/>
                 </a:ln>
@@ -9448,7 +9259,7 @@
               </a:rPr>
               <a:t>();</a:t>
             </a:r>
-            <a:endParaRPr kumimoji="0" lang="en-US" altLang="en-US" sz="2800" b="0" i="0" u="none" strike="noStrike" cap="none" normalizeH="0" baseline="0" smtClean="0">
+            <a:endParaRPr kumimoji="0" lang="en-US" altLang="en-US" sz="2800" b="0" i="0" u="none" strike="noStrike" cap="none" normalizeH="0" baseline="0">
               <a:ln>
                 <a:noFill/>
               </a:ln>
@@ -9507,54 +9318,46 @@
           <a:lstStyle/>
           <a:p>
             <a:r>
-              <a:rPr lang="en-US" dirty="0">
+              <a:rPr lang="en-US">
                 <a:latin typeface="Arial" panose="020B0604020202020204" pitchFamily="34" charset="0"/>
                 <a:cs typeface="Arial" panose="020B0604020202020204" pitchFamily="34" charset="0"/>
               </a:rPr>
               <a:t>CrudRepository</a:t>
             </a:r>
-            <a:endParaRPr lang="en-US" dirty="0">
+          </a:p>
+        </p:txBody>
+      </p:sp>
+      <p:sp>
+        <p:nvSpPr>
+          <p:cNvPr id="3" name="Content Placeholder 2"/>
+          <p:cNvSpPr>
+            <a:spLocks noGrp="1"/>
+          </p:cNvSpPr>
+          <p:nvPr>
+            <p:ph idx="1"/>
+          </p:nvPr>
+        </p:nvSpPr>
+        <p:spPr/>
+        <p:txBody>
+          <a:bodyPr/>
+          <a:lstStyle/>
+          <a:p>
+            <a:r>
+              <a:rPr lang="en-US">
+                <a:latin typeface="Arial" panose="020B0604020202020204" pitchFamily="34" charset="0"/>
+                <a:cs typeface="Arial" panose="020B0604020202020204" pitchFamily="34" charset="0"/>
+              </a:rPr>
+              <a:t>Ví dụ muốn count số lượng name thì làm thế nào?</a:t>
+            </a:r>
+          </a:p>
+          <a:p>
+            <a:endParaRPr lang="en-US">
               <a:latin typeface="Arial" panose="020B0604020202020204" pitchFamily="34" charset="0"/>
               <a:cs typeface="Arial" panose="020B0604020202020204" pitchFamily="34" charset="0"/>
             </a:endParaRPr>
           </a:p>
-        </p:txBody>
-      </p:sp>
-      <p:sp>
-        <p:nvSpPr>
-          <p:cNvPr id="3" name="Content Placeholder 2"/>
-          <p:cNvSpPr>
-            <a:spLocks noGrp="1"/>
-          </p:cNvSpPr>
-          <p:nvPr>
-            <p:ph idx="1"/>
-          </p:nvPr>
-        </p:nvSpPr>
-        <p:spPr/>
-        <p:txBody>
-          <a:bodyPr/>
-          <a:lstStyle/>
-          <a:p>
-            <a:r>
-              <a:rPr lang="en-US" dirty="0" smtClean="0">
-                <a:latin typeface="Arial" panose="020B0604020202020204" pitchFamily="34" charset="0"/>
-                <a:cs typeface="Arial" panose="020B0604020202020204" pitchFamily="34" charset="0"/>
-              </a:rPr>
-              <a:t>Ví dụ muốn count số lượng name thì làm thế nào?</a:t>
-            </a:r>
-            <a:endParaRPr lang="en-US" dirty="0">
-              <a:latin typeface="Arial" panose="020B0604020202020204" pitchFamily="34" charset="0"/>
-              <a:cs typeface="Arial" panose="020B0604020202020204" pitchFamily="34" charset="0"/>
-            </a:endParaRPr>
-          </a:p>
-          <a:p>
-            <a:endParaRPr lang="en-US" dirty="0">
-              <a:latin typeface="Arial" panose="020B0604020202020204" pitchFamily="34" charset="0"/>
-              <a:cs typeface="Arial" panose="020B0604020202020204" pitchFamily="34" charset="0"/>
-            </a:endParaRPr>
-          </a:p>
-          <a:p>
-            <a:endParaRPr lang="en-US" dirty="0">
+          <a:p>
+            <a:endParaRPr lang="en-US">
               <a:latin typeface="Arial" panose="020B0604020202020204" pitchFamily="34" charset="0"/>
               <a:cs typeface="Arial" panose="020B0604020202020204" pitchFamily="34" charset="0"/>
             </a:endParaRPr>
@@ -9607,54 +9410,46 @@
           <a:lstStyle/>
           <a:p>
             <a:r>
-              <a:rPr lang="en-US" dirty="0">
+              <a:rPr lang="en-US">
                 <a:latin typeface="Arial" panose="020B0604020202020204" pitchFamily="34" charset="0"/>
                 <a:cs typeface="Arial" panose="020B0604020202020204" pitchFamily="34" charset="0"/>
               </a:rPr>
               <a:t>CrudRepository</a:t>
             </a:r>
-            <a:endParaRPr lang="en-US" dirty="0">
+          </a:p>
+        </p:txBody>
+      </p:sp>
+      <p:sp>
+        <p:nvSpPr>
+          <p:cNvPr id="3" name="Content Placeholder 2"/>
+          <p:cNvSpPr>
+            <a:spLocks noGrp="1"/>
+          </p:cNvSpPr>
+          <p:nvPr>
+            <p:ph idx="1"/>
+          </p:nvPr>
+        </p:nvSpPr>
+        <p:spPr/>
+        <p:txBody>
+          <a:bodyPr/>
+          <a:lstStyle/>
+          <a:p>
+            <a:r>
+              <a:rPr lang="en-US">
+                <a:latin typeface="Arial" panose="020B0604020202020204" pitchFamily="34" charset="0"/>
+                <a:cs typeface="Arial" panose="020B0604020202020204" pitchFamily="34" charset="0"/>
+              </a:rPr>
+              <a:t>Ví dụ muốn count số lượng name thì làm thế nào?</a:t>
+            </a:r>
+          </a:p>
+          <a:p>
+            <a:endParaRPr lang="en-US">
               <a:latin typeface="Arial" panose="020B0604020202020204" pitchFamily="34" charset="0"/>
               <a:cs typeface="Arial" panose="020B0604020202020204" pitchFamily="34" charset="0"/>
             </a:endParaRPr>
           </a:p>
-        </p:txBody>
-      </p:sp>
-      <p:sp>
-        <p:nvSpPr>
-          <p:cNvPr id="3" name="Content Placeholder 2"/>
-          <p:cNvSpPr>
-            <a:spLocks noGrp="1"/>
-          </p:cNvSpPr>
-          <p:nvPr>
-            <p:ph idx="1"/>
-          </p:nvPr>
-        </p:nvSpPr>
-        <p:spPr/>
-        <p:txBody>
-          <a:bodyPr/>
-          <a:lstStyle/>
-          <a:p>
-            <a:r>
-              <a:rPr lang="en-US" dirty="0" smtClean="0">
-                <a:latin typeface="Arial" panose="020B0604020202020204" pitchFamily="34" charset="0"/>
-                <a:cs typeface="Arial" panose="020B0604020202020204" pitchFamily="34" charset="0"/>
-              </a:rPr>
-              <a:t>Ví dụ muốn count số lượng name thì làm thế nào?</a:t>
-            </a:r>
-            <a:endParaRPr lang="en-US" dirty="0">
-              <a:latin typeface="Arial" panose="020B0604020202020204" pitchFamily="34" charset="0"/>
-              <a:cs typeface="Arial" panose="020B0604020202020204" pitchFamily="34" charset="0"/>
-            </a:endParaRPr>
-          </a:p>
-          <a:p>
-            <a:endParaRPr lang="en-US" dirty="0">
-              <a:latin typeface="Arial" panose="020B0604020202020204" pitchFamily="34" charset="0"/>
-              <a:cs typeface="Arial" panose="020B0604020202020204" pitchFamily="34" charset="0"/>
-            </a:endParaRPr>
-          </a:p>
-          <a:p>
-            <a:endParaRPr lang="en-US" dirty="0">
+          <a:p>
+            <a:endParaRPr lang="en-US">
               <a:latin typeface="Arial" panose="020B0604020202020204" pitchFamily="34" charset="0"/>
               <a:cs typeface="Arial" panose="020B0604020202020204" pitchFamily="34" charset="0"/>
             </a:endParaRPr>
@@ -9732,7 +9527,7 @@
               <a:tabLst/>
             </a:pPr>
             <a:r>
-              <a:rPr kumimoji="0" lang="en-US" altLang="en-US" sz="1100" b="0" i="0" u="none" strike="noStrike" cap="none" normalizeH="0" baseline="0" smtClean="0">
+              <a:rPr kumimoji="0" lang="en-US" altLang="en-US" sz="1100" b="0" i="0" u="none" strike="noStrike" cap="none" normalizeH="0" baseline="0">
                 <a:ln>
                   <a:noFill/>
                 </a:ln>
@@ -9746,7 +9541,7 @@
               <a:t>@Query</a:t>
             </a:r>
             <a:r>
-              <a:rPr kumimoji="0" lang="en-US" altLang="en-US" sz="1100" b="0" i="0" u="none" strike="noStrike" cap="none" normalizeH="0" baseline="0" smtClean="0">
+              <a:rPr kumimoji="0" lang="en-US" altLang="en-US" sz="1100" b="0" i="0" u="none" strike="noStrike" cap="none" normalizeH="0" baseline="0">
                 <a:ln>
                   <a:noFill/>
                 </a:ln>
@@ -9760,7 +9555,7 @@
               <a:t>(</a:t>
             </a:r>
             <a:r>
-              <a:rPr kumimoji="0" lang="en-US" altLang="en-US" sz="1100" b="0" i="0" u="none" strike="noStrike" cap="none" normalizeH="0" baseline="0" smtClean="0">
+              <a:rPr kumimoji="0" lang="en-US" altLang="en-US" sz="1100" b="0" i="0" u="none" strike="noStrike" cap="none" normalizeH="0" baseline="0">
                 <a:ln>
                   <a:noFill/>
                 </a:ln>
@@ -9774,7 +9569,7 @@
               <a:t>value </a:t>
             </a:r>
             <a:r>
-              <a:rPr kumimoji="0" lang="en-US" altLang="en-US" sz="1100" b="0" i="0" u="none" strike="noStrike" cap="none" normalizeH="0" baseline="0" smtClean="0">
+              <a:rPr kumimoji="0" lang="en-US" altLang="en-US" sz="1100" b="0" i="0" u="none" strike="noStrike" cap="none" normalizeH="0" baseline="0">
                 <a:ln>
                   <a:noFill/>
                 </a:ln>
@@ -9788,7 +9583,7 @@
               <a:t>= </a:t>
             </a:r>
             <a:r>
-              <a:rPr kumimoji="0" lang="en-US" altLang="en-US" sz="1100" b="0" i="0" u="none" strike="noStrike" cap="none" normalizeH="0" baseline="0" smtClean="0">
+              <a:rPr kumimoji="0" lang="en-US" altLang="en-US" sz="1100" b="0" i="0" u="none" strike="noStrike" cap="none" normalizeH="0" baseline="0">
                 <a:ln>
                   <a:noFill/>
                 </a:ln>
@@ -9802,7 +9597,7 @@
               <a:t>"SELECT name, COUNT(*) as count FROM user GROUP BY name"</a:t>
             </a:r>
             <a:r>
-              <a:rPr kumimoji="0" lang="en-US" altLang="en-US" sz="1100" b="0" i="0" u="none" strike="noStrike" cap="none" normalizeH="0" baseline="0" smtClean="0">
+              <a:rPr kumimoji="0" lang="en-US" altLang="en-US" sz="1100" b="0" i="0" u="none" strike="noStrike" cap="none" normalizeH="0" baseline="0">
                 <a:ln>
                   <a:noFill/>
                 </a:ln>
@@ -9816,7 +9611,7 @@
               <a:t>)</a:t>
             </a:r>
             <a:br>
-              <a:rPr kumimoji="0" lang="en-US" altLang="en-US" sz="1100" b="0" i="0" u="none" strike="noStrike" cap="none" normalizeH="0" baseline="0" smtClean="0">
+              <a:rPr kumimoji="0" lang="en-US" altLang="en-US" sz="1100" b="0" i="0" u="none" strike="noStrike" cap="none" normalizeH="0" baseline="0">
                 <a:ln>
                   <a:noFill/>
                 </a:ln>
@@ -9829,7 +9624,7 @@
               </a:rPr>
             </a:br>
             <a:r>
-              <a:rPr kumimoji="0" lang="en-US" altLang="en-US" sz="1100" b="0" i="0" u="none" strike="noStrike" cap="none" normalizeH="0" baseline="0" smtClean="0">
+              <a:rPr kumimoji="0" lang="en-US" altLang="en-US" sz="1100" b="0" i="0" u="none" strike="noStrike" cap="none" normalizeH="0" baseline="0">
                 <a:ln>
                   <a:noFill/>
                 </a:ln>
@@ -9843,7 +9638,7 @@
               <a:t>... </a:t>
             </a:r>
             <a:r>
-              <a:rPr kumimoji="0" lang="en-US" altLang="en-US" sz="1100" b="0" i="0" u="none" strike="noStrike" cap="none" normalizeH="0" baseline="0" smtClean="0">
+              <a:rPr kumimoji="0" lang="en-US" altLang="en-US" sz="1100" b="0" i="0" u="none" strike="noStrike" cap="none" normalizeH="0" baseline="0">
                 <a:ln>
                   <a:noFill/>
                 </a:ln>
@@ -9857,7 +9652,7 @@
               <a:t>countName</a:t>
             </a:r>
             <a:r>
-              <a:rPr kumimoji="0" lang="en-US" altLang="en-US" sz="1100" b="0" i="0" u="none" strike="noStrike" cap="none" normalizeH="0" baseline="0" smtClean="0">
+              <a:rPr kumimoji="0" lang="en-US" altLang="en-US" sz="1100" b="0" i="0" u="none" strike="noStrike" cap="none" normalizeH="0" baseline="0">
                 <a:ln>
                   <a:noFill/>
                 </a:ln>
@@ -9870,7 +9665,7 @@
               </a:rPr>
               <a:t>();</a:t>
             </a:r>
-            <a:endParaRPr kumimoji="0" lang="en-US" altLang="en-US" sz="2800" b="0" i="0" u="none" strike="noStrike" cap="none" normalizeH="0" baseline="0" smtClean="0">
+            <a:endParaRPr kumimoji="0" lang="en-US" altLang="en-US" sz="2800" b="0" i="0" u="none" strike="noStrike" cap="none" normalizeH="0" baseline="0">
               <a:ln>
                 <a:noFill/>
               </a:ln>
@@ -9929,82 +9724,54 @@
           <a:lstStyle/>
           <a:p>
             <a:r>
-              <a:rPr lang="en-US" dirty="0" smtClean="0">
+              <a:rPr lang="en-US">
                 <a:latin typeface="Arial" panose="020B0604020202020204" pitchFamily="34" charset="0"/>
                 <a:cs typeface="Arial" panose="020B0604020202020204" pitchFamily="34" charset="0"/>
               </a:rPr>
               <a:t>Introduction</a:t>
             </a:r>
-            <a:endParaRPr lang="en-US" dirty="0">
+          </a:p>
+        </p:txBody>
+      </p:sp>
+      <p:sp>
+        <p:nvSpPr>
+          <p:cNvPr id="3" name="Content Placeholder 2"/>
+          <p:cNvSpPr>
+            <a:spLocks noGrp="1"/>
+          </p:cNvSpPr>
+          <p:nvPr>
+            <p:ph idx="1"/>
+          </p:nvPr>
+        </p:nvSpPr>
+        <p:spPr/>
+        <p:txBody>
+          <a:bodyPr/>
+          <a:lstStyle/>
+          <a:p>
+            <a:r>
+              <a:rPr lang="vi-VN">
+                <a:cs typeface="Arial" panose="020B0604020202020204" pitchFamily="34" charset="0"/>
+              </a:rPr>
+              <a:t>Spring Data JDBC là một phần của Spring Data, cung cấp các giải pháp đơn giản và dễ sử dụng cho việc tương tác với cơ sở dữ liệu quan hệ thông qua JDBC (Java Database Connectivity).</a:t>
+            </a:r>
+            <a:endParaRPr lang="en-US">
+              <a:cs typeface="Arial" panose="020B0604020202020204" pitchFamily="34" charset="0"/>
+            </a:endParaRPr>
+          </a:p>
+          <a:p>
+            <a:r>
+              <a:rPr lang="vi-VN">
+                <a:cs typeface="Arial" panose="020B0604020202020204" pitchFamily="34" charset="0"/>
+              </a:rPr>
+              <a:t>Spring Data JDBC không phức tạp như JPA (Java Persistence API) và không cung cấp các tính năng phong phú như ORM (Object-Relational Mapping) nhưng lại mang đến sự đơn giản và hiệu quả cho các ứng dụng cần truy cập dữ liệu trực tiếp.</a:t>
+            </a:r>
+            <a:endParaRPr lang="en-US">
               <a:latin typeface="Arial" panose="020B0604020202020204" pitchFamily="34" charset="0"/>
               <a:cs typeface="Arial" panose="020B0604020202020204" pitchFamily="34" charset="0"/>
             </a:endParaRPr>
           </a:p>
-        </p:txBody>
-      </p:sp>
-      <p:sp>
-        <p:nvSpPr>
-          <p:cNvPr id="3" name="Content Placeholder 2"/>
-          <p:cNvSpPr>
-            <a:spLocks noGrp="1"/>
-          </p:cNvSpPr>
-          <p:nvPr>
-            <p:ph idx="1"/>
-          </p:nvPr>
-        </p:nvSpPr>
-        <p:spPr/>
-        <p:txBody>
-          <a:bodyPr/>
-          <a:lstStyle/>
-          <a:p>
-            <a:r>
-              <a:rPr lang="vi-VN" dirty="0">
-                <a:cs typeface="Arial" panose="020B0604020202020204" pitchFamily="34" charset="0"/>
-              </a:rPr>
-              <a:t>Spring Data JDBC là một phần của </a:t>
-            </a:r>
-            <a:r>
-              <a:rPr lang="vi-VN" dirty="0" smtClean="0">
-                <a:cs typeface="Arial" panose="020B0604020202020204" pitchFamily="34" charset="0"/>
-              </a:rPr>
-              <a:t>Spring </a:t>
-            </a:r>
-            <a:r>
-              <a:rPr lang="vi-VN" dirty="0">
-                <a:cs typeface="Arial" panose="020B0604020202020204" pitchFamily="34" charset="0"/>
-              </a:rPr>
-              <a:t>Data, cung cấp các giải pháp đơn giản và dễ sử dụng cho việc tương tác với cơ sở dữ liệu quan hệ thông qua JDBC (Java Database Connectivity</a:t>
-            </a:r>
-            <a:r>
-              <a:rPr lang="vi-VN" dirty="0" smtClean="0">
-                <a:cs typeface="Arial" panose="020B0604020202020204" pitchFamily="34" charset="0"/>
-              </a:rPr>
-              <a:t>).</a:t>
-            </a:r>
-            <a:endParaRPr lang="en-US" dirty="0" smtClean="0">
-              <a:cs typeface="Arial" panose="020B0604020202020204" pitchFamily="34" charset="0"/>
-            </a:endParaRPr>
-          </a:p>
-          <a:p>
-            <a:r>
-              <a:rPr lang="vi-VN" dirty="0" smtClean="0">
-                <a:cs typeface="Arial" panose="020B0604020202020204" pitchFamily="34" charset="0"/>
-              </a:rPr>
-              <a:t>Spring </a:t>
-            </a:r>
-            <a:r>
-              <a:rPr lang="vi-VN" dirty="0">
-                <a:cs typeface="Arial" panose="020B0604020202020204" pitchFamily="34" charset="0"/>
-              </a:rPr>
-              <a:t>Data JDBC không phức tạp như JPA (Java Persistence API) và không cung cấp các tính năng phong phú như ORM (Object-Relational Mapping) nhưng lại mang đến sự đơn giản và hiệu quả cho các ứng dụng cần truy cập dữ liệu trực tiếp.</a:t>
-            </a:r>
-            <a:endParaRPr lang="en-US" dirty="0" smtClean="0">
-              <a:latin typeface="Arial" panose="020B0604020202020204" pitchFamily="34" charset="0"/>
-              <a:cs typeface="Arial" panose="020B0604020202020204" pitchFamily="34" charset="0"/>
-            </a:endParaRPr>
-          </a:p>
-          <a:p>
-            <a:endParaRPr lang="en-US" dirty="0">
+          <a:p>
+            <a:endParaRPr lang="en-US">
               <a:latin typeface="Arial" panose="020B0604020202020204" pitchFamily="34" charset="0"/>
               <a:cs typeface="Arial" panose="020B0604020202020204" pitchFamily="34" charset="0"/>
             </a:endParaRPr>
@@ -10057,54 +9824,46 @@
           <a:lstStyle/>
           <a:p>
             <a:r>
-              <a:rPr lang="en-US" dirty="0">
+              <a:rPr lang="en-US">
                 <a:latin typeface="Arial" panose="020B0604020202020204" pitchFamily="34" charset="0"/>
                 <a:cs typeface="Arial" panose="020B0604020202020204" pitchFamily="34" charset="0"/>
               </a:rPr>
               <a:t>CrudRepository</a:t>
             </a:r>
-            <a:endParaRPr lang="en-US" dirty="0">
+          </a:p>
+        </p:txBody>
+      </p:sp>
+      <p:sp>
+        <p:nvSpPr>
+          <p:cNvPr id="3" name="Content Placeholder 2"/>
+          <p:cNvSpPr>
+            <a:spLocks noGrp="1"/>
+          </p:cNvSpPr>
+          <p:nvPr>
+            <p:ph idx="1"/>
+          </p:nvPr>
+        </p:nvSpPr>
+        <p:spPr/>
+        <p:txBody>
+          <a:bodyPr/>
+          <a:lstStyle/>
+          <a:p>
+            <a:r>
+              <a:rPr lang="en-US">
+                <a:latin typeface="Arial" panose="020B0604020202020204" pitchFamily="34" charset="0"/>
+                <a:cs typeface="Arial" panose="020B0604020202020204" pitchFamily="34" charset="0"/>
+              </a:rPr>
+              <a:t>Ví dụ muốn count số lượng name thì làm thế nào?</a:t>
+            </a:r>
+          </a:p>
+          <a:p>
+            <a:endParaRPr lang="en-US">
               <a:latin typeface="Arial" panose="020B0604020202020204" pitchFamily="34" charset="0"/>
               <a:cs typeface="Arial" panose="020B0604020202020204" pitchFamily="34" charset="0"/>
             </a:endParaRPr>
           </a:p>
-        </p:txBody>
-      </p:sp>
-      <p:sp>
-        <p:nvSpPr>
-          <p:cNvPr id="3" name="Content Placeholder 2"/>
-          <p:cNvSpPr>
-            <a:spLocks noGrp="1"/>
-          </p:cNvSpPr>
-          <p:nvPr>
-            <p:ph idx="1"/>
-          </p:nvPr>
-        </p:nvSpPr>
-        <p:spPr/>
-        <p:txBody>
-          <a:bodyPr/>
-          <a:lstStyle/>
-          <a:p>
-            <a:r>
-              <a:rPr lang="en-US" dirty="0" smtClean="0">
-                <a:latin typeface="Arial" panose="020B0604020202020204" pitchFamily="34" charset="0"/>
-                <a:cs typeface="Arial" panose="020B0604020202020204" pitchFamily="34" charset="0"/>
-              </a:rPr>
-              <a:t>Ví dụ muốn count số lượng name thì làm thế nào?</a:t>
-            </a:r>
-            <a:endParaRPr lang="en-US" dirty="0">
-              <a:latin typeface="Arial" panose="020B0604020202020204" pitchFamily="34" charset="0"/>
-              <a:cs typeface="Arial" panose="020B0604020202020204" pitchFamily="34" charset="0"/>
-            </a:endParaRPr>
-          </a:p>
-          <a:p>
-            <a:endParaRPr lang="en-US" dirty="0">
-              <a:latin typeface="Arial" panose="020B0604020202020204" pitchFamily="34" charset="0"/>
-              <a:cs typeface="Arial" panose="020B0604020202020204" pitchFamily="34" charset="0"/>
-            </a:endParaRPr>
-          </a:p>
-          <a:p>
-            <a:endParaRPr lang="en-US" dirty="0">
+          <a:p>
+            <a:endParaRPr lang="en-US">
               <a:latin typeface="Arial" panose="020B0604020202020204" pitchFamily="34" charset="0"/>
               <a:cs typeface="Arial" panose="020B0604020202020204" pitchFamily="34" charset="0"/>
             </a:endParaRPr>
@@ -10182,7 +9941,7 @@
               <a:tabLst/>
             </a:pPr>
             <a:r>
-              <a:rPr kumimoji="0" lang="en-US" altLang="en-US" sz="1100" b="0" i="0" u="none" strike="noStrike" cap="none" normalizeH="0" baseline="0" dirty="0" smtClean="0">
+              <a:rPr kumimoji="0" lang="en-US" altLang="en-US" sz="1100" b="0" i="0" u="none" strike="noStrike" cap="none" normalizeH="0" baseline="0">
                 <a:ln>
                   <a:noFill/>
                 </a:ln>
@@ -10196,7 +9955,7 @@
               <a:t>@Query</a:t>
             </a:r>
             <a:r>
-              <a:rPr kumimoji="0" lang="en-US" altLang="en-US" sz="1100" b="0" i="0" u="none" strike="noStrike" cap="none" normalizeH="0" baseline="0" dirty="0" smtClean="0">
+              <a:rPr kumimoji="0" lang="en-US" altLang="en-US" sz="1100" b="0" i="0" u="none" strike="noStrike" cap="none" normalizeH="0" baseline="0">
                 <a:ln>
                   <a:noFill/>
                 </a:ln>
@@ -10210,7 +9969,7 @@
               <a:t>(</a:t>
             </a:r>
             <a:r>
-              <a:rPr kumimoji="0" lang="en-US" altLang="en-US" sz="1100" b="0" i="0" u="none" strike="noStrike" cap="none" normalizeH="0" baseline="0" dirty="0" smtClean="0">
+              <a:rPr kumimoji="0" lang="en-US" altLang="en-US" sz="1100" b="0" i="0" u="none" strike="noStrike" cap="none" normalizeH="0" baseline="0">
                 <a:ln>
                   <a:noFill/>
                 </a:ln>
@@ -10224,7 +9983,7 @@
               <a:t>value </a:t>
             </a:r>
             <a:r>
-              <a:rPr kumimoji="0" lang="en-US" altLang="en-US" sz="1100" b="0" i="0" u="none" strike="noStrike" cap="none" normalizeH="0" baseline="0" dirty="0" smtClean="0">
+              <a:rPr kumimoji="0" lang="en-US" altLang="en-US" sz="1100" b="0" i="0" u="none" strike="noStrike" cap="none" normalizeH="0" baseline="0">
                 <a:ln>
                   <a:noFill/>
                 </a:ln>
@@ -10238,7 +9997,7 @@
               <a:t>= </a:t>
             </a:r>
             <a:r>
-              <a:rPr kumimoji="0" lang="en-US" altLang="en-US" sz="1100" b="0" i="0" u="none" strike="noStrike" cap="none" normalizeH="0" baseline="0" dirty="0" smtClean="0">
+              <a:rPr kumimoji="0" lang="en-US" altLang="en-US" sz="1100" b="0" i="0" u="none" strike="noStrike" cap="none" normalizeH="0" baseline="0">
                 <a:ln>
                   <a:noFill/>
                 </a:ln>
@@ -10252,7 +10011,7 @@
               <a:t>"SELECT name, COUNT(*) as count FROM user GROUP BY name"</a:t>
             </a:r>
             <a:r>
-              <a:rPr kumimoji="0" lang="en-US" altLang="en-US" sz="1100" b="0" i="0" u="none" strike="noStrike" cap="none" normalizeH="0" baseline="0" dirty="0" smtClean="0">
+              <a:rPr kumimoji="0" lang="en-US" altLang="en-US" sz="1100" b="0" i="0" u="none" strike="noStrike" cap="none" normalizeH="0" baseline="0">
                 <a:ln>
                   <a:noFill/>
                 </a:ln>
@@ -10266,7 +10025,7 @@
               <a:t>)</a:t>
             </a:r>
             <a:br>
-              <a:rPr kumimoji="0" lang="en-US" altLang="en-US" sz="1100" b="0" i="0" u="none" strike="noStrike" cap="none" normalizeH="0" baseline="0" dirty="0" smtClean="0">
+              <a:rPr kumimoji="0" lang="en-US" altLang="en-US" sz="1100" b="0" i="0" u="none" strike="noStrike" cap="none" normalizeH="0" baseline="0">
                 <a:ln>
                   <a:noFill/>
                 </a:ln>
@@ -10279,7 +10038,7 @@
               </a:rPr>
             </a:br>
             <a:r>
-              <a:rPr kumimoji="0" lang="en-US" altLang="en-US" sz="1100" b="0" i="1" u="none" strike="noStrike" cap="none" normalizeH="0" baseline="0" dirty="0" smtClean="0">
+              <a:rPr kumimoji="0" lang="en-US" altLang="en-US" sz="1100" b="0" i="1" u="none" strike="noStrike" cap="none" normalizeH="0" baseline="0">
                 <a:ln>
                   <a:noFill/>
                 </a:ln>
@@ -10293,7 +10052,7 @@
               <a:t>List</a:t>
             </a:r>
             <a:r>
-              <a:rPr kumimoji="0" lang="en-US" altLang="en-US" sz="1100" b="0" i="0" u="none" strike="noStrike" cap="none" normalizeH="0" baseline="0" dirty="0" smtClean="0">
+              <a:rPr kumimoji="0" lang="en-US" altLang="en-US" sz="1100" b="0" i="0" u="none" strike="noStrike" cap="none" normalizeH="0" baseline="0">
                 <a:ln>
                   <a:noFill/>
                 </a:ln>
@@ -10307,7 +10066,7 @@
               <a:t>&lt;</a:t>
             </a:r>
             <a:r>
-              <a:rPr kumimoji="0" lang="en-US" altLang="en-US" sz="1100" b="0" i="0" u="none" strike="noStrike" cap="none" normalizeH="0" baseline="0" dirty="0" smtClean="0">
+              <a:rPr kumimoji="0" lang="en-US" altLang="en-US" sz="1100" b="0" i="0" u="none" strike="noStrike" cap="none" normalizeH="0" baseline="0">
                 <a:ln>
                   <a:noFill/>
                 </a:ln>
@@ -10321,7 +10080,7 @@
               <a:t>Group</a:t>
             </a:r>
             <a:r>
-              <a:rPr kumimoji="0" lang="en-US" altLang="en-US" sz="1100" b="0" i="0" u="none" strike="noStrike" cap="none" normalizeH="0" baseline="0" dirty="0" smtClean="0">
+              <a:rPr kumimoji="0" lang="en-US" altLang="en-US" sz="1100" b="0" i="0" u="none" strike="noStrike" cap="none" normalizeH="0" baseline="0">
                 <a:ln>
                   <a:noFill/>
                 </a:ln>
@@ -10335,7 +10094,7 @@
               <a:t>&gt; </a:t>
             </a:r>
             <a:r>
-              <a:rPr kumimoji="0" lang="en-US" altLang="en-US" sz="1100" b="0" i="0" u="none" strike="noStrike" cap="none" normalizeH="0" baseline="0" dirty="0" smtClean="0">
+              <a:rPr kumimoji="0" lang="en-US" altLang="en-US" sz="1100" b="0" i="0" u="none" strike="noStrike" cap="none" normalizeH="0" baseline="0">
                 <a:ln>
                   <a:noFill/>
                 </a:ln>
@@ -10349,7 +10108,7 @@
               <a:t>countName</a:t>
             </a:r>
             <a:r>
-              <a:rPr kumimoji="0" lang="en-US" altLang="en-US" sz="1100" b="0" i="0" u="none" strike="noStrike" cap="none" normalizeH="0" baseline="0" dirty="0" smtClean="0">
+              <a:rPr kumimoji="0" lang="en-US" altLang="en-US" sz="1100" b="0" i="0" u="none" strike="noStrike" cap="none" normalizeH="0" baseline="0">
                 <a:ln>
                   <a:noFill/>
                 </a:ln>
@@ -10362,7 +10121,7 @@
               </a:rPr>
               <a:t>();</a:t>
             </a:r>
-            <a:endParaRPr kumimoji="0" lang="en-US" altLang="en-US" sz="2800" b="0" i="0" u="none" strike="noStrike" cap="none" normalizeH="0" baseline="0" dirty="0" smtClean="0">
+            <a:endParaRPr kumimoji="0" lang="en-US" altLang="en-US" sz="2800" b="0" i="0" u="none" strike="noStrike" cap="none" normalizeH="0" baseline="0">
               <a:ln>
                 <a:noFill/>
               </a:ln>
@@ -10421,54 +10180,46 @@
           <a:lstStyle/>
           <a:p>
             <a:r>
-              <a:rPr lang="en-US" dirty="0">
+              <a:rPr lang="en-US">
                 <a:latin typeface="Arial" panose="020B0604020202020204" pitchFamily="34" charset="0"/>
                 <a:cs typeface="Arial" panose="020B0604020202020204" pitchFamily="34" charset="0"/>
               </a:rPr>
               <a:t>Exercise</a:t>
             </a:r>
-            <a:endParaRPr lang="en-US" dirty="0">
+          </a:p>
+        </p:txBody>
+      </p:sp>
+      <p:sp>
+        <p:nvSpPr>
+          <p:cNvPr id="3" name="Content Placeholder 2"/>
+          <p:cNvSpPr>
+            <a:spLocks noGrp="1"/>
+          </p:cNvSpPr>
+          <p:nvPr>
+            <p:ph idx="1"/>
+          </p:nvPr>
+        </p:nvSpPr>
+        <p:spPr/>
+        <p:txBody>
+          <a:bodyPr/>
+          <a:lstStyle/>
+          <a:p>
+            <a:r>
+              <a:rPr lang="en-US">
+                <a:latin typeface="Arial" panose="020B0604020202020204" pitchFamily="34" charset="0"/>
+                <a:cs typeface="Arial" panose="020B0604020202020204" pitchFamily="34" charset="0"/>
+              </a:rPr>
+              <a:t>Thử làm chức năng add và update User</a:t>
+            </a:r>
+          </a:p>
+          <a:p>
+            <a:endParaRPr lang="en-US">
               <a:latin typeface="Arial" panose="020B0604020202020204" pitchFamily="34" charset="0"/>
               <a:cs typeface="Arial" panose="020B0604020202020204" pitchFamily="34" charset="0"/>
             </a:endParaRPr>
           </a:p>
-        </p:txBody>
-      </p:sp>
-      <p:sp>
-        <p:nvSpPr>
-          <p:cNvPr id="3" name="Content Placeholder 2"/>
-          <p:cNvSpPr>
-            <a:spLocks noGrp="1"/>
-          </p:cNvSpPr>
-          <p:nvPr>
-            <p:ph idx="1"/>
-          </p:nvPr>
-        </p:nvSpPr>
-        <p:spPr/>
-        <p:txBody>
-          <a:bodyPr/>
-          <a:lstStyle/>
-          <a:p>
-            <a:r>
-              <a:rPr lang="en-US" dirty="0" smtClean="0">
-                <a:latin typeface="Arial" panose="020B0604020202020204" pitchFamily="34" charset="0"/>
-                <a:cs typeface="Arial" panose="020B0604020202020204" pitchFamily="34" charset="0"/>
-              </a:rPr>
-              <a:t>Thử làm chức năng add và update User</a:t>
-            </a:r>
-            <a:endParaRPr lang="en-US" dirty="0">
-              <a:latin typeface="Arial" panose="020B0604020202020204" pitchFamily="34" charset="0"/>
-              <a:cs typeface="Arial" panose="020B0604020202020204" pitchFamily="34" charset="0"/>
-            </a:endParaRPr>
-          </a:p>
-          <a:p>
-            <a:endParaRPr lang="en-US" dirty="0">
-              <a:latin typeface="Arial" panose="020B0604020202020204" pitchFamily="34" charset="0"/>
-              <a:cs typeface="Arial" panose="020B0604020202020204" pitchFamily="34" charset="0"/>
-            </a:endParaRPr>
-          </a:p>
-          <a:p>
-            <a:endParaRPr lang="en-US" dirty="0">
+          <a:p>
+            <a:endParaRPr lang="en-US">
               <a:latin typeface="Arial" panose="020B0604020202020204" pitchFamily="34" charset="0"/>
               <a:cs typeface="Arial" panose="020B0604020202020204" pitchFamily="34" charset="0"/>
             </a:endParaRPr>
@@ -10521,54 +10272,46 @@
           <a:lstStyle/>
           <a:p>
             <a:r>
-              <a:rPr lang="en-US" dirty="0">
+              <a:rPr lang="en-US">
                 <a:latin typeface="Arial" panose="020B0604020202020204" pitchFamily="34" charset="0"/>
                 <a:cs typeface="Arial" panose="020B0604020202020204" pitchFamily="34" charset="0"/>
               </a:rPr>
               <a:t>PagingAndSortingRepository</a:t>
             </a:r>
-            <a:endParaRPr lang="en-US" dirty="0">
+          </a:p>
+        </p:txBody>
+      </p:sp>
+      <p:sp>
+        <p:nvSpPr>
+          <p:cNvPr id="3" name="Content Placeholder 2"/>
+          <p:cNvSpPr>
+            <a:spLocks noGrp="1"/>
+          </p:cNvSpPr>
+          <p:nvPr>
+            <p:ph idx="1"/>
+          </p:nvPr>
+        </p:nvSpPr>
+        <p:spPr/>
+        <p:txBody>
+          <a:bodyPr/>
+          <a:lstStyle/>
+          <a:p>
+            <a:r>
+              <a:rPr lang="en-US">
+                <a:latin typeface="Arial" panose="020B0604020202020204" pitchFamily="34" charset="0"/>
+                <a:cs typeface="Arial" panose="020B0604020202020204" pitchFamily="34" charset="0"/>
+              </a:rPr>
+              <a:t>Ví dụ về paging và sort</a:t>
+            </a:r>
+          </a:p>
+          <a:p>
+            <a:endParaRPr lang="en-US">
               <a:latin typeface="Arial" panose="020B0604020202020204" pitchFamily="34" charset="0"/>
               <a:cs typeface="Arial" panose="020B0604020202020204" pitchFamily="34" charset="0"/>
             </a:endParaRPr>
           </a:p>
-        </p:txBody>
-      </p:sp>
-      <p:sp>
-        <p:nvSpPr>
-          <p:cNvPr id="3" name="Content Placeholder 2"/>
-          <p:cNvSpPr>
-            <a:spLocks noGrp="1"/>
-          </p:cNvSpPr>
-          <p:nvPr>
-            <p:ph idx="1"/>
-          </p:nvPr>
-        </p:nvSpPr>
-        <p:spPr/>
-        <p:txBody>
-          <a:bodyPr/>
-          <a:lstStyle/>
-          <a:p>
-            <a:r>
-              <a:rPr lang="en-US" dirty="0" smtClean="0">
-                <a:latin typeface="Arial" panose="020B0604020202020204" pitchFamily="34" charset="0"/>
-                <a:cs typeface="Arial" panose="020B0604020202020204" pitchFamily="34" charset="0"/>
-              </a:rPr>
-              <a:t>Ví dụ về paging và sort</a:t>
-            </a:r>
-            <a:endParaRPr lang="en-US" dirty="0">
-              <a:latin typeface="Arial" panose="020B0604020202020204" pitchFamily="34" charset="0"/>
-              <a:cs typeface="Arial" panose="020B0604020202020204" pitchFamily="34" charset="0"/>
-            </a:endParaRPr>
-          </a:p>
-          <a:p>
-            <a:endParaRPr lang="en-US" dirty="0">
-              <a:latin typeface="Arial" panose="020B0604020202020204" pitchFamily="34" charset="0"/>
-              <a:cs typeface="Arial" panose="020B0604020202020204" pitchFamily="34" charset="0"/>
-            </a:endParaRPr>
-          </a:p>
-          <a:p>
-            <a:endParaRPr lang="en-US" dirty="0">
+          <a:p>
+            <a:endParaRPr lang="en-US">
               <a:latin typeface="Arial" panose="020B0604020202020204" pitchFamily="34" charset="0"/>
               <a:cs typeface="Arial" panose="020B0604020202020204" pitchFamily="34" charset="0"/>
             </a:endParaRPr>
@@ -10638,7 +10381,7 @@
               </a:spcAft>
             </a:pPr>
             <a:r>
-              <a:rPr kumimoji="0" lang="en-US" altLang="en-US" sz="1100" b="0" i="0" u="none" strike="noStrike" cap="none" normalizeH="0" baseline="0" dirty="0" smtClean="0">
+              <a:rPr kumimoji="0" lang="en-US" altLang="en-US" sz="1100" b="0" i="0" u="none" strike="noStrike" cap="none" normalizeH="0" baseline="0">
                 <a:ln>
                   <a:noFill/>
                 </a:ln>
@@ -10652,7 +10395,7 @@
               <a:t>@GetMapping</a:t>
             </a:r>
             <a:r>
-              <a:rPr kumimoji="0" lang="en-US" altLang="en-US" sz="1100" b="0" i="0" u="none" strike="noStrike" cap="none" normalizeH="0" baseline="0" dirty="0" smtClean="0">
+              <a:rPr kumimoji="0" lang="en-US" altLang="en-US" sz="1100" b="0" i="0" u="none" strike="noStrike" cap="none" normalizeH="0" baseline="0">
                 <a:ln>
                   <a:noFill/>
                 </a:ln>
@@ -10666,7 +10409,7 @@
               <a:t>(</a:t>
             </a:r>
             <a:r>
-              <a:rPr kumimoji="0" lang="en-US" altLang="en-US" sz="1100" b="0" i="0" u="none" strike="noStrike" cap="none" normalizeH="0" baseline="0" dirty="0" smtClean="0">
+              <a:rPr kumimoji="0" lang="en-US" altLang="en-US" sz="1100" b="0" i="0" u="none" strike="noStrike" cap="none" normalizeH="0" baseline="0">
                 <a:ln>
                   <a:noFill/>
                 </a:ln>
@@ -10680,7 +10423,7 @@
               <a:t>"/list"</a:t>
             </a:r>
             <a:r>
-              <a:rPr kumimoji="0" lang="en-US" altLang="en-US" sz="1100" b="0" i="0" u="none" strike="noStrike" cap="none" normalizeH="0" baseline="0" dirty="0" smtClean="0">
+              <a:rPr kumimoji="0" lang="en-US" altLang="en-US" sz="1100" b="0" i="0" u="none" strike="noStrike" cap="none" normalizeH="0" baseline="0">
                 <a:ln>
                   <a:noFill/>
                 </a:ln>
@@ -10694,7 +10437,7 @@
               <a:t>)</a:t>
             </a:r>
             <a:br>
-              <a:rPr kumimoji="0" lang="en-US" altLang="en-US" sz="1100" b="0" i="0" u="none" strike="noStrike" cap="none" normalizeH="0" baseline="0" dirty="0" smtClean="0">
+              <a:rPr kumimoji="0" lang="en-US" altLang="en-US" sz="1100" b="0" i="0" u="none" strike="noStrike" cap="none" normalizeH="0" baseline="0">
                 <a:ln>
                   <a:noFill/>
                 </a:ln>
@@ -10707,7 +10450,7 @@
               </a:rPr>
             </a:br>
             <a:r>
-              <a:rPr kumimoji="0" lang="en-US" altLang="en-US" sz="1100" b="0" i="0" u="none" strike="noStrike" cap="none" normalizeH="0" baseline="0" dirty="0" smtClean="0">
+              <a:rPr kumimoji="0" lang="en-US" altLang="en-US" sz="1100" b="0" i="0" u="none" strike="noStrike" cap="none" normalizeH="0" baseline="0">
                 <a:ln>
                   <a:noFill/>
                 </a:ln>
@@ -10721,7 +10464,7 @@
               <a:t>public </a:t>
             </a:r>
             <a:r>
-              <a:rPr kumimoji="0" lang="en-US" altLang="en-US" sz="1100" b="0" i="1" u="none" strike="noStrike" cap="none" normalizeH="0" baseline="0" dirty="0" smtClean="0">
+              <a:rPr kumimoji="0" lang="en-US" altLang="en-US" sz="1100" b="0" i="1" u="none" strike="noStrike" cap="none" normalizeH="0" baseline="0">
                 <a:ln>
                   <a:noFill/>
                 </a:ln>
@@ -10735,7 +10478,7 @@
               <a:t>Page</a:t>
             </a:r>
             <a:r>
-              <a:rPr kumimoji="0" lang="en-US" altLang="en-US" sz="1100" b="0" i="0" u="none" strike="noStrike" cap="none" normalizeH="0" baseline="0" dirty="0" smtClean="0">
+              <a:rPr kumimoji="0" lang="en-US" altLang="en-US" sz="1100" b="0" i="0" u="none" strike="noStrike" cap="none" normalizeH="0" baseline="0">
                 <a:ln>
                   <a:noFill/>
                 </a:ln>
@@ -10749,7 +10492,7 @@
               <a:t>&lt;</a:t>
             </a:r>
             <a:r>
-              <a:rPr kumimoji="0" lang="en-US" altLang="en-US" sz="1100" b="0" i="0" u="none" strike="noStrike" cap="none" normalizeH="0" baseline="0" dirty="0" smtClean="0">
+              <a:rPr kumimoji="0" lang="en-US" altLang="en-US" sz="1100" b="0" i="0" u="none" strike="noStrike" cap="none" normalizeH="0" baseline="0">
                 <a:ln>
                   <a:noFill/>
                 </a:ln>
@@ -10763,7 +10506,7 @@
               <a:t>User</a:t>
             </a:r>
             <a:r>
-              <a:rPr kumimoji="0" lang="en-US" altLang="en-US" sz="1100" b="0" i="0" u="none" strike="noStrike" cap="none" normalizeH="0" baseline="0" dirty="0" smtClean="0">
+              <a:rPr kumimoji="0" lang="en-US" altLang="en-US" sz="1100" b="0" i="0" u="none" strike="noStrike" cap="none" normalizeH="0" baseline="0">
                 <a:ln>
                   <a:noFill/>
                 </a:ln>
@@ -10777,7 +10520,7 @@
               <a:t>&gt; </a:t>
             </a:r>
             <a:r>
-              <a:rPr kumimoji="0" lang="en-US" altLang="en-US" sz="1100" b="0" i="0" u="none" strike="noStrike" cap="none" normalizeH="0" baseline="0" dirty="0" smtClean="0">
+              <a:rPr kumimoji="0" lang="en-US" altLang="en-US" sz="1100" b="0" i="0" u="none" strike="noStrike" cap="none" normalizeH="0" baseline="0">
                 <a:ln>
                   <a:noFill/>
                 </a:ln>
@@ -10791,7 +10534,7 @@
               <a:t>list</a:t>
             </a:r>
             <a:r>
-              <a:rPr kumimoji="0" lang="en-US" altLang="en-US" sz="1100" b="0" i="0" u="none" strike="noStrike" cap="none" normalizeH="0" baseline="0" dirty="0" smtClean="0">
+              <a:rPr kumimoji="0" lang="en-US" altLang="en-US" sz="1100" b="0" i="0" u="none" strike="noStrike" cap="none" normalizeH="0" baseline="0">
                 <a:ln>
                   <a:noFill/>
                 </a:ln>
@@ -10805,7 +10548,7 @@
               <a:t>(</a:t>
             </a:r>
             <a:r>
-              <a:rPr kumimoji="0" lang="en-US" altLang="en-US" sz="1100" b="0" i="0" u="none" strike="noStrike" cap="none" normalizeH="0" baseline="0" dirty="0" smtClean="0">
+              <a:rPr kumimoji="0" lang="en-US" altLang="en-US" sz="1100" b="0" i="0" u="none" strike="noStrike" cap="none" normalizeH="0" baseline="0">
                 <a:ln>
                   <a:noFill/>
                 </a:ln>
@@ -10819,7 +10562,7 @@
               <a:t>@RequestParam</a:t>
             </a:r>
             <a:r>
-              <a:rPr kumimoji="0" lang="en-US" altLang="en-US" sz="1100" b="0" i="0" u="none" strike="noStrike" cap="none" normalizeH="0" baseline="0" dirty="0" smtClean="0">
+              <a:rPr kumimoji="0" lang="en-US" altLang="en-US" sz="1100" b="0" i="0" u="none" strike="noStrike" cap="none" normalizeH="0" baseline="0">
                 <a:ln>
                   <a:noFill/>
                 </a:ln>
@@ -10833,7 +10576,7 @@
               <a:t>(</a:t>
             </a:r>
             <a:r>
-              <a:rPr kumimoji="0" lang="en-US" altLang="en-US" sz="1100" b="0" i="0" u="none" strike="noStrike" cap="none" normalizeH="0" baseline="0" dirty="0" smtClean="0">
+              <a:rPr kumimoji="0" lang="en-US" altLang="en-US" sz="1100" b="0" i="0" u="none" strike="noStrike" cap="none" normalizeH="0" baseline="0">
                 <a:ln>
                   <a:noFill/>
                 </a:ln>
@@ -10847,7 +10590,7 @@
               <a:t>defaultValue </a:t>
             </a:r>
             <a:r>
-              <a:rPr kumimoji="0" lang="en-US" altLang="en-US" sz="1100" b="0" i="0" u="none" strike="noStrike" cap="none" normalizeH="0" baseline="0" dirty="0" smtClean="0">
+              <a:rPr kumimoji="0" lang="en-US" altLang="en-US" sz="1100" b="0" i="0" u="none" strike="noStrike" cap="none" normalizeH="0" baseline="0">
                 <a:ln>
                   <a:noFill/>
                 </a:ln>
@@ -10861,7 +10604,7 @@
               <a:t>= </a:t>
             </a:r>
             <a:r>
-              <a:rPr kumimoji="0" lang="en-US" altLang="en-US" sz="1100" b="0" i="0" u="none" strike="noStrike" cap="none" normalizeH="0" baseline="0" dirty="0" smtClean="0">
+              <a:rPr kumimoji="0" lang="en-US" altLang="en-US" sz="1100" b="0" i="0" u="none" strike="noStrike" cap="none" normalizeH="0" baseline="0">
                 <a:ln>
                   <a:noFill/>
                 </a:ln>
@@ -10875,7 +10618,7 @@
               <a:t>"0"</a:t>
             </a:r>
             <a:r>
-              <a:rPr kumimoji="0" lang="en-US" altLang="en-US" sz="1100" b="0" i="0" u="none" strike="noStrike" cap="none" normalizeH="0" baseline="0" dirty="0" smtClean="0">
+              <a:rPr kumimoji="0" lang="en-US" altLang="en-US" sz="1100" b="0" i="0" u="none" strike="noStrike" cap="none" normalizeH="0" baseline="0">
                 <a:ln>
                   <a:noFill/>
                 </a:ln>
@@ -10889,7 +10632,7 @@
               <a:t>) </a:t>
             </a:r>
             <a:r>
-              <a:rPr kumimoji="0" lang="en-US" altLang="en-US" sz="1100" b="0" i="0" u="none" strike="noStrike" cap="none" normalizeH="0" baseline="0" dirty="0" smtClean="0">
+              <a:rPr kumimoji="0" lang="en-US" altLang="en-US" sz="1100" b="0" i="0" u="none" strike="noStrike" cap="none" normalizeH="0" baseline="0">
                 <a:ln>
                   <a:noFill/>
                 </a:ln>
@@ -10903,7 +10646,7 @@
               <a:t>int </a:t>
             </a:r>
             <a:r>
-              <a:rPr kumimoji="0" lang="en-US" altLang="en-US" sz="1100" b="0" i="1" u="none" strike="noStrike" cap="none" normalizeH="0" baseline="0" dirty="0" smtClean="0">
+              <a:rPr kumimoji="0" lang="en-US" altLang="en-US" sz="1100" b="0" i="1" u="none" strike="noStrike" cap="none" normalizeH="0" baseline="0">
                 <a:ln>
                   <a:noFill/>
                 </a:ln>
@@ -10917,7 +10660,7 @@
               <a:t>page</a:t>
             </a:r>
             <a:r>
-              <a:rPr kumimoji="0" lang="en-US" altLang="en-US" sz="1100" b="0" i="0" u="none" strike="noStrike" cap="none" normalizeH="0" baseline="0" dirty="0" smtClean="0">
+              <a:rPr kumimoji="0" lang="en-US" altLang="en-US" sz="1100" b="0" i="0" u="none" strike="noStrike" cap="none" normalizeH="0" baseline="0">
                 <a:ln>
                   <a:noFill/>
                 </a:ln>
@@ -10931,7 +10674,7 @@
               <a:t>,</a:t>
             </a:r>
             <a:br>
-              <a:rPr kumimoji="0" lang="en-US" altLang="en-US" sz="1100" b="0" i="0" u="none" strike="noStrike" cap="none" normalizeH="0" baseline="0" dirty="0" smtClean="0">
+              <a:rPr kumimoji="0" lang="en-US" altLang="en-US" sz="1100" b="0" i="0" u="none" strike="noStrike" cap="none" normalizeH="0" baseline="0">
                 <a:ln>
                   <a:noFill/>
                 </a:ln>
@@ -10944,7 +10687,7 @@
               </a:rPr>
             </a:br>
             <a:r>
-              <a:rPr kumimoji="0" lang="en-US" altLang="en-US" sz="1100" b="0" i="0" u="none" strike="noStrike" cap="none" normalizeH="0" baseline="0" dirty="0" smtClean="0">
+              <a:rPr kumimoji="0" lang="en-US" altLang="en-US" sz="1100" b="0" i="0" u="none" strike="noStrike" cap="none" normalizeH="0" baseline="0">
                 <a:ln>
                   <a:noFill/>
                 </a:ln>
@@ -10958,7 +10701,7 @@
               <a:t>                      		</a:t>
             </a:r>
             <a:r>
-              <a:rPr kumimoji="0" lang="en-US" altLang="en-US" sz="1100" b="0" i="0" u="none" strike="noStrike" cap="none" normalizeH="0" baseline="0" dirty="0" smtClean="0">
+              <a:rPr kumimoji="0" lang="en-US" altLang="en-US" sz="1100" b="0" i="0" u="none" strike="noStrike" cap="none" normalizeH="0" baseline="0">
                 <a:ln>
                   <a:noFill/>
                 </a:ln>
@@ -10972,7 +10715,7 @@
               <a:t>@RequestParam</a:t>
             </a:r>
             <a:r>
-              <a:rPr kumimoji="0" lang="en-US" altLang="en-US" sz="1100" b="0" i="0" u="none" strike="noStrike" cap="none" normalizeH="0" baseline="0" dirty="0" smtClean="0">
+              <a:rPr kumimoji="0" lang="en-US" altLang="en-US" sz="1100" b="0" i="0" u="none" strike="noStrike" cap="none" normalizeH="0" baseline="0">
                 <a:ln>
                   <a:noFill/>
                 </a:ln>
@@ -10986,7 +10729,7 @@
               <a:t>(</a:t>
             </a:r>
             <a:r>
-              <a:rPr kumimoji="0" lang="en-US" altLang="en-US" sz="1100" b="0" i="0" u="none" strike="noStrike" cap="none" normalizeH="0" baseline="0" dirty="0" smtClean="0">
+              <a:rPr kumimoji="0" lang="en-US" altLang="en-US" sz="1100" b="0" i="0" u="none" strike="noStrike" cap="none" normalizeH="0" baseline="0">
                 <a:ln>
                   <a:noFill/>
                 </a:ln>
@@ -11000,7 +10743,7 @@
               <a:t>defaultValue </a:t>
             </a:r>
             <a:r>
-              <a:rPr kumimoji="0" lang="en-US" altLang="en-US" sz="1100" b="0" i="0" u="none" strike="noStrike" cap="none" normalizeH="0" baseline="0" dirty="0" smtClean="0">
+              <a:rPr kumimoji="0" lang="en-US" altLang="en-US" sz="1100" b="0" i="0" u="none" strike="noStrike" cap="none" normalizeH="0" baseline="0">
                 <a:ln>
                   <a:noFill/>
                 </a:ln>
@@ -11014,7 +10757,7 @@
               <a:t>= </a:t>
             </a:r>
             <a:r>
-              <a:rPr kumimoji="0" lang="en-US" altLang="en-US" sz="1100" b="0" i="0" u="none" strike="noStrike" cap="none" normalizeH="0" baseline="0" dirty="0" smtClean="0">
+              <a:rPr kumimoji="0" lang="en-US" altLang="en-US" sz="1100" b="0" i="0" u="none" strike="noStrike" cap="none" normalizeH="0" baseline="0">
                 <a:ln>
                   <a:noFill/>
                 </a:ln>
@@ -11028,7 +10771,7 @@
               <a:t>"2"</a:t>
             </a:r>
             <a:r>
-              <a:rPr kumimoji="0" lang="en-US" altLang="en-US" sz="1100" b="0" i="0" u="none" strike="noStrike" cap="none" normalizeH="0" baseline="0" dirty="0" smtClean="0">
+              <a:rPr kumimoji="0" lang="en-US" altLang="en-US" sz="1100" b="0" i="0" u="none" strike="noStrike" cap="none" normalizeH="0" baseline="0">
                 <a:ln>
                   <a:noFill/>
                 </a:ln>
@@ -11042,7 +10785,7 @@
               <a:t>) </a:t>
             </a:r>
             <a:r>
-              <a:rPr kumimoji="0" lang="en-US" altLang="en-US" sz="1100" b="0" i="0" u="none" strike="noStrike" cap="none" normalizeH="0" baseline="0" dirty="0" smtClean="0">
+              <a:rPr kumimoji="0" lang="en-US" altLang="en-US" sz="1100" b="0" i="0" u="none" strike="noStrike" cap="none" normalizeH="0" baseline="0">
                 <a:ln>
                   <a:noFill/>
                 </a:ln>
@@ -11056,7 +10799,7 @@
               <a:t>int </a:t>
             </a:r>
             <a:r>
-              <a:rPr kumimoji="0" lang="en-US" altLang="en-US" sz="1100" b="0" i="1" u="none" strike="noStrike" cap="none" normalizeH="0" baseline="0" dirty="0" smtClean="0">
+              <a:rPr kumimoji="0" lang="en-US" altLang="en-US" sz="1100" b="0" i="1" u="none" strike="noStrike" cap="none" normalizeH="0" baseline="0">
                 <a:ln>
                   <a:noFill/>
                 </a:ln>
@@ -11070,7 +10813,7 @@
               <a:t>size</a:t>
             </a:r>
             <a:r>
-              <a:rPr kumimoji="0" lang="en-US" altLang="en-US" sz="1100" b="0" i="0" u="none" strike="noStrike" cap="none" normalizeH="0" baseline="0" dirty="0" smtClean="0">
+              <a:rPr kumimoji="0" lang="en-US" altLang="en-US" sz="1100" b="0" i="0" u="none" strike="noStrike" cap="none" normalizeH="0" baseline="0">
                 <a:ln>
                   <a:noFill/>
                 </a:ln>
@@ -11084,7 +10827,7 @@
               <a:t>,</a:t>
             </a:r>
             <a:br>
-              <a:rPr kumimoji="0" lang="en-US" altLang="en-US" sz="1100" b="0" i="0" u="none" strike="noStrike" cap="none" normalizeH="0" baseline="0" dirty="0" smtClean="0">
+              <a:rPr kumimoji="0" lang="en-US" altLang="en-US" sz="1100" b="0" i="0" u="none" strike="noStrike" cap="none" normalizeH="0" baseline="0">
                 <a:ln>
                   <a:noFill/>
                 </a:ln>
@@ -11097,7 +10840,7 @@
               </a:rPr>
             </a:br>
             <a:r>
-              <a:rPr kumimoji="0" lang="en-US" altLang="en-US" sz="1100" b="0" i="0" u="none" strike="noStrike" cap="none" normalizeH="0" baseline="0" dirty="0" smtClean="0">
+              <a:rPr kumimoji="0" lang="en-US" altLang="en-US" sz="1100" b="0" i="0" u="none" strike="noStrike" cap="none" normalizeH="0" baseline="0">
                 <a:ln>
                   <a:noFill/>
                 </a:ln>
@@ -11111,7 +10854,7 @@
               <a:t>                       		</a:t>
             </a:r>
             <a:r>
-              <a:rPr kumimoji="0" lang="en-US" altLang="en-US" sz="1100" b="0" i="0" u="none" strike="noStrike" cap="none" normalizeH="0" baseline="0" dirty="0" smtClean="0">
+              <a:rPr kumimoji="0" lang="en-US" altLang="en-US" sz="1100" b="0" i="0" u="none" strike="noStrike" cap="none" normalizeH="0" baseline="0">
                 <a:ln>
                   <a:noFill/>
                 </a:ln>
@@ -11125,7 +10868,7 @@
               <a:t>@RequestParam</a:t>
             </a:r>
             <a:r>
-              <a:rPr kumimoji="0" lang="en-US" altLang="en-US" sz="1100" b="0" i="0" u="none" strike="noStrike" cap="none" normalizeH="0" baseline="0" dirty="0" smtClean="0">
+              <a:rPr kumimoji="0" lang="en-US" altLang="en-US" sz="1100" b="0" i="0" u="none" strike="noStrike" cap="none" normalizeH="0" baseline="0">
                 <a:ln>
                   <a:noFill/>
                 </a:ln>
@@ -11139,7 +10882,7 @@
               <a:t>(</a:t>
             </a:r>
             <a:r>
-              <a:rPr kumimoji="0" lang="en-US" altLang="en-US" sz="1100" b="0" i="0" u="none" strike="noStrike" cap="none" normalizeH="0" baseline="0" dirty="0" smtClean="0">
+              <a:rPr kumimoji="0" lang="en-US" altLang="en-US" sz="1100" b="0" i="0" u="none" strike="noStrike" cap="none" normalizeH="0" baseline="0">
                 <a:ln>
                   <a:noFill/>
                 </a:ln>
@@ -11153,7 +10896,7 @@
               <a:t>defaultValue </a:t>
             </a:r>
             <a:r>
-              <a:rPr kumimoji="0" lang="en-US" altLang="en-US" sz="1100" b="0" i="0" u="none" strike="noStrike" cap="none" normalizeH="0" baseline="0" dirty="0" smtClean="0">
+              <a:rPr kumimoji="0" lang="en-US" altLang="en-US" sz="1100" b="0" i="0" u="none" strike="noStrike" cap="none" normalizeH="0" baseline="0">
                 <a:ln>
                   <a:noFill/>
                 </a:ln>
@@ -11167,7 +10910,7 @@
               <a:t>= </a:t>
             </a:r>
             <a:r>
-              <a:rPr kumimoji="0" lang="en-US" altLang="en-US" sz="1100" b="0" i="0" u="none" strike="noStrike" cap="none" normalizeH="0" baseline="0" dirty="0" smtClean="0">
+              <a:rPr kumimoji="0" lang="en-US" altLang="en-US" sz="1100" b="0" i="0" u="none" strike="noStrike" cap="none" normalizeH="0" baseline="0">
                 <a:ln>
                   <a:noFill/>
                 </a:ln>
@@ -11181,7 +10924,7 @@
               <a:t>"id"</a:t>
             </a:r>
             <a:r>
-              <a:rPr kumimoji="0" lang="en-US" altLang="en-US" sz="1100" b="0" i="0" u="none" strike="noStrike" cap="none" normalizeH="0" baseline="0" dirty="0" smtClean="0">
+              <a:rPr kumimoji="0" lang="en-US" altLang="en-US" sz="1100" b="0" i="0" u="none" strike="noStrike" cap="none" normalizeH="0" baseline="0">
                 <a:ln>
                   <a:noFill/>
                 </a:ln>
@@ -11195,7 +10938,7 @@
               <a:t>) </a:t>
             </a:r>
             <a:r>
-              <a:rPr kumimoji="0" lang="en-US" altLang="en-US" sz="1100" b="0" i="0" u="none" strike="noStrike" cap="none" normalizeH="0" baseline="0" dirty="0" smtClean="0">
+              <a:rPr kumimoji="0" lang="en-US" altLang="en-US" sz="1100" b="0" i="0" u="none" strike="noStrike" cap="none" normalizeH="0" baseline="0">
                 <a:ln>
                   <a:noFill/>
                 </a:ln>
@@ -11209,7 +10952,7 @@
               <a:t>String </a:t>
             </a:r>
             <a:r>
-              <a:rPr kumimoji="0" lang="en-US" altLang="en-US" sz="1100" b="0" i="1" u="none" strike="noStrike" cap="none" normalizeH="0" baseline="0" dirty="0" smtClean="0">
+              <a:rPr kumimoji="0" lang="en-US" altLang="en-US" sz="1100" b="0" i="1" u="none" strike="noStrike" cap="none" normalizeH="0" baseline="0">
                 <a:ln>
                   <a:noFill/>
                 </a:ln>
@@ -11223,7 +10966,7 @@
               <a:t>sortBy</a:t>
             </a:r>
             <a:r>
-              <a:rPr kumimoji="0" lang="en-US" altLang="en-US" sz="1100" b="0" i="0" u="none" strike="noStrike" cap="none" normalizeH="0" baseline="0" dirty="0" smtClean="0">
+              <a:rPr kumimoji="0" lang="en-US" altLang="en-US" sz="1100" b="0" i="0" u="none" strike="noStrike" cap="none" normalizeH="0" baseline="0">
                 <a:ln>
                   <a:noFill/>
                 </a:ln>
@@ -11237,7 +10980,7 @@
               <a:t>,</a:t>
             </a:r>
             <a:br>
-              <a:rPr kumimoji="0" lang="en-US" altLang="en-US" sz="1100" b="0" i="0" u="none" strike="noStrike" cap="none" normalizeH="0" baseline="0" dirty="0" smtClean="0">
+              <a:rPr kumimoji="0" lang="en-US" altLang="en-US" sz="1100" b="0" i="0" u="none" strike="noStrike" cap="none" normalizeH="0" baseline="0">
                 <a:ln>
                   <a:noFill/>
                 </a:ln>
@@ -11250,7 +10993,7 @@
               </a:rPr>
             </a:br>
             <a:r>
-              <a:rPr kumimoji="0" lang="en-US" altLang="en-US" sz="1100" b="0" i="0" u="none" strike="noStrike" cap="none" normalizeH="0" baseline="0" dirty="0" smtClean="0">
+              <a:rPr kumimoji="0" lang="en-US" altLang="en-US" sz="1100" b="0" i="0" u="none" strike="noStrike" cap="none" normalizeH="0" baseline="0">
                 <a:ln>
                   <a:noFill/>
                 </a:ln>
@@ -11264,7 +11007,7 @@
               <a:t>                       		</a:t>
             </a:r>
             <a:r>
-              <a:rPr kumimoji="0" lang="en-US" altLang="en-US" sz="1100" b="0" i="0" u="none" strike="noStrike" cap="none" normalizeH="0" baseline="0" dirty="0" smtClean="0">
+              <a:rPr kumimoji="0" lang="en-US" altLang="en-US" sz="1100" b="0" i="0" u="none" strike="noStrike" cap="none" normalizeH="0" baseline="0">
                 <a:ln>
                   <a:noFill/>
                 </a:ln>
@@ -11278,7 +11021,7 @@
               <a:t>@RequestParam</a:t>
             </a:r>
             <a:r>
-              <a:rPr kumimoji="0" lang="en-US" altLang="en-US" sz="1100" b="0" i="0" u="none" strike="noStrike" cap="none" normalizeH="0" baseline="0" dirty="0" smtClean="0">
+              <a:rPr kumimoji="0" lang="en-US" altLang="en-US" sz="1100" b="0" i="0" u="none" strike="noStrike" cap="none" normalizeH="0" baseline="0">
                 <a:ln>
                   <a:noFill/>
                 </a:ln>
@@ -11292,7 +11035,7 @@
               <a:t>(</a:t>
             </a:r>
             <a:r>
-              <a:rPr kumimoji="0" lang="en-US" altLang="en-US" sz="1100" b="0" i="0" u="none" strike="noStrike" cap="none" normalizeH="0" baseline="0" dirty="0" smtClean="0">
+              <a:rPr kumimoji="0" lang="en-US" altLang="en-US" sz="1100" b="0" i="0" u="none" strike="noStrike" cap="none" normalizeH="0" baseline="0">
                 <a:ln>
                   <a:noFill/>
                 </a:ln>
@@ -11306,7 +11049,7 @@
               <a:t>defaultValue </a:t>
             </a:r>
             <a:r>
-              <a:rPr kumimoji="0" lang="en-US" altLang="en-US" sz="1100" b="0" i="0" u="none" strike="noStrike" cap="none" normalizeH="0" baseline="0" dirty="0" smtClean="0">
+              <a:rPr kumimoji="0" lang="en-US" altLang="en-US" sz="1100" b="0" i="0" u="none" strike="noStrike" cap="none" normalizeH="0" baseline="0">
                 <a:ln>
                   <a:noFill/>
                 </a:ln>
@@ -11320,7 +11063,7 @@
               <a:t>= </a:t>
             </a:r>
             <a:r>
-              <a:rPr kumimoji="0" lang="en-US" altLang="en-US" sz="1100" b="0" i="0" u="none" strike="noStrike" cap="none" normalizeH="0" baseline="0" dirty="0" smtClean="0">
+              <a:rPr kumimoji="0" lang="en-US" altLang="en-US" sz="1100" b="0" i="0" u="none" strike="noStrike" cap="none" normalizeH="0" baseline="0">
                 <a:ln>
                   <a:noFill/>
                 </a:ln>
@@ -11334,7 +11077,7 @@
               <a:t>"asc"</a:t>
             </a:r>
             <a:r>
-              <a:rPr kumimoji="0" lang="en-US" altLang="en-US" sz="1100" b="0" i="0" u="none" strike="noStrike" cap="none" normalizeH="0" baseline="0" dirty="0" smtClean="0">
+              <a:rPr kumimoji="0" lang="en-US" altLang="en-US" sz="1100" b="0" i="0" u="none" strike="noStrike" cap="none" normalizeH="0" baseline="0">
                 <a:ln>
                   <a:noFill/>
                 </a:ln>
@@ -11348,7 +11091,7 @@
               <a:t>) </a:t>
             </a:r>
             <a:r>
-              <a:rPr kumimoji="0" lang="en-US" altLang="en-US" sz="1100" b="0" i="0" u="none" strike="noStrike" cap="none" normalizeH="0" baseline="0" dirty="0" smtClean="0">
+              <a:rPr kumimoji="0" lang="en-US" altLang="en-US" sz="1100" b="0" i="0" u="none" strike="noStrike" cap="none" normalizeH="0" baseline="0">
                 <a:ln>
                   <a:noFill/>
                 </a:ln>
@@ -11362,7 +11105,7 @@
               <a:t>String </a:t>
             </a:r>
             <a:r>
-              <a:rPr kumimoji="0" lang="en-US" altLang="en-US" sz="1100" b="0" i="1" u="none" strike="noStrike" cap="none" normalizeH="0" baseline="0" dirty="0" smtClean="0">
+              <a:rPr kumimoji="0" lang="en-US" altLang="en-US" sz="1100" b="0" i="1" u="none" strike="noStrike" cap="none" normalizeH="0" baseline="0">
                 <a:ln>
                   <a:noFill/>
                 </a:ln>
@@ -11376,7 +11119,7 @@
               <a:t>sortDir</a:t>
             </a:r>
             <a:r>
-              <a:rPr kumimoji="0" lang="en-US" altLang="en-US" sz="1100" b="0" i="0" u="none" strike="noStrike" cap="none" normalizeH="0" baseline="0" dirty="0" smtClean="0">
+              <a:rPr kumimoji="0" lang="en-US" altLang="en-US" sz="1100" b="0" i="0" u="none" strike="noStrike" cap="none" normalizeH="0" baseline="0">
                 <a:ln>
                   <a:noFill/>
                 </a:ln>
@@ -11399,8 +11142,8 @@
                 <a:spcPct val="0"/>
               </a:spcAft>
             </a:pPr>
-            <a:r>
-              <a:rPr kumimoji="0" lang="en-US" altLang="en-US" sz="1100" b="0" i="0" u="none" strike="noStrike" cap="none" normalizeH="0" baseline="0" dirty="0" smtClean="0">
+            <a:br>
+              <a:rPr kumimoji="0" lang="en-US" altLang="en-US" sz="1100" b="0" i="0" u="none" strike="noStrike" cap="none" normalizeH="0" baseline="0">
                 <a:ln>
                   <a:noFill/>
                 </a:ln>
@@ -11411,10 +11154,485 @@
                 <a:latin typeface="Arial Unicode MS"/>
                 <a:ea typeface="JetBrains Mono"/>
               </a:rPr>
-              <a:t/>
+            </a:br>
+            <a:r>
+              <a:rPr kumimoji="0" lang="en-US" altLang="en-US" sz="1100" b="0" i="0" u="none" strike="noStrike" cap="none" normalizeH="0" baseline="0">
+                <a:ln>
+                  <a:noFill/>
+                </a:ln>
+                <a:solidFill>
+                  <a:srgbClr val="F8F8F2"/>
+                </a:solidFill>
+                <a:effectLst/>
+                <a:latin typeface="Arial Unicode MS"/>
+                <a:ea typeface="JetBrains Mono"/>
+              </a:rPr>
+              <a:t>    </a:t>
+            </a:r>
+            <a:r>
+              <a:rPr kumimoji="0" lang="en-US" altLang="en-US" sz="1100" b="0" i="0" u="none" strike="noStrike" cap="none" normalizeH="0" baseline="0">
+                <a:ln>
+                  <a:noFill/>
+                </a:ln>
+                <a:solidFill>
+                  <a:srgbClr val="78DCE8"/>
+                </a:solidFill>
+                <a:effectLst/>
+                <a:latin typeface="Arial Unicode MS"/>
+                <a:ea typeface="JetBrains Mono"/>
+              </a:rPr>
+              <a:t>Sort </a:t>
+            </a:r>
+            <a:r>
+              <a:rPr kumimoji="0" lang="en-US" altLang="en-US" sz="1100" b="0" i="0" u="none" strike="noStrike" cap="none" normalizeH="0" baseline="0">
+                <a:ln>
+                  <a:noFill/>
+                </a:ln>
+                <a:solidFill>
+                  <a:srgbClr val="F8F8F2"/>
+                </a:solidFill>
+                <a:effectLst/>
+                <a:latin typeface="Arial Unicode MS"/>
+                <a:ea typeface="JetBrains Mono"/>
+              </a:rPr>
+              <a:t>sort </a:t>
+            </a:r>
+            <a:r>
+              <a:rPr kumimoji="0" lang="en-US" altLang="en-US" sz="1100" b="0" i="0" u="none" strike="noStrike" cap="none" normalizeH="0" baseline="0">
+                <a:ln>
+                  <a:noFill/>
+                </a:ln>
+                <a:solidFill>
+                  <a:srgbClr val="F780BF"/>
+                </a:solidFill>
+                <a:effectLst/>
+                <a:latin typeface="Arial Unicode MS"/>
+                <a:ea typeface="JetBrains Mono"/>
+              </a:rPr>
+              <a:t>= </a:t>
+            </a:r>
+            <a:r>
+              <a:rPr kumimoji="0" lang="en-US" altLang="en-US" sz="1100" b="0" i="1" u="none" strike="noStrike" cap="none" normalizeH="0" baseline="0">
+                <a:ln>
+                  <a:noFill/>
+                </a:ln>
+                <a:solidFill>
+                  <a:srgbClr val="F89580"/>
+                </a:solidFill>
+                <a:effectLst/>
+                <a:latin typeface="Arial Unicode MS"/>
+                <a:ea typeface="JetBrains Mono"/>
+              </a:rPr>
+              <a:t>sortDir</a:t>
+            </a:r>
+            <a:r>
+              <a:rPr kumimoji="0" lang="en-US" altLang="en-US" sz="1100" b="0" i="0" u="none" strike="noStrike" cap="none" normalizeH="0" baseline="0">
+                <a:ln>
+                  <a:noFill/>
+                </a:ln>
+                <a:solidFill>
+                  <a:srgbClr val="F8F8F2"/>
+                </a:solidFill>
+                <a:effectLst/>
+                <a:latin typeface="Arial Unicode MS"/>
+                <a:ea typeface="JetBrains Mono"/>
+              </a:rPr>
+              <a:t>.</a:t>
+            </a:r>
+            <a:r>
+              <a:rPr kumimoji="0" lang="en-US" altLang="en-US" sz="1100" b="0" i="0" u="none" strike="noStrike" cap="none" normalizeH="0" baseline="0">
+                <a:ln>
+                  <a:noFill/>
+                </a:ln>
+                <a:solidFill>
+                  <a:srgbClr val="50FA78"/>
+                </a:solidFill>
+                <a:effectLst/>
+                <a:latin typeface="Arial Unicode MS"/>
+                <a:ea typeface="JetBrains Mono"/>
+              </a:rPr>
+              <a:t>equalsIgnoreCase</a:t>
+            </a:r>
+            <a:r>
+              <a:rPr kumimoji="0" lang="en-US" altLang="en-US" sz="1100" b="0" i="0" u="none" strike="noStrike" cap="none" normalizeH="0" baseline="0">
+                <a:ln>
+                  <a:noFill/>
+                </a:ln>
+                <a:solidFill>
+                  <a:srgbClr val="F8F8F2"/>
+                </a:solidFill>
+                <a:effectLst/>
+                <a:latin typeface="Arial Unicode MS"/>
+                <a:ea typeface="JetBrains Mono"/>
+              </a:rPr>
+              <a:t>(</a:t>
+            </a:r>
+            <a:r>
+              <a:rPr kumimoji="0" lang="en-US" altLang="en-US" sz="1100" b="0" i="0" u="none" strike="noStrike" cap="none" normalizeH="0" baseline="0">
+                <a:ln>
+                  <a:noFill/>
+                </a:ln>
+                <a:solidFill>
+                  <a:srgbClr val="78DCE8"/>
+                </a:solidFill>
+                <a:effectLst/>
+                <a:latin typeface="Arial Unicode MS"/>
+                <a:ea typeface="JetBrains Mono"/>
+              </a:rPr>
+              <a:t>Sort</a:t>
+            </a:r>
+            <a:r>
+              <a:rPr kumimoji="0" lang="en-US" altLang="en-US" sz="1100" b="0" i="0" u="none" strike="noStrike" cap="none" normalizeH="0" baseline="0">
+                <a:ln>
+                  <a:noFill/>
+                </a:ln>
+                <a:solidFill>
+                  <a:srgbClr val="F8F8F2"/>
+                </a:solidFill>
+                <a:effectLst/>
+                <a:latin typeface="Arial Unicode MS"/>
+                <a:ea typeface="JetBrains Mono"/>
+              </a:rPr>
+              <a:t>.</a:t>
+            </a:r>
+            <a:r>
+              <a:rPr kumimoji="0" lang="en-US" altLang="en-US" sz="1100" b="0" i="1" u="none" strike="noStrike" cap="none" normalizeH="0" baseline="0">
+                <a:ln>
+                  <a:noFill/>
+                </a:ln>
+                <a:solidFill>
+                  <a:srgbClr val="80FFEA"/>
+                </a:solidFill>
+                <a:effectLst/>
+                <a:latin typeface="Arial Unicode MS"/>
+                <a:ea typeface="JetBrains Mono"/>
+              </a:rPr>
+              <a:t>Direction</a:t>
+            </a:r>
+            <a:r>
+              <a:rPr kumimoji="0" lang="en-US" altLang="en-US" sz="1100" b="0" i="0" u="none" strike="noStrike" cap="none" normalizeH="0" baseline="0">
+                <a:ln>
+                  <a:noFill/>
+                </a:ln>
+                <a:solidFill>
+                  <a:srgbClr val="F8F8F2"/>
+                </a:solidFill>
+                <a:effectLst/>
+                <a:latin typeface="Arial Unicode MS"/>
+                <a:ea typeface="JetBrains Mono"/>
+              </a:rPr>
+              <a:t>.</a:t>
+            </a:r>
+            <a:r>
+              <a:rPr kumimoji="0" lang="en-US" altLang="en-US" sz="1100" b="0" i="1" u="none" strike="noStrike" cap="none" normalizeH="0" baseline="0">
+                <a:ln>
+                  <a:noFill/>
+                </a:ln>
+                <a:solidFill>
+                  <a:srgbClr val="9580FF"/>
+                </a:solidFill>
+                <a:effectLst/>
+                <a:latin typeface="Arial Unicode MS"/>
+                <a:ea typeface="JetBrains Mono"/>
+              </a:rPr>
+              <a:t>ASC</a:t>
+            </a:r>
+            <a:r>
+              <a:rPr kumimoji="0" lang="en-US" altLang="en-US" sz="1100" b="0" i="0" u="none" strike="noStrike" cap="none" normalizeH="0" baseline="0">
+                <a:ln>
+                  <a:noFill/>
+                </a:ln>
+                <a:solidFill>
+                  <a:srgbClr val="F8F8F2"/>
+                </a:solidFill>
+                <a:effectLst/>
+                <a:latin typeface="Arial Unicode MS"/>
+                <a:ea typeface="JetBrains Mono"/>
+              </a:rPr>
+              <a:t>.</a:t>
+            </a:r>
+            <a:r>
+              <a:rPr kumimoji="0" lang="en-US" altLang="en-US" sz="1100" b="0" i="0" u="none" strike="noStrike" cap="none" normalizeH="0" baseline="0">
+                <a:ln>
+                  <a:noFill/>
+                </a:ln>
+                <a:solidFill>
+                  <a:srgbClr val="50FA78"/>
+                </a:solidFill>
+                <a:effectLst/>
+                <a:latin typeface="Arial Unicode MS"/>
+                <a:ea typeface="JetBrains Mono"/>
+              </a:rPr>
+              <a:t>name</a:t>
+            </a:r>
+            <a:r>
+              <a:rPr kumimoji="0" lang="en-US" altLang="en-US" sz="1100" b="0" i="0" u="none" strike="noStrike" cap="none" normalizeH="0" baseline="0">
+                <a:ln>
+                  <a:noFill/>
+                </a:ln>
+                <a:solidFill>
+                  <a:srgbClr val="F8F8F2"/>
+                </a:solidFill>
+                <a:effectLst/>
+                <a:latin typeface="Arial Unicode MS"/>
+                <a:ea typeface="JetBrains Mono"/>
+              </a:rPr>
+              <a:t>()) </a:t>
+            </a:r>
+            <a:r>
+              <a:rPr kumimoji="0" lang="en-US" altLang="en-US" sz="1100" b="0" i="0" u="none" strike="noStrike" cap="none" normalizeH="0" baseline="0">
+                <a:ln>
+                  <a:noFill/>
+                </a:ln>
+                <a:solidFill>
+                  <a:srgbClr val="F780BF"/>
+                </a:solidFill>
+                <a:effectLst/>
+                <a:latin typeface="Arial Unicode MS"/>
+                <a:ea typeface="JetBrains Mono"/>
+              </a:rPr>
+              <a:t>? </a:t>
+            </a:r>
+            <a:r>
+              <a:rPr kumimoji="0" lang="en-US" altLang="en-US" sz="1100" b="0" i="0" u="none" strike="noStrike" cap="none" normalizeH="0" baseline="0">
+                <a:ln>
+                  <a:noFill/>
+                </a:ln>
+                <a:solidFill>
+                  <a:srgbClr val="78DCE8"/>
+                </a:solidFill>
+                <a:effectLst/>
+                <a:latin typeface="Arial Unicode MS"/>
+                <a:ea typeface="JetBrains Mono"/>
+              </a:rPr>
+              <a:t>Sort</a:t>
+            </a:r>
+            <a:r>
+              <a:rPr kumimoji="0" lang="en-US" altLang="en-US" sz="1100" b="0" i="0" u="none" strike="noStrike" cap="none" normalizeH="0" baseline="0">
+                <a:ln>
+                  <a:noFill/>
+                </a:ln>
+                <a:solidFill>
+                  <a:srgbClr val="F8F8F2"/>
+                </a:solidFill>
+                <a:effectLst/>
+                <a:latin typeface="Arial Unicode MS"/>
+                <a:ea typeface="JetBrains Mono"/>
+              </a:rPr>
+              <a:t>.</a:t>
+            </a:r>
+            <a:r>
+              <a:rPr kumimoji="0" lang="en-US" altLang="en-US" sz="1100" b="0" i="1" u="none" strike="noStrike" cap="none" normalizeH="0" baseline="0">
+                <a:ln>
+                  <a:noFill/>
+                </a:ln>
+                <a:solidFill>
+                  <a:srgbClr val="50FA78"/>
+                </a:solidFill>
+                <a:effectLst/>
+                <a:latin typeface="Arial Unicode MS"/>
+                <a:ea typeface="JetBrains Mono"/>
+              </a:rPr>
+              <a:t>by</a:t>
+            </a:r>
+            <a:r>
+              <a:rPr kumimoji="0" lang="en-US" altLang="en-US" sz="1100" b="0" i="0" u="none" strike="noStrike" cap="none" normalizeH="0" baseline="0">
+                <a:ln>
+                  <a:noFill/>
+                </a:ln>
+                <a:solidFill>
+                  <a:srgbClr val="F8F8F2"/>
+                </a:solidFill>
+                <a:effectLst/>
+                <a:latin typeface="Arial Unicode MS"/>
+                <a:ea typeface="JetBrains Mono"/>
+              </a:rPr>
+              <a:t>(</a:t>
+            </a:r>
+            <a:r>
+              <a:rPr kumimoji="0" lang="en-US" altLang="en-US" sz="1100" b="0" i="1" u="none" strike="noStrike" cap="none" normalizeH="0" baseline="0">
+                <a:ln>
+                  <a:noFill/>
+                </a:ln>
+                <a:solidFill>
+                  <a:srgbClr val="F89580"/>
+                </a:solidFill>
+                <a:effectLst/>
+                <a:latin typeface="Arial Unicode MS"/>
+                <a:ea typeface="JetBrains Mono"/>
+              </a:rPr>
+              <a:t>sortBy</a:t>
+            </a:r>
+            <a:r>
+              <a:rPr kumimoji="0" lang="en-US" altLang="en-US" sz="1100" b="0" i="0" u="none" strike="noStrike" cap="none" normalizeH="0" baseline="0">
+                <a:ln>
+                  <a:noFill/>
+                </a:ln>
+                <a:solidFill>
+                  <a:srgbClr val="F8F8F2"/>
+                </a:solidFill>
+                <a:effectLst/>
+                <a:latin typeface="Arial Unicode MS"/>
+                <a:ea typeface="JetBrains Mono"/>
+              </a:rPr>
+              <a:t>).</a:t>
+            </a:r>
+            <a:r>
+              <a:rPr kumimoji="0" lang="en-US" altLang="en-US" sz="1100" b="0" i="0" u="none" strike="noStrike" cap="none" normalizeH="0" baseline="0">
+                <a:ln>
+                  <a:noFill/>
+                </a:ln>
+                <a:solidFill>
+                  <a:srgbClr val="50FA78"/>
+                </a:solidFill>
+                <a:effectLst/>
+                <a:latin typeface="Arial Unicode MS"/>
+                <a:ea typeface="JetBrains Mono"/>
+              </a:rPr>
+              <a:t>ascending</a:t>
+            </a:r>
+            <a:r>
+              <a:rPr kumimoji="0" lang="en-US" altLang="en-US" sz="1100" b="0" i="0" u="none" strike="noStrike" cap="none" normalizeH="0" baseline="0">
+                <a:ln>
+                  <a:noFill/>
+                </a:ln>
+                <a:solidFill>
+                  <a:srgbClr val="F8F8F2"/>
+                </a:solidFill>
+                <a:effectLst/>
+                <a:latin typeface="Arial Unicode MS"/>
+                <a:ea typeface="JetBrains Mono"/>
+              </a:rPr>
+              <a:t>() </a:t>
+            </a:r>
+            <a:r>
+              <a:rPr kumimoji="0" lang="en-US" altLang="en-US" sz="1100" b="0" i="0" u="none" strike="noStrike" cap="none" normalizeH="0" baseline="0">
+                <a:ln>
+                  <a:noFill/>
+                </a:ln>
+                <a:solidFill>
+                  <a:srgbClr val="F780BF"/>
+                </a:solidFill>
+                <a:effectLst/>
+                <a:latin typeface="Arial Unicode MS"/>
+                <a:ea typeface="JetBrains Mono"/>
+              </a:rPr>
+              <a:t>: </a:t>
+            </a:r>
+            <a:r>
+              <a:rPr kumimoji="0" lang="en-US" altLang="en-US" sz="1100" b="0" i="0" u="none" strike="noStrike" cap="none" normalizeH="0" baseline="0">
+                <a:ln>
+                  <a:noFill/>
+                </a:ln>
+                <a:solidFill>
+                  <a:srgbClr val="78DCE8"/>
+                </a:solidFill>
+                <a:effectLst/>
+                <a:latin typeface="Arial Unicode MS"/>
+                <a:ea typeface="JetBrains Mono"/>
+              </a:rPr>
+              <a:t>Sort</a:t>
+            </a:r>
+            <a:r>
+              <a:rPr kumimoji="0" lang="en-US" altLang="en-US" sz="1100" b="0" i="0" u="none" strike="noStrike" cap="none" normalizeH="0" baseline="0">
+                <a:ln>
+                  <a:noFill/>
+                </a:ln>
+                <a:solidFill>
+                  <a:srgbClr val="F8F8F2"/>
+                </a:solidFill>
+                <a:effectLst/>
+                <a:latin typeface="Arial Unicode MS"/>
+                <a:ea typeface="JetBrains Mono"/>
+              </a:rPr>
+              <a:t>.</a:t>
+            </a:r>
+            <a:r>
+              <a:rPr kumimoji="0" lang="en-US" altLang="en-US" sz="1100" b="0" i="1" u="none" strike="noStrike" cap="none" normalizeH="0" baseline="0">
+                <a:ln>
+                  <a:noFill/>
+                </a:ln>
+                <a:solidFill>
+                  <a:srgbClr val="50FA78"/>
+                </a:solidFill>
+                <a:effectLst/>
+                <a:latin typeface="Arial Unicode MS"/>
+                <a:ea typeface="JetBrains Mono"/>
+              </a:rPr>
+              <a:t>by</a:t>
+            </a:r>
+            <a:r>
+              <a:rPr kumimoji="0" lang="en-US" altLang="en-US" sz="1100" b="0" i="0" u="none" strike="noStrike" cap="none" normalizeH="0" baseline="0">
+                <a:ln>
+                  <a:noFill/>
+                </a:ln>
+                <a:solidFill>
+                  <a:srgbClr val="F8F8F2"/>
+                </a:solidFill>
+                <a:effectLst/>
+                <a:latin typeface="Arial Unicode MS"/>
+                <a:ea typeface="JetBrains Mono"/>
+              </a:rPr>
+              <a:t>(</a:t>
+            </a:r>
+            <a:r>
+              <a:rPr kumimoji="0" lang="en-US" altLang="en-US" sz="1100" b="0" i="1" u="none" strike="noStrike" cap="none" normalizeH="0" baseline="0">
+                <a:ln>
+                  <a:noFill/>
+                </a:ln>
+                <a:solidFill>
+                  <a:srgbClr val="F89580"/>
+                </a:solidFill>
+                <a:effectLst/>
+                <a:latin typeface="Arial Unicode MS"/>
+                <a:ea typeface="JetBrains Mono"/>
+              </a:rPr>
+              <a:t>sortBy</a:t>
+            </a:r>
+            <a:r>
+              <a:rPr kumimoji="0" lang="en-US" altLang="en-US" sz="1100" b="0" i="0" u="none" strike="noStrike" cap="none" normalizeH="0" baseline="0">
+                <a:ln>
+                  <a:noFill/>
+                </a:ln>
+                <a:solidFill>
+                  <a:srgbClr val="F8F8F2"/>
+                </a:solidFill>
+                <a:effectLst/>
+                <a:latin typeface="Arial Unicode MS"/>
+                <a:ea typeface="JetBrains Mono"/>
+              </a:rPr>
+              <a:t>).</a:t>
+            </a:r>
+            <a:r>
+              <a:rPr kumimoji="0" lang="en-US" altLang="en-US" sz="1100" b="0" i="0" u="none" strike="noStrike" cap="none" normalizeH="0" baseline="0">
+                <a:ln>
+                  <a:noFill/>
+                </a:ln>
+                <a:solidFill>
+                  <a:srgbClr val="50FA78"/>
+                </a:solidFill>
+                <a:effectLst/>
+                <a:latin typeface="Arial Unicode MS"/>
+                <a:ea typeface="JetBrains Mono"/>
+              </a:rPr>
+              <a:t>descending</a:t>
+            </a:r>
+            <a:r>
+              <a:rPr kumimoji="0" lang="en-US" altLang="en-US" sz="1100" b="0" i="0" u="none" strike="noStrike" cap="none" normalizeH="0" baseline="0">
+                <a:ln>
+                  <a:noFill/>
+                </a:ln>
+                <a:solidFill>
+                  <a:srgbClr val="F8F8F2"/>
+                </a:solidFill>
+                <a:effectLst/>
+                <a:latin typeface="Arial Unicode MS"/>
+                <a:ea typeface="JetBrains Mono"/>
+              </a:rPr>
+              <a:t>();</a:t>
             </a:r>
             <a:br>
-              <a:rPr kumimoji="0" lang="en-US" altLang="en-US" sz="1100" b="0" i="0" u="none" strike="noStrike" cap="none" normalizeH="0" baseline="0" dirty="0" smtClean="0">
+              <a:rPr kumimoji="0" lang="en-US" altLang="en-US" sz="1100" b="0" i="0" u="none" strike="noStrike" cap="none" normalizeH="0" baseline="0">
                 <a:ln>
                   <a:noFill/>
                 </a:ln>
@@ -11427,7 +11645,7 @@
               </a:rPr>
             </a:br>
             <a:r>
-              <a:rPr kumimoji="0" lang="en-US" altLang="en-US" sz="1100" b="0" i="0" u="none" strike="noStrike" cap="none" normalizeH="0" baseline="0" dirty="0" smtClean="0">
+              <a:rPr kumimoji="0" lang="en-US" altLang="en-US" sz="1100" b="0" i="0" u="none" strike="noStrike" cap="none" normalizeH="0" baseline="0">
                 <a:ln>
                   <a:noFill/>
                 </a:ln>
@@ -11441,119 +11659,143 @@
               <a:t>    </a:t>
             </a:r>
             <a:r>
-              <a:rPr kumimoji="0" lang="en-US" altLang="en-US" sz="1100" b="0" i="0" u="none" strike="noStrike" cap="none" normalizeH="0" baseline="0" dirty="0" smtClean="0">
-                <a:ln>
-                  <a:noFill/>
-                </a:ln>
+              <a:rPr kumimoji="0" lang="en-US" altLang="en-US" sz="1100" b="0" i="0" u="none" strike="noStrike" cap="none" normalizeH="0" baseline="0">
+                <a:ln>
+                  <a:noFill/>
+                </a:ln>
+                <a:solidFill>
+                  <a:srgbClr val="F780BF"/>
+                </a:solidFill>
+                <a:effectLst/>
+                <a:latin typeface="Arial Unicode MS"/>
+                <a:ea typeface="JetBrains Mono"/>
+              </a:rPr>
+              <a:t>return </a:t>
+            </a:r>
+            <a:r>
+              <a:rPr kumimoji="0" lang="en-US" altLang="en-US" sz="1100" b="0" i="0" u="none" strike="noStrike" cap="none" normalizeH="0" baseline="0">
+                <a:ln>
+                  <a:noFill/>
+                </a:ln>
+                <a:solidFill>
+                  <a:srgbClr val="F8F8F2"/>
+                </a:solidFill>
+                <a:effectLst/>
+                <a:latin typeface="Arial Unicode MS"/>
+                <a:ea typeface="JetBrains Mono"/>
+              </a:rPr>
+              <a:t>userService.</a:t>
+            </a:r>
+            <a:r>
+              <a:rPr kumimoji="0" lang="en-US" altLang="en-US" sz="1100" b="0" i="0" u="none" strike="noStrike" cap="none" normalizeH="0" baseline="0">
+                <a:ln>
+                  <a:noFill/>
+                </a:ln>
+                <a:solidFill>
+                  <a:srgbClr val="50FA78"/>
+                </a:solidFill>
+                <a:effectLst/>
+                <a:latin typeface="Arial Unicode MS"/>
+                <a:ea typeface="JetBrains Mono"/>
+              </a:rPr>
+              <a:t>findAll</a:t>
+            </a:r>
+            <a:r>
+              <a:rPr kumimoji="0" lang="en-US" altLang="en-US" sz="1100" b="0" i="0" u="none" strike="noStrike" cap="none" normalizeH="0" baseline="0">
+                <a:ln>
+                  <a:noFill/>
+                </a:ln>
+                <a:solidFill>
+                  <a:srgbClr val="F8F8F2"/>
+                </a:solidFill>
+                <a:effectLst/>
+                <a:latin typeface="Arial Unicode MS"/>
+                <a:ea typeface="JetBrains Mono"/>
+              </a:rPr>
+              <a:t>(</a:t>
+            </a:r>
+            <a:r>
+              <a:rPr lang="en-US" altLang="en-US" sz="1100">
                 <a:solidFill>
                   <a:srgbClr val="78DCE8"/>
                 </a:solidFill>
-                <a:effectLst/>
-                <a:latin typeface="Arial Unicode MS"/>
-                <a:ea typeface="JetBrains Mono"/>
-              </a:rPr>
-              <a:t>Sort </a:t>
-            </a:r>
-            <a:r>
-              <a:rPr kumimoji="0" lang="en-US" altLang="en-US" sz="1100" b="0" i="0" u="none" strike="noStrike" cap="none" normalizeH="0" baseline="0" dirty="0" smtClean="0">
-                <a:ln>
-                  <a:noFill/>
-                </a:ln>
+                <a:latin typeface="Arial Unicode MS"/>
+                <a:ea typeface="JetBrains Mono"/>
+              </a:rPr>
+              <a:t>PageRequest</a:t>
+            </a:r>
+            <a:r>
+              <a:rPr lang="en-US" altLang="en-US" sz="1100">
                 <a:solidFill>
                   <a:srgbClr val="F8F8F2"/>
                 </a:solidFill>
-                <a:effectLst/>
-                <a:latin typeface="Arial Unicode MS"/>
-                <a:ea typeface="JetBrains Mono"/>
-              </a:rPr>
-              <a:t>sort </a:t>
-            </a:r>
-            <a:r>
-              <a:rPr kumimoji="0" lang="en-US" altLang="en-US" sz="1100" b="0" i="0" u="none" strike="noStrike" cap="none" normalizeH="0" baseline="0" dirty="0" smtClean="0">
-                <a:ln>
-                  <a:noFill/>
-                </a:ln>
-                <a:solidFill>
-                  <a:srgbClr val="F780BF"/>
-                </a:solidFill>
-                <a:effectLst/>
-                <a:latin typeface="Arial Unicode MS"/>
-                <a:ea typeface="JetBrains Mono"/>
-              </a:rPr>
-              <a:t>= </a:t>
-            </a:r>
-            <a:r>
-              <a:rPr kumimoji="0" lang="en-US" altLang="en-US" sz="1100" b="0" i="1" u="none" strike="noStrike" cap="none" normalizeH="0" baseline="0" dirty="0" smtClean="0">
-                <a:ln>
-                  <a:noFill/>
-                </a:ln>
+                <a:latin typeface="Arial Unicode MS"/>
+                <a:ea typeface="JetBrains Mono"/>
+              </a:rPr>
+              <a:t>.</a:t>
+            </a:r>
+            <a:r>
+              <a:rPr lang="en-US" altLang="en-US" sz="1100" i="1">
+                <a:solidFill>
+                  <a:srgbClr val="50FA78"/>
+                </a:solidFill>
+                <a:latin typeface="Arial Unicode MS"/>
+                <a:ea typeface="JetBrains Mono"/>
+              </a:rPr>
+              <a:t>of</a:t>
+            </a:r>
+            <a:r>
+              <a:rPr lang="en-US" altLang="en-US" sz="1100">
+                <a:solidFill>
+                  <a:srgbClr val="F8F8F2"/>
+                </a:solidFill>
+                <a:latin typeface="Arial Unicode MS"/>
+                <a:ea typeface="JetBrains Mono"/>
+              </a:rPr>
+              <a:t>(</a:t>
+            </a:r>
+            <a:r>
+              <a:rPr lang="en-US" altLang="en-US" sz="1100" i="1">
                 <a:solidFill>
                   <a:srgbClr val="F89580"/>
                 </a:solidFill>
-                <a:effectLst/>
-                <a:latin typeface="Arial Unicode MS"/>
-                <a:ea typeface="JetBrains Mono"/>
-              </a:rPr>
-              <a:t>sortDir</a:t>
-            </a:r>
-            <a:r>
-              <a:rPr kumimoji="0" lang="en-US" altLang="en-US" sz="1100" b="0" i="0" u="none" strike="noStrike" cap="none" normalizeH="0" baseline="0" dirty="0" smtClean="0">
-                <a:ln>
-                  <a:noFill/>
-                </a:ln>
+                <a:latin typeface="Arial Unicode MS"/>
+                <a:ea typeface="JetBrains Mono"/>
+              </a:rPr>
+              <a:t>page</a:t>
+            </a:r>
+            <a:r>
+              <a:rPr lang="en-US" altLang="en-US" sz="1100">
                 <a:solidFill>
                   <a:srgbClr val="F8F8F2"/>
                 </a:solidFill>
-                <a:effectLst/>
-                <a:latin typeface="Arial Unicode MS"/>
-                <a:ea typeface="JetBrains Mono"/>
-              </a:rPr>
-              <a:t>.</a:t>
-            </a:r>
-            <a:r>
-              <a:rPr kumimoji="0" lang="en-US" altLang="en-US" sz="1100" b="0" i="0" u="none" strike="noStrike" cap="none" normalizeH="0" baseline="0" dirty="0" smtClean="0">
-                <a:ln>
-                  <a:noFill/>
-                </a:ln>
-                <a:solidFill>
-                  <a:srgbClr val="50FA78"/>
-                </a:solidFill>
-                <a:effectLst/>
-                <a:latin typeface="Arial Unicode MS"/>
-                <a:ea typeface="JetBrains Mono"/>
-              </a:rPr>
-              <a:t>equalsIgnoreCase</a:t>
-            </a:r>
-            <a:r>
-              <a:rPr kumimoji="0" lang="en-US" altLang="en-US" sz="1100" b="0" i="0" u="none" strike="noStrike" cap="none" normalizeH="0" baseline="0" dirty="0" smtClean="0">
-                <a:ln>
-                  <a:noFill/>
-                </a:ln>
+                <a:latin typeface="Arial Unicode MS"/>
+                <a:ea typeface="JetBrains Mono"/>
+              </a:rPr>
+              <a:t>, </a:t>
+            </a:r>
+            <a:r>
+              <a:rPr lang="en-US" altLang="en-US" sz="1100" i="1">
+                <a:solidFill>
+                  <a:srgbClr val="F89580"/>
+                </a:solidFill>
+                <a:latin typeface="Arial Unicode MS"/>
+                <a:ea typeface="JetBrains Mono"/>
+              </a:rPr>
+              <a:t>size</a:t>
+            </a:r>
+            <a:r>
+              <a:rPr lang="en-US" altLang="en-US" sz="1100">
                 <a:solidFill>
                   <a:srgbClr val="F8F8F2"/>
                 </a:solidFill>
-                <a:effectLst/>
-                <a:latin typeface="Arial Unicode MS"/>
-                <a:ea typeface="JetBrains Mono"/>
-              </a:rPr>
-              <a:t>(</a:t>
-            </a:r>
-            <a:r>
-              <a:rPr kumimoji="0" lang="en-US" altLang="en-US" sz="1100" b="0" i="0" u="none" strike="noStrike" cap="none" normalizeH="0" baseline="0" dirty="0" smtClean="0">
-                <a:ln>
-                  <a:noFill/>
-                </a:ln>
-                <a:solidFill>
-                  <a:srgbClr val="78DCE8"/>
-                </a:solidFill>
-                <a:effectLst/>
-                <a:latin typeface="Arial Unicode MS"/>
-                <a:ea typeface="JetBrains Mono"/>
-              </a:rPr>
-              <a:t>Sort</a:t>
-            </a:r>
-            <a:r>
-              <a:rPr kumimoji="0" lang="en-US" altLang="en-US" sz="1100" b="0" i="0" u="none" strike="noStrike" cap="none" normalizeH="0" baseline="0" dirty="0" smtClean="0">
+                <a:latin typeface="Arial Unicode MS"/>
+                <a:ea typeface="JetBrains Mono"/>
+              </a:rPr>
+              <a:t>, sort)</a:t>
+            </a:r>
+            <a:r>
+              <a:rPr kumimoji="0" lang="en-US" altLang="en-US" sz="1100" b="0" i="0" u="none" strike="noStrike" cap="none" normalizeH="0" baseline="0">
                 <a:ln>
                   <a:noFill/>
                 </a:ln>
@@ -11564,24 +11806,10 @@
                 <a:latin typeface="Arial Unicode MS"/>
                 <a:ea typeface="JetBrains Mono"/>
               </a:rPr>
-              <a:t>.</a:t>
-            </a:r>
-            <a:r>
-              <a:rPr kumimoji="0" lang="en-US" altLang="en-US" sz="1100" b="0" i="1" u="none" strike="noStrike" cap="none" normalizeH="0" baseline="0" dirty="0" smtClean="0">
-                <a:ln>
-                  <a:noFill/>
-                </a:ln>
-                <a:solidFill>
-                  <a:srgbClr val="80FFEA"/>
-                </a:solidFill>
-                <a:effectLst/>
-                <a:latin typeface="Arial Unicode MS"/>
-                <a:ea typeface="JetBrains Mono"/>
-              </a:rPr>
-              <a:t>Direction</a:t>
-            </a:r>
-            <a:r>
-              <a:rPr kumimoji="0" lang="en-US" altLang="en-US" sz="1100" b="0" i="0" u="none" strike="noStrike" cap="none" normalizeH="0" baseline="0" dirty="0" smtClean="0">
+              <a:t>);</a:t>
+            </a:r>
+            <a:br>
+              <a:rPr kumimoji="0" lang="en-US" altLang="en-US" sz="1100" b="0" i="0" u="none" strike="noStrike" cap="none" normalizeH="0" baseline="0">
                 <a:ln>
                   <a:noFill/>
                 </a:ln>
@@ -11592,24 +11820,9 @@
                 <a:latin typeface="Arial Unicode MS"/>
                 <a:ea typeface="JetBrains Mono"/>
               </a:rPr>
-              <a:t>.</a:t>
-            </a:r>
-            <a:r>
-              <a:rPr kumimoji="0" lang="en-US" altLang="en-US" sz="1100" b="0" i="1" u="none" strike="noStrike" cap="none" normalizeH="0" baseline="0" dirty="0" smtClean="0">
-                <a:ln>
-                  <a:noFill/>
-                </a:ln>
-                <a:solidFill>
-                  <a:srgbClr val="9580FF"/>
-                </a:solidFill>
-                <a:effectLst/>
-                <a:latin typeface="Arial Unicode MS"/>
-                <a:ea typeface="JetBrains Mono"/>
-              </a:rPr>
-              <a:t>ASC</a:t>
-            </a:r>
-            <a:r>
-              <a:rPr kumimoji="0" lang="en-US" altLang="en-US" sz="1100" b="0" i="0" u="none" strike="noStrike" cap="none" normalizeH="0" baseline="0" dirty="0" smtClean="0">
+            </a:br>
+            <a:r>
+              <a:rPr kumimoji="0" lang="en-US" altLang="en-US" sz="1100" b="0" i="0" u="none" strike="noStrike" cap="none" normalizeH="0" baseline="0">
                 <a:ln>
                   <a:noFill/>
                 </a:ln>
@@ -11620,493 +11833,9 @@
                 <a:latin typeface="Arial Unicode MS"/>
                 <a:ea typeface="JetBrains Mono"/>
               </a:rPr>
-              <a:t>.</a:t>
-            </a:r>
-            <a:r>
-              <a:rPr kumimoji="0" lang="en-US" altLang="en-US" sz="1100" b="0" i="0" u="none" strike="noStrike" cap="none" normalizeH="0" baseline="0" dirty="0" smtClean="0">
-                <a:ln>
-                  <a:noFill/>
-                </a:ln>
-                <a:solidFill>
-                  <a:srgbClr val="50FA78"/>
-                </a:solidFill>
-                <a:effectLst/>
-                <a:latin typeface="Arial Unicode MS"/>
-                <a:ea typeface="JetBrains Mono"/>
-              </a:rPr>
-              <a:t>name</a:t>
-            </a:r>
-            <a:r>
-              <a:rPr kumimoji="0" lang="en-US" altLang="en-US" sz="1100" b="0" i="0" u="none" strike="noStrike" cap="none" normalizeH="0" baseline="0" dirty="0" smtClean="0">
-                <a:ln>
-                  <a:noFill/>
-                </a:ln>
-                <a:solidFill>
-                  <a:srgbClr val="F8F8F2"/>
-                </a:solidFill>
-                <a:effectLst/>
-                <a:latin typeface="Arial Unicode MS"/>
-                <a:ea typeface="JetBrains Mono"/>
-              </a:rPr>
-              <a:t>()) </a:t>
-            </a:r>
-            <a:r>
-              <a:rPr kumimoji="0" lang="en-US" altLang="en-US" sz="1100" b="0" i="0" u="none" strike="noStrike" cap="none" normalizeH="0" baseline="0" dirty="0" smtClean="0">
-                <a:ln>
-                  <a:noFill/>
-                </a:ln>
-                <a:solidFill>
-                  <a:srgbClr val="F780BF"/>
-                </a:solidFill>
-                <a:effectLst/>
-                <a:latin typeface="Arial Unicode MS"/>
-                <a:ea typeface="JetBrains Mono"/>
-              </a:rPr>
-              <a:t>? </a:t>
-            </a:r>
-            <a:r>
-              <a:rPr kumimoji="0" lang="en-US" altLang="en-US" sz="1100" b="0" i="0" u="none" strike="noStrike" cap="none" normalizeH="0" baseline="0" dirty="0" smtClean="0">
-                <a:ln>
-                  <a:noFill/>
-                </a:ln>
-                <a:solidFill>
-                  <a:srgbClr val="78DCE8"/>
-                </a:solidFill>
-                <a:effectLst/>
-                <a:latin typeface="Arial Unicode MS"/>
-                <a:ea typeface="JetBrains Mono"/>
-              </a:rPr>
-              <a:t>Sort</a:t>
-            </a:r>
-            <a:r>
-              <a:rPr kumimoji="0" lang="en-US" altLang="en-US" sz="1100" b="0" i="0" u="none" strike="noStrike" cap="none" normalizeH="0" baseline="0" dirty="0" smtClean="0">
-                <a:ln>
-                  <a:noFill/>
-                </a:ln>
-                <a:solidFill>
-                  <a:srgbClr val="F8F8F2"/>
-                </a:solidFill>
-                <a:effectLst/>
-                <a:latin typeface="Arial Unicode MS"/>
-                <a:ea typeface="JetBrains Mono"/>
-              </a:rPr>
-              <a:t>.</a:t>
-            </a:r>
-            <a:r>
-              <a:rPr kumimoji="0" lang="en-US" altLang="en-US" sz="1100" b="0" i="1" u="none" strike="noStrike" cap="none" normalizeH="0" baseline="0" dirty="0" smtClean="0">
-                <a:ln>
-                  <a:noFill/>
-                </a:ln>
-                <a:solidFill>
-                  <a:srgbClr val="50FA78"/>
-                </a:solidFill>
-                <a:effectLst/>
-                <a:latin typeface="Arial Unicode MS"/>
-                <a:ea typeface="JetBrains Mono"/>
-              </a:rPr>
-              <a:t>by</a:t>
-            </a:r>
-            <a:r>
-              <a:rPr kumimoji="0" lang="en-US" altLang="en-US" sz="1100" b="0" i="0" u="none" strike="noStrike" cap="none" normalizeH="0" baseline="0" dirty="0" smtClean="0">
-                <a:ln>
-                  <a:noFill/>
-                </a:ln>
-                <a:solidFill>
-                  <a:srgbClr val="F8F8F2"/>
-                </a:solidFill>
-                <a:effectLst/>
-                <a:latin typeface="Arial Unicode MS"/>
-                <a:ea typeface="JetBrains Mono"/>
-              </a:rPr>
-              <a:t>(</a:t>
-            </a:r>
-            <a:r>
-              <a:rPr kumimoji="0" lang="en-US" altLang="en-US" sz="1100" b="0" i="1" u="none" strike="noStrike" cap="none" normalizeH="0" baseline="0" dirty="0" smtClean="0">
-                <a:ln>
-                  <a:noFill/>
-                </a:ln>
-                <a:solidFill>
-                  <a:srgbClr val="F89580"/>
-                </a:solidFill>
-                <a:effectLst/>
-                <a:latin typeface="Arial Unicode MS"/>
-                <a:ea typeface="JetBrains Mono"/>
-              </a:rPr>
-              <a:t>sortBy</a:t>
-            </a:r>
-            <a:r>
-              <a:rPr kumimoji="0" lang="en-US" altLang="en-US" sz="1100" b="0" i="0" u="none" strike="noStrike" cap="none" normalizeH="0" baseline="0" dirty="0" smtClean="0">
-                <a:ln>
-                  <a:noFill/>
-                </a:ln>
-                <a:solidFill>
-                  <a:srgbClr val="F8F8F2"/>
-                </a:solidFill>
-                <a:effectLst/>
-                <a:latin typeface="Arial Unicode MS"/>
-                <a:ea typeface="JetBrains Mono"/>
-              </a:rPr>
-              <a:t>).</a:t>
-            </a:r>
-            <a:r>
-              <a:rPr kumimoji="0" lang="en-US" altLang="en-US" sz="1100" b="0" i="0" u="none" strike="noStrike" cap="none" normalizeH="0" baseline="0" dirty="0" smtClean="0">
-                <a:ln>
-                  <a:noFill/>
-                </a:ln>
-                <a:solidFill>
-                  <a:srgbClr val="50FA78"/>
-                </a:solidFill>
-                <a:effectLst/>
-                <a:latin typeface="Arial Unicode MS"/>
-                <a:ea typeface="JetBrains Mono"/>
-              </a:rPr>
-              <a:t>ascending</a:t>
-            </a:r>
-            <a:r>
-              <a:rPr kumimoji="0" lang="en-US" altLang="en-US" sz="1100" b="0" i="0" u="none" strike="noStrike" cap="none" normalizeH="0" baseline="0" dirty="0" smtClean="0">
-                <a:ln>
-                  <a:noFill/>
-                </a:ln>
-                <a:solidFill>
-                  <a:srgbClr val="F8F8F2"/>
-                </a:solidFill>
-                <a:effectLst/>
-                <a:latin typeface="Arial Unicode MS"/>
-                <a:ea typeface="JetBrains Mono"/>
-              </a:rPr>
-              <a:t>() </a:t>
-            </a:r>
-            <a:r>
-              <a:rPr kumimoji="0" lang="en-US" altLang="en-US" sz="1100" b="0" i="0" u="none" strike="noStrike" cap="none" normalizeH="0" baseline="0" dirty="0" smtClean="0">
-                <a:ln>
-                  <a:noFill/>
-                </a:ln>
-                <a:solidFill>
-                  <a:srgbClr val="F780BF"/>
-                </a:solidFill>
-                <a:effectLst/>
-                <a:latin typeface="Arial Unicode MS"/>
-                <a:ea typeface="JetBrains Mono"/>
-              </a:rPr>
-              <a:t>: </a:t>
-            </a:r>
-            <a:r>
-              <a:rPr kumimoji="0" lang="en-US" altLang="en-US" sz="1100" b="0" i="0" u="none" strike="noStrike" cap="none" normalizeH="0" baseline="0" dirty="0" smtClean="0">
-                <a:ln>
-                  <a:noFill/>
-                </a:ln>
-                <a:solidFill>
-                  <a:srgbClr val="78DCE8"/>
-                </a:solidFill>
-                <a:effectLst/>
-                <a:latin typeface="Arial Unicode MS"/>
-                <a:ea typeface="JetBrains Mono"/>
-              </a:rPr>
-              <a:t>Sort</a:t>
-            </a:r>
-            <a:r>
-              <a:rPr kumimoji="0" lang="en-US" altLang="en-US" sz="1100" b="0" i="0" u="none" strike="noStrike" cap="none" normalizeH="0" baseline="0" dirty="0" smtClean="0">
-                <a:ln>
-                  <a:noFill/>
-                </a:ln>
-                <a:solidFill>
-                  <a:srgbClr val="F8F8F2"/>
-                </a:solidFill>
-                <a:effectLst/>
-                <a:latin typeface="Arial Unicode MS"/>
-                <a:ea typeface="JetBrains Mono"/>
-              </a:rPr>
-              <a:t>.</a:t>
-            </a:r>
-            <a:r>
-              <a:rPr kumimoji="0" lang="en-US" altLang="en-US" sz="1100" b="0" i="1" u="none" strike="noStrike" cap="none" normalizeH="0" baseline="0" dirty="0" smtClean="0">
-                <a:ln>
-                  <a:noFill/>
-                </a:ln>
-                <a:solidFill>
-                  <a:srgbClr val="50FA78"/>
-                </a:solidFill>
-                <a:effectLst/>
-                <a:latin typeface="Arial Unicode MS"/>
-                <a:ea typeface="JetBrains Mono"/>
-              </a:rPr>
-              <a:t>by</a:t>
-            </a:r>
-            <a:r>
-              <a:rPr kumimoji="0" lang="en-US" altLang="en-US" sz="1100" b="0" i="0" u="none" strike="noStrike" cap="none" normalizeH="0" baseline="0" dirty="0" smtClean="0">
-                <a:ln>
-                  <a:noFill/>
-                </a:ln>
-                <a:solidFill>
-                  <a:srgbClr val="F8F8F2"/>
-                </a:solidFill>
-                <a:effectLst/>
-                <a:latin typeface="Arial Unicode MS"/>
-                <a:ea typeface="JetBrains Mono"/>
-              </a:rPr>
-              <a:t>(</a:t>
-            </a:r>
-            <a:r>
-              <a:rPr kumimoji="0" lang="en-US" altLang="en-US" sz="1100" b="0" i="1" u="none" strike="noStrike" cap="none" normalizeH="0" baseline="0" dirty="0" smtClean="0">
-                <a:ln>
-                  <a:noFill/>
-                </a:ln>
-                <a:solidFill>
-                  <a:srgbClr val="F89580"/>
-                </a:solidFill>
-                <a:effectLst/>
-                <a:latin typeface="Arial Unicode MS"/>
-                <a:ea typeface="JetBrains Mono"/>
-              </a:rPr>
-              <a:t>sortBy</a:t>
-            </a:r>
-            <a:r>
-              <a:rPr kumimoji="0" lang="en-US" altLang="en-US" sz="1100" b="0" i="0" u="none" strike="noStrike" cap="none" normalizeH="0" baseline="0" dirty="0" smtClean="0">
-                <a:ln>
-                  <a:noFill/>
-                </a:ln>
-                <a:solidFill>
-                  <a:srgbClr val="F8F8F2"/>
-                </a:solidFill>
-                <a:effectLst/>
-                <a:latin typeface="Arial Unicode MS"/>
-                <a:ea typeface="JetBrains Mono"/>
-              </a:rPr>
-              <a:t>).</a:t>
-            </a:r>
-            <a:r>
-              <a:rPr kumimoji="0" lang="en-US" altLang="en-US" sz="1100" b="0" i="0" u="none" strike="noStrike" cap="none" normalizeH="0" baseline="0" dirty="0" smtClean="0">
-                <a:ln>
-                  <a:noFill/>
-                </a:ln>
-                <a:solidFill>
-                  <a:srgbClr val="50FA78"/>
-                </a:solidFill>
-                <a:effectLst/>
-                <a:latin typeface="Arial Unicode MS"/>
-                <a:ea typeface="JetBrains Mono"/>
-              </a:rPr>
-              <a:t>descending</a:t>
-            </a:r>
-            <a:r>
-              <a:rPr kumimoji="0" lang="en-US" altLang="en-US" sz="1100" b="0" i="0" u="none" strike="noStrike" cap="none" normalizeH="0" baseline="0" dirty="0" smtClean="0">
-                <a:ln>
-                  <a:noFill/>
-                </a:ln>
-                <a:solidFill>
-                  <a:srgbClr val="F8F8F2"/>
-                </a:solidFill>
-                <a:effectLst/>
-                <a:latin typeface="Arial Unicode MS"/>
-                <a:ea typeface="JetBrains Mono"/>
-              </a:rPr>
-              <a:t>();</a:t>
-            </a:r>
-            <a:br>
-              <a:rPr kumimoji="0" lang="en-US" altLang="en-US" sz="1100" b="0" i="0" u="none" strike="noStrike" cap="none" normalizeH="0" baseline="0" dirty="0" smtClean="0">
-                <a:ln>
-                  <a:noFill/>
-                </a:ln>
-                <a:solidFill>
-                  <a:srgbClr val="F8F8F2"/>
-                </a:solidFill>
-                <a:effectLst/>
-                <a:latin typeface="Arial Unicode MS"/>
-                <a:ea typeface="JetBrains Mono"/>
-              </a:rPr>
-            </a:br>
-            <a:r>
-              <a:rPr kumimoji="0" lang="en-US" altLang="en-US" sz="1100" b="0" i="0" u="none" strike="noStrike" cap="none" normalizeH="0" baseline="0" dirty="0" smtClean="0">
-                <a:ln>
-                  <a:noFill/>
-                </a:ln>
-                <a:solidFill>
-                  <a:srgbClr val="F8F8F2"/>
-                </a:solidFill>
-                <a:effectLst/>
-                <a:latin typeface="Arial Unicode MS"/>
-                <a:ea typeface="JetBrains Mono"/>
-              </a:rPr>
-              <a:t>    </a:t>
-            </a:r>
-            <a:r>
-              <a:rPr kumimoji="0" lang="en-US" altLang="en-US" sz="1100" b="0" i="0" u="none" strike="noStrike" cap="none" normalizeH="0" baseline="0" dirty="0" smtClean="0">
-                <a:ln>
-                  <a:noFill/>
-                </a:ln>
-                <a:solidFill>
-                  <a:srgbClr val="F780BF"/>
-                </a:solidFill>
-                <a:effectLst/>
-                <a:latin typeface="Arial Unicode MS"/>
-                <a:ea typeface="JetBrains Mono"/>
-              </a:rPr>
-              <a:t>return </a:t>
-            </a:r>
-            <a:r>
-              <a:rPr kumimoji="0" lang="en-US" altLang="en-US" sz="1100" b="0" i="0" u="none" strike="noStrike" cap="none" normalizeH="0" baseline="0" dirty="0" smtClean="0">
-                <a:ln>
-                  <a:noFill/>
-                </a:ln>
-                <a:solidFill>
-                  <a:srgbClr val="F8F8F2"/>
-                </a:solidFill>
-                <a:effectLst/>
-                <a:latin typeface="Arial Unicode MS"/>
-                <a:ea typeface="JetBrains Mono"/>
-              </a:rPr>
-              <a:t>userService.</a:t>
-            </a:r>
-            <a:r>
-              <a:rPr kumimoji="0" lang="en-US" altLang="en-US" sz="1100" b="0" i="0" u="none" strike="noStrike" cap="none" normalizeH="0" baseline="0" dirty="0" smtClean="0">
-                <a:ln>
-                  <a:noFill/>
-                </a:ln>
-                <a:solidFill>
-                  <a:srgbClr val="50FA78"/>
-                </a:solidFill>
-                <a:effectLst/>
-                <a:latin typeface="Arial Unicode MS"/>
-                <a:ea typeface="JetBrains Mono"/>
-              </a:rPr>
-              <a:t>findAll</a:t>
-            </a:r>
-            <a:r>
-              <a:rPr kumimoji="0" lang="en-US" altLang="en-US" sz="1100" b="0" i="0" u="none" strike="noStrike" cap="none" normalizeH="0" baseline="0" dirty="0" smtClean="0">
-                <a:ln>
-                  <a:noFill/>
-                </a:ln>
-                <a:solidFill>
-                  <a:srgbClr val="F8F8F2"/>
-                </a:solidFill>
-                <a:effectLst/>
-                <a:latin typeface="Arial Unicode MS"/>
-                <a:ea typeface="JetBrains Mono"/>
-              </a:rPr>
-              <a:t>(</a:t>
-            </a:r>
-            <a:r>
-              <a:rPr lang="en-US" altLang="en-US" sz="1100" dirty="0">
-                <a:solidFill>
-                  <a:srgbClr val="78DCE8"/>
-                </a:solidFill>
-                <a:latin typeface="Arial Unicode MS"/>
-                <a:ea typeface="JetBrains Mono"/>
-              </a:rPr>
-              <a:t>PageRequest</a:t>
-            </a:r>
-            <a:r>
-              <a:rPr lang="en-US" altLang="en-US" sz="1100" dirty="0">
-                <a:solidFill>
-                  <a:srgbClr val="F8F8F2"/>
-                </a:solidFill>
-                <a:latin typeface="Arial Unicode MS"/>
-                <a:ea typeface="JetBrains Mono"/>
-              </a:rPr>
-              <a:t>.</a:t>
-            </a:r>
-            <a:r>
-              <a:rPr lang="en-US" altLang="en-US" sz="1100" i="1" dirty="0">
-                <a:solidFill>
-                  <a:srgbClr val="50FA78"/>
-                </a:solidFill>
-                <a:latin typeface="Arial Unicode MS"/>
-                <a:ea typeface="JetBrains Mono"/>
-              </a:rPr>
-              <a:t>of</a:t>
-            </a:r>
-            <a:r>
-              <a:rPr lang="en-US" altLang="en-US" sz="1100" dirty="0">
-                <a:solidFill>
-                  <a:srgbClr val="F8F8F2"/>
-                </a:solidFill>
-                <a:latin typeface="Arial Unicode MS"/>
-                <a:ea typeface="JetBrains Mono"/>
-              </a:rPr>
-              <a:t>(</a:t>
-            </a:r>
-            <a:r>
-              <a:rPr lang="en-US" altLang="en-US" sz="1100" i="1" dirty="0">
-                <a:solidFill>
-                  <a:srgbClr val="F89580"/>
-                </a:solidFill>
-                <a:latin typeface="Arial Unicode MS"/>
-                <a:ea typeface="JetBrains Mono"/>
-              </a:rPr>
-              <a:t>page</a:t>
-            </a:r>
-            <a:r>
-              <a:rPr lang="en-US" altLang="en-US" sz="1100" dirty="0">
-                <a:solidFill>
-                  <a:srgbClr val="F8F8F2"/>
-                </a:solidFill>
-                <a:latin typeface="Arial Unicode MS"/>
-                <a:ea typeface="JetBrains Mono"/>
-              </a:rPr>
-              <a:t>, </a:t>
-            </a:r>
-            <a:r>
-              <a:rPr lang="en-US" altLang="en-US" sz="1100" i="1" dirty="0">
-                <a:solidFill>
-                  <a:srgbClr val="F89580"/>
-                </a:solidFill>
-                <a:latin typeface="Arial Unicode MS"/>
-                <a:ea typeface="JetBrains Mono"/>
-              </a:rPr>
-              <a:t>size</a:t>
-            </a:r>
-            <a:r>
-              <a:rPr lang="en-US" altLang="en-US" sz="1100" dirty="0">
-                <a:solidFill>
-                  <a:srgbClr val="F8F8F2"/>
-                </a:solidFill>
-                <a:latin typeface="Arial Unicode MS"/>
-                <a:ea typeface="JetBrains Mono"/>
-              </a:rPr>
-              <a:t>, sort)</a:t>
-            </a:r>
-            <a:r>
-              <a:rPr kumimoji="0" lang="en-US" altLang="en-US" sz="1100" b="0" i="0" u="none" strike="noStrike" cap="none" normalizeH="0" baseline="0" dirty="0" smtClean="0">
-                <a:ln>
-                  <a:noFill/>
-                </a:ln>
-                <a:solidFill>
-                  <a:srgbClr val="F8F8F2"/>
-                </a:solidFill>
-                <a:effectLst/>
-                <a:latin typeface="Arial Unicode MS"/>
-                <a:ea typeface="JetBrains Mono"/>
-              </a:rPr>
-              <a:t>);</a:t>
-            </a:r>
-            <a:br>
-              <a:rPr kumimoji="0" lang="en-US" altLang="en-US" sz="1100" b="0" i="0" u="none" strike="noStrike" cap="none" normalizeH="0" baseline="0" dirty="0" smtClean="0">
-                <a:ln>
-                  <a:noFill/>
-                </a:ln>
-                <a:solidFill>
-                  <a:srgbClr val="F8F8F2"/>
-                </a:solidFill>
-                <a:effectLst/>
-                <a:latin typeface="Arial Unicode MS"/>
-                <a:ea typeface="JetBrains Mono"/>
-              </a:rPr>
-            </a:br>
-            <a:r>
-              <a:rPr kumimoji="0" lang="en-US" altLang="en-US" sz="1100" b="0" i="0" u="none" strike="noStrike" cap="none" normalizeH="0" baseline="0" dirty="0" smtClean="0">
-                <a:ln>
-                  <a:noFill/>
-                </a:ln>
-                <a:solidFill>
-                  <a:srgbClr val="F8F8F2"/>
-                </a:solidFill>
-                <a:effectLst/>
-                <a:latin typeface="Arial Unicode MS"/>
-                <a:ea typeface="JetBrains Mono"/>
-              </a:rPr>
               <a:t>}</a:t>
             </a:r>
-            <a:endParaRPr kumimoji="0" lang="en-US" altLang="en-US" sz="2800" b="0" i="0" u="none" strike="noStrike" cap="none" normalizeH="0" baseline="0" dirty="0" smtClean="0">
+            <a:endParaRPr kumimoji="0" lang="en-US" altLang="en-US" sz="2800" b="0" i="0" u="none" strike="noStrike" cap="none" normalizeH="0" baseline="0">
               <a:ln>
                 <a:noFill/>
               </a:ln>
@@ -12165,16 +11894,12 @@
           <a:lstStyle/>
           <a:p>
             <a:r>
-              <a:rPr lang="en-US" dirty="0">
+              <a:rPr lang="en-US">
                 <a:latin typeface="Arial" panose="020B0604020202020204" pitchFamily="34" charset="0"/>
                 <a:cs typeface="Arial" panose="020B0604020202020204" pitchFamily="34" charset="0"/>
               </a:rPr>
               <a:t>Relationships</a:t>
             </a:r>
-            <a:endParaRPr lang="en-US" dirty="0">
-              <a:latin typeface="Arial" panose="020B0604020202020204" pitchFamily="34" charset="0"/>
-              <a:cs typeface="Arial" panose="020B0604020202020204" pitchFamily="34" charset="0"/>
-            </a:endParaRPr>
           </a:p>
         </p:txBody>
       </p:sp>
@@ -12193,13 +11918,95 @@
           <a:bodyPr/>
           <a:lstStyle/>
           <a:p>
-            <a:endParaRPr lang="en-US" dirty="0">
-              <a:latin typeface="Arial" panose="020B0604020202020204" pitchFamily="34" charset="0"/>
-              <a:cs typeface="Arial" panose="020B0604020202020204" pitchFamily="34" charset="0"/>
-            </a:endParaRPr>
-          </a:p>
-          <a:p>
-            <a:endParaRPr lang="en-US" dirty="0">
+            <a:r>
+              <a:rPr lang="en-US" err="1">
+                <a:latin typeface="Arial" panose="020B0604020202020204" pitchFamily="34" charset="0"/>
+                <a:cs typeface="Arial" panose="020B0604020202020204" pitchFamily="34" charset="0"/>
+              </a:rPr>
+              <a:t>Các</a:t>
+            </a:r>
+            <a:r>
+              <a:rPr lang="en-US">
+                <a:latin typeface="Arial" panose="020B0604020202020204" pitchFamily="34" charset="0"/>
+                <a:cs typeface="Arial" panose="020B0604020202020204" pitchFamily="34" charset="0"/>
+              </a:rPr>
+              <a:t> relationship </a:t>
+            </a:r>
+            <a:r>
+              <a:rPr lang="en-US" err="1">
+                <a:latin typeface="Arial" panose="020B0604020202020204" pitchFamily="34" charset="0"/>
+                <a:cs typeface="Arial" panose="020B0604020202020204" pitchFamily="34" charset="0"/>
+              </a:rPr>
+              <a:t>trường</a:t>
+            </a:r>
+            <a:r>
+              <a:rPr lang="en-US">
+                <a:latin typeface="Arial" panose="020B0604020202020204" pitchFamily="34" charset="0"/>
+                <a:cs typeface="Arial" panose="020B0604020202020204" pitchFamily="34" charset="0"/>
+              </a:rPr>
+              <a:t> </a:t>
+            </a:r>
+            <a:r>
+              <a:rPr lang="en-US" err="1">
+                <a:latin typeface="Arial" panose="020B0604020202020204" pitchFamily="34" charset="0"/>
+                <a:cs typeface="Arial" panose="020B0604020202020204" pitchFamily="34" charset="0"/>
+              </a:rPr>
+              <a:t>gặp</a:t>
+            </a:r>
+            <a:r>
+              <a:rPr lang="en-US">
+                <a:latin typeface="Arial" panose="020B0604020202020204" pitchFamily="34" charset="0"/>
+                <a:cs typeface="Arial" panose="020B0604020202020204" pitchFamily="34" charset="0"/>
+              </a:rPr>
+              <a:t> </a:t>
+            </a:r>
+            <a:r>
+              <a:rPr lang="en-US" err="1">
+                <a:latin typeface="Arial" panose="020B0604020202020204" pitchFamily="34" charset="0"/>
+                <a:cs typeface="Arial" panose="020B0604020202020204" pitchFamily="34" charset="0"/>
+              </a:rPr>
+              <a:t>là</a:t>
+            </a:r>
+            <a:r>
+              <a:rPr lang="en-US">
+                <a:latin typeface="Arial" panose="020B0604020202020204" pitchFamily="34" charset="0"/>
+                <a:cs typeface="Arial" panose="020B0604020202020204" pitchFamily="34" charset="0"/>
+              </a:rPr>
+              <a:t>:</a:t>
+            </a:r>
+          </a:p>
+          <a:p>
+            <a:pPr lvl="1"/>
+            <a:r>
+              <a:rPr lang="en-US">
+                <a:latin typeface="Arial" panose="020B0604020202020204" pitchFamily="34" charset="0"/>
+                <a:cs typeface="Arial" panose="020B0604020202020204" pitchFamily="34" charset="0"/>
+              </a:rPr>
+              <a:t>one-to-one</a:t>
+            </a:r>
+          </a:p>
+          <a:p>
+            <a:pPr lvl="1"/>
+            <a:r>
+              <a:rPr lang="en-US">
+                <a:latin typeface="Arial" panose="020B0604020202020204" pitchFamily="34" charset="0"/>
+                <a:cs typeface="Arial" panose="020B0604020202020204" pitchFamily="34" charset="0"/>
+              </a:rPr>
+              <a:t>one-to-many</a:t>
+            </a:r>
+          </a:p>
+          <a:p>
+            <a:pPr lvl="1"/>
+            <a:r>
+              <a:rPr lang="en-US">
+                <a:latin typeface="Arial" panose="020B0604020202020204" pitchFamily="34" charset="0"/>
+                <a:cs typeface="Arial" panose="020B0604020202020204" pitchFamily="34" charset="0"/>
+              </a:rPr>
+              <a:t>many-to-many</a:t>
+            </a:r>
+          </a:p>
+          <a:p>
+            <a:endParaRPr lang="en-US">
               <a:latin typeface="Arial" panose="020B0604020202020204" pitchFamily="34" charset="0"/>
               <a:cs typeface="Arial" panose="020B0604020202020204" pitchFamily="34" charset="0"/>
             </a:endParaRPr>
@@ -12210,6 +12017,1253 @@
     <p:extLst>
       <p:ext uri="{BB962C8B-B14F-4D97-AF65-F5344CB8AC3E}">
         <p14:creationId xmlns:p14="http://schemas.microsoft.com/office/powerpoint/2010/main" val="2947365246"/>
+      </p:ext>
+    </p:extLst>
+  </p:cSld>
+  <p:clrMapOvr>
+    <a:masterClrMapping/>
+  </p:clrMapOvr>
+</p:sld>
+</file>
+
+<file path=ppt/slides/slide24.xml><?xml version="1.0" encoding="utf-8"?>
+<p:sld xmlns:a="http://schemas.openxmlformats.org/drawingml/2006/main" xmlns:r="http://schemas.openxmlformats.org/officeDocument/2006/relationships" xmlns:p="http://schemas.openxmlformats.org/presentationml/2006/main">
+  <p:cSld>
+    <p:spTree>
+      <p:nvGrpSpPr>
+        <p:cNvPr id="1" name=""/>
+        <p:cNvGrpSpPr/>
+        <p:nvPr/>
+      </p:nvGrpSpPr>
+      <p:grpSpPr>
+        <a:xfrm>
+          <a:off x="0" y="0"/>
+          <a:ext cx="0" cy="0"/>
+          <a:chOff x="0" y="0"/>
+          <a:chExt cx="0" cy="0"/>
+        </a:xfrm>
+      </p:grpSpPr>
+      <p:sp>
+        <p:nvSpPr>
+          <p:cNvPr id="2" name="Title 1"/>
+          <p:cNvSpPr>
+            <a:spLocks noGrp="1"/>
+          </p:cNvSpPr>
+          <p:nvPr>
+            <p:ph type="title"/>
+          </p:nvPr>
+        </p:nvSpPr>
+        <p:spPr/>
+        <p:txBody>
+          <a:bodyPr/>
+          <a:lstStyle/>
+          <a:p>
+            <a:r>
+              <a:rPr lang="en-US">
+                <a:latin typeface="Arial" panose="020B0604020202020204" pitchFamily="34" charset="0"/>
+                <a:cs typeface="Arial" panose="020B0604020202020204" pitchFamily="34" charset="0"/>
+              </a:rPr>
+              <a:t>One-to-one</a:t>
+            </a:r>
+          </a:p>
+        </p:txBody>
+      </p:sp>
+      <p:sp>
+        <p:nvSpPr>
+          <p:cNvPr id="3" name="Content Placeholder 2"/>
+          <p:cNvSpPr>
+            <a:spLocks noGrp="1"/>
+          </p:cNvSpPr>
+          <p:nvPr>
+            <p:ph idx="1"/>
+          </p:nvPr>
+        </p:nvSpPr>
+        <p:spPr/>
+        <p:txBody>
+          <a:bodyPr/>
+          <a:lstStyle/>
+          <a:p>
+            <a:r>
+              <a:rPr lang="en-US" err="1">
+                <a:latin typeface="Arial" panose="020B0604020202020204" pitchFamily="34" charset="0"/>
+                <a:cs typeface="Arial" panose="020B0604020202020204" pitchFamily="34" charset="0"/>
+              </a:rPr>
+              <a:t>Ví</a:t>
+            </a:r>
+            <a:r>
+              <a:rPr lang="en-US">
+                <a:latin typeface="Arial" panose="020B0604020202020204" pitchFamily="34" charset="0"/>
+                <a:cs typeface="Arial" panose="020B0604020202020204" pitchFamily="34" charset="0"/>
+              </a:rPr>
+              <a:t> </a:t>
+            </a:r>
+            <a:r>
+              <a:rPr lang="en-US" err="1">
+                <a:latin typeface="Arial" panose="020B0604020202020204" pitchFamily="34" charset="0"/>
+                <a:cs typeface="Arial" panose="020B0604020202020204" pitchFamily="34" charset="0"/>
+              </a:rPr>
+              <a:t>dụ</a:t>
+            </a:r>
+            <a:r>
+              <a:rPr lang="en-US">
+                <a:latin typeface="Arial" panose="020B0604020202020204" pitchFamily="34" charset="0"/>
+                <a:cs typeface="Arial" panose="020B0604020202020204" pitchFamily="34" charset="0"/>
+              </a:rPr>
+              <a:t> ta </a:t>
+            </a:r>
+            <a:r>
+              <a:rPr lang="en-US" err="1">
+                <a:latin typeface="Arial" panose="020B0604020202020204" pitchFamily="34" charset="0"/>
+                <a:cs typeface="Arial" panose="020B0604020202020204" pitchFamily="34" charset="0"/>
+              </a:rPr>
+              <a:t>có</a:t>
+            </a:r>
+            <a:r>
+              <a:rPr lang="en-US">
+                <a:latin typeface="Arial" panose="020B0604020202020204" pitchFamily="34" charset="0"/>
+                <a:cs typeface="Arial" panose="020B0604020202020204" pitchFamily="34" charset="0"/>
+              </a:rPr>
+              <a:t> table User </a:t>
+            </a:r>
+            <a:r>
+              <a:rPr lang="en-US" err="1">
+                <a:latin typeface="Arial" panose="020B0604020202020204" pitchFamily="34" charset="0"/>
+                <a:cs typeface="Arial" panose="020B0604020202020204" pitchFamily="34" charset="0"/>
+              </a:rPr>
+              <a:t>và</a:t>
+            </a:r>
+            <a:r>
+              <a:rPr lang="en-US">
+                <a:latin typeface="Arial" panose="020B0604020202020204" pitchFamily="34" charset="0"/>
+                <a:cs typeface="Arial" panose="020B0604020202020204" pitchFamily="34" charset="0"/>
+              </a:rPr>
+              <a:t> Profile, </a:t>
+            </a:r>
+            <a:r>
+              <a:rPr lang="en-US" err="1">
+                <a:latin typeface="Arial" panose="020B0604020202020204" pitchFamily="34" charset="0"/>
+                <a:cs typeface="Arial" panose="020B0604020202020204" pitchFamily="34" charset="0"/>
+              </a:rPr>
+              <a:t>mỗi</a:t>
+            </a:r>
+            <a:r>
+              <a:rPr lang="en-US">
+                <a:latin typeface="Arial" panose="020B0604020202020204" pitchFamily="34" charset="0"/>
+                <a:cs typeface="Arial" panose="020B0604020202020204" pitchFamily="34" charset="0"/>
+              </a:rPr>
+              <a:t> user </a:t>
+            </a:r>
+            <a:r>
+              <a:rPr lang="en-US" err="1">
+                <a:latin typeface="Arial" panose="020B0604020202020204" pitchFamily="34" charset="0"/>
+                <a:cs typeface="Arial" panose="020B0604020202020204" pitchFamily="34" charset="0"/>
+              </a:rPr>
+              <a:t>sẽ</a:t>
+            </a:r>
+            <a:r>
+              <a:rPr lang="en-US">
+                <a:latin typeface="Arial" panose="020B0604020202020204" pitchFamily="34" charset="0"/>
+                <a:cs typeface="Arial" panose="020B0604020202020204" pitchFamily="34" charset="0"/>
+              </a:rPr>
+              <a:t> </a:t>
+            </a:r>
+            <a:r>
+              <a:rPr lang="en-US" err="1">
+                <a:latin typeface="Arial" panose="020B0604020202020204" pitchFamily="34" charset="0"/>
+                <a:cs typeface="Arial" panose="020B0604020202020204" pitchFamily="34" charset="0"/>
+              </a:rPr>
+              <a:t>có</a:t>
+            </a:r>
+            <a:r>
+              <a:rPr lang="en-US">
+                <a:latin typeface="Arial" panose="020B0604020202020204" pitchFamily="34" charset="0"/>
+                <a:cs typeface="Arial" panose="020B0604020202020204" pitchFamily="34" charset="0"/>
+              </a:rPr>
+              <a:t> 1 profile</a:t>
+            </a:r>
+          </a:p>
+          <a:p>
+            <a:endParaRPr lang="en-US">
+              <a:latin typeface="Arial" panose="020B0604020202020204" pitchFamily="34" charset="0"/>
+              <a:cs typeface="Arial" panose="020B0604020202020204" pitchFamily="34" charset="0"/>
+            </a:endParaRPr>
+          </a:p>
+          <a:p>
+            <a:r>
+              <a:rPr lang="en-US">
+                <a:latin typeface="Arial" panose="020B0604020202020204" pitchFamily="34" charset="0"/>
+                <a:cs typeface="Arial" panose="020B0604020202020204" pitchFamily="34" charset="0"/>
+              </a:rPr>
+              <a:t>Và để tham chiếu được với table Profile từ table User ta cần bổ sung column user</a:t>
+            </a:r>
+          </a:p>
+          <a:p>
+            <a:endParaRPr lang="en-US">
+              <a:latin typeface="Arial" panose="020B0604020202020204" pitchFamily="34" charset="0"/>
+              <a:cs typeface="Arial" panose="020B0604020202020204" pitchFamily="34" charset="0"/>
+            </a:endParaRPr>
+          </a:p>
+          <a:p>
+            <a:endParaRPr lang="en-US">
+              <a:latin typeface="Arial" panose="020B0604020202020204" pitchFamily="34" charset="0"/>
+              <a:cs typeface="Arial" panose="020B0604020202020204" pitchFamily="34" charset="0"/>
+            </a:endParaRPr>
+          </a:p>
+        </p:txBody>
+      </p:sp>
+      <p:pic>
+        <p:nvPicPr>
+          <p:cNvPr id="9" name="Picture 8">
+            <a:extLst>
+              <a:ext uri="{FF2B5EF4-FFF2-40B4-BE49-F238E27FC236}">
+                <a16:creationId xmlns:a16="http://schemas.microsoft.com/office/drawing/2014/main" id="{7F7A9D3E-CA95-BE69-4EC3-82CDDB890127}"/>
+              </a:ext>
+            </a:extLst>
+          </p:cNvPr>
+          <p:cNvPicPr>
+            <a:picLocks noChangeAspect="1"/>
+          </p:cNvPicPr>
+          <p:nvPr/>
+        </p:nvPicPr>
+        <p:blipFill>
+          <a:blip r:embed="rId2"/>
+          <a:stretch>
+            <a:fillRect/>
+          </a:stretch>
+        </p:blipFill>
+        <p:spPr>
+          <a:xfrm>
+            <a:off x="1089932" y="3711228"/>
+            <a:ext cx="5657850" cy="1314450"/>
+          </a:xfrm>
+          <a:prstGeom prst="rect">
+            <a:avLst/>
+          </a:prstGeom>
+        </p:spPr>
+      </p:pic>
+    </p:spTree>
+    <p:extLst>
+      <p:ext uri="{BB962C8B-B14F-4D97-AF65-F5344CB8AC3E}">
+        <p14:creationId xmlns:p14="http://schemas.microsoft.com/office/powerpoint/2010/main" val="871534583"/>
+      </p:ext>
+    </p:extLst>
+  </p:cSld>
+  <p:clrMapOvr>
+    <a:masterClrMapping/>
+  </p:clrMapOvr>
+</p:sld>
+</file>
+
+<file path=ppt/slides/slide25.xml><?xml version="1.0" encoding="utf-8"?>
+<p:sld xmlns:a="http://schemas.openxmlformats.org/drawingml/2006/main" xmlns:r="http://schemas.openxmlformats.org/officeDocument/2006/relationships" xmlns:p="http://schemas.openxmlformats.org/presentationml/2006/main">
+  <p:cSld>
+    <p:spTree>
+      <p:nvGrpSpPr>
+        <p:cNvPr id="1" name=""/>
+        <p:cNvGrpSpPr/>
+        <p:nvPr/>
+      </p:nvGrpSpPr>
+      <p:grpSpPr>
+        <a:xfrm>
+          <a:off x="0" y="0"/>
+          <a:ext cx="0" cy="0"/>
+          <a:chOff x="0" y="0"/>
+          <a:chExt cx="0" cy="0"/>
+        </a:xfrm>
+      </p:grpSpPr>
+      <p:sp>
+        <p:nvSpPr>
+          <p:cNvPr id="2" name="Title 1"/>
+          <p:cNvSpPr>
+            <a:spLocks noGrp="1"/>
+          </p:cNvSpPr>
+          <p:nvPr>
+            <p:ph type="title"/>
+          </p:nvPr>
+        </p:nvSpPr>
+        <p:spPr/>
+        <p:txBody>
+          <a:bodyPr/>
+          <a:lstStyle/>
+          <a:p>
+            <a:r>
+              <a:rPr lang="en-US">
+                <a:latin typeface="Arial" panose="020B0604020202020204" pitchFamily="34" charset="0"/>
+                <a:cs typeface="Arial" panose="020B0604020202020204" pitchFamily="34" charset="0"/>
+              </a:rPr>
+              <a:t>One-to-one</a:t>
+            </a:r>
+          </a:p>
+        </p:txBody>
+      </p:sp>
+      <p:sp>
+        <p:nvSpPr>
+          <p:cNvPr id="3" name="Content Placeholder 2"/>
+          <p:cNvSpPr>
+            <a:spLocks noGrp="1"/>
+          </p:cNvSpPr>
+          <p:nvPr>
+            <p:ph idx="1"/>
+          </p:nvPr>
+        </p:nvSpPr>
+        <p:spPr/>
+        <p:txBody>
+          <a:bodyPr/>
+          <a:lstStyle/>
+          <a:p>
+            <a:r>
+              <a:rPr lang="en-US" err="1">
+                <a:latin typeface="Arial" panose="020B0604020202020204" pitchFamily="34" charset="0"/>
+                <a:cs typeface="Arial" panose="020B0604020202020204" pitchFamily="34" charset="0"/>
+              </a:rPr>
+              <a:t>Ví</a:t>
+            </a:r>
+            <a:r>
+              <a:rPr lang="en-US">
+                <a:latin typeface="Arial" panose="020B0604020202020204" pitchFamily="34" charset="0"/>
+                <a:cs typeface="Arial" panose="020B0604020202020204" pitchFamily="34" charset="0"/>
+              </a:rPr>
+              <a:t> </a:t>
+            </a:r>
+            <a:r>
+              <a:rPr lang="en-US" err="1">
+                <a:latin typeface="Arial" panose="020B0604020202020204" pitchFamily="34" charset="0"/>
+                <a:cs typeface="Arial" panose="020B0604020202020204" pitchFamily="34" charset="0"/>
+              </a:rPr>
+              <a:t>dụ</a:t>
+            </a:r>
+            <a:r>
+              <a:rPr lang="en-US">
+                <a:latin typeface="Arial" panose="020B0604020202020204" pitchFamily="34" charset="0"/>
+                <a:cs typeface="Arial" panose="020B0604020202020204" pitchFamily="34" charset="0"/>
+              </a:rPr>
+              <a:t> ta </a:t>
+            </a:r>
+            <a:r>
+              <a:rPr lang="en-US" err="1">
+                <a:latin typeface="Arial" panose="020B0604020202020204" pitchFamily="34" charset="0"/>
+                <a:cs typeface="Arial" panose="020B0604020202020204" pitchFamily="34" charset="0"/>
+              </a:rPr>
+              <a:t>có</a:t>
+            </a:r>
+            <a:r>
+              <a:rPr lang="en-US">
+                <a:latin typeface="Arial" panose="020B0604020202020204" pitchFamily="34" charset="0"/>
+                <a:cs typeface="Arial" panose="020B0604020202020204" pitchFamily="34" charset="0"/>
+              </a:rPr>
+              <a:t> table User </a:t>
+            </a:r>
+            <a:r>
+              <a:rPr lang="en-US" err="1">
+                <a:latin typeface="Arial" panose="020B0604020202020204" pitchFamily="34" charset="0"/>
+                <a:cs typeface="Arial" panose="020B0604020202020204" pitchFamily="34" charset="0"/>
+              </a:rPr>
+              <a:t>và</a:t>
+            </a:r>
+            <a:r>
+              <a:rPr lang="en-US">
+                <a:latin typeface="Arial" panose="020B0604020202020204" pitchFamily="34" charset="0"/>
+                <a:cs typeface="Arial" panose="020B0604020202020204" pitchFamily="34" charset="0"/>
+              </a:rPr>
+              <a:t> Profile, </a:t>
+            </a:r>
+            <a:r>
+              <a:rPr lang="en-US" err="1">
+                <a:latin typeface="Arial" panose="020B0604020202020204" pitchFamily="34" charset="0"/>
+                <a:cs typeface="Arial" panose="020B0604020202020204" pitchFamily="34" charset="0"/>
+              </a:rPr>
+              <a:t>mỗi</a:t>
+            </a:r>
+            <a:r>
+              <a:rPr lang="en-US">
+                <a:latin typeface="Arial" panose="020B0604020202020204" pitchFamily="34" charset="0"/>
+                <a:cs typeface="Arial" panose="020B0604020202020204" pitchFamily="34" charset="0"/>
+              </a:rPr>
+              <a:t> user </a:t>
+            </a:r>
+            <a:r>
+              <a:rPr lang="en-US" err="1">
+                <a:latin typeface="Arial" panose="020B0604020202020204" pitchFamily="34" charset="0"/>
+                <a:cs typeface="Arial" panose="020B0604020202020204" pitchFamily="34" charset="0"/>
+              </a:rPr>
+              <a:t>sẽ</a:t>
+            </a:r>
+            <a:r>
+              <a:rPr lang="en-US">
+                <a:latin typeface="Arial" panose="020B0604020202020204" pitchFamily="34" charset="0"/>
+                <a:cs typeface="Arial" panose="020B0604020202020204" pitchFamily="34" charset="0"/>
+              </a:rPr>
+              <a:t> </a:t>
+            </a:r>
+            <a:r>
+              <a:rPr lang="en-US" err="1">
+                <a:latin typeface="Arial" panose="020B0604020202020204" pitchFamily="34" charset="0"/>
+                <a:cs typeface="Arial" panose="020B0604020202020204" pitchFamily="34" charset="0"/>
+              </a:rPr>
+              <a:t>có</a:t>
+            </a:r>
+            <a:r>
+              <a:rPr lang="en-US">
+                <a:latin typeface="Arial" panose="020B0604020202020204" pitchFamily="34" charset="0"/>
+                <a:cs typeface="Arial" panose="020B0604020202020204" pitchFamily="34" charset="0"/>
+              </a:rPr>
+              <a:t> 1 profile</a:t>
+            </a:r>
+          </a:p>
+          <a:p>
+            <a:endParaRPr lang="en-US">
+              <a:latin typeface="Arial" panose="020B0604020202020204" pitchFamily="34" charset="0"/>
+              <a:cs typeface="Arial" panose="020B0604020202020204" pitchFamily="34" charset="0"/>
+            </a:endParaRPr>
+          </a:p>
+          <a:p>
+            <a:endParaRPr lang="en-US">
+              <a:latin typeface="Arial" panose="020B0604020202020204" pitchFamily="34" charset="0"/>
+              <a:cs typeface="Arial" panose="020B0604020202020204" pitchFamily="34" charset="0"/>
+            </a:endParaRPr>
+          </a:p>
+        </p:txBody>
+      </p:sp>
+      <p:pic>
+        <p:nvPicPr>
+          <p:cNvPr id="7" name="Picture 6">
+            <a:extLst>
+              <a:ext uri="{FF2B5EF4-FFF2-40B4-BE49-F238E27FC236}">
+                <a16:creationId xmlns:a16="http://schemas.microsoft.com/office/drawing/2014/main" id="{6D8BFE7B-76E2-B41A-1336-4148BBA93844}"/>
+              </a:ext>
+            </a:extLst>
+          </p:cNvPr>
+          <p:cNvPicPr>
+            <a:picLocks noChangeAspect="1"/>
+          </p:cNvPicPr>
+          <p:nvPr/>
+        </p:nvPicPr>
+        <p:blipFill>
+          <a:blip r:embed="rId2"/>
+          <a:stretch>
+            <a:fillRect/>
+          </a:stretch>
+        </p:blipFill>
+        <p:spPr>
+          <a:xfrm>
+            <a:off x="677334" y="2805988"/>
+            <a:ext cx="2066925" cy="1619250"/>
+          </a:xfrm>
+          <a:prstGeom prst="rect">
+            <a:avLst/>
+          </a:prstGeom>
+        </p:spPr>
+      </p:pic>
+      <p:pic>
+        <p:nvPicPr>
+          <p:cNvPr id="10" name="Picture 9">
+            <a:extLst>
+              <a:ext uri="{FF2B5EF4-FFF2-40B4-BE49-F238E27FC236}">
+                <a16:creationId xmlns:a16="http://schemas.microsoft.com/office/drawing/2014/main" id="{B5AE1419-C16D-FA89-AFBE-54B61EF10D1F}"/>
+              </a:ext>
+            </a:extLst>
+          </p:cNvPr>
+          <p:cNvPicPr>
+            <a:picLocks noChangeAspect="1"/>
+          </p:cNvPicPr>
+          <p:nvPr/>
+        </p:nvPicPr>
+        <p:blipFill>
+          <a:blip r:embed="rId3"/>
+          <a:stretch>
+            <a:fillRect/>
+          </a:stretch>
+        </p:blipFill>
+        <p:spPr>
+          <a:xfrm>
+            <a:off x="3126533" y="3139363"/>
+            <a:ext cx="2057400" cy="952500"/>
+          </a:xfrm>
+          <a:prstGeom prst="rect">
+            <a:avLst/>
+          </a:prstGeom>
+        </p:spPr>
+      </p:pic>
+      <p:pic>
+        <p:nvPicPr>
+          <p:cNvPr id="12" name="Picture 11">
+            <a:extLst>
+              <a:ext uri="{FF2B5EF4-FFF2-40B4-BE49-F238E27FC236}">
+                <a16:creationId xmlns:a16="http://schemas.microsoft.com/office/drawing/2014/main" id="{A5B0EDB5-9011-356E-EC5D-37B1E776C88F}"/>
+              </a:ext>
+            </a:extLst>
+          </p:cNvPr>
+          <p:cNvPicPr>
+            <a:picLocks noChangeAspect="1"/>
+          </p:cNvPicPr>
+          <p:nvPr/>
+        </p:nvPicPr>
+        <p:blipFill>
+          <a:blip r:embed="rId4"/>
+          <a:stretch>
+            <a:fillRect/>
+          </a:stretch>
+        </p:blipFill>
+        <p:spPr>
+          <a:xfrm>
+            <a:off x="5636089" y="2544050"/>
+            <a:ext cx="2552700" cy="2143125"/>
+          </a:xfrm>
+          <a:prstGeom prst="rect">
+            <a:avLst/>
+          </a:prstGeom>
+        </p:spPr>
+      </p:pic>
+    </p:spTree>
+    <p:extLst>
+      <p:ext uri="{BB962C8B-B14F-4D97-AF65-F5344CB8AC3E}">
+        <p14:creationId xmlns:p14="http://schemas.microsoft.com/office/powerpoint/2010/main" val="841646395"/>
+      </p:ext>
+    </p:extLst>
+  </p:cSld>
+  <p:clrMapOvr>
+    <a:masterClrMapping/>
+  </p:clrMapOvr>
+</p:sld>
+</file>
+
+<file path=ppt/slides/slide26.xml><?xml version="1.0" encoding="utf-8"?>
+<p:sld xmlns:a="http://schemas.openxmlformats.org/drawingml/2006/main" xmlns:r="http://schemas.openxmlformats.org/officeDocument/2006/relationships" xmlns:p="http://schemas.openxmlformats.org/presentationml/2006/main">
+  <p:cSld>
+    <p:spTree>
+      <p:nvGrpSpPr>
+        <p:cNvPr id="1" name=""/>
+        <p:cNvGrpSpPr/>
+        <p:nvPr/>
+      </p:nvGrpSpPr>
+      <p:grpSpPr>
+        <a:xfrm>
+          <a:off x="0" y="0"/>
+          <a:ext cx="0" cy="0"/>
+          <a:chOff x="0" y="0"/>
+          <a:chExt cx="0" cy="0"/>
+        </a:xfrm>
+      </p:grpSpPr>
+      <p:sp>
+        <p:nvSpPr>
+          <p:cNvPr id="2" name="Title 1"/>
+          <p:cNvSpPr>
+            <a:spLocks noGrp="1"/>
+          </p:cNvSpPr>
+          <p:nvPr>
+            <p:ph type="title"/>
+          </p:nvPr>
+        </p:nvSpPr>
+        <p:spPr/>
+        <p:txBody>
+          <a:bodyPr/>
+          <a:lstStyle/>
+          <a:p>
+            <a:r>
+              <a:rPr lang="en-US">
+                <a:latin typeface="Arial" panose="020B0604020202020204" pitchFamily="34" charset="0"/>
+                <a:cs typeface="Arial" panose="020B0604020202020204" pitchFamily="34" charset="0"/>
+              </a:rPr>
+              <a:t>One-to-many</a:t>
+            </a:r>
+          </a:p>
+        </p:txBody>
+      </p:sp>
+      <p:sp>
+        <p:nvSpPr>
+          <p:cNvPr id="3" name="Content Placeholder 2"/>
+          <p:cNvSpPr>
+            <a:spLocks noGrp="1"/>
+          </p:cNvSpPr>
+          <p:nvPr>
+            <p:ph idx="1"/>
+          </p:nvPr>
+        </p:nvSpPr>
+        <p:spPr/>
+        <p:txBody>
+          <a:bodyPr/>
+          <a:lstStyle/>
+          <a:p>
+            <a:r>
+              <a:rPr lang="en-US" err="1">
+                <a:latin typeface="Arial" panose="020B0604020202020204" pitchFamily="34" charset="0"/>
+                <a:cs typeface="Arial" panose="020B0604020202020204" pitchFamily="34" charset="0"/>
+              </a:rPr>
+              <a:t>Ví</a:t>
+            </a:r>
+            <a:r>
+              <a:rPr lang="en-US">
+                <a:latin typeface="Arial" panose="020B0604020202020204" pitchFamily="34" charset="0"/>
+                <a:cs typeface="Arial" panose="020B0604020202020204" pitchFamily="34" charset="0"/>
+              </a:rPr>
+              <a:t> </a:t>
+            </a:r>
+            <a:r>
+              <a:rPr lang="en-US" err="1">
+                <a:latin typeface="Arial" panose="020B0604020202020204" pitchFamily="34" charset="0"/>
+                <a:cs typeface="Arial" panose="020B0604020202020204" pitchFamily="34" charset="0"/>
+              </a:rPr>
+              <a:t>dụ</a:t>
+            </a:r>
+            <a:r>
+              <a:rPr lang="en-US">
+                <a:latin typeface="Arial" panose="020B0604020202020204" pitchFamily="34" charset="0"/>
+                <a:cs typeface="Arial" panose="020B0604020202020204" pitchFamily="34" charset="0"/>
+              </a:rPr>
+              <a:t> ta </a:t>
+            </a:r>
+            <a:r>
+              <a:rPr lang="en-US" err="1">
+                <a:latin typeface="Arial" panose="020B0604020202020204" pitchFamily="34" charset="0"/>
+                <a:cs typeface="Arial" panose="020B0604020202020204" pitchFamily="34" charset="0"/>
+              </a:rPr>
+              <a:t>có</a:t>
+            </a:r>
+            <a:r>
+              <a:rPr lang="en-US">
+                <a:latin typeface="Arial" panose="020B0604020202020204" pitchFamily="34" charset="0"/>
+                <a:cs typeface="Arial" panose="020B0604020202020204" pitchFamily="34" charset="0"/>
+              </a:rPr>
+              <a:t> table User </a:t>
+            </a:r>
+            <a:r>
+              <a:rPr lang="en-US" err="1">
+                <a:latin typeface="Arial" panose="020B0604020202020204" pitchFamily="34" charset="0"/>
+                <a:cs typeface="Arial" panose="020B0604020202020204" pitchFamily="34" charset="0"/>
+              </a:rPr>
+              <a:t>và</a:t>
+            </a:r>
+            <a:r>
+              <a:rPr lang="en-US">
+                <a:latin typeface="Arial" panose="020B0604020202020204" pitchFamily="34" charset="0"/>
+                <a:cs typeface="Arial" panose="020B0604020202020204" pitchFamily="34" charset="0"/>
+              </a:rPr>
+              <a:t> Permission, </a:t>
+            </a:r>
+            <a:r>
+              <a:rPr lang="en-US" err="1">
+                <a:latin typeface="Arial" panose="020B0604020202020204" pitchFamily="34" charset="0"/>
+                <a:cs typeface="Arial" panose="020B0604020202020204" pitchFamily="34" charset="0"/>
+              </a:rPr>
+              <a:t>mỗi</a:t>
+            </a:r>
+            <a:r>
+              <a:rPr lang="en-US">
+                <a:latin typeface="Arial" panose="020B0604020202020204" pitchFamily="34" charset="0"/>
+                <a:cs typeface="Arial" panose="020B0604020202020204" pitchFamily="34" charset="0"/>
+              </a:rPr>
+              <a:t> user </a:t>
+            </a:r>
+            <a:r>
+              <a:rPr lang="en-US" err="1">
+                <a:latin typeface="Arial" panose="020B0604020202020204" pitchFamily="34" charset="0"/>
+                <a:cs typeface="Arial" panose="020B0604020202020204" pitchFamily="34" charset="0"/>
+              </a:rPr>
+              <a:t>sẽ</a:t>
+            </a:r>
+            <a:r>
+              <a:rPr lang="en-US">
+                <a:latin typeface="Arial" panose="020B0604020202020204" pitchFamily="34" charset="0"/>
+                <a:cs typeface="Arial" panose="020B0604020202020204" pitchFamily="34" charset="0"/>
+              </a:rPr>
+              <a:t> </a:t>
+            </a:r>
+            <a:r>
+              <a:rPr lang="en-US" err="1">
+                <a:latin typeface="Arial" panose="020B0604020202020204" pitchFamily="34" charset="0"/>
+                <a:cs typeface="Arial" panose="020B0604020202020204" pitchFamily="34" charset="0"/>
+              </a:rPr>
+              <a:t>có</a:t>
+            </a:r>
+            <a:r>
+              <a:rPr lang="en-US">
+                <a:latin typeface="Arial" panose="020B0604020202020204" pitchFamily="34" charset="0"/>
+                <a:cs typeface="Arial" panose="020B0604020202020204" pitchFamily="34" charset="0"/>
+              </a:rPr>
+              <a:t> </a:t>
+            </a:r>
+            <a:r>
+              <a:rPr lang="en-US" err="1">
+                <a:latin typeface="Arial" panose="020B0604020202020204" pitchFamily="34" charset="0"/>
+                <a:cs typeface="Arial" panose="020B0604020202020204" pitchFamily="34" charset="0"/>
+              </a:rPr>
+              <a:t>lúc</a:t>
+            </a:r>
+            <a:r>
+              <a:rPr lang="en-US">
+                <a:latin typeface="Arial" panose="020B0604020202020204" pitchFamily="34" charset="0"/>
+                <a:cs typeface="Arial" panose="020B0604020202020204" pitchFamily="34" charset="0"/>
+              </a:rPr>
+              <a:t> </a:t>
+            </a:r>
+            <a:r>
+              <a:rPr lang="en-US" err="1">
+                <a:latin typeface="Arial" panose="020B0604020202020204" pitchFamily="34" charset="0"/>
+                <a:cs typeface="Arial" panose="020B0604020202020204" pitchFamily="34" charset="0"/>
+              </a:rPr>
+              <a:t>có</a:t>
+            </a:r>
+            <a:r>
+              <a:rPr lang="en-US">
+                <a:latin typeface="Arial" panose="020B0604020202020204" pitchFamily="34" charset="0"/>
+                <a:cs typeface="Arial" panose="020B0604020202020204" pitchFamily="34" charset="0"/>
+              </a:rPr>
+              <a:t> </a:t>
+            </a:r>
+            <a:r>
+              <a:rPr lang="en-US" err="1">
+                <a:latin typeface="Arial" panose="020B0604020202020204" pitchFamily="34" charset="0"/>
+                <a:cs typeface="Arial" panose="020B0604020202020204" pitchFamily="34" charset="0"/>
+              </a:rPr>
+              <a:t>nhiều</a:t>
+            </a:r>
+            <a:r>
+              <a:rPr lang="en-US">
+                <a:latin typeface="Arial" panose="020B0604020202020204" pitchFamily="34" charset="0"/>
+                <a:cs typeface="Arial" panose="020B0604020202020204" pitchFamily="34" charset="0"/>
+              </a:rPr>
+              <a:t> permission</a:t>
+            </a:r>
+          </a:p>
+          <a:p>
+            <a:endParaRPr lang="en-US">
+              <a:latin typeface="Arial" panose="020B0604020202020204" pitchFamily="34" charset="0"/>
+              <a:cs typeface="Arial" panose="020B0604020202020204" pitchFamily="34" charset="0"/>
+            </a:endParaRPr>
+          </a:p>
+          <a:p>
+            <a:r>
+              <a:rPr lang="en-US">
+                <a:latin typeface="Arial" panose="020B0604020202020204" pitchFamily="34" charset="0"/>
+                <a:cs typeface="Arial" panose="020B0604020202020204" pitchFamily="34" charset="0"/>
+              </a:rPr>
+              <a:t>Và để tham chiếu được với table Permission từ table User ta cần bổ sung column user</a:t>
+            </a:r>
+          </a:p>
+          <a:p>
+            <a:endParaRPr lang="en-US">
+              <a:latin typeface="Arial" panose="020B0604020202020204" pitchFamily="34" charset="0"/>
+              <a:cs typeface="Arial" panose="020B0604020202020204" pitchFamily="34" charset="0"/>
+            </a:endParaRPr>
+          </a:p>
+        </p:txBody>
+      </p:sp>
+      <p:pic>
+        <p:nvPicPr>
+          <p:cNvPr id="5" name="Picture 4">
+            <a:extLst>
+              <a:ext uri="{FF2B5EF4-FFF2-40B4-BE49-F238E27FC236}">
+                <a16:creationId xmlns:a16="http://schemas.microsoft.com/office/drawing/2014/main" id="{77B0FB1C-7D06-C9E9-4F87-508FF96B9165}"/>
+              </a:ext>
+            </a:extLst>
+          </p:cNvPr>
+          <p:cNvPicPr>
+            <a:picLocks noChangeAspect="1"/>
+          </p:cNvPicPr>
+          <p:nvPr/>
+        </p:nvPicPr>
+        <p:blipFill>
+          <a:blip r:embed="rId2"/>
+          <a:stretch>
+            <a:fillRect/>
+          </a:stretch>
+        </p:blipFill>
+        <p:spPr>
+          <a:xfrm>
+            <a:off x="677334" y="3639327"/>
+            <a:ext cx="5619750" cy="1333500"/>
+          </a:xfrm>
+          <a:prstGeom prst="rect">
+            <a:avLst/>
+          </a:prstGeom>
+        </p:spPr>
+      </p:pic>
+    </p:spTree>
+    <p:extLst>
+      <p:ext uri="{BB962C8B-B14F-4D97-AF65-F5344CB8AC3E}">
+        <p14:creationId xmlns:p14="http://schemas.microsoft.com/office/powerpoint/2010/main" val="210360248"/>
+      </p:ext>
+    </p:extLst>
+  </p:cSld>
+  <p:clrMapOvr>
+    <a:masterClrMapping/>
+  </p:clrMapOvr>
+</p:sld>
+</file>
+
+<file path=ppt/slides/slide27.xml><?xml version="1.0" encoding="utf-8"?>
+<p:sld xmlns:a="http://schemas.openxmlformats.org/drawingml/2006/main" xmlns:r="http://schemas.openxmlformats.org/officeDocument/2006/relationships" xmlns:p="http://schemas.openxmlformats.org/presentationml/2006/main">
+  <p:cSld>
+    <p:spTree>
+      <p:nvGrpSpPr>
+        <p:cNvPr id="1" name=""/>
+        <p:cNvGrpSpPr/>
+        <p:nvPr/>
+      </p:nvGrpSpPr>
+      <p:grpSpPr>
+        <a:xfrm>
+          <a:off x="0" y="0"/>
+          <a:ext cx="0" cy="0"/>
+          <a:chOff x="0" y="0"/>
+          <a:chExt cx="0" cy="0"/>
+        </a:xfrm>
+      </p:grpSpPr>
+      <p:sp>
+        <p:nvSpPr>
+          <p:cNvPr id="2" name="Title 1"/>
+          <p:cNvSpPr>
+            <a:spLocks noGrp="1"/>
+          </p:cNvSpPr>
+          <p:nvPr>
+            <p:ph type="title"/>
+          </p:nvPr>
+        </p:nvSpPr>
+        <p:spPr/>
+        <p:txBody>
+          <a:bodyPr/>
+          <a:lstStyle/>
+          <a:p>
+            <a:r>
+              <a:rPr lang="en-US">
+                <a:latin typeface="Arial" panose="020B0604020202020204" pitchFamily="34" charset="0"/>
+                <a:cs typeface="Arial" panose="020B0604020202020204" pitchFamily="34" charset="0"/>
+              </a:rPr>
+              <a:t>One-to-many</a:t>
+            </a:r>
+          </a:p>
+        </p:txBody>
+      </p:sp>
+      <p:sp>
+        <p:nvSpPr>
+          <p:cNvPr id="3" name="Content Placeholder 2"/>
+          <p:cNvSpPr>
+            <a:spLocks noGrp="1"/>
+          </p:cNvSpPr>
+          <p:nvPr>
+            <p:ph idx="1"/>
+          </p:nvPr>
+        </p:nvSpPr>
+        <p:spPr/>
+        <p:txBody>
+          <a:bodyPr/>
+          <a:lstStyle/>
+          <a:p>
+            <a:r>
+              <a:rPr lang="en-US" err="1">
+                <a:latin typeface="Arial" panose="020B0604020202020204" pitchFamily="34" charset="0"/>
+                <a:cs typeface="Arial" panose="020B0604020202020204" pitchFamily="34" charset="0"/>
+              </a:rPr>
+              <a:t>Ví</a:t>
+            </a:r>
+            <a:r>
+              <a:rPr lang="en-US">
+                <a:latin typeface="Arial" panose="020B0604020202020204" pitchFamily="34" charset="0"/>
+                <a:cs typeface="Arial" panose="020B0604020202020204" pitchFamily="34" charset="0"/>
+              </a:rPr>
+              <a:t> </a:t>
+            </a:r>
+            <a:r>
+              <a:rPr lang="en-US" err="1">
+                <a:latin typeface="Arial" panose="020B0604020202020204" pitchFamily="34" charset="0"/>
+                <a:cs typeface="Arial" panose="020B0604020202020204" pitchFamily="34" charset="0"/>
+              </a:rPr>
+              <a:t>dụ</a:t>
+            </a:r>
+            <a:r>
+              <a:rPr lang="en-US">
+                <a:latin typeface="Arial" panose="020B0604020202020204" pitchFamily="34" charset="0"/>
+                <a:cs typeface="Arial" panose="020B0604020202020204" pitchFamily="34" charset="0"/>
+              </a:rPr>
+              <a:t> ta </a:t>
+            </a:r>
+            <a:r>
+              <a:rPr lang="en-US" err="1">
+                <a:latin typeface="Arial" panose="020B0604020202020204" pitchFamily="34" charset="0"/>
+                <a:cs typeface="Arial" panose="020B0604020202020204" pitchFamily="34" charset="0"/>
+              </a:rPr>
+              <a:t>có</a:t>
+            </a:r>
+            <a:r>
+              <a:rPr lang="en-US">
+                <a:latin typeface="Arial" panose="020B0604020202020204" pitchFamily="34" charset="0"/>
+                <a:cs typeface="Arial" panose="020B0604020202020204" pitchFamily="34" charset="0"/>
+              </a:rPr>
+              <a:t> table User </a:t>
+            </a:r>
+            <a:r>
+              <a:rPr lang="en-US" err="1">
+                <a:latin typeface="Arial" panose="020B0604020202020204" pitchFamily="34" charset="0"/>
+                <a:cs typeface="Arial" panose="020B0604020202020204" pitchFamily="34" charset="0"/>
+              </a:rPr>
+              <a:t>và</a:t>
+            </a:r>
+            <a:r>
+              <a:rPr lang="en-US">
+                <a:latin typeface="Arial" panose="020B0604020202020204" pitchFamily="34" charset="0"/>
+                <a:cs typeface="Arial" panose="020B0604020202020204" pitchFamily="34" charset="0"/>
+              </a:rPr>
+              <a:t> Profile, </a:t>
+            </a:r>
+            <a:r>
+              <a:rPr lang="en-US" err="1">
+                <a:latin typeface="Arial" panose="020B0604020202020204" pitchFamily="34" charset="0"/>
+                <a:cs typeface="Arial" panose="020B0604020202020204" pitchFamily="34" charset="0"/>
+              </a:rPr>
+              <a:t>mỗi</a:t>
+            </a:r>
+            <a:r>
+              <a:rPr lang="en-US">
+                <a:latin typeface="Arial" panose="020B0604020202020204" pitchFamily="34" charset="0"/>
+                <a:cs typeface="Arial" panose="020B0604020202020204" pitchFamily="34" charset="0"/>
+              </a:rPr>
+              <a:t> user </a:t>
+            </a:r>
+            <a:r>
+              <a:rPr lang="en-US" err="1">
+                <a:latin typeface="Arial" panose="020B0604020202020204" pitchFamily="34" charset="0"/>
+                <a:cs typeface="Arial" panose="020B0604020202020204" pitchFamily="34" charset="0"/>
+              </a:rPr>
+              <a:t>sẽ</a:t>
+            </a:r>
+            <a:r>
+              <a:rPr lang="en-US">
+                <a:latin typeface="Arial" panose="020B0604020202020204" pitchFamily="34" charset="0"/>
+                <a:cs typeface="Arial" panose="020B0604020202020204" pitchFamily="34" charset="0"/>
+              </a:rPr>
+              <a:t> </a:t>
+            </a:r>
+            <a:r>
+              <a:rPr lang="en-US" err="1">
+                <a:latin typeface="Arial" panose="020B0604020202020204" pitchFamily="34" charset="0"/>
+                <a:cs typeface="Arial" panose="020B0604020202020204" pitchFamily="34" charset="0"/>
+              </a:rPr>
+              <a:t>có</a:t>
+            </a:r>
+            <a:r>
+              <a:rPr lang="en-US">
+                <a:latin typeface="Arial" panose="020B0604020202020204" pitchFamily="34" charset="0"/>
+                <a:cs typeface="Arial" panose="020B0604020202020204" pitchFamily="34" charset="0"/>
+              </a:rPr>
+              <a:t> 1 profile</a:t>
+            </a:r>
+          </a:p>
+          <a:p>
+            <a:endParaRPr lang="en-US">
+              <a:latin typeface="Arial" panose="020B0604020202020204" pitchFamily="34" charset="0"/>
+              <a:cs typeface="Arial" panose="020B0604020202020204" pitchFamily="34" charset="0"/>
+            </a:endParaRPr>
+          </a:p>
+          <a:p>
+            <a:endParaRPr lang="en-US">
+              <a:latin typeface="Arial" panose="020B0604020202020204" pitchFamily="34" charset="0"/>
+              <a:cs typeface="Arial" panose="020B0604020202020204" pitchFamily="34" charset="0"/>
+            </a:endParaRPr>
+          </a:p>
+        </p:txBody>
+      </p:sp>
+      <p:pic>
+        <p:nvPicPr>
+          <p:cNvPr id="5" name="Picture 4">
+            <a:extLst>
+              <a:ext uri="{FF2B5EF4-FFF2-40B4-BE49-F238E27FC236}">
+                <a16:creationId xmlns:a16="http://schemas.microsoft.com/office/drawing/2014/main" id="{69B726AC-2F38-7C9D-F8E7-741B4E7757B8}"/>
+              </a:ext>
+            </a:extLst>
+          </p:cNvPr>
+          <p:cNvPicPr>
+            <a:picLocks noChangeAspect="1"/>
+          </p:cNvPicPr>
+          <p:nvPr/>
+        </p:nvPicPr>
+        <p:blipFill>
+          <a:blip r:embed="rId2"/>
+          <a:stretch>
+            <a:fillRect/>
+          </a:stretch>
+        </p:blipFill>
+        <p:spPr>
+          <a:xfrm>
+            <a:off x="628262" y="2805500"/>
+            <a:ext cx="3048000" cy="1819275"/>
+          </a:xfrm>
+          <a:prstGeom prst="rect">
+            <a:avLst/>
+          </a:prstGeom>
+        </p:spPr>
+      </p:pic>
+      <p:pic>
+        <p:nvPicPr>
+          <p:cNvPr id="8" name="Picture 7">
+            <a:extLst>
+              <a:ext uri="{FF2B5EF4-FFF2-40B4-BE49-F238E27FC236}">
+                <a16:creationId xmlns:a16="http://schemas.microsoft.com/office/drawing/2014/main" id="{B58E3FB6-6211-C20D-7D41-AB9CF72DAAA8}"/>
+              </a:ext>
+            </a:extLst>
+          </p:cNvPr>
+          <p:cNvPicPr>
+            <a:picLocks noChangeAspect="1"/>
+          </p:cNvPicPr>
+          <p:nvPr/>
+        </p:nvPicPr>
+        <p:blipFill>
+          <a:blip r:embed="rId3"/>
+          <a:stretch>
+            <a:fillRect/>
+          </a:stretch>
+        </p:blipFill>
+        <p:spPr>
+          <a:xfrm>
+            <a:off x="3855195" y="3134112"/>
+            <a:ext cx="1819275" cy="1162050"/>
+          </a:xfrm>
+          <a:prstGeom prst="rect">
+            <a:avLst/>
+          </a:prstGeom>
+        </p:spPr>
+      </p:pic>
+      <p:pic>
+        <p:nvPicPr>
+          <p:cNvPr id="11" name="Picture 10">
+            <a:extLst>
+              <a:ext uri="{FF2B5EF4-FFF2-40B4-BE49-F238E27FC236}">
+                <a16:creationId xmlns:a16="http://schemas.microsoft.com/office/drawing/2014/main" id="{239FD2A6-F82F-C1D9-FEA7-56A7380C9E7B}"/>
+              </a:ext>
+            </a:extLst>
+          </p:cNvPr>
+          <p:cNvPicPr>
+            <a:picLocks noChangeAspect="1"/>
+          </p:cNvPicPr>
+          <p:nvPr/>
+        </p:nvPicPr>
+        <p:blipFill>
+          <a:blip r:embed="rId4"/>
+          <a:stretch>
+            <a:fillRect/>
+          </a:stretch>
+        </p:blipFill>
+        <p:spPr>
+          <a:xfrm>
+            <a:off x="7136947" y="1562780"/>
+            <a:ext cx="2533650" cy="4429125"/>
+          </a:xfrm>
+          <a:prstGeom prst="rect">
+            <a:avLst/>
+          </a:prstGeom>
+        </p:spPr>
+      </p:pic>
+    </p:spTree>
+    <p:extLst>
+      <p:ext uri="{BB962C8B-B14F-4D97-AF65-F5344CB8AC3E}">
+        <p14:creationId xmlns:p14="http://schemas.microsoft.com/office/powerpoint/2010/main" val="1422622052"/>
+      </p:ext>
+    </p:extLst>
+  </p:cSld>
+  <p:clrMapOvr>
+    <a:masterClrMapping/>
+  </p:clrMapOvr>
+</p:sld>
+</file>
+
+<file path=ppt/slides/slide28.xml><?xml version="1.0" encoding="utf-8"?>
+<p:sld xmlns:a="http://schemas.openxmlformats.org/drawingml/2006/main" xmlns:r="http://schemas.openxmlformats.org/officeDocument/2006/relationships" xmlns:p="http://schemas.openxmlformats.org/presentationml/2006/main">
+  <p:cSld>
+    <p:spTree>
+      <p:nvGrpSpPr>
+        <p:cNvPr id="1" name=""/>
+        <p:cNvGrpSpPr/>
+        <p:nvPr/>
+      </p:nvGrpSpPr>
+      <p:grpSpPr>
+        <a:xfrm>
+          <a:off x="0" y="0"/>
+          <a:ext cx="0" cy="0"/>
+          <a:chOff x="0" y="0"/>
+          <a:chExt cx="0" cy="0"/>
+        </a:xfrm>
+      </p:grpSpPr>
+      <p:sp>
+        <p:nvSpPr>
+          <p:cNvPr id="2" name="Title 1"/>
+          <p:cNvSpPr>
+            <a:spLocks noGrp="1"/>
+          </p:cNvSpPr>
+          <p:nvPr>
+            <p:ph type="title"/>
+          </p:nvPr>
+        </p:nvSpPr>
+        <p:spPr/>
+        <p:txBody>
+          <a:bodyPr/>
+          <a:lstStyle/>
+          <a:p>
+            <a:r>
+              <a:rPr lang="en-US">
+                <a:latin typeface="Arial" panose="020B0604020202020204" pitchFamily="34" charset="0"/>
+                <a:cs typeface="Arial" panose="020B0604020202020204" pitchFamily="34" charset="0"/>
+              </a:rPr>
+              <a:t>One-to-many</a:t>
+            </a:r>
+          </a:p>
+        </p:txBody>
+      </p:sp>
+      <p:sp>
+        <p:nvSpPr>
+          <p:cNvPr id="3" name="Content Placeholder 2"/>
+          <p:cNvSpPr>
+            <a:spLocks noGrp="1"/>
+          </p:cNvSpPr>
+          <p:nvPr>
+            <p:ph idx="1"/>
+          </p:nvPr>
+        </p:nvSpPr>
+        <p:spPr/>
+        <p:txBody>
+          <a:bodyPr/>
+          <a:lstStyle/>
+          <a:p>
+            <a:r>
+              <a:rPr lang="en-US" err="1">
+                <a:latin typeface="Arial" panose="020B0604020202020204" pitchFamily="34" charset="0"/>
+                <a:cs typeface="Arial" panose="020B0604020202020204" pitchFamily="34" charset="0"/>
+              </a:rPr>
+              <a:t>Chú</a:t>
+            </a:r>
+            <a:r>
+              <a:rPr lang="en-US">
+                <a:latin typeface="Arial" panose="020B0604020202020204" pitchFamily="34" charset="0"/>
+                <a:cs typeface="Arial" panose="020B0604020202020204" pitchFamily="34" charset="0"/>
+              </a:rPr>
+              <a:t> ý: Ngoài ra khi chúng dùng List thay vì Set thì ngoài column user ta cần thêm column user_key vào nữa nhé</a:t>
+            </a:r>
+          </a:p>
+          <a:p>
+            <a:endParaRPr lang="en-US">
+              <a:latin typeface="Arial" panose="020B0604020202020204" pitchFamily="34" charset="0"/>
+              <a:cs typeface="Arial" panose="020B0604020202020204" pitchFamily="34" charset="0"/>
+            </a:endParaRPr>
+          </a:p>
+        </p:txBody>
+      </p:sp>
+    </p:spTree>
+    <p:extLst>
+      <p:ext uri="{BB962C8B-B14F-4D97-AF65-F5344CB8AC3E}">
+        <p14:creationId xmlns:p14="http://schemas.microsoft.com/office/powerpoint/2010/main" val="388685292"/>
+      </p:ext>
+    </p:extLst>
+  </p:cSld>
+  <p:clrMapOvr>
+    <a:masterClrMapping/>
+  </p:clrMapOvr>
+</p:sld>
+</file>
+
+<file path=ppt/slides/slide29.xml><?xml version="1.0" encoding="utf-8"?>
+<p:sld xmlns:a="http://schemas.openxmlformats.org/drawingml/2006/main" xmlns:r="http://schemas.openxmlformats.org/officeDocument/2006/relationships" xmlns:p="http://schemas.openxmlformats.org/presentationml/2006/main">
+  <p:cSld>
+    <p:spTree>
+      <p:nvGrpSpPr>
+        <p:cNvPr id="1" name=""/>
+        <p:cNvGrpSpPr/>
+        <p:nvPr/>
+      </p:nvGrpSpPr>
+      <p:grpSpPr>
+        <a:xfrm>
+          <a:off x="0" y="0"/>
+          <a:ext cx="0" cy="0"/>
+          <a:chOff x="0" y="0"/>
+          <a:chExt cx="0" cy="0"/>
+        </a:xfrm>
+      </p:grpSpPr>
+      <p:sp>
+        <p:nvSpPr>
+          <p:cNvPr id="2" name="Title 1"/>
+          <p:cNvSpPr>
+            <a:spLocks noGrp="1"/>
+          </p:cNvSpPr>
+          <p:nvPr>
+            <p:ph type="title"/>
+          </p:nvPr>
+        </p:nvSpPr>
+        <p:spPr/>
+        <p:txBody>
+          <a:bodyPr/>
+          <a:lstStyle/>
+          <a:p>
+            <a:r>
+              <a:rPr lang="en-US">
+                <a:latin typeface="Arial" panose="020B0604020202020204" pitchFamily="34" charset="0"/>
+                <a:cs typeface="Arial" panose="020B0604020202020204" pitchFamily="34" charset="0"/>
+              </a:rPr>
+              <a:t>Many-to-many</a:t>
+            </a:r>
+          </a:p>
+        </p:txBody>
+      </p:sp>
+      <p:sp>
+        <p:nvSpPr>
+          <p:cNvPr id="3" name="Content Placeholder 2"/>
+          <p:cNvSpPr>
+            <a:spLocks noGrp="1"/>
+          </p:cNvSpPr>
+          <p:nvPr>
+            <p:ph idx="1"/>
+          </p:nvPr>
+        </p:nvSpPr>
+        <p:spPr/>
+        <p:txBody>
+          <a:bodyPr/>
+          <a:lstStyle/>
+          <a:p>
+            <a:r>
+              <a:rPr lang="en-US">
+                <a:latin typeface="Arial" panose="020B0604020202020204" pitchFamily="34" charset="0"/>
+                <a:cs typeface="Arial" panose="020B0604020202020204" pitchFamily="34" charset="0"/>
+              </a:rPr>
+              <a:t>Ví dụ ta có table User và Test, mỗi user sẽ có lúc có nhiều bài test và một bài test có thể có nhiều user cùng làm</a:t>
+            </a:r>
+          </a:p>
+          <a:p>
+            <a:endParaRPr lang="en-US">
+              <a:latin typeface="Arial" panose="020B0604020202020204" pitchFamily="34" charset="0"/>
+              <a:cs typeface="Arial" panose="020B0604020202020204" pitchFamily="34" charset="0"/>
+            </a:endParaRPr>
+          </a:p>
+        </p:txBody>
+      </p:sp>
+      <p:pic>
+        <p:nvPicPr>
+          <p:cNvPr id="5" name="Picture 4">
+            <a:extLst>
+              <a:ext uri="{FF2B5EF4-FFF2-40B4-BE49-F238E27FC236}">
+                <a16:creationId xmlns:a16="http://schemas.microsoft.com/office/drawing/2014/main" id="{8B3BD5E5-DEAB-DFF2-5DED-F5283379BB48}"/>
+              </a:ext>
+            </a:extLst>
+          </p:cNvPr>
+          <p:cNvPicPr>
+            <a:picLocks noChangeAspect="1"/>
+          </p:cNvPicPr>
+          <p:nvPr/>
+        </p:nvPicPr>
+        <p:blipFill>
+          <a:blip r:embed="rId2"/>
+          <a:stretch>
+            <a:fillRect/>
+          </a:stretch>
+        </p:blipFill>
+        <p:spPr>
+          <a:xfrm>
+            <a:off x="677334" y="2860318"/>
+            <a:ext cx="7972425" cy="1323975"/>
+          </a:xfrm>
+          <a:prstGeom prst="rect">
+            <a:avLst/>
+          </a:prstGeom>
+        </p:spPr>
+      </p:pic>
+    </p:spTree>
+    <p:extLst>
+      <p:ext uri="{BB962C8B-B14F-4D97-AF65-F5344CB8AC3E}">
+        <p14:creationId xmlns:p14="http://schemas.microsoft.com/office/powerpoint/2010/main" val="1156050426"/>
       </p:ext>
     </p:extLst>
   </p:cSld>
@@ -12252,16 +13306,12 @@
           <a:lstStyle/>
           <a:p>
             <a:r>
-              <a:rPr lang="en-US" dirty="0" smtClean="0">
+              <a:rPr lang="en-US">
                 <a:latin typeface="Arial" panose="020B0604020202020204" pitchFamily="34" charset="0"/>
                 <a:cs typeface="Arial" panose="020B0604020202020204" pitchFamily="34" charset="0"/>
               </a:rPr>
               <a:t>Introduction</a:t>
             </a:r>
-            <a:endParaRPr lang="en-US" dirty="0">
-              <a:latin typeface="Arial" panose="020B0604020202020204" pitchFamily="34" charset="0"/>
-              <a:cs typeface="Arial" panose="020B0604020202020204" pitchFamily="34" charset="0"/>
-            </a:endParaRPr>
           </a:p>
         </p:txBody>
       </p:sp>
@@ -12281,7 +13331,7 @@
           <a:lstStyle/>
           <a:p>
             <a:r>
-              <a:rPr lang="vi-VN" dirty="0">
+              <a:rPr lang="vi-VN">
                 <a:solidFill>
                   <a:srgbClr val="FFC000"/>
                 </a:solidFill>
@@ -12290,19 +13340,13 @@
               <a:t>Đơn giản và nhẹ:</a:t>
             </a:r>
             <a:r>
-              <a:rPr lang="vi-VN" dirty="0">
-                <a:cs typeface="Arial" panose="020B0604020202020204" pitchFamily="34" charset="0"/>
-              </a:rPr>
-              <a:t> Spring Data JDBC không phức tạp như JPA, nó cung cấp một cách tiếp cận đơn giản và trực tiếp để làm việc với cơ sở dữ </a:t>
-            </a:r>
-            <a:r>
-              <a:rPr lang="vi-VN" dirty="0" smtClean="0">
-                <a:cs typeface="Arial" panose="020B0604020202020204" pitchFamily="34" charset="0"/>
-              </a:rPr>
-              <a:t>liệu</a:t>
-            </a:r>
-            <a:r>
-              <a:rPr lang="en-US" dirty="0" smtClean="0">
+              <a:rPr lang="vi-VN">
+                <a:cs typeface="Arial" panose="020B0604020202020204" pitchFamily="34" charset="0"/>
+              </a:rPr>
+              <a:t> Spring Data JDBC không phức tạp như JPA, nó cung cấp một cách tiếp cận đơn giản và trực tiếp để làm việc với cơ sở dữ liệu</a:t>
+            </a:r>
+            <a:r>
+              <a:rPr lang="en-US">
                 <a:cs typeface="Arial" panose="020B0604020202020204" pitchFamily="34" charset="0"/>
               </a:rPr>
               <a:t>.</a:t>
@@ -12310,7 +13354,7 @@
           </a:p>
           <a:p>
             <a:r>
-              <a:rPr lang="vi-VN" dirty="0">
+              <a:rPr lang="vi-VN">
                 <a:solidFill>
                   <a:srgbClr val="FFC000"/>
                 </a:solidFill>
@@ -12319,24 +13363,18 @@
               <a:t>Tự động hóa các tác vụ CRUD:</a:t>
             </a:r>
             <a:r>
-              <a:rPr lang="vi-VN" dirty="0">
-                <a:cs typeface="Arial" panose="020B0604020202020204" pitchFamily="34" charset="0"/>
-              </a:rPr>
-              <a:t> Spring Data JDBC giúp tự động hóa các tác vụ CRUD (Create, Read, Update, Delete) thông qua các repository interface. Điều này giúp giảm bớt lượng mã nguồn cần viết để thực hiện các tác vụ cơ bản này</a:t>
-            </a:r>
-            <a:r>
-              <a:rPr lang="vi-VN" dirty="0" smtClean="0">
-                <a:cs typeface="Arial" panose="020B0604020202020204" pitchFamily="34" charset="0"/>
-              </a:rPr>
-              <a:t>.</a:t>
-            </a:r>
-            <a:endParaRPr lang="en-US" dirty="0" smtClean="0">
+              <a:rPr lang="vi-VN">
+                <a:cs typeface="Arial" panose="020B0604020202020204" pitchFamily="34" charset="0"/>
+              </a:rPr>
+              <a:t> Spring Data JDBC giúp tự động hóa các tác vụ CRUD (Create, Read, Update, Delete) thông qua các repository interface. Điều này giúp giảm bớt lượng mã nguồn cần viết để thực hiện các tác vụ cơ bản này.</a:t>
+            </a:r>
+            <a:endParaRPr lang="en-US">
               <a:cs typeface="Arial" panose="020B0604020202020204" pitchFamily="34" charset="0"/>
             </a:endParaRPr>
           </a:p>
           <a:p>
             <a:r>
-              <a:rPr lang="vi-VN" dirty="0">
+              <a:rPr lang="vi-VN">
                 <a:solidFill>
                   <a:srgbClr val="FFC000"/>
                 </a:solidFill>
@@ -12345,18 +13383,12 @@
               <a:t>Mapping đơn giản: </a:t>
             </a:r>
             <a:r>
-              <a:rPr lang="vi-VN" dirty="0">
-                <a:cs typeface="Arial" panose="020B0604020202020204" pitchFamily="34" charset="0"/>
-              </a:rPr>
-              <a:t>Các entity trong Spring Data JDBC được ánh xạ trực tiếp đến các bảng trong cơ sở dữ </a:t>
-            </a:r>
-            <a:r>
-              <a:rPr lang="vi-VN" dirty="0" smtClean="0">
-                <a:cs typeface="Arial" panose="020B0604020202020204" pitchFamily="34" charset="0"/>
-              </a:rPr>
-              <a:t>liệu.</a:t>
-            </a:r>
-            <a:endParaRPr lang="en-US" dirty="0">
+              <a:rPr lang="vi-VN">
+                <a:cs typeface="Arial" panose="020B0604020202020204" pitchFamily="34" charset="0"/>
+              </a:rPr>
+              <a:t>Các entity trong Spring Data JDBC được ánh xạ trực tiếp đến các bảng trong cơ sở dữ liệu.</a:t>
+            </a:r>
+            <a:endParaRPr lang="en-US">
               <a:latin typeface="Arial" panose="020B0604020202020204" pitchFamily="34" charset="0"/>
               <a:cs typeface="Arial" panose="020B0604020202020204" pitchFamily="34" charset="0"/>
             </a:endParaRPr>
@@ -12367,6 +13399,212 @@
     <p:extLst>
       <p:ext uri="{BB962C8B-B14F-4D97-AF65-F5344CB8AC3E}">
         <p14:creationId xmlns:p14="http://schemas.microsoft.com/office/powerpoint/2010/main" val="2563605378"/>
+      </p:ext>
+    </p:extLst>
+  </p:cSld>
+  <p:clrMapOvr>
+    <a:masterClrMapping/>
+  </p:clrMapOvr>
+</p:sld>
+</file>
+
+<file path=ppt/slides/slide30.xml><?xml version="1.0" encoding="utf-8"?>
+<p:sld xmlns:a="http://schemas.openxmlformats.org/drawingml/2006/main" xmlns:r="http://schemas.openxmlformats.org/officeDocument/2006/relationships" xmlns:p="http://schemas.openxmlformats.org/presentationml/2006/main">
+  <p:cSld>
+    <p:spTree>
+      <p:nvGrpSpPr>
+        <p:cNvPr id="1" name=""/>
+        <p:cNvGrpSpPr/>
+        <p:nvPr/>
+      </p:nvGrpSpPr>
+      <p:grpSpPr>
+        <a:xfrm>
+          <a:off x="0" y="0"/>
+          <a:ext cx="0" cy="0"/>
+          <a:chOff x="0" y="0"/>
+          <a:chExt cx="0" cy="0"/>
+        </a:xfrm>
+      </p:grpSpPr>
+      <p:sp>
+        <p:nvSpPr>
+          <p:cNvPr id="2" name="Title 1"/>
+          <p:cNvSpPr>
+            <a:spLocks noGrp="1"/>
+          </p:cNvSpPr>
+          <p:nvPr>
+            <p:ph type="title"/>
+          </p:nvPr>
+        </p:nvSpPr>
+        <p:spPr/>
+        <p:txBody>
+          <a:bodyPr/>
+          <a:lstStyle/>
+          <a:p>
+            <a:r>
+              <a:rPr lang="en-US">
+                <a:latin typeface="Arial" panose="020B0604020202020204" pitchFamily="34" charset="0"/>
+                <a:cs typeface="Arial" panose="020B0604020202020204" pitchFamily="34" charset="0"/>
+              </a:rPr>
+              <a:t>Many-to-many</a:t>
+            </a:r>
+          </a:p>
+        </p:txBody>
+      </p:sp>
+      <p:sp>
+        <p:nvSpPr>
+          <p:cNvPr id="3" name="Content Placeholder 2"/>
+          <p:cNvSpPr>
+            <a:spLocks noGrp="1"/>
+          </p:cNvSpPr>
+          <p:nvPr>
+            <p:ph idx="1"/>
+          </p:nvPr>
+        </p:nvSpPr>
+        <p:spPr/>
+        <p:txBody>
+          <a:bodyPr/>
+          <a:lstStyle/>
+          <a:p>
+            <a:r>
+              <a:rPr lang="en-US">
+                <a:latin typeface="Arial" panose="020B0604020202020204" pitchFamily="34" charset="0"/>
+                <a:cs typeface="Arial" panose="020B0604020202020204" pitchFamily="34" charset="0"/>
+              </a:rPr>
+              <a:t>Ví dụ ta có table User và Test, mỗi user sẽ có lúc có nhiều bài test và một bài test có thể có nhiều user cùng làm</a:t>
+            </a:r>
+          </a:p>
+          <a:p>
+            <a:endParaRPr lang="en-US">
+              <a:latin typeface="Arial" panose="020B0604020202020204" pitchFamily="34" charset="0"/>
+              <a:cs typeface="Arial" panose="020B0604020202020204" pitchFamily="34" charset="0"/>
+            </a:endParaRPr>
+          </a:p>
+        </p:txBody>
+      </p:sp>
+      <p:pic>
+        <p:nvPicPr>
+          <p:cNvPr id="6" name="Picture 5">
+            <a:extLst>
+              <a:ext uri="{FF2B5EF4-FFF2-40B4-BE49-F238E27FC236}">
+                <a16:creationId xmlns:a16="http://schemas.microsoft.com/office/drawing/2014/main" id="{5A7335C2-13AC-2BAE-6313-54B0AEF6D628}"/>
+              </a:ext>
+            </a:extLst>
+          </p:cNvPr>
+          <p:cNvPicPr>
+            <a:picLocks noChangeAspect="1"/>
+          </p:cNvPicPr>
+          <p:nvPr/>
+        </p:nvPicPr>
+        <p:blipFill>
+          <a:blip r:embed="rId2"/>
+          <a:stretch>
+            <a:fillRect/>
+          </a:stretch>
+        </p:blipFill>
+        <p:spPr>
+          <a:xfrm>
+            <a:off x="677334" y="3117785"/>
+            <a:ext cx="1800225" cy="933450"/>
+          </a:xfrm>
+          <a:prstGeom prst="rect">
+            <a:avLst/>
+          </a:prstGeom>
+        </p:spPr>
+      </p:pic>
+      <p:pic>
+        <p:nvPicPr>
+          <p:cNvPr id="10" name="Picture 9">
+            <a:extLst>
+              <a:ext uri="{FF2B5EF4-FFF2-40B4-BE49-F238E27FC236}">
+                <a16:creationId xmlns:a16="http://schemas.microsoft.com/office/drawing/2014/main" id="{1E76F9D9-190E-F568-2AC6-7A6D0E57754F}"/>
+              </a:ext>
+            </a:extLst>
+          </p:cNvPr>
+          <p:cNvPicPr>
+            <a:picLocks noChangeAspect="1"/>
+          </p:cNvPicPr>
+          <p:nvPr/>
+        </p:nvPicPr>
+        <p:blipFill>
+          <a:blip r:embed="rId3"/>
+          <a:stretch>
+            <a:fillRect/>
+          </a:stretch>
+        </p:blipFill>
+        <p:spPr>
+          <a:xfrm>
+            <a:off x="6435012" y="3117785"/>
+            <a:ext cx="1762125" cy="1143000"/>
+          </a:xfrm>
+          <a:prstGeom prst="rect">
+            <a:avLst/>
+          </a:prstGeom>
+        </p:spPr>
+      </p:pic>
+      <p:pic>
+        <p:nvPicPr>
+          <p:cNvPr id="12" name="Picture 11">
+            <a:extLst>
+              <a:ext uri="{FF2B5EF4-FFF2-40B4-BE49-F238E27FC236}">
+                <a16:creationId xmlns:a16="http://schemas.microsoft.com/office/drawing/2014/main" id="{AEEA14B5-BC92-9DDE-4835-BC951C099041}"/>
+              </a:ext>
+            </a:extLst>
+          </p:cNvPr>
+          <p:cNvPicPr>
+            <a:picLocks noChangeAspect="1"/>
+          </p:cNvPicPr>
+          <p:nvPr/>
+        </p:nvPicPr>
+        <p:blipFill>
+          <a:blip r:embed="rId4"/>
+          <a:stretch>
+            <a:fillRect/>
+          </a:stretch>
+        </p:blipFill>
+        <p:spPr>
+          <a:xfrm>
+            <a:off x="2937048" y="3117785"/>
+            <a:ext cx="3038475" cy="2019300"/>
+          </a:xfrm>
+          <a:prstGeom prst="rect">
+            <a:avLst/>
+          </a:prstGeom>
+        </p:spPr>
+      </p:pic>
+      <p:pic>
+        <p:nvPicPr>
+          <p:cNvPr id="14" name="Picture 13">
+            <a:extLst>
+              <a:ext uri="{FF2B5EF4-FFF2-40B4-BE49-F238E27FC236}">
+                <a16:creationId xmlns:a16="http://schemas.microsoft.com/office/drawing/2014/main" id="{1CBA3D9C-FA74-B12D-3004-7E44B62C0AD4}"/>
+              </a:ext>
+            </a:extLst>
+          </p:cNvPr>
+          <p:cNvPicPr>
+            <a:picLocks noChangeAspect="1"/>
+          </p:cNvPicPr>
+          <p:nvPr/>
+        </p:nvPicPr>
+        <p:blipFill>
+          <a:blip r:embed="rId5"/>
+          <a:stretch>
+            <a:fillRect/>
+          </a:stretch>
+        </p:blipFill>
+        <p:spPr>
+          <a:xfrm>
+            <a:off x="9136224" y="428625"/>
+            <a:ext cx="2590800" cy="6000750"/>
+          </a:xfrm>
+          <a:prstGeom prst="rect">
+            <a:avLst/>
+          </a:prstGeom>
+        </p:spPr>
+      </p:pic>
+    </p:spTree>
+    <p:extLst>
+      <p:ext uri="{BB962C8B-B14F-4D97-AF65-F5344CB8AC3E}">
+        <p14:creationId xmlns:p14="http://schemas.microsoft.com/office/powerpoint/2010/main" val="2369791698"/>
       </p:ext>
     </p:extLst>
   </p:cSld>
@@ -12409,16 +13647,12 @@
           <a:lstStyle/>
           <a:p>
             <a:r>
-              <a:rPr lang="en-US" dirty="0" smtClean="0">
+              <a:rPr lang="en-US">
                 <a:latin typeface="Arial" panose="020B0604020202020204" pitchFamily="34" charset="0"/>
                 <a:cs typeface="Arial" panose="020B0604020202020204" pitchFamily="34" charset="0"/>
               </a:rPr>
               <a:t>New project</a:t>
             </a:r>
-            <a:endParaRPr lang="en-US" dirty="0">
-              <a:latin typeface="Arial" panose="020B0604020202020204" pitchFamily="34" charset="0"/>
-              <a:cs typeface="Arial" panose="020B0604020202020204" pitchFamily="34" charset="0"/>
-            </a:endParaRPr>
           </a:p>
         </p:txBody>
       </p:sp>
@@ -12438,7 +13672,7 @@
           <a:lstStyle/>
           <a:p>
             <a:r>
-              <a:rPr lang="en-US" dirty="0" smtClean="0">
+              <a:rPr lang="en-US">
                 <a:latin typeface="Arial" panose="020B0604020202020204" pitchFamily="34" charset="0"/>
                 <a:cs typeface="Arial" panose="020B0604020202020204" pitchFamily="34" charset="0"/>
               </a:rPr>
@@ -12446,7 +13680,7 @@
             </a:r>
           </a:p>
           <a:p>
-            <a:endParaRPr lang="en-US" dirty="0">
+            <a:endParaRPr lang="en-US">
               <a:latin typeface="Arial" panose="020B0604020202020204" pitchFamily="34" charset="0"/>
               <a:cs typeface="Arial" panose="020B0604020202020204" pitchFamily="34" charset="0"/>
             </a:endParaRPr>
@@ -12547,16 +13781,12 @@
           <a:lstStyle/>
           <a:p>
             <a:r>
-              <a:rPr lang="en-US" dirty="0" smtClean="0">
+              <a:rPr lang="en-US">
                 <a:latin typeface="Arial" panose="020B0604020202020204" pitchFamily="34" charset="0"/>
                 <a:cs typeface="Arial" panose="020B0604020202020204" pitchFamily="34" charset="0"/>
               </a:rPr>
               <a:t>Data</a:t>
             </a:r>
-            <a:endParaRPr lang="en-US" dirty="0">
-              <a:latin typeface="Arial" panose="020B0604020202020204" pitchFamily="34" charset="0"/>
-              <a:cs typeface="Arial" panose="020B0604020202020204" pitchFamily="34" charset="0"/>
-            </a:endParaRPr>
           </a:p>
         </p:txBody>
       </p:sp>
@@ -12576,7 +13806,7 @@
           <a:lstStyle/>
           <a:p>
             <a:r>
-              <a:rPr lang="en-US" dirty="0" smtClean="0">
+              <a:rPr lang="en-US">
                 <a:latin typeface="Arial" panose="020B0604020202020204" pitchFamily="34" charset="0"/>
                 <a:cs typeface="Arial" panose="020B0604020202020204" pitchFamily="34" charset="0"/>
               </a:rPr>
@@ -12584,7 +13814,7 @@
             </a:r>
           </a:p>
           <a:p>
-            <a:endParaRPr lang="en-US" dirty="0">
+            <a:endParaRPr lang="en-US">
               <a:latin typeface="Arial" panose="020B0604020202020204" pitchFamily="34" charset="0"/>
               <a:cs typeface="Arial" panose="020B0604020202020204" pitchFamily="34" charset="0"/>
             </a:endParaRPr>
@@ -12637,37 +13867,37 @@
           <a:lstStyle/>
           <a:p>
             <a:r>
-              <a:rPr lang="en-US" sz="1400" dirty="0"/>
+              <a:rPr lang="en-US" sz="1400"/>
               <a:t>INSERT INTO `user` (`id`, `name`, `email`) VALUES</a:t>
             </a:r>
           </a:p>
           <a:p>
             <a:r>
-              <a:rPr lang="en-US" sz="1400" dirty="0"/>
+              <a:rPr lang="en-US" sz="1400"/>
               <a:t>	(1, 'Hào', 'hao@abc.com'),</a:t>
             </a:r>
           </a:p>
           <a:p>
             <a:r>
-              <a:rPr lang="en-US" sz="1400" dirty="0"/>
+              <a:rPr lang="en-US" sz="1400"/>
               <a:t>	(2, 'Lan', 'lan@abc.com'),</a:t>
             </a:r>
           </a:p>
           <a:p>
             <a:r>
-              <a:rPr lang="en-US" sz="1400" dirty="0"/>
+              <a:rPr lang="en-US" sz="1400"/>
               <a:t>	(3, 'Điệp', 'diep@abc.com'),</a:t>
             </a:r>
           </a:p>
           <a:p>
             <a:r>
-              <a:rPr lang="en-US" sz="1400" dirty="0"/>
+              <a:rPr lang="en-US" sz="1400"/>
               <a:t>	(4, 'Hào', 'hao@abc.com'),</a:t>
             </a:r>
           </a:p>
           <a:p>
             <a:r>
-              <a:rPr lang="en-US" sz="1400" dirty="0"/>
+              <a:rPr lang="en-US" sz="1400"/>
               <a:t>	(5, 'Linh', 'linh@abc.com');</a:t>
             </a:r>
           </a:p>
@@ -12719,16 +13949,12 @@
           <a:lstStyle/>
           <a:p>
             <a:r>
-              <a:rPr lang="en-US" dirty="0" smtClean="0">
+              <a:rPr lang="en-US">
                 <a:latin typeface="Arial" panose="020B0604020202020204" pitchFamily="34" charset="0"/>
                 <a:cs typeface="Arial" panose="020B0604020202020204" pitchFamily="34" charset="0"/>
               </a:rPr>
               <a:t>Start project</a:t>
             </a:r>
-            <a:endParaRPr lang="en-US" dirty="0">
-              <a:latin typeface="Arial" panose="020B0604020202020204" pitchFamily="34" charset="0"/>
-              <a:cs typeface="Arial" panose="020B0604020202020204" pitchFamily="34" charset="0"/>
-            </a:endParaRPr>
           </a:p>
         </p:txBody>
       </p:sp>
@@ -12748,7 +13974,7 @@
           <a:lstStyle/>
           <a:p>
             <a:r>
-              <a:rPr lang="en-US" dirty="0" smtClean="0">
+              <a:rPr lang="en-US">
                 <a:latin typeface="Arial" panose="020B0604020202020204" pitchFamily="34" charset="0"/>
                 <a:cs typeface="Arial" panose="020B0604020202020204" pitchFamily="34" charset="0"/>
               </a:rPr>
@@ -12758,50 +13984,35 @@
           <a:p>
             <a:pPr lvl="1"/>
             <a:r>
-              <a:rPr lang="en-US" dirty="0">
+              <a:rPr lang="en-US">
                 <a:latin typeface="Arial" panose="020B0604020202020204" pitchFamily="34" charset="0"/>
                 <a:cs typeface="Arial" panose="020B0604020202020204" pitchFamily="34" charset="0"/>
               </a:rPr>
-              <a:t>spring.datasource.url=jdbc:mariadb://</a:t>
-            </a:r>
-            <a:r>
-              <a:rPr lang="en-US" dirty="0" smtClean="0">
+              <a:t>spring.datasource.url=jdbc:mariadb://localhost:3306/demo_data_jdbc</a:t>
+            </a:r>
+          </a:p>
+          <a:p>
+            <a:pPr lvl="1"/>
+            <a:r>
+              <a:rPr lang="en-US">
                 <a:latin typeface="Arial" panose="020B0604020202020204" pitchFamily="34" charset="0"/>
                 <a:cs typeface="Arial" panose="020B0604020202020204" pitchFamily="34" charset="0"/>
               </a:rPr>
-              <a:t>localhost:3306/demo_data_jdbc</a:t>
-            </a:r>
-            <a:endParaRPr lang="en-US" dirty="0">
-              <a:latin typeface="Arial" panose="020B0604020202020204" pitchFamily="34" charset="0"/>
-              <a:cs typeface="Arial" panose="020B0604020202020204" pitchFamily="34" charset="0"/>
-            </a:endParaRPr>
+              <a:t>spring.datasource.username=root</a:t>
+            </a:r>
           </a:p>
           <a:p>
             <a:pPr lvl="1"/>
             <a:r>
-              <a:rPr lang="en-US" dirty="0">
+              <a:rPr lang="en-US">
                 <a:latin typeface="Arial" panose="020B0604020202020204" pitchFamily="34" charset="0"/>
                 <a:cs typeface="Arial" panose="020B0604020202020204" pitchFamily="34" charset="0"/>
               </a:rPr>
-              <a:t>spring.datasource.username=root</a:t>
-            </a:r>
-          </a:p>
-          <a:p>
-            <a:pPr lvl="1"/>
-            <a:r>
-              <a:rPr lang="en-US" dirty="0">
-                <a:latin typeface="Arial" panose="020B0604020202020204" pitchFamily="34" charset="0"/>
-                <a:cs typeface="Arial" panose="020B0604020202020204" pitchFamily="34" charset="0"/>
-              </a:rPr>
               <a:t>spring.datasource.password=root</a:t>
             </a:r>
-            <a:endParaRPr lang="en-US" dirty="0" smtClean="0">
-              <a:latin typeface="Arial" panose="020B0604020202020204" pitchFamily="34" charset="0"/>
-              <a:cs typeface="Arial" panose="020B0604020202020204" pitchFamily="34" charset="0"/>
-            </a:endParaRPr>
-          </a:p>
-          <a:p>
-            <a:endParaRPr lang="en-US" dirty="0">
+          </a:p>
+          <a:p>
+            <a:endParaRPr lang="en-US">
               <a:latin typeface="Arial" panose="020B0604020202020204" pitchFamily="34" charset="0"/>
               <a:cs typeface="Arial" panose="020B0604020202020204" pitchFamily="34" charset="0"/>
             </a:endParaRPr>
@@ -12854,16 +14065,12 @@
           <a:lstStyle/>
           <a:p>
             <a:r>
-              <a:rPr lang="en-US" dirty="0" smtClean="0">
+              <a:rPr lang="en-US">
                 <a:latin typeface="Arial" panose="020B0604020202020204" pitchFamily="34" charset="0"/>
                 <a:cs typeface="Arial" panose="020B0604020202020204" pitchFamily="34" charset="0"/>
               </a:rPr>
               <a:t>Start project</a:t>
             </a:r>
-            <a:endParaRPr lang="en-US" dirty="0">
-              <a:latin typeface="Arial" panose="020B0604020202020204" pitchFamily="34" charset="0"/>
-              <a:cs typeface="Arial" panose="020B0604020202020204" pitchFamily="34" charset="0"/>
-            </a:endParaRPr>
           </a:p>
         </p:txBody>
       </p:sp>
@@ -12883,7 +14090,7 @@
           <a:lstStyle/>
           <a:p>
             <a:r>
-              <a:rPr lang="en-US" dirty="0" smtClean="0">
+              <a:rPr lang="en-US">
                 <a:latin typeface="Arial" panose="020B0604020202020204" pitchFamily="34" charset="0"/>
                 <a:cs typeface="Arial" panose="020B0604020202020204" pitchFamily="34" charset="0"/>
               </a:rPr>
@@ -12891,7 +14098,7 @@
             </a:r>
           </a:p>
           <a:p>
-            <a:endParaRPr lang="en-US" dirty="0">
+            <a:endParaRPr lang="en-US">
               <a:latin typeface="Arial" panose="020B0604020202020204" pitchFamily="34" charset="0"/>
               <a:cs typeface="Arial" panose="020B0604020202020204" pitchFamily="34" charset="0"/>
             </a:endParaRPr>
@@ -12968,7 +14175,7 @@
           <a:lstStyle/>
           <a:p>
             <a:r>
-              <a:rPr lang="en-US" dirty="0">
+              <a:rPr lang="en-US">
                 <a:latin typeface="Arial" panose="020B0604020202020204" pitchFamily="34" charset="0"/>
                 <a:cs typeface="Arial" panose="020B0604020202020204" pitchFamily="34" charset="0"/>
               </a:rPr>
@@ -12993,7 +14200,7 @@
           <a:lstStyle/>
           <a:p>
             <a:r>
-              <a:rPr lang="en-US" dirty="0" smtClean="0">
+              <a:rPr lang="en-US">
                 <a:latin typeface="Arial" panose="020B0604020202020204" pitchFamily="34" charset="0"/>
                 <a:cs typeface="Arial" panose="020B0604020202020204" pitchFamily="34" charset="0"/>
               </a:rPr>
@@ -13001,57 +14208,57 @@
             </a:r>
           </a:p>
           <a:p>
-            <a:endParaRPr lang="en-US" dirty="0">
+            <a:endParaRPr lang="en-US">
               <a:latin typeface="Arial" panose="020B0604020202020204" pitchFamily="34" charset="0"/>
               <a:cs typeface="Arial" panose="020B0604020202020204" pitchFamily="34" charset="0"/>
             </a:endParaRPr>
           </a:p>
           <a:p>
-            <a:endParaRPr lang="en-US" dirty="0" smtClean="0">
+            <a:endParaRPr lang="en-US">
               <a:latin typeface="Arial" panose="020B0604020202020204" pitchFamily="34" charset="0"/>
               <a:cs typeface="Arial" panose="020B0604020202020204" pitchFamily="34" charset="0"/>
             </a:endParaRPr>
           </a:p>
           <a:p>
-            <a:endParaRPr lang="en-US" dirty="0">
+            <a:endParaRPr lang="en-US">
               <a:latin typeface="Arial" panose="020B0604020202020204" pitchFamily="34" charset="0"/>
               <a:cs typeface="Arial" panose="020B0604020202020204" pitchFamily="34" charset="0"/>
             </a:endParaRPr>
           </a:p>
           <a:p>
-            <a:endParaRPr lang="en-US" dirty="0" smtClean="0">
+            <a:endParaRPr lang="en-US">
               <a:latin typeface="Arial" panose="020B0604020202020204" pitchFamily="34" charset="0"/>
               <a:cs typeface="Arial" panose="020B0604020202020204" pitchFamily="34" charset="0"/>
             </a:endParaRPr>
           </a:p>
           <a:p>
-            <a:endParaRPr lang="en-US" dirty="0">
+            <a:endParaRPr lang="en-US">
               <a:latin typeface="Arial" panose="020B0604020202020204" pitchFamily="34" charset="0"/>
               <a:cs typeface="Arial" panose="020B0604020202020204" pitchFamily="34" charset="0"/>
             </a:endParaRPr>
           </a:p>
           <a:p>
-            <a:endParaRPr lang="en-US" dirty="0" smtClean="0">
+            <a:endParaRPr lang="en-US">
               <a:latin typeface="Arial" panose="020B0604020202020204" pitchFamily="34" charset="0"/>
               <a:cs typeface="Arial" panose="020B0604020202020204" pitchFamily="34" charset="0"/>
             </a:endParaRPr>
           </a:p>
           <a:p>
-            <a:endParaRPr lang="en-US" dirty="0">
+            <a:endParaRPr lang="en-US">
               <a:latin typeface="Arial" panose="020B0604020202020204" pitchFamily="34" charset="0"/>
               <a:cs typeface="Arial" panose="020B0604020202020204" pitchFamily="34" charset="0"/>
             </a:endParaRPr>
           </a:p>
           <a:p>
             <a:r>
-              <a:rPr lang="en-US" dirty="0" smtClean="0">
+              <a:rPr lang="en-US">
                 <a:latin typeface="Arial" panose="020B0604020202020204" pitchFamily="34" charset="0"/>
                 <a:cs typeface="Arial" panose="020B0604020202020204" pitchFamily="34" charset="0"/>
               </a:rPr>
               <a:t>Chú ý: Trong spring data jdbc cần phải có </a:t>
             </a:r>
             <a:r>
-              <a:rPr lang="en-US" dirty="0" smtClean="0">
+              <a:rPr lang="en-US">
                 <a:solidFill>
                   <a:srgbClr val="FFC000"/>
                 </a:solidFill>
@@ -13061,53 +14268,32 @@
               <a:t>@Id </a:t>
             </a:r>
             <a:r>
-              <a:rPr lang="en-US" dirty="0" smtClean="0">
+              <a:rPr lang="en-US">
                 <a:latin typeface="Arial" panose="020B0604020202020204" pitchFamily="34" charset="0"/>
                 <a:cs typeface="Arial" panose="020B0604020202020204" pitchFamily="34" charset="0"/>
               </a:rPr>
-              <a:t>cho </a:t>
-            </a:r>
-            <a:r>
-              <a:rPr lang="en-US" dirty="0">
+              <a:t>cho các entity vì Spring Data JDBC sử dụng annotation </a:t>
+            </a:r>
+            <a:r>
+              <a:rPr lang="en-US">
+                <a:solidFill>
+                  <a:srgbClr val="FFC000"/>
+                </a:solidFill>
                 <a:latin typeface="Arial" panose="020B0604020202020204" pitchFamily="34" charset="0"/>
                 <a:cs typeface="Arial" panose="020B0604020202020204" pitchFamily="34" charset="0"/>
               </a:rPr>
-              <a:t>các entity vì Spring Data JDBC sử dụng </a:t>
-            </a:r>
-            <a:r>
-              <a:rPr lang="en-US" dirty="0" smtClean="0">
+              <a:t>@Id </a:t>
+            </a:r>
+            <a:r>
+              <a:rPr lang="en-US">
                 <a:latin typeface="Arial" panose="020B0604020202020204" pitchFamily="34" charset="0"/>
                 <a:cs typeface="Arial" panose="020B0604020202020204" pitchFamily="34" charset="0"/>
               </a:rPr>
-              <a:t>annotation </a:t>
-            </a:r>
-            <a:r>
-              <a:rPr lang="en-US" dirty="0" smtClean="0">
-                <a:solidFill>
-                  <a:srgbClr val="FFC000"/>
-                </a:solidFill>
-                <a:latin typeface="Arial" panose="020B0604020202020204" pitchFamily="34" charset="0"/>
-                <a:cs typeface="Arial" panose="020B0604020202020204" pitchFamily="34" charset="0"/>
-              </a:rPr>
-              <a:t>@Id </a:t>
-            </a:r>
-            <a:r>
-              <a:rPr lang="en-US" dirty="0">
-                <a:latin typeface="Arial" panose="020B0604020202020204" pitchFamily="34" charset="0"/>
-                <a:cs typeface="Arial" panose="020B0604020202020204" pitchFamily="34" charset="0"/>
-              </a:rPr>
-              <a:t>để xác định </a:t>
-            </a:r>
-            <a:r>
-              <a:rPr lang="en-US" dirty="0" smtClean="0">
-                <a:latin typeface="Arial" panose="020B0604020202020204" pitchFamily="34" charset="0"/>
-                <a:cs typeface="Arial" panose="020B0604020202020204" pitchFamily="34" charset="0"/>
-              </a:rPr>
-              <a:t>entity.</a:t>
-            </a:r>
-          </a:p>
-          <a:p>
-            <a:endParaRPr lang="en-US" dirty="0">
+              <a:t>để xác định entity.</a:t>
+            </a:r>
+          </a:p>
+          <a:p>
+            <a:endParaRPr lang="en-US">
               <a:latin typeface="Arial" panose="020B0604020202020204" pitchFamily="34" charset="0"/>
               <a:cs typeface="Arial" panose="020B0604020202020204" pitchFamily="34" charset="0"/>
             </a:endParaRPr>
@@ -13185,7 +14371,7 @@
               <a:tabLst/>
             </a:pPr>
             <a:r>
-              <a:rPr kumimoji="0" lang="en-US" altLang="en-US" sz="1100" b="0" i="0" u="none" strike="noStrike" cap="none" normalizeH="0" baseline="0" smtClean="0">
+              <a:rPr kumimoji="0" lang="en-US" altLang="en-US" sz="1100" b="0" i="0" u="none" strike="noStrike" cap="none" normalizeH="0" baseline="0">
                 <a:ln>
                   <a:noFill/>
                 </a:ln>
@@ -13199,7 +14385,7 @@
               <a:t>@Getter</a:t>
             </a:r>
             <a:br>
-              <a:rPr kumimoji="0" lang="en-US" altLang="en-US" sz="1100" b="0" i="0" u="none" strike="noStrike" cap="none" normalizeH="0" baseline="0" smtClean="0">
+              <a:rPr kumimoji="0" lang="en-US" altLang="en-US" sz="1100" b="0" i="0" u="none" strike="noStrike" cap="none" normalizeH="0" baseline="0">
                 <a:ln>
                   <a:noFill/>
                 </a:ln>
@@ -13212,7 +14398,7 @@
               </a:rPr>
             </a:br>
             <a:r>
-              <a:rPr kumimoji="0" lang="en-US" altLang="en-US" sz="1100" b="0" i="0" u="none" strike="noStrike" cap="none" normalizeH="0" baseline="0" smtClean="0">
+              <a:rPr kumimoji="0" lang="en-US" altLang="en-US" sz="1100" b="0" i="0" u="none" strike="noStrike" cap="none" normalizeH="0" baseline="0">
                 <a:ln>
                   <a:noFill/>
                 </a:ln>
@@ -13226,7 +14412,7 @@
               <a:t>@Setter</a:t>
             </a:r>
             <a:br>
-              <a:rPr kumimoji="0" lang="en-US" altLang="en-US" sz="1100" b="0" i="0" u="none" strike="noStrike" cap="none" normalizeH="0" baseline="0" smtClean="0">
+              <a:rPr kumimoji="0" lang="en-US" altLang="en-US" sz="1100" b="0" i="0" u="none" strike="noStrike" cap="none" normalizeH="0" baseline="0">
                 <a:ln>
                   <a:noFill/>
                 </a:ln>
@@ -13239,7 +14425,7 @@
               </a:rPr>
             </a:br>
             <a:r>
-              <a:rPr kumimoji="0" lang="en-US" altLang="en-US" sz="1100" b="0" i="0" u="none" strike="noStrike" cap="none" normalizeH="0" baseline="0" smtClean="0">
+              <a:rPr kumimoji="0" lang="en-US" altLang="en-US" sz="1100" b="0" i="0" u="none" strike="noStrike" cap="none" normalizeH="0" baseline="0">
                 <a:ln>
                   <a:noFill/>
                 </a:ln>
@@ -13253,7 +14439,7 @@
               <a:t>@NoArgsConstructor</a:t>
             </a:r>
             <a:br>
-              <a:rPr kumimoji="0" lang="en-US" altLang="en-US" sz="1100" b="0" i="0" u="none" strike="noStrike" cap="none" normalizeH="0" baseline="0" smtClean="0">
+              <a:rPr kumimoji="0" lang="en-US" altLang="en-US" sz="1100" b="0" i="0" u="none" strike="noStrike" cap="none" normalizeH="0" baseline="0">
                 <a:ln>
                   <a:noFill/>
                 </a:ln>
@@ -13266,7 +14452,7 @@
               </a:rPr>
             </a:br>
             <a:r>
-              <a:rPr kumimoji="0" lang="en-US" altLang="en-US" sz="1100" b="0" i="0" u="none" strike="noStrike" cap="none" normalizeH="0" baseline="0" smtClean="0">
+              <a:rPr kumimoji="0" lang="en-US" altLang="en-US" sz="1100" b="0" i="0" u="none" strike="noStrike" cap="none" normalizeH="0" baseline="0">
                 <a:ln>
                   <a:noFill/>
                 </a:ln>
@@ -13280,7 +14466,7 @@
               <a:t>@AllArgsConstructor</a:t>
             </a:r>
             <a:br>
-              <a:rPr kumimoji="0" lang="en-US" altLang="en-US" sz="1100" b="0" i="0" u="none" strike="noStrike" cap="none" normalizeH="0" baseline="0" smtClean="0">
+              <a:rPr kumimoji="0" lang="en-US" altLang="en-US" sz="1100" b="0" i="0" u="none" strike="noStrike" cap="none" normalizeH="0" baseline="0">
                 <a:ln>
                   <a:noFill/>
                 </a:ln>
@@ -13293,7 +14479,7 @@
               </a:rPr>
             </a:br>
             <a:r>
-              <a:rPr kumimoji="0" lang="en-US" altLang="en-US" sz="1100" b="0" i="0" u="none" strike="noStrike" cap="none" normalizeH="0" baseline="0" smtClean="0">
+              <a:rPr kumimoji="0" lang="en-US" altLang="en-US" sz="1100" b="0" i="0" u="none" strike="noStrike" cap="none" normalizeH="0" baseline="0">
                 <a:ln>
                   <a:noFill/>
                 </a:ln>
@@ -13307,7 +14493,7 @@
               <a:t>public class </a:t>
             </a:r>
             <a:r>
-              <a:rPr kumimoji="0" lang="en-US" altLang="en-US" sz="1100" b="0" i="0" u="none" strike="noStrike" cap="none" normalizeH="0" baseline="0" smtClean="0">
+              <a:rPr kumimoji="0" lang="en-US" altLang="en-US" sz="1100" b="0" i="0" u="none" strike="noStrike" cap="none" normalizeH="0" baseline="0">
                 <a:ln>
                   <a:noFill/>
                 </a:ln>
@@ -13321,7 +14507,7 @@
               <a:t>User </a:t>
             </a:r>
             <a:r>
-              <a:rPr kumimoji="0" lang="en-US" altLang="en-US" sz="1100" b="0" i="0" u="none" strike="noStrike" cap="none" normalizeH="0" baseline="0" smtClean="0">
+              <a:rPr kumimoji="0" lang="en-US" altLang="en-US" sz="1100" b="0" i="0" u="none" strike="noStrike" cap="none" normalizeH="0" baseline="0">
                 <a:ln>
                   <a:noFill/>
                 </a:ln>
@@ -13335,7 +14521,7 @@
               <a:t>{</a:t>
             </a:r>
             <a:br>
-              <a:rPr kumimoji="0" lang="en-US" altLang="en-US" sz="1100" b="0" i="0" u="none" strike="noStrike" cap="none" normalizeH="0" baseline="0" smtClean="0">
+              <a:rPr kumimoji="0" lang="en-US" altLang="en-US" sz="1100" b="0" i="0" u="none" strike="noStrike" cap="none" normalizeH="0" baseline="0">
                 <a:ln>
                   <a:noFill/>
                 </a:ln>
@@ -13348,7 +14534,7 @@
               </a:rPr>
             </a:br>
             <a:r>
-              <a:rPr kumimoji="0" lang="en-US" altLang="en-US" sz="1100" b="0" i="0" u="none" strike="noStrike" cap="none" normalizeH="0" baseline="0" smtClean="0">
+              <a:rPr kumimoji="0" lang="en-US" altLang="en-US" sz="1100" b="0" i="0" u="none" strike="noStrike" cap="none" normalizeH="0" baseline="0">
                 <a:ln>
                   <a:noFill/>
                 </a:ln>
@@ -13362,7 +14548,7 @@
               <a:t>    </a:t>
             </a:r>
             <a:r>
-              <a:rPr kumimoji="0" lang="en-US" altLang="en-US" sz="1100" b="0" i="0" u="none" strike="noStrike" cap="none" normalizeH="0" baseline="0" smtClean="0">
+              <a:rPr kumimoji="0" lang="en-US" altLang="en-US" sz="1100" b="0" i="0" u="none" strike="noStrike" cap="none" normalizeH="0" baseline="0">
                 <a:ln>
                   <a:noFill/>
                 </a:ln>
@@ -13376,7 +14562,7 @@
               <a:t>@Id</a:t>
             </a:r>
             <a:br>
-              <a:rPr kumimoji="0" lang="en-US" altLang="en-US" sz="1100" b="0" i="0" u="none" strike="noStrike" cap="none" normalizeH="0" baseline="0" smtClean="0">
+              <a:rPr kumimoji="0" lang="en-US" altLang="en-US" sz="1100" b="0" i="0" u="none" strike="noStrike" cap="none" normalizeH="0" baseline="0">
                 <a:ln>
                   <a:noFill/>
                 </a:ln>
@@ -13389,7 +14575,7 @@
               </a:rPr>
             </a:br>
             <a:r>
-              <a:rPr kumimoji="0" lang="en-US" altLang="en-US" sz="1100" b="0" i="0" u="none" strike="noStrike" cap="none" normalizeH="0" baseline="0" smtClean="0">
+              <a:rPr kumimoji="0" lang="en-US" altLang="en-US" sz="1100" b="0" i="0" u="none" strike="noStrike" cap="none" normalizeH="0" baseline="0">
                 <a:ln>
                   <a:noFill/>
                 </a:ln>
@@ -13403,7 +14589,7 @@
               <a:t>    </a:t>
             </a:r>
             <a:r>
-              <a:rPr kumimoji="0" lang="en-US" altLang="en-US" sz="1100" b="0" i="0" u="none" strike="noStrike" cap="none" normalizeH="0" baseline="0" smtClean="0">
+              <a:rPr kumimoji="0" lang="en-US" altLang="en-US" sz="1100" b="0" i="0" u="none" strike="noStrike" cap="none" normalizeH="0" baseline="0">
                 <a:ln>
                   <a:noFill/>
                 </a:ln>
@@ -13417,7 +14603,7 @@
               <a:t>private </a:t>
             </a:r>
             <a:r>
-              <a:rPr kumimoji="0" lang="en-US" altLang="en-US" sz="1100" b="0" i="0" u="none" strike="noStrike" cap="none" normalizeH="0" baseline="0" smtClean="0">
+              <a:rPr kumimoji="0" lang="en-US" altLang="en-US" sz="1100" b="0" i="0" u="none" strike="noStrike" cap="none" normalizeH="0" baseline="0">
                 <a:ln>
                   <a:noFill/>
                 </a:ln>
@@ -13431,7 +14617,7 @@
               <a:t>Integer </a:t>
             </a:r>
             <a:r>
-              <a:rPr kumimoji="0" lang="en-US" altLang="en-US" sz="1100" b="0" i="0" u="none" strike="noStrike" cap="none" normalizeH="0" baseline="0" smtClean="0">
+              <a:rPr kumimoji="0" lang="en-US" altLang="en-US" sz="1100" b="0" i="0" u="none" strike="noStrike" cap="none" normalizeH="0" baseline="0">
                 <a:ln>
                   <a:noFill/>
                 </a:ln>
@@ -13445,7 +14631,7 @@
               <a:t>id;</a:t>
             </a:r>
             <a:br>
-              <a:rPr kumimoji="0" lang="en-US" altLang="en-US" sz="1100" b="0" i="0" u="none" strike="noStrike" cap="none" normalizeH="0" baseline="0" smtClean="0">
+              <a:rPr kumimoji="0" lang="en-US" altLang="en-US" sz="1100" b="0" i="0" u="none" strike="noStrike" cap="none" normalizeH="0" baseline="0">
                 <a:ln>
                   <a:noFill/>
                 </a:ln>
@@ -13458,7 +14644,7 @@
               </a:rPr>
             </a:br>
             <a:r>
-              <a:rPr kumimoji="0" lang="en-US" altLang="en-US" sz="1100" b="0" i="0" u="none" strike="noStrike" cap="none" normalizeH="0" baseline="0" smtClean="0">
+              <a:rPr kumimoji="0" lang="en-US" altLang="en-US" sz="1100" b="0" i="0" u="none" strike="noStrike" cap="none" normalizeH="0" baseline="0">
                 <a:ln>
                   <a:noFill/>
                 </a:ln>
@@ -13472,7 +14658,7 @@
               <a:t>    </a:t>
             </a:r>
             <a:r>
-              <a:rPr kumimoji="0" lang="en-US" altLang="en-US" sz="1100" b="0" i="0" u="none" strike="noStrike" cap="none" normalizeH="0" baseline="0" smtClean="0">
+              <a:rPr kumimoji="0" lang="en-US" altLang="en-US" sz="1100" b="0" i="0" u="none" strike="noStrike" cap="none" normalizeH="0" baseline="0">
                 <a:ln>
                   <a:noFill/>
                 </a:ln>
@@ -13486,7 +14672,7 @@
               <a:t>private </a:t>
             </a:r>
             <a:r>
-              <a:rPr kumimoji="0" lang="en-US" altLang="en-US" sz="1100" b="0" i="0" u="none" strike="noStrike" cap="none" normalizeH="0" baseline="0" smtClean="0">
+              <a:rPr kumimoji="0" lang="en-US" altLang="en-US" sz="1100" b="0" i="0" u="none" strike="noStrike" cap="none" normalizeH="0" baseline="0">
                 <a:ln>
                   <a:noFill/>
                 </a:ln>
@@ -13500,7 +14686,7 @@
               <a:t>String </a:t>
             </a:r>
             <a:r>
-              <a:rPr kumimoji="0" lang="en-US" altLang="en-US" sz="1100" b="0" i="0" u="none" strike="noStrike" cap="none" normalizeH="0" baseline="0" smtClean="0">
+              <a:rPr kumimoji="0" lang="en-US" altLang="en-US" sz="1100" b="0" i="0" u="none" strike="noStrike" cap="none" normalizeH="0" baseline="0">
                 <a:ln>
                   <a:noFill/>
                 </a:ln>
@@ -13514,7 +14700,7 @@
               <a:t>name;</a:t>
             </a:r>
             <a:br>
-              <a:rPr kumimoji="0" lang="en-US" altLang="en-US" sz="1100" b="0" i="0" u="none" strike="noStrike" cap="none" normalizeH="0" baseline="0" smtClean="0">
+              <a:rPr kumimoji="0" lang="en-US" altLang="en-US" sz="1100" b="0" i="0" u="none" strike="noStrike" cap="none" normalizeH="0" baseline="0">
                 <a:ln>
                   <a:noFill/>
                 </a:ln>
@@ -13527,7 +14713,7 @@
               </a:rPr>
             </a:br>
             <a:r>
-              <a:rPr kumimoji="0" lang="en-US" altLang="en-US" sz="1100" b="0" i="0" u="none" strike="noStrike" cap="none" normalizeH="0" baseline="0" smtClean="0">
+              <a:rPr kumimoji="0" lang="en-US" altLang="en-US" sz="1100" b="0" i="0" u="none" strike="noStrike" cap="none" normalizeH="0" baseline="0">
                 <a:ln>
                   <a:noFill/>
                 </a:ln>
@@ -13541,7 +14727,7 @@
               <a:t>    </a:t>
             </a:r>
             <a:r>
-              <a:rPr kumimoji="0" lang="en-US" altLang="en-US" sz="1100" b="0" i="0" u="none" strike="noStrike" cap="none" normalizeH="0" baseline="0" smtClean="0">
+              <a:rPr kumimoji="0" lang="en-US" altLang="en-US" sz="1100" b="0" i="0" u="none" strike="noStrike" cap="none" normalizeH="0" baseline="0">
                 <a:ln>
                   <a:noFill/>
                 </a:ln>
@@ -13555,7 +14741,7 @@
               <a:t>private </a:t>
             </a:r>
             <a:r>
-              <a:rPr kumimoji="0" lang="en-US" altLang="en-US" sz="1100" b="0" i="0" u="none" strike="noStrike" cap="none" normalizeH="0" baseline="0" smtClean="0">
+              <a:rPr kumimoji="0" lang="en-US" altLang="en-US" sz="1100" b="0" i="0" u="none" strike="noStrike" cap="none" normalizeH="0" baseline="0">
                 <a:ln>
                   <a:noFill/>
                 </a:ln>
@@ -13569,7 +14755,7 @@
               <a:t>String </a:t>
             </a:r>
             <a:r>
-              <a:rPr kumimoji="0" lang="en-US" altLang="en-US" sz="1100" b="0" i="0" u="none" strike="noStrike" cap="none" normalizeH="0" baseline="0" smtClean="0">
+              <a:rPr kumimoji="0" lang="en-US" altLang="en-US" sz="1100" b="0" i="0" u="none" strike="noStrike" cap="none" normalizeH="0" baseline="0">
                 <a:ln>
                   <a:noFill/>
                 </a:ln>
@@ -13583,7 +14769,7 @@
               <a:t>email;</a:t>
             </a:r>
             <a:br>
-              <a:rPr kumimoji="0" lang="en-US" altLang="en-US" sz="1100" b="0" i="0" u="none" strike="noStrike" cap="none" normalizeH="0" baseline="0" smtClean="0">
+              <a:rPr kumimoji="0" lang="en-US" altLang="en-US" sz="1100" b="0" i="0" u="none" strike="noStrike" cap="none" normalizeH="0" baseline="0">
                 <a:ln>
                   <a:noFill/>
                 </a:ln>
@@ -13596,7 +14782,7 @@
               </a:rPr>
             </a:br>
             <a:r>
-              <a:rPr kumimoji="0" lang="en-US" altLang="en-US" sz="1100" b="0" i="0" u="none" strike="noStrike" cap="none" normalizeH="0" baseline="0" smtClean="0">
+              <a:rPr kumimoji="0" lang="en-US" altLang="en-US" sz="1100" b="0" i="0" u="none" strike="noStrike" cap="none" normalizeH="0" baseline="0">
                 <a:ln>
                   <a:noFill/>
                 </a:ln>
@@ -13609,7 +14795,7 @@
               </a:rPr>
               <a:t>}</a:t>
             </a:r>
-            <a:endParaRPr kumimoji="0" lang="en-US" altLang="en-US" sz="2800" b="0" i="0" u="none" strike="noStrike" cap="none" normalizeH="0" baseline="0" smtClean="0">
+            <a:endParaRPr kumimoji="0" lang="en-US" altLang="en-US" sz="2800" b="0" i="0" u="none" strike="noStrike" cap="none" normalizeH="0" baseline="0">
               <a:ln>
                 <a:noFill/>
               </a:ln>
@@ -13668,7 +14854,7 @@
           <a:lstStyle/>
           <a:p>
             <a:r>
-              <a:rPr lang="en-US" dirty="0">
+              <a:rPr lang="en-US">
                 <a:latin typeface="Arial" panose="020B0604020202020204" pitchFamily="34" charset="0"/>
                 <a:cs typeface="Arial" panose="020B0604020202020204" pitchFamily="34" charset="0"/>
               </a:rPr>
@@ -13693,7 +14879,7 @@
           <a:lstStyle/>
           <a:p>
             <a:r>
-              <a:rPr lang="en-US" dirty="0" smtClean="0">
+              <a:rPr lang="en-US">
                 <a:latin typeface="Arial" panose="020B0604020202020204" pitchFamily="34" charset="0"/>
                 <a:cs typeface="Arial" panose="020B0604020202020204" pitchFamily="34" charset="0"/>
               </a:rPr>
@@ -13701,69 +14887,58 @@
             </a:r>
           </a:p>
           <a:p>
-            <a:endParaRPr lang="en-US" dirty="0">
+            <a:endParaRPr lang="en-US">
               <a:latin typeface="Arial" panose="020B0604020202020204" pitchFamily="34" charset="0"/>
               <a:cs typeface="Arial" panose="020B0604020202020204" pitchFamily="34" charset="0"/>
             </a:endParaRPr>
           </a:p>
           <a:p>
-            <a:endParaRPr lang="en-US" dirty="0" smtClean="0">
+            <a:endParaRPr lang="en-US">
               <a:latin typeface="Arial" panose="020B0604020202020204" pitchFamily="34" charset="0"/>
               <a:cs typeface="Arial" panose="020B0604020202020204" pitchFamily="34" charset="0"/>
             </a:endParaRPr>
           </a:p>
           <a:p>
-            <a:endParaRPr lang="en-US" dirty="0">
+            <a:endParaRPr lang="en-US">
               <a:latin typeface="Arial" panose="020B0604020202020204" pitchFamily="34" charset="0"/>
               <a:cs typeface="Arial" panose="020B0604020202020204" pitchFamily="34" charset="0"/>
             </a:endParaRPr>
           </a:p>
           <a:p>
-            <a:endParaRPr lang="en-US" dirty="0" smtClean="0">
+            <a:endParaRPr lang="en-US">
               <a:latin typeface="Arial" panose="020B0604020202020204" pitchFamily="34" charset="0"/>
               <a:cs typeface="Arial" panose="020B0604020202020204" pitchFamily="34" charset="0"/>
             </a:endParaRPr>
           </a:p>
           <a:p>
             <a:r>
-              <a:rPr lang="en-US" dirty="0" smtClean="0">
+              <a:rPr lang="en-US">
                 <a:latin typeface="Arial" panose="020B0604020202020204" pitchFamily="34" charset="0"/>
                 <a:cs typeface="Arial" panose="020B0604020202020204" pitchFamily="34" charset="0"/>
               </a:rPr>
-              <a:t>Trong </a:t>
-            </a:r>
-            <a:r>
-              <a:rPr lang="en-US" dirty="0">
-                <a:latin typeface="Arial" panose="020B0604020202020204" pitchFamily="34" charset="0"/>
-                <a:cs typeface="Arial" panose="020B0604020202020204" pitchFamily="34" charset="0"/>
-              </a:rPr>
-              <a:t>Spring data JDBC sẽ có 2 interface chúng ta cần quan tâm đó là CrudRepository và PagingAndSortingRepository</a:t>
-            </a:r>
-            <a:endParaRPr lang="en-US" dirty="0" smtClean="0">
+              <a:t>Trong Spring data JDBC sẽ có 2 interface chúng ta cần quan tâm đó là CrudRepository và PagingAndSortingRepository</a:t>
+            </a:r>
+          </a:p>
+          <a:p>
+            <a:endParaRPr lang="en-US">
               <a:latin typeface="Arial" panose="020B0604020202020204" pitchFamily="34" charset="0"/>
               <a:cs typeface="Arial" panose="020B0604020202020204" pitchFamily="34" charset="0"/>
             </a:endParaRPr>
           </a:p>
           <a:p>
-            <a:endParaRPr lang="en-US" dirty="0">
+            <a:endParaRPr lang="en-US">
               <a:latin typeface="Arial" panose="020B0604020202020204" pitchFamily="34" charset="0"/>
               <a:cs typeface="Arial" panose="020B0604020202020204" pitchFamily="34" charset="0"/>
             </a:endParaRPr>
           </a:p>
           <a:p>
-            <a:endParaRPr lang="en-US" dirty="0" smtClean="0">
+            <a:endParaRPr lang="en-US">
               <a:latin typeface="Arial" panose="020B0604020202020204" pitchFamily="34" charset="0"/>
               <a:cs typeface="Arial" panose="020B0604020202020204" pitchFamily="34" charset="0"/>
             </a:endParaRPr>
           </a:p>
           <a:p>
-            <a:endParaRPr lang="en-US" dirty="0">
-              <a:latin typeface="Arial" panose="020B0604020202020204" pitchFamily="34" charset="0"/>
-              <a:cs typeface="Arial" panose="020B0604020202020204" pitchFamily="34" charset="0"/>
-            </a:endParaRPr>
-          </a:p>
-          <a:p>
-            <a:endParaRPr lang="en-US" dirty="0">
+            <a:endParaRPr lang="en-US">
               <a:latin typeface="Arial" panose="020B0604020202020204" pitchFamily="34" charset="0"/>
               <a:cs typeface="Arial" panose="020B0604020202020204" pitchFamily="34" charset="0"/>
             </a:endParaRPr>
@@ -13841,7 +15016,7 @@
               <a:tabLst/>
             </a:pPr>
             <a:r>
-              <a:rPr kumimoji="0" lang="en-US" altLang="en-US" sz="1100" b="0" i="0" u="none" strike="noStrike" cap="none" normalizeH="0" baseline="0" dirty="0" smtClean="0">
+              <a:rPr kumimoji="0" lang="en-US" altLang="en-US" sz="1100" b="0" i="0" u="none" strike="noStrike" cap="none" normalizeH="0" baseline="0">
                 <a:ln>
                   <a:noFill/>
                 </a:ln>
@@ -13855,7 +15030,7 @@
               <a:t>@Repository</a:t>
             </a:r>
             <a:br>
-              <a:rPr kumimoji="0" lang="en-US" altLang="en-US" sz="1100" b="0" i="0" u="none" strike="noStrike" cap="none" normalizeH="0" baseline="0" dirty="0" smtClean="0">
+              <a:rPr kumimoji="0" lang="en-US" altLang="en-US" sz="1100" b="0" i="0" u="none" strike="noStrike" cap="none" normalizeH="0" baseline="0">
                 <a:ln>
                   <a:noFill/>
                 </a:ln>
@@ -13868,7 +15043,7 @@
               </a:rPr>
             </a:br>
             <a:r>
-              <a:rPr kumimoji="0" lang="en-US" altLang="en-US" sz="1100" b="0" i="0" u="none" strike="noStrike" cap="none" normalizeH="0" baseline="0" dirty="0" smtClean="0">
+              <a:rPr kumimoji="0" lang="en-US" altLang="en-US" sz="1100" b="0" i="0" u="none" strike="noStrike" cap="none" normalizeH="0" baseline="0">
                 <a:ln>
                   <a:noFill/>
                 </a:ln>
@@ -13882,7 +15057,7 @@
               <a:t>public interface </a:t>
             </a:r>
             <a:r>
-              <a:rPr kumimoji="0" lang="en-US" altLang="en-US" sz="1100" b="0" i="1" u="none" strike="noStrike" cap="none" normalizeH="0" baseline="0" dirty="0" smtClean="0">
+              <a:rPr kumimoji="0" lang="en-US" altLang="en-US" sz="1100" b="0" i="1" u="none" strike="noStrike" cap="none" normalizeH="0" baseline="0">
                 <a:ln>
                   <a:noFill/>
                 </a:ln>
@@ -13896,7 +15071,7 @@
               <a:t>UserPagingRepository </a:t>
             </a:r>
             <a:r>
-              <a:rPr kumimoji="0" lang="en-US" altLang="en-US" sz="1100" b="0" i="0" u="none" strike="noStrike" cap="none" normalizeH="0" baseline="0" dirty="0" smtClean="0">
+              <a:rPr kumimoji="0" lang="en-US" altLang="en-US" sz="1100" b="0" i="0" u="none" strike="noStrike" cap="none" normalizeH="0" baseline="0">
                 <a:ln>
                   <a:noFill/>
                 </a:ln>
@@ -13910,7 +15085,7 @@
               <a:t>extends </a:t>
             </a:r>
             <a:r>
-              <a:rPr kumimoji="0" lang="en-US" altLang="en-US" sz="1100" b="0" i="1" u="none" strike="noStrike" cap="none" normalizeH="0" baseline="0" dirty="0" smtClean="0">
+              <a:rPr kumimoji="0" lang="en-US" altLang="en-US" sz="1100" b="0" i="1" u="none" strike="noStrike" cap="none" normalizeH="0" baseline="0">
                 <a:ln>
                   <a:noFill/>
                 </a:ln>
@@ -13924,7 +15099,7 @@
               <a:t>PagingAndSortingRepository</a:t>
             </a:r>
             <a:r>
-              <a:rPr kumimoji="0" lang="en-US" altLang="en-US" sz="1100" b="0" i="0" u="none" strike="noStrike" cap="none" normalizeH="0" baseline="0" dirty="0" smtClean="0">
+              <a:rPr kumimoji="0" lang="en-US" altLang="en-US" sz="1100" b="0" i="0" u="none" strike="noStrike" cap="none" normalizeH="0" baseline="0">
                 <a:ln>
                   <a:noFill/>
                 </a:ln>
@@ -13938,7 +15113,7 @@
               <a:t>&lt;</a:t>
             </a:r>
             <a:r>
-              <a:rPr kumimoji="0" lang="en-US" altLang="en-US" sz="1100" b="0" i="0" u="none" strike="noStrike" cap="none" normalizeH="0" baseline="0" dirty="0" smtClean="0">
+              <a:rPr kumimoji="0" lang="en-US" altLang="en-US" sz="1100" b="0" i="0" u="none" strike="noStrike" cap="none" normalizeH="0" baseline="0">
                 <a:ln>
                   <a:noFill/>
                 </a:ln>
@@ -13952,7 +15127,7 @@
               <a:t>User</a:t>
             </a:r>
             <a:r>
-              <a:rPr kumimoji="0" lang="en-US" altLang="en-US" sz="1100" b="0" i="0" u="none" strike="noStrike" cap="none" normalizeH="0" baseline="0" dirty="0" smtClean="0">
+              <a:rPr kumimoji="0" lang="en-US" altLang="en-US" sz="1100" b="0" i="0" u="none" strike="noStrike" cap="none" normalizeH="0" baseline="0">
                 <a:ln>
                   <a:noFill/>
                 </a:ln>
@@ -13966,7 +15141,7 @@
               <a:t>, </a:t>
             </a:r>
             <a:r>
-              <a:rPr kumimoji="0" lang="en-US" altLang="en-US" sz="1100" b="0" i="0" u="none" strike="noStrike" cap="none" normalizeH="0" baseline="0" dirty="0" smtClean="0">
+              <a:rPr kumimoji="0" lang="en-US" altLang="en-US" sz="1100" b="0" i="0" u="none" strike="noStrike" cap="none" normalizeH="0" baseline="0">
                 <a:ln>
                   <a:noFill/>
                 </a:ln>
@@ -13980,7 +15155,7 @@
               <a:t>Integer</a:t>
             </a:r>
             <a:r>
-              <a:rPr kumimoji="0" lang="en-US" altLang="en-US" sz="1100" b="0" i="0" u="none" strike="noStrike" cap="none" normalizeH="0" baseline="0" dirty="0" smtClean="0">
+              <a:rPr kumimoji="0" lang="en-US" altLang="en-US" sz="1100" b="0" i="0" u="none" strike="noStrike" cap="none" normalizeH="0" baseline="0">
                 <a:ln>
                   <a:noFill/>
                 </a:ln>
@@ -13994,7 +15169,7 @@
               <a:t>&gt; </a:t>
             </a:r>
             <a:r>
-              <a:rPr kumimoji="0" lang="en-US" altLang="en-US" sz="1100" b="0" i="0" u="none" strike="noStrike" cap="none" normalizeH="0" baseline="0" dirty="0" smtClean="0">
+              <a:rPr kumimoji="0" lang="en-US" altLang="en-US" sz="1100" b="0" i="0" u="none" strike="noStrike" cap="none" normalizeH="0" baseline="0">
                 <a:ln>
                   <a:noFill/>
                 </a:ln>
@@ -14008,7 +15183,7 @@
               <a:t>{</a:t>
             </a:r>
             <a:br>
-              <a:rPr kumimoji="0" lang="en-US" altLang="en-US" sz="1100" b="0" i="0" u="none" strike="noStrike" cap="none" normalizeH="0" baseline="0" dirty="0" smtClean="0">
+              <a:rPr kumimoji="0" lang="en-US" altLang="en-US" sz="1100" b="0" i="0" u="none" strike="noStrike" cap="none" normalizeH="0" baseline="0">
                 <a:ln>
                   <a:noFill/>
                 </a:ln>
@@ -14021,7 +15196,7 @@
               </a:rPr>
             </a:br>
             <a:r>
-              <a:rPr kumimoji="0" lang="en-US" altLang="en-US" sz="1100" b="0" i="0" u="none" strike="noStrike" cap="none" normalizeH="0" baseline="0" dirty="0" smtClean="0">
+              <a:rPr kumimoji="0" lang="en-US" altLang="en-US" sz="1100" b="0" i="0" u="none" strike="noStrike" cap="none" normalizeH="0" baseline="0">
                 <a:ln>
                   <a:noFill/>
                 </a:ln>
@@ -14034,7 +15209,7 @@
               </a:rPr>
               <a:t>}</a:t>
             </a:r>
-            <a:endParaRPr kumimoji="0" lang="en-US" altLang="en-US" sz="2800" b="0" i="0" u="none" strike="noStrike" cap="none" normalizeH="0" baseline="0" dirty="0" smtClean="0">
+            <a:endParaRPr kumimoji="0" lang="en-US" altLang="en-US" sz="2800" b="0" i="0" u="none" strike="noStrike" cap="none" normalizeH="0" baseline="0">
               <a:ln>
                 <a:noFill/>
               </a:ln>
@@ -14118,7 +15293,7 @@
               <a:tabLst/>
             </a:pPr>
             <a:r>
-              <a:rPr kumimoji="0" lang="en-US" altLang="en-US" sz="1100" b="0" i="0" u="none" strike="noStrike" cap="none" normalizeH="0" baseline="0" dirty="0" smtClean="0">
+              <a:rPr kumimoji="0" lang="en-US" altLang="en-US" sz="1100" b="0" i="0" u="none" strike="noStrike" cap="none" normalizeH="0" baseline="0">
                 <a:ln>
                   <a:noFill/>
                 </a:ln>
@@ -14132,7 +15307,7 @@
               <a:t>@Repository</a:t>
             </a:r>
             <a:br>
-              <a:rPr kumimoji="0" lang="en-US" altLang="en-US" sz="1100" b="0" i="0" u="none" strike="noStrike" cap="none" normalizeH="0" baseline="0" dirty="0" smtClean="0">
+              <a:rPr kumimoji="0" lang="en-US" altLang="en-US" sz="1100" b="0" i="0" u="none" strike="noStrike" cap="none" normalizeH="0" baseline="0">
                 <a:ln>
                   <a:noFill/>
                 </a:ln>
@@ -14145,7 +15320,7 @@
               </a:rPr>
             </a:br>
             <a:r>
-              <a:rPr kumimoji="0" lang="en-US" altLang="en-US" sz="1100" b="0" i="0" u="none" strike="noStrike" cap="none" normalizeH="0" baseline="0" dirty="0" smtClean="0">
+              <a:rPr kumimoji="0" lang="en-US" altLang="en-US" sz="1100" b="0" i="0" u="none" strike="noStrike" cap="none" normalizeH="0" baseline="0">
                 <a:ln>
                   <a:noFill/>
                 </a:ln>
@@ -14159,7 +15334,7 @@
               <a:t>public interface </a:t>
             </a:r>
             <a:r>
-              <a:rPr kumimoji="0" lang="en-US" altLang="en-US" sz="1100" b="0" i="1" u="none" strike="noStrike" cap="none" normalizeH="0" baseline="0" dirty="0" smtClean="0">
+              <a:rPr kumimoji="0" lang="en-US" altLang="en-US" sz="1100" b="0" i="1" u="none" strike="noStrike" cap="none" normalizeH="0" baseline="0">
                 <a:ln>
                   <a:noFill/>
                 </a:ln>
@@ -14173,7 +15348,7 @@
               <a:t>UserRepository </a:t>
             </a:r>
             <a:r>
-              <a:rPr kumimoji="0" lang="en-US" altLang="en-US" sz="1100" b="0" i="0" u="none" strike="noStrike" cap="none" normalizeH="0" baseline="0" dirty="0" smtClean="0">
+              <a:rPr kumimoji="0" lang="en-US" altLang="en-US" sz="1100" b="0" i="0" u="none" strike="noStrike" cap="none" normalizeH="0" baseline="0">
                 <a:ln>
                   <a:noFill/>
                 </a:ln>
@@ -14187,7 +15362,7 @@
               <a:t>extends </a:t>
             </a:r>
             <a:r>
-              <a:rPr kumimoji="0" lang="en-US" altLang="en-US" sz="1100" b="0" i="1" u="none" strike="noStrike" cap="none" normalizeH="0" baseline="0" dirty="0" smtClean="0">
+              <a:rPr kumimoji="0" lang="en-US" altLang="en-US" sz="1100" b="0" i="1" u="none" strike="noStrike" cap="none" normalizeH="0" baseline="0">
                 <a:ln>
                   <a:noFill/>
                 </a:ln>
@@ -14201,7 +15376,7 @@
               <a:t>CrudRepository</a:t>
             </a:r>
             <a:r>
-              <a:rPr kumimoji="0" lang="en-US" altLang="en-US" sz="1100" b="0" i="0" u="none" strike="noStrike" cap="none" normalizeH="0" baseline="0" dirty="0" smtClean="0">
+              <a:rPr kumimoji="0" lang="en-US" altLang="en-US" sz="1100" b="0" i="0" u="none" strike="noStrike" cap="none" normalizeH="0" baseline="0">
                 <a:ln>
                   <a:noFill/>
                 </a:ln>
@@ -14215,7 +15390,7 @@
               <a:t>&lt;</a:t>
             </a:r>
             <a:r>
-              <a:rPr kumimoji="0" lang="en-US" altLang="en-US" sz="1100" b="0" i="0" u="none" strike="noStrike" cap="none" normalizeH="0" baseline="0" dirty="0" smtClean="0">
+              <a:rPr kumimoji="0" lang="en-US" altLang="en-US" sz="1100" b="0" i="0" u="none" strike="noStrike" cap="none" normalizeH="0" baseline="0">
                 <a:ln>
                   <a:noFill/>
                 </a:ln>
@@ -14229,7 +15404,7 @@
               <a:t>User</a:t>
             </a:r>
             <a:r>
-              <a:rPr kumimoji="0" lang="en-US" altLang="en-US" sz="1100" b="0" i="0" u="none" strike="noStrike" cap="none" normalizeH="0" baseline="0" dirty="0" smtClean="0">
+              <a:rPr kumimoji="0" lang="en-US" altLang="en-US" sz="1100" b="0" i="0" u="none" strike="noStrike" cap="none" normalizeH="0" baseline="0">
                 <a:ln>
                   <a:noFill/>
                 </a:ln>
@@ -14243,7 +15418,7 @@
               <a:t>, </a:t>
             </a:r>
             <a:r>
-              <a:rPr kumimoji="0" lang="en-US" altLang="en-US" sz="1100" b="0" i="0" u="none" strike="noStrike" cap="none" normalizeH="0" baseline="0" dirty="0" smtClean="0">
+              <a:rPr kumimoji="0" lang="en-US" altLang="en-US" sz="1100" b="0" i="0" u="none" strike="noStrike" cap="none" normalizeH="0" baseline="0">
                 <a:ln>
                   <a:noFill/>
                 </a:ln>
@@ -14257,7 +15432,7 @@
               <a:t>Integer</a:t>
             </a:r>
             <a:r>
-              <a:rPr kumimoji="0" lang="en-US" altLang="en-US" sz="1100" b="0" i="0" u="none" strike="noStrike" cap="none" normalizeH="0" baseline="0" dirty="0" smtClean="0">
+              <a:rPr kumimoji="0" lang="en-US" altLang="en-US" sz="1100" b="0" i="0" u="none" strike="noStrike" cap="none" normalizeH="0" baseline="0">
                 <a:ln>
                   <a:noFill/>
                 </a:ln>
@@ -14271,7 +15446,7 @@
               <a:t>&gt; </a:t>
             </a:r>
             <a:r>
-              <a:rPr kumimoji="0" lang="en-US" altLang="en-US" sz="1100" b="0" i="0" u="none" strike="noStrike" cap="none" normalizeH="0" baseline="0" dirty="0" smtClean="0">
+              <a:rPr kumimoji="0" lang="en-US" altLang="en-US" sz="1100" b="0" i="0" u="none" strike="noStrike" cap="none" normalizeH="0" baseline="0">
                 <a:ln>
                   <a:noFill/>
                 </a:ln>
@@ -14285,7 +15460,7 @@
               <a:t>{</a:t>
             </a:r>
             <a:br>
-              <a:rPr kumimoji="0" lang="en-US" altLang="en-US" sz="1100" b="0" i="0" u="none" strike="noStrike" cap="none" normalizeH="0" baseline="0" dirty="0" smtClean="0">
+              <a:rPr kumimoji="0" lang="en-US" altLang="en-US" sz="1100" b="0" i="0" u="none" strike="noStrike" cap="none" normalizeH="0" baseline="0">
                 <a:ln>
                   <a:noFill/>
                 </a:ln>
@@ -14298,7 +15473,7 @@
               </a:rPr>
             </a:br>
             <a:r>
-              <a:rPr kumimoji="0" lang="en-US" altLang="en-US" sz="1100" b="0" i="0" u="none" strike="noStrike" cap="none" normalizeH="0" baseline="0" dirty="0" smtClean="0">
+              <a:rPr kumimoji="0" lang="en-US" altLang="en-US" sz="1100" b="0" i="0" u="none" strike="noStrike" cap="none" normalizeH="0" baseline="0">
                 <a:ln>
                   <a:noFill/>
                 </a:ln>
@@ -14311,7 +15486,7 @@
               </a:rPr>
               <a:t>}</a:t>
             </a:r>
-            <a:endParaRPr kumimoji="0" lang="en-US" altLang="en-US" sz="2800" b="0" i="0" u="none" strike="noStrike" cap="none" normalizeH="0" baseline="0" dirty="0" smtClean="0">
+            <a:endParaRPr kumimoji="0" lang="en-US" altLang="en-US" sz="2800" b="0" i="0" u="none" strike="noStrike" cap="none" normalizeH="0" baseline="0">
               <a:ln>
                 <a:noFill/>
               </a:ln>

--- a/06.Spring Data JDBC.pptx
+++ b/06.Spring Data JDBC.pptx
@@ -865,7 +865,7 @@
           <a:p>
             <a:fld id="{E7E49A89-72C0-40C6-A55C-C6C12D525ACC}" type="datetimeFigureOut">
               <a:rPr lang="en-US" smtClean="0"/>
-              <a:t>8/13/2024</a:t>
+              <a:t>8/20/2024</a:t>
             </a:fld>
             <a:endParaRPr lang="en-US"/>
           </a:p>
@@ -1116,7 +1116,7 @@
           <a:p>
             <a:fld id="{E7E49A89-72C0-40C6-A55C-C6C12D525ACC}" type="datetimeFigureOut">
               <a:rPr lang="en-US" smtClean="0"/>
-              <a:t>8/13/2024</a:t>
+              <a:t>8/20/2024</a:t>
             </a:fld>
             <a:endParaRPr lang="en-US"/>
           </a:p>
@@ -1430,7 +1430,7 @@
           <a:p>
             <a:fld id="{E7E49A89-72C0-40C6-A55C-C6C12D525ACC}" type="datetimeFigureOut">
               <a:rPr lang="en-US" smtClean="0"/>
-              <a:t>8/13/2024</a:t>
+              <a:t>8/20/2024</a:t>
             </a:fld>
             <a:endParaRPr lang="en-US"/>
           </a:p>
@@ -1757,7 +1757,7 @@
           <a:p>
             <a:fld id="{E7E49A89-72C0-40C6-A55C-C6C12D525ACC}" type="datetimeFigureOut">
               <a:rPr lang="en-US" smtClean="0"/>
-              <a:t>8/13/2024</a:t>
+              <a:t>8/20/2024</a:t>
             </a:fld>
             <a:endParaRPr lang="en-US"/>
           </a:p>
@@ -2071,7 +2071,7 @@
           <a:p>
             <a:fld id="{E7E49A89-72C0-40C6-A55C-C6C12D525ACC}" type="datetimeFigureOut">
               <a:rPr lang="en-US" smtClean="0"/>
-              <a:t>8/13/2024</a:t>
+              <a:t>8/20/2024</a:t>
             </a:fld>
             <a:endParaRPr lang="en-US"/>
           </a:p>
@@ -2458,7 +2458,7 @@
           <a:p>
             <a:fld id="{E7E49A89-72C0-40C6-A55C-C6C12D525ACC}" type="datetimeFigureOut">
               <a:rPr lang="en-US" smtClean="0"/>
-              <a:t>8/13/2024</a:t>
+              <a:t>8/20/2024</a:t>
             </a:fld>
             <a:endParaRPr lang="en-US"/>
           </a:p>
@@ -2628,7 +2628,7 @@
           <a:p>
             <a:fld id="{E7E49A89-72C0-40C6-A55C-C6C12D525ACC}" type="datetimeFigureOut">
               <a:rPr lang="en-US" smtClean="0"/>
-              <a:t>8/13/2024</a:t>
+              <a:t>8/20/2024</a:t>
             </a:fld>
             <a:endParaRPr lang="en-US"/>
           </a:p>
@@ -2808,7 +2808,7 @@
           <a:p>
             <a:fld id="{E7E49A89-72C0-40C6-A55C-C6C12D525ACC}" type="datetimeFigureOut">
               <a:rPr lang="en-US" smtClean="0"/>
-              <a:t>8/13/2024</a:t>
+              <a:t>8/20/2024</a:t>
             </a:fld>
             <a:endParaRPr lang="en-US"/>
           </a:p>
@@ -2984,7 +2984,7 @@
           <a:p>
             <a:fld id="{E7E49A89-72C0-40C6-A55C-C6C12D525ACC}" type="datetimeFigureOut">
               <a:rPr lang="en-US" smtClean="0"/>
-              <a:t>8/13/2024</a:t>
+              <a:t>8/20/2024</a:t>
             </a:fld>
             <a:endParaRPr lang="en-US"/>
           </a:p>
@@ -3231,7 +3231,7 @@
           <a:p>
             <a:fld id="{E7E49A89-72C0-40C6-A55C-C6C12D525ACC}" type="datetimeFigureOut">
               <a:rPr lang="en-US" smtClean="0"/>
-              <a:t>8/13/2024</a:t>
+              <a:t>8/20/2024</a:t>
             </a:fld>
             <a:endParaRPr lang="en-US"/>
           </a:p>
@@ -3463,7 +3463,7 @@
           <a:p>
             <a:fld id="{E7E49A89-72C0-40C6-A55C-C6C12D525ACC}" type="datetimeFigureOut">
               <a:rPr lang="en-US" smtClean="0"/>
-              <a:t>8/13/2024</a:t>
+              <a:t>8/20/2024</a:t>
             </a:fld>
             <a:endParaRPr lang="en-US"/>
           </a:p>
@@ -3837,7 +3837,7 @@
           <a:p>
             <a:fld id="{E7E49A89-72C0-40C6-A55C-C6C12D525ACC}" type="datetimeFigureOut">
               <a:rPr lang="en-US" smtClean="0"/>
-              <a:t>8/13/2024</a:t>
+              <a:t>8/20/2024</a:t>
             </a:fld>
             <a:endParaRPr lang="en-US"/>
           </a:p>
@@ -3960,7 +3960,7 @@
           <a:p>
             <a:fld id="{E7E49A89-72C0-40C6-A55C-C6C12D525ACC}" type="datetimeFigureOut">
               <a:rPr lang="en-US" smtClean="0"/>
-              <a:t>8/13/2024</a:t>
+              <a:t>8/20/2024</a:t>
             </a:fld>
             <a:endParaRPr lang="en-US"/>
           </a:p>
@@ -4055,7 +4055,7 @@
           <a:p>
             <a:fld id="{E7E49A89-72C0-40C6-A55C-C6C12D525ACC}" type="datetimeFigureOut">
               <a:rPr lang="en-US" smtClean="0"/>
-              <a:t>8/13/2024</a:t>
+              <a:t>8/20/2024</a:t>
             </a:fld>
             <a:endParaRPr lang="en-US"/>
           </a:p>
@@ -4310,7 +4310,7 @@
           <a:p>
             <a:fld id="{E7E49A89-72C0-40C6-A55C-C6C12D525ACC}" type="datetimeFigureOut">
               <a:rPr lang="en-US" smtClean="0"/>
-              <a:t>8/13/2024</a:t>
+              <a:t>8/20/2024</a:t>
             </a:fld>
             <a:endParaRPr lang="en-US"/>
           </a:p>
@@ -4572,7 +4572,7 @@
           <a:p>
             <a:fld id="{E7E49A89-72C0-40C6-A55C-C6C12D525ACC}" type="datetimeFigureOut">
               <a:rPr lang="en-US" smtClean="0"/>
-              <a:t>8/13/2024</a:t>
+              <a:t>8/20/2024</a:t>
             </a:fld>
             <a:endParaRPr lang="en-US"/>
           </a:p>
@@ -5317,7 +5317,7 @@
           <a:p>
             <a:fld id="{E7E49A89-72C0-40C6-A55C-C6C12D525ACC}" type="datetimeFigureOut">
               <a:rPr lang="en-US" smtClean="0"/>
-              <a:t>8/13/2024</a:t>
+              <a:t>8/20/2024</a:t>
             </a:fld>
             <a:endParaRPr lang="en-US"/>
           </a:p>
@@ -12005,12 +12005,6 @@
               <a:t>many-to-many</a:t>
             </a:r>
           </a:p>
-          <a:p>
-            <a:endParaRPr lang="en-US">
-              <a:latin typeface="Arial" panose="020B0604020202020204" pitchFamily="34" charset="0"/>
-              <a:cs typeface="Arial" panose="020B0604020202020204" pitchFamily="34" charset="0"/>
-            </a:endParaRPr>
-          </a:p>
         </p:txBody>
       </p:sp>
     </p:spTree>
